--- a/intro-a.pptx
+++ b/intro-a.pptx
@@ -264,7 +264,7 @@
           <a:p>
             <a:fld id="{0B842F42-2CE9-4E35-95C1-410DC08A50B1}" type="datetimeFigureOut">
               <a:rPr lang="en-US" smtClean="0"/>
-              <a:t>7/26/2022</a:t>
+              <a:t>8/2/2022</a:t>
             </a:fld>
             <a:endParaRPr lang="en-US"/>
           </a:p>
@@ -429,7 +429,7 @@
           <a:p>
             <a:fld id="{6F282904-F315-4730-8D91-37D99E141A6F}" type="datetimeFigureOut">
               <a:rPr lang="en-US" smtClean="0"/>
-              <a:t>7/26/2022</a:t>
+              <a:t>8/2/2022</a:t>
             </a:fld>
             <a:endParaRPr lang="en-US"/>
           </a:p>
@@ -5671,7 +5671,7 @@
         <p:spPr>
           <a:xfrm>
             <a:off x="363095" y="4186797"/>
-            <a:ext cx="10123321" cy="1610697"/>
+            <a:ext cx="10123321" cy="2277547"/>
           </a:xfrm>
           <a:prstGeom prst="rect">
             <a:avLst/>
@@ -5714,6 +5714,48 @@
             <a:r>
               <a:rPr lang="en-US" sz="2400" dirty="0"/>
               <a:t>Also members of…</a:t>
+            </a:r>
+          </a:p>
+          <a:p>
+            <a:pPr marL="684213" lvl="1" indent="-227013">
+              <a:spcBef>
+                <a:spcPts val="200"/>
+              </a:spcBef>
+              <a:buFont typeface="Arial" panose="020B0604020202020204" pitchFamily="34" charset="0"/>
+              <a:buChar char="•"/>
+            </a:pPr>
+            <a:r>
+              <a:rPr lang="en-US" sz="2000" dirty="0"/>
+              <a:t>ECP </a:t>
+            </a:r>
+            <a:r>
+              <a:rPr lang="en-US" sz="2000" dirty="0" err="1"/>
+              <a:t>ExaStar</a:t>
+            </a:r>
+            <a:r>
+              <a:rPr lang="en-US" sz="2000" dirty="0"/>
+              <a:t> project</a:t>
+            </a:r>
+          </a:p>
+          <a:p>
+            <a:pPr marL="684213" lvl="1" indent="-227013">
+              <a:spcBef>
+                <a:spcPts val="200"/>
+              </a:spcBef>
+              <a:buFont typeface="Arial" panose="020B0604020202020204" pitchFamily="34" charset="0"/>
+              <a:buChar char="•"/>
+            </a:pPr>
+            <a:r>
+              <a:rPr lang="en-US" sz="2000" dirty="0"/>
+              <a:t>LLNL </a:t>
+            </a:r>
+            <a:r>
+              <a:rPr lang="en-US" sz="2000" dirty="0" err="1"/>
+              <a:t>Spack</a:t>
+            </a:r>
+            <a:r>
+              <a:rPr lang="en-US" sz="2000" dirty="0"/>
+              <a:t> project</a:t>
             </a:r>
           </a:p>
         </p:txBody>
@@ -5732,7 +5774,7 @@
         </p:nvGrpSpPr>
         <p:grpSpPr>
           <a:xfrm>
-            <a:off x="5056385" y="1280696"/>
+            <a:off x="5531650" y="1238245"/>
             <a:ext cx="1038027" cy="1797939"/>
             <a:chOff x="4187619" y="4211394"/>
             <a:chExt cx="1038027" cy="1797939"/>
@@ -5839,7 +5881,7 @@
         </p:nvGrpSpPr>
         <p:grpSpPr>
           <a:xfrm>
-            <a:off x="10682946" y="1273138"/>
+            <a:off x="10682946" y="1238245"/>
             <a:ext cx="1052623" cy="1797939"/>
             <a:chOff x="9737690" y="1188494"/>
             <a:chExt cx="1052623" cy="1797939"/>
@@ -5948,7 +5990,7 @@
         </p:nvGrpSpPr>
         <p:grpSpPr>
           <a:xfrm>
-            <a:off x="6226495" y="1273138"/>
+            <a:off x="6844490" y="1238245"/>
             <a:ext cx="954107" cy="1805497"/>
             <a:chOff x="6614147" y="1346049"/>
             <a:chExt cx="954107" cy="1805497"/>
@@ -6041,6 +6083,220 @@
             </a:prstGeom>
           </p:spPr>
         </p:pic>
+      </p:grpSp>
+      <p:grpSp>
+        <p:nvGrpSpPr>
+          <p:cNvPr id="19" name="Group 18">
+            <a:extLst>
+              <a:ext uri="{FF2B5EF4-FFF2-40B4-BE49-F238E27FC236}">
+                <a16:creationId xmlns:a16="http://schemas.microsoft.com/office/drawing/2014/main" id="{29D0AD46-6727-4A80-809B-8AE26304FF63}"/>
+              </a:ext>
+            </a:extLst>
+          </p:cNvPr>
+          <p:cNvGrpSpPr/>
+          <p:nvPr/>
+        </p:nvGrpSpPr>
+        <p:grpSpPr>
+          <a:xfrm>
+            <a:off x="9370104" y="1238245"/>
+            <a:ext cx="1038027" cy="1797939"/>
+            <a:chOff x="9605157" y="3871568"/>
+            <a:chExt cx="1038027" cy="1797939"/>
+          </a:xfrm>
+        </p:grpSpPr>
+        <p:pic>
+          <p:nvPicPr>
+            <p:cNvPr id="20" name="Picture 19" descr="A person wearing glasses&#10;&#10;Description automatically generated with medium confidence">
+              <a:extLst>
+                <a:ext uri="{FF2B5EF4-FFF2-40B4-BE49-F238E27FC236}">
+                  <a16:creationId xmlns:a16="http://schemas.microsoft.com/office/drawing/2014/main" id="{5CB444FD-5093-4113-89B1-47186D404D02}"/>
+                </a:ext>
+              </a:extLst>
+            </p:cNvPr>
+            <p:cNvPicPr>
+              <a:picLocks noChangeAspect="1"/>
+            </p:cNvPicPr>
+            <p:nvPr/>
+          </p:nvPicPr>
+          <p:blipFill rotWithShape="1">
+            <a:blip r:embed="rId6" cstate="print">
+              <a:extLst>
+                <a:ext uri="{28A0092B-C50C-407E-A947-70E740481C1C}">
+                  <a14:useLocalDpi xmlns:a14="http://schemas.microsoft.com/office/drawing/2010/main" val="0"/>
+                </a:ext>
+              </a:extLst>
+            </a:blip>
+            <a:srcRect l="4297" r="9701"/>
+            <a:stretch/>
+          </p:blipFill>
+          <p:spPr>
+            <a:xfrm>
+              <a:off x="9605157" y="3871568"/>
+              <a:ext cx="1038027" cy="1207008"/>
+            </a:xfrm>
+            <a:prstGeom prst="rect">
+              <a:avLst/>
+            </a:prstGeom>
+          </p:spPr>
+        </p:pic>
+        <p:sp>
+          <p:nvSpPr>
+            <p:cNvPr id="21" name="TextBox 20">
+              <a:extLst>
+                <a:ext uri="{FF2B5EF4-FFF2-40B4-BE49-F238E27FC236}">
+                  <a16:creationId xmlns:a16="http://schemas.microsoft.com/office/drawing/2014/main" id="{74A3F0F0-EC8C-4DDD-8888-5C9F5241269A}"/>
+                </a:ext>
+              </a:extLst>
+            </p:cNvPr>
+            <p:cNvSpPr txBox="1"/>
+            <p:nvPr/>
+          </p:nvSpPr>
+          <p:spPr>
+            <a:xfrm>
+              <a:off x="9685588" y="5078576"/>
+              <a:ext cx="877164" cy="590931"/>
+            </a:xfrm>
+            <a:prstGeom prst="rect">
+              <a:avLst/>
+            </a:prstGeom>
+            <a:noFill/>
+          </p:spPr>
+          <p:txBody>
+            <a:bodyPr wrap="none" rtlCol="0">
+              <a:spAutoFit/>
+            </a:bodyPr>
+            <a:lstStyle/>
+            <a:p>
+              <a:pPr algn="ctr">
+                <a:lnSpc>
+                  <a:spcPct val="90000"/>
+                </a:lnSpc>
+              </a:pPr>
+              <a:r>
+                <a:rPr lang="en-US" dirty="0"/>
+                <a:t>Jared</a:t>
+              </a:r>
+            </a:p>
+            <a:p>
+              <a:pPr algn="ctr">
+                <a:lnSpc>
+                  <a:spcPct val="90000"/>
+                </a:lnSpc>
+              </a:pPr>
+              <a:r>
+                <a:rPr lang="en-US" i="1" dirty="0"/>
+                <a:t>he/him</a:t>
+              </a:r>
+            </a:p>
+          </p:txBody>
+        </p:sp>
+      </p:grpSp>
+      <p:grpSp>
+        <p:nvGrpSpPr>
+          <p:cNvPr id="24" name="Group 23">
+            <a:extLst>
+              <a:ext uri="{FF2B5EF4-FFF2-40B4-BE49-F238E27FC236}">
+                <a16:creationId xmlns:a16="http://schemas.microsoft.com/office/drawing/2014/main" id="{46067947-436D-41B4-9558-AA3A1B7F2E22}"/>
+              </a:ext>
+            </a:extLst>
+          </p:cNvPr>
+          <p:cNvGrpSpPr/>
+          <p:nvPr/>
+        </p:nvGrpSpPr>
+        <p:grpSpPr>
+          <a:xfrm>
+            <a:off x="8073410" y="1238245"/>
+            <a:ext cx="1021881" cy="1792821"/>
+            <a:chOff x="10957831" y="1197414"/>
+            <a:chExt cx="1021881" cy="1792821"/>
+          </a:xfrm>
+        </p:grpSpPr>
+        <p:pic>
+          <p:nvPicPr>
+            <p:cNvPr id="25" name="Picture 24" descr="A person smiling for the camera&#10;&#10;Description automatically generated with medium confidence">
+              <a:extLst>
+                <a:ext uri="{FF2B5EF4-FFF2-40B4-BE49-F238E27FC236}">
+                  <a16:creationId xmlns:a16="http://schemas.microsoft.com/office/drawing/2014/main" id="{C4975E43-C26D-4F14-AB40-33E3960EB8C6}"/>
+                </a:ext>
+              </a:extLst>
+            </p:cNvPr>
+            <p:cNvPicPr>
+              <a:picLocks noChangeAspect="1"/>
+            </p:cNvPicPr>
+            <p:nvPr/>
+          </p:nvPicPr>
+          <p:blipFill rotWithShape="1">
+            <a:blip r:embed="rId7" cstate="print">
+              <a:extLst>
+                <a:ext uri="{28A0092B-C50C-407E-A947-70E740481C1C}">
+                  <a14:useLocalDpi xmlns:a14="http://schemas.microsoft.com/office/drawing/2010/main" val="0"/>
+                </a:ext>
+              </a:extLst>
+            </a:blip>
+            <a:srcRect l="6373" r="8964"/>
+            <a:stretch/>
+          </p:blipFill>
+          <p:spPr>
+            <a:xfrm>
+              <a:off x="10957831" y="1197414"/>
+              <a:ext cx="1021881" cy="1207008"/>
+            </a:xfrm>
+            <a:prstGeom prst="rect">
+              <a:avLst/>
+            </a:prstGeom>
+          </p:spPr>
+        </p:pic>
+        <p:sp>
+          <p:nvSpPr>
+            <p:cNvPr id="26" name="TextBox 25">
+              <a:extLst>
+                <a:ext uri="{FF2B5EF4-FFF2-40B4-BE49-F238E27FC236}">
+                  <a16:creationId xmlns:a16="http://schemas.microsoft.com/office/drawing/2014/main" id="{6B0D8B09-6502-482C-B460-C9EF67437B9C}"/>
+                </a:ext>
+              </a:extLst>
+            </p:cNvPr>
+            <p:cNvSpPr txBox="1"/>
+            <p:nvPr/>
+          </p:nvSpPr>
+          <p:spPr>
+            <a:xfrm>
+              <a:off x="11030189" y="2399304"/>
+              <a:ext cx="877164" cy="590931"/>
+            </a:xfrm>
+            <a:prstGeom prst="rect">
+              <a:avLst/>
+            </a:prstGeom>
+            <a:noFill/>
+          </p:spPr>
+          <p:txBody>
+            <a:bodyPr wrap="none" rtlCol="0">
+              <a:spAutoFit/>
+            </a:bodyPr>
+            <a:lstStyle/>
+            <a:p>
+              <a:pPr algn="ctr">
+                <a:lnSpc>
+                  <a:spcPct val="90000"/>
+                </a:lnSpc>
+              </a:pPr>
+              <a:r>
+                <a:rPr lang="en-US" dirty="0"/>
+                <a:t>Todd</a:t>
+              </a:r>
+            </a:p>
+            <a:p>
+              <a:pPr algn="ctr">
+                <a:lnSpc>
+                  <a:spcPct val="90000"/>
+                </a:lnSpc>
+              </a:pPr>
+              <a:r>
+                <a:rPr lang="en-US" i="1" dirty="0"/>
+                <a:t>he/him</a:t>
+              </a:r>
+            </a:p>
+          </p:txBody>
+        </p:sp>
       </p:grpSp>
     </p:spTree>
     <p:extLst>
@@ -10713,7 +10969,7 @@
             </a:r>
             <a:r>
               <a:rPr lang="en-US" sz="2400" dirty="0"/>
-              <a:t>is the one URL you need to find all of the resources for this tutorial</a:t>
+              <a:t>is the one URL you need to find all the resources for this tutorial</a:t>
             </a:r>
           </a:p>
           <a:p>
@@ -12079,6 +12335,21 @@
 </file>
 
 <file path=customXml/item1.xml><?xml version="1.0" encoding="utf-8"?>
+<?mso-contentType ?>
+<FormTemplates xmlns="http://schemas.microsoft.com/sharepoint/v3/contenttype/forms">
+  <Display>DocumentLibraryForm</Display>
+  <Edit>DocumentLibraryForm</Edit>
+  <New>DocumentLibraryForm</New>
+</FormTemplates>
+</file>
+
+<file path=customXml/item2.xml><?xml version="1.0" encoding="utf-8"?>
+<p:properties xmlns:p="http://schemas.microsoft.com/office/2006/metadata/properties" xmlns:xsi="http://www.w3.org/2001/XMLSchema-instance" xmlns:pc="http://schemas.microsoft.com/office/infopath/2007/PartnerControls">
+  <documentManagement/>
+</p:properties>
+</file>
+
+<file path=customXml/item3.xml><?xml version="1.0" encoding="utf-8"?>
 <ct:contentTypeSchema xmlns:ct="http://schemas.microsoft.com/office/2006/metadata/contentType" xmlns:ma="http://schemas.microsoft.com/office/2006/metadata/properties/metaAttributes" ct:_="" ma:_="" ma:contentTypeName="Document" ma:contentTypeID="0x010100565464437F680748A68B85EB6594EA7D" ma:contentTypeVersion="0" ma:contentTypeDescription="Create a new document." ma:contentTypeScope="" ma:versionID="fe3f4dd58d5914c51cfc6deaa8ad845c">
   <xsd:schema xmlns:xsd="http://www.w3.org/2001/XMLSchema" xmlns:p="http://schemas.microsoft.com/office/2006/metadata/properties" targetNamespace="http://schemas.microsoft.com/office/2006/metadata/properties" ma:root="true" ma:fieldsID="4aeb20c0e3442673af7ee10786458764">
     <xsd:element name="properties">
@@ -12127,32 +12398,10 @@
 </ct:contentTypeSchema>
 </file>
 
-<file path=customXml/item2.xml><?xml version="1.0" encoding="utf-8"?>
-<p:properties xmlns:p="http://schemas.microsoft.com/office/2006/metadata/properties" xmlns:xsi="http://www.w3.org/2001/XMLSchema-instance" xmlns:pc="http://schemas.microsoft.com/office/infopath/2007/PartnerControls">
-  <documentManagement/>
-</p:properties>
-</file>
-
-<file path=customXml/item3.xml><?xml version="1.0" encoding="utf-8"?>
-<?mso-contentType ?>
-<FormTemplates xmlns="http://schemas.microsoft.com/sharepoint/v3/contenttype/forms">
-  <Display>DocumentLibraryForm</Display>
-  <Edit>DocumentLibraryForm</Edit>
-  <New>DocumentLibraryForm</New>
-</FormTemplates>
-</file>
-
 <file path=customXml/itemProps1.xml><?xml version="1.0" encoding="utf-8"?>
-<ds:datastoreItem xmlns:ds="http://schemas.openxmlformats.org/officeDocument/2006/customXml" ds:itemID="{E8DB7DEB-074E-4EE8-9B6E-FD277323109C}">
+<ds:datastoreItem xmlns:ds="http://schemas.openxmlformats.org/officeDocument/2006/customXml" ds:itemID="{19E20559-B232-4371-8690-E3D8007EDB82}">
   <ds:schemaRefs>
-    <ds:schemaRef ds:uri="http://schemas.microsoft.com/office/2006/metadata/contentType"/>
-    <ds:schemaRef ds:uri="http://schemas.microsoft.com/office/2006/metadata/properties/metaAttributes"/>
-    <ds:schemaRef ds:uri="http://www.w3.org/2001/XMLSchema"/>
-    <ds:schemaRef ds:uri="http://schemas.microsoft.com/office/2006/metadata/properties"/>
-    <ds:schemaRef ds:uri="http://schemas.openxmlformats.org/package/2006/metadata/core-properties"/>
-    <ds:schemaRef ds:uri="http://purl.org/dc/elements/1.1/"/>
-    <ds:schemaRef ds:uri="http://purl.org/dc/terms/"/>
-    <ds:schemaRef ds:uri="http://schemas.microsoft.com/office/internal/2005/internalDocumentation"/>
+    <ds:schemaRef ds:uri="http://schemas.microsoft.com/sharepoint/v3/contenttype/forms"/>
   </ds:schemaRefs>
 </ds:datastoreItem>
 </file>
@@ -12173,9 +12422,16 @@
 </file>
 
 <file path=customXml/itemProps3.xml><?xml version="1.0" encoding="utf-8"?>
-<ds:datastoreItem xmlns:ds="http://schemas.openxmlformats.org/officeDocument/2006/customXml" ds:itemID="{19E20559-B232-4371-8690-E3D8007EDB82}">
+<ds:datastoreItem xmlns:ds="http://schemas.openxmlformats.org/officeDocument/2006/customXml" ds:itemID="{E8DB7DEB-074E-4EE8-9B6E-FD277323109C}">
   <ds:schemaRefs>
-    <ds:schemaRef ds:uri="http://schemas.microsoft.com/sharepoint/v3/contenttype/forms"/>
+    <ds:schemaRef ds:uri="http://schemas.microsoft.com/office/2006/metadata/contentType"/>
+    <ds:schemaRef ds:uri="http://schemas.microsoft.com/office/2006/metadata/properties/metaAttributes"/>
+    <ds:schemaRef ds:uri="http://www.w3.org/2001/XMLSchema"/>
+    <ds:schemaRef ds:uri="http://schemas.microsoft.com/office/2006/metadata/properties"/>
+    <ds:schemaRef ds:uri="http://schemas.openxmlformats.org/package/2006/metadata/core-properties"/>
+    <ds:schemaRef ds:uri="http://purl.org/dc/elements/1.1/"/>
+    <ds:schemaRef ds:uri="http://purl.org/dc/terms/"/>
+    <ds:schemaRef ds:uri="http://schemas.microsoft.com/office/internal/2005/internalDocumentation"/>
   </ds:schemaRefs>
 </ds:datastoreItem>
 </file>
--- a/intro-a.pptx
+++ b/intro-a.pptx
@@ -5,10 +5,10 @@
     <p:sldMasterId id="2147483935" r:id="rId4"/>
   </p:sldMasterIdLst>
   <p:notesMasterIdLst>
-    <p:notesMasterId r:id="rId15"/>
+    <p:notesMasterId r:id="rId16"/>
   </p:notesMasterIdLst>
   <p:handoutMasterIdLst>
-    <p:handoutMasterId r:id="rId16"/>
+    <p:handoutMasterId r:id="rId17"/>
   </p:handoutMasterIdLst>
   <p:sldIdLst>
     <p:sldId id="617" r:id="rId5"/>
@@ -21,6 +21,7 @@
     <p:sldId id="622" r:id="rId12"/>
     <p:sldId id="626" r:id="rId13"/>
     <p:sldId id="261" r:id="rId14"/>
+    <p:sldId id="262" r:id="rId15"/>
   </p:sldIdLst>
   <p:sldSz cx="12188825" cy="6858000"/>
   <p:notesSz cx="7010400" cy="9296400"/>
@@ -264,7 +265,7 @@
           <a:p>
             <a:fld id="{0B842F42-2CE9-4E35-95C1-410DC08A50B1}" type="datetimeFigureOut">
               <a:rPr lang="en-US" smtClean="0"/>
-              <a:t>8/2/2022</a:t>
+              <a:t>8/9/2022</a:t>
             </a:fld>
             <a:endParaRPr lang="en-US"/>
           </a:p>
@@ -429,7 +430,7 @@
           <a:p>
             <a:fld id="{6F282904-F315-4730-8D91-37D99E141A6F}" type="datetimeFigureOut">
               <a:rPr lang="en-US" smtClean="0"/>
-              <a:t>8/2/2022</a:t>
+              <a:t>8/9/2022</a:t>
             </a:fld>
             <a:endParaRPr lang="en-US"/>
           </a:p>
@@ -4260,7 +4261,7 @@
           <a:p>
             <a:r>
               <a:rPr lang="en-US" dirty="0"/>
-              <a:t>Agenda </a:t>
+              <a:t>Agenda (1/2) </a:t>
             </a:r>
           </a:p>
         </p:txBody>
@@ -4279,16 +4280,11 @@
           </p:cNvGraphicFramePr>
           <p:nvPr>
             <p:ph idx="1"/>
-            <p:extLst>
-              <p:ext uri="{D42A27DB-BD31-4B8C-83A1-F6EECF244321}">
-                <p14:modId xmlns:p14="http://schemas.microsoft.com/office/powerpoint/2010/main" val="2316698016"/>
-              </p:ext>
-            </p:extLst>
           </p:nvPr>
         </p:nvGraphicFramePr>
         <p:xfrm>
-          <a:off x="365759" y="836121"/>
-          <a:ext cx="11372473" cy="5943600"/>
+          <a:off x="365759" y="866432"/>
+          <a:ext cx="11372472" cy="3931301"/>
         </p:xfrm>
         <a:graphic>
           <a:graphicData uri="http://schemas.openxmlformats.org/drawingml/2006/table">
@@ -4297,28 +4293,21 @@
                 <a:tableStyleId>{5C22544A-7EE6-4342-B048-85BDC9FD1C3A}</a:tableStyleId>
               </a:tblPr>
               <a:tblGrid>
-                <a:gridCol w="1475653">
+                <a:gridCol w="1786394">
                   <a:extLst>
                     <a:ext uri="{9D8B030D-6E8A-4147-A177-3AD203B41FA5}">
                       <a16:colId xmlns:a16="http://schemas.microsoft.com/office/drawing/2014/main" val="41390910"/>
                     </a:ext>
                   </a:extLst>
                 </a:gridCol>
-                <a:gridCol w="1059443">
-                  <a:extLst>
-                    <a:ext uri="{9D8B030D-6E8A-4147-A177-3AD203B41FA5}">
-                      <a16:colId xmlns:a16="http://schemas.microsoft.com/office/drawing/2014/main" val="2968622667"/>
-                    </a:ext>
-                  </a:extLst>
-                </a:gridCol>
-                <a:gridCol w="5757567">
+                <a:gridCol w="5170421">
                   <a:extLst>
                     <a:ext uri="{9D8B030D-6E8A-4147-A177-3AD203B41FA5}">
                       <a16:colId xmlns:a16="http://schemas.microsoft.com/office/drawing/2014/main" val="1261297711"/>
                     </a:ext>
                   </a:extLst>
                 </a:gridCol>
-                <a:gridCol w="3079810">
+                <a:gridCol w="4415657">
                   <a:extLst>
                     <a:ext uri="{9D8B030D-6E8A-4147-A177-3AD203B41FA5}">
                       <a16:colId xmlns:a16="http://schemas.microsoft.com/office/drawing/2014/main" val="3622604584"/>
@@ -4326,7 +4315,7 @@
                   </a:extLst>
                 </a:gridCol>
               </a:tblGrid>
-              <a:tr h="676863">
+              <a:tr h="393875">
                 <a:tc>
                   <a:txBody>
                     <a:bodyPr/>
@@ -4334,15 +4323,52 @@
                     <a:p>
                       <a:pPr algn="r"/>
                       <a:r>
-                        <a:rPr lang="en-US" sz="1800" dirty="0">
+                        <a:rPr lang="en-US" sz="1600" dirty="0">
                           <a:effectLst/>
                         </a:rPr>
-                        <a:t>Time (CEST)</a:t>
+                        <a:t>Time (CDT)</a:t>
                       </a:r>
                     </a:p>
                   </a:txBody>
-                  <a:tcPr marL="114300" marR="114300" marT="76200" marB="76200" anchor="ctr"/>
+                  <a:tcPr marL="142875" marR="142875" marT="95250" marB="95250" anchor="ctr"/>
                 </a:tc>
+                <a:tc>
+                  <a:txBody>
+                    <a:bodyPr/>
+                    <a:lstStyle/>
+                    <a:p>
+                      <a:r>
+                        <a:rPr lang="en-US" sz="1600" dirty="0">
+                          <a:effectLst/>
+                        </a:rPr>
+                        <a:t>Title</a:t>
+                      </a:r>
+                    </a:p>
+                  </a:txBody>
+                  <a:tcPr marL="142875" marR="142875" marT="95250" marB="95250" anchor="ctr"/>
+                </a:tc>
+                <a:tc>
+                  <a:txBody>
+                    <a:bodyPr/>
+                    <a:lstStyle/>
+                    <a:p>
+                      <a:r>
+                        <a:rPr lang="en-US" sz="1600" dirty="0">
+                          <a:effectLst/>
+                        </a:rPr>
+                        <a:t>Presenter</a:t>
+                      </a:r>
+                    </a:p>
+                  </a:txBody>
+                  <a:tcPr marL="142875" marR="142875" marT="95250" marB="95250" anchor="ctr"/>
+                </a:tc>
+                <a:extLst>
+                  <a:ext uri="{0D108BD9-81ED-4DB2-BD59-A6C34878D82A}">
+                    <a16:rowId xmlns:a16="http://schemas.microsoft.com/office/drawing/2014/main" val="2098024418"/>
+                  </a:ext>
+                </a:extLst>
+              </a:tr>
+              <a:tr h="647081">
                 <a:tc>
                   <a:txBody>
                     <a:bodyPr/>
@@ -4350,14 +4376,14 @@
                     <a:p>
                       <a:pPr algn="r"/>
                       <a:r>
-                        <a:rPr lang="en-US" sz="1800" dirty="0">
+                        <a:rPr lang="en-US" sz="1600">
                           <a:effectLst/>
                         </a:rPr>
-                        <a:t>Module</a:t>
+                        <a:t>8:30 AM</a:t>
                       </a:r>
                     </a:p>
                   </a:txBody>
-                  <a:tcPr marL="114300" marR="114300" marT="76200" marB="76200" anchor="ctr"/>
+                  <a:tcPr marL="142875" marR="142875" marT="95250" marB="95250" anchor="ctr"/>
                 </a:tc>
                 <a:tc>
                   <a:txBody>
@@ -4365,14 +4391,14 @@
                     <a:lstStyle/>
                     <a:p>
                       <a:r>
-                        <a:rPr lang="en-US" sz="1800" dirty="0">
+                        <a:rPr lang="en-US" sz="1600">
                           <a:effectLst/>
                         </a:rPr>
-                        <a:t>Title</a:t>
+                        <a:t>Introduction</a:t>
                       </a:r>
                     </a:p>
                   </a:txBody>
-                  <a:tcPr marL="114300" marR="114300" marT="76200" marB="76200" anchor="ctr"/>
+                  <a:tcPr marL="142875" marR="142875" marT="95250" marB="95250" anchor="ctr"/>
                 </a:tc>
                 <a:tc>
                   <a:txBody>
@@ -4380,22 +4406,22 @@
                     <a:lstStyle/>
                     <a:p>
                       <a:r>
-                        <a:rPr lang="en-US" sz="1800" dirty="0">
+                        <a:rPr lang="en-US" sz="1600" dirty="0">
                           <a:effectLst/>
                         </a:rPr>
-                        <a:t>Presenter</a:t>
+                        <a:t>David E. Bernholdt (ORNL)</a:t>
                       </a:r>
                     </a:p>
                   </a:txBody>
-                  <a:tcPr marL="114300" marR="114300" marT="76200" marB="76200" anchor="ctr"/>
+                  <a:tcPr marL="142875" marR="142875" marT="95250" marB="95250" anchor="ctr"/>
                 </a:tc>
                 <a:extLst>
                   <a:ext uri="{0D108BD9-81ED-4DB2-BD59-A6C34878D82A}">
-                    <a16:rowId xmlns:a16="http://schemas.microsoft.com/office/drawing/2014/main" val="2098024418"/>
+                    <a16:rowId xmlns:a16="http://schemas.microsoft.com/office/drawing/2014/main" val="4095277928"/>
                   </a:ext>
                 </a:extLst>
               </a:tr>
-              <a:tr h="412004">
+              <a:tr h="393875">
                 <a:tc>
                   <a:txBody>
                     <a:bodyPr/>
@@ -4403,15 +4429,52 @@
                     <a:p>
                       <a:pPr algn="r"/>
                       <a:r>
-                        <a:rPr lang="en-US">
+                        <a:rPr lang="en-US" sz="1600">
                           <a:effectLst/>
                         </a:rPr>
-                        <a:t>2:00 PM</a:t>
+                        <a:t>8:35 AM</a:t>
                       </a:r>
                     </a:p>
                   </a:txBody>
-                  <a:tcPr marL="114300" marR="114300" marT="76200" marB="76200" anchor="ctr"/>
+                  <a:tcPr marL="142875" marR="142875" marT="95250" marB="95250" anchor="ctr"/>
                 </a:tc>
+                <a:tc>
+                  <a:txBody>
+                    <a:bodyPr/>
+                    <a:lstStyle/>
+                    <a:p>
+                      <a:r>
+                        <a:rPr lang="en-US" sz="1600" dirty="0">
+                          <a:effectLst/>
+                        </a:rPr>
+                        <a:t>Motivation and Overview of Best Practices in HPC Software Development</a:t>
+                      </a:r>
+                    </a:p>
+                  </a:txBody>
+                  <a:tcPr marL="142875" marR="142875" marT="95250" marB="95250" anchor="ctr"/>
+                </a:tc>
+                <a:tc>
+                  <a:txBody>
+                    <a:bodyPr/>
+                    <a:lstStyle/>
+                    <a:p>
+                      <a:r>
+                        <a:rPr lang="en-US" sz="1600">
+                          <a:effectLst/>
+                        </a:rPr>
+                        <a:t>David E. Bernholdt (ORNL)</a:t>
+                      </a:r>
+                    </a:p>
+                  </a:txBody>
+                  <a:tcPr marL="142875" marR="142875" marT="95250" marB="95250" anchor="ctr"/>
+                </a:tc>
+                <a:extLst>
+                  <a:ext uri="{0D108BD9-81ED-4DB2-BD59-A6C34878D82A}">
+                    <a16:rowId xmlns:a16="http://schemas.microsoft.com/office/drawing/2014/main" val="763903436"/>
+                  </a:ext>
+                </a:extLst>
+              </a:tr>
+              <a:tr h="393875">
                 <a:tc>
                   <a:txBody>
                     <a:bodyPr/>
@@ -4419,14 +4482,14 @@
                     <a:p>
                       <a:pPr algn="r"/>
                       <a:r>
-                        <a:rPr lang="en-US">
+                        <a:rPr lang="en-US" sz="1600">
                           <a:effectLst/>
                         </a:rPr>
-                        <a:t>0</a:t>
+                        <a:t>9:15 AM</a:t>
                       </a:r>
                     </a:p>
                   </a:txBody>
-                  <a:tcPr marL="114300" marR="114300" marT="76200" marB="76200" anchor="ctr"/>
+                  <a:tcPr marL="142875" marR="142875" marT="95250" marB="95250" anchor="ctr"/>
                 </a:tc>
                 <a:tc>
                   <a:txBody>
@@ -4434,14 +4497,14 @@
                     <a:lstStyle/>
                     <a:p>
                       <a:r>
-                        <a:rPr lang="en-US">
+                        <a:rPr lang="en-US" sz="1600">
                           <a:effectLst/>
                         </a:rPr>
-                        <a:t>Introduction and Setup</a:t>
+                        <a:t>Scientific Software Design</a:t>
                       </a:r>
                     </a:p>
                   </a:txBody>
-                  <a:tcPr marL="114300" marR="114300" marT="76200" marB="76200" anchor="ctr"/>
+                  <a:tcPr marL="142875" marR="142875" marT="95250" marB="95250" anchor="ctr"/>
                 </a:tc>
                 <a:tc>
                   <a:txBody>
@@ -4449,22 +4512,22 @@
                     <a:lstStyle/>
                     <a:p>
                       <a:r>
-                        <a:rPr lang="en-US">
+                        <a:rPr lang="en-US" sz="1600">
                           <a:effectLst/>
                         </a:rPr>
                         <a:t>Anshu Dubey (ANL)</a:t>
                       </a:r>
                     </a:p>
                   </a:txBody>
-                  <a:tcPr marL="114300" marR="114300" marT="76200" marB="76200" anchor="ctr"/>
+                  <a:tcPr marL="142875" marR="142875" marT="95250" marB="95250" anchor="ctr"/>
                 </a:tc>
                 <a:extLst>
                   <a:ext uri="{0D108BD9-81ED-4DB2-BD59-A6C34878D82A}">
-                    <a16:rowId xmlns:a16="http://schemas.microsoft.com/office/drawing/2014/main" val="1735798684"/>
+                    <a16:rowId xmlns:a16="http://schemas.microsoft.com/office/drawing/2014/main" val="1954771440"/>
                   </a:ext>
                 </a:extLst>
               </a:tr>
-              <a:tr h="676863">
+              <a:tr h="393875">
                 <a:tc>
                   <a:txBody>
                     <a:bodyPr/>
@@ -4472,15 +4535,52 @@
                     <a:p>
                       <a:pPr algn="r"/>
                       <a:r>
-                        <a:rPr lang="en-US">
+                        <a:rPr lang="en-US" sz="1600">
                           <a:effectLst/>
                         </a:rPr>
-                        <a:t>2:10 PM</a:t>
+                        <a:t>10:00 AM</a:t>
                       </a:r>
                     </a:p>
                   </a:txBody>
-                  <a:tcPr marL="114300" marR="114300" marT="76200" marB="76200" anchor="ctr"/>
+                  <a:tcPr marL="142875" marR="142875" marT="95250" marB="95250" anchor="ctr"/>
                 </a:tc>
+                <a:tc>
+                  <a:txBody>
+                    <a:bodyPr/>
+                    <a:lstStyle/>
+                    <a:p>
+                      <a:r>
+                        <a:rPr lang="en-US" sz="1600" i="1">
+                          <a:effectLst/>
+                        </a:rPr>
+                        <a:t>Break</a:t>
+                      </a:r>
+                      <a:endParaRPr lang="en-US" sz="1600">
+                        <a:effectLst/>
+                      </a:endParaRPr>
+                    </a:p>
+                  </a:txBody>
+                  <a:tcPr marL="142875" marR="142875" marT="95250" marB="95250" anchor="ctr"/>
+                </a:tc>
+                <a:tc>
+                  <a:txBody>
+                    <a:bodyPr/>
+                    <a:lstStyle/>
+                    <a:p>
+                      <a:endParaRPr lang="en-US" sz="1600">
+                        <a:effectLst/>
+                      </a:endParaRPr>
+                    </a:p>
+                  </a:txBody>
+                  <a:tcPr marL="142875" marR="142875" marT="95250" marB="95250" anchor="ctr"/>
+                </a:tc>
+                <a:extLst>
+                  <a:ext uri="{0D108BD9-81ED-4DB2-BD59-A6C34878D82A}">
+                    <a16:rowId xmlns:a16="http://schemas.microsoft.com/office/drawing/2014/main" val="746396693"/>
+                  </a:ext>
+                </a:extLst>
+              </a:tr>
+              <a:tr h="393875">
                 <a:tc>
                   <a:txBody>
                     <a:bodyPr/>
@@ -4488,14 +4588,14 @@
                     <a:p>
                       <a:pPr algn="r"/>
                       <a:r>
-                        <a:rPr lang="en-US">
+                        <a:rPr lang="en-US" sz="1600">
                           <a:effectLst/>
                         </a:rPr>
-                        <a:t>1</a:t>
+                        <a:t>10:30 AM</a:t>
                       </a:r>
                     </a:p>
                   </a:txBody>
-                  <a:tcPr marL="114300" marR="114300" marT="76200" marB="76200" anchor="ctr"/>
+                  <a:tcPr marL="142875" marR="142875" marT="95250" marB="95250" anchor="ctr"/>
                 </a:tc>
                 <a:tc>
                   <a:txBody>
@@ -4503,14 +4603,14 @@
                     <a:lstStyle/>
                     <a:p>
                       <a:r>
-                        <a:rPr lang="en-US">
+                        <a:rPr lang="en-US" sz="1600">
                           <a:effectLst/>
                         </a:rPr>
-                        <a:t>Motivation and Overview of Best Practices in HPC Software Development</a:t>
+                        <a:t>An Introduction to Software Licensing</a:t>
                       </a:r>
                     </a:p>
                   </a:txBody>
-                  <a:tcPr marL="114300" marR="114300" marT="76200" marB="76200" anchor="ctr"/>
+                  <a:tcPr marL="142875" marR="142875" marT="95250" marB="95250" anchor="ctr"/>
                 </a:tc>
                 <a:tc>
                   <a:txBody>
@@ -4518,22 +4618,22 @@
                     <a:lstStyle/>
                     <a:p>
                       <a:r>
-                        <a:rPr lang="en-US">
+                        <a:rPr lang="en-US" sz="1600">
                           <a:effectLst/>
                         </a:rPr>
-                        <a:t>Anshu Dubey (ANL)</a:t>
+                        <a:t>David E. Bernholdt (ORNL)</a:t>
                       </a:r>
                     </a:p>
                   </a:txBody>
-                  <a:tcPr marL="114300" marR="114300" marT="76200" marB="76200" anchor="ctr"/>
+                  <a:tcPr marL="142875" marR="142875" marT="95250" marB="95250" anchor="ctr"/>
                 </a:tc>
                 <a:extLst>
                   <a:ext uri="{0D108BD9-81ED-4DB2-BD59-A6C34878D82A}">
-                    <a16:rowId xmlns:a16="http://schemas.microsoft.com/office/drawing/2014/main" val="4095277928"/>
+                    <a16:rowId xmlns:a16="http://schemas.microsoft.com/office/drawing/2014/main" val="1592907298"/>
                   </a:ext>
                 </a:extLst>
               </a:tr>
-              <a:tr h="412004">
+              <a:tr h="393875">
                 <a:tc>
                   <a:txBody>
                     <a:bodyPr/>
@@ -4541,15 +4641,52 @@
                     <a:p>
                       <a:pPr algn="r"/>
                       <a:r>
-                        <a:rPr lang="en-US">
+                        <a:rPr lang="en-US" sz="1600">
                           <a:effectLst/>
                         </a:rPr>
-                        <a:t>2:30 PM</a:t>
+                        <a:t>11:30 AM</a:t>
                       </a:r>
                     </a:p>
                   </a:txBody>
-                  <a:tcPr marL="114300" marR="114300" marT="76200" marB="76200" anchor="ctr"/>
+                  <a:tcPr marL="142875" marR="142875" marT="95250" marB="95250" anchor="ctr"/>
                 </a:tc>
+                <a:tc>
+                  <a:txBody>
+                    <a:bodyPr/>
+                    <a:lstStyle/>
+                    <a:p>
+                      <a:r>
+                        <a:rPr lang="en-US" sz="1600">
+                          <a:effectLst/>
+                        </a:rPr>
+                        <a:t>Spack: Package Management for HPC</a:t>
+                      </a:r>
+                    </a:p>
+                  </a:txBody>
+                  <a:tcPr marL="142875" marR="142875" marT="95250" marB="95250" anchor="ctr"/>
+                </a:tc>
+                <a:tc>
+                  <a:txBody>
+                    <a:bodyPr/>
+                    <a:lstStyle/>
+                    <a:p>
+                      <a:r>
+                        <a:rPr lang="en-US" sz="1600">
+                          <a:effectLst/>
+                        </a:rPr>
+                        <a:t>Todd Gamblin (LLNL)</a:t>
+                      </a:r>
+                    </a:p>
+                  </a:txBody>
+                  <a:tcPr marL="142875" marR="142875" marT="95250" marB="95250" anchor="ctr"/>
+                </a:tc>
+                <a:extLst>
+                  <a:ext uri="{0D108BD9-81ED-4DB2-BD59-A6C34878D82A}">
+                    <a16:rowId xmlns:a16="http://schemas.microsoft.com/office/drawing/2014/main" val="110245607"/>
+                  </a:ext>
+                </a:extLst>
+              </a:tr>
+              <a:tr h="393875">
                 <a:tc>
                   <a:txBody>
                     <a:bodyPr/>
@@ -4557,14 +4694,14 @@
                     <a:p>
                       <a:pPr algn="r"/>
                       <a:r>
-                        <a:rPr lang="en-US">
+                        <a:rPr lang="en-US" sz="1600" dirty="0">
                           <a:effectLst/>
                         </a:rPr>
-                        <a:t>2</a:t>
+                        <a:t>12:30 PM</a:t>
                       </a:r>
                     </a:p>
                   </a:txBody>
-                  <a:tcPr marL="114300" marR="114300" marT="76200" marB="76200" anchor="ctr"/>
+                  <a:tcPr marL="142875" marR="142875" marT="95250" marB="95250" anchor="ctr"/>
                 </a:tc>
                 <a:tc>
                   <a:txBody>
@@ -4572,579 +4709,33 @@
                     <a:lstStyle/>
                     <a:p>
                       <a:r>
-                        <a:rPr lang="en-US">
+                        <a:rPr lang="en-US" sz="1600" i="1" dirty="0">
                           <a:effectLst/>
                         </a:rPr>
-                        <a:t>Agile Methodologies</a:t>
+                        <a:t>Lunch</a:t>
                       </a:r>
+                      <a:endParaRPr lang="en-US" sz="1600" dirty="0">
+                        <a:effectLst/>
+                      </a:endParaRPr>
                     </a:p>
                   </a:txBody>
-                  <a:tcPr marL="114300" marR="114300" marT="76200" marB="76200" anchor="ctr"/>
+                  <a:tcPr marL="142875" marR="142875" marT="95250" marB="95250" anchor="ctr"/>
                 </a:tc>
                 <a:tc>
                   <a:txBody>
                     <a:bodyPr/>
                     <a:lstStyle/>
                     <a:p>
-                      <a:r>
-                        <a:rPr lang="en-US">
-                          <a:effectLst/>
-                        </a:rPr>
-                        <a:t>Gregory R. Watson (ORNL)</a:t>
-                      </a:r>
-                    </a:p>
-                  </a:txBody>
-                  <a:tcPr marL="114300" marR="114300" marT="76200" marB="76200" anchor="ctr"/>
-                </a:tc>
-                <a:extLst>
-                  <a:ext uri="{0D108BD9-81ED-4DB2-BD59-A6C34878D82A}">
-                    <a16:rowId xmlns:a16="http://schemas.microsoft.com/office/drawing/2014/main" val="763903436"/>
-                  </a:ext>
-                </a:extLst>
-              </a:tr>
-              <a:tr h="412004">
-                <a:tc>
-                  <a:txBody>
-                    <a:bodyPr/>
-                    <a:lstStyle/>
-                    <a:p>
-                      <a:pPr algn="r"/>
-                      <a:r>
-                        <a:rPr lang="en-US">
-                          <a:effectLst/>
-                        </a:rPr>
-                        <a:t>3:00 PM</a:t>
-                      </a:r>
-                    </a:p>
-                  </a:txBody>
-                  <a:tcPr marL="114300" marR="114300" marT="76200" marB="76200" anchor="ctr"/>
-                </a:tc>
-                <a:tc>
-                  <a:txBody>
-                    <a:bodyPr/>
-                    <a:lstStyle/>
-                    <a:p>
-                      <a:pPr algn="r"/>
-                      <a:r>
-                        <a:rPr lang="en-US">
-                          <a:effectLst/>
-                        </a:rPr>
-                        <a:t>3</a:t>
-                      </a:r>
-                    </a:p>
-                  </a:txBody>
-                  <a:tcPr marL="114300" marR="114300" marT="76200" marB="76200" anchor="ctr"/>
-                </a:tc>
-                <a:tc>
-                  <a:txBody>
-                    <a:bodyPr/>
-                    <a:lstStyle/>
-                    <a:p>
-                      <a:r>
-                        <a:rPr lang="en-US">
-                          <a:effectLst/>
-                        </a:rPr>
-                        <a:t>Git Workflows</a:t>
-                      </a:r>
-                    </a:p>
-                  </a:txBody>
-                  <a:tcPr marL="114300" marR="114300" marT="76200" marB="76200" anchor="ctr"/>
-                </a:tc>
-                <a:tc>
-                  <a:txBody>
-                    <a:bodyPr/>
-                    <a:lstStyle/>
-                    <a:p>
-                      <a:r>
-                        <a:rPr lang="en-US">
-                          <a:effectLst/>
-                        </a:rPr>
-                        <a:t>Gregory R. Watson (ORNL)</a:t>
-                      </a:r>
-                    </a:p>
-                  </a:txBody>
-                  <a:tcPr marL="114300" marR="114300" marT="76200" marB="76200" anchor="ctr"/>
-                </a:tc>
-                <a:extLst>
-                  <a:ext uri="{0D108BD9-81ED-4DB2-BD59-A6C34878D82A}">
-                    <a16:rowId xmlns:a16="http://schemas.microsoft.com/office/drawing/2014/main" val="1954771440"/>
-                  </a:ext>
-                </a:extLst>
-              </a:tr>
-              <a:tr h="412004">
-                <a:tc>
-                  <a:txBody>
-                    <a:bodyPr/>
-                    <a:lstStyle/>
-                    <a:p>
-                      <a:pPr algn="r"/>
-                      <a:r>
-                        <a:rPr lang="en-US">
-                          <a:effectLst/>
-                        </a:rPr>
-                        <a:t>3:30 PM</a:t>
-                      </a:r>
-                    </a:p>
-                  </a:txBody>
-                  <a:tcPr marL="114300" marR="114300" marT="76200" marB="76200" anchor="ctr"/>
-                </a:tc>
-                <a:tc>
-                  <a:txBody>
-                    <a:bodyPr/>
-                    <a:lstStyle/>
-                    <a:p>
-                      <a:pPr algn="r"/>
-                      <a:r>
-                        <a:rPr lang="en-US">
-                          <a:effectLst/>
-                        </a:rPr>
-                        <a:t>4</a:t>
-                      </a:r>
-                    </a:p>
-                  </a:txBody>
-                  <a:tcPr marL="114300" marR="114300" marT="76200" marB="76200" anchor="ctr"/>
-                </a:tc>
-                <a:tc>
-                  <a:txBody>
-                    <a:bodyPr/>
-                    <a:lstStyle/>
-                    <a:p>
-                      <a:r>
-                        <a:rPr lang="en-US">
-                          <a:effectLst/>
-                        </a:rPr>
-                        <a:t>Scientific Software Design</a:t>
-                      </a:r>
-                    </a:p>
-                  </a:txBody>
-                  <a:tcPr marL="114300" marR="114300" marT="76200" marB="76200" anchor="ctr"/>
-                </a:tc>
-                <a:tc>
-                  <a:txBody>
-                    <a:bodyPr/>
-                    <a:lstStyle/>
-                    <a:p>
-                      <a:r>
-                        <a:rPr lang="en-US">
-                          <a:effectLst/>
-                        </a:rPr>
-                        <a:t>Anshu Dubey (ANL)</a:t>
-                      </a:r>
-                    </a:p>
-                  </a:txBody>
-                  <a:tcPr marL="114300" marR="114300" marT="76200" marB="76200" anchor="ctr"/>
-                </a:tc>
-                <a:extLst>
-                  <a:ext uri="{0D108BD9-81ED-4DB2-BD59-A6C34878D82A}">
-                    <a16:rowId xmlns:a16="http://schemas.microsoft.com/office/drawing/2014/main" val="746396693"/>
-                  </a:ext>
-                </a:extLst>
-              </a:tr>
-              <a:tr h="412004">
-                <a:tc>
-                  <a:txBody>
-                    <a:bodyPr/>
-                    <a:lstStyle/>
-                    <a:p>
-                      <a:pPr algn="r"/>
-                      <a:r>
-                        <a:rPr lang="en-US">
-                          <a:effectLst/>
-                        </a:rPr>
-                        <a:t>4:00 PM</a:t>
-                      </a:r>
-                    </a:p>
-                  </a:txBody>
-                  <a:tcPr marL="114300" marR="114300" marT="76200" marB="76200" anchor="ctr"/>
-                </a:tc>
-                <a:tc>
-                  <a:txBody>
-                    <a:bodyPr/>
-                    <a:lstStyle/>
-                    <a:p>
-                      <a:pPr algn="r"/>
-                      <a:endParaRPr lang="en-US">
+                      <a:endParaRPr lang="en-US" sz="1600" dirty="0">
                         <a:effectLst/>
                       </a:endParaRPr>
                     </a:p>
                   </a:txBody>
-                  <a:tcPr marL="114300" marR="114300" marT="76200" marB="76200" anchor="ctr"/>
-                </a:tc>
-                <a:tc>
-                  <a:txBody>
-                    <a:bodyPr/>
-                    <a:lstStyle/>
-                    <a:p>
-                      <a:r>
-                        <a:rPr lang="en-US" i="1">
-                          <a:effectLst/>
-                        </a:rPr>
-                        <a:t>Break</a:t>
-                      </a:r>
-                      <a:endParaRPr lang="en-US">
-                        <a:effectLst/>
-                      </a:endParaRPr>
-                    </a:p>
-                  </a:txBody>
-                  <a:tcPr marL="114300" marR="114300" marT="76200" marB="76200" anchor="ctr"/>
-                </a:tc>
-                <a:tc>
-                  <a:txBody>
-                    <a:bodyPr/>
-                    <a:lstStyle/>
-                    <a:p>
-                      <a:endParaRPr lang="en-US">
-                        <a:effectLst/>
-                      </a:endParaRPr>
-                    </a:p>
-                  </a:txBody>
-                  <a:tcPr marL="114300" marR="114300" marT="76200" marB="76200" anchor="ctr"/>
-                </a:tc>
-                <a:extLst>
-                  <a:ext uri="{0D108BD9-81ED-4DB2-BD59-A6C34878D82A}">
-                    <a16:rowId xmlns:a16="http://schemas.microsoft.com/office/drawing/2014/main" val="1592907298"/>
-                  </a:ext>
-                </a:extLst>
-              </a:tr>
-              <a:tr h="412004">
-                <a:tc>
-                  <a:txBody>
-                    <a:bodyPr/>
-                    <a:lstStyle/>
-                    <a:p>
-                      <a:pPr algn="r"/>
-                      <a:r>
-                        <a:rPr lang="en-US">
-                          <a:effectLst/>
-                        </a:rPr>
-                        <a:t>4:30 PM</a:t>
-                      </a:r>
-                    </a:p>
-                  </a:txBody>
-                  <a:tcPr marL="114300" marR="114300" marT="76200" marB="76200" anchor="ctr"/>
-                </a:tc>
-                <a:tc>
-                  <a:txBody>
-                    <a:bodyPr/>
-                    <a:lstStyle/>
-                    <a:p>
-                      <a:pPr algn="r"/>
-                      <a:r>
-                        <a:rPr lang="en-US">
-                          <a:effectLst/>
-                        </a:rPr>
-                        <a:t>5</a:t>
-                      </a:r>
-                    </a:p>
-                  </a:txBody>
-                  <a:tcPr marL="114300" marR="114300" marT="76200" marB="76200" anchor="ctr"/>
-                </a:tc>
-                <a:tc>
-                  <a:txBody>
-                    <a:bodyPr/>
-                    <a:lstStyle/>
-                    <a:p>
-                      <a:r>
-                        <a:rPr lang="en-US">
-                          <a:effectLst/>
-                        </a:rPr>
-                        <a:t>Improving Reproducibility Through Better Software Practices</a:t>
-                      </a:r>
-                    </a:p>
-                  </a:txBody>
-                  <a:tcPr marL="114300" marR="114300" marT="76200" marB="76200" anchor="ctr"/>
-                </a:tc>
-                <a:tc>
-                  <a:txBody>
-                    <a:bodyPr/>
-                    <a:lstStyle/>
-                    <a:p>
-                      <a:r>
-                        <a:rPr lang="en-US">
-                          <a:effectLst/>
-                        </a:rPr>
-                        <a:t>Gregory R. Watson (ORNL)</a:t>
-                      </a:r>
-                    </a:p>
-                  </a:txBody>
-                  <a:tcPr marL="114300" marR="114300" marT="76200" marB="76200" anchor="ctr"/>
-                </a:tc>
-                <a:extLst>
-                  <a:ext uri="{0D108BD9-81ED-4DB2-BD59-A6C34878D82A}">
-                    <a16:rowId xmlns:a16="http://schemas.microsoft.com/office/drawing/2014/main" val="110245607"/>
-                  </a:ext>
-                </a:extLst>
-              </a:tr>
-              <a:tr h="412004">
-                <a:tc>
-                  <a:txBody>
-                    <a:bodyPr/>
-                    <a:lstStyle/>
-                    <a:p>
-                      <a:pPr algn="r"/>
-                      <a:r>
-                        <a:rPr lang="en-US">
-                          <a:effectLst/>
-                        </a:rPr>
-                        <a:t>5:00 PM</a:t>
-                      </a:r>
-                    </a:p>
-                  </a:txBody>
-                  <a:tcPr marL="114300" marR="114300" marT="76200" marB="76200" anchor="ctr"/>
-                </a:tc>
-                <a:tc>
-                  <a:txBody>
-                    <a:bodyPr/>
-                    <a:lstStyle/>
-                    <a:p>
-                      <a:pPr algn="r"/>
-                      <a:r>
-                        <a:rPr lang="en-US">
-                          <a:effectLst/>
-                        </a:rPr>
-                        <a:t>6</a:t>
-                      </a:r>
-                    </a:p>
-                  </a:txBody>
-                  <a:tcPr marL="114300" marR="114300" marT="76200" marB="76200" anchor="ctr"/>
-                </a:tc>
-                <a:tc>
-                  <a:txBody>
-                    <a:bodyPr/>
-                    <a:lstStyle/>
-                    <a:p>
-                      <a:r>
-                        <a:rPr lang="en-US">
-                          <a:effectLst/>
-                        </a:rPr>
-                        <a:t>Software Testing Introduction</a:t>
-                      </a:r>
-                    </a:p>
-                  </a:txBody>
-                  <a:tcPr marL="114300" marR="114300" marT="76200" marB="76200" anchor="ctr"/>
-                </a:tc>
-                <a:tc>
-                  <a:txBody>
-                    <a:bodyPr/>
-                    <a:lstStyle/>
-                    <a:p>
-                      <a:r>
-                        <a:rPr lang="en-US">
-                          <a:effectLst/>
-                        </a:rPr>
-                        <a:t>Gregory R. Watson (ORNL)</a:t>
-                      </a:r>
-                    </a:p>
-                  </a:txBody>
-                  <a:tcPr marL="114300" marR="114300" marT="76200" marB="76200" anchor="ctr"/>
+                  <a:tcPr marL="142875" marR="142875" marT="95250" marB="95250" anchor="ctr"/>
                 </a:tc>
                 <a:extLst>
                   <a:ext uri="{0D108BD9-81ED-4DB2-BD59-A6C34878D82A}">
                     <a16:rowId xmlns:a16="http://schemas.microsoft.com/office/drawing/2014/main" val="1951011699"/>
-                  </a:ext>
-                </a:extLst>
-              </a:tr>
-              <a:tr h="412004">
-                <a:tc>
-                  <a:txBody>
-                    <a:bodyPr/>
-                    <a:lstStyle/>
-                    <a:p>
-                      <a:pPr algn="r"/>
-                      <a:r>
-                        <a:rPr lang="en-US">
-                          <a:effectLst/>
-                        </a:rPr>
-                        <a:t>5:20 PM</a:t>
-                      </a:r>
-                    </a:p>
-                  </a:txBody>
-                  <a:tcPr marL="114300" marR="114300" marT="76200" marB="76200" anchor="ctr"/>
-                </a:tc>
-                <a:tc>
-                  <a:txBody>
-                    <a:bodyPr/>
-                    <a:lstStyle/>
-                    <a:p>
-                      <a:pPr algn="r"/>
-                      <a:r>
-                        <a:rPr lang="en-US">
-                          <a:effectLst/>
-                        </a:rPr>
-                        <a:t>7</a:t>
-                      </a:r>
-                    </a:p>
-                  </a:txBody>
-                  <a:tcPr marL="114300" marR="114300" marT="76200" marB="76200" anchor="ctr"/>
-                </a:tc>
-                <a:tc>
-                  <a:txBody>
-                    <a:bodyPr/>
-                    <a:lstStyle/>
-                    <a:p>
-                      <a:r>
-                        <a:rPr lang="en-US">
-                          <a:effectLst/>
-                        </a:rPr>
-                        <a:t>Continuous Integration</a:t>
-                      </a:r>
-                    </a:p>
-                  </a:txBody>
-                  <a:tcPr marL="114300" marR="114300" marT="76200" marB="76200" anchor="ctr"/>
-                </a:tc>
-                <a:tc>
-                  <a:txBody>
-                    <a:bodyPr/>
-                    <a:lstStyle/>
-                    <a:p>
-                      <a:r>
-                        <a:rPr lang="en-US">
-                          <a:effectLst/>
-                        </a:rPr>
-                        <a:t>Gregory R. Watson (ORNL)</a:t>
-                      </a:r>
-                    </a:p>
-                  </a:txBody>
-                  <a:tcPr marL="114300" marR="114300" marT="76200" marB="76200" anchor="ctr"/>
-                </a:tc>
-                <a:extLst>
-                  <a:ext uri="{0D108BD9-81ED-4DB2-BD59-A6C34878D82A}">
-                    <a16:rowId xmlns:a16="http://schemas.microsoft.com/office/drawing/2014/main" val="2677893716"/>
-                  </a:ext>
-                </a:extLst>
-              </a:tr>
-              <a:tr h="412004">
-                <a:tc>
-                  <a:txBody>
-                    <a:bodyPr/>
-                    <a:lstStyle/>
-                    <a:p>
-                      <a:pPr algn="r"/>
-                      <a:r>
-                        <a:rPr lang="en-US" dirty="0">
-                          <a:effectLst/>
-                        </a:rPr>
-                        <a:t>5:40 PM</a:t>
-                      </a:r>
-                    </a:p>
-                  </a:txBody>
-                  <a:tcPr marL="114300" marR="114300" marT="76200" marB="76200" anchor="ctr"/>
-                </a:tc>
-                <a:tc>
-                  <a:txBody>
-                    <a:bodyPr/>
-                    <a:lstStyle/>
-                    <a:p>
-                      <a:pPr algn="r"/>
-                      <a:r>
-                        <a:rPr lang="en-US">
-                          <a:effectLst/>
-                        </a:rPr>
-                        <a:t>8</a:t>
-                      </a:r>
-                    </a:p>
-                  </a:txBody>
-                  <a:tcPr marL="114300" marR="114300" marT="76200" marB="76200" anchor="ctr"/>
-                </a:tc>
-                <a:tc>
-                  <a:txBody>
-                    <a:bodyPr/>
-                    <a:lstStyle/>
-                    <a:p>
-                      <a:r>
-                        <a:rPr lang="en-US">
-                          <a:effectLst/>
-                        </a:rPr>
-                        <a:t>Summary</a:t>
-                      </a:r>
-                    </a:p>
-                  </a:txBody>
-                  <a:tcPr marL="114300" marR="114300" marT="76200" marB="76200" anchor="ctr"/>
-                </a:tc>
-                <a:tc>
-                  <a:txBody>
-                    <a:bodyPr/>
-                    <a:lstStyle/>
-                    <a:p>
-                      <a:r>
-                        <a:rPr lang="en-US" dirty="0">
-                          <a:effectLst/>
-                        </a:rPr>
-                        <a:t>Anshu Dubey (ANL)</a:t>
-                      </a:r>
-                    </a:p>
-                  </a:txBody>
-                  <a:tcPr marL="114300" marR="114300" marT="76200" marB="76200" anchor="ctr"/>
-                </a:tc>
-                <a:extLst>
-                  <a:ext uri="{0D108BD9-81ED-4DB2-BD59-A6C34878D82A}">
-                    <a16:rowId xmlns:a16="http://schemas.microsoft.com/office/drawing/2014/main" val="1485688880"/>
-                  </a:ext>
-                </a:extLst>
-              </a:tr>
-              <a:tr h="412004">
-                <a:tc>
-                  <a:txBody>
-                    <a:bodyPr/>
-                    <a:lstStyle/>
-                    <a:p>
-                      <a:pPr algn="r"/>
-                      <a:r>
-                        <a:rPr lang="en-US" dirty="0">
-                          <a:effectLst/>
-                        </a:rPr>
-                        <a:t>6:00 PM</a:t>
-                      </a:r>
-                    </a:p>
-                  </a:txBody>
-                  <a:tcPr marL="114300" marR="114300" marT="76200" marB="76200" anchor="ctr"/>
-                </a:tc>
-                <a:tc>
-                  <a:txBody>
-                    <a:bodyPr/>
-                    <a:lstStyle/>
-                    <a:p>
-                      <a:pPr algn="r"/>
-                      <a:endParaRPr lang="en-US">
-                        <a:effectLst/>
-                      </a:endParaRPr>
-                    </a:p>
-                  </a:txBody>
-                  <a:tcPr marL="114300" marR="114300" marT="76200" marB="76200" anchor="ctr"/>
-                </a:tc>
-                <a:tc>
-                  <a:txBody>
-                    <a:bodyPr/>
-                    <a:lstStyle/>
-                    <a:p>
-                      <a:r>
-                        <a:rPr lang="en-US" i="1" dirty="0">
-                          <a:effectLst/>
-                        </a:rPr>
-                        <a:t>Adjourn</a:t>
-                      </a:r>
-                      <a:endParaRPr lang="en-US" dirty="0">
-                        <a:effectLst/>
-                      </a:endParaRPr>
-                    </a:p>
-                  </a:txBody>
-                  <a:tcPr marL="114300" marR="114300" marT="76200" marB="76200" anchor="ctr"/>
-                </a:tc>
-                <a:tc>
-                  <a:txBody>
-                    <a:bodyPr/>
-                    <a:lstStyle/>
-                    <a:p>
-                      <a:endParaRPr lang="en-US" dirty="0">
-                        <a:effectLst/>
-                      </a:endParaRPr>
-                    </a:p>
-                  </a:txBody>
-                  <a:tcPr marL="114300" marR="114300" marT="76200" marB="76200" anchor="ctr"/>
-                </a:tc>
-                <a:extLst>
-                  <a:ext uri="{0D108BD9-81ED-4DB2-BD59-A6C34878D82A}">
-                    <a16:rowId xmlns:a16="http://schemas.microsoft.com/office/drawing/2014/main" val="1079961533"/>
                   </a:ext>
                 </a:extLst>
               </a:tr>
@@ -5205,7 +4796,730 @@
     </p:spTree>
     <p:extLst>
       <p:ext uri="{BB962C8B-B14F-4D97-AF65-F5344CB8AC3E}">
-        <p14:creationId xmlns:p14="http://schemas.microsoft.com/office/powerpoint/2010/main" val="2448329568"/>
+        <p14:creationId xmlns:p14="http://schemas.microsoft.com/office/powerpoint/2010/main" val="19783333"/>
+      </p:ext>
+    </p:extLst>
+  </p:cSld>
+  <p:clrMapOvr>
+    <a:masterClrMapping/>
+  </p:clrMapOvr>
+</p:sld>
+</file>
+
+<file path=ppt/slides/slide11.xml><?xml version="1.0" encoding="utf-8"?>
+<p:sld xmlns:a="http://schemas.openxmlformats.org/drawingml/2006/main" xmlns:r="http://schemas.openxmlformats.org/officeDocument/2006/relationships" xmlns:p="http://schemas.openxmlformats.org/presentationml/2006/main">
+  <p:cSld>
+    <p:spTree>
+      <p:nvGrpSpPr>
+        <p:cNvPr id="1" name=""/>
+        <p:cNvGrpSpPr/>
+        <p:nvPr/>
+      </p:nvGrpSpPr>
+      <p:grpSpPr>
+        <a:xfrm>
+          <a:off x="0" y="0"/>
+          <a:ext cx="0" cy="0"/>
+          <a:chOff x="0" y="0"/>
+          <a:chExt cx="0" cy="0"/>
+        </a:xfrm>
+      </p:grpSpPr>
+      <p:sp>
+        <p:nvSpPr>
+          <p:cNvPr id="2" name="Title 1">
+            <a:extLst>
+              <a:ext uri="{FF2B5EF4-FFF2-40B4-BE49-F238E27FC236}">
+                <a16:creationId xmlns:a16="http://schemas.microsoft.com/office/drawing/2014/main" id="{1D6756EE-C2D9-4E52-B0B6-3C831FD6A565}"/>
+              </a:ext>
+            </a:extLst>
+          </p:cNvPr>
+          <p:cNvSpPr>
+            <a:spLocks noGrp="1"/>
+          </p:cNvSpPr>
+          <p:nvPr>
+            <p:ph type="title"/>
+          </p:nvPr>
+        </p:nvSpPr>
+        <p:spPr>
+          <a:xfrm>
+            <a:off x="408175" y="160020"/>
+            <a:ext cx="11372473" cy="914400"/>
+          </a:xfrm>
+        </p:spPr>
+        <p:txBody>
+          <a:bodyPr/>
+          <a:lstStyle/>
+          <a:p>
+            <a:r>
+              <a:rPr lang="en-US" dirty="0"/>
+              <a:t>Agenda (2/2) </a:t>
+            </a:r>
+          </a:p>
+        </p:txBody>
+      </p:sp>
+      <p:graphicFrame>
+        <p:nvGraphicFramePr>
+          <p:cNvPr id="6" name="Table 6">
+            <a:extLst>
+              <a:ext uri="{FF2B5EF4-FFF2-40B4-BE49-F238E27FC236}">
+                <a16:creationId xmlns:a16="http://schemas.microsoft.com/office/drawing/2014/main" id="{99D13FB2-5BF8-4AC0-A13D-ECB8E230F5BC}"/>
+              </a:ext>
+            </a:extLst>
+          </p:cNvPr>
+          <p:cNvGraphicFramePr>
+            <a:graphicFrameLocks noGrp="1"/>
+          </p:cNvGraphicFramePr>
+          <p:nvPr>
+            <p:ph idx="1"/>
+            <p:extLst>
+              <p:ext uri="{D42A27DB-BD31-4B8C-83A1-F6EECF244321}">
+                <p14:modId xmlns:p14="http://schemas.microsoft.com/office/powerpoint/2010/main" val="1386787311"/>
+              </p:ext>
+            </p:extLst>
+          </p:nvPr>
+        </p:nvGraphicFramePr>
+        <p:xfrm>
+          <a:off x="365759" y="866432"/>
+          <a:ext cx="11372472" cy="4587240"/>
+        </p:xfrm>
+        <a:graphic>
+          <a:graphicData uri="http://schemas.openxmlformats.org/drawingml/2006/table">
+            <a:tbl>
+              <a:tblPr firstRow="1" bandRow="1">
+                <a:tableStyleId>{5C22544A-7EE6-4342-B048-85BDC9FD1C3A}</a:tableStyleId>
+              </a:tblPr>
+              <a:tblGrid>
+                <a:gridCol w="1786394">
+                  <a:extLst>
+                    <a:ext uri="{9D8B030D-6E8A-4147-A177-3AD203B41FA5}">
+                      <a16:colId xmlns:a16="http://schemas.microsoft.com/office/drawing/2014/main" val="41390910"/>
+                    </a:ext>
+                  </a:extLst>
+                </a:gridCol>
+                <a:gridCol w="5185170">
+                  <a:extLst>
+                    <a:ext uri="{9D8B030D-6E8A-4147-A177-3AD203B41FA5}">
+                      <a16:colId xmlns:a16="http://schemas.microsoft.com/office/drawing/2014/main" val="1261297711"/>
+                    </a:ext>
+                  </a:extLst>
+                </a:gridCol>
+                <a:gridCol w="4400908">
+                  <a:extLst>
+                    <a:ext uri="{9D8B030D-6E8A-4147-A177-3AD203B41FA5}">
+                      <a16:colId xmlns:a16="http://schemas.microsoft.com/office/drawing/2014/main" val="3622604584"/>
+                    </a:ext>
+                  </a:extLst>
+                </a:gridCol>
+              </a:tblGrid>
+              <a:tr h="393875">
+                <a:tc>
+                  <a:txBody>
+                    <a:bodyPr/>
+                    <a:lstStyle/>
+                    <a:p>
+                      <a:pPr algn="r"/>
+                      <a:r>
+                        <a:rPr lang="en-US" sz="1600" dirty="0">
+                          <a:effectLst/>
+                        </a:rPr>
+                        <a:t>Time (CDT)</a:t>
+                      </a:r>
+                    </a:p>
+                  </a:txBody>
+                  <a:tcPr marL="142875" marR="142875" marT="95250" marB="95250" anchor="ctr"/>
+                </a:tc>
+                <a:tc>
+                  <a:txBody>
+                    <a:bodyPr/>
+                    <a:lstStyle/>
+                    <a:p>
+                      <a:r>
+                        <a:rPr lang="en-US" sz="1600" dirty="0">
+                          <a:effectLst/>
+                        </a:rPr>
+                        <a:t>Title</a:t>
+                      </a:r>
+                    </a:p>
+                  </a:txBody>
+                  <a:tcPr marL="142875" marR="142875" marT="95250" marB="95250" anchor="ctr"/>
+                </a:tc>
+                <a:tc>
+                  <a:txBody>
+                    <a:bodyPr/>
+                    <a:lstStyle/>
+                    <a:p>
+                      <a:r>
+                        <a:rPr lang="en-US" sz="1600" dirty="0">
+                          <a:effectLst/>
+                        </a:rPr>
+                        <a:t>Presenter</a:t>
+                      </a:r>
+                    </a:p>
+                  </a:txBody>
+                  <a:tcPr marL="142875" marR="142875" marT="95250" marB="95250" anchor="ctr"/>
+                </a:tc>
+                <a:extLst>
+                  <a:ext uri="{0D108BD9-81ED-4DB2-BD59-A6C34878D82A}">
+                    <a16:rowId xmlns:a16="http://schemas.microsoft.com/office/drawing/2014/main" val="2098024418"/>
+                  </a:ext>
+                </a:extLst>
+              </a:tr>
+              <a:tr h="393875">
+                <a:tc>
+                  <a:txBody>
+                    <a:bodyPr/>
+                    <a:lstStyle/>
+                    <a:p>
+                      <a:pPr algn="r"/>
+                      <a:r>
+                        <a:rPr lang="en-US" sz="1600" dirty="0">
+                          <a:effectLst/>
+                        </a:rPr>
+                        <a:t>1:30 PM</a:t>
+                      </a:r>
+                    </a:p>
+                  </a:txBody>
+                  <a:tcPr marL="142875" marR="142875" marT="95250" marB="95250" anchor="ctr"/>
+                </a:tc>
+                <a:tc>
+                  <a:txBody>
+                    <a:bodyPr/>
+                    <a:lstStyle/>
+                    <a:p>
+                      <a:r>
+                        <a:rPr lang="en-US" sz="1600" dirty="0">
+                          <a:effectLst/>
+                        </a:rPr>
+                        <a:t>Software Testing and Verification</a:t>
+                      </a:r>
+                    </a:p>
+                  </a:txBody>
+                  <a:tcPr marL="142875" marR="142875" marT="95250" marB="95250" anchor="ctr"/>
+                </a:tc>
+                <a:tc>
+                  <a:txBody>
+                    <a:bodyPr/>
+                    <a:lstStyle/>
+                    <a:p>
+                      <a:r>
+                        <a:rPr lang="en-US" sz="1600" dirty="0">
+                          <a:effectLst/>
+                        </a:rPr>
+                        <a:t>Anshu Dubey (ANL)</a:t>
+                      </a:r>
+                    </a:p>
+                  </a:txBody>
+                  <a:tcPr marL="142875" marR="142875" marT="95250" marB="95250" anchor="ctr"/>
+                </a:tc>
+                <a:extLst>
+                  <a:ext uri="{0D108BD9-81ED-4DB2-BD59-A6C34878D82A}">
+                    <a16:rowId xmlns:a16="http://schemas.microsoft.com/office/drawing/2014/main" val="1110267130"/>
+                  </a:ext>
+                </a:extLst>
+              </a:tr>
+              <a:tr h="393875">
+                <a:tc>
+                  <a:txBody>
+                    <a:bodyPr/>
+                    <a:lstStyle/>
+                    <a:p>
+                      <a:pPr algn="r"/>
+                      <a:r>
+                        <a:rPr lang="en-US" sz="1600">
+                          <a:effectLst/>
+                        </a:rPr>
+                        <a:t>2:15 PM</a:t>
+                      </a:r>
+                    </a:p>
+                  </a:txBody>
+                  <a:tcPr marL="142875" marR="142875" marT="95250" marB="95250" anchor="ctr"/>
+                </a:tc>
+                <a:tc>
+                  <a:txBody>
+                    <a:bodyPr/>
+                    <a:lstStyle/>
+                    <a:p>
+                      <a:r>
+                        <a:rPr lang="en-US" sz="1600" dirty="0">
+                          <a:effectLst/>
+                        </a:rPr>
+                        <a:t>Lab Notebooks for Computational Mathematics, Sciences, &amp; Engineering</a:t>
+                      </a:r>
+                    </a:p>
+                  </a:txBody>
+                  <a:tcPr marL="142875" marR="142875" marT="95250" marB="95250" anchor="ctr"/>
+                </a:tc>
+                <a:tc>
+                  <a:txBody>
+                    <a:bodyPr/>
+                    <a:lstStyle/>
+                    <a:p>
+                      <a:r>
+                        <a:rPr lang="en-US" sz="1600">
+                          <a:effectLst/>
+                        </a:rPr>
+                        <a:t>Jared O'Neal (ANL)</a:t>
+                      </a:r>
+                    </a:p>
+                  </a:txBody>
+                  <a:tcPr marL="142875" marR="142875" marT="95250" marB="95250" anchor="ctr"/>
+                </a:tc>
+                <a:extLst>
+                  <a:ext uri="{0D108BD9-81ED-4DB2-BD59-A6C34878D82A}">
+                    <a16:rowId xmlns:a16="http://schemas.microsoft.com/office/drawing/2014/main" val="1767959300"/>
+                  </a:ext>
+                </a:extLst>
+              </a:tr>
+              <a:tr h="393875">
+                <a:tc>
+                  <a:txBody>
+                    <a:bodyPr/>
+                    <a:lstStyle/>
+                    <a:p>
+                      <a:pPr algn="r"/>
+                      <a:r>
+                        <a:rPr lang="en-US" sz="1600" dirty="0">
+                          <a:effectLst/>
+                        </a:rPr>
+                        <a:t>3:00 PM</a:t>
+                      </a:r>
+                    </a:p>
+                  </a:txBody>
+                  <a:tcPr marL="142875" marR="142875" marT="95250" marB="95250" anchor="ctr"/>
+                </a:tc>
+                <a:tc>
+                  <a:txBody>
+                    <a:bodyPr/>
+                    <a:lstStyle/>
+                    <a:p>
+                      <a:r>
+                        <a:rPr lang="en-US" sz="1600" i="1" dirty="0">
+                          <a:effectLst/>
+                        </a:rPr>
+                        <a:t>Break</a:t>
+                      </a:r>
+                      <a:endParaRPr lang="en-US" sz="1600" dirty="0">
+                        <a:effectLst/>
+                      </a:endParaRPr>
+                    </a:p>
+                  </a:txBody>
+                  <a:tcPr marL="142875" marR="142875" marT="95250" marB="95250" anchor="ctr"/>
+                </a:tc>
+                <a:tc>
+                  <a:txBody>
+                    <a:bodyPr/>
+                    <a:lstStyle/>
+                    <a:p>
+                      <a:endParaRPr lang="en-US" sz="1600" dirty="0">
+                        <a:effectLst/>
+                      </a:endParaRPr>
+                    </a:p>
+                  </a:txBody>
+                  <a:tcPr marL="142875" marR="142875" marT="95250" marB="95250" anchor="ctr"/>
+                </a:tc>
+                <a:extLst>
+                  <a:ext uri="{0D108BD9-81ED-4DB2-BD59-A6C34878D82A}">
+                    <a16:rowId xmlns:a16="http://schemas.microsoft.com/office/drawing/2014/main" val="563078639"/>
+                  </a:ext>
+                </a:extLst>
+              </a:tr>
+              <a:tr h="393875">
+                <a:tc>
+                  <a:txBody>
+                    <a:bodyPr/>
+                    <a:lstStyle/>
+                    <a:p>
+                      <a:pPr algn="r"/>
+                      <a:r>
+                        <a:rPr lang="en-US" sz="1600" dirty="0">
+                          <a:effectLst/>
+                        </a:rPr>
+                        <a:t>3:30 PM</a:t>
+                      </a:r>
+                    </a:p>
+                  </a:txBody>
+                  <a:tcPr marL="142875" marR="142875" marT="95250" marB="95250" anchor="ctr"/>
+                </a:tc>
+                <a:tc>
+                  <a:txBody>
+                    <a:bodyPr/>
+                    <a:lstStyle/>
+                    <a:p>
+                      <a:r>
+                        <a:rPr lang="en-US" sz="1600" dirty="0">
+                          <a:effectLst/>
+                        </a:rPr>
+                        <a:t>Managing Computational Experiments</a:t>
+                      </a:r>
+                    </a:p>
+                  </a:txBody>
+                  <a:tcPr marL="142875" marR="142875" marT="95250" marB="95250" anchor="ctr"/>
+                </a:tc>
+                <a:tc>
+                  <a:txBody>
+                    <a:bodyPr/>
+                    <a:lstStyle/>
+                    <a:p>
+                      <a:r>
+                        <a:rPr lang="en-US" sz="1600" dirty="0">
+                          <a:effectLst/>
+                        </a:rPr>
+                        <a:t>Jared O'Neal (ANL) and Anshu Dubey (ANL)</a:t>
+                      </a:r>
+                    </a:p>
+                  </a:txBody>
+                  <a:tcPr marL="142875" marR="142875" marT="95250" marB="95250" anchor="ctr"/>
+                </a:tc>
+                <a:extLst>
+                  <a:ext uri="{0D108BD9-81ED-4DB2-BD59-A6C34878D82A}">
+                    <a16:rowId xmlns:a16="http://schemas.microsoft.com/office/drawing/2014/main" val="2615095212"/>
+                  </a:ext>
+                </a:extLst>
+              </a:tr>
+              <a:tr h="393875">
+                <a:tc>
+                  <a:txBody>
+                    <a:bodyPr/>
+                    <a:lstStyle/>
+                    <a:p>
+                      <a:pPr algn="r"/>
+                      <a:r>
+                        <a:rPr lang="en-US" sz="1600" dirty="0">
+                          <a:effectLst/>
+                        </a:rPr>
+                        <a:t>4:15 PM</a:t>
+                      </a:r>
+                    </a:p>
+                  </a:txBody>
+                  <a:tcPr marL="142875" marR="142875" marT="95250" marB="95250" anchor="ctr"/>
+                </a:tc>
+                <a:tc>
+                  <a:txBody>
+                    <a:bodyPr/>
+                    <a:lstStyle/>
+                    <a:p>
+                      <a:r>
+                        <a:rPr lang="en-US" sz="1600">
+                          <a:effectLst/>
+                        </a:rPr>
+                        <a:t>Understanding Your Software Development</a:t>
+                      </a:r>
+                    </a:p>
+                  </a:txBody>
+                  <a:tcPr marL="142875" marR="142875" marT="95250" marB="95250" anchor="ctr"/>
+                </a:tc>
+                <a:tc>
+                  <a:txBody>
+                    <a:bodyPr/>
+                    <a:lstStyle/>
+                    <a:p>
+                      <a:r>
+                        <a:rPr lang="en-US" sz="1600" dirty="0" err="1">
+                          <a:effectLst/>
+                        </a:rPr>
+                        <a:t>Boyana</a:t>
+                      </a:r>
+                      <a:r>
+                        <a:rPr lang="en-US" sz="1600" dirty="0">
+                          <a:effectLst/>
+                        </a:rPr>
+                        <a:t> R. Norris (UO)</a:t>
+                      </a:r>
+                    </a:p>
+                  </a:txBody>
+                  <a:tcPr marL="142875" marR="142875" marT="95250" marB="95250" anchor="ctr"/>
+                </a:tc>
+                <a:extLst>
+                  <a:ext uri="{0D108BD9-81ED-4DB2-BD59-A6C34878D82A}">
+                    <a16:rowId xmlns:a16="http://schemas.microsoft.com/office/drawing/2014/main" val="763903436"/>
+                  </a:ext>
+                </a:extLst>
+              </a:tr>
+              <a:tr h="393875">
+                <a:tc>
+                  <a:txBody>
+                    <a:bodyPr/>
+                    <a:lstStyle/>
+                    <a:p>
+                      <a:pPr algn="r"/>
+                      <a:r>
+                        <a:rPr lang="en-US" sz="1600">
+                          <a:effectLst/>
+                        </a:rPr>
+                        <a:t>5:15 PM</a:t>
+                      </a:r>
+                    </a:p>
+                  </a:txBody>
+                  <a:tcPr marL="142875" marR="142875" marT="95250" marB="95250" anchor="ctr"/>
+                </a:tc>
+                <a:tc>
+                  <a:txBody>
+                    <a:bodyPr/>
+                    <a:lstStyle/>
+                    <a:p>
+                      <a:r>
+                        <a:rPr lang="en-US" sz="1600" b="1" i="1">
+                          <a:effectLst/>
+                        </a:rPr>
+                        <a:t>Breakouts: </a:t>
+                      </a:r>
+                      <a:r>
+                        <a:rPr lang="en-US" sz="1600" i="1">
+                          <a:effectLst/>
+                        </a:rPr>
+                        <a:t>Spack Hands-On or General Discussion</a:t>
+                      </a:r>
+                      <a:endParaRPr lang="en-US" sz="1600">
+                        <a:effectLst/>
+                      </a:endParaRPr>
+                    </a:p>
+                  </a:txBody>
+                  <a:tcPr marL="142875" marR="142875" marT="95250" marB="95250" anchor="ctr"/>
+                </a:tc>
+                <a:tc>
+                  <a:txBody>
+                    <a:bodyPr/>
+                    <a:lstStyle/>
+                    <a:p>
+                      <a:r>
+                        <a:rPr lang="en-US" sz="1600">
+                          <a:effectLst/>
+                        </a:rPr>
+                        <a:t>All</a:t>
+                      </a:r>
+                    </a:p>
+                  </a:txBody>
+                  <a:tcPr marL="142875" marR="142875" marT="95250" marB="95250" anchor="ctr"/>
+                </a:tc>
+                <a:extLst>
+                  <a:ext uri="{0D108BD9-81ED-4DB2-BD59-A6C34878D82A}">
+                    <a16:rowId xmlns:a16="http://schemas.microsoft.com/office/drawing/2014/main" val="1954771440"/>
+                  </a:ext>
+                </a:extLst>
+              </a:tr>
+              <a:tr h="393875">
+                <a:tc>
+                  <a:txBody>
+                    <a:bodyPr/>
+                    <a:lstStyle/>
+                    <a:p>
+                      <a:pPr algn="r"/>
+                      <a:r>
+                        <a:rPr lang="en-US" sz="1600">
+                          <a:effectLst/>
+                        </a:rPr>
+                        <a:t>6:15 PM</a:t>
+                      </a:r>
+                    </a:p>
+                  </a:txBody>
+                  <a:tcPr marL="142875" marR="142875" marT="95250" marB="95250" anchor="ctr"/>
+                </a:tc>
+                <a:tc>
+                  <a:txBody>
+                    <a:bodyPr/>
+                    <a:lstStyle/>
+                    <a:p>
+                      <a:r>
+                        <a:rPr lang="en-US" sz="1600" i="1">
+                          <a:effectLst/>
+                        </a:rPr>
+                        <a:t>Dinner and After-Dinner Talk</a:t>
+                      </a:r>
+                      <a:endParaRPr lang="en-US" sz="1600">
+                        <a:effectLst/>
+                      </a:endParaRPr>
+                    </a:p>
+                  </a:txBody>
+                  <a:tcPr marL="142875" marR="142875" marT="95250" marB="95250" anchor="ctr"/>
+                </a:tc>
+                <a:tc>
+                  <a:txBody>
+                    <a:bodyPr/>
+                    <a:lstStyle/>
+                    <a:p>
+                      <a:endParaRPr lang="en-US" sz="1600">
+                        <a:effectLst/>
+                      </a:endParaRPr>
+                    </a:p>
+                  </a:txBody>
+                  <a:tcPr marL="142875" marR="142875" marT="95250" marB="95250" anchor="ctr"/>
+                </a:tc>
+                <a:extLst>
+                  <a:ext uri="{0D108BD9-81ED-4DB2-BD59-A6C34878D82A}">
+                    <a16:rowId xmlns:a16="http://schemas.microsoft.com/office/drawing/2014/main" val="746396693"/>
+                  </a:ext>
+                </a:extLst>
+              </a:tr>
+              <a:tr h="393875">
+                <a:tc>
+                  <a:txBody>
+                    <a:bodyPr/>
+                    <a:lstStyle/>
+                    <a:p>
+                      <a:pPr algn="r"/>
+                      <a:r>
+                        <a:rPr lang="en-US" sz="1600">
+                          <a:effectLst/>
+                        </a:rPr>
+                        <a:t>8:15 PM</a:t>
+                      </a:r>
+                    </a:p>
+                  </a:txBody>
+                  <a:tcPr marL="142875" marR="142875" marT="95250" marB="95250" anchor="ctr"/>
+                </a:tc>
+                <a:tc>
+                  <a:txBody>
+                    <a:bodyPr/>
+                    <a:lstStyle/>
+                    <a:p>
+                      <a:r>
+                        <a:rPr lang="en-US" sz="1600" b="1" i="1">
+                          <a:effectLst/>
+                        </a:rPr>
+                        <a:t>Optional</a:t>
+                      </a:r>
+                      <a:r>
+                        <a:rPr lang="en-US" sz="1600" i="1">
+                          <a:effectLst/>
+                        </a:rPr>
+                        <a:t> Evening Discussion Session</a:t>
+                      </a:r>
+                      <a:endParaRPr lang="en-US" sz="1600">
+                        <a:effectLst/>
+                      </a:endParaRPr>
+                    </a:p>
+                  </a:txBody>
+                  <a:tcPr marL="142875" marR="142875" marT="95250" marB="95250" anchor="ctr"/>
+                </a:tc>
+                <a:tc>
+                  <a:txBody>
+                    <a:bodyPr/>
+                    <a:lstStyle/>
+                    <a:p>
+                      <a:r>
+                        <a:rPr lang="en-US" sz="1600">
+                          <a:effectLst/>
+                        </a:rPr>
+                        <a:t>All</a:t>
+                      </a:r>
+                    </a:p>
+                  </a:txBody>
+                  <a:tcPr marL="142875" marR="142875" marT="95250" marB="95250" anchor="ctr"/>
+                </a:tc>
+                <a:extLst>
+                  <a:ext uri="{0D108BD9-81ED-4DB2-BD59-A6C34878D82A}">
+                    <a16:rowId xmlns:a16="http://schemas.microsoft.com/office/drawing/2014/main" val="1592907298"/>
+                  </a:ext>
+                </a:extLst>
+              </a:tr>
+              <a:tr h="393875">
+                <a:tc>
+                  <a:txBody>
+                    <a:bodyPr/>
+                    <a:lstStyle/>
+                    <a:p>
+                      <a:pPr algn="r"/>
+                      <a:r>
+                        <a:rPr lang="en-US" sz="1600">
+                          <a:effectLst/>
+                        </a:rPr>
+                        <a:t>9:00 PM</a:t>
+                      </a:r>
+                    </a:p>
+                  </a:txBody>
+                  <a:tcPr marL="142875" marR="142875" marT="95250" marB="95250" anchor="ctr"/>
+                </a:tc>
+                <a:tc>
+                  <a:txBody>
+                    <a:bodyPr/>
+                    <a:lstStyle/>
+                    <a:p>
+                      <a:r>
+                        <a:rPr lang="en-US" sz="1600" i="1">
+                          <a:effectLst/>
+                        </a:rPr>
+                        <a:t>Adjourn</a:t>
+                      </a:r>
+                      <a:endParaRPr lang="en-US" sz="1600">
+                        <a:effectLst/>
+                      </a:endParaRPr>
+                    </a:p>
+                  </a:txBody>
+                  <a:tcPr marL="142875" marR="142875" marT="95250" marB="95250" anchor="ctr"/>
+                </a:tc>
+                <a:tc>
+                  <a:txBody>
+                    <a:bodyPr/>
+                    <a:lstStyle/>
+                    <a:p>
+                      <a:endParaRPr lang="en-US" sz="1600" dirty="0"/>
+                    </a:p>
+                  </a:txBody>
+                  <a:tcPr/>
+                </a:tc>
+                <a:extLst>
+                  <a:ext uri="{0D108BD9-81ED-4DB2-BD59-A6C34878D82A}">
+                    <a16:rowId xmlns:a16="http://schemas.microsoft.com/office/drawing/2014/main" val="110245607"/>
+                  </a:ext>
+                </a:extLst>
+              </a:tr>
+            </a:tbl>
+          </a:graphicData>
+        </a:graphic>
+      </p:graphicFrame>
+      <p:sp>
+        <p:nvSpPr>
+          <p:cNvPr id="9" name="TextBox 8">
+            <a:extLst>
+              <a:ext uri="{FF2B5EF4-FFF2-40B4-BE49-F238E27FC236}">
+                <a16:creationId xmlns:a16="http://schemas.microsoft.com/office/drawing/2014/main" id="{2C67F121-FA5A-4323-B777-FC3438185944}"/>
+              </a:ext>
+            </a:extLst>
+          </p:cNvPr>
+          <p:cNvSpPr txBox="1"/>
+          <p:nvPr/>
+        </p:nvSpPr>
+        <p:spPr>
+          <a:xfrm>
+            <a:off x="4537710" y="45720"/>
+            <a:ext cx="7651115" cy="646331"/>
+          </a:xfrm>
+          <a:prstGeom prst="rect">
+            <a:avLst/>
+          </a:prstGeom>
+          <a:noFill/>
+        </p:spPr>
+        <p:txBody>
+          <a:bodyPr wrap="square">
+            <a:spAutoFit/>
+          </a:bodyPr>
+          <a:lstStyle/>
+          <a:p>
+            <a:pPr algn="l"/>
+            <a:r>
+              <a:rPr lang="en-US" dirty="0"/>
+              <a:t>The agenda is also available on the tutorial web page.  Visit </a:t>
+            </a:r>
+            <a:r>
+              <a:rPr lang="en-US" b="1" dirty="0">
+                <a:hlinkClick r:id="rId2"/>
+              </a:rPr>
+              <a:t>https://bssw-tutorial.github.io</a:t>
+            </a:r>
+            <a:r>
+              <a:rPr lang="en-US" b="1" dirty="0"/>
+              <a:t> </a:t>
+            </a:r>
+            <a:r>
+              <a:rPr lang="en-US" dirty="0"/>
+              <a:t>and click on the link for today’s tutorial</a:t>
+            </a:r>
+          </a:p>
+        </p:txBody>
+      </p:sp>
+    </p:spTree>
+    <p:extLst>
+      <p:ext uri="{BB962C8B-B14F-4D97-AF65-F5344CB8AC3E}">
+        <p14:creationId xmlns:p14="http://schemas.microsoft.com/office/powerpoint/2010/main" val="3281767745"/>
       </p:ext>
     </p:extLst>
   </p:cSld>
@@ -5670,8 +5984,8 @@
         </p:nvSpPr>
         <p:spPr>
           <a:xfrm>
-            <a:off x="363095" y="4186797"/>
-            <a:ext cx="10123321" cy="2277547"/>
+            <a:off x="363095" y="3871110"/>
+            <a:ext cx="10123321" cy="2610971"/>
           </a:xfrm>
           <a:prstGeom prst="rect">
             <a:avLst/>
@@ -5693,7 +6007,7 @@
             </a:pPr>
             <a:r>
               <a:rPr lang="en-US" sz="2400" dirty="0"/>
-              <a:t>Members (present or past) of the IDEAS Productivity Project: </a:t>
+              <a:t>Members of the IDEAS Productivity Project (present or past): </a:t>
             </a:r>
             <a:r>
               <a:rPr lang="en-US" sz="2400" dirty="0">
@@ -5725,16 +6039,12 @@
               <a:buChar char="•"/>
             </a:pPr>
             <a:r>
-              <a:rPr lang="en-US" sz="2000" dirty="0"/>
-              <a:t>ECP </a:t>
-            </a:r>
-            <a:r>
               <a:rPr lang="en-US" sz="2000" dirty="0" err="1"/>
               <a:t>ExaStar</a:t>
             </a:r>
             <a:r>
               <a:rPr lang="en-US" sz="2000" dirty="0"/>
-              <a:t> project</a:t>
+              <a:t> project (ECP)</a:t>
             </a:r>
           </a:p>
           <a:p>
@@ -5746,16 +6056,29 @@
               <a:buChar char="•"/>
             </a:pPr>
             <a:r>
-              <a:rPr lang="en-US" sz="2000" dirty="0"/>
-              <a:t>LLNL </a:t>
-            </a:r>
-            <a:r>
               <a:rPr lang="en-US" sz="2000" dirty="0" err="1"/>
               <a:t>Spack</a:t>
             </a:r>
             <a:r>
               <a:rPr lang="en-US" sz="2000" dirty="0"/>
-              <a:t> project</a:t>
+              <a:t> project (ECP and other support)</a:t>
+            </a:r>
+          </a:p>
+          <a:p>
+            <a:pPr marL="684213" lvl="1" indent="-227013">
+              <a:spcBef>
+                <a:spcPts val="200"/>
+              </a:spcBef>
+              <a:buFont typeface="Arial" panose="020B0604020202020204" pitchFamily="34" charset="0"/>
+              <a:buChar char="•"/>
+            </a:pPr>
+            <a:r>
+              <a:rPr lang="en-US" sz="2000" dirty="0" err="1"/>
+              <a:t>xSDK</a:t>
+            </a:r>
+            <a:r>
+              <a:rPr lang="en-US" sz="2000" dirty="0"/>
+              <a:t> (ECP)</a:t>
             </a:r>
           </a:p>
         </p:txBody>
@@ -12335,21 +12658,6 @@
 </file>
 
 <file path=customXml/item1.xml><?xml version="1.0" encoding="utf-8"?>
-<?mso-contentType ?>
-<FormTemplates xmlns="http://schemas.microsoft.com/sharepoint/v3/contenttype/forms">
-  <Display>DocumentLibraryForm</Display>
-  <Edit>DocumentLibraryForm</Edit>
-  <New>DocumentLibraryForm</New>
-</FormTemplates>
-</file>
-
-<file path=customXml/item2.xml><?xml version="1.0" encoding="utf-8"?>
-<p:properties xmlns:p="http://schemas.microsoft.com/office/2006/metadata/properties" xmlns:xsi="http://www.w3.org/2001/XMLSchema-instance" xmlns:pc="http://schemas.microsoft.com/office/infopath/2007/PartnerControls">
-  <documentManagement/>
-</p:properties>
-</file>
-
-<file path=customXml/item3.xml><?xml version="1.0" encoding="utf-8"?>
 <ct:contentTypeSchema xmlns:ct="http://schemas.microsoft.com/office/2006/metadata/contentType" xmlns:ma="http://schemas.microsoft.com/office/2006/metadata/properties/metaAttributes" ct:_="" ma:_="" ma:contentTypeName="Document" ma:contentTypeID="0x010100565464437F680748A68B85EB6594EA7D" ma:contentTypeVersion="0" ma:contentTypeDescription="Create a new document." ma:contentTypeScope="" ma:versionID="fe3f4dd58d5914c51cfc6deaa8ad845c">
   <xsd:schema xmlns:xsd="http://www.w3.org/2001/XMLSchema" xmlns:p="http://schemas.microsoft.com/office/2006/metadata/properties" targetNamespace="http://schemas.microsoft.com/office/2006/metadata/properties" ma:root="true" ma:fieldsID="4aeb20c0e3442673af7ee10786458764">
     <xsd:element name="properties">
@@ -12398,7 +12706,37 @@
 </ct:contentTypeSchema>
 </file>
 
+<file path=customXml/item2.xml><?xml version="1.0" encoding="utf-8"?>
+<?mso-contentType ?>
+<FormTemplates xmlns="http://schemas.microsoft.com/sharepoint/v3/contenttype/forms">
+  <Display>DocumentLibraryForm</Display>
+  <Edit>DocumentLibraryForm</Edit>
+  <New>DocumentLibraryForm</New>
+</FormTemplates>
+</file>
+
+<file path=customXml/item3.xml><?xml version="1.0" encoding="utf-8"?>
+<p:properties xmlns:p="http://schemas.microsoft.com/office/2006/metadata/properties" xmlns:xsi="http://www.w3.org/2001/XMLSchema-instance" xmlns:pc="http://schemas.microsoft.com/office/infopath/2007/PartnerControls">
+  <documentManagement/>
+</p:properties>
+</file>
+
 <file path=customXml/itemProps1.xml><?xml version="1.0" encoding="utf-8"?>
+<ds:datastoreItem xmlns:ds="http://schemas.openxmlformats.org/officeDocument/2006/customXml" ds:itemID="{E8DB7DEB-074E-4EE8-9B6E-FD277323109C}">
+  <ds:schemaRefs>
+    <ds:schemaRef ds:uri="http://schemas.microsoft.com/office/2006/metadata/contentType"/>
+    <ds:schemaRef ds:uri="http://schemas.microsoft.com/office/2006/metadata/properties/metaAttributes"/>
+    <ds:schemaRef ds:uri="http://www.w3.org/2001/XMLSchema"/>
+    <ds:schemaRef ds:uri="http://schemas.microsoft.com/office/2006/metadata/properties"/>
+    <ds:schemaRef ds:uri="http://schemas.openxmlformats.org/package/2006/metadata/core-properties"/>
+    <ds:schemaRef ds:uri="http://purl.org/dc/elements/1.1/"/>
+    <ds:schemaRef ds:uri="http://purl.org/dc/terms/"/>
+    <ds:schemaRef ds:uri="http://schemas.microsoft.com/office/internal/2005/internalDocumentation"/>
+  </ds:schemaRefs>
+</ds:datastoreItem>
+</file>
+
+<file path=customXml/itemProps2.xml><?xml version="1.0" encoding="utf-8"?>
 <ds:datastoreItem xmlns:ds="http://schemas.openxmlformats.org/officeDocument/2006/customXml" ds:itemID="{19E20559-B232-4371-8690-E3D8007EDB82}">
   <ds:schemaRefs>
     <ds:schemaRef ds:uri="http://schemas.microsoft.com/sharepoint/v3/contenttype/forms"/>
@@ -12406,7 +12744,7 @@
 </ds:datastoreItem>
 </file>
 
-<file path=customXml/itemProps2.xml><?xml version="1.0" encoding="utf-8"?>
+<file path=customXml/itemProps3.xml><?xml version="1.0" encoding="utf-8"?>
 <ds:datastoreItem xmlns:ds="http://schemas.openxmlformats.org/officeDocument/2006/customXml" ds:itemID="{A50EC660-24D0-43A0-AE5E-E274115E726B}">
   <ds:schemaRefs>
     <ds:schemaRef ds:uri="http://purl.org/dc/elements/1.1/"/>
@@ -12419,19 +12757,4 @@
     <ds:schemaRef ds:uri="http://schemas.microsoft.com/office/infopath/2007/PartnerControls"/>
   </ds:schemaRefs>
 </ds:datastoreItem>
-</file>
-
-<file path=customXml/itemProps3.xml><?xml version="1.0" encoding="utf-8"?>
-<ds:datastoreItem xmlns:ds="http://schemas.openxmlformats.org/officeDocument/2006/customXml" ds:itemID="{E8DB7DEB-074E-4EE8-9B6E-FD277323109C}">
-  <ds:schemaRefs>
-    <ds:schemaRef ds:uri="http://schemas.microsoft.com/office/2006/metadata/contentType"/>
-    <ds:schemaRef ds:uri="http://schemas.microsoft.com/office/2006/metadata/properties/metaAttributes"/>
-    <ds:schemaRef ds:uri="http://www.w3.org/2001/XMLSchema"/>
-    <ds:schemaRef ds:uri="http://schemas.microsoft.com/office/2006/metadata/properties"/>
-    <ds:schemaRef ds:uri="http://schemas.openxmlformats.org/package/2006/metadata/core-properties"/>
-    <ds:schemaRef ds:uri="http://purl.org/dc/elements/1.1/"/>
-    <ds:schemaRef ds:uri="http://purl.org/dc/terms/"/>
-    <ds:schemaRef ds:uri="http://schemas.microsoft.com/office/internal/2005/internalDocumentation"/>
-  </ds:schemaRefs>
-</ds:datastoreItem>
 </file>
--- a/intro-a.pptx
+++ b/intro-a.pptx
@@ -12,16 +12,16 @@
   </p:handoutMasterIdLst>
   <p:sldIdLst>
     <p:sldId id="617" r:id="rId5"/>
-    <p:sldId id="320" r:id="rId6"/>
+    <p:sldId id="627" r:id="rId6"/>
     <p:sldId id="308" r:id="rId7"/>
     <p:sldId id="327" r:id="rId8"/>
     <p:sldId id="324" r:id="rId9"/>
     <p:sldId id="329" r:id="rId10"/>
-    <p:sldId id="620" r:id="rId11"/>
-    <p:sldId id="622" r:id="rId12"/>
-    <p:sldId id="626" r:id="rId13"/>
-    <p:sldId id="261" r:id="rId14"/>
-    <p:sldId id="262" r:id="rId15"/>
+    <p:sldId id="619" r:id="rId11"/>
+    <p:sldId id="620" r:id="rId12"/>
+    <p:sldId id="622" r:id="rId13"/>
+    <p:sldId id="626" r:id="rId14"/>
+    <p:sldId id="261" r:id="rId15"/>
   </p:sldIdLst>
   <p:sldSz cx="12188825" cy="6858000"/>
   <p:notesSz cx="7010400" cy="9296400"/>
@@ -265,7 +265,7 @@
           <a:p>
             <a:fld id="{0B842F42-2CE9-4E35-95C1-410DC08A50B1}" type="datetimeFigureOut">
               <a:rPr lang="en-US" smtClean="0"/>
-              <a:t>8/9/2022</a:t>
+              <a:t>10/27/2022</a:t>
             </a:fld>
             <a:endParaRPr lang="en-US"/>
           </a:p>
@@ -430,7 +430,7 @@
           <a:p>
             <a:fld id="{6F282904-F315-4730-8D91-37D99E141A6F}" type="datetimeFigureOut">
               <a:rPr lang="en-US" smtClean="0"/>
-              <a:t>8/9/2022</a:t>
+              <a:t>10/27/2022</a:t>
             </a:fld>
             <a:endParaRPr lang="en-US"/>
           </a:p>
@@ -4092,7 +4092,7 @@
             </a:pPr>
             <a:r>
               <a:rPr lang="en-US" dirty="0"/>
-              <a:t>Software Productivity and Sustainability</a:t>
+              <a:t>Better Scientific Software</a:t>
             </a:r>
           </a:p>
         </p:txBody>
@@ -4125,31 +4125,30 @@
           <a:p>
             <a:r>
               <a:rPr lang="en-US" dirty="0"/>
-              <a:t>David E. Bernholdt, Anshu Dubey, Todd Gamblin, Jared O’Neal, and </a:t>
-            </a:r>
-            <a:r>
-              <a:rPr lang="en-US" dirty="0" err="1"/>
-              <a:t>Boyana</a:t>
-            </a:r>
-            <a:r>
+              <a:t>David E. Bernholdt, Anshu Dubey, </a:t>
+            </a:r>
+            <a:br>
               <a:rPr lang="en-US" dirty="0"/>
-              <a:t> R. Norris</a:t>
-            </a:r>
-          </a:p>
-          <a:p>
+            </a:br>
             <a:r>
               <a:rPr lang="en-US" dirty="0"/>
-              <a:t>Argonne Training Program for Extreme-Scale Computing summer school</a:t>
+              <a:t>Patricia A. Grubel</a:t>
+            </a:r>
+          </a:p>
+          <a:p>
+            <a:r>
+              <a:rPr lang="en-US" dirty="0"/>
+              <a:t>Better Scientific Software tutorial @ SC22</a:t>
             </a:r>
           </a:p>
         </p:txBody>
       </p:sp>
       <p:sp>
         <p:nvSpPr>
-          <p:cNvPr id="4" name="Rectangle 3">
+          <p:cNvPr id="5" name="Rectangle 4">
             <a:extLst>
               <a:ext uri="{FF2B5EF4-FFF2-40B4-BE49-F238E27FC236}">
-                <a16:creationId xmlns:a16="http://schemas.microsoft.com/office/drawing/2014/main" id="{303F357E-9CB8-4044-927D-CD647508B2FA}"/>
+                <a16:creationId xmlns:a16="http://schemas.microsoft.com/office/drawing/2014/main" id="{EB895E3C-760B-EDB4-B274-CF129AAB7B8A}"/>
               </a:ext>
             </a:extLst>
           </p:cNvPr>
@@ -4159,7 +4158,7 @@
         <p:spPr>
           <a:xfrm>
             <a:off x="3177632" y="4156432"/>
-            <a:ext cx="4944219" cy="1200329"/>
+            <a:ext cx="5242468" cy="1200329"/>
           </a:xfrm>
           <a:prstGeom prst="rect">
             <a:avLst/>
@@ -4181,7 +4180,7 @@
           <a:p>
             <a:r>
               <a:rPr lang="en-US" sz="2400" dirty="0"/>
-              <a:t>Additional resources at: </a:t>
+              <a:t>Slides, late-breaking updates, etc. at: </a:t>
             </a:r>
             <a:br>
               <a:rPr lang="en-US" sz="2400" dirty="0"/>
@@ -4218,6 +4217,230 @@
 
 <file path=ppt/slides/slide10.xml><?xml version="1.0" encoding="utf-8"?>
 <p:sld xmlns:a="http://schemas.openxmlformats.org/drawingml/2006/main" xmlns:r="http://schemas.openxmlformats.org/officeDocument/2006/relationships" xmlns:p="http://schemas.openxmlformats.org/presentationml/2006/main">
+  <p:cSld>
+    <p:spTree>
+      <p:nvGrpSpPr>
+        <p:cNvPr id="1" name=""/>
+        <p:cNvGrpSpPr/>
+        <p:nvPr/>
+      </p:nvGrpSpPr>
+      <p:grpSpPr>
+        <a:xfrm>
+          <a:off x="0" y="0"/>
+          <a:ext cx="0" cy="0"/>
+          <a:chOff x="0" y="0"/>
+          <a:chExt cx="0" cy="0"/>
+        </a:xfrm>
+      </p:grpSpPr>
+      <p:sp>
+        <p:nvSpPr>
+          <p:cNvPr id="2" name="Title 1">
+            <a:extLst>
+              <a:ext uri="{FF2B5EF4-FFF2-40B4-BE49-F238E27FC236}">
+                <a16:creationId xmlns:a16="http://schemas.microsoft.com/office/drawing/2014/main" id="{88D7CFF0-36AC-4BF3-96D2-C6F302144850}"/>
+              </a:ext>
+            </a:extLst>
+          </p:cNvPr>
+          <p:cNvSpPr>
+            <a:spLocks noGrp="1"/>
+          </p:cNvSpPr>
+          <p:nvPr>
+            <p:ph type="title"/>
+          </p:nvPr>
+        </p:nvSpPr>
+        <p:spPr/>
+        <p:txBody>
+          <a:bodyPr/>
+          <a:lstStyle/>
+          <a:p>
+            <a:r>
+              <a:rPr lang="en-US" dirty="0"/>
+              <a:t>We Want to Interact with You!</a:t>
+            </a:r>
+          </a:p>
+        </p:txBody>
+      </p:sp>
+      <p:sp>
+        <p:nvSpPr>
+          <p:cNvPr id="3" name="Content Placeholder 2">
+            <a:extLst>
+              <a:ext uri="{FF2B5EF4-FFF2-40B4-BE49-F238E27FC236}">
+                <a16:creationId xmlns:a16="http://schemas.microsoft.com/office/drawing/2014/main" id="{AEFD04A9-5547-4AC6-89F3-E6EEC039A00D}"/>
+              </a:ext>
+            </a:extLst>
+          </p:cNvPr>
+          <p:cNvSpPr>
+            <a:spLocks noGrp="1"/>
+          </p:cNvSpPr>
+          <p:nvPr>
+            <p:ph idx="1"/>
+          </p:nvPr>
+        </p:nvSpPr>
+        <p:spPr>
+          <a:xfrm>
+            <a:off x="365760" y="919230"/>
+            <a:ext cx="11369809" cy="4047778"/>
+          </a:xfrm>
+        </p:spPr>
+        <p:txBody>
+          <a:bodyPr/>
+          <a:lstStyle/>
+          <a:p>
+            <a:pPr>
+              <a:spcBef>
+                <a:spcPts val="1800"/>
+              </a:spcBef>
+            </a:pPr>
+            <a:r>
+              <a:rPr lang="en-US" dirty="0"/>
+              <a:t>We find these tutorials most interesting and informative (for everyone) if you ask questions and share experiences!</a:t>
+            </a:r>
+          </a:p>
+          <a:p>
+            <a:pPr lvl="1">
+              <a:spcBef>
+                <a:spcPts val="400"/>
+              </a:spcBef>
+            </a:pPr>
+            <a:r>
+              <a:rPr lang="en-US" dirty="0"/>
+              <a:t>We learn too!</a:t>
+            </a:r>
+          </a:p>
+          <a:p>
+            <a:pPr>
+              <a:spcBef>
+                <a:spcPts val="1200"/>
+              </a:spcBef>
+            </a:pPr>
+            <a:r>
+              <a:rPr lang="en-US" dirty="0"/>
+              <a:t>After the tutorial email us at </a:t>
+            </a:r>
+            <a:r>
+              <a:rPr lang="en-US" dirty="0">
+                <a:hlinkClick r:id="rId2"/>
+              </a:rPr>
+              <a:t>bssw-tutorial@lists.mcs.anl.gov</a:t>
+            </a:r>
+            <a:endParaRPr lang="en-US" dirty="0"/>
+          </a:p>
+          <a:p>
+            <a:pPr lvl="1">
+              <a:spcBef>
+                <a:spcPts val="400"/>
+              </a:spcBef>
+            </a:pPr>
+            <a:r>
+              <a:rPr lang="en-US" dirty="0"/>
+              <a:t>With questions or feedback</a:t>
+            </a:r>
+          </a:p>
+          <a:p>
+            <a:pPr lvl="1"/>
+            <a:r>
+              <a:rPr lang="en-US" dirty="0"/>
+              <a:t>The list moderator will allow your messages to be posted</a:t>
+            </a:r>
+          </a:p>
+          <a:p>
+            <a:r>
+              <a:rPr lang="en-US" dirty="0"/>
+              <a:t>Refer to </a:t>
+            </a:r>
+            <a:r>
+              <a:rPr lang="en-US" dirty="0">
+                <a:hlinkClick r:id="rId3"/>
+              </a:rPr>
+              <a:t>bssw-tutorial.github.io</a:t>
+            </a:r>
+            <a:r>
+              <a:rPr lang="en-US" dirty="0"/>
+              <a:t> page for all tutorial materials</a:t>
+            </a:r>
+          </a:p>
+        </p:txBody>
+      </p:sp>
+      <p:sp>
+        <p:nvSpPr>
+          <p:cNvPr id="4" name="TextBox 3">
+            <a:extLst>
+              <a:ext uri="{FF2B5EF4-FFF2-40B4-BE49-F238E27FC236}">
+                <a16:creationId xmlns:a16="http://schemas.microsoft.com/office/drawing/2014/main" id="{A27B013D-2A37-394C-04C5-C2C1288435A5}"/>
+              </a:ext>
+            </a:extLst>
+          </p:cNvPr>
+          <p:cNvSpPr txBox="1"/>
+          <p:nvPr/>
+        </p:nvSpPr>
+        <p:spPr>
+          <a:xfrm>
+            <a:off x="1523523" y="4456959"/>
+            <a:ext cx="9141778" cy="1098762"/>
+          </a:xfrm>
+          <a:prstGeom prst="rect">
+            <a:avLst/>
+          </a:prstGeom>
+          <a:solidFill>
+            <a:srgbClr val="FFFF00"/>
+          </a:solidFill>
+          <a:ln w="28575">
+            <a:solidFill>
+              <a:schemeClr val="tx1"/>
+            </a:solidFill>
+          </a:ln>
+        </p:spPr>
+        <p:txBody>
+          <a:bodyPr wrap="square" lIns="118872" tIns="91440" rIns="118872" bIns="91440" rtlCol="0" anchor="ctr" anchorCtr="0">
+            <a:spAutoFit/>
+          </a:bodyPr>
+          <a:lstStyle/>
+          <a:p>
+            <a:pPr algn="ctr">
+              <a:lnSpc>
+                <a:spcPct val="90000"/>
+              </a:lnSpc>
+            </a:pPr>
+            <a:r>
+              <a:rPr lang="en-US" sz="2400" dirty="0"/>
+              <a:t>You may also be interested in these other software-related events at SC22: </a:t>
+            </a:r>
+            <a:r>
+              <a:rPr lang="en-US" sz="2400" dirty="0">
+                <a:hlinkClick r:id="rId4"/>
+              </a:rPr>
+              <a:t>https://bssw.io/events/sc22-software-related-events</a:t>
+            </a:r>
+            <a:endParaRPr lang="en-US" sz="2400" dirty="0"/>
+          </a:p>
+          <a:p>
+            <a:pPr algn="ctr">
+              <a:lnSpc>
+                <a:spcPct val="90000"/>
+              </a:lnSpc>
+            </a:pPr>
+            <a:r>
+              <a:rPr lang="en-US" dirty="0"/>
+              <a:t>(link is also on tutorial webpage)</a:t>
+            </a:r>
+          </a:p>
+        </p:txBody>
+      </p:sp>
+    </p:spTree>
+    <p:extLst>
+      <p:ext uri="{BB962C8B-B14F-4D97-AF65-F5344CB8AC3E}">
+        <p14:creationId xmlns:p14="http://schemas.microsoft.com/office/powerpoint/2010/main" val="3909084522"/>
+      </p:ext>
+    </p:extLst>
+  </p:cSld>
+  <p:clrMapOvr>
+    <a:masterClrMapping/>
+  </p:clrMapOvr>
+</p:sld>
+</file>
+
+<file path=ppt/slides/slide11.xml><?xml version="1.0" encoding="utf-8"?>
+<p:sld xmlns:a="http://schemas.openxmlformats.org/drawingml/2006/main" xmlns:r="http://schemas.openxmlformats.org/officeDocument/2006/relationships" xmlns:p="http://schemas.openxmlformats.org/presentationml/2006/main" showMasterSp="0">
   <p:cSld>
     <p:spTree>
       <p:nvGrpSpPr>
@@ -4261,7 +4484,7 @@
           <a:p>
             <a:r>
               <a:rPr lang="en-US" dirty="0"/>
-              <a:t>Agenda (1/2) </a:t>
+              <a:t>Agenda </a:t>
             </a:r>
           </a:p>
         </p:txBody>
@@ -4284,7 +4507,7 @@
         </p:nvGraphicFramePr>
         <p:xfrm>
           <a:off x="365759" y="866432"/>
-          <a:ext cx="11372472" cy="3931301"/>
+          <a:ext cx="11372472" cy="5699760"/>
         </p:xfrm>
         <a:graphic>
           <a:graphicData uri="http://schemas.openxmlformats.org/drawingml/2006/table">
@@ -4308,601 +4531,6 @@
                   </a:extLst>
                 </a:gridCol>
                 <a:gridCol w="4415657">
-                  <a:extLst>
-                    <a:ext uri="{9D8B030D-6E8A-4147-A177-3AD203B41FA5}">
-                      <a16:colId xmlns:a16="http://schemas.microsoft.com/office/drawing/2014/main" val="3622604584"/>
-                    </a:ext>
-                  </a:extLst>
-                </a:gridCol>
-              </a:tblGrid>
-              <a:tr h="393875">
-                <a:tc>
-                  <a:txBody>
-                    <a:bodyPr/>
-                    <a:lstStyle/>
-                    <a:p>
-                      <a:pPr algn="r"/>
-                      <a:r>
-                        <a:rPr lang="en-US" sz="1600" dirty="0">
-                          <a:effectLst/>
-                        </a:rPr>
-                        <a:t>Time (CDT)</a:t>
-                      </a:r>
-                    </a:p>
-                  </a:txBody>
-                  <a:tcPr marL="142875" marR="142875" marT="95250" marB="95250" anchor="ctr"/>
-                </a:tc>
-                <a:tc>
-                  <a:txBody>
-                    <a:bodyPr/>
-                    <a:lstStyle/>
-                    <a:p>
-                      <a:r>
-                        <a:rPr lang="en-US" sz="1600" dirty="0">
-                          <a:effectLst/>
-                        </a:rPr>
-                        <a:t>Title</a:t>
-                      </a:r>
-                    </a:p>
-                  </a:txBody>
-                  <a:tcPr marL="142875" marR="142875" marT="95250" marB="95250" anchor="ctr"/>
-                </a:tc>
-                <a:tc>
-                  <a:txBody>
-                    <a:bodyPr/>
-                    <a:lstStyle/>
-                    <a:p>
-                      <a:r>
-                        <a:rPr lang="en-US" sz="1600" dirty="0">
-                          <a:effectLst/>
-                        </a:rPr>
-                        <a:t>Presenter</a:t>
-                      </a:r>
-                    </a:p>
-                  </a:txBody>
-                  <a:tcPr marL="142875" marR="142875" marT="95250" marB="95250" anchor="ctr"/>
-                </a:tc>
-                <a:extLst>
-                  <a:ext uri="{0D108BD9-81ED-4DB2-BD59-A6C34878D82A}">
-                    <a16:rowId xmlns:a16="http://schemas.microsoft.com/office/drawing/2014/main" val="2098024418"/>
-                  </a:ext>
-                </a:extLst>
-              </a:tr>
-              <a:tr h="647081">
-                <a:tc>
-                  <a:txBody>
-                    <a:bodyPr/>
-                    <a:lstStyle/>
-                    <a:p>
-                      <a:pPr algn="r"/>
-                      <a:r>
-                        <a:rPr lang="en-US" sz="1600">
-                          <a:effectLst/>
-                        </a:rPr>
-                        <a:t>8:30 AM</a:t>
-                      </a:r>
-                    </a:p>
-                  </a:txBody>
-                  <a:tcPr marL="142875" marR="142875" marT="95250" marB="95250" anchor="ctr"/>
-                </a:tc>
-                <a:tc>
-                  <a:txBody>
-                    <a:bodyPr/>
-                    <a:lstStyle/>
-                    <a:p>
-                      <a:r>
-                        <a:rPr lang="en-US" sz="1600">
-                          <a:effectLst/>
-                        </a:rPr>
-                        <a:t>Introduction</a:t>
-                      </a:r>
-                    </a:p>
-                  </a:txBody>
-                  <a:tcPr marL="142875" marR="142875" marT="95250" marB="95250" anchor="ctr"/>
-                </a:tc>
-                <a:tc>
-                  <a:txBody>
-                    <a:bodyPr/>
-                    <a:lstStyle/>
-                    <a:p>
-                      <a:r>
-                        <a:rPr lang="en-US" sz="1600" dirty="0">
-                          <a:effectLst/>
-                        </a:rPr>
-                        <a:t>David E. Bernholdt (ORNL)</a:t>
-                      </a:r>
-                    </a:p>
-                  </a:txBody>
-                  <a:tcPr marL="142875" marR="142875" marT="95250" marB="95250" anchor="ctr"/>
-                </a:tc>
-                <a:extLst>
-                  <a:ext uri="{0D108BD9-81ED-4DB2-BD59-A6C34878D82A}">
-                    <a16:rowId xmlns:a16="http://schemas.microsoft.com/office/drawing/2014/main" val="4095277928"/>
-                  </a:ext>
-                </a:extLst>
-              </a:tr>
-              <a:tr h="393875">
-                <a:tc>
-                  <a:txBody>
-                    <a:bodyPr/>
-                    <a:lstStyle/>
-                    <a:p>
-                      <a:pPr algn="r"/>
-                      <a:r>
-                        <a:rPr lang="en-US" sz="1600">
-                          <a:effectLst/>
-                        </a:rPr>
-                        <a:t>8:35 AM</a:t>
-                      </a:r>
-                    </a:p>
-                  </a:txBody>
-                  <a:tcPr marL="142875" marR="142875" marT="95250" marB="95250" anchor="ctr"/>
-                </a:tc>
-                <a:tc>
-                  <a:txBody>
-                    <a:bodyPr/>
-                    <a:lstStyle/>
-                    <a:p>
-                      <a:r>
-                        <a:rPr lang="en-US" sz="1600" dirty="0">
-                          <a:effectLst/>
-                        </a:rPr>
-                        <a:t>Motivation and Overview of Best Practices in HPC Software Development</a:t>
-                      </a:r>
-                    </a:p>
-                  </a:txBody>
-                  <a:tcPr marL="142875" marR="142875" marT="95250" marB="95250" anchor="ctr"/>
-                </a:tc>
-                <a:tc>
-                  <a:txBody>
-                    <a:bodyPr/>
-                    <a:lstStyle/>
-                    <a:p>
-                      <a:r>
-                        <a:rPr lang="en-US" sz="1600">
-                          <a:effectLst/>
-                        </a:rPr>
-                        <a:t>David E. Bernholdt (ORNL)</a:t>
-                      </a:r>
-                    </a:p>
-                  </a:txBody>
-                  <a:tcPr marL="142875" marR="142875" marT="95250" marB="95250" anchor="ctr"/>
-                </a:tc>
-                <a:extLst>
-                  <a:ext uri="{0D108BD9-81ED-4DB2-BD59-A6C34878D82A}">
-                    <a16:rowId xmlns:a16="http://schemas.microsoft.com/office/drawing/2014/main" val="763903436"/>
-                  </a:ext>
-                </a:extLst>
-              </a:tr>
-              <a:tr h="393875">
-                <a:tc>
-                  <a:txBody>
-                    <a:bodyPr/>
-                    <a:lstStyle/>
-                    <a:p>
-                      <a:pPr algn="r"/>
-                      <a:r>
-                        <a:rPr lang="en-US" sz="1600">
-                          <a:effectLst/>
-                        </a:rPr>
-                        <a:t>9:15 AM</a:t>
-                      </a:r>
-                    </a:p>
-                  </a:txBody>
-                  <a:tcPr marL="142875" marR="142875" marT="95250" marB="95250" anchor="ctr"/>
-                </a:tc>
-                <a:tc>
-                  <a:txBody>
-                    <a:bodyPr/>
-                    <a:lstStyle/>
-                    <a:p>
-                      <a:r>
-                        <a:rPr lang="en-US" sz="1600">
-                          <a:effectLst/>
-                        </a:rPr>
-                        <a:t>Scientific Software Design</a:t>
-                      </a:r>
-                    </a:p>
-                  </a:txBody>
-                  <a:tcPr marL="142875" marR="142875" marT="95250" marB="95250" anchor="ctr"/>
-                </a:tc>
-                <a:tc>
-                  <a:txBody>
-                    <a:bodyPr/>
-                    <a:lstStyle/>
-                    <a:p>
-                      <a:r>
-                        <a:rPr lang="en-US" sz="1600">
-                          <a:effectLst/>
-                        </a:rPr>
-                        <a:t>Anshu Dubey (ANL)</a:t>
-                      </a:r>
-                    </a:p>
-                  </a:txBody>
-                  <a:tcPr marL="142875" marR="142875" marT="95250" marB="95250" anchor="ctr"/>
-                </a:tc>
-                <a:extLst>
-                  <a:ext uri="{0D108BD9-81ED-4DB2-BD59-A6C34878D82A}">
-                    <a16:rowId xmlns:a16="http://schemas.microsoft.com/office/drawing/2014/main" val="1954771440"/>
-                  </a:ext>
-                </a:extLst>
-              </a:tr>
-              <a:tr h="393875">
-                <a:tc>
-                  <a:txBody>
-                    <a:bodyPr/>
-                    <a:lstStyle/>
-                    <a:p>
-                      <a:pPr algn="r"/>
-                      <a:r>
-                        <a:rPr lang="en-US" sz="1600">
-                          <a:effectLst/>
-                        </a:rPr>
-                        <a:t>10:00 AM</a:t>
-                      </a:r>
-                    </a:p>
-                  </a:txBody>
-                  <a:tcPr marL="142875" marR="142875" marT="95250" marB="95250" anchor="ctr"/>
-                </a:tc>
-                <a:tc>
-                  <a:txBody>
-                    <a:bodyPr/>
-                    <a:lstStyle/>
-                    <a:p>
-                      <a:r>
-                        <a:rPr lang="en-US" sz="1600" i="1">
-                          <a:effectLst/>
-                        </a:rPr>
-                        <a:t>Break</a:t>
-                      </a:r>
-                      <a:endParaRPr lang="en-US" sz="1600">
-                        <a:effectLst/>
-                      </a:endParaRPr>
-                    </a:p>
-                  </a:txBody>
-                  <a:tcPr marL="142875" marR="142875" marT="95250" marB="95250" anchor="ctr"/>
-                </a:tc>
-                <a:tc>
-                  <a:txBody>
-                    <a:bodyPr/>
-                    <a:lstStyle/>
-                    <a:p>
-                      <a:endParaRPr lang="en-US" sz="1600">
-                        <a:effectLst/>
-                      </a:endParaRPr>
-                    </a:p>
-                  </a:txBody>
-                  <a:tcPr marL="142875" marR="142875" marT="95250" marB="95250" anchor="ctr"/>
-                </a:tc>
-                <a:extLst>
-                  <a:ext uri="{0D108BD9-81ED-4DB2-BD59-A6C34878D82A}">
-                    <a16:rowId xmlns:a16="http://schemas.microsoft.com/office/drawing/2014/main" val="746396693"/>
-                  </a:ext>
-                </a:extLst>
-              </a:tr>
-              <a:tr h="393875">
-                <a:tc>
-                  <a:txBody>
-                    <a:bodyPr/>
-                    <a:lstStyle/>
-                    <a:p>
-                      <a:pPr algn="r"/>
-                      <a:r>
-                        <a:rPr lang="en-US" sz="1600">
-                          <a:effectLst/>
-                        </a:rPr>
-                        <a:t>10:30 AM</a:t>
-                      </a:r>
-                    </a:p>
-                  </a:txBody>
-                  <a:tcPr marL="142875" marR="142875" marT="95250" marB="95250" anchor="ctr"/>
-                </a:tc>
-                <a:tc>
-                  <a:txBody>
-                    <a:bodyPr/>
-                    <a:lstStyle/>
-                    <a:p>
-                      <a:r>
-                        <a:rPr lang="en-US" sz="1600">
-                          <a:effectLst/>
-                        </a:rPr>
-                        <a:t>An Introduction to Software Licensing</a:t>
-                      </a:r>
-                    </a:p>
-                  </a:txBody>
-                  <a:tcPr marL="142875" marR="142875" marT="95250" marB="95250" anchor="ctr"/>
-                </a:tc>
-                <a:tc>
-                  <a:txBody>
-                    <a:bodyPr/>
-                    <a:lstStyle/>
-                    <a:p>
-                      <a:r>
-                        <a:rPr lang="en-US" sz="1600">
-                          <a:effectLst/>
-                        </a:rPr>
-                        <a:t>David E. Bernholdt (ORNL)</a:t>
-                      </a:r>
-                    </a:p>
-                  </a:txBody>
-                  <a:tcPr marL="142875" marR="142875" marT="95250" marB="95250" anchor="ctr"/>
-                </a:tc>
-                <a:extLst>
-                  <a:ext uri="{0D108BD9-81ED-4DB2-BD59-A6C34878D82A}">
-                    <a16:rowId xmlns:a16="http://schemas.microsoft.com/office/drawing/2014/main" val="1592907298"/>
-                  </a:ext>
-                </a:extLst>
-              </a:tr>
-              <a:tr h="393875">
-                <a:tc>
-                  <a:txBody>
-                    <a:bodyPr/>
-                    <a:lstStyle/>
-                    <a:p>
-                      <a:pPr algn="r"/>
-                      <a:r>
-                        <a:rPr lang="en-US" sz="1600">
-                          <a:effectLst/>
-                        </a:rPr>
-                        <a:t>11:30 AM</a:t>
-                      </a:r>
-                    </a:p>
-                  </a:txBody>
-                  <a:tcPr marL="142875" marR="142875" marT="95250" marB="95250" anchor="ctr"/>
-                </a:tc>
-                <a:tc>
-                  <a:txBody>
-                    <a:bodyPr/>
-                    <a:lstStyle/>
-                    <a:p>
-                      <a:r>
-                        <a:rPr lang="en-US" sz="1600">
-                          <a:effectLst/>
-                        </a:rPr>
-                        <a:t>Spack: Package Management for HPC</a:t>
-                      </a:r>
-                    </a:p>
-                  </a:txBody>
-                  <a:tcPr marL="142875" marR="142875" marT="95250" marB="95250" anchor="ctr"/>
-                </a:tc>
-                <a:tc>
-                  <a:txBody>
-                    <a:bodyPr/>
-                    <a:lstStyle/>
-                    <a:p>
-                      <a:r>
-                        <a:rPr lang="en-US" sz="1600">
-                          <a:effectLst/>
-                        </a:rPr>
-                        <a:t>Todd Gamblin (LLNL)</a:t>
-                      </a:r>
-                    </a:p>
-                  </a:txBody>
-                  <a:tcPr marL="142875" marR="142875" marT="95250" marB="95250" anchor="ctr"/>
-                </a:tc>
-                <a:extLst>
-                  <a:ext uri="{0D108BD9-81ED-4DB2-BD59-A6C34878D82A}">
-                    <a16:rowId xmlns:a16="http://schemas.microsoft.com/office/drawing/2014/main" val="110245607"/>
-                  </a:ext>
-                </a:extLst>
-              </a:tr>
-              <a:tr h="393875">
-                <a:tc>
-                  <a:txBody>
-                    <a:bodyPr/>
-                    <a:lstStyle/>
-                    <a:p>
-                      <a:pPr algn="r"/>
-                      <a:r>
-                        <a:rPr lang="en-US" sz="1600" dirty="0">
-                          <a:effectLst/>
-                        </a:rPr>
-                        <a:t>12:30 PM</a:t>
-                      </a:r>
-                    </a:p>
-                  </a:txBody>
-                  <a:tcPr marL="142875" marR="142875" marT="95250" marB="95250" anchor="ctr"/>
-                </a:tc>
-                <a:tc>
-                  <a:txBody>
-                    <a:bodyPr/>
-                    <a:lstStyle/>
-                    <a:p>
-                      <a:r>
-                        <a:rPr lang="en-US" sz="1600" i="1" dirty="0">
-                          <a:effectLst/>
-                        </a:rPr>
-                        <a:t>Lunch</a:t>
-                      </a:r>
-                      <a:endParaRPr lang="en-US" sz="1600" dirty="0">
-                        <a:effectLst/>
-                      </a:endParaRPr>
-                    </a:p>
-                  </a:txBody>
-                  <a:tcPr marL="142875" marR="142875" marT="95250" marB="95250" anchor="ctr"/>
-                </a:tc>
-                <a:tc>
-                  <a:txBody>
-                    <a:bodyPr/>
-                    <a:lstStyle/>
-                    <a:p>
-                      <a:endParaRPr lang="en-US" sz="1600" dirty="0">
-                        <a:effectLst/>
-                      </a:endParaRPr>
-                    </a:p>
-                  </a:txBody>
-                  <a:tcPr marL="142875" marR="142875" marT="95250" marB="95250" anchor="ctr"/>
-                </a:tc>
-                <a:extLst>
-                  <a:ext uri="{0D108BD9-81ED-4DB2-BD59-A6C34878D82A}">
-                    <a16:rowId xmlns:a16="http://schemas.microsoft.com/office/drawing/2014/main" val="1951011699"/>
-                  </a:ext>
-                </a:extLst>
-              </a:tr>
-            </a:tbl>
-          </a:graphicData>
-        </a:graphic>
-      </p:graphicFrame>
-      <p:sp>
-        <p:nvSpPr>
-          <p:cNvPr id="9" name="TextBox 8">
-            <a:extLst>
-              <a:ext uri="{FF2B5EF4-FFF2-40B4-BE49-F238E27FC236}">
-                <a16:creationId xmlns:a16="http://schemas.microsoft.com/office/drawing/2014/main" id="{2C67F121-FA5A-4323-B777-FC3438185944}"/>
-              </a:ext>
-            </a:extLst>
-          </p:cNvPr>
-          <p:cNvSpPr txBox="1"/>
-          <p:nvPr/>
-        </p:nvSpPr>
-        <p:spPr>
-          <a:xfrm>
-            <a:off x="4537710" y="45720"/>
-            <a:ext cx="7651115" cy="646331"/>
-          </a:xfrm>
-          <a:prstGeom prst="rect">
-            <a:avLst/>
-          </a:prstGeom>
-          <a:noFill/>
-        </p:spPr>
-        <p:txBody>
-          <a:bodyPr wrap="square">
-            <a:spAutoFit/>
-          </a:bodyPr>
-          <a:lstStyle/>
-          <a:p>
-            <a:pPr algn="l"/>
-            <a:r>
-              <a:rPr lang="en-US" dirty="0"/>
-              <a:t>The agenda is also available on the tutorial web page.  Visit </a:t>
-            </a:r>
-            <a:r>
-              <a:rPr lang="en-US" b="1" dirty="0">
-                <a:hlinkClick r:id="rId2"/>
-              </a:rPr>
-              <a:t>https://bssw-tutorial.github.io</a:t>
-            </a:r>
-            <a:r>
-              <a:rPr lang="en-US" b="1" dirty="0"/>
-              <a:t> </a:t>
-            </a:r>
-            <a:r>
-              <a:rPr lang="en-US" dirty="0"/>
-              <a:t>and click on the link for today’s tutorial</a:t>
-            </a:r>
-          </a:p>
-        </p:txBody>
-      </p:sp>
-    </p:spTree>
-    <p:extLst>
-      <p:ext uri="{BB962C8B-B14F-4D97-AF65-F5344CB8AC3E}">
-        <p14:creationId xmlns:p14="http://schemas.microsoft.com/office/powerpoint/2010/main" val="19783333"/>
-      </p:ext>
-    </p:extLst>
-  </p:cSld>
-  <p:clrMapOvr>
-    <a:masterClrMapping/>
-  </p:clrMapOvr>
-</p:sld>
-</file>
-
-<file path=ppt/slides/slide11.xml><?xml version="1.0" encoding="utf-8"?>
-<p:sld xmlns:a="http://schemas.openxmlformats.org/drawingml/2006/main" xmlns:r="http://schemas.openxmlformats.org/officeDocument/2006/relationships" xmlns:p="http://schemas.openxmlformats.org/presentationml/2006/main">
-  <p:cSld>
-    <p:spTree>
-      <p:nvGrpSpPr>
-        <p:cNvPr id="1" name=""/>
-        <p:cNvGrpSpPr/>
-        <p:nvPr/>
-      </p:nvGrpSpPr>
-      <p:grpSpPr>
-        <a:xfrm>
-          <a:off x="0" y="0"/>
-          <a:ext cx="0" cy="0"/>
-          <a:chOff x="0" y="0"/>
-          <a:chExt cx="0" cy="0"/>
-        </a:xfrm>
-      </p:grpSpPr>
-      <p:sp>
-        <p:nvSpPr>
-          <p:cNvPr id="2" name="Title 1">
-            <a:extLst>
-              <a:ext uri="{FF2B5EF4-FFF2-40B4-BE49-F238E27FC236}">
-                <a16:creationId xmlns:a16="http://schemas.microsoft.com/office/drawing/2014/main" id="{1D6756EE-C2D9-4E52-B0B6-3C831FD6A565}"/>
-              </a:ext>
-            </a:extLst>
-          </p:cNvPr>
-          <p:cNvSpPr>
-            <a:spLocks noGrp="1"/>
-          </p:cNvSpPr>
-          <p:nvPr>
-            <p:ph type="title"/>
-          </p:nvPr>
-        </p:nvSpPr>
-        <p:spPr>
-          <a:xfrm>
-            <a:off x="408175" y="160020"/>
-            <a:ext cx="11372473" cy="914400"/>
-          </a:xfrm>
-        </p:spPr>
-        <p:txBody>
-          <a:bodyPr/>
-          <a:lstStyle/>
-          <a:p>
-            <a:r>
-              <a:rPr lang="en-US" dirty="0"/>
-              <a:t>Agenda (2/2) </a:t>
-            </a:r>
-          </a:p>
-        </p:txBody>
-      </p:sp>
-      <p:graphicFrame>
-        <p:nvGraphicFramePr>
-          <p:cNvPr id="6" name="Table 6">
-            <a:extLst>
-              <a:ext uri="{FF2B5EF4-FFF2-40B4-BE49-F238E27FC236}">
-                <a16:creationId xmlns:a16="http://schemas.microsoft.com/office/drawing/2014/main" id="{99D13FB2-5BF8-4AC0-A13D-ECB8E230F5BC}"/>
-              </a:ext>
-            </a:extLst>
-          </p:cNvPr>
-          <p:cNvGraphicFramePr>
-            <a:graphicFrameLocks noGrp="1"/>
-          </p:cNvGraphicFramePr>
-          <p:nvPr>
-            <p:ph idx="1"/>
-            <p:extLst>
-              <p:ext uri="{D42A27DB-BD31-4B8C-83A1-F6EECF244321}">
-                <p14:modId xmlns:p14="http://schemas.microsoft.com/office/powerpoint/2010/main" val="1386787311"/>
-              </p:ext>
-            </p:extLst>
-          </p:nvPr>
-        </p:nvGraphicFramePr>
-        <p:xfrm>
-          <a:off x="365759" y="866432"/>
-          <a:ext cx="11372472" cy="4587240"/>
-        </p:xfrm>
-        <a:graphic>
-          <a:graphicData uri="http://schemas.openxmlformats.org/drawingml/2006/table">
-            <a:tbl>
-              <a:tblPr firstRow="1" bandRow="1">
-                <a:tableStyleId>{5C22544A-7EE6-4342-B048-85BDC9FD1C3A}</a:tableStyleId>
-              </a:tblPr>
-              <a:tblGrid>
-                <a:gridCol w="1786394">
-                  <a:extLst>
-                    <a:ext uri="{9D8B030D-6E8A-4147-A177-3AD203B41FA5}">
-                      <a16:colId xmlns:a16="http://schemas.microsoft.com/office/drawing/2014/main" val="41390910"/>
-                    </a:ext>
-                  </a:extLst>
-                </a:gridCol>
-                <a:gridCol w="5185170">
-                  <a:extLst>
-                    <a:ext uri="{9D8B030D-6E8A-4147-A177-3AD203B41FA5}">
-                      <a16:colId xmlns:a16="http://schemas.microsoft.com/office/drawing/2014/main" val="1261297711"/>
-                    </a:ext>
-                  </a:extLst>
-                </a:gridCol>
-                <a:gridCol w="4400908">
                   <a:extLst>
                     <a:ext uri="{9D8B030D-6E8A-4147-A177-3AD203B41FA5}">
                       <a16:colId xmlns:a16="http://schemas.microsoft.com/office/drawing/2014/main" val="3622604584"/>
@@ -4989,6 +4617,324 @@
                         <a:rPr lang="en-US" sz="1600" dirty="0">
                           <a:effectLst/>
                         </a:rPr>
+                        <a:t>Introduction</a:t>
+                      </a:r>
+                    </a:p>
+                  </a:txBody>
+                  <a:tcPr marL="142875" marR="142875" marT="95250" marB="95250" anchor="ctr"/>
+                </a:tc>
+                <a:tc>
+                  <a:txBody>
+                    <a:bodyPr/>
+                    <a:lstStyle/>
+                    <a:p>
+                      <a:r>
+                        <a:rPr lang="en-US" sz="1600" dirty="0">
+                          <a:effectLst/>
+                        </a:rPr>
+                        <a:t>David E. Bernholdt (ORNL)</a:t>
+                      </a:r>
+                    </a:p>
+                  </a:txBody>
+                  <a:tcPr marL="142875" marR="142875" marT="95250" marB="95250" anchor="ctr"/>
+                </a:tc>
+                <a:extLst>
+                  <a:ext uri="{0D108BD9-81ED-4DB2-BD59-A6C34878D82A}">
+                    <a16:rowId xmlns:a16="http://schemas.microsoft.com/office/drawing/2014/main" val="763903436"/>
+                  </a:ext>
+                </a:extLst>
+              </a:tr>
+              <a:tr h="393875">
+                <a:tc>
+                  <a:txBody>
+                    <a:bodyPr/>
+                    <a:lstStyle/>
+                    <a:p>
+                      <a:pPr algn="r"/>
+                      <a:r>
+                        <a:rPr lang="en-US" sz="1600">
+                          <a:effectLst/>
+                        </a:rPr>
+                        <a:t>1:40 PM</a:t>
+                      </a:r>
+                    </a:p>
+                  </a:txBody>
+                  <a:tcPr marL="142875" marR="142875" marT="95250" marB="95250" anchor="ctr"/>
+                </a:tc>
+                <a:tc>
+                  <a:txBody>
+                    <a:bodyPr/>
+                    <a:lstStyle/>
+                    <a:p>
+                      <a:r>
+                        <a:rPr lang="en-US" sz="1600">
+                          <a:effectLst/>
+                        </a:rPr>
+                        <a:t>Motivation and Overview of Best Practices in HPC Software Development</a:t>
+                      </a:r>
+                    </a:p>
+                  </a:txBody>
+                  <a:tcPr marL="142875" marR="142875" marT="95250" marB="95250" anchor="ctr"/>
+                </a:tc>
+                <a:tc>
+                  <a:txBody>
+                    <a:bodyPr/>
+                    <a:lstStyle/>
+                    <a:p>
+                      <a:r>
+                        <a:rPr lang="en-US" sz="1600">
+                          <a:effectLst/>
+                        </a:rPr>
+                        <a:t>David E. Bernholdt (ORNL)</a:t>
+                      </a:r>
+                    </a:p>
+                  </a:txBody>
+                  <a:tcPr marL="142875" marR="142875" marT="95250" marB="95250" anchor="ctr"/>
+                </a:tc>
+                <a:extLst>
+                  <a:ext uri="{0D108BD9-81ED-4DB2-BD59-A6C34878D82A}">
+                    <a16:rowId xmlns:a16="http://schemas.microsoft.com/office/drawing/2014/main" val="1954771440"/>
+                  </a:ext>
+                </a:extLst>
+              </a:tr>
+              <a:tr h="393875">
+                <a:tc>
+                  <a:txBody>
+                    <a:bodyPr/>
+                    <a:lstStyle/>
+                    <a:p>
+                      <a:pPr algn="r"/>
+                      <a:r>
+                        <a:rPr lang="en-US" sz="1600">
+                          <a:effectLst/>
+                        </a:rPr>
+                        <a:t>2:10 PM</a:t>
+                      </a:r>
+                    </a:p>
+                  </a:txBody>
+                  <a:tcPr marL="142875" marR="142875" marT="95250" marB="95250" anchor="ctr"/>
+                </a:tc>
+                <a:tc>
+                  <a:txBody>
+                    <a:bodyPr/>
+                    <a:lstStyle/>
+                    <a:p>
+                      <a:r>
+                        <a:rPr lang="en-US" sz="1600">
+                          <a:effectLst/>
+                        </a:rPr>
+                        <a:t>Scientific Software Design</a:t>
+                      </a:r>
+                    </a:p>
+                  </a:txBody>
+                  <a:tcPr marL="142875" marR="142875" marT="95250" marB="95250" anchor="ctr"/>
+                </a:tc>
+                <a:tc>
+                  <a:txBody>
+                    <a:bodyPr/>
+                    <a:lstStyle/>
+                    <a:p>
+                      <a:r>
+                        <a:rPr lang="en-US" sz="1600">
+                          <a:effectLst/>
+                        </a:rPr>
+                        <a:t>Anshu Dubey (ANL)</a:t>
+                      </a:r>
+                    </a:p>
+                  </a:txBody>
+                  <a:tcPr marL="142875" marR="142875" marT="95250" marB="95250" anchor="ctr"/>
+                </a:tc>
+                <a:extLst>
+                  <a:ext uri="{0D108BD9-81ED-4DB2-BD59-A6C34878D82A}">
+                    <a16:rowId xmlns:a16="http://schemas.microsoft.com/office/drawing/2014/main" val="746396693"/>
+                  </a:ext>
+                </a:extLst>
+              </a:tr>
+              <a:tr h="393875">
+                <a:tc>
+                  <a:txBody>
+                    <a:bodyPr/>
+                    <a:lstStyle/>
+                    <a:p>
+                      <a:pPr algn="r"/>
+                      <a:r>
+                        <a:rPr lang="en-US" sz="1600">
+                          <a:effectLst/>
+                        </a:rPr>
+                        <a:t>2:30 PM</a:t>
+                      </a:r>
+                    </a:p>
+                  </a:txBody>
+                  <a:tcPr marL="142875" marR="142875" marT="95250" marB="95250" anchor="ctr"/>
+                </a:tc>
+                <a:tc>
+                  <a:txBody>
+                    <a:bodyPr/>
+                    <a:lstStyle/>
+                    <a:p>
+                      <a:r>
+                        <a:rPr lang="en-US" sz="1600">
+                          <a:effectLst/>
+                        </a:rPr>
+                        <a:t>Collaborative Software Development</a:t>
+                      </a:r>
+                    </a:p>
+                  </a:txBody>
+                  <a:tcPr marL="142875" marR="142875" marT="95250" marB="95250" anchor="ctr"/>
+                </a:tc>
+                <a:tc>
+                  <a:txBody>
+                    <a:bodyPr/>
+                    <a:lstStyle/>
+                    <a:p>
+                      <a:r>
+                        <a:rPr lang="en-US" sz="1600">
+                          <a:effectLst/>
+                        </a:rPr>
+                        <a:t>Patricia A. Grubel (LANL)</a:t>
+                      </a:r>
+                    </a:p>
+                  </a:txBody>
+                  <a:tcPr marL="142875" marR="142875" marT="95250" marB="95250" anchor="ctr"/>
+                </a:tc>
+                <a:extLst>
+                  <a:ext uri="{0D108BD9-81ED-4DB2-BD59-A6C34878D82A}">
+                    <a16:rowId xmlns:a16="http://schemas.microsoft.com/office/drawing/2014/main" val="1592907298"/>
+                  </a:ext>
+                </a:extLst>
+              </a:tr>
+              <a:tr h="393875">
+                <a:tc>
+                  <a:txBody>
+                    <a:bodyPr/>
+                    <a:lstStyle/>
+                    <a:p>
+                      <a:pPr algn="r"/>
+                      <a:r>
+                        <a:rPr lang="en-US" sz="1600">
+                          <a:effectLst/>
+                        </a:rPr>
+                        <a:t>3:00 PM</a:t>
+                      </a:r>
+                    </a:p>
+                  </a:txBody>
+                  <a:tcPr marL="142875" marR="142875" marT="95250" marB="95250" anchor="ctr"/>
+                </a:tc>
+                <a:tc>
+                  <a:txBody>
+                    <a:bodyPr/>
+                    <a:lstStyle/>
+                    <a:p>
+                      <a:r>
+                        <a:rPr lang="en-US" sz="1600" i="1">
+                          <a:effectLst/>
+                        </a:rPr>
+                        <a:t>Break</a:t>
+                      </a:r>
+                      <a:endParaRPr lang="en-US" sz="1600">
+                        <a:effectLst/>
+                      </a:endParaRPr>
+                    </a:p>
+                  </a:txBody>
+                  <a:tcPr marL="142875" marR="142875" marT="95250" marB="95250" anchor="ctr"/>
+                </a:tc>
+                <a:tc>
+                  <a:txBody>
+                    <a:bodyPr/>
+                    <a:lstStyle/>
+                    <a:p>
+                      <a:endParaRPr lang="en-US" sz="1600">
+                        <a:effectLst/>
+                      </a:endParaRPr>
+                    </a:p>
+                  </a:txBody>
+                  <a:tcPr marL="142875" marR="142875" marT="95250" marB="95250" anchor="ctr"/>
+                </a:tc>
+                <a:extLst>
+                  <a:ext uri="{0D108BD9-81ED-4DB2-BD59-A6C34878D82A}">
+                    <a16:rowId xmlns:a16="http://schemas.microsoft.com/office/drawing/2014/main" val="110245607"/>
+                  </a:ext>
+                </a:extLst>
+              </a:tr>
+              <a:tr h="393875">
+                <a:tc>
+                  <a:txBody>
+                    <a:bodyPr/>
+                    <a:lstStyle/>
+                    <a:p>
+                      <a:pPr algn="r"/>
+                      <a:r>
+                        <a:rPr lang="en-US" sz="1600">
+                          <a:effectLst/>
+                        </a:rPr>
+                        <a:t>3:30 PM</a:t>
+                      </a:r>
+                    </a:p>
+                  </a:txBody>
+                  <a:tcPr marL="142875" marR="142875" marT="95250" marB="95250" anchor="ctr"/>
+                </a:tc>
+                <a:tc>
+                  <a:txBody>
+                    <a:bodyPr/>
+                    <a:lstStyle/>
+                    <a:p>
+                      <a:r>
+                        <a:rPr lang="en-US" sz="1600" dirty="0">
+                          <a:effectLst/>
+                        </a:rPr>
+                        <a:t>Improving Reproducibility Through Better Software Practices</a:t>
+                      </a:r>
+                    </a:p>
+                  </a:txBody>
+                  <a:tcPr marL="142875" marR="142875" marT="95250" marB="95250" anchor="ctr"/>
+                </a:tc>
+                <a:tc>
+                  <a:txBody>
+                    <a:bodyPr/>
+                    <a:lstStyle/>
+                    <a:p>
+                      <a:r>
+                        <a:rPr lang="en-US" sz="1600" dirty="0">
+                          <a:effectLst/>
+                        </a:rPr>
+                        <a:t>Patricia A. Grubel (LANL)</a:t>
+                      </a:r>
+                    </a:p>
+                  </a:txBody>
+                  <a:tcPr marL="142875" marR="142875" marT="95250" marB="95250" anchor="ctr"/>
+                </a:tc>
+                <a:extLst>
+                  <a:ext uri="{0D108BD9-81ED-4DB2-BD59-A6C34878D82A}">
+                    <a16:rowId xmlns:a16="http://schemas.microsoft.com/office/drawing/2014/main" val="1951011699"/>
+                  </a:ext>
+                </a:extLst>
+              </a:tr>
+              <a:tr h="393875">
+                <a:tc>
+                  <a:txBody>
+                    <a:bodyPr/>
+                    <a:lstStyle/>
+                    <a:p>
+                      <a:pPr algn="r"/>
+                      <a:r>
+                        <a:rPr lang="en-US" sz="1600" dirty="0">
+                          <a:effectLst/>
+                        </a:rPr>
+                        <a:t>4:10 PM</a:t>
+                      </a:r>
+                    </a:p>
+                  </a:txBody>
+                  <a:tcPr marL="142875" marR="142875" marT="95250" marB="95250" anchor="ctr"/>
+                </a:tc>
+                <a:tc>
+                  <a:txBody>
+                    <a:bodyPr/>
+                    <a:lstStyle/>
+                    <a:p>
+                      <a:r>
+                        <a:rPr lang="en-US" sz="1600" dirty="0">
+                          <a:effectLst/>
+                        </a:rPr>
                         <a:t>Software Testing and Verification</a:t>
                       </a:r>
                     </a:p>
@@ -5012,7 +4958,7 @@
                 </a:tc>
                 <a:extLst>
                   <a:ext uri="{0D108BD9-81ED-4DB2-BD59-A6C34878D82A}">
-                    <a16:rowId xmlns:a16="http://schemas.microsoft.com/office/drawing/2014/main" val="1110267130"/>
+                    <a16:rowId xmlns:a16="http://schemas.microsoft.com/office/drawing/2014/main" val="333202538"/>
                   </a:ext>
                 </a:extLst>
               </a:tr>
@@ -5027,7 +4973,7 @@
                         <a:rPr lang="en-US" sz="1600">
                           <a:effectLst/>
                         </a:rPr>
-                        <a:t>2:15 PM</a:t>
+                        <a:t>4:55 PM</a:t>
                       </a:r>
                     </a:p>
                   </a:txBody>
@@ -5042,7 +4988,7 @@
                         <a:rPr lang="en-US" sz="1600" dirty="0">
                           <a:effectLst/>
                         </a:rPr>
-                        <a:t>Lab Notebooks for Computational Mathematics, Sciences, &amp; Engineering</a:t>
+                        <a:t>Summary</a:t>
                       </a:r>
                     </a:p>
                   </a:txBody>
@@ -5057,7 +5003,7 @@
                         <a:rPr lang="en-US" sz="1600">
                           <a:effectLst/>
                         </a:rPr>
-                        <a:t>Jared O'Neal (ANL)</a:t>
+                        <a:t>David E. Bernholdt (ORNL)</a:t>
                       </a:r>
                     </a:p>
                   </a:txBody>
@@ -5065,7 +5011,7 @@
                 </a:tc>
                 <a:extLst>
                   <a:ext uri="{0D108BD9-81ED-4DB2-BD59-A6C34878D82A}">
-                    <a16:rowId xmlns:a16="http://schemas.microsoft.com/office/drawing/2014/main" val="1767959300"/>
+                    <a16:rowId xmlns:a16="http://schemas.microsoft.com/office/drawing/2014/main" val="902307701"/>
                   </a:ext>
                 </a:extLst>
               </a:tr>
@@ -5077,10 +5023,10 @@
                     <a:p>
                       <a:pPr algn="r"/>
                       <a:r>
-                        <a:rPr lang="en-US" sz="1600" dirty="0">
+                        <a:rPr lang="en-US" sz="1600">
                           <a:effectLst/>
                         </a:rPr>
-                        <a:t>3:00 PM</a:t>
+                        <a:t>5:00 PM</a:t>
                       </a:r>
                     </a:p>
                   </a:txBody>
@@ -5095,236 +5041,9 @@
                         <a:rPr lang="en-US" sz="1600" i="1" dirty="0">
                           <a:effectLst/>
                         </a:rPr>
-                        <a:t>Break</a:t>
+                        <a:t>Adjourn</a:t>
                       </a:r>
                       <a:endParaRPr lang="en-US" sz="1600" dirty="0">
-                        <a:effectLst/>
-                      </a:endParaRPr>
-                    </a:p>
-                  </a:txBody>
-                  <a:tcPr marL="142875" marR="142875" marT="95250" marB="95250" anchor="ctr"/>
-                </a:tc>
-                <a:tc>
-                  <a:txBody>
-                    <a:bodyPr/>
-                    <a:lstStyle/>
-                    <a:p>
-                      <a:endParaRPr lang="en-US" sz="1600" dirty="0">
-                        <a:effectLst/>
-                      </a:endParaRPr>
-                    </a:p>
-                  </a:txBody>
-                  <a:tcPr marL="142875" marR="142875" marT="95250" marB="95250" anchor="ctr"/>
-                </a:tc>
-                <a:extLst>
-                  <a:ext uri="{0D108BD9-81ED-4DB2-BD59-A6C34878D82A}">
-                    <a16:rowId xmlns:a16="http://schemas.microsoft.com/office/drawing/2014/main" val="563078639"/>
-                  </a:ext>
-                </a:extLst>
-              </a:tr>
-              <a:tr h="393875">
-                <a:tc>
-                  <a:txBody>
-                    <a:bodyPr/>
-                    <a:lstStyle/>
-                    <a:p>
-                      <a:pPr algn="r"/>
-                      <a:r>
-                        <a:rPr lang="en-US" sz="1600" dirty="0">
-                          <a:effectLst/>
-                        </a:rPr>
-                        <a:t>3:30 PM</a:t>
-                      </a:r>
-                    </a:p>
-                  </a:txBody>
-                  <a:tcPr marL="142875" marR="142875" marT="95250" marB="95250" anchor="ctr"/>
-                </a:tc>
-                <a:tc>
-                  <a:txBody>
-                    <a:bodyPr/>
-                    <a:lstStyle/>
-                    <a:p>
-                      <a:r>
-                        <a:rPr lang="en-US" sz="1600" dirty="0">
-                          <a:effectLst/>
-                        </a:rPr>
-                        <a:t>Managing Computational Experiments</a:t>
-                      </a:r>
-                    </a:p>
-                  </a:txBody>
-                  <a:tcPr marL="142875" marR="142875" marT="95250" marB="95250" anchor="ctr"/>
-                </a:tc>
-                <a:tc>
-                  <a:txBody>
-                    <a:bodyPr/>
-                    <a:lstStyle/>
-                    <a:p>
-                      <a:r>
-                        <a:rPr lang="en-US" sz="1600" dirty="0">
-                          <a:effectLst/>
-                        </a:rPr>
-                        <a:t>Jared O'Neal (ANL) and Anshu Dubey (ANL)</a:t>
-                      </a:r>
-                    </a:p>
-                  </a:txBody>
-                  <a:tcPr marL="142875" marR="142875" marT="95250" marB="95250" anchor="ctr"/>
-                </a:tc>
-                <a:extLst>
-                  <a:ext uri="{0D108BD9-81ED-4DB2-BD59-A6C34878D82A}">
-                    <a16:rowId xmlns:a16="http://schemas.microsoft.com/office/drawing/2014/main" val="2615095212"/>
-                  </a:ext>
-                </a:extLst>
-              </a:tr>
-              <a:tr h="393875">
-                <a:tc>
-                  <a:txBody>
-                    <a:bodyPr/>
-                    <a:lstStyle/>
-                    <a:p>
-                      <a:pPr algn="r"/>
-                      <a:r>
-                        <a:rPr lang="en-US" sz="1600" dirty="0">
-                          <a:effectLst/>
-                        </a:rPr>
-                        <a:t>4:15 PM</a:t>
-                      </a:r>
-                    </a:p>
-                  </a:txBody>
-                  <a:tcPr marL="142875" marR="142875" marT="95250" marB="95250" anchor="ctr"/>
-                </a:tc>
-                <a:tc>
-                  <a:txBody>
-                    <a:bodyPr/>
-                    <a:lstStyle/>
-                    <a:p>
-                      <a:r>
-                        <a:rPr lang="en-US" sz="1600">
-                          <a:effectLst/>
-                        </a:rPr>
-                        <a:t>Understanding Your Software Development</a:t>
-                      </a:r>
-                    </a:p>
-                  </a:txBody>
-                  <a:tcPr marL="142875" marR="142875" marT="95250" marB="95250" anchor="ctr"/>
-                </a:tc>
-                <a:tc>
-                  <a:txBody>
-                    <a:bodyPr/>
-                    <a:lstStyle/>
-                    <a:p>
-                      <a:r>
-                        <a:rPr lang="en-US" sz="1600" dirty="0" err="1">
-                          <a:effectLst/>
-                        </a:rPr>
-                        <a:t>Boyana</a:t>
-                      </a:r>
-                      <a:r>
-                        <a:rPr lang="en-US" sz="1600" dirty="0">
-                          <a:effectLst/>
-                        </a:rPr>
-                        <a:t> R. Norris (UO)</a:t>
-                      </a:r>
-                    </a:p>
-                  </a:txBody>
-                  <a:tcPr marL="142875" marR="142875" marT="95250" marB="95250" anchor="ctr"/>
-                </a:tc>
-                <a:extLst>
-                  <a:ext uri="{0D108BD9-81ED-4DB2-BD59-A6C34878D82A}">
-                    <a16:rowId xmlns:a16="http://schemas.microsoft.com/office/drawing/2014/main" val="763903436"/>
-                  </a:ext>
-                </a:extLst>
-              </a:tr>
-              <a:tr h="393875">
-                <a:tc>
-                  <a:txBody>
-                    <a:bodyPr/>
-                    <a:lstStyle/>
-                    <a:p>
-                      <a:pPr algn="r"/>
-                      <a:r>
-                        <a:rPr lang="en-US" sz="1600">
-                          <a:effectLst/>
-                        </a:rPr>
-                        <a:t>5:15 PM</a:t>
-                      </a:r>
-                    </a:p>
-                  </a:txBody>
-                  <a:tcPr marL="142875" marR="142875" marT="95250" marB="95250" anchor="ctr"/>
-                </a:tc>
-                <a:tc>
-                  <a:txBody>
-                    <a:bodyPr/>
-                    <a:lstStyle/>
-                    <a:p>
-                      <a:r>
-                        <a:rPr lang="en-US" sz="1600" b="1" i="1">
-                          <a:effectLst/>
-                        </a:rPr>
-                        <a:t>Breakouts: </a:t>
-                      </a:r>
-                      <a:r>
-                        <a:rPr lang="en-US" sz="1600" i="1">
-                          <a:effectLst/>
-                        </a:rPr>
-                        <a:t>Spack Hands-On or General Discussion</a:t>
-                      </a:r>
-                      <a:endParaRPr lang="en-US" sz="1600">
-                        <a:effectLst/>
-                      </a:endParaRPr>
-                    </a:p>
-                  </a:txBody>
-                  <a:tcPr marL="142875" marR="142875" marT="95250" marB="95250" anchor="ctr"/>
-                </a:tc>
-                <a:tc>
-                  <a:txBody>
-                    <a:bodyPr/>
-                    <a:lstStyle/>
-                    <a:p>
-                      <a:r>
-                        <a:rPr lang="en-US" sz="1600">
-                          <a:effectLst/>
-                        </a:rPr>
-                        <a:t>All</a:t>
-                      </a:r>
-                    </a:p>
-                  </a:txBody>
-                  <a:tcPr marL="142875" marR="142875" marT="95250" marB="95250" anchor="ctr"/>
-                </a:tc>
-                <a:extLst>
-                  <a:ext uri="{0D108BD9-81ED-4DB2-BD59-A6C34878D82A}">
-                    <a16:rowId xmlns:a16="http://schemas.microsoft.com/office/drawing/2014/main" val="1954771440"/>
-                  </a:ext>
-                </a:extLst>
-              </a:tr>
-              <a:tr h="393875">
-                <a:tc>
-                  <a:txBody>
-                    <a:bodyPr/>
-                    <a:lstStyle/>
-                    <a:p>
-                      <a:pPr algn="r"/>
-                      <a:r>
-                        <a:rPr lang="en-US" sz="1600">
-                          <a:effectLst/>
-                        </a:rPr>
-                        <a:t>6:15 PM</a:t>
-                      </a:r>
-                    </a:p>
-                  </a:txBody>
-                  <a:tcPr marL="142875" marR="142875" marT="95250" marB="95250" anchor="ctr"/>
-                </a:tc>
-                <a:tc>
-                  <a:txBody>
-                    <a:bodyPr/>
-                    <a:lstStyle/>
-                    <a:p>
-                      <a:r>
-                        <a:rPr lang="en-US" sz="1600" i="1">
-                          <a:effectLst/>
-                        </a:rPr>
-                        <a:t>Dinner and After-Dinner Talk</a:t>
-                      </a:r>
-                      <a:endParaRPr lang="en-US" sz="1600">
                         <a:effectLst/>
                       </a:endParaRPr>
                     </a:p>
@@ -5345,7 +5064,7 @@
                 </a:tc>
                 <a:extLst>
                   <a:ext uri="{0D108BD9-81ED-4DB2-BD59-A6C34878D82A}">
-                    <a16:rowId xmlns:a16="http://schemas.microsoft.com/office/drawing/2014/main" val="746396693"/>
+                    <a16:rowId xmlns:a16="http://schemas.microsoft.com/office/drawing/2014/main" val="1166125975"/>
                   </a:ext>
                 </a:extLst>
               </a:tr>
@@ -5360,7 +5079,7 @@
                         <a:rPr lang="en-US" sz="1600">
                           <a:effectLst/>
                         </a:rPr>
-                        <a:t>8:15 PM</a:t>
+                        <a:t>5:00 PM</a:t>
                       </a:r>
                     </a:p>
                   </a:txBody>
@@ -5372,20 +5091,17 @@
                     <a:lstStyle/>
                     <a:p>
                       <a:r>
-                        <a:rPr lang="en-US" sz="1600" b="1" i="1">
+                        <a:rPr lang="en-US" sz="1600" i="1">
                           <a:effectLst/>
                         </a:rPr>
                         <a:t>Optional</a:t>
                       </a:r>
                       <a:r>
-                        <a:rPr lang="en-US" sz="1600" i="1">
+                        <a:rPr lang="en-US" sz="1600">
                           <a:effectLst/>
                         </a:rPr>
-                        <a:t> Evening Discussion Session</a:t>
+                        <a:t> Additional Q&amp;A</a:t>
                       </a:r>
-                      <a:endParaRPr lang="en-US" sz="1600">
-                        <a:effectLst/>
-                      </a:endParaRPr>
                     </a:p>
                   </a:txBody>
                   <a:tcPr marL="142875" marR="142875" marT="95250" marB="95250" anchor="ctr"/>
@@ -5396,7 +5112,7 @@
                     <a:lstStyle/>
                     <a:p>
                       <a:r>
-                        <a:rPr lang="en-US" sz="1600">
+                        <a:rPr lang="en-US" sz="1600" dirty="0">
                           <a:effectLst/>
                         </a:rPr>
                         <a:t>All</a:t>
@@ -5407,7 +5123,7 @@
                 </a:tc>
                 <a:extLst>
                   <a:ext uri="{0D108BD9-81ED-4DB2-BD59-A6C34878D82A}">
-                    <a16:rowId xmlns:a16="http://schemas.microsoft.com/office/drawing/2014/main" val="1592907298"/>
+                    <a16:rowId xmlns:a16="http://schemas.microsoft.com/office/drawing/2014/main" val="4002252475"/>
                   </a:ext>
                 </a:extLst>
               </a:tr>
@@ -5422,7 +5138,7 @@
                         <a:rPr lang="en-US" sz="1600">
                           <a:effectLst/>
                         </a:rPr>
-                        <a:t>9:00 PM</a:t>
+                        <a:t>5:30 PM</a:t>
                       </a:r>
                     </a:p>
                   </a:txBody>
@@ -5458,7 +5174,7 @@
                 </a:tc>
                 <a:extLst>
                   <a:ext uri="{0D108BD9-81ED-4DB2-BD59-A6C34878D82A}">
-                    <a16:rowId xmlns:a16="http://schemas.microsoft.com/office/drawing/2014/main" val="110245607"/>
+                    <a16:rowId xmlns:a16="http://schemas.microsoft.com/office/drawing/2014/main" val="383952017"/>
                   </a:ext>
                 </a:extLst>
               </a:tr>
@@ -5494,23 +5210,90 @@
           </a:bodyPr>
           <a:lstStyle/>
           <a:p>
-            <a:pPr algn="l"/>
-            <a:r>
-              <a:rPr lang="en-US" dirty="0"/>
+            <a:pPr marL="0" marR="0" lvl="0" indent="0" algn="l" defTabSz="914400" rtl="0" eaLnBrk="1" fontAlgn="base" latinLnBrk="0" hangingPunct="1">
+              <a:lnSpc>
+                <a:spcPct val="100000"/>
+              </a:lnSpc>
+              <a:spcBef>
+                <a:spcPct val="0"/>
+              </a:spcBef>
+              <a:spcAft>
+                <a:spcPct val="0"/>
+              </a:spcAft>
+              <a:buClrTx/>
+              <a:buSzTx/>
+              <a:buFontTx/>
+              <a:buNone/>
+              <a:tabLst/>
+              <a:defRPr/>
+            </a:pPr>
+            <a:r>
+              <a:rPr kumimoji="0" lang="en-US" sz="1800" b="0" i="0" u="none" strike="noStrike" kern="1200" cap="none" spc="0" normalizeH="0" baseline="0" noProof="0" dirty="0">
+                <a:ln>
+                  <a:noFill/>
+                </a:ln>
+                <a:solidFill>
+                  <a:prstClr val="black"/>
+                </a:solidFill>
+                <a:effectLst/>
+                <a:uLnTx/>
+                <a:uFillTx/>
+                <a:latin typeface="Arial" charset="0"/>
+                <a:ea typeface="+mn-ea"/>
+                <a:cs typeface="Arial" charset="0"/>
+              </a:rPr>
               <a:t>The agenda is also available on the tutorial web page.  Visit </a:t>
             </a:r>
             <a:r>
-              <a:rPr lang="en-US" b="1" dirty="0">
+              <a:rPr kumimoji="0" lang="en-US" sz="1800" b="1" i="0" u="none" strike="noStrike" kern="1200" cap="none" spc="0" normalizeH="0" baseline="0" noProof="0" dirty="0">
+                <a:ln>
+                  <a:noFill/>
+                </a:ln>
+                <a:solidFill>
+                  <a:prstClr val="black"/>
+                </a:solidFill>
+                <a:effectLst/>
+                <a:uLnTx/>
+                <a:uFillTx/>
+                <a:latin typeface="Arial" charset="0"/>
+                <a:ea typeface="+mn-ea"/>
+                <a:cs typeface="Arial" charset="0"/>
                 <a:hlinkClick r:id="rId2"/>
               </a:rPr>
               <a:t>https://bssw-tutorial.github.io</a:t>
             </a:r>
             <a:r>
-              <a:rPr lang="en-US" b="1" dirty="0"/>
+              <a:rPr kumimoji="0" lang="en-US" sz="1800" b="1" i="0" u="none" strike="noStrike" kern="1200" cap="none" spc="0" normalizeH="0" baseline="0" noProof="0" dirty="0">
+                <a:ln>
+                  <a:noFill/>
+                </a:ln>
+                <a:solidFill>
+                  <a:prstClr val="black"/>
+                </a:solidFill>
+                <a:effectLst/>
+                <a:uLnTx/>
+                <a:uFillTx/>
+                <a:latin typeface="Arial" charset="0"/>
+                <a:ea typeface="+mn-ea"/>
+                <a:cs typeface="Arial" charset="0"/>
+              </a:rPr>
               <a:t> </a:t>
             </a:r>
             <a:r>
-              <a:rPr lang="en-US" dirty="0"/>
+              <a:rPr kumimoji="0" lang="en-US" sz="1800" b="0" i="0" u="none" strike="noStrike" kern="1200" cap="none" spc="0" normalizeH="0" baseline="0" noProof="0" dirty="0">
+                <a:ln>
+                  <a:noFill/>
+                </a:ln>
+                <a:solidFill>
+                  <a:prstClr val="black"/>
+                </a:solidFill>
+                <a:effectLst/>
+                <a:uLnTx/>
+                <a:uFillTx/>
+                <a:latin typeface="Arial" charset="0"/>
+                <a:ea typeface="+mn-ea"/>
+                <a:cs typeface="Arial" charset="0"/>
+              </a:rPr>
               <a:t>and click on the link for today’s tutorial</a:t>
             </a:r>
           </a:p>
@@ -5519,7 +5302,7 @@
     </p:spTree>
     <p:extLst>
       <p:ext uri="{BB962C8B-B14F-4D97-AF65-F5344CB8AC3E}">
-        <p14:creationId xmlns:p14="http://schemas.microsoft.com/office/powerpoint/2010/main" val="3281767745"/>
+        <p14:creationId xmlns:p14="http://schemas.microsoft.com/office/powerpoint/2010/main" val="19783333"/>
       </p:ext>
     </p:extLst>
   </p:cSld>
@@ -5648,15 +5431,17 @@
             </a:pPr>
             <a:r>
               <a:rPr lang="en-US" sz="1600" b="1" dirty="0"/>
-              <a:t>The requested citation the overall tutorial is: </a:t>
-            </a:r>
-            <a:r>
-              <a:rPr lang="en-US" sz="1600" b="1" dirty="0" err="1"/>
-              <a:t>Anshu</a:t>
+              <a:t>The requested citation the overall tutorial is: David E. Bernholdt, Anshu Dubey, and Patricia A. Grubel, Better Scientific Software tutorial, in The International Conference for High-Performance Computing, Networking, Storage, and Analysis (SC22), Dallas, Texas, 2022. DOI: </a:t>
+            </a:r>
+            <a:r>
+              <a:rPr lang="en-US" sz="1600" b="1" dirty="0">
+                <a:hlinkClick r:id="rId4"/>
+              </a:rPr>
+              <a:t>10.6084/m9.figshare.21384057</a:t>
             </a:r>
             <a:r>
               <a:rPr lang="en-US" sz="1600" b="1" dirty="0"/>
-              <a:t> Dubey and Gregory R. Watson, Better Scientific Software Tutorial, in ISC High Performance, 2022, Hamburg Germany. DOI: 10.6084/m9.figshare.19781752</a:t>
+              <a:t>.</a:t>
             </a:r>
           </a:p>
           <a:p>
@@ -5675,7 +5460,7 @@
             </a:r>
             <a:r>
               <a:rPr lang="en-US" sz="1600" dirty="0"/>
-              <a:t>, in Better Scientific Software tutorial, ISC, 2022 …</a:t>
+              <a:t>, in Better Scientific Software tutorial, …</a:t>
             </a:r>
           </a:p>
           <a:p>
@@ -5698,15 +5483,7 @@
             </a:pPr>
             <a:r>
               <a:rPr lang="en-US" sz="1400" dirty="0"/>
-              <a:t>This work was supported by the U.S. Department of Energy Office of Science, Office of Advanced Scientific Computing Research (ASCR), and by the </a:t>
-            </a:r>
-            <a:r>
-              <a:rPr lang="en-US" sz="1400" dirty="0" err="1"/>
-              <a:t>Exascale</a:t>
-            </a:r>
-            <a:r>
-              <a:rPr lang="en-US" sz="1400" dirty="0"/>
-              <a:t> Computing Project (17-SC-20-SC), a collaborative effort of the U.S. Department of Energy Office of Science and the National Nuclear Security Administration</a:t>
+              <a:t>This work was supported by the U.S. Department of Energy Office of Science, Office of Advanced Scientific Computing Research (ASCR), and by the Exascale Computing Project (17-SC-20-SC), a collaborative effort of the U.S. Department of Energy Office of Science and the National Nuclear Security Administration</a:t>
             </a:r>
             <a:r>
               <a:rPr lang="en-US" sz="1400" i="1" dirty="0"/>
@@ -5722,15 +5499,7 @@
             </a:pPr>
             <a:r>
               <a:rPr lang="en-US" sz="1400" dirty="0"/>
-              <a:t>This work was performed in part at the Argonne National Laboratory, which is managed by </a:t>
-            </a:r>
-            <a:r>
-              <a:rPr lang="en-US" sz="1400" dirty="0" err="1"/>
-              <a:t>UChicago</a:t>
-            </a:r>
-            <a:r>
-              <a:rPr lang="en-US" sz="1400" dirty="0"/>
-              <a:t> Argonne, LLC for the U.S. Department of Energy under Contract No. DE-AC02-06CH11357.</a:t>
+              <a:t>This work was performed in part at the Argonne National Laboratory, which is managed by UChicago Argonne, LLC for the U.S. Department of Energy under Contract No. DE-AC02-06CH11357.</a:t>
             </a:r>
           </a:p>
           <a:p>
@@ -5741,7 +5510,7 @@
             </a:pPr>
             <a:r>
               <a:rPr lang="en-US" sz="1400" dirty="0"/>
-              <a:t>This work was performed in part at the Oak Ridge National Laboratory, which is managed by UT-Battelle, LLC for the U.S. Department of Energy under Contract No. DE-AC05-00OR22725.</a:t>
+              <a:t>This work was performed in part at the Lawrence Livermore National Laboratory, which is managed by Lawrence Livermore National Security, LLC for the U.S. Department of Energy under Contract No. DE-AC52-07NA27344.</a:t>
             </a:r>
           </a:p>
           <a:p>
@@ -5752,7 +5521,7 @@
             </a:pPr>
             <a:r>
               <a:rPr lang="en-US" sz="1400" dirty="0"/>
-              <a:t>This work was performed in part at the Lawrence Livermore National Laboratory, which is managed by Lawrence Livermore National Security, LLC for the U.S. Department of Energy under Contract No. DE-AC52-07NA27344.</a:t>
+              <a:t>This work was performed in part at the Los Alamos National Laboratory, which is managed by Triad National Security, LLC for the U.S. Department of Energy under Contract No.89233218CNA000001</a:t>
             </a:r>
           </a:p>
           <a:p>
@@ -5763,7 +5532,7 @@
             </a:pPr>
             <a:r>
               <a:rPr lang="en-US" sz="1400" dirty="0"/>
-              <a:t>This work was performed in part at the Los Alamos National Laboratory, which is managed by Triad National Security, LLC for the U.S. Department of Energy under Contract No.89233218CNA000001</a:t>
+              <a:t>This work was performed in part at the Oak Ridge National Laboratory, which is managed by UT-Battelle, LLC for the U.S. Department of Energy under Contract No. DE-AC05-00OR22725.</a:t>
             </a:r>
           </a:p>
           <a:p>
@@ -5774,8 +5543,13 @@
             </a:pPr>
             <a:r>
               <a:rPr lang="en-US" sz="1400" dirty="0"/>
-              <a:t>This work was performed in part at Sandia National Laboratories. Sandia National Laboratories is a multi-mission laboratory managed and operated by National Technology and Engineering Solutions of Sandia, LLC., a wholly owned subsidiary of Honeywell International, Inc., for the U.S. Department of Energy’s National Nuclear Security Administration under contract DE-NA0003525.</a:t>
-            </a:r>
+              <a:t>This work was performed in part at Sandia National Laboratories. Sandia National Laboratories is a multi-mission laboratory managed and operated by National Technology and Engineering Solutions of Sandia, LLC., a wholly owned subsidiary of Honeywell International, Inc., for the U.S. Department of Energy’s National Nuclear Security Administration under contract </a:t>
+            </a:r>
+            <a:r>
+              <a:rPr lang="en-US" sz="1400"/>
+              <a:t>DE-NA0003525.</a:t>
+            </a:r>
+            <a:endParaRPr lang="en-US" sz="1400" dirty="0"/>
           </a:p>
         </p:txBody>
       </p:sp>
@@ -5794,7 +5568,7 @@
           <p:nvPr/>
         </p:nvPicPr>
         <p:blipFill>
-          <a:blip r:embed="rId4">
+          <a:blip r:embed="rId5">
             <a:extLst>
               <a:ext uri="{28A0092B-C50C-407E-A947-70E740481C1C}">
                 <a14:useLocalDpi xmlns:a14="http://schemas.microsoft.com/office/drawing/2010/main" val="0"/>
@@ -5829,7 +5603,7 @@
     </p:spTree>
     <p:extLst>
       <p:ext uri="{BB962C8B-B14F-4D97-AF65-F5344CB8AC3E}">
-        <p14:creationId xmlns:p14="http://schemas.microsoft.com/office/powerpoint/2010/main" val="1013042433"/>
+        <p14:creationId xmlns:p14="http://schemas.microsoft.com/office/powerpoint/2010/main" val="978726433"/>
       </p:ext>
     </p:extLst>
   </p:cSld>
@@ -5911,33 +5685,7 @@
             </a:pPr>
             <a:r>
               <a:rPr lang="en-US" dirty="0"/>
-              <a:t>Todd Gamblin, LLNL</a:t>
-            </a:r>
-          </a:p>
-          <a:p>
-            <a:pPr>
-              <a:spcBef>
-                <a:spcPts val="1000"/>
-              </a:spcBef>
-            </a:pPr>
-            <a:r>
-              <a:rPr lang="en-US" dirty="0"/>
-              <a:t>Jared O’Neal, ANL</a:t>
-            </a:r>
-          </a:p>
-          <a:p>
-            <a:pPr>
-              <a:spcBef>
-                <a:spcPts val="1000"/>
-              </a:spcBef>
-            </a:pPr>
-            <a:r>
-              <a:rPr lang="en-US" dirty="0" err="1"/>
-              <a:t>Boyana</a:t>
-            </a:r>
-            <a:r>
-              <a:rPr lang="en-US" dirty="0"/>
-              <a:t> R. Norris, U. Oregon</a:t>
+              <a:t>Patricia A. Grubel, LANL</a:t>
             </a:r>
           </a:p>
         </p:txBody>
@@ -5985,7 +5733,7 @@
         <p:spPr>
           <a:xfrm>
             <a:off x="363095" y="3871110"/>
-            <a:ext cx="10123321" cy="2610971"/>
+            <a:ext cx="10123321" cy="830997"/>
           </a:xfrm>
           <a:prstGeom prst="rect">
             <a:avLst/>
@@ -6016,70 +5764,6 @@
               <a:t>http://ideas-productivity.org</a:t>
             </a:r>
             <a:endParaRPr lang="en-US" sz="2400" dirty="0"/>
-          </a:p>
-          <a:p>
-            <a:pPr marL="227013" indent="-227013">
-              <a:spcBef>
-                <a:spcPts val="3200"/>
-              </a:spcBef>
-              <a:buFont typeface="Arial" panose="020B0604020202020204" pitchFamily="34" charset="0"/>
-              <a:buChar char="•"/>
-            </a:pPr>
-            <a:r>
-              <a:rPr lang="en-US" sz="2400" dirty="0"/>
-              <a:t>Also members of…</a:t>
-            </a:r>
-          </a:p>
-          <a:p>
-            <a:pPr marL="684213" lvl="1" indent="-227013">
-              <a:spcBef>
-                <a:spcPts val="200"/>
-              </a:spcBef>
-              <a:buFont typeface="Arial" panose="020B0604020202020204" pitchFamily="34" charset="0"/>
-              <a:buChar char="•"/>
-            </a:pPr>
-            <a:r>
-              <a:rPr lang="en-US" sz="2000" dirty="0" err="1"/>
-              <a:t>ExaStar</a:t>
-            </a:r>
-            <a:r>
-              <a:rPr lang="en-US" sz="2000" dirty="0"/>
-              <a:t> project (ECP)</a:t>
-            </a:r>
-          </a:p>
-          <a:p>
-            <a:pPr marL="684213" lvl="1" indent="-227013">
-              <a:spcBef>
-                <a:spcPts val="200"/>
-              </a:spcBef>
-              <a:buFont typeface="Arial" panose="020B0604020202020204" pitchFamily="34" charset="0"/>
-              <a:buChar char="•"/>
-            </a:pPr>
-            <a:r>
-              <a:rPr lang="en-US" sz="2000" dirty="0" err="1"/>
-              <a:t>Spack</a:t>
-            </a:r>
-            <a:r>
-              <a:rPr lang="en-US" sz="2000" dirty="0"/>
-              <a:t> project (ECP and other support)</a:t>
-            </a:r>
-          </a:p>
-          <a:p>
-            <a:pPr marL="684213" lvl="1" indent="-227013">
-              <a:spcBef>
-                <a:spcPts val="200"/>
-              </a:spcBef>
-              <a:buFont typeface="Arial" panose="020B0604020202020204" pitchFamily="34" charset="0"/>
-              <a:buChar char="•"/>
-            </a:pPr>
-            <a:r>
-              <a:rPr lang="en-US" sz="2000" dirty="0" err="1"/>
-              <a:t>xSDK</a:t>
-            </a:r>
-            <a:r>
-              <a:rPr lang="en-US" sz="2000" dirty="0"/>
-              <a:t> (ECP)</a:t>
-            </a:r>
           </a:p>
         </p:txBody>
       </p:sp>
@@ -6097,7 +5781,7 @@
         </p:nvGrpSpPr>
         <p:grpSpPr>
           <a:xfrm>
-            <a:off x="5531650" y="1238245"/>
+            <a:off x="5531650" y="1227416"/>
             <a:ext cx="1038027" cy="1797939"/>
             <a:chOff x="4187619" y="4211394"/>
             <a:chExt cx="1038027" cy="1797939"/>
@@ -6192,115 +5876,6 @@
       </p:grpSp>
       <p:grpSp>
         <p:nvGrpSpPr>
-          <p:cNvPr id="14" name="Group 13">
-            <a:extLst>
-              <a:ext uri="{FF2B5EF4-FFF2-40B4-BE49-F238E27FC236}">
-                <a16:creationId xmlns:a16="http://schemas.microsoft.com/office/drawing/2014/main" id="{44C86D1C-D254-484F-8D67-2ECB9DDB209C}"/>
-              </a:ext>
-            </a:extLst>
-          </p:cNvPr>
-          <p:cNvGrpSpPr/>
-          <p:nvPr/>
-        </p:nvGrpSpPr>
-        <p:grpSpPr>
-          <a:xfrm>
-            <a:off x="10682946" y="1238245"/>
-            <a:ext cx="1052623" cy="1797939"/>
-            <a:chOff x="9737690" y="1188494"/>
-            <a:chExt cx="1052623" cy="1797939"/>
-          </a:xfrm>
-        </p:grpSpPr>
-        <p:pic>
-          <p:nvPicPr>
-            <p:cNvPr id="15" name="Picture 14" descr="A person smiling for the camera&#10;&#10;Description automatically generated with medium confidence">
-              <a:extLst>
-                <a:ext uri="{FF2B5EF4-FFF2-40B4-BE49-F238E27FC236}">
-                  <a16:creationId xmlns:a16="http://schemas.microsoft.com/office/drawing/2014/main" id="{A49977A1-FC74-4861-9162-14D5A9E5E18A}"/>
-                </a:ext>
-              </a:extLst>
-            </p:cNvPr>
-            <p:cNvPicPr>
-              <a:picLocks noChangeAspect="1"/>
-            </p:cNvPicPr>
-            <p:nvPr/>
-          </p:nvPicPr>
-          <p:blipFill>
-            <a:blip r:embed="rId4" cstate="print">
-              <a:extLst>
-                <a:ext uri="{28A0092B-C50C-407E-A947-70E740481C1C}">
-                  <a14:useLocalDpi xmlns:a14="http://schemas.microsoft.com/office/drawing/2010/main" val="0"/>
-                </a:ext>
-              </a:extLst>
-            </a:blip>
-            <a:stretch>
-              <a:fillRect/>
-            </a:stretch>
-          </p:blipFill>
-          <p:spPr>
-            <a:xfrm>
-              <a:off x="9737690" y="1188494"/>
-              <a:ext cx="1052623" cy="1207008"/>
-            </a:xfrm>
-            <a:prstGeom prst="rect">
-              <a:avLst/>
-            </a:prstGeom>
-          </p:spPr>
-        </p:pic>
-        <p:sp>
-          <p:nvSpPr>
-            <p:cNvPr id="16" name="TextBox 15">
-              <a:extLst>
-                <a:ext uri="{FF2B5EF4-FFF2-40B4-BE49-F238E27FC236}">
-                  <a16:creationId xmlns:a16="http://schemas.microsoft.com/office/drawing/2014/main" id="{1B45E0C1-948D-4168-AD6E-F449E2ECAECE}"/>
-                </a:ext>
-              </a:extLst>
-            </p:cNvPr>
-            <p:cNvSpPr txBox="1"/>
-            <p:nvPr/>
-          </p:nvSpPr>
-          <p:spPr>
-            <a:xfrm>
-              <a:off x="9767711" y="2395502"/>
-              <a:ext cx="992580" cy="590931"/>
-            </a:xfrm>
-            <a:prstGeom prst="rect">
-              <a:avLst/>
-            </a:prstGeom>
-            <a:noFill/>
-          </p:spPr>
-          <p:txBody>
-            <a:bodyPr wrap="none" rtlCol="0">
-              <a:spAutoFit/>
-            </a:bodyPr>
-            <a:lstStyle/>
-            <a:p>
-              <a:pPr algn="ctr">
-                <a:lnSpc>
-                  <a:spcPct val="90000"/>
-                </a:lnSpc>
-              </a:pPr>
-              <a:r>
-                <a:rPr lang="en-US" dirty="0" err="1"/>
-                <a:t>Boyana</a:t>
-              </a:r>
-              <a:endParaRPr lang="en-US" dirty="0"/>
-            </a:p>
-            <a:p>
-              <a:pPr algn="ctr">
-                <a:lnSpc>
-                  <a:spcPct val="90000"/>
-                </a:lnSpc>
-              </a:pPr>
-              <a:r>
-                <a:rPr lang="en-US" i="1" dirty="0"/>
-                <a:t>she/her</a:t>
-              </a:r>
-            </a:p>
-          </p:txBody>
-        </p:sp>
-      </p:grpSp>
-      <p:grpSp>
-        <p:nvGrpSpPr>
           <p:cNvPr id="17" name="Group 16">
             <a:extLst>
               <a:ext uri="{FF2B5EF4-FFF2-40B4-BE49-F238E27FC236}">
@@ -6313,7 +5888,7 @@
         </p:nvGrpSpPr>
         <p:grpSpPr>
           <a:xfrm>
-            <a:off x="6844490" y="1238245"/>
+            <a:off x="6788753" y="1227416"/>
             <a:ext cx="954107" cy="1805497"/>
             <a:chOff x="6614147" y="1346049"/>
             <a:chExt cx="954107" cy="1805497"/>
@@ -6385,7 +5960,7 @@
             <p:nvPr/>
           </p:nvPicPr>
           <p:blipFill>
-            <a:blip r:embed="rId5" cstate="print">
+            <a:blip r:embed="rId4" cstate="print">
               <a:extLst>
                 <a:ext uri="{28A0092B-C50C-407E-A947-70E740481C1C}">
                   <a14:useLocalDpi xmlns:a14="http://schemas.microsoft.com/office/drawing/2010/main" val="0"/>
@@ -6409,10 +5984,10 @@
       </p:grpSp>
       <p:grpSp>
         <p:nvGrpSpPr>
-          <p:cNvPr id="19" name="Group 18">
+          <p:cNvPr id="4" name="Group 3">
             <a:extLst>
               <a:ext uri="{FF2B5EF4-FFF2-40B4-BE49-F238E27FC236}">
-                <a16:creationId xmlns:a16="http://schemas.microsoft.com/office/drawing/2014/main" id="{29D0AD46-6727-4A80-809B-8AE26304FF63}"/>
+                <a16:creationId xmlns:a16="http://schemas.microsoft.com/office/drawing/2014/main" id="{5AFCCAE3-152E-5936-F9ED-D5FBEA10EEAE}"/>
               </a:ext>
             </a:extLst>
           </p:cNvPr>
@@ -6421,18 +5996,18 @@
         </p:nvGrpSpPr>
         <p:grpSpPr>
           <a:xfrm>
-            <a:off x="9370104" y="1238245"/>
-            <a:ext cx="1038027" cy="1797939"/>
-            <a:chOff x="9605157" y="3871568"/>
-            <a:chExt cx="1038027" cy="1797939"/>
+            <a:off x="7961936" y="1227416"/>
+            <a:ext cx="1009507" cy="1851663"/>
+            <a:chOff x="8066531" y="1374891"/>
+            <a:chExt cx="1009507" cy="1851663"/>
           </a:xfrm>
         </p:grpSpPr>
         <p:pic>
           <p:nvPicPr>
-            <p:cNvPr id="20" name="Picture 19" descr="A person wearing glasses&#10;&#10;Description automatically generated with medium confidence">
+            <p:cNvPr id="5" name="Picture 4">
               <a:extLst>
                 <a:ext uri="{FF2B5EF4-FFF2-40B4-BE49-F238E27FC236}">
-                  <a16:creationId xmlns:a16="http://schemas.microsoft.com/office/drawing/2014/main" id="{5CB444FD-5093-4113-89B1-47186D404D02}"/>
+                  <a16:creationId xmlns:a16="http://schemas.microsoft.com/office/drawing/2014/main" id="{B4980B66-5B4A-B980-FCE6-C6466D0812C2}"/>
                 </a:ext>
               </a:extLst>
             </p:cNvPr>
@@ -6442,20 +6017,20 @@
             <p:nvPr/>
           </p:nvPicPr>
           <p:blipFill rotWithShape="1">
-            <a:blip r:embed="rId6" cstate="print">
+            <a:blip r:embed="rId5" cstate="print">
               <a:extLst>
                 <a:ext uri="{28A0092B-C50C-407E-A947-70E740481C1C}">
                   <a14:useLocalDpi xmlns:a14="http://schemas.microsoft.com/office/drawing/2010/main" val="0"/>
                 </a:ext>
               </a:extLst>
             </a:blip>
-            <a:srcRect l="4297" r="9701"/>
+            <a:srcRect l="4859" r="10127"/>
             <a:stretch/>
           </p:blipFill>
           <p:spPr>
             <a:xfrm>
-              <a:off x="9605157" y="3871568"/>
-              <a:ext cx="1038027" cy="1207008"/>
+              <a:off x="8088482" y="1374891"/>
+              <a:ext cx="965606" cy="1207008"/>
             </a:xfrm>
             <a:prstGeom prst="rect">
               <a:avLst/>
@@ -6464,10 +6039,10 @@
         </p:pic>
         <p:sp>
           <p:nvSpPr>
-            <p:cNvPr id="21" name="TextBox 20">
+            <p:cNvPr id="6" name="TextBox 5">
               <a:extLst>
                 <a:ext uri="{FF2B5EF4-FFF2-40B4-BE49-F238E27FC236}">
-                  <a16:creationId xmlns:a16="http://schemas.microsoft.com/office/drawing/2014/main" id="{74A3F0F0-EC8C-4DDD-8888-5C9F5241269A}"/>
+                  <a16:creationId xmlns:a16="http://schemas.microsoft.com/office/drawing/2014/main" id="{0F2D70F7-2513-2A28-DA16-B2A49480D7D0}"/>
                 </a:ext>
               </a:extLst>
             </p:cNvPr>
@@ -6476,8 +6051,8 @@
           </p:nvSpPr>
           <p:spPr>
             <a:xfrm>
-              <a:off x="9685588" y="5078576"/>
-              <a:ext cx="877164" cy="590931"/>
+              <a:off x="8066531" y="2543290"/>
+              <a:ext cx="1009507" cy="683264"/>
             </a:xfrm>
             <a:prstGeom prst="rect">
               <a:avLst/>
@@ -6485,137 +6060,30 @@
             <a:noFill/>
           </p:spPr>
           <p:txBody>
-            <a:bodyPr wrap="none" rtlCol="0">
+            <a:bodyPr wrap="none" lIns="118872" tIns="91440" rIns="118872" bIns="91440" rtlCol="0" anchor="ctr" anchorCtr="0">
               <a:spAutoFit/>
             </a:bodyPr>
             <a:lstStyle/>
             <a:p>
-              <a:pPr algn="ctr">
+              <a:pPr algn="l">
                 <a:lnSpc>
                   <a:spcPct val="90000"/>
                 </a:lnSpc>
               </a:pPr>
               <a:r>
                 <a:rPr lang="en-US" dirty="0"/>
-                <a:t>Jared</a:t>
+                <a:t>Patricia</a:t>
               </a:r>
             </a:p>
             <a:p>
-              <a:pPr algn="ctr">
+              <a:pPr algn="l">
                 <a:lnSpc>
                   <a:spcPct val="90000"/>
                 </a:lnSpc>
               </a:pPr>
               <a:r>
                 <a:rPr lang="en-US" i="1" dirty="0"/>
-                <a:t>he/him</a:t>
-              </a:r>
-            </a:p>
-          </p:txBody>
-        </p:sp>
-      </p:grpSp>
-      <p:grpSp>
-        <p:nvGrpSpPr>
-          <p:cNvPr id="24" name="Group 23">
-            <a:extLst>
-              <a:ext uri="{FF2B5EF4-FFF2-40B4-BE49-F238E27FC236}">
-                <a16:creationId xmlns:a16="http://schemas.microsoft.com/office/drawing/2014/main" id="{46067947-436D-41B4-9558-AA3A1B7F2E22}"/>
-              </a:ext>
-            </a:extLst>
-          </p:cNvPr>
-          <p:cNvGrpSpPr/>
-          <p:nvPr/>
-        </p:nvGrpSpPr>
-        <p:grpSpPr>
-          <a:xfrm>
-            <a:off x="8073410" y="1238245"/>
-            <a:ext cx="1021881" cy="1792821"/>
-            <a:chOff x="10957831" y="1197414"/>
-            <a:chExt cx="1021881" cy="1792821"/>
-          </a:xfrm>
-        </p:grpSpPr>
-        <p:pic>
-          <p:nvPicPr>
-            <p:cNvPr id="25" name="Picture 24" descr="A person smiling for the camera&#10;&#10;Description automatically generated with medium confidence">
-              <a:extLst>
-                <a:ext uri="{FF2B5EF4-FFF2-40B4-BE49-F238E27FC236}">
-                  <a16:creationId xmlns:a16="http://schemas.microsoft.com/office/drawing/2014/main" id="{C4975E43-C26D-4F14-AB40-33E3960EB8C6}"/>
-                </a:ext>
-              </a:extLst>
-            </p:cNvPr>
-            <p:cNvPicPr>
-              <a:picLocks noChangeAspect="1"/>
-            </p:cNvPicPr>
-            <p:nvPr/>
-          </p:nvPicPr>
-          <p:blipFill rotWithShape="1">
-            <a:blip r:embed="rId7" cstate="print">
-              <a:extLst>
-                <a:ext uri="{28A0092B-C50C-407E-A947-70E740481C1C}">
-                  <a14:useLocalDpi xmlns:a14="http://schemas.microsoft.com/office/drawing/2010/main" val="0"/>
-                </a:ext>
-              </a:extLst>
-            </a:blip>
-            <a:srcRect l="6373" r="8964"/>
-            <a:stretch/>
-          </p:blipFill>
-          <p:spPr>
-            <a:xfrm>
-              <a:off x="10957831" y="1197414"/>
-              <a:ext cx="1021881" cy="1207008"/>
-            </a:xfrm>
-            <a:prstGeom prst="rect">
-              <a:avLst/>
-            </a:prstGeom>
-          </p:spPr>
-        </p:pic>
-        <p:sp>
-          <p:nvSpPr>
-            <p:cNvPr id="26" name="TextBox 25">
-              <a:extLst>
-                <a:ext uri="{FF2B5EF4-FFF2-40B4-BE49-F238E27FC236}">
-                  <a16:creationId xmlns:a16="http://schemas.microsoft.com/office/drawing/2014/main" id="{6B0D8B09-6502-482C-B460-C9EF67437B9C}"/>
-                </a:ext>
-              </a:extLst>
-            </p:cNvPr>
-            <p:cNvSpPr txBox="1"/>
-            <p:nvPr/>
-          </p:nvSpPr>
-          <p:spPr>
-            <a:xfrm>
-              <a:off x="11030189" y="2399304"/>
-              <a:ext cx="877164" cy="590931"/>
-            </a:xfrm>
-            <a:prstGeom prst="rect">
-              <a:avLst/>
-            </a:prstGeom>
-            <a:noFill/>
-          </p:spPr>
-          <p:txBody>
-            <a:bodyPr wrap="none" rtlCol="0">
-              <a:spAutoFit/>
-            </a:bodyPr>
-            <a:lstStyle/>
-            <a:p>
-              <a:pPr algn="ctr">
-                <a:lnSpc>
-                  <a:spcPct val="90000"/>
-                </a:lnSpc>
-              </a:pPr>
-              <a:r>
-                <a:rPr lang="en-US" dirty="0"/>
-                <a:t>Todd</a:t>
-              </a:r>
-            </a:p>
-            <a:p>
-              <a:pPr algn="ctr">
-                <a:lnSpc>
-                  <a:spcPct val="90000"/>
-                </a:lnSpc>
-              </a:pPr>
-              <a:r>
-                <a:rPr lang="en-US" i="1" dirty="0"/>
-                <a:t>he/him</a:t>
+                <a:t>she/her</a:t>
               </a:r>
             </a:p>
           </p:txBody>
@@ -11227,6 +10695,166 @@
           <p:cNvPr id="2" name="Title 1">
             <a:extLst>
               <a:ext uri="{FF2B5EF4-FFF2-40B4-BE49-F238E27FC236}">
+                <a16:creationId xmlns:a16="http://schemas.microsoft.com/office/drawing/2014/main" id="{92FBE35E-77C5-46DD-9F5D-290B55BEC8BD}"/>
+              </a:ext>
+            </a:extLst>
+          </p:cNvPr>
+          <p:cNvSpPr>
+            <a:spLocks noGrp="1"/>
+          </p:cNvSpPr>
+          <p:nvPr>
+            <p:ph type="title"/>
+          </p:nvPr>
+        </p:nvSpPr>
+        <p:spPr/>
+        <p:txBody>
+          <a:bodyPr/>
+          <a:lstStyle/>
+          <a:p>
+            <a:r>
+              <a:rPr lang="en-US" dirty="0"/>
+              <a:t>The Importance of Naming</a:t>
+            </a:r>
+          </a:p>
+        </p:txBody>
+      </p:sp>
+      <p:sp>
+        <p:nvSpPr>
+          <p:cNvPr id="3" name="Content Placeholder 2">
+            <a:extLst>
+              <a:ext uri="{FF2B5EF4-FFF2-40B4-BE49-F238E27FC236}">
+                <a16:creationId xmlns:a16="http://schemas.microsoft.com/office/drawing/2014/main" id="{0570DD6F-C774-41C2-BFA4-30EE69373698}"/>
+              </a:ext>
+            </a:extLst>
+          </p:cNvPr>
+          <p:cNvSpPr>
+            <a:spLocks noGrp="1"/>
+          </p:cNvSpPr>
+          <p:nvPr>
+            <p:ph idx="1"/>
+          </p:nvPr>
+        </p:nvSpPr>
+        <p:spPr>
+          <a:xfrm>
+            <a:off x="365760" y="1231518"/>
+            <a:ext cx="11369809" cy="4047778"/>
+          </a:xfrm>
+        </p:spPr>
+        <p:txBody>
+          <a:bodyPr/>
+          <a:lstStyle/>
+          <a:p>
+            <a:r>
+              <a:rPr lang="en-US" dirty="0"/>
+              <a:t>Computing is rife with terminology that many consider harmful and exclusionary</a:t>
+            </a:r>
+          </a:p>
+          <a:p>
+            <a:pPr lvl="1"/>
+            <a:r>
+              <a:rPr lang="en-US" dirty="0"/>
+              <a:t>Examples include: whitelist/blacklist, master/slave, and master (standalone)</a:t>
+            </a:r>
+          </a:p>
+          <a:p>
+            <a:r>
+              <a:rPr lang="en-US" dirty="0"/>
+              <a:t>We support efforts to replace such language with more inclusive language</a:t>
+            </a:r>
+          </a:p>
+          <a:p>
+            <a:r>
+              <a:rPr lang="en-US" dirty="0"/>
+              <a:t>In this tutorial, we strive to use inclusive language</a:t>
+            </a:r>
+          </a:p>
+          <a:p>
+            <a:pPr lvl="1"/>
+            <a:r>
+              <a:rPr lang="en-US" dirty="0"/>
+              <a:t>Example: we use “main” for the default git branch, even where outside sources we reference may use “master”</a:t>
+            </a:r>
+          </a:p>
+          <a:p>
+            <a:r>
+              <a:rPr lang="en-US" dirty="0"/>
+              <a:t>We welcome suggestions for further improvements in our tutorial</a:t>
+            </a:r>
+          </a:p>
+          <a:p>
+            <a:r>
+              <a:rPr lang="en-US" dirty="0"/>
+              <a:t>Additional information:</a:t>
+            </a:r>
+          </a:p>
+          <a:p>
+            <a:pPr lvl="1"/>
+            <a:r>
+              <a:rPr lang="en-US" dirty="0"/>
+              <a:t>The </a:t>
+            </a:r>
+            <a:r>
+              <a:rPr lang="en-US" dirty="0">
+                <a:hlinkClick r:id="rId2"/>
+              </a:rPr>
+              <a:t>Inclusive Naming Initiative</a:t>
+            </a:r>
+            <a:endParaRPr lang="en-US" dirty="0"/>
+          </a:p>
+          <a:p>
+            <a:pPr lvl="1"/>
+            <a:r>
+              <a:rPr lang="en-US" dirty="0"/>
+              <a:t>The BSSw.io </a:t>
+            </a:r>
+            <a:r>
+              <a:rPr lang="en-US" dirty="0">
+                <a:hlinkClick r:id="rId3"/>
+              </a:rPr>
+              <a:t>resource on inclusive naming</a:t>
+            </a:r>
+            <a:r>
+              <a:rPr lang="en-US" dirty="0"/>
+              <a:t> provides some additional context and links</a:t>
+            </a:r>
+          </a:p>
+        </p:txBody>
+      </p:sp>
+    </p:spTree>
+    <p:extLst>
+      <p:ext uri="{BB962C8B-B14F-4D97-AF65-F5344CB8AC3E}">
+        <p14:creationId xmlns:p14="http://schemas.microsoft.com/office/powerpoint/2010/main" val="3064435251"/>
+      </p:ext>
+    </p:extLst>
+  </p:cSld>
+  <p:clrMapOvr>
+    <a:masterClrMapping/>
+  </p:clrMapOvr>
+</p:sld>
+</file>
+
+<file path=ppt/slides/slide8.xml><?xml version="1.0" encoding="utf-8"?>
+<p:sld xmlns:a="http://schemas.openxmlformats.org/drawingml/2006/main" xmlns:r="http://schemas.openxmlformats.org/officeDocument/2006/relationships" xmlns:p="http://schemas.openxmlformats.org/presentationml/2006/main">
+  <p:cSld>
+    <p:spTree>
+      <p:nvGrpSpPr>
+        <p:cNvPr id="1" name=""/>
+        <p:cNvGrpSpPr/>
+        <p:nvPr/>
+      </p:nvGrpSpPr>
+      <p:grpSpPr>
+        <a:xfrm>
+          <a:off x="0" y="0"/>
+          <a:ext cx="0" cy="0"/>
+          <a:chOff x="0" y="0"/>
+          <a:chExt cx="0" cy="0"/>
+        </a:xfrm>
+      </p:grpSpPr>
+      <p:sp>
+        <p:nvSpPr>
+          <p:cNvPr id="2" name="Title 1">
+            <a:extLst>
+              <a:ext uri="{FF2B5EF4-FFF2-40B4-BE49-F238E27FC236}">
                 <a16:creationId xmlns:a16="http://schemas.microsoft.com/office/drawing/2014/main" id="{290A2901-48B8-469D-BFD7-34B28CA8F61C}"/>
               </a:ext>
             </a:extLst>
@@ -11391,7 +11019,7 @@
 </p:sld>
 </file>
 
-<file path=ppt/slides/slide8.xml><?xml version="1.0" encoding="utf-8"?>
+<file path=ppt/slides/slide9.xml><?xml version="1.0" encoding="utf-8"?>
 <p:sld xmlns:a="http://schemas.openxmlformats.org/drawingml/2006/main" xmlns:r="http://schemas.openxmlformats.org/officeDocument/2006/relationships" xmlns:p="http://schemas.openxmlformats.org/presentationml/2006/main">
   <p:cSld>
     <p:spTree>
@@ -11533,209 +11161,6 @@
     <p:extLst>
       <p:ext uri="{BB962C8B-B14F-4D97-AF65-F5344CB8AC3E}">
         <p14:creationId xmlns:p14="http://schemas.microsoft.com/office/powerpoint/2010/main" val="2504672246"/>
-      </p:ext>
-    </p:extLst>
-  </p:cSld>
-  <p:clrMapOvr>
-    <a:masterClrMapping/>
-  </p:clrMapOvr>
-</p:sld>
-</file>
-
-<file path=ppt/slides/slide9.xml><?xml version="1.0" encoding="utf-8"?>
-<p:sld xmlns:a="http://schemas.openxmlformats.org/drawingml/2006/main" xmlns:r="http://schemas.openxmlformats.org/officeDocument/2006/relationships" xmlns:p="http://schemas.openxmlformats.org/presentationml/2006/main">
-  <p:cSld>
-    <p:spTree>
-      <p:nvGrpSpPr>
-        <p:cNvPr id="1" name=""/>
-        <p:cNvGrpSpPr/>
-        <p:nvPr/>
-      </p:nvGrpSpPr>
-      <p:grpSpPr>
-        <a:xfrm>
-          <a:off x="0" y="0"/>
-          <a:ext cx="0" cy="0"/>
-          <a:chOff x="0" y="0"/>
-          <a:chExt cx="0" cy="0"/>
-        </a:xfrm>
-      </p:grpSpPr>
-      <p:sp>
-        <p:nvSpPr>
-          <p:cNvPr id="2" name="Title 1">
-            <a:extLst>
-              <a:ext uri="{FF2B5EF4-FFF2-40B4-BE49-F238E27FC236}">
-                <a16:creationId xmlns:a16="http://schemas.microsoft.com/office/drawing/2014/main" id="{88D7CFF0-36AC-4BF3-96D2-C6F302144850}"/>
-              </a:ext>
-            </a:extLst>
-          </p:cNvPr>
-          <p:cNvSpPr>
-            <a:spLocks noGrp="1"/>
-          </p:cNvSpPr>
-          <p:nvPr>
-            <p:ph type="title"/>
-          </p:nvPr>
-        </p:nvSpPr>
-        <p:spPr/>
-        <p:txBody>
-          <a:bodyPr/>
-          <a:lstStyle/>
-          <a:p>
-            <a:r>
-              <a:rPr lang="en-US" dirty="0"/>
-              <a:t>We Want to Interact with You!</a:t>
-            </a:r>
-          </a:p>
-        </p:txBody>
-      </p:sp>
-      <p:sp>
-        <p:nvSpPr>
-          <p:cNvPr id="3" name="Content Placeholder 2">
-            <a:extLst>
-              <a:ext uri="{FF2B5EF4-FFF2-40B4-BE49-F238E27FC236}">
-                <a16:creationId xmlns:a16="http://schemas.microsoft.com/office/drawing/2014/main" id="{AEFD04A9-5547-4AC6-89F3-E6EEC039A00D}"/>
-              </a:ext>
-            </a:extLst>
-          </p:cNvPr>
-          <p:cNvSpPr>
-            <a:spLocks noGrp="1"/>
-          </p:cNvSpPr>
-          <p:nvPr>
-            <p:ph idx="1"/>
-          </p:nvPr>
-        </p:nvSpPr>
-        <p:spPr>
-          <a:xfrm>
-            <a:off x="365760" y="919230"/>
-            <a:ext cx="11369809" cy="4047778"/>
-          </a:xfrm>
-        </p:spPr>
-        <p:txBody>
-          <a:bodyPr/>
-          <a:lstStyle/>
-          <a:p>
-            <a:pPr>
-              <a:spcBef>
-                <a:spcPts val="1800"/>
-              </a:spcBef>
-            </a:pPr>
-            <a:r>
-              <a:rPr lang="en-US" dirty="0"/>
-              <a:t>We find these tutorials most interesting and informative (for everyone) if you ask questions and share experiences!</a:t>
-            </a:r>
-          </a:p>
-          <a:p>
-            <a:pPr lvl="1">
-              <a:spcBef>
-                <a:spcPts val="400"/>
-              </a:spcBef>
-            </a:pPr>
-            <a:r>
-              <a:rPr lang="en-US" dirty="0"/>
-              <a:t>We learn too!</a:t>
-            </a:r>
-          </a:p>
-          <a:p>
-            <a:pPr lvl="1">
-              <a:spcBef>
-                <a:spcPts val="400"/>
-              </a:spcBef>
-            </a:pPr>
-            <a:r>
-              <a:rPr lang="en-US" dirty="0"/>
-              <a:t>Additional opportunities for Q&amp;A/discussion before and after dinner</a:t>
-            </a:r>
-          </a:p>
-          <a:p>
-            <a:pPr lvl="1">
-              <a:spcBef>
-                <a:spcPts val="400"/>
-              </a:spcBef>
-            </a:pPr>
-            <a:r>
-              <a:rPr lang="en-US" dirty="0"/>
-              <a:t>We’ll also be keeping an eye on the track-7-software Slack channel</a:t>
-            </a:r>
-          </a:p>
-          <a:p>
-            <a:pPr>
-              <a:spcBef>
-                <a:spcPts val="1200"/>
-              </a:spcBef>
-            </a:pPr>
-            <a:r>
-              <a:rPr lang="en-US" dirty="0"/>
-              <a:t>If you work on the hands-on activities, we’ll be glad to provide feedback</a:t>
-            </a:r>
-          </a:p>
-          <a:p>
-            <a:pPr lvl="1">
-              <a:spcBef>
-                <a:spcPts val="400"/>
-              </a:spcBef>
-            </a:pPr>
-            <a:r>
-              <a:rPr lang="en-US" dirty="0"/>
-              <a:t>Submit a pull request and we’ll take a look</a:t>
-            </a:r>
-          </a:p>
-          <a:p>
-            <a:pPr>
-              <a:spcBef>
-                <a:spcPts val="1200"/>
-              </a:spcBef>
-            </a:pPr>
-            <a:r>
-              <a:rPr lang="en-US" dirty="0"/>
-              <a:t>After the tutorial email us at </a:t>
-            </a:r>
-            <a:r>
-              <a:rPr lang="en-US" dirty="0">
-                <a:hlinkClick r:id="rId2"/>
-              </a:rPr>
-              <a:t>bssw-tutorial@lists.mcs.anl.gov</a:t>
-            </a:r>
-            <a:endParaRPr lang="en-US" dirty="0"/>
-          </a:p>
-          <a:p>
-            <a:pPr lvl="1">
-              <a:spcBef>
-                <a:spcPts val="400"/>
-              </a:spcBef>
-            </a:pPr>
-            <a:r>
-              <a:rPr lang="en-US" dirty="0"/>
-              <a:t>With questions or feedback</a:t>
-            </a:r>
-          </a:p>
-          <a:p>
-            <a:pPr lvl="1"/>
-            <a:r>
-              <a:rPr lang="en-US" dirty="0"/>
-              <a:t>The list moderator will allow your messages to be posted</a:t>
-            </a:r>
-          </a:p>
-          <a:p>
-            <a:r>
-              <a:rPr lang="en-US" dirty="0"/>
-              <a:t>Refer to </a:t>
-            </a:r>
-            <a:r>
-              <a:rPr lang="en-US" dirty="0">
-                <a:hlinkClick r:id="rId3"/>
-              </a:rPr>
-              <a:t>bssw-tutorial.github.io</a:t>
-            </a:r>
-            <a:r>
-              <a:rPr lang="en-US" dirty="0"/>
-              <a:t> page for all tutorial materials</a:t>
-            </a:r>
-          </a:p>
-        </p:txBody>
-      </p:sp>
-    </p:spTree>
-    <p:extLst>
-      <p:ext uri="{BB962C8B-B14F-4D97-AF65-F5344CB8AC3E}">
-        <p14:creationId xmlns:p14="http://schemas.microsoft.com/office/powerpoint/2010/main" val="3909084522"/>
       </p:ext>
     </p:extLst>
   </p:cSld>
@@ -12658,6 +12083,15 @@
 </file>
 
 <file path=customXml/item1.xml><?xml version="1.0" encoding="utf-8"?>
+<?mso-contentType ?>
+<FormTemplates xmlns="http://schemas.microsoft.com/sharepoint/v3/contenttype/forms">
+  <Display>DocumentLibraryForm</Display>
+  <Edit>DocumentLibraryForm</Edit>
+  <New>DocumentLibraryForm</New>
+</FormTemplates>
+</file>
+
+<file path=customXml/item2.xml><?xml version="1.0" encoding="utf-8"?>
 <ct:contentTypeSchema xmlns:ct="http://schemas.microsoft.com/office/2006/metadata/contentType" xmlns:ma="http://schemas.microsoft.com/office/2006/metadata/properties/metaAttributes" ct:_="" ma:_="" ma:contentTypeName="Document" ma:contentTypeID="0x010100565464437F680748A68B85EB6594EA7D" ma:contentTypeVersion="0" ma:contentTypeDescription="Create a new document." ma:contentTypeScope="" ma:versionID="fe3f4dd58d5914c51cfc6deaa8ad845c">
   <xsd:schema xmlns:xsd="http://www.w3.org/2001/XMLSchema" xmlns:p="http://schemas.microsoft.com/office/2006/metadata/properties" targetNamespace="http://schemas.microsoft.com/office/2006/metadata/properties" ma:root="true" ma:fieldsID="4aeb20c0e3442673af7ee10786458764">
     <xsd:element name="properties">
@@ -12706,15 +12140,6 @@
 </ct:contentTypeSchema>
 </file>
 
-<file path=customXml/item2.xml><?xml version="1.0" encoding="utf-8"?>
-<?mso-contentType ?>
-<FormTemplates xmlns="http://schemas.microsoft.com/sharepoint/v3/contenttype/forms">
-  <Display>DocumentLibraryForm</Display>
-  <Edit>DocumentLibraryForm</Edit>
-  <New>DocumentLibraryForm</New>
-</FormTemplates>
-</file>
-
 <file path=customXml/item3.xml><?xml version="1.0" encoding="utf-8"?>
 <p:properties xmlns:p="http://schemas.microsoft.com/office/2006/metadata/properties" xmlns:xsi="http://www.w3.org/2001/XMLSchema-instance" xmlns:pc="http://schemas.microsoft.com/office/infopath/2007/PartnerControls">
   <documentManagement/>
@@ -12722,6 +12147,14 @@
 </file>
 
 <file path=customXml/itemProps1.xml><?xml version="1.0" encoding="utf-8"?>
+<ds:datastoreItem xmlns:ds="http://schemas.openxmlformats.org/officeDocument/2006/customXml" ds:itemID="{19E20559-B232-4371-8690-E3D8007EDB82}">
+  <ds:schemaRefs>
+    <ds:schemaRef ds:uri="http://schemas.microsoft.com/sharepoint/v3/contenttype/forms"/>
+  </ds:schemaRefs>
+</ds:datastoreItem>
+</file>
+
+<file path=customXml/itemProps2.xml><?xml version="1.0" encoding="utf-8"?>
 <ds:datastoreItem xmlns:ds="http://schemas.openxmlformats.org/officeDocument/2006/customXml" ds:itemID="{E8DB7DEB-074E-4EE8-9B6E-FD277323109C}">
   <ds:schemaRefs>
     <ds:schemaRef ds:uri="http://schemas.microsoft.com/office/2006/metadata/contentType"/>
@@ -12732,14 +12165,6 @@
     <ds:schemaRef ds:uri="http://purl.org/dc/elements/1.1/"/>
     <ds:schemaRef ds:uri="http://purl.org/dc/terms/"/>
     <ds:schemaRef ds:uri="http://schemas.microsoft.com/office/internal/2005/internalDocumentation"/>
-  </ds:schemaRefs>
-</ds:datastoreItem>
-</file>
-
-<file path=customXml/itemProps2.xml><?xml version="1.0" encoding="utf-8"?>
-<ds:datastoreItem xmlns:ds="http://schemas.openxmlformats.org/officeDocument/2006/customXml" ds:itemID="{19E20559-B232-4371-8690-E3D8007EDB82}">
-  <ds:schemaRefs>
-    <ds:schemaRef ds:uri="http://schemas.microsoft.com/sharepoint/v3/contenttype/forms"/>
   </ds:schemaRefs>
 </ds:datastoreItem>
 </file>

--- a/intro-a.pptx
+++ b/intro-a.pptx
@@ -265,7 +265,7 @@
           <a:p>
             <a:fld id="{0B842F42-2CE9-4E35-95C1-410DC08A50B1}" type="datetimeFigureOut">
               <a:rPr lang="en-US" smtClean="0"/>
-              <a:t>10/27/2022</a:t>
+              <a:t>4/17/2023</a:t>
             </a:fld>
             <a:endParaRPr lang="en-US"/>
           </a:p>
@@ -430,7 +430,7 @@
           <a:p>
             <a:fld id="{6F282904-F315-4730-8D91-37D99E141A6F}" type="datetimeFigureOut">
               <a:rPr lang="en-US" smtClean="0"/>
-              <a:t>10/27/2022</a:t>
+              <a:t>4/17/2023</a:t>
             </a:fld>
             <a:endParaRPr lang="en-US"/>
           </a:p>
@@ -11098,8 +11098,13 @@
           <a:p>
             <a:r>
               <a:rPr lang="en-US" dirty="0"/>
-              <a:t>(Software) best practice to make your license and preferred citation(s) easily finable</a:t>
-            </a:r>
+              <a:t>(Software) best practice to make your license and preferred citation(s) </a:t>
+            </a:r>
+            <a:r>
+              <a:rPr lang="en-US"/>
+              <a:t>easily findable</a:t>
+            </a:r>
+            <a:endParaRPr lang="en-US" dirty="0"/>
           </a:p>
           <a:p>
             <a:r>
@@ -12083,15 +12088,6 @@
 </file>
 
 <file path=customXml/item1.xml><?xml version="1.0" encoding="utf-8"?>
-<?mso-contentType ?>
-<FormTemplates xmlns="http://schemas.microsoft.com/sharepoint/v3/contenttype/forms">
-  <Display>DocumentLibraryForm</Display>
-  <Edit>DocumentLibraryForm</Edit>
-  <New>DocumentLibraryForm</New>
-</FormTemplates>
-</file>
-
-<file path=customXml/item2.xml><?xml version="1.0" encoding="utf-8"?>
 <ct:contentTypeSchema xmlns:ct="http://schemas.microsoft.com/office/2006/metadata/contentType" xmlns:ma="http://schemas.microsoft.com/office/2006/metadata/properties/metaAttributes" ct:_="" ma:_="" ma:contentTypeName="Document" ma:contentTypeID="0x010100565464437F680748A68B85EB6594EA7D" ma:contentTypeVersion="0" ma:contentTypeDescription="Create a new document." ma:contentTypeScope="" ma:versionID="fe3f4dd58d5914c51cfc6deaa8ad845c">
   <xsd:schema xmlns:xsd="http://www.w3.org/2001/XMLSchema" xmlns:p="http://schemas.microsoft.com/office/2006/metadata/properties" targetNamespace="http://schemas.microsoft.com/office/2006/metadata/properties" ma:root="true" ma:fieldsID="4aeb20c0e3442673af7ee10786458764">
     <xsd:element name="properties">
@@ -12140,6 +12136,15 @@
 </ct:contentTypeSchema>
 </file>
 
+<file path=customXml/item2.xml><?xml version="1.0" encoding="utf-8"?>
+<?mso-contentType ?>
+<FormTemplates xmlns="http://schemas.microsoft.com/sharepoint/v3/contenttype/forms">
+  <Display>DocumentLibraryForm</Display>
+  <Edit>DocumentLibraryForm</Edit>
+  <New>DocumentLibraryForm</New>
+</FormTemplates>
+</file>
+
 <file path=customXml/item3.xml><?xml version="1.0" encoding="utf-8"?>
 <p:properties xmlns:p="http://schemas.microsoft.com/office/2006/metadata/properties" xmlns:xsi="http://www.w3.org/2001/XMLSchema-instance" xmlns:pc="http://schemas.microsoft.com/office/infopath/2007/PartnerControls">
   <documentManagement/>
@@ -12147,14 +12152,6 @@
 </file>
 
 <file path=customXml/itemProps1.xml><?xml version="1.0" encoding="utf-8"?>
-<ds:datastoreItem xmlns:ds="http://schemas.openxmlformats.org/officeDocument/2006/customXml" ds:itemID="{19E20559-B232-4371-8690-E3D8007EDB82}">
-  <ds:schemaRefs>
-    <ds:schemaRef ds:uri="http://schemas.microsoft.com/sharepoint/v3/contenttype/forms"/>
-  </ds:schemaRefs>
-</ds:datastoreItem>
-</file>
-
-<file path=customXml/itemProps2.xml><?xml version="1.0" encoding="utf-8"?>
 <ds:datastoreItem xmlns:ds="http://schemas.openxmlformats.org/officeDocument/2006/customXml" ds:itemID="{E8DB7DEB-074E-4EE8-9B6E-FD277323109C}">
   <ds:schemaRefs>
     <ds:schemaRef ds:uri="http://schemas.microsoft.com/office/2006/metadata/contentType"/>
@@ -12165,6 +12162,14 @@
     <ds:schemaRef ds:uri="http://purl.org/dc/elements/1.1/"/>
     <ds:schemaRef ds:uri="http://purl.org/dc/terms/"/>
     <ds:schemaRef ds:uri="http://schemas.microsoft.com/office/internal/2005/internalDocumentation"/>
+  </ds:schemaRefs>
+</ds:datastoreItem>
+</file>
+
+<file path=customXml/itemProps2.xml><?xml version="1.0" encoding="utf-8"?>
+<ds:datastoreItem xmlns:ds="http://schemas.openxmlformats.org/officeDocument/2006/customXml" ds:itemID="{19E20559-B232-4371-8690-E3D8007EDB82}">
+  <ds:schemaRefs>
+    <ds:schemaRef ds:uri="http://schemas.microsoft.com/sharepoint/v3/contenttype/forms"/>
   </ds:schemaRefs>
 </ds:datastoreItem>
 </file>

--- a/intro-a.pptx
+++ b/intro-a.pptx
@@ -265,7 +265,7 @@
           <a:p>
             <a:fld id="{0B842F42-2CE9-4E35-95C1-410DC08A50B1}" type="datetimeFigureOut">
               <a:rPr lang="en-US" smtClean="0"/>
-              <a:t>4/17/2023</a:t>
+              <a:t>4/18/23</a:t>
             </a:fld>
             <a:endParaRPr lang="en-US"/>
           </a:p>
@@ -430,7 +430,7 @@
           <a:p>
             <a:fld id="{6F282904-F315-4730-8D91-37D99E141A6F}" type="datetimeFigureOut">
               <a:rPr lang="en-US" smtClean="0"/>
-              <a:t>4/17/2023</a:t>
+              <a:t>4/18/23</a:t>
             </a:fld>
             <a:endParaRPr lang="en-US"/>
           </a:p>
@@ -4124,21 +4124,29 @@
           <a:lstStyle/>
           <a:p>
             <a:r>
+              <a:rPr lang="en-US" dirty="0" err="1"/>
+              <a:t>Anshu</a:t>
+            </a:r>
+            <a:r>
               <a:rPr lang="en-US" dirty="0"/>
-              <a:t>David E. Bernholdt, Anshu Dubey, </a:t>
-            </a:r>
-            <a:br>
+              <a:t> </a:t>
+            </a:r>
+            <a:r>
+              <a:rPr lang="en-US"/>
+              <a:t>Dubey and David </a:t>
+            </a:r>
+            <a:r>
               <a:rPr lang="en-US" dirty="0"/>
-            </a:br>
+              <a:t>Rogers</a:t>
+            </a:r>
+          </a:p>
+          <a:p>
+            <a:endParaRPr lang="en-US" dirty="0"/>
+          </a:p>
+          <a:p>
             <a:r>
               <a:rPr lang="en-US" dirty="0"/>
-              <a:t>Patricia A. Grubel</a:t>
-            </a:r>
-          </a:p>
-          <a:p>
-            <a:r>
-              <a:rPr lang="en-US" dirty="0"/>
-              <a:t>Better Scientific Software tutorial @ SC22</a:t>
+              <a:t>Better Scientific Software tutorial @ ISC23</a:t>
             </a:r>
           </a:p>
         </p:txBody>
@@ -4403,13 +4411,13 @@
             </a:pPr>
             <a:r>
               <a:rPr lang="en-US" sz="2400" dirty="0"/>
-              <a:t>You may also be interested in these other software-related events at SC22: </a:t>
+              <a:t>You may also be interested in a BOF on a similar topic at ISC23: </a:t>
             </a:r>
             <a:r>
               <a:rPr lang="en-US" sz="2400" dirty="0">
                 <a:hlinkClick r:id="rId4"/>
               </a:rPr>
-              <a:t>https://bssw.io/events/sc22-software-related-events</a:t>
+              <a:t>https://bssw.io/events/</a:t>
             </a:r>
             <a:endParaRPr lang="en-US" sz="2400" dirty="0"/>
           </a:p>
@@ -4503,11 +4511,16 @@
           </p:cNvGraphicFramePr>
           <p:nvPr>
             <p:ph idx="1"/>
+            <p:extLst>
+              <p:ext uri="{D42A27DB-BD31-4B8C-83A1-F6EECF244321}">
+                <p14:modId xmlns:p14="http://schemas.microsoft.com/office/powerpoint/2010/main" val="1353381737"/>
+              </p:ext>
+            </p:extLst>
           </p:nvPr>
         </p:nvGraphicFramePr>
         <p:xfrm>
           <a:off x="365759" y="866432"/>
-          <a:ext cx="11372472" cy="5699760"/>
+          <a:ext cx="11372472" cy="5265420"/>
         </p:xfrm>
         <a:graphic>
           <a:graphicData uri="http://schemas.openxmlformats.org/drawingml/2006/table">
@@ -4602,7 +4615,7 @@
                         <a:rPr lang="en-US" sz="1600" dirty="0">
                           <a:effectLst/>
                         </a:rPr>
-                        <a:t>1:30 PM</a:t>
+                        <a:t>2:00 PM</a:t>
                       </a:r>
                     </a:p>
                   </a:txBody>
@@ -4628,11 +4641,34 @@
                     <a:bodyPr/>
                     <a:lstStyle/>
                     <a:p>
+                      <a:pPr marL="0" marR="0" lvl="0" indent="0" algn="l" defTabSz="914400" rtl="0" eaLnBrk="1" fontAlgn="auto" latinLnBrk="0" hangingPunct="1">
+                        <a:lnSpc>
+                          <a:spcPct val="100000"/>
+                        </a:lnSpc>
+                        <a:spcBef>
+                          <a:spcPts val="0"/>
+                        </a:spcBef>
+                        <a:spcAft>
+                          <a:spcPts val="0"/>
+                        </a:spcAft>
+                        <a:buClrTx/>
+                        <a:buSzTx/>
+                        <a:buFontTx/>
+                        <a:buNone/>
+                        <a:tabLst/>
+                        <a:defRPr/>
+                      </a:pPr>
+                      <a:r>
+                        <a:rPr lang="en-US" sz="1600" dirty="0" err="1">
+                          <a:effectLst/>
+                        </a:rPr>
+                        <a:t>Anshu</a:t>
+                      </a:r>
                       <a:r>
                         <a:rPr lang="en-US" sz="1600" dirty="0">
                           <a:effectLst/>
                         </a:rPr>
-                        <a:t>David E. Bernholdt (ORNL)</a:t>
+                        <a:t> Dubey (ANL)</a:t>
                       </a:r>
                     </a:p>
                   </a:txBody>
@@ -4652,10 +4688,10 @@
                     <a:p>
                       <a:pPr algn="r"/>
                       <a:r>
-                        <a:rPr lang="en-US" sz="1600">
+                        <a:rPr lang="en-US" sz="1600" dirty="0">
                           <a:effectLst/>
                         </a:rPr>
-                        <a:t>1:40 PM</a:t>
+                        <a:t>2:05 PM</a:t>
                       </a:r>
                     </a:p>
                   </a:txBody>
@@ -4682,10 +4718,16 @@
                     <a:lstStyle/>
                     <a:p>
                       <a:r>
-                        <a:rPr lang="en-US" sz="1600">
+                        <a:rPr lang="en-US" sz="1600" dirty="0" err="1">
                           <a:effectLst/>
                         </a:rPr>
-                        <a:t>David E. Bernholdt (ORNL)</a:t>
+                        <a:t>Anshu</a:t>
+                      </a:r>
+                      <a:r>
+                        <a:rPr lang="en-US" sz="1600" dirty="0">
+                          <a:effectLst/>
+                        </a:rPr>
+                        <a:t> Dubey (ANL)</a:t>
                       </a:r>
                     </a:p>
                   </a:txBody>
@@ -4705,10 +4747,10 @@
                     <a:p>
                       <a:pPr algn="r"/>
                       <a:r>
-                        <a:rPr lang="en-US" sz="1600">
+                        <a:rPr lang="en-US" sz="1600" dirty="0">
                           <a:effectLst/>
                         </a:rPr>
-                        <a:t>2:10 PM</a:t>
+                        <a:t>2:25 PM</a:t>
                       </a:r>
                     </a:p>
                   </a:txBody>
@@ -4735,10 +4777,16 @@
                     <a:lstStyle/>
                     <a:p>
                       <a:r>
-                        <a:rPr lang="en-US" sz="1600">
+                        <a:rPr lang="en-US" sz="1600" dirty="0" err="1">
                           <a:effectLst/>
                         </a:rPr>
-                        <a:t>Anshu Dubey (ANL)</a:t>
+                        <a:t>Anshu</a:t>
+                      </a:r>
+                      <a:r>
+                        <a:rPr lang="en-US" sz="1600" dirty="0">
+                          <a:effectLst/>
+                        </a:rPr>
+                        <a:t> Dubey (ANL)</a:t>
                       </a:r>
                     </a:p>
                   </a:txBody>
@@ -4758,10 +4806,10 @@
                     <a:p>
                       <a:pPr algn="r"/>
                       <a:r>
-                        <a:rPr lang="en-US" sz="1600">
+                        <a:rPr lang="en-US" sz="1600" dirty="0">
                           <a:effectLst/>
                         </a:rPr>
-                        <a:t>2:30 PM</a:t>
+                        <a:t>3:00 PM</a:t>
                       </a:r>
                     </a:p>
                   </a:txBody>
@@ -4773,10 +4821,10 @@
                     <a:lstStyle/>
                     <a:p>
                       <a:r>
-                        <a:rPr lang="en-US" sz="1600">
+                        <a:rPr lang="en-US" sz="1600" i="0" dirty="0">
                           <a:effectLst/>
                         </a:rPr>
-                        <a:t>Collaborative Software Development</a:t>
+                        <a:t>Software Testing and Verification</a:t>
                       </a:r>
                     </a:p>
                   </a:txBody>
@@ -4788,10 +4836,10 @@
                     <a:lstStyle/>
                     <a:p>
                       <a:r>
-                        <a:rPr lang="en-US" sz="1600">
+                        <a:rPr lang="en-US" sz="1600" dirty="0">
                           <a:effectLst/>
                         </a:rPr>
-                        <a:t>Patricia A. Grubel (LANL)</a:t>
+                        <a:t>David Rogers (ORNL)</a:t>
                       </a:r>
                     </a:p>
                   </a:txBody>
@@ -4811,10 +4859,10 @@
                     <a:p>
                       <a:pPr algn="r"/>
                       <a:r>
-                        <a:rPr lang="en-US" sz="1600">
+                        <a:rPr lang="en-US" sz="1600" dirty="0">
                           <a:effectLst/>
                         </a:rPr>
-                        <a:t>3:00 PM</a:t>
+                        <a:t>4:00 PM</a:t>
                       </a:r>
                     </a:p>
                   </a:txBody>
@@ -4825,15 +4873,29 @@
                     <a:bodyPr/>
                     <a:lstStyle/>
                     <a:p>
+                      <a:pPr marL="0" marR="0" lvl="0" indent="0" algn="l" defTabSz="914400" rtl="0" eaLnBrk="1" fontAlgn="auto" latinLnBrk="0" hangingPunct="1">
+                        <a:lnSpc>
+                          <a:spcPct val="100000"/>
+                        </a:lnSpc>
+                        <a:spcBef>
+                          <a:spcPts val="0"/>
+                        </a:spcBef>
+                        <a:spcAft>
+                          <a:spcPts val="0"/>
+                        </a:spcAft>
+                        <a:buClrTx/>
+                        <a:buSzTx/>
+                        <a:buFontTx/>
+                        <a:buNone/>
+                        <a:tabLst/>
+                        <a:defRPr/>
+                      </a:pPr>
                       <a:r>
-                        <a:rPr lang="en-US" sz="1600" i="1">
+                        <a:rPr lang="en-US" sz="1600" i="1" dirty="0">
                           <a:effectLst/>
                         </a:rPr>
                         <a:t>Break</a:t>
                       </a:r>
-                      <a:endParaRPr lang="en-US" sz="1600">
-                        <a:effectLst/>
-                      </a:endParaRPr>
                     </a:p>
                   </a:txBody>
                   <a:tcPr marL="142875" marR="142875" marT="95250" marB="95250" anchor="ctr"/>
@@ -4843,7 +4905,7 @@
                     <a:bodyPr/>
                     <a:lstStyle/>
                     <a:p>
-                      <a:endParaRPr lang="en-US" sz="1600">
+                      <a:endParaRPr lang="en-US" sz="1600" dirty="0">
                         <a:effectLst/>
                       </a:endParaRPr>
                     </a:p>
@@ -4864,10 +4926,10 @@
                     <a:p>
                       <a:pPr algn="r"/>
                       <a:r>
-                        <a:rPr lang="en-US" sz="1600">
+                        <a:rPr lang="en-US" sz="1600" dirty="0">
                           <a:effectLst/>
                         </a:rPr>
-                        <a:t>3:30 PM</a:t>
+                        <a:t>4:30 PM</a:t>
                       </a:r>
                     </a:p>
                   </a:txBody>
@@ -4878,11 +4940,28 @@
                     <a:bodyPr/>
                     <a:lstStyle/>
                     <a:p>
+                      <a:pPr marL="0" marR="0" indent="0" algn="l" defTabSz="914400" rtl="0" eaLnBrk="1" fontAlgn="auto" latinLnBrk="0" hangingPunct="1">
+                        <a:lnSpc>
+                          <a:spcPct val="100000"/>
+                        </a:lnSpc>
+                        <a:spcBef>
+                          <a:spcPts val="0"/>
+                        </a:spcBef>
+                        <a:spcAft>
+                          <a:spcPts val="0"/>
+                        </a:spcAft>
+                        <a:buClrTx/>
+                        <a:buSzTx/>
+                        <a:buFontTx/>
+                        <a:buNone/>
+                        <a:tabLst/>
+                        <a:defRPr/>
+                      </a:pPr>
                       <a:r>
-                        <a:rPr lang="en-US" sz="1600" dirty="0">
+                        <a:rPr lang="en-US" sz="1600" i="0" dirty="0">
                           <a:effectLst/>
                         </a:rPr>
-                        <a:t>Improving Reproducibility Through Better Software Practices</a:t>
+                        <a:t>Software Packaging</a:t>
                       </a:r>
                     </a:p>
                   </a:txBody>
@@ -4893,11 +4972,28 @@
                     <a:bodyPr/>
                     <a:lstStyle/>
                     <a:p>
+                      <a:pPr marL="0" marR="0" lvl="0" indent="0" algn="l" defTabSz="914400" rtl="0" eaLnBrk="1" fontAlgn="auto" latinLnBrk="0" hangingPunct="1">
+                        <a:lnSpc>
+                          <a:spcPct val="100000"/>
+                        </a:lnSpc>
+                        <a:spcBef>
+                          <a:spcPts val="0"/>
+                        </a:spcBef>
+                        <a:spcAft>
+                          <a:spcPts val="0"/>
+                        </a:spcAft>
+                        <a:buClrTx/>
+                        <a:buSzTx/>
+                        <a:buFontTx/>
+                        <a:buNone/>
+                        <a:tabLst/>
+                        <a:defRPr/>
+                      </a:pPr>
                       <a:r>
                         <a:rPr lang="en-US" sz="1600" dirty="0">
                           <a:effectLst/>
                         </a:rPr>
-                        <a:t>Patricia A. Grubel (LANL)</a:t>
+                        <a:t>David Rogers (ORNL)</a:t>
                       </a:r>
                     </a:p>
                   </a:txBody>
@@ -4920,7 +5016,7 @@
                         <a:rPr lang="en-US" sz="1600" dirty="0">
                           <a:effectLst/>
                         </a:rPr>
-                        <a:t>4:10 PM</a:t>
+                        <a:t>5:00 PM</a:t>
                       </a:r>
                     </a:p>
                   </a:txBody>
@@ -4935,7 +5031,7 @@
                         <a:rPr lang="en-US" sz="1600" dirty="0">
                           <a:effectLst/>
                         </a:rPr>
-                        <a:t>Software Testing and Verification</a:t>
+                        <a:t>Collaborative Software Development</a:t>
                       </a:r>
                     </a:p>
                   </a:txBody>
@@ -4946,11 +5042,28 @@
                     <a:bodyPr/>
                     <a:lstStyle/>
                     <a:p>
+                      <a:pPr marL="0" marR="0" lvl="0" indent="0" algn="l" defTabSz="914400" rtl="0" eaLnBrk="1" fontAlgn="auto" latinLnBrk="0" hangingPunct="1">
+                        <a:lnSpc>
+                          <a:spcPct val="100000"/>
+                        </a:lnSpc>
+                        <a:spcBef>
+                          <a:spcPts val="0"/>
+                        </a:spcBef>
+                        <a:spcAft>
+                          <a:spcPts val="0"/>
+                        </a:spcAft>
+                        <a:buClrTx/>
+                        <a:buSzTx/>
+                        <a:buFontTx/>
+                        <a:buNone/>
+                        <a:tabLst/>
+                        <a:defRPr/>
+                      </a:pPr>
                       <a:r>
                         <a:rPr lang="en-US" sz="1600" dirty="0">
                           <a:effectLst/>
                         </a:rPr>
-                        <a:t>Anshu Dubey (ANL)</a:t>
+                        <a:t>David Rogers (ORNL)</a:t>
                       </a:r>
                     </a:p>
                   </a:txBody>
@@ -4970,10 +5083,10 @@
                     <a:p>
                       <a:pPr algn="r"/>
                       <a:r>
-                        <a:rPr lang="en-US" sz="1600">
+                        <a:rPr lang="en-US" sz="1600" dirty="0">
                           <a:effectLst/>
                         </a:rPr>
-                        <a:t>4:55 PM</a:t>
+                        <a:t>5:30 PM</a:t>
                       </a:r>
                     </a:p>
                   </a:txBody>
@@ -4988,7 +5101,7 @@
                         <a:rPr lang="en-US" sz="1600" dirty="0">
                           <a:effectLst/>
                         </a:rPr>
-                        <a:t>Summary</a:t>
+                        <a:t>Lab Notebooks for Computational Mathematics, Sciences, &amp; Engineering</a:t>
                       </a:r>
                     </a:p>
                   </a:txBody>
@@ -4999,12 +5112,40 @@
                     <a:bodyPr/>
                     <a:lstStyle/>
                     <a:p>
+                      <a:pPr marL="0" marR="0" lvl="0" indent="0" algn="l" defTabSz="914400" rtl="0" eaLnBrk="1" fontAlgn="auto" latinLnBrk="0" hangingPunct="1">
+                        <a:lnSpc>
+                          <a:spcPct val="100000"/>
+                        </a:lnSpc>
+                        <a:spcBef>
+                          <a:spcPts val="0"/>
+                        </a:spcBef>
+                        <a:spcAft>
+                          <a:spcPts val="0"/>
+                        </a:spcAft>
+                        <a:buClrTx/>
+                        <a:buSzTx/>
+                        <a:buFontTx/>
+                        <a:buNone/>
+                        <a:tabLst/>
+                        <a:defRPr/>
+                      </a:pPr>
                       <a:r>
-                        <a:rPr lang="en-US" sz="1600">
+                        <a:rPr lang="en-US" sz="1600" dirty="0" err="1">
                           <a:effectLst/>
                         </a:rPr>
-                        <a:t>David E. Bernholdt (ORNL)</a:t>
+                        <a:t>Anshu</a:t>
                       </a:r>
+                      <a:r>
+                        <a:rPr lang="en-US" sz="1600" dirty="0">
+                          <a:effectLst/>
+                        </a:rPr>
+                        <a:t> Dubey (ANL)</a:t>
+                      </a:r>
+                    </a:p>
+                    <a:p>
+                      <a:endParaRPr lang="en-US" sz="1600" dirty="0">
+                        <a:effectLst/>
+                      </a:endParaRPr>
                     </a:p>
                   </a:txBody>
                   <a:tcPr marL="142875" marR="142875" marT="95250" marB="95250" anchor="ctr"/>
@@ -5023,10 +5164,86 @@
                     <a:p>
                       <a:pPr algn="r"/>
                       <a:r>
-                        <a:rPr lang="en-US" sz="1600">
+                        <a:rPr lang="en-US" sz="1600" dirty="0">
                           <a:effectLst/>
                         </a:rPr>
-                        <a:t>5:00 PM</a:t>
+                        <a:t>5:50 PM</a:t>
+                      </a:r>
+                    </a:p>
+                  </a:txBody>
+                  <a:tcPr marL="142875" marR="142875" marT="95250" marB="95250" anchor="ctr"/>
+                </a:tc>
+                <a:tc>
+                  <a:txBody>
+                    <a:bodyPr/>
+                    <a:lstStyle/>
+                    <a:p>
+                      <a:r>
+                        <a:rPr lang="en-US" sz="1600" i="0" dirty="0">
+                          <a:effectLst/>
+                        </a:rPr>
+                        <a:t>Summary</a:t>
+                      </a:r>
+                    </a:p>
+                  </a:txBody>
+                  <a:tcPr marL="142875" marR="142875" marT="95250" marB="95250" anchor="ctr"/>
+                </a:tc>
+                <a:tc>
+                  <a:txBody>
+                    <a:bodyPr/>
+                    <a:lstStyle/>
+                    <a:p>
+                      <a:pPr marL="0" marR="0" lvl="0" indent="0" algn="l" defTabSz="914400" rtl="0" eaLnBrk="1" fontAlgn="auto" latinLnBrk="0" hangingPunct="1">
+                        <a:lnSpc>
+                          <a:spcPct val="100000"/>
+                        </a:lnSpc>
+                        <a:spcBef>
+                          <a:spcPts val="0"/>
+                        </a:spcBef>
+                        <a:spcAft>
+                          <a:spcPts val="0"/>
+                        </a:spcAft>
+                        <a:buClrTx/>
+                        <a:buSzTx/>
+                        <a:buFontTx/>
+                        <a:buNone/>
+                        <a:tabLst/>
+                        <a:defRPr/>
+                      </a:pPr>
+                      <a:r>
+                        <a:rPr lang="en-US" sz="1600" dirty="0" err="1">
+                          <a:effectLst/>
+                        </a:rPr>
+                        <a:t>Anshu</a:t>
+                      </a:r>
+                      <a:r>
+                        <a:rPr lang="en-US" sz="1600" dirty="0">
+                          <a:effectLst/>
+                        </a:rPr>
+                        <a:t> Dubey (ANL)</a:t>
+                      </a:r>
+                    </a:p>
+                  </a:txBody>
+                  <a:tcPr marL="142875" marR="142875" marT="95250" marB="95250" anchor="ctr"/>
+                </a:tc>
+                <a:extLst>
+                  <a:ext uri="{0D108BD9-81ED-4DB2-BD59-A6C34878D82A}">
+                    <a16:rowId xmlns:a16="http://schemas.microsoft.com/office/drawing/2014/main" val="1166125975"/>
+                  </a:ext>
+                </a:extLst>
+              </a:tr>
+              <a:tr h="393875">
+                <a:tc>
+                  <a:txBody>
+                    <a:bodyPr/>
+                    <a:lstStyle/>
+                    <a:p>
+                      <a:pPr algn="r"/>
+                      <a:r>
+                        <a:rPr lang="en-US" sz="1600" dirty="0">
+                          <a:effectLst/>
+                        </a:rPr>
+                        <a:t>6:00 PM</a:t>
                       </a:r>
                     </a:p>
                   </a:txBody>
@@ -5055,7 +5272,7 @@
                     <a:bodyPr/>
                     <a:lstStyle/>
                     <a:p>
-                      <a:endParaRPr lang="en-US" sz="1600">
+                      <a:endParaRPr lang="en-US" sz="1600" dirty="0">
                         <a:effectLst/>
                       </a:endParaRPr>
                     </a:p>
@@ -5064,117 +5281,7 @@
                 </a:tc>
                 <a:extLst>
                   <a:ext uri="{0D108BD9-81ED-4DB2-BD59-A6C34878D82A}">
-                    <a16:rowId xmlns:a16="http://schemas.microsoft.com/office/drawing/2014/main" val="1166125975"/>
-                  </a:ext>
-                </a:extLst>
-              </a:tr>
-              <a:tr h="393875">
-                <a:tc>
-                  <a:txBody>
-                    <a:bodyPr/>
-                    <a:lstStyle/>
-                    <a:p>
-                      <a:pPr algn="r"/>
-                      <a:r>
-                        <a:rPr lang="en-US" sz="1600">
-                          <a:effectLst/>
-                        </a:rPr>
-                        <a:t>5:00 PM</a:t>
-                      </a:r>
-                    </a:p>
-                  </a:txBody>
-                  <a:tcPr marL="142875" marR="142875" marT="95250" marB="95250" anchor="ctr"/>
-                </a:tc>
-                <a:tc>
-                  <a:txBody>
-                    <a:bodyPr/>
-                    <a:lstStyle/>
-                    <a:p>
-                      <a:r>
-                        <a:rPr lang="en-US" sz="1600" i="1">
-                          <a:effectLst/>
-                        </a:rPr>
-                        <a:t>Optional</a:t>
-                      </a:r>
-                      <a:r>
-                        <a:rPr lang="en-US" sz="1600">
-                          <a:effectLst/>
-                        </a:rPr>
-                        <a:t> Additional Q&amp;A</a:t>
-                      </a:r>
-                    </a:p>
-                  </a:txBody>
-                  <a:tcPr marL="142875" marR="142875" marT="95250" marB="95250" anchor="ctr"/>
-                </a:tc>
-                <a:tc>
-                  <a:txBody>
-                    <a:bodyPr/>
-                    <a:lstStyle/>
-                    <a:p>
-                      <a:r>
-                        <a:rPr lang="en-US" sz="1600" dirty="0">
-                          <a:effectLst/>
-                        </a:rPr>
-                        <a:t>All</a:t>
-                      </a:r>
-                    </a:p>
-                  </a:txBody>
-                  <a:tcPr marL="142875" marR="142875" marT="95250" marB="95250" anchor="ctr"/>
-                </a:tc>
-                <a:extLst>
-                  <a:ext uri="{0D108BD9-81ED-4DB2-BD59-A6C34878D82A}">
                     <a16:rowId xmlns:a16="http://schemas.microsoft.com/office/drawing/2014/main" val="4002252475"/>
-                  </a:ext>
-                </a:extLst>
-              </a:tr>
-              <a:tr h="393875">
-                <a:tc>
-                  <a:txBody>
-                    <a:bodyPr/>
-                    <a:lstStyle/>
-                    <a:p>
-                      <a:pPr algn="r"/>
-                      <a:r>
-                        <a:rPr lang="en-US" sz="1600">
-                          <a:effectLst/>
-                        </a:rPr>
-                        <a:t>5:30 PM</a:t>
-                      </a:r>
-                    </a:p>
-                  </a:txBody>
-                  <a:tcPr marL="142875" marR="142875" marT="95250" marB="95250" anchor="ctr"/>
-                </a:tc>
-                <a:tc>
-                  <a:txBody>
-                    <a:bodyPr/>
-                    <a:lstStyle/>
-                    <a:p>
-                      <a:r>
-                        <a:rPr lang="en-US" sz="1600" i="1">
-                          <a:effectLst/>
-                        </a:rPr>
-                        <a:t>Adjourn</a:t>
-                      </a:r>
-                      <a:endParaRPr lang="en-US" sz="1600">
-                        <a:effectLst/>
-                      </a:endParaRPr>
-                    </a:p>
-                  </a:txBody>
-                  <a:tcPr marL="142875" marR="142875" marT="95250" marB="95250" anchor="ctr"/>
-                </a:tc>
-                <a:tc>
-                  <a:txBody>
-                    <a:bodyPr/>
-                    <a:lstStyle/>
-                    <a:p>
-                      <a:endParaRPr lang="en-US" sz="1600" dirty="0"/>
-                    </a:p>
-                  </a:txBody>
-                  <a:tcPr/>
-                </a:tc>
-                <a:extLst>
-                  <a:ext uri="{0D108BD9-81ED-4DB2-BD59-A6C34878D82A}">
-                    <a16:rowId xmlns:a16="http://schemas.microsoft.com/office/drawing/2014/main" val="383952017"/>
                   </a:ext>
                 </a:extLst>
               </a:tr>
@@ -5431,17 +5538,15 @@
             </a:pPr>
             <a:r>
               <a:rPr lang="en-US" sz="1600" b="1" dirty="0"/>
-              <a:t>The requested citation the overall tutorial is: David E. Bernholdt, Anshu Dubey, and Patricia A. Grubel, Better Scientific Software tutorial, in The International Conference for High-Performance Computing, Networking, Storage, and Analysis (SC22), Dallas, Texas, 2022. DOI: </a:t>
-            </a:r>
-            <a:r>
-              <a:rPr lang="en-US" sz="1600" b="1" dirty="0">
-                <a:hlinkClick r:id="rId4"/>
-              </a:rPr>
-              <a:t>10.6084/m9.figshare.21384057</a:t>
+              <a:t>The requested citation the overall tutorial is: </a:t>
+            </a:r>
+            <a:r>
+              <a:rPr lang="en-US" sz="1600" b="1" dirty="0" err="1"/>
+              <a:t>Anshu</a:t>
             </a:r>
             <a:r>
               <a:rPr lang="en-US" sz="1600" b="1" dirty="0"/>
-              <a:t>.</a:t>
+              <a:t> Dubey and David Rogers, Better Scientific Software tutorial, in ISC-HPC, Hamburg Germany, 2022. DOI:</a:t>
             </a:r>
           </a:p>
           <a:p>
@@ -5543,13 +5648,8 @@
             </a:pPr>
             <a:r>
               <a:rPr lang="en-US" sz="1400" dirty="0"/>
-              <a:t>This work was performed in part at Sandia National Laboratories. Sandia National Laboratories is a multi-mission laboratory managed and operated by National Technology and Engineering Solutions of Sandia, LLC., a wholly owned subsidiary of Honeywell International, Inc., for the U.S. Department of Energy’s National Nuclear Security Administration under contract </a:t>
-            </a:r>
-            <a:r>
-              <a:rPr lang="en-US" sz="1400"/>
-              <a:t>DE-NA0003525.</a:t>
-            </a:r>
-            <a:endParaRPr lang="en-US" sz="1400" dirty="0"/>
+              <a:t>This work was performed in part at Sandia National Laboratories. Sandia National Laboratories is a multi-mission laboratory managed and operated by National Technology and Engineering Solutions of Sandia, LLC., a wholly owned subsidiary of Honeywell International, Inc., for the U.S. Department of Energy’s National Nuclear Security Administration under contract DE-NA0003525.</a:t>
+            </a:r>
           </a:p>
         </p:txBody>
       </p:sp>
@@ -5568,7 +5668,7 @@
           <p:nvPr/>
         </p:nvPicPr>
         <p:blipFill>
-          <a:blip r:embed="rId5">
+          <a:blip r:embed="rId4">
             <a:extLst>
               <a:ext uri="{28A0092B-C50C-407E-A947-70E740481C1C}">
                 <a14:useLocalDpi xmlns:a14="http://schemas.microsoft.com/office/drawing/2010/main" val="0"/>
@@ -5662,8 +5762,12 @@
               </a:spcBef>
             </a:pPr>
             <a:r>
+              <a:rPr lang="en-US" dirty="0" err="1"/>
+              <a:t>Anshu</a:t>
+            </a:r>
+            <a:r>
               <a:rPr lang="en-US" dirty="0"/>
-              <a:t>David E. Bernholdt, ORNL</a:t>
+              <a:t> Dubey, ANL</a:t>
             </a:r>
           </a:p>
           <a:p>
@@ -5674,18 +5778,7 @@
             </a:pPr>
             <a:r>
               <a:rPr lang="en-US" dirty="0"/>
-              <a:t>Anshu Dubey, ANL</a:t>
-            </a:r>
-          </a:p>
-          <a:p>
-            <a:pPr>
-              <a:spcBef>
-                <a:spcPts val="1000"/>
-              </a:spcBef>
-            </a:pPr>
-            <a:r>
-              <a:rPr lang="en-US" dirty="0"/>
-              <a:t>Patricia A. Grubel, LANL</a:t>
+              <a:t>David E. Rogers, ORNL</a:t>
             </a:r>
           </a:p>
         </p:txBody>
@@ -5767,113 +5860,6 @@
           </a:p>
         </p:txBody>
       </p:sp>
-      <p:grpSp>
-        <p:nvGrpSpPr>
-          <p:cNvPr id="10" name="Group 9">
-            <a:extLst>
-              <a:ext uri="{FF2B5EF4-FFF2-40B4-BE49-F238E27FC236}">
-                <a16:creationId xmlns:a16="http://schemas.microsoft.com/office/drawing/2014/main" id="{AC6B9C7B-6AB5-41B4-960E-6F9161F5FA49}"/>
-              </a:ext>
-            </a:extLst>
-          </p:cNvPr>
-          <p:cNvGrpSpPr/>
-          <p:nvPr/>
-        </p:nvGrpSpPr>
-        <p:grpSpPr>
-          <a:xfrm>
-            <a:off x="5531650" y="1227416"/>
-            <a:ext cx="1038027" cy="1797939"/>
-            <a:chOff x="4187619" y="4211394"/>
-            <a:chExt cx="1038027" cy="1797939"/>
-          </a:xfrm>
-        </p:grpSpPr>
-        <p:pic>
-          <p:nvPicPr>
-            <p:cNvPr id="11" name="Picture 10" descr="A person wearing glasses&#10;&#10;Description automatically generated with low confidence">
-              <a:extLst>
-                <a:ext uri="{FF2B5EF4-FFF2-40B4-BE49-F238E27FC236}">
-                  <a16:creationId xmlns:a16="http://schemas.microsoft.com/office/drawing/2014/main" id="{BD058ED5-595A-440D-A788-DADDDA888D1A}"/>
-                </a:ext>
-              </a:extLst>
-            </p:cNvPr>
-            <p:cNvPicPr>
-              <a:picLocks noChangeAspect="1"/>
-            </p:cNvPicPr>
-            <p:nvPr/>
-          </p:nvPicPr>
-          <p:blipFill rotWithShape="1">
-            <a:blip r:embed="rId3" cstate="print">
-              <a:extLst>
-                <a:ext uri="{28A0092B-C50C-407E-A947-70E740481C1C}">
-                  <a14:useLocalDpi xmlns:a14="http://schemas.microsoft.com/office/drawing/2010/main" val="0"/>
-                </a:ext>
-              </a:extLst>
-            </a:blip>
-            <a:srcRect l="8053" t="854" r="5947" b="-854"/>
-            <a:stretch/>
-          </p:blipFill>
-          <p:spPr>
-            <a:xfrm>
-              <a:off x="4187619" y="4211394"/>
-              <a:ext cx="1038027" cy="1207008"/>
-            </a:xfrm>
-            <a:prstGeom prst="rect">
-              <a:avLst/>
-            </a:prstGeom>
-          </p:spPr>
-        </p:pic>
-        <p:sp>
-          <p:nvSpPr>
-            <p:cNvPr id="12" name="TextBox 11">
-              <a:extLst>
-                <a:ext uri="{FF2B5EF4-FFF2-40B4-BE49-F238E27FC236}">
-                  <a16:creationId xmlns:a16="http://schemas.microsoft.com/office/drawing/2014/main" id="{43C0EAEF-6989-453E-B577-CE058B930C5E}"/>
-                </a:ext>
-              </a:extLst>
-            </p:cNvPr>
-            <p:cNvSpPr txBox="1"/>
-            <p:nvPr/>
-          </p:nvSpPr>
-          <p:spPr>
-            <a:xfrm>
-              <a:off x="4268051" y="5418402"/>
-              <a:ext cx="877163" cy="590931"/>
-            </a:xfrm>
-            <a:prstGeom prst="rect">
-              <a:avLst/>
-            </a:prstGeom>
-            <a:noFill/>
-          </p:spPr>
-          <p:txBody>
-            <a:bodyPr wrap="none" rtlCol="0">
-              <a:spAutoFit/>
-            </a:bodyPr>
-            <a:lstStyle/>
-            <a:p>
-              <a:pPr algn="ctr">
-                <a:lnSpc>
-                  <a:spcPct val="90000"/>
-                </a:lnSpc>
-              </a:pPr>
-              <a:r>
-                <a:rPr lang="en-US" dirty="0"/>
-                <a:t>David</a:t>
-              </a:r>
-            </a:p>
-            <a:p>
-              <a:pPr algn="ctr">
-                <a:lnSpc>
-                  <a:spcPct val="90000"/>
-                </a:lnSpc>
-              </a:pPr>
-              <a:r>
-                <a:rPr lang="en-US" i="1" dirty="0"/>
-                <a:t>he/him</a:t>
-              </a:r>
-            </a:p>
-          </p:txBody>
-        </p:sp>
-      </p:grpSp>
       <p:grpSp>
         <p:nvGrpSpPr>
           <p:cNvPr id="17" name="Group 16">
@@ -5960,7 +5946,7 @@
             <p:nvPr/>
           </p:nvPicPr>
           <p:blipFill>
-            <a:blip r:embed="rId4" cstate="print">
+            <a:blip r:embed="rId3" cstate="print">
               <a:extLst>
                 <a:ext uri="{28A0092B-C50C-407E-A947-70E740481C1C}">
                   <a14:useLocalDpi xmlns:a14="http://schemas.microsoft.com/office/drawing/2010/main" val="0"/>
@@ -5981,113 +5967,6 @@
             </a:prstGeom>
           </p:spPr>
         </p:pic>
-      </p:grpSp>
-      <p:grpSp>
-        <p:nvGrpSpPr>
-          <p:cNvPr id="4" name="Group 3">
-            <a:extLst>
-              <a:ext uri="{FF2B5EF4-FFF2-40B4-BE49-F238E27FC236}">
-                <a16:creationId xmlns:a16="http://schemas.microsoft.com/office/drawing/2014/main" id="{5AFCCAE3-152E-5936-F9ED-D5FBEA10EEAE}"/>
-              </a:ext>
-            </a:extLst>
-          </p:cNvPr>
-          <p:cNvGrpSpPr/>
-          <p:nvPr/>
-        </p:nvGrpSpPr>
-        <p:grpSpPr>
-          <a:xfrm>
-            <a:off x="7961936" y="1227416"/>
-            <a:ext cx="1009507" cy="1851663"/>
-            <a:chOff x="8066531" y="1374891"/>
-            <a:chExt cx="1009507" cy="1851663"/>
-          </a:xfrm>
-        </p:grpSpPr>
-        <p:pic>
-          <p:nvPicPr>
-            <p:cNvPr id="5" name="Picture 4">
-              <a:extLst>
-                <a:ext uri="{FF2B5EF4-FFF2-40B4-BE49-F238E27FC236}">
-                  <a16:creationId xmlns:a16="http://schemas.microsoft.com/office/drawing/2014/main" id="{B4980B66-5B4A-B980-FCE6-C6466D0812C2}"/>
-                </a:ext>
-              </a:extLst>
-            </p:cNvPr>
-            <p:cNvPicPr>
-              <a:picLocks noChangeAspect="1"/>
-            </p:cNvPicPr>
-            <p:nvPr/>
-          </p:nvPicPr>
-          <p:blipFill rotWithShape="1">
-            <a:blip r:embed="rId5" cstate="print">
-              <a:extLst>
-                <a:ext uri="{28A0092B-C50C-407E-A947-70E740481C1C}">
-                  <a14:useLocalDpi xmlns:a14="http://schemas.microsoft.com/office/drawing/2010/main" val="0"/>
-                </a:ext>
-              </a:extLst>
-            </a:blip>
-            <a:srcRect l="4859" r="10127"/>
-            <a:stretch/>
-          </p:blipFill>
-          <p:spPr>
-            <a:xfrm>
-              <a:off x="8088482" y="1374891"/>
-              <a:ext cx="965606" cy="1207008"/>
-            </a:xfrm>
-            <a:prstGeom prst="rect">
-              <a:avLst/>
-            </a:prstGeom>
-          </p:spPr>
-        </p:pic>
-        <p:sp>
-          <p:nvSpPr>
-            <p:cNvPr id="6" name="TextBox 5">
-              <a:extLst>
-                <a:ext uri="{FF2B5EF4-FFF2-40B4-BE49-F238E27FC236}">
-                  <a16:creationId xmlns:a16="http://schemas.microsoft.com/office/drawing/2014/main" id="{0F2D70F7-2513-2A28-DA16-B2A49480D7D0}"/>
-                </a:ext>
-              </a:extLst>
-            </p:cNvPr>
-            <p:cNvSpPr txBox="1"/>
-            <p:nvPr/>
-          </p:nvSpPr>
-          <p:spPr>
-            <a:xfrm>
-              <a:off x="8066531" y="2543290"/>
-              <a:ext cx="1009507" cy="683264"/>
-            </a:xfrm>
-            <a:prstGeom prst="rect">
-              <a:avLst/>
-            </a:prstGeom>
-            <a:noFill/>
-          </p:spPr>
-          <p:txBody>
-            <a:bodyPr wrap="none" lIns="118872" tIns="91440" rIns="118872" bIns="91440" rtlCol="0" anchor="ctr" anchorCtr="0">
-              <a:spAutoFit/>
-            </a:bodyPr>
-            <a:lstStyle/>
-            <a:p>
-              <a:pPr algn="l">
-                <a:lnSpc>
-                  <a:spcPct val="90000"/>
-                </a:lnSpc>
-              </a:pPr>
-              <a:r>
-                <a:rPr lang="en-US" dirty="0"/>
-                <a:t>Patricia</a:t>
-              </a:r>
-            </a:p>
-            <a:p>
-              <a:pPr algn="l">
-                <a:lnSpc>
-                  <a:spcPct val="90000"/>
-                </a:lnSpc>
-              </a:pPr>
-              <a:r>
-                <a:rPr lang="en-US" i="1" dirty="0"/>
-                <a:t>she/her</a:t>
-              </a:r>
-            </a:p>
-          </p:txBody>
-        </p:sp>
       </p:grpSp>
     </p:spTree>
     <p:extLst>
@@ -12088,6 +11967,15 @@
 </file>
 
 <file path=customXml/item1.xml><?xml version="1.0" encoding="utf-8"?>
+<?mso-contentType ?>
+<FormTemplates xmlns="http://schemas.microsoft.com/sharepoint/v3/contenttype/forms">
+  <Display>DocumentLibraryForm</Display>
+  <Edit>DocumentLibraryForm</Edit>
+  <New>DocumentLibraryForm</New>
+</FormTemplates>
+</file>
+
+<file path=customXml/item2.xml><?xml version="1.0" encoding="utf-8"?>
 <ct:contentTypeSchema xmlns:ct="http://schemas.microsoft.com/office/2006/metadata/contentType" xmlns:ma="http://schemas.microsoft.com/office/2006/metadata/properties/metaAttributes" ct:_="" ma:_="" ma:contentTypeName="Document" ma:contentTypeID="0x010100565464437F680748A68B85EB6594EA7D" ma:contentTypeVersion="0" ma:contentTypeDescription="Create a new document." ma:contentTypeScope="" ma:versionID="fe3f4dd58d5914c51cfc6deaa8ad845c">
   <xsd:schema xmlns:xsd="http://www.w3.org/2001/XMLSchema" xmlns:p="http://schemas.microsoft.com/office/2006/metadata/properties" targetNamespace="http://schemas.microsoft.com/office/2006/metadata/properties" ma:root="true" ma:fieldsID="4aeb20c0e3442673af7ee10786458764">
     <xsd:element name="properties">
@@ -12136,15 +12024,6 @@
 </ct:contentTypeSchema>
 </file>
 
-<file path=customXml/item2.xml><?xml version="1.0" encoding="utf-8"?>
-<?mso-contentType ?>
-<FormTemplates xmlns="http://schemas.microsoft.com/sharepoint/v3/contenttype/forms">
-  <Display>DocumentLibraryForm</Display>
-  <Edit>DocumentLibraryForm</Edit>
-  <New>DocumentLibraryForm</New>
-</FormTemplates>
-</file>
-
 <file path=customXml/item3.xml><?xml version="1.0" encoding="utf-8"?>
 <p:properties xmlns:p="http://schemas.microsoft.com/office/2006/metadata/properties" xmlns:xsi="http://www.w3.org/2001/XMLSchema-instance" xmlns:pc="http://schemas.microsoft.com/office/infopath/2007/PartnerControls">
   <documentManagement/>
@@ -12152,6 +12031,14 @@
 </file>
 
 <file path=customXml/itemProps1.xml><?xml version="1.0" encoding="utf-8"?>
+<ds:datastoreItem xmlns:ds="http://schemas.openxmlformats.org/officeDocument/2006/customXml" ds:itemID="{19E20559-B232-4371-8690-E3D8007EDB82}">
+  <ds:schemaRefs>
+    <ds:schemaRef ds:uri="http://schemas.microsoft.com/sharepoint/v3/contenttype/forms"/>
+  </ds:schemaRefs>
+</ds:datastoreItem>
+</file>
+
+<file path=customXml/itemProps2.xml><?xml version="1.0" encoding="utf-8"?>
 <ds:datastoreItem xmlns:ds="http://schemas.openxmlformats.org/officeDocument/2006/customXml" ds:itemID="{E8DB7DEB-074E-4EE8-9B6E-FD277323109C}">
   <ds:schemaRefs>
     <ds:schemaRef ds:uri="http://schemas.microsoft.com/office/2006/metadata/contentType"/>
@@ -12162,14 +12049,6 @@
     <ds:schemaRef ds:uri="http://purl.org/dc/elements/1.1/"/>
     <ds:schemaRef ds:uri="http://purl.org/dc/terms/"/>
     <ds:schemaRef ds:uri="http://schemas.microsoft.com/office/internal/2005/internalDocumentation"/>
-  </ds:schemaRefs>
-</ds:datastoreItem>
-</file>
-
-<file path=customXml/itemProps2.xml><?xml version="1.0" encoding="utf-8"?>
-<ds:datastoreItem xmlns:ds="http://schemas.openxmlformats.org/officeDocument/2006/customXml" ds:itemID="{19E20559-B232-4371-8690-E3D8007EDB82}">
-  <ds:schemaRefs>
-    <ds:schemaRef ds:uri="http://schemas.microsoft.com/sharepoint/v3/contenttype/forms"/>
   </ds:schemaRefs>
 </ds:datastoreItem>
 </file>

--- a/intro-a.pptx
+++ b/intro-a.pptx
@@ -12,7 +12,7 @@
   </p:handoutMasterIdLst>
   <p:sldIdLst>
     <p:sldId id="617" r:id="rId5"/>
-    <p:sldId id="627" r:id="rId6"/>
+    <p:sldId id="320" r:id="rId6"/>
     <p:sldId id="308" r:id="rId7"/>
     <p:sldId id="327" r:id="rId8"/>
     <p:sldId id="324" r:id="rId9"/>
@@ -265,7 +265,7 @@
           <a:p>
             <a:fld id="{0B842F42-2CE9-4E35-95C1-410DC08A50B1}" type="datetimeFigureOut">
               <a:rPr lang="en-US" smtClean="0"/>
-              <a:t>4/18/23</a:t>
+              <a:t>5/9/2023</a:t>
             </a:fld>
             <a:endParaRPr lang="en-US"/>
           </a:p>
@@ -430,7 +430,7 @@
           <a:p>
             <a:fld id="{6F282904-F315-4730-8D91-37D99E141A6F}" type="datetimeFigureOut">
               <a:rPr lang="en-US" smtClean="0"/>
-              <a:t>4/18/23</a:t>
+              <a:t>5/9/2023</a:t>
             </a:fld>
             <a:endParaRPr lang="en-US"/>
           </a:p>
@@ -4124,20 +4124,8 @@
           <a:lstStyle/>
           <a:p>
             <a:r>
-              <a:rPr lang="en-US" dirty="0" err="1"/>
-              <a:t>Anshu</a:t>
-            </a:r>
-            <a:r>
               <a:rPr lang="en-US" dirty="0"/>
-              <a:t> </a:t>
-            </a:r>
-            <a:r>
-              <a:rPr lang="en-US"/>
-              <a:t>Dubey and David </a:t>
-            </a:r>
-            <a:r>
-              <a:rPr lang="en-US" dirty="0"/>
-              <a:t>Rogers</a:t>
+              <a:t>Anshu Dubey and David M. Rogers</a:t>
             </a:r>
           </a:p>
           <a:p>
@@ -4383,8 +4371,8 @@
         </p:nvSpPr>
         <p:spPr>
           <a:xfrm>
-            <a:off x="1523523" y="4456959"/>
-            <a:ext cx="9141778" cy="1098762"/>
+            <a:off x="1021080" y="3999912"/>
+            <a:ext cx="10146664" cy="2012859"/>
           </a:xfrm>
           <a:prstGeom prst="rect">
             <a:avLst/>
@@ -4411,13 +4399,20 @@
             </a:pPr>
             <a:r>
               <a:rPr lang="en-US" sz="2400" dirty="0"/>
-              <a:t>You may also be interested in a BOF on a similar topic at ISC23: </a:t>
+              <a:t>You may also be interested in other software-related events at ISC23!</a:t>
+            </a:r>
+            <a:br>
+              <a:rPr lang="en-US" sz="2400" dirty="0"/>
+            </a:br>
+            <a:r>
+              <a:rPr lang="en-US" sz="2400" dirty="0"/>
+              <a:t>Visit </a:t>
             </a:r>
             <a:r>
               <a:rPr lang="en-US" sz="2400" dirty="0">
                 <a:hlinkClick r:id="rId4"/>
               </a:rPr>
-              <a:t>https://bssw.io/events/</a:t>
+              <a:t>https://bssw.io/events/isc23-software-related-events </a:t>
             </a:r>
             <a:endParaRPr lang="en-US" sz="2400" dirty="0"/>
           </a:p>
@@ -4431,6 +4426,83 @@
               <a:rPr lang="en-US" dirty="0"/>
               <a:t>(link is also on tutorial webpage)</a:t>
             </a:r>
+          </a:p>
+          <a:p>
+            <a:pPr algn="ctr">
+              <a:lnSpc>
+                <a:spcPct val="90000"/>
+              </a:lnSpc>
+            </a:pPr>
+            <a:endParaRPr lang="en-US" dirty="0"/>
+          </a:p>
+          <a:p>
+            <a:pPr algn="ctr">
+              <a:lnSpc>
+                <a:spcPct val="90000"/>
+              </a:lnSpc>
+            </a:pPr>
+            <a:r>
+              <a:rPr lang="en-US" sz="2400" dirty="0">
+                <a:latin typeface="+mn-lt"/>
+              </a:rPr>
+              <a:t>Especially: </a:t>
+            </a:r>
+            <a:r>
+              <a:rPr lang="en-US" sz="2400" dirty="0" err="1">
+                <a:latin typeface="+mn-lt"/>
+              </a:rPr>
+              <a:t>BoF</a:t>
+            </a:r>
+            <a:r>
+              <a:rPr lang="en-US" sz="2400" dirty="0">
+                <a:latin typeface="+mn-lt"/>
+              </a:rPr>
+              <a:t> </a:t>
+            </a:r>
+            <a:r>
+              <a:rPr lang="en-US" sz="2400" b="0" i="0" u="none" strike="noStrike" dirty="0">
+                <a:solidFill>
+                  <a:srgbClr val="19197D"/>
+                </a:solidFill>
+                <a:effectLst/>
+                <a:latin typeface="+mn-lt"/>
+                <a:hlinkClick r:id="rId5"/>
+              </a:rPr>
+              <a:t>Scientific Software and the People Who Make It Happen: Building Communities of Practice</a:t>
+            </a:r>
+            <a:r>
+              <a:rPr lang="en-US" sz="2400" b="0" i="0" u="none" strike="noStrike" dirty="0">
+                <a:solidFill>
+                  <a:srgbClr val="19197D"/>
+                </a:solidFill>
+                <a:effectLst/>
+                <a:latin typeface="+mn-lt"/>
+              </a:rPr>
+              <a:t>, Tue 4:15-5:15pm, Hall E, 2</a:t>
+            </a:r>
+            <a:r>
+              <a:rPr lang="en-US" sz="2400" b="0" i="0" u="none" strike="noStrike" baseline="30000" dirty="0">
+                <a:solidFill>
+                  <a:srgbClr val="19197D"/>
+                </a:solidFill>
+                <a:effectLst/>
+                <a:latin typeface="+mn-lt"/>
+              </a:rPr>
+              <a:t>nd</a:t>
+            </a:r>
+            <a:r>
+              <a:rPr lang="en-US" sz="2400" b="0" i="0" u="none" strike="noStrike" dirty="0">
+                <a:solidFill>
+                  <a:srgbClr val="19197D"/>
+                </a:solidFill>
+                <a:effectLst/>
+                <a:latin typeface="+mn-lt"/>
+              </a:rPr>
+              <a:t> floor</a:t>
+            </a:r>
+            <a:endParaRPr lang="en-US" sz="2400" dirty="0">
+              <a:latin typeface="+mn-lt"/>
+            </a:endParaRPr>
           </a:p>
         </p:txBody>
       </p:sp>
@@ -4513,14 +4585,14 @@
             <p:ph idx="1"/>
             <p:extLst>
               <p:ext uri="{D42A27DB-BD31-4B8C-83A1-F6EECF244321}">
-                <p14:modId xmlns:p14="http://schemas.microsoft.com/office/powerpoint/2010/main" val="1353381737"/>
+                <p14:modId xmlns:p14="http://schemas.microsoft.com/office/powerpoint/2010/main" val="659371130"/>
               </p:ext>
             </p:extLst>
           </p:nvPr>
         </p:nvGraphicFramePr>
         <p:xfrm>
           <a:off x="365759" y="866432"/>
-          <a:ext cx="11372472" cy="5265420"/>
+          <a:ext cx="11372472" cy="5631180"/>
         </p:xfrm>
         <a:graphic>
           <a:graphicData uri="http://schemas.openxmlformats.org/drawingml/2006/table">
@@ -4562,7 +4634,7 @@
                         <a:rPr lang="en-US" sz="1600" dirty="0">
                           <a:effectLst/>
                         </a:rPr>
-                        <a:t>Time (CDT)</a:t>
+                        <a:t>Time (CEST)</a:t>
                       </a:r>
                     </a:p>
                   </a:txBody>
@@ -4612,7 +4684,7 @@
                     <a:p>
                       <a:pPr algn="r"/>
                       <a:r>
-                        <a:rPr lang="en-US" sz="1600" dirty="0">
+                        <a:rPr lang="en-US" dirty="0">
                           <a:effectLst/>
                         </a:rPr>
                         <a:t>2:00 PM</a:t>
@@ -4627,7 +4699,7 @@
                     <a:lstStyle/>
                     <a:p>
                       <a:r>
-                        <a:rPr lang="en-US" sz="1600" dirty="0">
+                        <a:rPr lang="en-US">
                           <a:effectLst/>
                         </a:rPr>
                         <a:t>Introduction</a:t>
@@ -4641,93 +4713,11 @@
                     <a:bodyPr/>
                     <a:lstStyle/>
                     <a:p>
-                      <a:pPr marL="0" marR="0" lvl="0" indent="0" algn="l" defTabSz="914400" rtl="0" eaLnBrk="1" fontAlgn="auto" latinLnBrk="0" hangingPunct="1">
-                        <a:lnSpc>
-                          <a:spcPct val="100000"/>
-                        </a:lnSpc>
-                        <a:spcBef>
-                          <a:spcPts val="0"/>
-                        </a:spcBef>
-                        <a:spcAft>
-                          <a:spcPts val="0"/>
-                        </a:spcAft>
-                        <a:buClrTx/>
-                        <a:buSzTx/>
-                        <a:buFontTx/>
-                        <a:buNone/>
-                        <a:tabLst/>
-                        <a:defRPr/>
-                      </a:pPr>
                       <a:r>
-                        <a:rPr lang="en-US" sz="1600" dirty="0" err="1">
+                        <a:rPr lang="en-US" dirty="0">
                           <a:effectLst/>
                         </a:rPr>
-                        <a:t>Anshu</a:t>
-                      </a:r>
-                      <a:r>
-                        <a:rPr lang="en-US" sz="1600" dirty="0">
-                          <a:effectLst/>
-                        </a:rPr>
-                        <a:t> Dubey (ANL)</a:t>
-                      </a:r>
-                    </a:p>
-                  </a:txBody>
-                  <a:tcPr marL="142875" marR="142875" marT="95250" marB="95250" anchor="ctr"/>
-                </a:tc>
-                <a:extLst>
-                  <a:ext uri="{0D108BD9-81ED-4DB2-BD59-A6C34878D82A}">
-                    <a16:rowId xmlns:a16="http://schemas.microsoft.com/office/drawing/2014/main" val="763903436"/>
-                  </a:ext>
-                </a:extLst>
-              </a:tr>
-              <a:tr h="393875">
-                <a:tc>
-                  <a:txBody>
-                    <a:bodyPr/>
-                    <a:lstStyle/>
-                    <a:p>
-                      <a:pPr algn="r"/>
-                      <a:r>
-                        <a:rPr lang="en-US" sz="1600" dirty="0">
-                          <a:effectLst/>
-                        </a:rPr>
-                        <a:t>2:05 PM</a:t>
-                      </a:r>
-                    </a:p>
-                  </a:txBody>
-                  <a:tcPr marL="142875" marR="142875" marT="95250" marB="95250" anchor="ctr"/>
-                </a:tc>
-                <a:tc>
-                  <a:txBody>
-                    <a:bodyPr/>
-                    <a:lstStyle/>
-                    <a:p>
-                      <a:r>
-                        <a:rPr lang="en-US" sz="1600">
-                          <a:effectLst/>
-                        </a:rPr>
-                        <a:t>Motivation and Overview of Best Practices in HPC Software Development</a:t>
-                      </a:r>
-                    </a:p>
-                  </a:txBody>
-                  <a:tcPr marL="142875" marR="142875" marT="95250" marB="95250" anchor="ctr"/>
-                </a:tc>
-                <a:tc>
-                  <a:txBody>
-                    <a:bodyPr/>
-                    <a:lstStyle/>
-                    <a:p>
-                      <a:r>
-                        <a:rPr lang="en-US" sz="1600" dirty="0" err="1">
-                          <a:effectLst/>
-                        </a:rPr>
-                        <a:t>Anshu</a:t>
-                      </a:r>
-                      <a:r>
-                        <a:rPr lang="en-US" sz="1600" dirty="0">
-                          <a:effectLst/>
-                        </a:rPr>
-                        <a:t> Dubey (ANL)</a:t>
+                        <a:t>Anshu Dubey (ANL)</a:t>
                       </a:r>
                     </a:p>
                   </a:txBody>
@@ -4747,10 +4737,10 @@
                     <a:p>
                       <a:pPr algn="r"/>
                       <a:r>
-                        <a:rPr lang="en-US" sz="1600" dirty="0">
+                        <a:rPr lang="en-US">
                           <a:effectLst/>
                         </a:rPr>
-                        <a:t>2:25 PM</a:t>
+                        <a:t>2:05 PM</a:t>
                       </a:r>
                     </a:p>
                   </a:txBody>
@@ -4762,10 +4752,10 @@
                     <a:lstStyle/>
                     <a:p>
                       <a:r>
-                        <a:rPr lang="en-US" sz="1600">
+                        <a:rPr lang="en-US">
                           <a:effectLst/>
                         </a:rPr>
-                        <a:t>Scientific Software Design</a:t>
+                        <a:t>Motivation and Overview of Best Practices in HPC Software Development</a:t>
                       </a:r>
                     </a:p>
                   </a:txBody>
@@ -4777,16 +4767,10 @@
                     <a:lstStyle/>
                     <a:p>
                       <a:r>
-                        <a:rPr lang="en-US" sz="1600" dirty="0" err="1">
+                        <a:rPr lang="en-US">
                           <a:effectLst/>
                         </a:rPr>
-                        <a:t>Anshu</a:t>
-                      </a:r>
-                      <a:r>
-                        <a:rPr lang="en-US" sz="1600" dirty="0">
-                          <a:effectLst/>
-                        </a:rPr>
-                        <a:t> Dubey (ANL)</a:t>
+                        <a:t>Anshu Dubey (ANL)</a:t>
                       </a:r>
                     </a:p>
                   </a:txBody>
@@ -4806,10 +4790,10 @@
                     <a:p>
                       <a:pPr algn="r"/>
                       <a:r>
-                        <a:rPr lang="en-US" sz="1600" dirty="0">
+                        <a:rPr lang="en-US">
                           <a:effectLst/>
                         </a:rPr>
-                        <a:t>3:00 PM</a:t>
+                        <a:t>2:25 PM</a:t>
                       </a:r>
                     </a:p>
                   </a:txBody>
@@ -4821,10 +4805,10 @@
                     <a:lstStyle/>
                     <a:p>
                       <a:r>
-                        <a:rPr lang="en-US" sz="1600" i="0" dirty="0">
+                        <a:rPr lang="en-US">
                           <a:effectLst/>
                         </a:rPr>
-                        <a:t>Software Testing and Verification</a:t>
+                        <a:t>Scientific Software Design</a:t>
                       </a:r>
                     </a:p>
                   </a:txBody>
@@ -4836,10 +4820,10 @@
                     <a:lstStyle/>
                     <a:p>
                       <a:r>
-                        <a:rPr lang="en-US" sz="1600" dirty="0">
+                        <a:rPr lang="en-US">
                           <a:effectLst/>
                         </a:rPr>
-                        <a:t>David Rogers (ORNL)</a:t>
+                        <a:t>Anshu Dubey (ANL)</a:t>
                       </a:r>
                     </a:p>
                   </a:txBody>
@@ -4859,10 +4843,10 @@
                     <a:p>
                       <a:pPr algn="r"/>
                       <a:r>
-                        <a:rPr lang="en-US" sz="1600" dirty="0">
+                        <a:rPr lang="en-US">
                           <a:effectLst/>
                         </a:rPr>
-                        <a:t>4:00 PM</a:t>
+                        <a:t>3:00 PM</a:t>
                       </a:r>
                     </a:p>
                   </a:txBody>
@@ -4873,28 +4857,11 @@
                     <a:bodyPr/>
                     <a:lstStyle/>
                     <a:p>
-                      <a:pPr marL="0" marR="0" lvl="0" indent="0" algn="l" defTabSz="914400" rtl="0" eaLnBrk="1" fontAlgn="auto" latinLnBrk="0" hangingPunct="1">
-                        <a:lnSpc>
-                          <a:spcPct val="100000"/>
-                        </a:lnSpc>
-                        <a:spcBef>
-                          <a:spcPts val="0"/>
-                        </a:spcBef>
-                        <a:spcAft>
-                          <a:spcPts val="0"/>
-                        </a:spcAft>
-                        <a:buClrTx/>
-                        <a:buSzTx/>
-                        <a:buFontTx/>
-                        <a:buNone/>
-                        <a:tabLst/>
-                        <a:defRPr/>
-                      </a:pPr>
                       <a:r>
-                        <a:rPr lang="en-US" sz="1600" i="1" dirty="0">
+                        <a:rPr lang="en-US">
                           <a:effectLst/>
                         </a:rPr>
-                        <a:t>Break</a:t>
+                        <a:t>Testing and Continuous Integration</a:t>
                       </a:r>
                     </a:p>
                   </a:txBody>
@@ -4905,9 +4872,12 @@
                     <a:bodyPr/>
                     <a:lstStyle/>
                     <a:p>
-                      <a:endParaRPr lang="en-US" sz="1600" dirty="0">
-                        <a:effectLst/>
-                      </a:endParaRPr>
+                      <a:r>
+                        <a:rPr lang="en-US">
+                          <a:effectLst/>
+                        </a:rPr>
+                        <a:t>David M. Rogers (ORNL)</a:t>
+                      </a:r>
                     </a:p>
                   </a:txBody>
                   <a:tcPr marL="142875" marR="142875" marT="95250" marB="95250" anchor="ctr"/>
@@ -4926,10 +4896,10 @@
                     <a:p>
                       <a:pPr algn="r"/>
                       <a:r>
-                        <a:rPr lang="en-US" sz="1600" dirty="0">
+                        <a:rPr lang="en-US">
                           <a:effectLst/>
                         </a:rPr>
-                        <a:t>4:30 PM</a:t>
+                        <a:t>4:00 PM</a:t>
                       </a:r>
                     </a:p>
                   </a:txBody>
@@ -4940,29 +4910,15 @@
                     <a:bodyPr/>
                     <a:lstStyle/>
                     <a:p>
-                      <a:pPr marL="0" marR="0" indent="0" algn="l" defTabSz="914400" rtl="0" eaLnBrk="1" fontAlgn="auto" latinLnBrk="0" hangingPunct="1">
-                        <a:lnSpc>
-                          <a:spcPct val="100000"/>
-                        </a:lnSpc>
-                        <a:spcBef>
-                          <a:spcPts val="0"/>
-                        </a:spcBef>
-                        <a:spcAft>
-                          <a:spcPts val="0"/>
-                        </a:spcAft>
-                        <a:buClrTx/>
-                        <a:buSzTx/>
-                        <a:buFontTx/>
-                        <a:buNone/>
-                        <a:tabLst/>
-                        <a:defRPr/>
-                      </a:pPr>
                       <a:r>
-                        <a:rPr lang="en-US" sz="1600" i="0" dirty="0">
+                        <a:rPr lang="en-US" i="1">
                           <a:effectLst/>
                         </a:rPr>
-                        <a:t>Software Packaging</a:t>
+                        <a:t>Break</a:t>
                       </a:r>
+                      <a:endParaRPr lang="en-US">
+                        <a:effectLst/>
+                      </a:endParaRPr>
                     </a:p>
                   </a:txBody>
                   <a:tcPr marL="142875" marR="142875" marT="95250" marB="95250" anchor="ctr"/>
@@ -4972,29 +4928,9 @@
                     <a:bodyPr/>
                     <a:lstStyle/>
                     <a:p>
-                      <a:pPr marL="0" marR="0" lvl="0" indent="0" algn="l" defTabSz="914400" rtl="0" eaLnBrk="1" fontAlgn="auto" latinLnBrk="0" hangingPunct="1">
-                        <a:lnSpc>
-                          <a:spcPct val="100000"/>
-                        </a:lnSpc>
-                        <a:spcBef>
-                          <a:spcPts val="0"/>
-                        </a:spcBef>
-                        <a:spcAft>
-                          <a:spcPts val="0"/>
-                        </a:spcAft>
-                        <a:buClrTx/>
-                        <a:buSzTx/>
-                        <a:buFontTx/>
-                        <a:buNone/>
-                        <a:tabLst/>
-                        <a:defRPr/>
-                      </a:pPr>
-                      <a:r>
-                        <a:rPr lang="en-US" sz="1600" dirty="0">
-                          <a:effectLst/>
-                        </a:rPr>
-                        <a:t>David Rogers (ORNL)</a:t>
-                      </a:r>
+                      <a:endParaRPr lang="en-US">
+                        <a:effectLst/>
+                      </a:endParaRPr>
                     </a:p>
                   </a:txBody>
                   <a:tcPr marL="142875" marR="142875" marT="95250" marB="95250" anchor="ctr"/>
@@ -5013,10 +4949,10 @@
                     <a:p>
                       <a:pPr algn="r"/>
                       <a:r>
-                        <a:rPr lang="en-US" sz="1600" dirty="0">
+                        <a:rPr lang="en-US">
                           <a:effectLst/>
                         </a:rPr>
-                        <a:t>5:00 PM</a:t>
+                        <a:t>4:30 PM</a:t>
                       </a:r>
                     </a:p>
                   </a:txBody>
@@ -5028,10 +4964,10 @@
                     <a:lstStyle/>
                     <a:p>
                       <a:r>
-                        <a:rPr lang="en-US" sz="1600" dirty="0">
+                        <a:rPr lang="en-US">
                           <a:effectLst/>
                         </a:rPr>
-                        <a:t>Collaborative Software Development</a:t>
+                        <a:t>Software Packaging - Condensed Version</a:t>
                       </a:r>
                     </a:p>
                   </a:txBody>
@@ -5042,28 +4978,11 @@
                     <a:bodyPr/>
                     <a:lstStyle/>
                     <a:p>
-                      <a:pPr marL="0" marR="0" lvl="0" indent="0" algn="l" defTabSz="914400" rtl="0" eaLnBrk="1" fontAlgn="auto" latinLnBrk="0" hangingPunct="1">
-                        <a:lnSpc>
-                          <a:spcPct val="100000"/>
-                        </a:lnSpc>
-                        <a:spcBef>
-                          <a:spcPts val="0"/>
-                        </a:spcBef>
-                        <a:spcAft>
-                          <a:spcPts val="0"/>
-                        </a:spcAft>
-                        <a:buClrTx/>
-                        <a:buSzTx/>
-                        <a:buFontTx/>
-                        <a:buNone/>
-                        <a:tabLst/>
-                        <a:defRPr/>
-                      </a:pPr>
                       <a:r>
-                        <a:rPr lang="en-US" sz="1600" dirty="0">
+                        <a:rPr lang="en-US">
                           <a:effectLst/>
                         </a:rPr>
-                        <a:t>David Rogers (ORNL)</a:t>
+                        <a:t>David M. Rogers (ORNL)</a:t>
                       </a:r>
                     </a:p>
                   </a:txBody>
@@ -5083,10 +5002,10 @@
                     <a:p>
                       <a:pPr algn="r"/>
                       <a:r>
-                        <a:rPr lang="en-US" sz="1600" dirty="0">
+                        <a:rPr lang="en-US">
                           <a:effectLst/>
                         </a:rPr>
-                        <a:t>5:30 PM</a:t>
+                        <a:t>5:00 PM</a:t>
                       </a:r>
                     </a:p>
                   </a:txBody>
@@ -5098,10 +5017,10 @@
                     <a:lstStyle/>
                     <a:p>
                       <a:r>
-                        <a:rPr lang="en-US" sz="1600" dirty="0">
+                        <a:rPr lang="en-US">
                           <a:effectLst/>
                         </a:rPr>
-                        <a:t>Lab Notebooks for Computational Mathematics, Sciences, &amp; Engineering</a:t>
+                        <a:t>Collaborative Software Development</a:t>
                       </a:r>
                     </a:p>
                   </a:txBody>
@@ -5112,40 +5031,12 @@
                     <a:bodyPr/>
                     <a:lstStyle/>
                     <a:p>
-                      <a:pPr marL="0" marR="0" lvl="0" indent="0" algn="l" defTabSz="914400" rtl="0" eaLnBrk="1" fontAlgn="auto" latinLnBrk="0" hangingPunct="1">
-                        <a:lnSpc>
-                          <a:spcPct val="100000"/>
-                        </a:lnSpc>
-                        <a:spcBef>
-                          <a:spcPts val="0"/>
-                        </a:spcBef>
-                        <a:spcAft>
-                          <a:spcPts val="0"/>
-                        </a:spcAft>
-                        <a:buClrTx/>
-                        <a:buSzTx/>
-                        <a:buFontTx/>
-                        <a:buNone/>
-                        <a:tabLst/>
-                        <a:defRPr/>
-                      </a:pPr>
                       <a:r>
-                        <a:rPr lang="en-US" sz="1600" dirty="0" err="1">
+                        <a:rPr lang="en-US">
                           <a:effectLst/>
                         </a:rPr>
-                        <a:t>Anshu</a:t>
+                        <a:t>David M. Rogers (ORNL)</a:t>
                       </a:r>
-                      <a:r>
-                        <a:rPr lang="en-US" sz="1600" dirty="0">
-                          <a:effectLst/>
-                        </a:rPr>
-                        <a:t> Dubey (ANL)</a:t>
-                      </a:r>
-                    </a:p>
-                    <a:p>
-                      <a:endParaRPr lang="en-US" sz="1600" dirty="0">
-                        <a:effectLst/>
-                      </a:endParaRPr>
                     </a:p>
                   </a:txBody>
                   <a:tcPr marL="142875" marR="142875" marT="95250" marB="95250" anchor="ctr"/>
@@ -5164,10 +5055,10 @@
                     <a:p>
                       <a:pPr algn="r"/>
                       <a:r>
-                        <a:rPr lang="en-US" sz="1600" dirty="0">
+                        <a:rPr lang="en-US">
                           <a:effectLst/>
                         </a:rPr>
-                        <a:t>5:50 PM</a:t>
+                        <a:t>5:30 PM</a:t>
                       </a:r>
                     </a:p>
                   </a:txBody>
@@ -5179,10 +5070,10 @@
                     <a:lstStyle/>
                     <a:p>
                       <a:r>
-                        <a:rPr lang="en-US" sz="1600" i="0" dirty="0">
+                        <a:rPr lang="en-US">
                           <a:effectLst/>
                         </a:rPr>
-                        <a:t>Summary</a:t>
+                        <a:t>Lab Notebooks for Computational Mathematics, Sciences, &amp; Engineering</a:t>
                       </a:r>
                     </a:p>
                   </a:txBody>
@@ -5193,34 +5084,11 @@
                     <a:bodyPr/>
                     <a:lstStyle/>
                     <a:p>
-                      <a:pPr marL="0" marR="0" lvl="0" indent="0" algn="l" defTabSz="914400" rtl="0" eaLnBrk="1" fontAlgn="auto" latinLnBrk="0" hangingPunct="1">
-                        <a:lnSpc>
-                          <a:spcPct val="100000"/>
-                        </a:lnSpc>
-                        <a:spcBef>
-                          <a:spcPts val="0"/>
-                        </a:spcBef>
-                        <a:spcAft>
-                          <a:spcPts val="0"/>
-                        </a:spcAft>
-                        <a:buClrTx/>
-                        <a:buSzTx/>
-                        <a:buFontTx/>
-                        <a:buNone/>
-                        <a:tabLst/>
-                        <a:defRPr/>
-                      </a:pPr>
                       <a:r>
-                        <a:rPr lang="en-US" sz="1600" dirty="0" err="1">
+                        <a:rPr lang="en-US">
                           <a:effectLst/>
                         </a:rPr>
-                        <a:t>Anshu</a:t>
-                      </a:r>
-                      <a:r>
-                        <a:rPr lang="en-US" sz="1600" dirty="0">
-                          <a:effectLst/>
-                        </a:rPr>
-                        <a:t> Dubey (ANL)</a:t>
+                        <a:t>Anshu Dubey (ANL)</a:t>
                       </a:r>
                     </a:p>
                   </a:txBody>
@@ -5240,7 +5108,60 @@
                     <a:p>
                       <a:pPr algn="r"/>
                       <a:r>
-                        <a:rPr lang="en-US" sz="1600" dirty="0">
+                        <a:rPr lang="en-US" dirty="0">
+                          <a:effectLst/>
+                        </a:rPr>
+                        <a:t>5:50 PM</a:t>
+                      </a:r>
+                    </a:p>
+                  </a:txBody>
+                  <a:tcPr marL="142875" marR="142875" marT="95250" marB="95250" anchor="ctr"/>
+                </a:tc>
+                <a:tc>
+                  <a:txBody>
+                    <a:bodyPr/>
+                    <a:lstStyle/>
+                    <a:p>
+                      <a:r>
+                        <a:rPr lang="en-US" dirty="0">
+                          <a:effectLst/>
+                        </a:rPr>
+                        <a:t>Summary</a:t>
+                      </a:r>
+                    </a:p>
+                  </a:txBody>
+                  <a:tcPr marL="142875" marR="142875" marT="95250" marB="95250" anchor="ctr"/>
+                </a:tc>
+                <a:tc>
+                  <a:txBody>
+                    <a:bodyPr/>
+                    <a:lstStyle/>
+                    <a:p>
+                      <a:r>
+                        <a:rPr lang="en-US" dirty="0">
+                          <a:effectLst/>
+                        </a:rPr>
+                        <a:t>Anshu Dubey (ANL)</a:t>
+                      </a:r>
+                    </a:p>
+                  </a:txBody>
+                  <a:tcPr marL="142875" marR="142875" marT="95250" marB="95250" anchor="ctr"/>
+                </a:tc>
+                <a:extLst>
+                  <a:ext uri="{0D108BD9-81ED-4DB2-BD59-A6C34878D82A}">
+                    <a16:rowId xmlns:a16="http://schemas.microsoft.com/office/drawing/2014/main" val="4002252475"/>
+                  </a:ext>
+                </a:extLst>
+              </a:tr>
+              <a:tr h="393875">
+                <a:tc>
+                  <a:txBody>
+                    <a:bodyPr/>
+                    <a:lstStyle/>
+                    <a:p>
+                      <a:pPr algn="r"/>
+                      <a:r>
+                        <a:rPr lang="en-US" dirty="0">
                           <a:effectLst/>
                         </a:rPr>
                         <a:t>6:00 PM</a:t>
@@ -5255,12 +5176,12 @@
                     <a:lstStyle/>
                     <a:p>
                       <a:r>
-                        <a:rPr lang="en-US" sz="1600" i="1" dirty="0">
+                        <a:rPr lang="en-US" i="1" dirty="0">
                           <a:effectLst/>
                         </a:rPr>
                         <a:t>Adjourn</a:t>
                       </a:r>
-                      <a:endParaRPr lang="en-US" sz="1600" dirty="0">
+                      <a:endParaRPr lang="en-US" dirty="0">
                         <a:effectLst/>
                       </a:endParaRPr>
                     </a:p>
@@ -5272,7 +5193,7 @@
                     <a:bodyPr/>
                     <a:lstStyle/>
                     <a:p>
-                      <a:endParaRPr lang="en-US" sz="1600" dirty="0">
+                      <a:endParaRPr lang="en-US" dirty="0">
                         <a:effectLst/>
                       </a:endParaRPr>
                     </a:p>
@@ -5281,7 +5202,7 @@
                 </a:tc>
                 <a:extLst>
                   <a:ext uri="{0D108BD9-81ED-4DB2-BD59-A6C34878D82A}">
-                    <a16:rowId xmlns:a16="http://schemas.microsoft.com/office/drawing/2014/main" val="4002252475"/>
+                    <a16:rowId xmlns:a16="http://schemas.microsoft.com/office/drawing/2014/main" val="2099819354"/>
                   </a:ext>
                 </a:extLst>
               </a:tr>
@@ -5541,13 +5462,54 @@
               <a:t>The requested citation the overall tutorial is: </a:t>
             </a:r>
             <a:r>
-              <a:rPr lang="en-US" sz="1600" b="1" dirty="0" err="1"/>
-              <a:t>Anshu</a:t>
-            </a:r>
-            <a:r>
-              <a:rPr lang="en-US" sz="1600" b="1" dirty="0"/>
-              <a:t> Dubey and David Rogers, Better Scientific Software tutorial, in ISC-HPC, Hamburg Germany, 2022. DOI:</a:t>
-            </a:r>
+              <a:rPr lang="en-US" sz="1600" b="0" i="0" dirty="0">
+                <a:solidFill>
+                  <a:srgbClr val="111111"/>
+                </a:solidFill>
+                <a:effectLst/>
+                <a:latin typeface="+mn-lt"/>
+              </a:rPr>
+              <a:t>Anshu Dubey and David M. Rogers, Better Scientific Software tutorial, in ISC High Performance, Hamburg, Germany and online, 2023. DOI: </a:t>
+            </a:r>
+            <a:r>
+              <a:rPr lang="en-US" sz="1600" b="0" i="0" u="sng" dirty="0">
+                <a:solidFill>
+                  <a:srgbClr val="111111"/>
+                </a:solidFill>
+                <a:effectLst/>
+                <a:latin typeface="+mn-lt"/>
+                <a:hlinkClick r:id="rId4"/>
+              </a:rPr>
+              <a:t>10.6084/m9.figshare</a:t>
+            </a:r>
+            <a:r>
+              <a:rPr lang="en-US" sz="1600" b="0" i="0" u="sng">
+                <a:solidFill>
+                  <a:srgbClr val="111111"/>
+                </a:solidFill>
+                <a:effectLst/>
+                <a:latin typeface="+mn-lt"/>
+                <a:hlinkClick r:id="rId4"/>
+              </a:rPr>
+              <a:t>.22790762</a:t>
+            </a:r>
+            <a:r>
+              <a:rPr lang="en-US" sz="1600" b="0" i="0">
+                <a:solidFill>
+                  <a:srgbClr val="111111"/>
+                </a:solidFill>
+                <a:effectLst/>
+                <a:latin typeface="+mn-lt"/>
+              </a:rPr>
+              <a:t>.</a:t>
+            </a:r>
+            <a:endParaRPr lang="en-US" sz="1600" b="0" i="0" dirty="0">
+              <a:solidFill>
+                <a:srgbClr val="111111"/>
+              </a:solidFill>
+              <a:effectLst/>
+              <a:latin typeface="+mn-lt"/>
+            </a:endParaRPr>
           </a:p>
           <a:p>
             <a:pPr>
@@ -5565,7 +5527,21 @@
             </a:r>
             <a:r>
               <a:rPr lang="en-US" sz="1600" dirty="0"/>
-              <a:t>, in Better Scientific Software tutorial, …</a:t>
+              <a:t>, in </a:t>
+            </a:r>
+            <a:r>
+              <a:rPr lang="en-US" sz="1600" b="0" i="1" dirty="0">
+                <a:solidFill>
+                  <a:srgbClr val="111111"/>
+                </a:solidFill>
+                <a:effectLst/>
+                <a:latin typeface="+mn-lt"/>
+              </a:rPr>
+              <a:t>Tutorial Title</a:t>
+            </a:r>
+            <a:r>
+              <a:rPr lang="en-US" sz="1600" dirty="0"/>
+              <a:t>, …</a:t>
             </a:r>
           </a:p>
           <a:p>
@@ -5668,7 +5644,7 @@
           <p:nvPr/>
         </p:nvPicPr>
         <p:blipFill>
-          <a:blip r:embed="rId4">
+          <a:blip r:embed="rId5">
             <a:extLst>
               <a:ext uri="{28A0092B-C50C-407E-A947-70E740481C1C}">
                 <a14:useLocalDpi xmlns:a14="http://schemas.microsoft.com/office/drawing/2010/main" val="0"/>
@@ -5703,7 +5679,7 @@
     </p:spTree>
     <p:extLst>
       <p:ext uri="{BB962C8B-B14F-4D97-AF65-F5344CB8AC3E}">
-        <p14:creationId xmlns:p14="http://schemas.microsoft.com/office/powerpoint/2010/main" val="978726433"/>
+        <p14:creationId xmlns:p14="http://schemas.microsoft.com/office/powerpoint/2010/main" val="3835284727"/>
       </p:ext>
     </p:extLst>
   </p:cSld>
@@ -5778,7 +5754,7 @@
             </a:pPr>
             <a:r>
               <a:rPr lang="en-US" dirty="0"/>
-              <a:t>David E. Rogers, ORNL</a:t>
+              <a:t>David M. Rogers, ORNL</a:t>
             </a:r>
           </a:p>
         </p:txBody>
@@ -5967,6 +5943,113 @@
             </a:prstGeom>
           </p:spPr>
         </p:pic>
+      </p:grpSp>
+      <p:grpSp>
+        <p:nvGrpSpPr>
+          <p:cNvPr id="4" name="Group 3">
+            <a:extLst>
+              <a:ext uri="{FF2B5EF4-FFF2-40B4-BE49-F238E27FC236}">
+                <a16:creationId xmlns:a16="http://schemas.microsoft.com/office/drawing/2014/main" id="{0A6A2276-099D-46A4-58F4-916B4A0CFC0E}"/>
+              </a:ext>
+            </a:extLst>
+          </p:cNvPr>
+          <p:cNvGrpSpPr/>
+          <p:nvPr/>
+        </p:nvGrpSpPr>
+        <p:grpSpPr>
+          <a:xfrm>
+            <a:off x="8008241" y="1227416"/>
+            <a:ext cx="933420" cy="1805497"/>
+            <a:chOff x="10562794" y="1346049"/>
+            <a:chExt cx="933420" cy="1805497"/>
+          </a:xfrm>
+        </p:grpSpPr>
+        <p:pic>
+          <p:nvPicPr>
+            <p:cNvPr id="5" name="Picture 4" descr="A person wearing glasses&#10;&#10;Description automatically generated with medium confidence">
+              <a:extLst>
+                <a:ext uri="{FF2B5EF4-FFF2-40B4-BE49-F238E27FC236}">
+                  <a16:creationId xmlns:a16="http://schemas.microsoft.com/office/drawing/2014/main" id="{F6A78330-056A-550D-FC6F-CF85A8266160}"/>
+                </a:ext>
+              </a:extLst>
+            </p:cNvPr>
+            <p:cNvPicPr>
+              <a:picLocks noChangeAspect="1"/>
+            </p:cNvPicPr>
+            <p:nvPr/>
+          </p:nvPicPr>
+          <p:blipFill rotWithShape="1">
+            <a:blip r:embed="rId4">
+              <a:extLst>
+                <a:ext uri="{28A0092B-C50C-407E-A947-70E740481C1C}">
+                  <a14:useLocalDpi xmlns:a14="http://schemas.microsoft.com/office/drawing/2010/main" val="0"/>
+                </a:ext>
+              </a:extLst>
+            </a:blip>
+            <a:srcRect l="12970" r="9695"/>
+            <a:stretch/>
+          </p:blipFill>
+          <p:spPr>
+            <a:xfrm>
+              <a:off x="10562794" y="1346049"/>
+              <a:ext cx="933420" cy="1207008"/>
+            </a:xfrm>
+            <a:prstGeom prst="rect">
+              <a:avLst/>
+            </a:prstGeom>
+          </p:spPr>
+        </p:pic>
+        <p:sp>
+          <p:nvSpPr>
+            <p:cNvPr id="6" name="TextBox 5">
+              <a:extLst>
+                <a:ext uri="{FF2B5EF4-FFF2-40B4-BE49-F238E27FC236}">
+                  <a16:creationId xmlns:a16="http://schemas.microsoft.com/office/drawing/2014/main" id="{94567A43-7157-D189-DA0E-2664EED4C664}"/>
+                </a:ext>
+              </a:extLst>
+            </p:cNvPr>
+            <p:cNvSpPr txBox="1"/>
+            <p:nvPr/>
+          </p:nvSpPr>
+          <p:spPr>
+            <a:xfrm>
+              <a:off x="10590922" y="2560615"/>
+              <a:ext cx="877163" cy="590931"/>
+            </a:xfrm>
+            <a:prstGeom prst="rect">
+              <a:avLst/>
+            </a:prstGeom>
+            <a:noFill/>
+          </p:spPr>
+          <p:txBody>
+            <a:bodyPr wrap="none" rtlCol="0">
+              <a:spAutoFit/>
+            </a:bodyPr>
+            <a:lstStyle/>
+            <a:p>
+              <a:pPr algn="ctr">
+                <a:lnSpc>
+                  <a:spcPct val="90000"/>
+                </a:lnSpc>
+              </a:pPr>
+              <a:r>
+                <a:rPr lang="en-US" dirty="0"/>
+                <a:t>David</a:t>
+              </a:r>
+            </a:p>
+            <a:p>
+              <a:pPr algn="ctr">
+                <a:lnSpc>
+                  <a:spcPct val="90000"/>
+                </a:lnSpc>
+              </a:pPr>
+              <a:r>
+                <a:rPr lang="en-US" i="1" dirty="0"/>
+                <a:t>he/him</a:t>
+              </a:r>
+            </a:p>
+          </p:txBody>
+        </p:sp>
       </p:grpSp>
     </p:spTree>
     <p:extLst>
@@ -10809,13 +10892,6 @@
             </a:r>
           </a:p>
           <a:p>
-            <a:pPr lvl="1"/>
-            <a:r>
-              <a:rPr lang="en-US" dirty="0"/>
-              <a:t>We will backfill tutorials before 2021 as time permits</a:t>
-            </a:r>
-          </a:p>
-          <a:p>
             <a:r>
               <a:rPr lang="en-US" dirty="0"/>
               <a:t>Each tutorial page is considered archival</a:t>
@@ -11967,6 +12043,12 @@
 </file>
 
 <file path=customXml/item1.xml><?xml version="1.0" encoding="utf-8"?>
+<p:properties xmlns:p="http://schemas.microsoft.com/office/2006/metadata/properties" xmlns:xsi="http://www.w3.org/2001/XMLSchema-instance" xmlns:pc="http://schemas.microsoft.com/office/infopath/2007/PartnerControls">
+  <documentManagement/>
+</p:properties>
+</file>
+
+<file path=customXml/item2.xml><?xml version="1.0" encoding="utf-8"?>
 <?mso-contentType ?>
 <FormTemplates xmlns="http://schemas.microsoft.com/sharepoint/v3/contenttype/forms">
   <Display>DocumentLibraryForm</Display>
@@ -11975,7 +12057,7 @@
 </FormTemplates>
 </file>
 
-<file path=customXml/item2.xml><?xml version="1.0" encoding="utf-8"?>
+<file path=customXml/item3.xml><?xml version="1.0" encoding="utf-8"?>
 <ct:contentTypeSchema xmlns:ct="http://schemas.microsoft.com/office/2006/metadata/contentType" xmlns:ma="http://schemas.microsoft.com/office/2006/metadata/properties/metaAttributes" ct:_="" ma:_="" ma:contentTypeName="Document" ma:contentTypeID="0x010100565464437F680748A68B85EB6594EA7D" ma:contentTypeVersion="0" ma:contentTypeDescription="Create a new document." ma:contentTypeScope="" ma:versionID="fe3f4dd58d5914c51cfc6deaa8ad845c">
   <xsd:schema xmlns:xsd="http://www.w3.org/2001/XMLSchema" xmlns:p="http://schemas.microsoft.com/office/2006/metadata/properties" targetNamespace="http://schemas.microsoft.com/office/2006/metadata/properties" ma:root="true" ma:fieldsID="4aeb20c0e3442673af7ee10786458764">
     <xsd:element name="properties">
@@ -12024,13 +12106,22 @@
 </ct:contentTypeSchema>
 </file>
 
-<file path=customXml/item3.xml><?xml version="1.0" encoding="utf-8"?>
-<p:properties xmlns:p="http://schemas.microsoft.com/office/2006/metadata/properties" xmlns:xsi="http://www.w3.org/2001/XMLSchema-instance" xmlns:pc="http://schemas.microsoft.com/office/infopath/2007/PartnerControls">
-  <documentManagement/>
-</p:properties>
+<file path=customXml/itemProps1.xml><?xml version="1.0" encoding="utf-8"?>
+<ds:datastoreItem xmlns:ds="http://schemas.openxmlformats.org/officeDocument/2006/customXml" ds:itemID="{A50EC660-24D0-43A0-AE5E-E274115E726B}">
+  <ds:schemaRefs>
+    <ds:schemaRef ds:uri="http://purl.org/dc/elements/1.1/"/>
+    <ds:schemaRef ds:uri="http://schemas.microsoft.com/office/2006/metadata/properties"/>
+    <ds:schemaRef ds:uri="http://purl.org/dc/terms/"/>
+    <ds:schemaRef ds:uri="http://schemas.openxmlformats.org/package/2006/metadata/core-properties"/>
+    <ds:schemaRef ds:uri="http://schemas.microsoft.com/office/2006/documentManagement/types"/>
+    <ds:schemaRef ds:uri="http://www.w3.org/XML/1998/namespace"/>
+    <ds:schemaRef ds:uri="http://purl.org/dc/dcmitype/"/>
+    <ds:schemaRef ds:uri="http://schemas.microsoft.com/office/infopath/2007/PartnerControls"/>
+  </ds:schemaRefs>
+</ds:datastoreItem>
 </file>
 
-<file path=customXml/itemProps1.xml><?xml version="1.0" encoding="utf-8"?>
+<file path=customXml/itemProps2.xml><?xml version="1.0" encoding="utf-8"?>
 <ds:datastoreItem xmlns:ds="http://schemas.openxmlformats.org/officeDocument/2006/customXml" ds:itemID="{19E20559-B232-4371-8690-E3D8007EDB82}">
   <ds:schemaRefs>
     <ds:schemaRef ds:uri="http://schemas.microsoft.com/sharepoint/v3/contenttype/forms"/>
@@ -12038,7 +12129,7 @@
 </ds:datastoreItem>
 </file>
 
-<file path=customXml/itemProps2.xml><?xml version="1.0" encoding="utf-8"?>
+<file path=customXml/itemProps3.xml><?xml version="1.0" encoding="utf-8"?>
 <ds:datastoreItem xmlns:ds="http://schemas.openxmlformats.org/officeDocument/2006/customXml" ds:itemID="{E8DB7DEB-074E-4EE8-9B6E-FD277323109C}">
   <ds:schemaRefs>
     <ds:schemaRef ds:uri="http://schemas.microsoft.com/office/2006/metadata/contentType"/>
@@ -12051,19 +12142,4 @@
     <ds:schemaRef ds:uri="http://schemas.microsoft.com/office/internal/2005/internalDocumentation"/>
   </ds:schemaRefs>
 </ds:datastoreItem>
-</file>
-
-<file path=customXml/itemProps3.xml><?xml version="1.0" encoding="utf-8"?>
-<ds:datastoreItem xmlns:ds="http://schemas.openxmlformats.org/officeDocument/2006/customXml" ds:itemID="{A50EC660-24D0-43A0-AE5E-E274115E726B}">
-  <ds:schemaRefs>
-    <ds:schemaRef ds:uri="http://purl.org/dc/elements/1.1/"/>
-    <ds:schemaRef ds:uri="http://schemas.microsoft.com/office/2006/metadata/properties"/>
-    <ds:schemaRef ds:uri="http://purl.org/dc/terms/"/>
-    <ds:schemaRef ds:uri="http://schemas.openxmlformats.org/package/2006/metadata/core-properties"/>
-    <ds:schemaRef ds:uri="http://schemas.microsoft.com/office/2006/documentManagement/types"/>
-    <ds:schemaRef ds:uri="http://www.w3.org/XML/1998/namespace"/>
-    <ds:schemaRef ds:uri="http://purl.org/dc/dcmitype/"/>
-    <ds:schemaRef ds:uri="http://schemas.microsoft.com/office/infopath/2007/PartnerControls"/>
-  </ds:schemaRefs>
-</ds:datastoreItem>
 </file>
--- a/intro-a.pptx
+++ b/intro-a.pptx
@@ -5,14 +5,14 @@
     <p:sldMasterId id="2147483935" r:id="rId4"/>
   </p:sldMasterIdLst>
   <p:notesMasterIdLst>
-    <p:notesMasterId r:id="rId16"/>
+    <p:notesMasterId r:id="rId17"/>
   </p:notesMasterIdLst>
   <p:handoutMasterIdLst>
-    <p:handoutMasterId r:id="rId17"/>
+    <p:handoutMasterId r:id="rId18"/>
   </p:handoutMasterIdLst>
   <p:sldIdLst>
     <p:sldId id="617" r:id="rId5"/>
-    <p:sldId id="320" r:id="rId6"/>
+    <p:sldId id="627" r:id="rId6"/>
     <p:sldId id="308" r:id="rId7"/>
     <p:sldId id="327" r:id="rId8"/>
     <p:sldId id="324" r:id="rId9"/>
@@ -22,6 +22,7 @@
     <p:sldId id="622" r:id="rId13"/>
     <p:sldId id="626" r:id="rId14"/>
     <p:sldId id="261" r:id="rId15"/>
+    <p:sldId id="628" r:id="rId16"/>
   </p:sldIdLst>
   <p:sldSz cx="12188825" cy="6858000"/>
   <p:notesSz cx="7010400" cy="9296400"/>
@@ -265,7 +266,7 @@
           <a:p>
             <a:fld id="{0B842F42-2CE9-4E35-95C1-410DC08A50B1}" type="datetimeFigureOut">
               <a:rPr lang="en-US" smtClean="0"/>
-              <a:t>5/9/2023</a:t>
+              <a:t>7/27/2023</a:t>
             </a:fld>
             <a:endParaRPr lang="en-US"/>
           </a:p>
@@ -430,7 +431,7 @@
           <a:p>
             <a:fld id="{6F282904-F315-4730-8D91-37D99E141A6F}" type="datetimeFigureOut">
               <a:rPr lang="en-US" smtClean="0"/>
-              <a:t>5/9/2023</a:t>
+              <a:t>7/27/2023</a:t>
             </a:fld>
             <a:endParaRPr lang="en-US"/>
           </a:p>
@@ -4116,7 +4117,7 @@
         <p:spPr>
           <a:xfrm>
             <a:off x="3177632" y="1959498"/>
-            <a:ext cx="6880768" cy="2855300"/>
+            <a:ext cx="7772308" cy="2855300"/>
           </a:xfrm>
         </p:spPr>
         <p:txBody>
@@ -4125,7 +4126,15 @@
           <a:p>
             <a:r>
               <a:rPr lang="en-US" dirty="0"/>
-              <a:t>Anshu Dubey and David M. Rogers</a:t>
+              <a:t>David E. </a:t>
+            </a:r>
+            <a:r>
+              <a:rPr lang="en-US" dirty="0" err="1"/>
+              <a:t>Berholdt</a:t>
+            </a:r>
+            <a:r>
+              <a:rPr lang="en-US" dirty="0"/>
+              <a:t>, Anshu Dubey, and Patricia A. Grubel</a:t>
             </a:r>
           </a:p>
           <a:p>
@@ -4134,7 +4143,7 @@
           <a:p>
             <a:r>
               <a:rPr lang="en-US" dirty="0"/>
-              <a:t>Better Scientific Software tutorial @ ISC23</a:t>
+              <a:t>Better Scientific Software tutorial @ NOAA Global Systems Laboratory</a:t>
             </a:r>
           </a:p>
         </p:txBody>
@@ -4306,20 +4315,17 @@
           <a:p>
             <a:pPr>
               <a:spcBef>
-                <a:spcPts val="1200"/>
+                <a:spcPts val="400"/>
               </a:spcBef>
             </a:pPr>
             <a:r>
-              <a:rPr lang="en-US" dirty="0"/>
-              <a:t>After the tutorial email us at </a:t>
-            </a:r>
-            <a:r>
               <a:rPr lang="en-US" dirty="0">
-                <a:hlinkClick r:id="rId2"/>
+                <a:solidFill>
+                  <a:schemeClr val="accent1"/>
+                </a:solidFill>
               </a:rPr>
-              <a:t>bssw-tutorial@lists.mcs.anl.gov</a:t>
-            </a:r>
-            <a:endParaRPr lang="en-US" dirty="0"/>
+              <a:t>We have reserved extra time for discussion following many of our presentations to provide opportunities for deeper discussions of your situations and experiences</a:t>
+            </a:r>
           </a:p>
           <a:p>
             <a:pPr lvl="1">
@@ -4328,6 +4334,54 @@
               </a:spcBef>
             </a:pPr>
             <a:r>
+              <a:rPr lang="en-US" dirty="0">
+                <a:solidFill>
+                  <a:schemeClr val="accent1"/>
+                </a:solidFill>
+              </a:rPr>
+              <a:t>We encourage you to ask questions directly related to our presentations during them</a:t>
+            </a:r>
+          </a:p>
+          <a:p>
+            <a:pPr lvl="1">
+              <a:spcBef>
+                <a:spcPts val="400"/>
+              </a:spcBef>
+            </a:pPr>
+            <a:r>
+              <a:rPr lang="en-US" dirty="0">
+                <a:solidFill>
+                  <a:schemeClr val="accent1"/>
+                </a:solidFill>
+              </a:rPr>
+              <a:t>And save the deeper discussions for after the presentation</a:t>
+            </a:r>
+          </a:p>
+          <a:p>
+            <a:pPr>
+              <a:spcBef>
+                <a:spcPts val="1200"/>
+              </a:spcBef>
+            </a:pPr>
+            <a:r>
+              <a:rPr lang="en-US" dirty="0"/>
+              <a:t>After the tutorial email us at </a:t>
+            </a:r>
+            <a:r>
+              <a:rPr lang="en-US" dirty="0">
+                <a:hlinkClick r:id="rId2"/>
+              </a:rPr>
+              <a:t>bssw-tutorial@lists.mcs.anl.gov</a:t>
+            </a:r>
+            <a:endParaRPr lang="en-US" dirty="0"/>
+          </a:p>
+          <a:p>
+            <a:pPr lvl="1">
+              <a:spcBef>
+                <a:spcPts val="400"/>
+              </a:spcBef>
+            </a:pPr>
+            <a:r>
               <a:rPr lang="en-US" dirty="0"/>
               <a:t>With questions or feedback</a:t>
             </a:r>
@@ -4354,155 +4408,6 @@
               <a:rPr lang="en-US" dirty="0"/>
               <a:t> page for all tutorial materials</a:t>
             </a:r>
-          </a:p>
-        </p:txBody>
-      </p:sp>
-      <p:sp>
-        <p:nvSpPr>
-          <p:cNvPr id="4" name="TextBox 3">
-            <a:extLst>
-              <a:ext uri="{FF2B5EF4-FFF2-40B4-BE49-F238E27FC236}">
-                <a16:creationId xmlns:a16="http://schemas.microsoft.com/office/drawing/2014/main" id="{A27B013D-2A37-394C-04C5-C2C1288435A5}"/>
-              </a:ext>
-            </a:extLst>
-          </p:cNvPr>
-          <p:cNvSpPr txBox="1"/>
-          <p:nvPr/>
-        </p:nvSpPr>
-        <p:spPr>
-          <a:xfrm>
-            <a:off x="1021080" y="3999912"/>
-            <a:ext cx="10146664" cy="2012859"/>
-          </a:xfrm>
-          <a:prstGeom prst="rect">
-            <a:avLst/>
-          </a:prstGeom>
-          <a:solidFill>
-            <a:srgbClr val="FFFF00"/>
-          </a:solidFill>
-          <a:ln w="28575">
-            <a:solidFill>
-              <a:schemeClr val="tx1"/>
-            </a:solidFill>
-          </a:ln>
-        </p:spPr>
-        <p:txBody>
-          <a:bodyPr wrap="square" lIns="118872" tIns="91440" rIns="118872" bIns="91440" rtlCol="0" anchor="ctr" anchorCtr="0">
-            <a:spAutoFit/>
-          </a:bodyPr>
-          <a:lstStyle/>
-          <a:p>
-            <a:pPr algn="ctr">
-              <a:lnSpc>
-                <a:spcPct val="90000"/>
-              </a:lnSpc>
-            </a:pPr>
-            <a:r>
-              <a:rPr lang="en-US" sz="2400" dirty="0"/>
-              <a:t>You may also be interested in other software-related events at ISC23!</a:t>
-            </a:r>
-            <a:br>
-              <a:rPr lang="en-US" sz="2400" dirty="0"/>
-            </a:br>
-            <a:r>
-              <a:rPr lang="en-US" sz="2400" dirty="0"/>
-              <a:t>Visit </a:t>
-            </a:r>
-            <a:r>
-              <a:rPr lang="en-US" sz="2400" dirty="0">
-                <a:hlinkClick r:id="rId4"/>
-              </a:rPr>
-              <a:t>https://bssw.io/events/isc23-software-related-events </a:t>
-            </a:r>
-            <a:endParaRPr lang="en-US" sz="2400" dirty="0"/>
-          </a:p>
-          <a:p>
-            <a:pPr algn="ctr">
-              <a:lnSpc>
-                <a:spcPct val="90000"/>
-              </a:lnSpc>
-            </a:pPr>
-            <a:r>
-              <a:rPr lang="en-US" dirty="0"/>
-              <a:t>(link is also on tutorial webpage)</a:t>
-            </a:r>
-          </a:p>
-          <a:p>
-            <a:pPr algn="ctr">
-              <a:lnSpc>
-                <a:spcPct val="90000"/>
-              </a:lnSpc>
-            </a:pPr>
-            <a:endParaRPr lang="en-US" dirty="0"/>
-          </a:p>
-          <a:p>
-            <a:pPr algn="ctr">
-              <a:lnSpc>
-                <a:spcPct val="90000"/>
-              </a:lnSpc>
-            </a:pPr>
-            <a:r>
-              <a:rPr lang="en-US" sz="2400" dirty="0">
-                <a:latin typeface="+mn-lt"/>
-              </a:rPr>
-              <a:t>Especially: </a:t>
-            </a:r>
-            <a:r>
-              <a:rPr lang="en-US" sz="2400" dirty="0" err="1">
-                <a:latin typeface="+mn-lt"/>
-              </a:rPr>
-              <a:t>BoF</a:t>
-            </a:r>
-            <a:r>
-              <a:rPr lang="en-US" sz="2400" dirty="0">
-                <a:latin typeface="+mn-lt"/>
-              </a:rPr>
-              <a:t> </a:t>
-            </a:r>
-            <a:r>
-              <a:rPr lang="en-US" sz="2400" b="0" i="0" u="none" strike="noStrike" dirty="0">
-                <a:solidFill>
-                  <a:srgbClr val="19197D"/>
-                </a:solidFill>
-                <a:effectLst/>
-                <a:latin typeface="+mn-lt"/>
-                <a:hlinkClick r:id="rId5"/>
-              </a:rPr>
-              <a:t>Scientific Software and the People Who Make It Happen: Building Communities of Practice</a:t>
-            </a:r>
-            <a:r>
-              <a:rPr lang="en-US" sz="2400" b="0" i="0" u="none" strike="noStrike" dirty="0">
-                <a:solidFill>
-                  <a:srgbClr val="19197D"/>
-                </a:solidFill>
-                <a:effectLst/>
-                <a:latin typeface="+mn-lt"/>
-              </a:rPr>
-              <a:t>, Tue 4:15-5:15pm, Hall E, 2</a:t>
-            </a:r>
-            <a:r>
-              <a:rPr lang="en-US" sz="2400" b="0" i="0" u="none" strike="noStrike" baseline="30000" dirty="0">
-                <a:solidFill>
-                  <a:srgbClr val="19197D"/>
-                </a:solidFill>
-                <a:effectLst/>
-                <a:latin typeface="+mn-lt"/>
-              </a:rPr>
-              <a:t>nd</a:t>
-            </a:r>
-            <a:r>
-              <a:rPr lang="en-US" sz="2400" b="0" i="0" u="none" strike="noStrike" dirty="0">
-                <a:solidFill>
-                  <a:srgbClr val="19197D"/>
-                </a:solidFill>
-                <a:effectLst/>
-                <a:latin typeface="+mn-lt"/>
-              </a:rPr>
-              <a:t> floor</a:t>
-            </a:r>
-            <a:endParaRPr lang="en-US" sz="2400" dirty="0">
-              <a:latin typeface="+mn-lt"/>
-            </a:endParaRPr>
           </a:p>
         </p:txBody>
       </p:sp>
@@ -4585,14 +4490,14 @@
             <p:ph idx="1"/>
             <p:extLst>
               <p:ext uri="{D42A27DB-BD31-4B8C-83A1-F6EECF244321}">
-                <p14:modId xmlns:p14="http://schemas.microsoft.com/office/powerpoint/2010/main" val="659371130"/>
+                <p14:modId xmlns:p14="http://schemas.microsoft.com/office/powerpoint/2010/main" val="2788491982"/>
               </p:ext>
             </p:extLst>
           </p:nvPr>
         </p:nvGraphicFramePr>
         <p:xfrm>
           <a:off x="365759" y="866432"/>
-          <a:ext cx="11372472" cy="5631180"/>
+          <a:ext cx="11372471" cy="5890260"/>
         </p:xfrm>
         <a:graphic>
           <a:graphicData uri="http://schemas.openxmlformats.org/drawingml/2006/table">
@@ -4601,21 +4506,28 @@
                 <a:tableStyleId>{5C22544A-7EE6-4342-B048-85BDC9FD1C3A}</a:tableStyleId>
               </a:tblPr>
               <a:tblGrid>
-                <a:gridCol w="1786394">
+                <a:gridCol w="708661">
+                  <a:extLst>
+                    <a:ext uri="{9D8B030D-6E8A-4147-A177-3AD203B41FA5}">
+                      <a16:colId xmlns:a16="http://schemas.microsoft.com/office/drawing/2014/main" val="2096151137"/>
+                    </a:ext>
+                  </a:extLst>
+                </a:gridCol>
+                <a:gridCol w="1417320">
                   <a:extLst>
                     <a:ext uri="{9D8B030D-6E8A-4147-A177-3AD203B41FA5}">
                       <a16:colId xmlns:a16="http://schemas.microsoft.com/office/drawing/2014/main" val="41390910"/>
                     </a:ext>
                   </a:extLst>
                 </a:gridCol>
-                <a:gridCol w="5170421">
+                <a:gridCol w="6309360">
                   <a:extLst>
                     <a:ext uri="{9D8B030D-6E8A-4147-A177-3AD203B41FA5}">
                       <a16:colId xmlns:a16="http://schemas.microsoft.com/office/drawing/2014/main" val="1261297711"/>
                     </a:ext>
                   </a:extLst>
                 </a:gridCol>
-                <a:gridCol w="4415657">
+                <a:gridCol w="2937130">
                   <a:extLst>
                     <a:ext uri="{9D8B030D-6E8A-4147-A177-3AD203B41FA5}">
                       <a16:colId xmlns:a16="http://schemas.microsoft.com/office/drawing/2014/main" val="3622604584"/>
@@ -4629,12 +4541,28 @@
                     <a:bodyPr/>
                     <a:lstStyle/>
                     <a:p>
+                      <a:pPr algn="l"/>
+                      <a:r>
+                        <a:rPr lang="en-US" sz="1600" dirty="0">
+                          <a:effectLst/>
+                        </a:rPr>
+                        <a:t>Day</a:t>
+                      </a:r>
+                    </a:p>
+                  </a:txBody>
+                  <a:tcPr marL="142875" marR="142875" marT="95250" marB="95250" anchor="ctr"/>
+                </a:tc>
+                <a:tc>
+                  <a:txBody>
+                    <a:bodyPr/>
+                    <a:lstStyle/>
+                    <a:p>
                       <a:pPr algn="r"/>
                       <a:r>
                         <a:rPr lang="en-US" sz="1600" dirty="0">
                           <a:effectLst/>
                         </a:rPr>
-                        <a:t>Time (CEST)</a:t>
+                        <a:t>Time (MDT)</a:t>
                       </a:r>
                     </a:p>
                   </a:txBody>
@@ -4682,12 +4610,27 @@
                     <a:bodyPr/>
                     <a:lstStyle/>
                     <a:p>
+                      <a:r>
+                        <a:rPr lang="en-US" sz="1600" dirty="0">
+                          <a:effectLst/>
+                        </a:rPr>
+                        <a:t>Tue</a:t>
+                      </a:r>
+                    </a:p>
+                  </a:txBody>
+                  <a:tcPr marL="142875" marR="142875" marT="95250" marB="95250" anchor="ctr"/>
+                </a:tc>
+                <a:tc>
+                  <a:txBody>
+                    <a:bodyPr/>
+                    <a:lstStyle/>
+                    <a:p>
                       <a:pPr algn="r"/>
                       <a:r>
-                        <a:rPr lang="en-US" dirty="0">
+                        <a:rPr lang="en-US" sz="1600">
                           <a:effectLst/>
                         </a:rPr>
-                        <a:t>2:00 PM</a:t>
+                        <a:t>9:00 AM</a:t>
                       </a:r>
                     </a:p>
                   </a:txBody>
@@ -4699,7 +4642,7 @@
                     <a:lstStyle/>
                     <a:p>
                       <a:r>
-                        <a:rPr lang="en-US">
+                        <a:rPr lang="en-US" sz="1600">
                           <a:effectLst/>
                         </a:rPr>
                         <a:t>Introduction</a:t>
@@ -4714,116 +4657,10 @@
                     <a:lstStyle/>
                     <a:p>
                       <a:r>
-                        <a:rPr lang="en-US" dirty="0">
+                        <a:rPr lang="en-US" sz="1600" dirty="0">
                           <a:effectLst/>
                         </a:rPr>
-                        <a:t>Anshu Dubey (ANL)</a:t>
-                      </a:r>
-                    </a:p>
-                  </a:txBody>
-                  <a:tcPr marL="142875" marR="142875" marT="95250" marB="95250" anchor="ctr"/>
-                </a:tc>
-                <a:extLst>
-                  <a:ext uri="{0D108BD9-81ED-4DB2-BD59-A6C34878D82A}">
-                    <a16:rowId xmlns:a16="http://schemas.microsoft.com/office/drawing/2014/main" val="1954771440"/>
-                  </a:ext>
-                </a:extLst>
-              </a:tr>
-              <a:tr h="393875">
-                <a:tc>
-                  <a:txBody>
-                    <a:bodyPr/>
-                    <a:lstStyle/>
-                    <a:p>
-                      <a:pPr algn="r"/>
-                      <a:r>
-                        <a:rPr lang="en-US">
-                          <a:effectLst/>
-                        </a:rPr>
-                        <a:t>2:05 PM</a:t>
-                      </a:r>
-                    </a:p>
-                  </a:txBody>
-                  <a:tcPr marL="142875" marR="142875" marT="95250" marB="95250" anchor="ctr"/>
-                </a:tc>
-                <a:tc>
-                  <a:txBody>
-                    <a:bodyPr/>
-                    <a:lstStyle/>
-                    <a:p>
-                      <a:r>
-                        <a:rPr lang="en-US">
-                          <a:effectLst/>
-                        </a:rPr>
-                        <a:t>Motivation and Overview of Best Practices in HPC Software Development</a:t>
-                      </a:r>
-                    </a:p>
-                  </a:txBody>
-                  <a:tcPr marL="142875" marR="142875" marT="95250" marB="95250" anchor="ctr"/>
-                </a:tc>
-                <a:tc>
-                  <a:txBody>
-                    <a:bodyPr/>
-                    <a:lstStyle/>
-                    <a:p>
-                      <a:r>
-                        <a:rPr lang="en-US">
-                          <a:effectLst/>
-                        </a:rPr>
-                        <a:t>Anshu Dubey (ANL)</a:t>
-                      </a:r>
-                    </a:p>
-                  </a:txBody>
-                  <a:tcPr marL="142875" marR="142875" marT="95250" marB="95250" anchor="ctr"/>
-                </a:tc>
-                <a:extLst>
-                  <a:ext uri="{0D108BD9-81ED-4DB2-BD59-A6C34878D82A}">
-                    <a16:rowId xmlns:a16="http://schemas.microsoft.com/office/drawing/2014/main" val="746396693"/>
-                  </a:ext>
-                </a:extLst>
-              </a:tr>
-              <a:tr h="393875">
-                <a:tc>
-                  <a:txBody>
-                    <a:bodyPr/>
-                    <a:lstStyle/>
-                    <a:p>
-                      <a:pPr algn="r"/>
-                      <a:r>
-                        <a:rPr lang="en-US">
-                          <a:effectLst/>
-                        </a:rPr>
-                        <a:t>2:25 PM</a:t>
-                      </a:r>
-                    </a:p>
-                  </a:txBody>
-                  <a:tcPr marL="142875" marR="142875" marT="95250" marB="95250" anchor="ctr"/>
-                </a:tc>
-                <a:tc>
-                  <a:txBody>
-                    <a:bodyPr/>
-                    <a:lstStyle/>
-                    <a:p>
-                      <a:r>
-                        <a:rPr lang="en-US">
-                          <a:effectLst/>
-                        </a:rPr>
-                        <a:t>Scientific Software Design</a:t>
-                      </a:r>
-                    </a:p>
-                  </a:txBody>
-                  <a:tcPr marL="142875" marR="142875" marT="95250" marB="95250" anchor="ctr"/>
-                </a:tc>
-                <a:tc>
-                  <a:txBody>
-                    <a:bodyPr/>
-                    <a:lstStyle/>
-                    <a:p>
-                      <a:r>
-                        <a:rPr lang="en-US">
-                          <a:effectLst/>
-                        </a:rPr>
-                        <a:t>Anshu Dubey (ANL)</a:t>
+                        <a:t>Patricia A. Grubel (LANL)</a:t>
                       </a:r>
                     </a:p>
                   </a:txBody>
@@ -4841,12 +4678,27 @@
                     <a:bodyPr/>
                     <a:lstStyle/>
                     <a:p>
+                      <a:r>
+                        <a:rPr lang="en-US" sz="1600" dirty="0">
+                          <a:effectLst/>
+                        </a:rPr>
+                        <a:t>Tue</a:t>
+                      </a:r>
+                    </a:p>
+                  </a:txBody>
+                  <a:tcPr marL="142875" marR="142875" marT="95250" marB="95250" anchor="ctr"/>
+                </a:tc>
+                <a:tc>
+                  <a:txBody>
+                    <a:bodyPr/>
+                    <a:lstStyle/>
+                    <a:p>
                       <a:pPr algn="r"/>
                       <a:r>
-                        <a:rPr lang="en-US">
+                        <a:rPr lang="en-US" sz="1600">
                           <a:effectLst/>
                         </a:rPr>
-                        <a:t>3:00 PM</a:t>
+                        <a:t>9:10 AM</a:t>
                       </a:r>
                     </a:p>
                   </a:txBody>
@@ -4858,10 +4710,10 @@
                     <a:lstStyle/>
                     <a:p>
                       <a:r>
-                        <a:rPr lang="en-US">
+                        <a:rPr lang="en-US" sz="1600">
                           <a:effectLst/>
                         </a:rPr>
-                        <a:t>Testing and Continuous Integration</a:t>
+                        <a:t>Motivation and Overview of Best Practices in HPC Software Development</a:t>
                       </a:r>
                     </a:p>
                   </a:txBody>
@@ -4873,10 +4725,10 @@
                     <a:lstStyle/>
                     <a:p>
                       <a:r>
-                        <a:rPr lang="en-US">
+                        <a:rPr lang="en-US" sz="1600">
                           <a:effectLst/>
                         </a:rPr>
-                        <a:t>David M. Rogers (ORNL)</a:t>
+                        <a:t>Patricia A. Grubel (LANL)</a:t>
                       </a:r>
                     </a:p>
                   </a:txBody>
@@ -4894,12 +4746,27 @@
                     <a:bodyPr/>
                     <a:lstStyle/>
                     <a:p>
+                      <a:r>
+                        <a:rPr lang="en-US" sz="1600" dirty="0">
+                          <a:effectLst/>
+                        </a:rPr>
+                        <a:t>Tue</a:t>
+                      </a:r>
+                    </a:p>
+                  </a:txBody>
+                  <a:tcPr marL="142875" marR="142875" marT="95250" marB="95250" anchor="ctr"/>
+                </a:tc>
+                <a:tc>
+                  <a:txBody>
+                    <a:bodyPr/>
+                    <a:lstStyle/>
+                    <a:p>
                       <a:pPr algn="r"/>
                       <a:r>
-                        <a:rPr lang="en-US">
+                        <a:rPr lang="en-US" sz="1600">
                           <a:effectLst/>
                         </a:rPr>
-                        <a:t>4:00 PM</a:t>
+                        <a:t>9:40 AM</a:t>
                       </a:r>
                     </a:p>
                   </a:txBody>
@@ -4911,14 +4778,11 @@
                     <a:lstStyle/>
                     <a:p>
                       <a:r>
-                        <a:rPr lang="en-US" i="1">
+                        <a:rPr lang="en-US" sz="1600">
                           <a:effectLst/>
                         </a:rPr>
-                        <a:t>Break</a:t>
+                        <a:t>Collaborative Software Development</a:t>
                       </a:r>
-                      <a:endParaRPr lang="en-US">
-                        <a:effectLst/>
-                      </a:endParaRPr>
                     </a:p>
                   </a:txBody>
                   <a:tcPr marL="142875" marR="142875" marT="95250" marB="95250" anchor="ctr"/>
@@ -4928,9 +4792,12 @@
                     <a:bodyPr/>
                     <a:lstStyle/>
                     <a:p>
-                      <a:endParaRPr lang="en-US">
-                        <a:effectLst/>
-                      </a:endParaRPr>
+                      <a:r>
+                        <a:rPr lang="en-US" sz="1600">
+                          <a:effectLst/>
+                        </a:rPr>
+                        <a:t>Patricia A. Grubel (LANL)</a:t>
+                      </a:r>
                     </a:p>
                   </a:txBody>
                   <a:tcPr marL="142875" marR="142875" marT="95250" marB="95250" anchor="ctr"/>
@@ -4947,12 +4814,27 @@
                     <a:bodyPr/>
                     <a:lstStyle/>
                     <a:p>
+                      <a:r>
+                        <a:rPr lang="en-US" sz="1600" dirty="0">
+                          <a:effectLst/>
+                        </a:rPr>
+                        <a:t>Tue</a:t>
+                      </a:r>
+                    </a:p>
+                  </a:txBody>
+                  <a:tcPr marL="142875" marR="142875" marT="95250" marB="95250" anchor="ctr"/>
+                </a:tc>
+                <a:tc>
+                  <a:txBody>
+                    <a:bodyPr/>
+                    <a:lstStyle/>
+                    <a:p>
                       <a:pPr algn="r"/>
                       <a:r>
-                        <a:rPr lang="en-US">
+                        <a:rPr lang="en-US" sz="1600">
                           <a:effectLst/>
                         </a:rPr>
-                        <a:t>4:30 PM</a:t>
+                        <a:t>10:40 AM</a:t>
                       </a:r>
                     </a:p>
                   </a:txBody>
@@ -4964,11 +4846,14 @@
                     <a:lstStyle/>
                     <a:p>
                       <a:r>
-                        <a:rPr lang="en-US">
+                        <a:rPr lang="en-US" sz="1600" i="1">
                           <a:effectLst/>
                         </a:rPr>
-                        <a:t>Software Packaging - Condensed Version</a:t>
+                        <a:t>Break</a:t>
                       </a:r>
+                      <a:endParaRPr lang="en-US" sz="1600">
+                        <a:effectLst/>
+                      </a:endParaRPr>
                     </a:p>
                   </a:txBody>
                   <a:tcPr marL="142875" marR="142875" marT="95250" marB="95250" anchor="ctr"/>
@@ -4978,12 +4863,9 @@
                     <a:bodyPr/>
                     <a:lstStyle/>
                     <a:p>
-                      <a:r>
-                        <a:rPr lang="en-US">
-                          <a:effectLst/>
-                        </a:rPr>
-                        <a:t>David M. Rogers (ORNL)</a:t>
-                      </a:r>
+                      <a:endParaRPr lang="en-US" sz="1600">
+                        <a:effectLst/>
+                      </a:endParaRPr>
                     </a:p>
                   </a:txBody>
                   <a:tcPr marL="142875" marR="142875" marT="95250" marB="95250" anchor="ctr"/>
@@ -5000,12 +4882,27 @@
                     <a:bodyPr/>
                     <a:lstStyle/>
                     <a:p>
+                      <a:r>
+                        <a:rPr lang="en-US" sz="1600" dirty="0">
+                          <a:effectLst/>
+                        </a:rPr>
+                        <a:t>Tue</a:t>
+                      </a:r>
+                    </a:p>
+                  </a:txBody>
+                  <a:tcPr marL="142875" marR="142875" marT="95250" marB="95250" anchor="ctr"/>
+                </a:tc>
+                <a:tc>
+                  <a:txBody>
+                    <a:bodyPr/>
+                    <a:lstStyle/>
+                    <a:p>
                       <a:pPr algn="r"/>
                       <a:r>
-                        <a:rPr lang="en-US">
+                        <a:rPr lang="en-US" sz="1600">
                           <a:effectLst/>
                         </a:rPr>
-                        <a:t>5:00 PM</a:t>
+                        <a:t>10:55 AM</a:t>
                       </a:r>
                     </a:p>
                   </a:txBody>
@@ -5017,10 +4914,10 @@
                     <a:lstStyle/>
                     <a:p>
                       <a:r>
-                        <a:rPr lang="en-US">
+                        <a:rPr lang="en-US" sz="1600" dirty="0">
                           <a:effectLst/>
                         </a:rPr>
-                        <a:t>Collaborative Software Development</a:t>
+                        <a:t>Collaborative Software Development (continued)</a:t>
                       </a:r>
                     </a:p>
                   </a:txBody>
@@ -5032,10 +4929,10 @@
                     <a:lstStyle/>
                     <a:p>
                       <a:r>
-                        <a:rPr lang="en-US">
+                        <a:rPr lang="en-US" sz="1600">
                           <a:effectLst/>
                         </a:rPr>
-                        <a:t>David M. Rogers (ORNL)</a:t>
+                        <a:t>Patricia A. Grubel (LANL)</a:t>
                       </a:r>
                     </a:p>
                   </a:txBody>
@@ -5053,12 +4950,27 @@
                     <a:bodyPr/>
                     <a:lstStyle/>
                     <a:p>
+                      <a:r>
+                        <a:rPr lang="en-US" sz="1600" dirty="0">
+                          <a:effectLst/>
+                        </a:rPr>
+                        <a:t>Tue</a:t>
+                      </a:r>
+                    </a:p>
+                  </a:txBody>
+                  <a:tcPr marL="142875" marR="142875" marT="95250" marB="95250" anchor="ctr"/>
+                </a:tc>
+                <a:tc>
+                  <a:txBody>
+                    <a:bodyPr/>
+                    <a:lstStyle/>
+                    <a:p>
                       <a:pPr algn="r"/>
                       <a:r>
-                        <a:rPr lang="en-US">
+                        <a:rPr lang="en-US" sz="1600">
                           <a:effectLst/>
                         </a:rPr>
-                        <a:t>5:30 PM</a:t>
+                        <a:t>11:25 AM</a:t>
                       </a:r>
                     </a:p>
                   </a:txBody>
@@ -5070,10 +4982,10 @@
                     <a:lstStyle/>
                     <a:p>
                       <a:r>
-                        <a:rPr lang="en-US">
+                        <a:rPr lang="en-US" sz="1600">
                           <a:effectLst/>
                         </a:rPr>
-                        <a:t>Lab Notebooks for Computational Mathematics, Sciences, &amp; Engineering</a:t>
+                        <a:t>Software Packaging</a:t>
                       </a:r>
                     </a:p>
                   </a:txBody>
@@ -5085,10 +4997,10 @@
                     <a:lstStyle/>
                     <a:p>
                       <a:r>
-                        <a:rPr lang="en-US">
+                        <a:rPr lang="en-US" sz="1600">
                           <a:effectLst/>
                         </a:rPr>
-                        <a:t>Anshu Dubey (ANL)</a:t>
+                        <a:t>David E. Bernholdt (ORNL)</a:t>
                       </a:r>
                     </a:p>
                   </a:txBody>
@@ -5106,12 +5018,27 @@
                     <a:bodyPr/>
                     <a:lstStyle/>
                     <a:p>
+                      <a:r>
+                        <a:rPr lang="en-US" sz="1600" dirty="0">
+                          <a:effectLst/>
+                        </a:rPr>
+                        <a:t>Tue</a:t>
+                      </a:r>
+                    </a:p>
+                  </a:txBody>
+                  <a:tcPr marL="142875" marR="142875" marT="95250" marB="95250" anchor="ctr"/>
+                </a:tc>
+                <a:tc>
+                  <a:txBody>
+                    <a:bodyPr/>
+                    <a:lstStyle/>
+                    <a:p>
                       <a:pPr algn="r"/>
                       <a:r>
-                        <a:rPr lang="en-US" dirty="0">
+                        <a:rPr lang="en-US" sz="1600">
                           <a:effectLst/>
                         </a:rPr>
-                        <a:t>5:50 PM</a:t>
+                        <a:t>11:55 AM</a:t>
                       </a:r>
                     </a:p>
                   </a:txBody>
@@ -5123,11 +5050,14 @@
                     <a:lstStyle/>
                     <a:p>
                       <a:r>
-                        <a:rPr lang="en-US" dirty="0">
+                        <a:rPr lang="en-US" sz="1600" i="1">
                           <a:effectLst/>
                         </a:rPr>
-                        <a:t>Summary</a:t>
+                        <a:t>Lunch</a:t>
                       </a:r>
+                      <a:endParaRPr lang="en-US" sz="1600">
+                        <a:effectLst/>
+                      </a:endParaRPr>
                     </a:p>
                   </a:txBody>
                   <a:tcPr marL="142875" marR="142875" marT="95250" marB="95250" anchor="ctr"/>
@@ -5137,12 +5067,9 @@
                     <a:bodyPr/>
                     <a:lstStyle/>
                     <a:p>
-                      <a:r>
-                        <a:rPr lang="en-US" dirty="0">
-                          <a:effectLst/>
-                        </a:rPr>
-                        <a:t>Anshu Dubey (ANL)</a:t>
-                      </a:r>
+                      <a:endParaRPr lang="en-US" sz="1600">
+                        <a:effectLst/>
+                      </a:endParaRPr>
                     </a:p>
                   </a:txBody>
                   <a:tcPr marL="142875" marR="142875" marT="95250" marB="95250" anchor="ctr"/>
@@ -5159,12 +5086,27 @@
                     <a:bodyPr/>
                     <a:lstStyle/>
                     <a:p>
+                      <a:r>
+                        <a:rPr lang="en-US" sz="1600" dirty="0">
+                          <a:effectLst/>
+                        </a:rPr>
+                        <a:t>Tue</a:t>
+                      </a:r>
+                    </a:p>
+                  </a:txBody>
+                  <a:tcPr marL="142875" marR="142875" marT="95250" marB="95250" anchor="ctr"/>
+                </a:tc>
+                <a:tc>
+                  <a:txBody>
+                    <a:bodyPr/>
+                    <a:lstStyle/>
+                    <a:p>
                       <a:pPr algn="r"/>
                       <a:r>
-                        <a:rPr lang="en-US" dirty="0">
+                        <a:rPr lang="en-US" sz="1600">
                           <a:effectLst/>
                         </a:rPr>
-                        <a:t>6:00 PM</a:t>
+                        <a:t>1:30 PM</a:t>
                       </a:r>
                     </a:p>
                   </a:txBody>
@@ -5176,12 +5118,148 @@
                     <a:lstStyle/>
                     <a:p>
                       <a:r>
-                        <a:rPr lang="en-US" i="1" dirty="0">
+                        <a:rPr lang="en-US" sz="1600">
                           <a:effectLst/>
                         </a:rPr>
-                        <a:t>Adjourn</a:t>
+                        <a:t>Scientific Software Design</a:t>
                       </a:r>
-                      <a:endParaRPr lang="en-US" dirty="0">
+                    </a:p>
+                  </a:txBody>
+                  <a:tcPr marL="142875" marR="142875" marT="95250" marB="95250" anchor="ctr"/>
+                </a:tc>
+                <a:tc>
+                  <a:txBody>
+                    <a:bodyPr/>
+                    <a:lstStyle/>
+                    <a:p>
+                      <a:r>
+                        <a:rPr lang="en-US" sz="1600" dirty="0">
+                          <a:effectLst/>
+                        </a:rPr>
+                        <a:t>Anshu Dubey (ANL)</a:t>
+                      </a:r>
+                    </a:p>
+                  </a:txBody>
+                  <a:tcPr marL="142875" marR="142875" marT="95250" marB="95250" anchor="ctr"/>
+                </a:tc>
+                <a:extLst>
+                  <a:ext uri="{0D108BD9-81ED-4DB2-BD59-A6C34878D82A}">
+                    <a16:rowId xmlns:a16="http://schemas.microsoft.com/office/drawing/2014/main" val="2099819354"/>
+                  </a:ext>
+                </a:extLst>
+              </a:tr>
+              <a:tr h="393875">
+                <a:tc>
+                  <a:txBody>
+                    <a:bodyPr/>
+                    <a:lstStyle/>
+                    <a:p>
+                      <a:r>
+                        <a:rPr lang="en-US" sz="1600" dirty="0">
+                          <a:effectLst/>
+                        </a:rPr>
+                        <a:t>Tue</a:t>
+                      </a:r>
+                    </a:p>
+                  </a:txBody>
+                  <a:tcPr marL="142875" marR="142875" marT="95250" marB="95250" anchor="ctr"/>
+                </a:tc>
+                <a:tc>
+                  <a:txBody>
+                    <a:bodyPr/>
+                    <a:lstStyle/>
+                    <a:p>
+                      <a:pPr algn="r"/>
+                      <a:r>
+                        <a:rPr lang="en-US" sz="1600">
+                          <a:effectLst/>
+                        </a:rPr>
+                        <a:t>3:00 PM</a:t>
+                      </a:r>
+                    </a:p>
+                  </a:txBody>
+                  <a:tcPr marL="142875" marR="142875" marT="95250" marB="95250" anchor="ctr"/>
+                </a:tc>
+                <a:tc>
+                  <a:txBody>
+                    <a:bodyPr/>
+                    <a:lstStyle/>
+                    <a:p>
+                      <a:r>
+                        <a:rPr lang="en-US" sz="1600">
+                          <a:effectLst/>
+                        </a:rPr>
+                        <a:t>Refactoring Scientific Software</a:t>
+                      </a:r>
+                    </a:p>
+                  </a:txBody>
+                  <a:tcPr marL="142875" marR="142875" marT="95250" marB="95250" anchor="ctr"/>
+                </a:tc>
+                <a:tc>
+                  <a:txBody>
+                    <a:bodyPr/>
+                    <a:lstStyle/>
+                    <a:p>
+                      <a:r>
+                        <a:rPr lang="en-US" sz="1600" dirty="0">
+                          <a:effectLst/>
+                        </a:rPr>
+                        <a:t>Anshu Dubey (ANL)</a:t>
+                      </a:r>
+                    </a:p>
+                  </a:txBody>
+                  <a:tcPr marL="142875" marR="142875" marT="95250" marB="95250" anchor="ctr"/>
+                </a:tc>
+                <a:extLst>
+                  <a:ext uri="{0D108BD9-81ED-4DB2-BD59-A6C34878D82A}">
+                    <a16:rowId xmlns:a16="http://schemas.microsoft.com/office/drawing/2014/main" val="798098257"/>
+                  </a:ext>
+                </a:extLst>
+              </a:tr>
+              <a:tr h="393875">
+                <a:tc>
+                  <a:txBody>
+                    <a:bodyPr/>
+                    <a:lstStyle/>
+                    <a:p>
+                      <a:r>
+                        <a:rPr lang="en-US" sz="1600" dirty="0">
+                          <a:effectLst/>
+                        </a:rPr>
+                        <a:t>Tue</a:t>
+                      </a:r>
+                    </a:p>
+                  </a:txBody>
+                  <a:tcPr marL="142875" marR="142875" marT="95250" marB="95250" anchor="ctr"/>
+                </a:tc>
+                <a:tc>
+                  <a:txBody>
+                    <a:bodyPr/>
+                    <a:lstStyle/>
+                    <a:p>
+                      <a:pPr algn="r"/>
+                      <a:r>
+                        <a:rPr lang="en-US" sz="1600">
+                          <a:effectLst/>
+                        </a:rPr>
+                        <a:t>3:30 PM</a:t>
+                      </a:r>
+                    </a:p>
+                  </a:txBody>
+                  <a:tcPr marL="142875" marR="142875" marT="95250" marB="95250" anchor="ctr"/>
+                </a:tc>
+                <a:tc>
+                  <a:txBody>
+                    <a:bodyPr/>
+                    <a:lstStyle/>
+                    <a:p>
+                      <a:r>
+                        <a:rPr lang="en-US" sz="1600" i="1">
+                          <a:effectLst/>
+                        </a:rPr>
+                        <a:t>Break</a:t>
+                      </a:r>
+                      <a:endParaRPr lang="en-US" sz="1600">
                         <a:effectLst/>
                       </a:endParaRPr>
                     </a:p>
@@ -5193,7 +5271,7 @@
                     <a:bodyPr/>
                     <a:lstStyle/>
                     <a:p>
-                      <a:endParaRPr lang="en-US" dirty="0">
+                      <a:endParaRPr lang="en-US" sz="1600">
                         <a:effectLst/>
                       </a:endParaRPr>
                     </a:p>
@@ -5202,7 +5280,141 @@
                 </a:tc>
                 <a:extLst>
                   <a:ext uri="{0D108BD9-81ED-4DB2-BD59-A6C34878D82A}">
-                    <a16:rowId xmlns:a16="http://schemas.microsoft.com/office/drawing/2014/main" val="2099819354"/>
+                    <a16:rowId xmlns:a16="http://schemas.microsoft.com/office/drawing/2014/main" val="2815321618"/>
+                  </a:ext>
+                </a:extLst>
+              </a:tr>
+              <a:tr h="393875">
+                <a:tc>
+                  <a:txBody>
+                    <a:bodyPr/>
+                    <a:lstStyle/>
+                    <a:p>
+                      <a:r>
+                        <a:rPr lang="en-US" sz="1600" dirty="0">
+                          <a:effectLst/>
+                        </a:rPr>
+                        <a:t>Tue</a:t>
+                      </a:r>
+                    </a:p>
+                  </a:txBody>
+                  <a:tcPr marL="142875" marR="142875" marT="95250" marB="95250" anchor="ctr"/>
+                </a:tc>
+                <a:tc>
+                  <a:txBody>
+                    <a:bodyPr/>
+                    <a:lstStyle/>
+                    <a:p>
+                      <a:pPr algn="r"/>
+                      <a:r>
+                        <a:rPr lang="en-US" sz="1600">
+                          <a:effectLst/>
+                        </a:rPr>
+                        <a:t>3:45 PM</a:t>
+                      </a:r>
+                    </a:p>
+                  </a:txBody>
+                  <a:tcPr marL="142875" marR="142875" marT="95250" marB="95250" anchor="ctr"/>
+                </a:tc>
+                <a:tc>
+                  <a:txBody>
+                    <a:bodyPr/>
+                    <a:lstStyle/>
+                    <a:p>
+                      <a:r>
+                        <a:rPr lang="en-US" sz="1600">
+                          <a:effectLst/>
+                        </a:rPr>
+                        <a:t>Improving Reproducibility Through Better Software Practices</a:t>
+                      </a:r>
+                    </a:p>
+                  </a:txBody>
+                  <a:tcPr marL="142875" marR="142875" marT="95250" marB="95250" anchor="ctr"/>
+                </a:tc>
+                <a:tc>
+                  <a:txBody>
+                    <a:bodyPr/>
+                    <a:lstStyle/>
+                    <a:p>
+                      <a:r>
+                        <a:rPr lang="en-US" sz="1600">
+                          <a:effectLst/>
+                        </a:rPr>
+                        <a:t>Patricia A. Grubel (LANL)</a:t>
+                      </a:r>
+                    </a:p>
+                  </a:txBody>
+                  <a:tcPr marL="142875" marR="142875" marT="95250" marB="95250" anchor="ctr"/>
+                </a:tc>
+                <a:extLst>
+                  <a:ext uri="{0D108BD9-81ED-4DB2-BD59-A6C34878D82A}">
+                    <a16:rowId xmlns:a16="http://schemas.microsoft.com/office/drawing/2014/main" val="2011427992"/>
+                  </a:ext>
+                </a:extLst>
+              </a:tr>
+              <a:tr h="393875">
+                <a:tc>
+                  <a:txBody>
+                    <a:bodyPr/>
+                    <a:lstStyle/>
+                    <a:p>
+                      <a:r>
+                        <a:rPr lang="en-US" sz="1600" dirty="0">
+                          <a:effectLst/>
+                        </a:rPr>
+                        <a:t>Tue</a:t>
+                      </a:r>
+                    </a:p>
+                  </a:txBody>
+                  <a:tcPr marL="142875" marR="142875" marT="95250" marB="95250" anchor="ctr"/>
+                </a:tc>
+                <a:tc>
+                  <a:txBody>
+                    <a:bodyPr/>
+                    <a:lstStyle/>
+                    <a:p>
+                      <a:pPr algn="r"/>
+                      <a:r>
+                        <a:rPr lang="en-US" sz="1600">
+                          <a:effectLst/>
+                        </a:rPr>
+                        <a:t>5:00 PM</a:t>
+                      </a:r>
+                    </a:p>
+                  </a:txBody>
+                  <a:tcPr marL="142875" marR="142875" marT="95250" marB="95250" anchor="ctr"/>
+                </a:tc>
+                <a:tc>
+                  <a:txBody>
+                    <a:bodyPr/>
+                    <a:lstStyle/>
+                    <a:p>
+                      <a:r>
+                        <a:rPr lang="en-US" sz="1600" i="1">
+                          <a:effectLst/>
+                        </a:rPr>
+                        <a:t>Adjourn</a:t>
+                      </a:r>
+                      <a:endParaRPr lang="en-US" sz="1600">
+                        <a:effectLst/>
+                      </a:endParaRPr>
+                    </a:p>
+                  </a:txBody>
+                  <a:tcPr marL="142875" marR="142875" marT="95250" marB="95250" anchor="ctr"/>
+                </a:tc>
+                <a:tc>
+                  <a:txBody>
+                    <a:bodyPr/>
+                    <a:lstStyle/>
+                    <a:p>
+                      <a:endParaRPr lang="en-US" sz="1600" dirty="0"/>
+                    </a:p>
+                  </a:txBody>
+                  <a:tcPr/>
+                </a:tc>
+                <a:extLst>
+                  <a:ext uri="{0D108BD9-81ED-4DB2-BD59-A6C34878D82A}">
+                    <a16:rowId xmlns:a16="http://schemas.microsoft.com/office/drawing/2014/main" val="3798107722"/>
                   </a:ext>
                 </a:extLst>
               </a:tr>
@@ -5331,6 +5543,1075 @@
     <p:extLst>
       <p:ext uri="{BB962C8B-B14F-4D97-AF65-F5344CB8AC3E}">
         <p14:creationId xmlns:p14="http://schemas.microsoft.com/office/powerpoint/2010/main" val="19783333"/>
+      </p:ext>
+    </p:extLst>
+  </p:cSld>
+  <p:clrMapOvr>
+    <a:masterClrMapping/>
+  </p:clrMapOvr>
+</p:sld>
+</file>
+
+<file path=ppt/slides/slide12.xml><?xml version="1.0" encoding="utf-8"?>
+<p:sld xmlns:a="http://schemas.openxmlformats.org/drawingml/2006/main" xmlns:r="http://schemas.openxmlformats.org/officeDocument/2006/relationships" xmlns:p="http://schemas.openxmlformats.org/presentationml/2006/main" showMasterSp="0">
+  <p:cSld>
+    <p:spTree>
+      <p:nvGrpSpPr>
+        <p:cNvPr id="1" name=""/>
+        <p:cNvGrpSpPr/>
+        <p:nvPr/>
+      </p:nvGrpSpPr>
+      <p:grpSpPr>
+        <a:xfrm>
+          <a:off x="0" y="0"/>
+          <a:ext cx="0" cy="0"/>
+          <a:chOff x="0" y="0"/>
+          <a:chExt cx="0" cy="0"/>
+        </a:xfrm>
+      </p:grpSpPr>
+      <p:sp>
+        <p:nvSpPr>
+          <p:cNvPr id="2" name="Title 1">
+            <a:extLst>
+              <a:ext uri="{FF2B5EF4-FFF2-40B4-BE49-F238E27FC236}">
+                <a16:creationId xmlns:a16="http://schemas.microsoft.com/office/drawing/2014/main" id="{1D6756EE-C2D9-4E52-B0B6-3C831FD6A565}"/>
+              </a:ext>
+            </a:extLst>
+          </p:cNvPr>
+          <p:cNvSpPr>
+            <a:spLocks noGrp="1"/>
+          </p:cNvSpPr>
+          <p:nvPr>
+            <p:ph type="title"/>
+          </p:nvPr>
+        </p:nvSpPr>
+        <p:spPr>
+          <a:xfrm>
+            <a:off x="408175" y="160020"/>
+            <a:ext cx="11372473" cy="914400"/>
+          </a:xfrm>
+        </p:spPr>
+        <p:txBody>
+          <a:bodyPr/>
+          <a:lstStyle/>
+          <a:p>
+            <a:r>
+              <a:rPr lang="en-US" dirty="0"/>
+              <a:t>Agenda (continued) </a:t>
+            </a:r>
+          </a:p>
+        </p:txBody>
+      </p:sp>
+      <p:graphicFrame>
+        <p:nvGraphicFramePr>
+          <p:cNvPr id="6" name="Table 6">
+            <a:extLst>
+              <a:ext uri="{FF2B5EF4-FFF2-40B4-BE49-F238E27FC236}">
+                <a16:creationId xmlns:a16="http://schemas.microsoft.com/office/drawing/2014/main" id="{99D13FB2-5BF8-4AC0-A13D-ECB8E230F5BC}"/>
+              </a:ext>
+            </a:extLst>
+          </p:cNvPr>
+          <p:cNvGraphicFramePr>
+            <a:graphicFrameLocks noGrp="1"/>
+          </p:cNvGraphicFramePr>
+          <p:nvPr>
+            <p:ph idx="1"/>
+            <p:extLst>
+              <p:ext uri="{D42A27DB-BD31-4B8C-83A1-F6EECF244321}">
+                <p14:modId xmlns:p14="http://schemas.microsoft.com/office/powerpoint/2010/main" val="600297982"/>
+              </p:ext>
+            </p:extLst>
+          </p:nvPr>
+        </p:nvGraphicFramePr>
+        <p:xfrm>
+          <a:off x="365759" y="858812"/>
+          <a:ext cx="11372471" cy="5455920"/>
+        </p:xfrm>
+        <a:graphic>
+          <a:graphicData uri="http://schemas.openxmlformats.org/drawingml/2006/table">
+            <a:tbl>
+              <a:tblPr firstRow="1" bandRow="1">
+                <a:tableStyleId>{5C22544A-7EE6-4342-B048-85BDC9FD1C3A}</a:tableStyleId>
+              </a:tblPr>
+              <a:tblGrid>
+                <a:gridCol w="708661">
+                  <a:extLst>
+                    <a:ext uri="{9D8B030D-6E8A-4147-A177-3AD203B41FA5}">
+                      <a16:colId xmlns:a16="http://schemas.microsoft.com/office/drawing/2014/main" val="2096151137"/>
+                    </a:ext>
+                  </a:extLst>
+                </a:gridCol>
+                <a:gridCol w="1417320">
+                  <a:extLst>
+                    <a:ext uri="{9D8B030D-6E8A-4147-A177-3AD203B41FA5}">
+                      <a16:colId xmlns:a16="http://schemas.microsoft.com/office/drawing/2014/main" val="41390910"/>
+                    </a:ext>
+                  </a:extLst>
+                </a:gridCol>
+                <a:gridCol w="6309360">
+                  <a:extLst>
+                    <a:ext uri="{9D8B030D-6E8A-4147-A177-3AD203B41FA5}">
+                      <a16:colId xmlns:a16="http://schemas.microsoft.com/office/drawing/2014/main" val="1261297711"/>
+                    </a:ext>
+                  </a:extLst>
+                </a:gridCol>
+                <a:gridCol w="2937130">
+                  <a:extLst>
+                    <a:ext uri="{9D8B030D-6E8A-4147-A177-3AD203B41FA5}">
+                      <a16:colId xmlns:a16="http://schemas.microsoft.com/office/drawing/2014/main" val="3622604584"/>
+                    </a:ext>
+                  </a:extLst>
+                </a:gridCol>
+              </a:tblGrid>
+              <a:tr h="393875">
+                <a:tc>
+                  <a:txBody>
+                    <a:bodyPr/>
+                    <a:lstStyle/>
+                    <a:p>
+                      <a:pPr algn="l"/>
+                      <a:r>
+                        <a:rPr lang="en-US" sz="1600" dirty="0">
+                          <a:effectLst/>
+                        </a:rPr>
+                        <a:t>Day</a:t>
+                      </a:r>
+                    </a:p>
+                  </a:txBody>
+                  <a:tcPr marL="142875" marR="142875" marT="95250" marB="95250" anchor="ctr"/>
+                </a:tc>
+                <a:tc>
+                  <a:txBody>
+                    <a:bodyPr/>
+                    <a:lstStyle/>
+                    <a:p>
+                      <a:pPr algn="r"/>
+                      <a:r>
+                        <a:rPr lang="en-US" sz="1600" dirty="0">
+                          <a:effectLst/>
+                        </a:rPr>
+                        <a:t>Time (MDT)</a:t>
+                      </a:r>
+                    </a:p>
+                  </a:txBody>
+                  <a:tcPr marL="142875" marR="142875" marT="95250" marB="95250" anchor="ctr"/>
+                </a:tc>
+                <a:tc>
+                  <a:txBody>
+                    <a:bodyPr/>
+                    <a:lstStyle/>
+                    <a:p>
+                      <a:r>
+                        <a:rPr lang="en-US" sz="1600" dirty="0">
+                          <a:effectLst/>
+                        </a:rPr>
+                        <a:t>Title</a:t>
+                      </a:r>
+                    </a:p>
+                  </a:txBody>
+                  <a:tcPr marL="142875" marR="142875" marT="95250" marB="95250" anchor="ctr"/>
+                </a:tc>
+                <a:tc>
+                  <a:txBody>
+                    <a:bodyPr/>
+                    <a:lstStyle/>
+                    <a:p>
+                      <a:r>
+                        <a:rPr lang="en-US" sz="1600" dirty="0">
+                          <a:effectLst/>
+                        </a:rPr>
+                        <a:t>Presenter</a:t>
+                      </a:r>
+                    </a:p>
+                  </a:txBody>
+                  <a:tcPr marL="142875" marR="142875" marT="95250" marB="95250" anchor="ctr"/>
+                </a:tc>
+                <a:extLst>
+                  <a:ext uri="{0D108BD9-81ED-4DB2-BD59-A6C34878D82A}">
+                    <a16:rowId xmlns:a16="http://schemas.microsoft.com/office/drawing/2014/main" val="2098024418"/>
+                  </a:ext>
+                </a:extLst>
+              </a:tr>
+              <a:tr h="393875">
+                <a:tc>
+                  <a:txBody>
+                    <a:bodyPr/>
+                    <a:lstStyle/>
+                    <a:p>
+                      <a:r>
+                        <a:rPr lang="en-US" sz="1600" dirty="0">
+                          <a:effectLst/>
+                        </a:rPr>
+                        <a:t>Wed</a:t>
+                      </a:r>
+                    </a:p>
+                  </a:txBody>
+                  <a:tcPr marL="142875" marR="142875" marT="95250" marB="95250" anchor="ctr"/>
+                </a:tc>
+                <a:tc>
+                  <a:txBody>
+                    <a:bodyPr/>
+                    <a:lstStyle/>
+                    <a:p>
+                      <a:pPr algn="r"/>
+                      <a:r>
+                        <a:rPr lang="en-US" sz="1600">
+                          <a:effectLst/>
+                        </a:rPr>
+                        <a:t>9:00 AM</a:t>
+                      </a:r>
+                    </a:p>
+                  </a:txBody>
+                  <a:tcPr marL="142875" marR="142875" marT="95250" marB="95250" anchor="ctr"/>
+                </a:tc>
+                <a:tc>
+                  <a:txBody>
+                    <a:bodyPr/>
+                    <a:lstStyle/>
+                    <a:p>
+                      <a:r>
+                        <a:rPr lang="en-US" sz="1600">
+                          <a:effectLst/>
+                        </a:rPr>
+                        <a:t>Lab Notebooks for Computational Mathematics, Sciences, &amp; Engineering</a:t>
+                      </a:r>
+                    </a:p>
+                  </a:txBody>
+                  <a:tcPr marL="142875" marR="142875" marT="95250" marB="95250" anchor="ctr"/>
+                </a:tc>
+                <a:tc>
+                  <a:txBody>
+                    <a:bodyPr/>
+                    <a:lstStyle/>
+                    <a:p>
+                      <a:r>
+                        <a:rPr lang="en-US" sz="1600" dirty="0">
+                          <a:effectLst/>
+                        </a:rPr>
+                        <a:t>David E. Bernholdt (ORNL)</a:t>
+                      </a:r>
+                    </a:p>
+                  </a:txBody>
+                  <a:tcPr marL="142875" marR="142875" marT="95250" marB="95250" anchor="ctr"/>
+                </a:tc>
+                <a:extLst>
+                  <a:ext uri="{0D108BD9-81ED-4DB2-BD59-A6C34878D82A}">
+                    <a16:rowId xmlns:a16="http://schemas.microsoft.com/office/drawing/2014/main" val="110245607"/>
+                  </a:ext>
+                </a:extLst>
+              </a:tr>
+              <a:tr h="393875">
+                <a:tc>
+                  <a:txBody>
+                    <a:bodyPr/>
+                    <a:lstStyle/>
+                    <a:p>
+                      <a:r>
+                        <a:rPr lang="en-US" sz="1600" dirty="0">
+                          <a:effectLst/>
+                        </a:rPr>
+                        <a:t>Wed</a:t>
+                      </a:r>
+                    </a:p>
+                  </a:txBody>
+                  <a:tcPr marL="142875" marR="142875" marT="95250" marB="95250" anchor="ctr"/>
+                </a:tc>
+                <a:tc>
+                  <a:txBody>
+                    <a:bodyPr/>
+                    <a:lstStyle/>
+                    <a:p>
+                      <a:pPr algn="r"/>
+                      <a:r>
+                        <a:rPr lang="en-US" sz="1600">
+                          <a:effectLst/>
+                        </a:rPr>
+                        <a:t>10:00 AM</a:t>
+                      </a:r>
+                    </a:p>
+                  </a:txBody>
+                  <a:tcPr marL="142875" marR="142875" marT="95250" marB="95250" anchor="ctr"/>
+                </a:tc>
+                <a:tc>
+                  <a:txBody>
+                    <a:bodyPr/>
+                    <a:lstStyle/>
+                    <a:p>
+                      <a:r>
+                        <a:rPr lang="en-US" sz="1600">
+                          <a:effectLst/>
+                        </a:rPr>
+                        <a:t>Managing Computational Experiments</a:t>
+                      </a:r>
+                    </a:p>
+                  </a:txBody>
+                  <a:tcPr marL="142875" marR="142875" marT="95250" marB="95250" anchor="ctr"/>
+                </a:tc>
+                <a:tc>
+                  <a:txBody>
+                    <a:bodyPr/>
+                    <a:lstStyle/>
+                    <a:p>
+                      <a:r>
+                        <a:rPr lang="en-US" sz="1600">
+                          <a:effectLst/>
+                        </a:rPr>
+                        <a:t>Anshu Dubey (ANL)</a:t>
+                      </a:r>
+                    </a:p>
+                  </a:txBody>
+                  <a:tcPr marL="142875" marR="142875" marT="95250" marB="95250" anchor="ctr"/>
+                </a:tc>
+                <a:extLst>
+                  <a:ext uri="{0D108BD9-81ED-4DB2-BD59-A6C34878D82A}">
+                    <a16:rowId xmlns:a16="http://schemas.microsoft.com/office/drawing/2014/main" val="1951011699"/>
+                  </a:ext>
+                </a:extLst>
+              </a:tr>
+              <a:tr h="393875">
+                <a:tc>
+                  <a:txBody>
+                    <a:bodyPr/>
+                    <a:lstStyle/>
+                    <a:p>
+                      <a:r>
+                        <a:rPr lang="en-US" sz="1600" dirty="0">
+                          <a:effectLst/>
+                        </a:rPr>
+                        <a:t>Wed</a:t>
+                      </a:r>
+                    </a:p>
+                  </a:txBody>
+                  <a:tcPr marL="142875" marR="142875" marT="95250" marB="95250" anchor="ctr"/>
+                </a:tc>
+                <a:tc>
+                  <a:txBody>
+                    <a:bodyPr/>
+                    <a:lstStyle/>
+                    <a:p>
+                      <a:pPr algn="r"/>
+                      <a:r>
+                        <a:rPr lang="en-US" sz="1600">
+                          <a:effectLst/>
+                        </a:rPr>
+                        <a:t>10:30 AM</a:t>
+                      </a:r>
+                    </a:p>
+                  </a:txBody>
+                  <a:tcPr marL="142875" marR="142875" marT="95250" marB="95250" anchor="ctr"/>
+                </a:tc>
+                <a:tc>
+                  <a:txBody>
+                    <a:bodyPr/>
+                    <a:lstStyle/>
+                    <a:p>
+                      <a:r>
+                        <a:rPr lang="en-US" sz="1600" i="1">
+                          <a:effectLst/>
+                        </a:rPr>
+                        <a:t>Break</a:t>
+                      </a:r>
+                      <a:endParaRPr lang="en-US" sz="1600">
+                        <a:effectLst/>
+                      </a:endParaRPr>
+                    </a:p>
+                  </a:txBody>
+                  <a:tcPr marL="142875" marR="142875" marT="95250" marB="95250" anchor="ctr"/>
+                </a:tc>
+                <a:tc>
+                  <a:txBody>
+                    <a:bodyPr/>
+                    <a:lstStyle/>
+                    <a:p>
+                      <a:endParaRPr lang="en-US" sz="1600">
+                        <a:effectLst/>
+                      </a:endParaRPr>
+                    </a:p>
+                  </a:txBody>
+                  <a:tcPr marL="142875" marR="142875" marT="95250" marB="95250" anchor="ctr"/>
+                </a:tc>
+                <a:extLst>
+                  <a:ext uri="{0D108BD9-81ED-4DB2-BD59-A6C34878D82A}">
+                    <a16:rowId xmlns:a16="http://schemas.microsoft.com/office/drawing/2014/main" val="333202538"/>
+                  </a:ext>
+                </a:extLst>
+              </a:tr>
+              <a:tr h="393875">
+                <a:tc>
+                  <a:txBody>
+                    <a:bodyPr/>
+                    <a:lstStyle/>
+                    <a:p>
+                      <a:r>
+                        <a:rPr lang="en-US" sz="1600" dirty="0">
+                          <a:effectLst/>
+                        </a:rPr>
+                        <a:t>Wed</a:t>
+                      </a:r>
+                    </a:p>
+                  </a:txBody>
+                  <a:tcPr marL="142875" marR="142875" marT="95250" marB="95250" anchor="ctr"/>
+                </a:tc>
+                <a:tc>
+                  <a:txBody>
+                    <a:bodyPr/>
+                    <a:lstStyle/>
+                    <a:p>
+                      <a:pPr algn="r"/>
+                      <a:r>
+                        <a:rPr lang="en-US" sz="1600">
+                          <a:effectLst/>
+                        </a:rPr>
+                        <a:t>10:45 AM</a:t>
+                      </a:r>
+                    </a:p>
+                  </a:txBody>
+                  <a:tcPr marL="142875" marR="142875" marT="95250" marB="95250" anchor="ctr"/>
+                </a:tc>
+                <a:tc>
+                  <a:txBody>
+                    <a:bodyPr/>
+                    <a:lstStyle/>
+                    <a:p>
+                      <a:r>
+                        <a:rPr lang="en-US" sz="1600">
+                          <a:effectLst/>
+                        </a:rPr>
+                        <a:t>Software Testing and Verification</a:t>
+                      </a:r>
+                    </a:p>
+                  </a:txBody>
+                  <a:tcPr marL="142875" marR="142875" marT="95250" marB="95250" anchor="ctr"/>
+                </a:tc>
+                <a:tc>
+                  <a:txBody>
+                    <a:bodyPr/>
+                    <a:lstStyle/>
+                    <a:p>
+                      <a:r>
+                        <a:rPr lang="en-US" sz="1600">
+                          <a:effectLst/>
+                        </a:rPr>
+                        <a:t>Anshu Dubey (ANL)</a:t>
+                      </a:r>
+                    </a:p>
+                  </a:txBody>
+                  <a:tcPr marL="142875" marR="142875" marT="95250" marB="95250" anchor="ctr"/>
+                </a:tc>
+                <a:extLst>
+                  <a:ext uri="{0D108BD9-81ED-4DB2-BD59-A6C34878D82A}">
+                    <a16:rowId xmlns:a16="http://schemas.microsoft.com/office/drawing/2014/main" val="902307701"/>
+                  </a:ext>
+                </a:extLst>
+              </a:tr>
+              <a:tr h="393875">
+                <a:tc>
+                  <a:txBody>
+                    <a:bodyPr/>
+                    <a:lstStyle/>
+                    <a:p>
+                      <a:r>
+                        <a:rPr lang="en-US" sz="1600" dirty="0">
+                          <a:effectLst/>
+                        </a:rPr>
+                        <a:t>Wed</a:t>
+                      </a:r>
+                    </a:p>
+                  </a:txBody>
+                  <a:tcPr marL="142875" marR="142875" marT="95250" marB="95250" anchor="ctr"/>
+                </a:tc>
+                <a:tc>
+                  <a:txBody>
+                    <a:bodyPr/>
+                    <a:lstStyle/>
+                    <a:p>
+                      <a:pPr algn="r"/>
+                      <a:r>
+                        <a:rPr lang="en-US" sz="1600">
+                          <a:effectLst/>
+                        </a:rPr>
+                        <a:t>12:15 PM</a:t>
+                      </a:r>
+                    </a:p>
+                  </a:txBody>
+                  <a:tcPr marL="142875" marR="142875" marT="95250" marB="95250" anchor="ctr"/>
+                </a:tc>
+                <a:tc>
+                  <a:txBody>
+                    <a:bodyPr/>
+                    <a:lstStyle/>
+                    <a:p>
+                      <a:r>
+                        <a:rPr lang="en-US" sz="1600" i="1">
+                          <a:effectLst/>
+                        </a:rPr>
+                        <a:t>Lunch</a:t>
+                      </a:r>
+                      <a:endParaRPr lang="en-US" sz="1600">
+                        <a:effectLst/>
+                      </a:endParaRPr>
+                    </a:p>
+                  </a:txBody>
+                  <a:tcPr marL="142875" marR="142875" marT="95250" marB="95250" anchor="ctr"/>
+                </a:tc>
+                <a:tc>
+                  <a:txBody>
+                    <a:bodyPr/>
+                    <a:lstStyle/>
+                    <a:p>
+                      <a:endParaRPr lang="en-US" sz="1600">
+                        <a:effectLst/>
+                      </a:endParaRPr>
+                    </a:p>
+                  </a:txBody>
+                  <a:tcPr marL="142875" marR="142875" marT="95250" marB="95250" anchor="ctr"/>
+                </a:tc>
+                <a:extLst>
+                  <a:ext uri="{0D108BD9-81ED-4DB2-BD59-A6C34878D82A}">
+                    <a16:rowId xmlns:a16="http://schemas.microsoft.com/office/drawing/2014/main" val="1166125975"/>
+                  </a:ext>
+                </a:extLst>
+              </a:tr>
+              <a:tr h="393875">
+                <a:tc>
+                  <a:txBody>
+                    <a:bodyPr/>
+                    <a:lstStyle/>
+                    <a:p>
+                      <a:r>
+                        <a:rPr lang="en-US" sz="1600" dirty="0">
+                          <a:effectLst/>
+                        </a:rPr>
+                        <a:t>Wed</a:t>
+                      </a:r>
+                    </a:p>
+                  </a:txBody>
+                  <a:tcPr marL="142875" marR="142875" marT="95250" marB="95250" anchor="ctr"/>
+                </a:tc>
+                <a:tc>
+                  <a:txBody>
+                    <a:bodyPr/>
+                    <a:lstStyle/>
+                    <a:p>
+                      <a:pPr algn="r"/>
+                      <a:r>
+                        <a:rPr lang="en-US" sz="1600">
+                          <a:effectLst/>
+                        </a:rPr>
+                        <a:t>1:45 PM</a:t>
+                      </a:r>
+                    </a:p>
+                  </a:txBody>
+                  <a:tcPr marL="142875" marR="142875" marT="95250" marB="95250" anchor="ctr"/>
+                </a:tc>
+                <a:tc>
+                  <a:txBody>
+                    <a:bodyPr/>
+                    <a:lstStyle/>
+                    <a:p>
+                      <a:r>
+                        <a:rPr lang="en-US" sz="1600">
+                          <a:effectLst/>
+                        </a:rPr>
+                        <a:t>Documenting your Software</a:t>
+                      </a:r>
+                    </a:p>
+                  </a:txBody>
+                  <a:tcPr marL="142875" marR="142875" marT="95250" marB="95250" anchor="ctr"/>
+                </a:tc>
+                <a:tc>
+                  <a:txBody>
+                    <a:bodyPr/>
+                    <a:lstStyle/>
+                    <a:p>
+                      <a:r>
+                        <a:rPr lang="en-US" sz="1600">
+                          <a:effectLst/>
+                        </a:rPr>
+                        <a:t>David E. Bernholdt (ORNL)</a:t>
+                      </a:r>
+                    </a:p>
+                  </a:txBody>
+                  <a:tcPr marL="142875" marR="142875" marT="95250" marB="95250" anchor="ctr"/>
+                </a:tc>
+                <a:extLst>
+                  <a:ext uri="{0D108BD9-81ED-4DB2-BD59-A6C34878D82A}">
+                    <a16:rowId xmlns:a16="http://schemas.microsoft.com/office/drawing/2014/main" val="4002252475"/>
+                  </a:ext>
+                </a:extLst>
+              </a:tr>
+              <a:tr h="393875">
+                <a:tc>
+                  <a:txBody>
+                    <a:bodyPr/>
+                    <a:lstStyle/>
+                    <a:p>
+                      <a:r>
+                        <a:rPr lang="en-US" sz="1600" dirty="0">
+                          <a:effectLst/>
+                        </a:rPr>
+                        <a:t>Wed</a:t>
+                      </a:r>
+                    </a:p>
+                  </a:txBody>
+                  <a:tcPr marL="142875" marR="142875" marT="95250" marB="95250" anchor="ctr"/>
+                </a:tc>
+                <a:tc>
+                  <a:txBody>
+                    <a:bodyPr/>
+                    <a:lstStyle/>
+                    <a:p>
+                      <a:pPr algn="r"/>
+                      <a:r>
+                        <a:rPr lang="en-US" sz="1600">
+                          <a:effectLst/>
+                        </a:rPr>
+                        <a:t>2:45 PM</a:t>
+                      </a:r>
+                    </a:p>
+                  </a:txBody>
+                  <a:tcPr marL="142875" marR="142875" marT="95250" marB="95250" anchor="ctr"/>
+                </a:tc>
+                <a:tc>
+                  <a:txBody>
+                    <a:bodyPr/>
+                    <a:lstStyle/>
+                    <a:p>
+                      <a:r>
+                        <a:rPr lang="en-US" sz="1600" i="1">
+                          <a:effectLst/>
+                        </a:rPr>
+                        <a:t>Break</a:t>
+                      </a:r>
+                      <a:endParaRPr lang="en-US" sz="1600">
+                        <a:effectLst/>
+                      </a:endParaRPr>
+                    </a:p>
+                  </a:txBody>
+                  <a:tcPr marL="142875" marR="142875" marT="95250" marB="95250" anchor="ctr"/>
+                </a:tc>
+                <a:tc>
+                  <a:txBody>
+                    <a:bodyPr/>
+                    <a:lstStyle/>
+                    <a:p>
+                      <a:endParaRPr lang="en-US" sz="1600">
+                        <a:effectLst/>
+                      </a:endParaRPr>
+                    </a:p>
+                  </a:txBody>
+                  <a:tcPr marL="142875" marR="142875" marT="95250" marB="95250" anchor="ctr"/>
+                </a:tc>
+                <a:extLst>
+                  <a:ext uri="{0D108BD9-81ED-4DB2-BD59-A6C34878D82A}">
+                    <a16:rowId xmlns:a16="http://schemas.microsoft.com/office/drawing/2014/main" val="2099819354"/>
+                  </a:ext>
+                </a:extLst>
+              </a:tr>
+              <a:tr h="393875">
+                <a:tc>
+                  <a:txBody>
+                    <a:bodyPr/>
+                    <a:lstStyle/>
+                    <a:p>
+                      <a:r>
+                        <a:rPr lang="en-US" sz="1600" dirty="0">
+                          <a:effectLst/>
+                        </a:rPr>
+                        <a:t>Wed</a:t>
+                      </a:r>
+                    </a:p>
+                  </a:txBody>
+                  <a:tcPr marL="142875" marR="142875" marT="95250" marB="95250" anchor="ctr"/>
+                </a:tc>
+                <a:tc>
+                  <a:txBody>
+                    <a:bodyPr/>
+                    <a:lstStyle/>
+                    <a:p>
+                      <a:pPr algn="r"/>
+                      <a:r>
+                        <a:rPr lang="en-US" sz="1600">
+                          <a:effectLst/>
+                        </a:rPr>
+                        <a:t>3:00 PM</a:t>
+                      </a:r>
+                    </a:p>
+                  </a:txBody>
+                  <a:tcPr marL="142875" marR="142875" marT="95250" marB="95250" anchor="ctr"/>
+                </a:tc>
+                <a:tc>
+                  <a:txBody>
+                    <a:bodyPr/>
+                    <a:lstStyle/>
+                    <a:p>
+                      <a:r>
+                        <a:rPr lang="en-US" sz="1600">
+                          <a:effectLst/>
+                        </a:rPr>
+                        <a:t>Software Licensing</a:t>
+                      </a:r>
+                    </a:p>
+                  </a:txBody>
+                  <a:tcPr marL="142875" marR="142875" marT="95250" marB="95250" anchor="ctr"/>
+                </a:tc>
+                <a:tc>
+                  <a:txBody>
+                    <a:bodyPr/>
+                    <a:lstStyle/>
+                    <a:p>
+                      <a:r>
+                        <a:rPr lang="en-US" sz="1600">
+                          <a:effectLst/>
+                        </a:rPr>
+                        <a:t>David E. Bernholdt (ORNL)</a:t>
+                      </a:r>
+                    </a:p>
+                  </a:txBody>
+                  <a:tcPr marL="142875" marR="142875" marT="95250" marB="95250" anchor="ctr"/>
+                </a:tc>
+                <a:extLst>
+                  <a:ext uri="{0D108BD9-81ED-4DB2-BD59-A6C34878D82A}">
+                    <a16:rowId xmlns:a16="http://schemas.microsoft.com/office/drawing/2014/main" val="798098257"/>
+                  </a:ext>
+                </a:extLst>
+              </a:tr>
+              <a:tr h="393875">
+                <a:tc>
+                  <a:txBody>
+                    <a:bodyPr/>
+                    <a:lstStyle/>
+                    <a:p>
+                      <a:r>
+                        <a:rPr lang="en-US" sz="1600" dirty="0">
+                          <a:effectLst/>
+                        </a:rPr>
+                        <a:t>Wed</a:t>
+                      </a:r>
+                    </a:p>
+                  </a:txBody>
+                  <a:tcPr marL="142875" marR="142875" marT="95250" marB="95250" anchor="ctr"/>
+                </a:tc>
+                <a:tc>
+                  <a:txBody>
+                    <a:bodyPr/>
+                    <a:lstStyle/>
+                    <a:p>
+                      <a:pPr algn="r"/>
+                      <a:r>
+                        <a:rPr lang="en-US" sz="1600">
+                          <a:effectLst/>
+                        </a:rPr>
+                        <a:t>4:00 PM</a:t>
+                      </a:r>
+                    </a:p>
+                  </a:txBody>
+                  <a:tcPr marL="142875" marR="142875" marT="95250" marB="95250" anchor="ctr"/>
+                </a:tc>
+                <a:tc>
+                  <a:txBody>
+                    <a:bodyPr/>
+                    <a:lstStyle/>
+                    <a:p>
+                      <a:r>
+                        <a:rPr lang="en-US" sz="1600">
+                          <a:effectLst/>
+                        </a:rPr>
+                        <a:t>Summary</a:t>
+                      </a:r>
+                    </a:p>
+                  </a:txBody>
+                  <a:tcPr marL="142875" marR="142875" marT="95250" marB="95250" anchor="ctr"/>
+                </a:tc>
+                <a:tc>
+                  <a:txBody>
+                    <a:bodyPr/>
+                    <a:lstStyle/>
+                    <a:p>
+                      <a:r>
+                        <a:rPr lang="en-US" sz="1600">
+                          <a:effectLst/>
+                        </a:rPr>
+                        <a:t>David E. Bernholdt (ORNL)</a:t>
+                      </a:r>
+                    </a:p>
+                  </a:txBody>
+                  <a:tcPr marL="142875" marR="142875" marT="95250" marB="95250" anchor="ctr"/>
+                </a:tc>
+                <a:extLst>
+                  <a:ext uri="{0D108BD9-81ED-4DB2-BD59-A6C34878D82A}">
+                    <a16:rowId xmlns:a16="http://schemas.microsoft.com/office/drawing/2014/main" val="2815321618"/>
+                  </a:ext>
+                </a:extLst>
+              </a:tr>
+              <a:tr h="393875">
+                <a:tc>
+                  <a:txBody>
+                    <a:bodyPr/>
+                    <a:lstStyle/>
+                    <a:p>
+                      <a:r>
+                        <a:rPr lang="en-US" sz="1600" dirty="0">
+                          <a:effectLst/>
+                        </a:rPr>
+                        <a:t>Wed</a:t>
+                      </a:r>
+                    </a:p>
+                  </a:txBody>
+                  <a:tcPr marL="142875" marR="142875" marT="95250" marB="95250" anchor="ctr"/>
+                </a:tc>
+                <a:tc>
+                  <a:txBody>
+                    <a:bodyPr/>
+                    <a:lstStyle/>
+                    <a:p>
+                      <a:pPr algn="r"/>
+                      <a:r>
+                        <a:rPr lang="en-US" sz="1600">
+                          <a:effectLst/>
+                        </a:rPr>
+                        <a:t>4:15 PM</a:t>
+                      </a:r>
+                    </a:p>
+                  </a:txBody>
+                  <a:tcPr marL="142875" marR="142875" marT="95250" marB="95250" anchor="ctr"/>
+                </a:tc>
+                <a:tc>
+                  <a:txBody>
+                    <a:bodyPr/>
+                    <a:lstStyle/>
+                    <a:p>
+                      <a:r>
+                        <a:rPr lang="en-US" sz="1600">
+                          <a:effectLst/>
+                        </a:rPr>
+                        <a:t>General Discussion </a:t>
+                      </a:r>
+                      <a:r>
+                        <a:rPr lang="en-US" sz="1600" i="1">
+                          <a:effectLst/>
+                        </a:rPr>
+                        <a:t>(optional)</a:t>
+                      </a:r>
+                      <a:endParaRPr lang="en-US" sz="1600">
+                        <a:effectLst/>
+                      </a:endParaRPr>
+                    </a:p>
+                  </a:txBody>
+                  <a:tcPr marL="142875" marR="142875" marT="95250" marB="95250" anchor="ctr"/>
+                </a:tc>
+                <a:tc>
+                  <a:txBody>
+                    <a:bodyPr/>
+                    <a:lstStyle/>
+                    <a:p>
+                      <a:r>
+                        <a:rPr lang="en-US" sz="1600">
+                          <a:effectLst/>
+                        </a:rPr>
+                        <a:t>All</a:t>
+                      </a:r>
+                    </a:p>
+                  </a:txBody>
+                  <a:tcPr marL="142875" marR="142875" marT="95250" marB="95250" anchor="ctr"/>
+                </a:tc>
+                <a:extLst>
+                  <a:ext uri="{0D108BD9-81ED-4DB2-BD59-A6C34878D82A}">
+                    <a16:rowId xmlns:a16="http://schemas.microsoft.com/office/drawing/2014/main" val="2011427992"/>
+                  </a:ext>
+                </a:extLst>
+              </a:tr>
+              <a:tr h="393875">
+                <a:tc>
+                  <a:txBody>
+                    <a:bodyPr/>
+                    <a:lstStyle/>
+                    <a:p>
+                      <a:r>
+                        <a:rPr lang="en-US" sz="1600" dirty="0">
+                          <a:effectLst/>
+                        </a:rPr>
+                        <a:t>Wed</a:t>
+                      </a:r>
+                    </a:p>
+                  </a:txBody>
+                  <a:tcPr marL="142875" marR="142875" marT="95250" marB="95250" anchor="ctr"/>
+                </a:tc>
+                <a:tc>
+                  <a:txBody>
+                    <a:bodyPr/>
+                    <a:lstStyle/>
+                    <a:p>
+                      <a:pPr algn="r"/>
+                      <a:r>
+                        <a:rPr lang="en-US" sz="1600">
+                          <a:effectLst/>
+                        </a:rPr>
+                        <a:t>5:00 PM</a:t>
+                      </a:r>
+                    </a:p>
+                  </a:txBody>
+                  <a:tcPr marL="142875" marR="142875" marT="95250" marB="95250" anchor="ctr"/>
+                </a:tc>
+                <a:tc>
+                  <a:txBody>
+                    <a:bodyPr/>
+                    <a:lstStyle/>
+                    <a:p>
+                      <a:r>
+                        <a:rPr lang="en-US" sz="1600" i="1">
+                          <a:effectLst/>
+                        </a:rPr>
+                        <a:t>Adjourn</a:t>
+                      </a:r>
+                      <a:endParaRPr lang="en-US" sz="1600">
+                        <a:effectLst/>
+                      </a:endParaRPr>
+                    </a:p>
+                  </a:txBody>
+                  <a:tcPr marL="142875" marR="142875" marT="95250" marB="95250" anchor="ctr"/>
+                </a:tc>
+                <a:tc>
+                  <a:txBody>
+                    <a:bodyPr/>
+                    <a:lstStyle/>
+                    <a:p>
+                      <a:endParaRPr lang="en-US" sz="1600" dirty="0"/>
+                    </a:p>
+                  </a:txBody>
+                  <a:tcPr/>
+                </a:tc>
+                <a:extLst>
+                  <a:ext uri="{0D108BD9-81ED-4DB2-BD59-A6C34878D82A}">
+                    <a16:rowId xmlns:a16="http://schemas.microsoft.com/office/drawing/2014/main" val="3798107722"/>
+                  </a:ext>
+                </a:extLst>
+              </a:tr>
+            </a:tbl>
+          </a:graphicData>
+        </a:graphic>
+      </p:graphicFrame>
+      <p:sp>
+        <p:nvSpPr>
+          <p:cNvPr id="9" name="TextBox 8">
+            <a:extLst>
+              <a:ext uri="{FF2B5EF4-FFF2-40B4-BE49-F238E27FC236}">
+                <a16:creationId xmlns:a16="http://schemas.microsoft.com/office/drawing/2014/main" id="{2C67F121-FA5A-4323-B777-FC3438185944}"/>
+              </a:ext>
+            </a:extLst>
+          </p:cNvPr>
+          <p:cNvSpPr txBox="1"/>
+          <p:nvPr/>
+        </p:nvSpPr>
+        <p:spPr>
+          <a:xfrm>
+            <a:off x="4537710" y="45720"/>
+            <a:ext cx="7651115" cy="646331"/>
+          </a:xfrm>
+          <a:prstGeom prst="rect">
+            <a:avLst/>
+          </a:prstGeom>
+          <a:noFill/>
+        </p:spPr>
+        <p:txBody>
+          <a:bodyPr wrap="square">
+            <a:spAutoFit/>
+          </a:bodyPr>
+          <a:lstStyle/>
+          <a:p>
+            <a:pPr marL="0" marR="0" lvl="0" indent="0" algn="l" defTabSz="914400" rtl="0" eaLnBrk="1" fontAlgn="base" latinLnBrk="0" hangingPunct="1">
+              <a:lnSpc>
+                <a:spcPct val="100000"/>
+              </a:lnSpc>
+              <a:spcBef>
+                <a:spcPct val="0"/>
+              </a:spcBef>
+              <a:spcAft>
+                <a:spcPct val="0"/>
+              </a:spcAft>
+              <a:buClrTx/>
+              <a:buSzTx/>
+              <a:buFontTx/>
+              <a:buNone/>
+              <a:tabLst/>
+              <a:defRPr/>
+            </a:pPr>
+            <a:r>
+              <a:rPr kumimoji="0" lang="en-US" sz="1800" b="0" i="0" u="none" strike="noStrike" kern="1200" cap="none" spc="0" normalizeH="0" baseline="0" noProof="0" dirty="0">
+                <a:ln>
+                  <a:noFill/>
+                </a:ln>
+                <a:solidFill>
+                  <a:prstClr val="black"/>
+                </a:solidFill>
+                <a:effectLst/>
+                <a:uLnTx/>
+                <a:uFillTx/>
+                <a:latin typeface="Arial" charset="0"/>
+                <a:ea typeface="+mn-ea"/>
+                <a:cs typeface="Arial" charset="0"/>
+              </a:rPr>
+              <a:t>The agenda is also available on the tutorial web page.  Visit </a:t>
+            </a:r>
+            <a:r>
+              <a:rPr kumimoji="0" lang="en-US" sz="1800" b="1" i="0" u="none" strike="noStrike" kern="1200" cap="none" spc="0" normalizeH="0" baseline="0" noProof="0" dirty="0">
+                <a:ln>
+                  <a:noFill/>
+                </a:ln>
+                <a:solidFill>
+                  <a:prstClr val="black"/>
+                </a:solidFill>
+                <a:effectLst/>
+                <a:uLnTx/>
+                <a:uFillTx/>
+                <a:latin typeface="Arial" charset="0"/>
+                <a:ea typeface="+mn-ea"/>
+                <a:cs typeface="Arial" charset="0"/>
+                <a:hlinkClick r:id="rId2"/>
+              </a:rPr>
+              <a:t>https://bssw-tutorial.github.io</a:t>
+            </a:r>
+            <a:r>
+              <a:rPr kumimoji="0" lang="en-US" sz="1800" b="1" i="0" u="none" strike="noStrike" kern="1200" cap="none" spc="0" normalizeH="0" baseline="0" noProof="0" dirty="0">
+                <a:ln>
+                  <a:noFill/>
+                </a:ln>
+                <a:solidFill>
+                  <a:prstClr val="black"/>
+                </a:solidFill>
+                <a:effectLst/>
+                <a:uLnTx/>
+                <a:uFillTx/>
+                <a:latin typeface="Arial" charset="0"/>
+                <a:ea typeface="+mn-ea"/>
+                <a:cs typeface="Arial" charset="0"/>
+              </a:rPr>
+              <a:t> </a:t>
+            </a:r>
+            <a:r>
+              <a:rPr kumimoji="0" lang="en-US" sz="1800" b="0" i="0" u="none" strike="noStrike" kern="1200" cap="none" spc="0" normalizeH="0" baseline="0" noProof="0" dirty="0">
+                <a:ln>
+                  <a:noFill/>
+                </a:ln>
+                <a:solidFill>
+                  <a:prstClr val="black"/>
+                </a:solidFill>
+                <a:effectLst/>
+                <a:uLnTx/>
+                <a:uFillTx/>
+                <a:latin typeface="Arial" charset="0"/>
+                <a:ea typeface="+mn-ea"/>
+                <a:cs typeface="Arial" charset="0"/>
+              </a:rPr>
+              <a:t>and click on the link for today’s tutorial</a:t>
+            </a:r>
+          </a:p>
+        </p:txBody>
+      </p:sp>
+    </p:spTree>
+    <p:extLst>
+      <p:ext uri="{BB962C8B-B14F-4D97-AF65-F5344CB8AC3E}">
+        <p14:creationId xmlns:p14="http://schemas.microsoft.com/office/powerpoint/2010/main" val="2747926865"/>
       </p:ext>
     </p:extLst>
   </p:cSld>
@@ -5467,49 +6748,31 @@
                   <a:srgbClr val="111111"/>
                 </a:solidFill>
                 <a:effectLst/>
-                <a:latin typeface="+mn-lt"/>
+                <a:latin typeface="+mj-lt"/>
               </a:rPr>
-              <a:t>Anshu Dubey and David M. Rogers, Better Scientific Software tutorial, in ISC High Performance, Hamburg, Germany and online, 2023. DOI: </a:t>
-            </a:r>
-            <a:r>
-              <a:rPr lang="en-US" sz="1600" b="0" i="0" u="sng" dirty="0">
+              <a:t>David E. Bernholdt, Anshu Dubey, and Patricia A. Grubel, Better Scientific Software tutorial, in NOAA Global Systems Laboratory, Boulder, Colorado, 2023. DOI: </a:t>
+            </a:r>
+            <a:r>
+              <a:rPr lang="en-US" sz="1600" b="0" i="0" u="none" strike="noStrike" dirty="0">
+                <a:solidFill>
+                  <a:srgbClr val="2A7AE2"/>
+                </a:solidFill>
+                <a:effectLst/>
+                <a:latin typeface="+mj-lt"/>
+                <a:hlinkClick r:id="rId4"/>
+              </a:rPr>
+              <a:t>10.6084/m9.figshare.23796606</a:t>
+            </a:r>
+            <a:r>
+              <a:rPr lang="en-US" sz="1600" b="0" i="0" dirty="0">
                 <a:solidFill>
                   <a:srgbClr val="111111"/>
                 </a:solidFill>
                 <a:effectLst/>
-                <a:latin typeface="+mn-lt"/>
-                <a:hlinkClick r:id="rId4"/>
-              </a:rPr>
-              <a:t>10.6084/m9.figshare</a:t>
-            </a:r>
-            <a:r>
-              <a:rPr lang="en-US" sz="1600" b="0" i="0" u="sng">
-                <a:solidFill>
-                  <a:srgbClr val="111111"/>
-                </a:solidFill>
-                <a:effectLst/>
-                <a:latin typeface="+mn-lt"/>
-                <a:hlinkClick r:id="rId4"/>
-              </a:rPr>
-              <a:t>.22790762</a:t>
-            </a:r>
-            <a:r>
-              <a:rPr lang="en-US" sz="1600" b="0" i="0">
-                <a:solidFill>
-                  <a:srgbClr val="111111"/>
-                </a:solidFill>
-                <a:effectLst/>
-                <a:latin typeface="+mn-lt"/>
+                <a:latin typeface="+mj-lt"/>
               </a:rPr>
               <a:t>.</a:t>
             </a:r>
-            <a:endParaRPr lang="en-US" sz="1600" b="0" i="0" dirty="0">
-              <a:solidFill>
-                <a:srgbClr val="111111"/>
-              </a:solidFill>
-              <a:effectLst/>
-              <a:latin typeface="+mn-lt"/>
-            </a:endParaRPr>
           </a:p>
           <a:p>
             <a:pPr>
@@ -5679,7 +6942,7 @@
     </p:spTree>
     <p:extLst>
       <p:ext uri="{BB962C8B-B14F-4D97-AF65-F5344CB8AC3E}">
-        <p14:creationId xmlns:p14="http://schemas.microsoft.com/office/powerpoint/2010/main" val="3835284727"/>
+        <p14:creationId xmlns:p14="http://schemas.microsoft.com/office/powerpoint/2010/main" val="978726433"/>
       </p:ext>
     </p:extLst>
   </p:cSld>
@@ -5738,12 +7001,8 @@
               </a:spcBef>
             </a:pPr>
             <a:r>
-              <a:rPr lang="en-US" dirty="0" err="1"/>
-              <a:t>Anshu</a:t>
-            </a:r>
-            <a:r>
               <a:rPr lang="en-US" dirty="0"/>
-              <a:t> Dubey, ANL</a:t>
+              <a:t>David E. Bernholdt, ORNL</a:t>
             </a:r>
           </a:p>
           <a:p>
@@ -5754,7 +7013,18 @@
             </a:pPr>
             <a:r>
               <a:rPr lang="en-US" dirty="0"/>
-              <a:t>David M. Rogers, ORNL</a:t>
+              <a:t>Anshu Dubey, ANL</a:t>
+            </a:r>
+          </a:p>
+          <a:p>
+            <a:pPr>
+              <a:spcBef>
+                <a:spcPts val="1000"/>
+              </a:spcBef>
+            </a:pPr>
+            <a:r>
+              <a:rPr lang="en-US" dirty="0"/>
+              <a:t>Patricia A. Grubel, LANL</a:t>
             </a:r>
           </a:p>
         </p:txBody>
@@ -5802,7 +7072,7 @@
         <p:spPr>
           <a:xfrm>
             <a:off x="363095" y="3871110"/>
-            <a:ext cx="10123321" cy="830997"/>
+            <a:ext cx="10123321" cy="461665"/>
           </a:xfrm>
           <a:prstGeom prst="rect">
             <a:avLst/>
@@ -5824,7 +7094,7 @@
             </a:pPr>
             <a:r>
               <a:rPr lang="en-US" sz="2400" dirty="0"/>
-              <a:t>Members of the IDEAS Productivity Project (present or past): </a:t>
+              <a:t>Members of the IDEAS Productivity Project: </a:t>
             </a:r>
             <a:r>
               <a:rPr lang="en-US" sz="2400" dirty="0">
@@ -5850,7 +7120,7 @@
         </p:nvGrpSpPr>
         <p:grpSpPr>
           <a:xfrm>
-            <a:off x="6788753" y="1227416"/>
+            <a:off x="7592555" y="1227416"/>
             <a:ext cx="954107" cy="1805497"/>
             <a:chOff x="6614147" y="1346049"/>
             <a:chExt cx="954107" cy="1805497"/>
@@ -5946,10 +7216,10 @@
       </p:grpSp>
       <p:grpSp>
         <p:nvGrpSpPr>
-          <p:cNvPr id="4" name="Group 3">
+          <p:cNvPr id="7" name="Group 6">
             <a:extLst>
               <a:ext uri="{FF2B5EF4-FFF2-40B4-BE49-F238E27FC236}">
-                <a16:creationId xmlns:a16="http://schemas.microsoft.com/office/drawing/2014/main" id="{0A6A2276-099D-46A4-58F4-916B4A0CFC0E}"/>
+                <a16:creationId xmlns:a16="http://schemas.microsoft.com/office/drawing/2014/main" id="{949C6B37-A75C-A6EE-8FA9-E89D45EF0366}"/>
               </a:ext>
             </a:extLst>
           </p:cNvPr>
@@ -5958,18 +7228,18 @@
         </p:nvGrpSpPr>
         <p:grpSpPr>
           <a:xfrm>
-            <a:off x="8008241" y="1227416"/>
-            <a:ext cx="933420" cy="1805497"/>
-            <a:chOff x="10562794" y="1346049"/>
-            <a:chExt cx="933420" cy="1805497"/>
+            <a:off x="8891575" y="1227416"/>
+            <a:ext cx="1009507" cy="1851663"/>
+            <a:chOff x="8066531" y="1374891"/>
+            <a:chExt cx="1009507" cy="1851663"/>
           </a:xfrm>
         </p:grpSpPr>
         <p:pic>
           <p:nvPicPr>
-            <p:cNvPr id="5" name="Picture 4" descr="A person wearing glasses&#10;&#10;Description automatically generated with medium confidence">
+            <p:cNvPr id="8" name="Picture 7">
               <a:extLst>
                 <a:ext uri="{FF2B5EF4-FFF2-40B4-BE49-F238E27FC236}">
-                  <a16:creationId xmlns:a16="http://schemas.microsoft.com/office/drawing/2014/main" id="{F6A78330-056A-550D-FC6F-CF85A8266160}"/>
+                  <a16:creationId xmlns:a16="http://schemas.microsoft.com/office/drawing/2014/main" id="{56983044-2C1A-ED01-70FD-E856D7306DBC}"/>
                 </a:ext>
               </a:extLst>
             </p:cNvPr>
@@ -5979,20 +7249,20 @@
             <p:nvPr/>
           </p:nvPicPr>
           <p:blipFill rotWithShape="1">
-            <a:blip r:embed="rId4">
+            <a:blip r:embed="rId4" cstate="print">
               <a:extLst>
                 <a:ext uri="{28A0092B-C50C-407E-A947-70E740481C1C}">
                   <a14:useLocalDpi xmlns:a14="http://schemas.microsoft.com/office/drawing/2010/main" val="0"/>
                 </a:ext>
               </a:extLst>
             </a:blip>
-            <a:srcRect l="12970" r="9695"/>
+            <a:srcRect l="4859" r="10127"/>
             <a:stretch/>
           </p:blipFill>
           <p:spPr>
             <a:xfrm>
-              <a:off x="10562794" y="1346049"/>
-              <a:ext cx="933420" cy="1207008"/>
+              <a:off x="8088482" y="1374891"/>
+              <a:ext cx="965606" cy="1207008"/>
             </a:xfrm>
             <a:prstGeom prst="rect">
               <a:avLst/>
@@ -6001,10 +7271,10 @@
         </p:pic>
         <p:sp>
           <p:nvSpPr>
-            <p:cNvPr id="6" name="TextBox 5">
+            <p:cNvPr id="9" name="TextBox 8">
               <a:extLst>
                 <a:ext uri="{FF2B5EF4-FFF2-40B4-BE49-F238E27FC236}">
-                  <a16:creationId xmlns:a16="http://schemas.microsoft.com/office/drawing/2014/main" id="{94567A43-7157-D189-DA0E-2664EED4C664}"/>
+                  <a16:creationId xmlns:a16="http://schemas.microsoft.com/office/drawing/2014/main" id="{5536CBAC-B546-1EA4-36EC-43DF16A9B5DC}"/>
                 </a:ext>
               </a:extLst>
             </p:cNvPr>
@@ -6013,7 +7283,114 @@
           </p:nvSpPr>
           <p:spPr>
             <a:xfrm>
-              <a:off x="10590922" y="2560615"/>
+              <a:off x="8066531" y="2543290"/>
+              <a:ext cx="1009507" cy="683264"/>
+            </a:xfrm>
+            <a:prstGeom prst="rect">
+              <a:avLst/>
+            </a:prstGeom>
+            <a:noFill/>
+          </p:spPr>
+          <p:txBody>
+            <a:bodyPr wrap="none" lIns="118872" tIns="91440" rIns="118872" bIns="91440" rtlCol="0" anchor="ctr" anchorCtr="0">
+              <a:spAutoFit/>
+            </a:bodyPr>
+            <a:lstStyle/>
+            <a:p>
+              <a:pPr algn="l">
+                <a:lnSpc>
+                  <a:spcPct val="90000"/>
+                </a:lnSpc>
+              </a:pPr>
+              <a:r>
+                <a:rPr lang="en-US" dirty="0"/>
+                <a:t>Patricia</a:t>
+              </a:r>
+            </a:p>
+            <a:p>
+              <a:pPr algn="l">
+                <a:lnSpc>
+                  <a:spcPct val="90000"/>
+                </a:lnSpc>
+              </a:pPr>
+              <a:r>
+                <a:rPr lang="en-US" i="1" dirty="0"/>
+                <a:t>she/her</a:t>
+              </a:r>
+            </a:p>
+          </p:txBody>
+        </p:sp>
+      </p:grpSp>
+      <p:grpSp>
+        <p:nvGrpSpPr>
+          <p:cNvPr id="10" name="Group 9">
+            <a:extLst>
+              <a:ext uri="{FF2B5EF4-FFF2-40B4-BE49-F238E27FC236}">
+                <a16:creationId xmlns:a16="http://schemas.microsoft.com/office/drawing/2014/main" id="{C222F5C8-31C2-BA06-2CAD-CC7FFB5CD75E}"/>
+              </a:ext>
+            </a:extLst>
+          </p:cNvPr>
+          <p:cNvGrpSpPr/>
+          <p:nvPr/>
+        </p:nvGrpSpPr>
+        <p:grpSpPr>
+          <a:xfrm>
+            <a:off x="6209615" y="1227416"/>
+            <a:ext cx="1038027" cy="1797939"/>
+            <a:chOff x="4187619" y="4211394"/>
+            <a:chExt cx="1038027" cy="1797939"/>
+          </a:xfrm>
+        </p:grpSpPr>
+        <p:pic>
+          <p:nvPicPr>
+            <p:cNvPr id="11" name="Picture 10" descr="A person wearing glasses&#10;&#10;Description automatically generated with low confidence">
+              <a:extLst>
+                <a:ext uri="{FF2B5EF4-FFF2-40B4-BE49-F238E27FC236}">
+                  <a16:creationId xmlns:a16="http://schemas.microsoft.com/office/drawing/2014/main" id="{02DFC338-860F-9AFB-DEF8-955E23E96ED3}"/>
+                </a:ext>
+              </a:extLst>
+            </p:cNvPr>
+            <p:cNvPicPr>
+              <a:picLocks noChangeAspect="1"/>
+            </p:cNvPicPr>
+            <p:nvPr/>
+          </p:nvPicPr>
+          <p:blipFill rotWithShape="1">
+            <a:blip r:embed="rId5" cstate="print">
+              <a:extLst>
+                <a:ext uri="{28A0092B-C50C-407E-A947-70E740481C1C}">
+                  <a14:useLocalDpi xmlns:a14="http://schemas.microsoft.com/office/drawing/2010/main" val="0"/>
+                </a:ext>
+              </a:extLst>
+            </a:blip>
+            <a:srcRect l="8053" t="854" r="5947" b="-854"/>
+            <a:stretch/>
+          </p:blipFill>
+          <p:spPr>
+            <a:xfrm>
+              <a:off x="4187619" y="4211394"/>
+              <a:ext cx="1038027" cy="1207008"/>
+            </a:xfrm>
+            <a:prstGeom prst="rect">
+              <a:avLst/>
+            </a:prstGeom>
+          </p:spPr>
+        </p:pic>
+        <p:sp>
+          <p:nvSpPr>
+            <p:cNvPr id="12" name="TextBox 11">
+              <a:extLst>
+                <a:ext uri="{FF2B5EF4-FFF2-40B4-BE49-F238E27FC236}">
+                  <a16:creationId xmlns:a16="http://schemas.microsoft.com/office/drawing/2014/main" id="{16C222B4-9F80-DF67-6C02-CC1A2D4E7B30}"/>
+                </a:ext>
+              </a:extLst>
+            </p:cNvPr>
+            <p:cNvSpPr txBox="1"/>
+            <p:nvPr/>
+          </p:nvSpPr>
+          <p:spPr>
+            <a:xfrm>
+              <a:off x="4268051" y="5418402"/>
               <a:ext cx="877163" cy="590931"/>
             </a:xfrm>
             <a:prstGeom prst="rect">
@@ -12043,18 +13420,18 @@
 </file>
 
 <file path=customXml/item1.xml><?xml version="1.0" encoding="utf-8"?>
-<p:properties xmlns:p="http://schemas.microsoft.com/office/2006/metadata/properties" xmlns:xsi="http://www.w3.org/2001/XMLSchema-instance" xmlns:pc="http://schemas.microsoft.com/office/infopath/2007/PartnerControls">
-  <documentManagement/>
-</p:properties>
-</file>
-
-<file path=customXml/item2.xml><?xml version="1.0" encoding="utf-8"?>
 <?mso-contentType ?>
 <FormTemplates xmlns="http://schemas.microsoft.com/sharepoint/v3/contenttype/forms">
   <Display>DocumentLibraryForm</Display>
   <Edit>DocumentLibraryForm</Edit>
   <New>DocumentLibraryForm</New>
 </FormTemplates>
+</file>
+
+<file path=customXml/item2.xml><?xml version="1.0" encoding="utf-8"?>
+<p:properties xmlns:p="http://schemas.microsoft.com/office/2006/metadata/properties" xmlns:xsi="http://www.w3.org/2001/XMLSchema-instance" xmlns:pc="http://schemas.microsoft.com/office/infopath/2007/PartnerControls">
+  <documentManagement/>
+</p:properties>
 </file>
 
 <file path=customXml/item3.xml><?xml version="1.0" encoding="utf-8"?>
@@ -12107,6 +13484,14 @@
 </file>
 
 <file path=customXml/itemProps1.xml><?xml version="1.0" encoding="utf-8"?>
+<ds:datastoreItem xmlns:ds="http://schemas.openxmlformats.org/officeDocument/2006/customXml" ds:itemID="{19E20559-B232-4371-8690-E3D8007EDB82}">
+  <ds:schemaRefs>
+    <ds:schemaRef ds:uri="http://schemas.microsoft.com/sharepoint/v3/contenttype/forms"/>
+  </ds:schemaRefs>
+</ds:datastoreItem>
+</file>
+
+<file path=customXml/itemProps2.xml><?xml version="1.0" encoding="utf-8"?>
 <ds:datastoreItem xmlns:ds="http://schemas.openxmlformats.org/officeDocument/2006/customXml" ds:itemID="{A50EC660-24D0-43A0-AE5E-E274115E726B}">
   <ds:schemaRefs>
     <ds:schemaRef ds:uri="http://purl.org/dc/elements/1.1/"/>
@@ -12117,14 +13502,6 @@
     <ds:schemaRef ds:uri="http://www.w3.org/XML/1998/namespace"/>
     <ds:schemaRef ds:uri="http://purl.org/dc/dcmitype/"/>
     <ds:schemaRef ds:uri="http://schemas.microsoft.com/office/infopath/2007/PartnerControls"/>
-  </ds:schemaRefs>
-</ds:datastoreItem>
-</file>
-
-<file path=customXml/itemProps2.xml><?xml version="1.0" encoding="utf-8"?>
-<ds:datastoreItem xmlns:ds="http://schemas.openxmlformats.org/officeDocument/2006/customXml" ds:itemID="{19E20559-B232-4371-8690-E3D8007EDB82}">
-  <ds:schemaRefs>
-    <ds:schemaRef ds:uri="http://schemas.microsoft.com/sharepoint/v3/contenttype/forms"/>
   </ds:schemaRefs>
 </ds:datastoreItem>
 </file>

--- a/intro-a.pptx
+++ b/intro-a.pptx
@@ -266,7 +266,7 @@
           <a:p>
             <a:fld id="{0B842F42-2CE9-4E35-95C1-410DC08A50B1}" type="datetimeFigureOut">
               <a:rPr lang="en-US" smtClean="0"/>
-              <a:t>7/27/2023</a:t>
+              <a:t>7/30/2023</a:t>
             </a:fld>
             <a:endParaRPr lang="en-US"/>
           </a:p>
@@ -431,7 +431,7 @@
           <a:p>
             <a:fld id="{6F282904-F315-4730-8D91-37D99E141A6F}" type="datetimeFigureOut">
               <a:rPr lang="en-US" smtClean="0"/>
-              <a:t>7/27/2023</a:t>
+              <a:t>7/30/2023</a:t>
             </a:fld>
             <a:endParaRPr lang="en-US"/>
           </a:p>
@@ -4126,15 +4126,7 @@
           <a:p>
             <a:r>
               <a:rPr lang="en-US" dirty="0"/>
-              <a:t>David E. </a:t>
-            </a:r>
-            <a:r>
-              <a:rPr lang="en-US" dirty="0" err="1"/>
-              <a:t>Berholdt</a:t>
-            </a:r>
-            <a:r>
-              <a:rPr lang="en-US" dirty="0"/>
-              <a:t>, Anshu Dubey, and Patricia A. Grubel</a:t>
+              <a:t>David E. Bernholdt, Anshu Dubey, and Patricia A. Grubel</a:t>
             </a:r>
           </a:p>
           <a:p>
@@ -13420,18 +13412,18 @@
 </file>
 
 <file path=customXml/item1.xml><?xml version="1.0" encoding="utf-8"?>
+<p:properties xmlns:p="http://schemas.microsoft.com/office/2006/metadata/properties" xmlns:xsi="http://www.w3.org/2001/XMLSchema-instance" xmlns:pc="http://schemas.microsoft.com/office/infopath/2007/PartnerControls">
+  <documentManagement/>
+</p:properties>
+</file>
+
+<file path=customXml/item2.xml><?xml version="1.0" encoding="utf-8"?>
 <?mso-contentType ?>
 <FormTemplates xmlns="http://schemas.microsoft.com/sharepoint/v3/contenttype/forms">
   <Display>DocumentLibraryForm</Display>
   <Edit>DocumentLibraryForm</Edit>
   <New>DocumentLibraryForm</New>
 </FormTemplates>
-</file>
-
-<file path=customXml/item2.xml><?xml version="1.0" encoding="utf-8"?>
-<p:properties xmlns:p="http://schemas.microsoft.com/office/2006/metadata/properties" xmlns:xsi="http://www.w3.org/2001/XMLSchema-instance" xmlns:pc="http://schemas.microsoft.com/office/infopath/2007/PartnerControls">
-  <documentManagement/>
-</p:properties>
 </file>
 
 <file path=customXml/item3.xml><?xml version="1.0" encoding="utf-8"?>
@@ -13484,14 +13476,6 @@
 </file>
 
 <file path=customXml/itemProps1.xml><?xml version="1.0" encoding="utf-8"?>
-<ds:datastoreItem xmlns:ds="http://schemas.openxmlformats.org/officeDocument/2006/customXml" ds:itemID="{19E20559-B232-4371-8690-E3D8007EDB82}">
-  <ds:schemaRefs>
-    <ds:schemaRef ds:uri="http://schemas.microsoft.com/sharepoint/v3/contenttype/forms"/>
-  </ds:schemaRefs>
-</ds:datastoreItem>
-</file>
-
-<file path=customXml/itemProps2.xml><?xml version="1.0" encoding="utf-8"?>
 <ds:datastoreItem xmlns:ds="http://schemas.openxmlformats.org/officeDocument/2006/customXml" ds:itemID="{A50EC660-24D0-43A0-AE5E-E274115E726B}">
   <ds:schemaRefs>
     <ds:schemaRef ds:uri="http://purl.org/dc/elements/1.1/"/>
@@ -13502,6 +13486,14 @@
     <ds:schemaRef ds:uri="http://www.w3.org/XML/1998/namespace"/>
     <ds:schemaRef ds:uri="http://purl.org/dc/dcmitype/"/>
     <ds:schemaRef ds:uri="http://schemas.microsoft.com/office/infopath/2007/PartnerControls"/>
+  </ds:schemaRefs>
+</ds:datastoreItem>
+</file>
+
+<file path=customXml/itemProps2.xml><?xml version="1.0" encoding="utf-8"?>
+<ds:datastoreItem xmlns:ds="http://schemas.openxmlformats.org/officeDocument/2006/customXml" ds:itemID="{19E20559-B232-4371-8690-E3D8007EDB82}">
+  <ds:schemaRefs>
+    <ds:schemaRef ds:uri="http://schemas.microsoft.com/sharepoint/v3/contenttype/forms"/>
   </ds:schemaRefs>
 </ds:datastoreItem>
 </file>

--- a/intro-a.pptx
+++ b/intro-a.pptx
@@ -12,7 +12,7 @@
   </p:handoutMasterIdLst>
   <p:sldIdLst>
     <p:sldId id="617" r:id="rId5"/>
-    <p:sldId id="627" r:id="rId6"/>
+    <p:sldId id="320" r:id="rId6"/>
     <p:sldId id="308" r:id="rId7"/>
     <p:sldId id="327" r:id="rId8"/>
     <p:sldId id="324" r:id="rId9"/>
@@ -20,9 +20,9 @@
     <p:sldId id="619" r:id="rId11"/>
     <p:sldId id="620" r:id="rId12"/>
     <p:sldId id="622" r:id="rId13"/>
-    <p:sldId id="626" r:id="rId14"/>
+    <p:sldId id="616" r:id="rId14"/>
     <p:sldId id="261" r:id="rId15"/>
-    <p:sldId id="628" r:id="rId16"/>
+    <p:sldId id="623" r:id="rId16"/>
   </p:sldIdLst>
   <p:sldSz cx="12188825" cy="6858000"/>
   <p:notesSz cx="7010400" cy="9296400"/>
@@ -266,7 +266,7 @@
           <a:p>
             <a:fld id="{0B842F42-2CE9-4E35-95C1-410DC08A50B1}" type="datetimeFigureOut">
               <a:rPr lang="en-US" smtClean="0"/>
-              <a:t>7/30/2023</a:t>
+              <a:t>8/2/2023</a:t>
             </a:fld>
             <a:endParaRPr lang="en-US"/>
           </a:p>
@@ -431,7 +431,7 @@
           <a:p>
             <a:fld id="{6F282904-F315-4730-8D91-37D99E141A6F}" type="datetimeFigureOut">
               <a:rPr lang="en-US" smtClean="0"/>
-              <a:t>7/30/2023</a:t>
+              <a:t>8/2/2023</a:t>
             </a:fld>
             <a:endParaRPr lang="en-US"/>
           </a:p>
@@ -4092,9 +4092,15 @@
               </a:spcBef>
             </a:pPr>
             <a:r>
-              <a:rPr lang="en-US" dirty="0"/>
-              <a:t>Better Scientific Software</a:t>
-            </a:r>
+              <a:rPr lang="en-US" i="0" dirty="0">
+                <a:solidFill>
+                  <a:srgbClr val="111111"/>
+                </a:solidFill>
+                <a:effectLst/>
+              </a:rPr>
+              <a:t>Software Productivity and Sustainability track</a:t>
+            </a:r>
+            <a:endParaRPr lang="en-US" dirty="0"/>
           </a:p>
         </p:txBody>
       </p:sp>
@@ -4126,7 +4132,7 @@
           <a:p>
             <a:r>
               <a:rPr lang="en-US" dirty="0"/>
-              <a:t>David E. Bernholdt, Anshu Dubey, and Patricia A. Grubel</a:t>
+              <a:t>Anshu Dubey, David E. Bernholdt, Greg Becker, and Jared O’Neal</a:t>
             </a:r>
           </a:p>
           <a:p>
@@ -4134,9 +4140,16 @@
           </a:p>
           <a:p>
             <a:r>
-              <a:rPr lang="en-US" dirty="0"/>
-              <a:t>Better Scientific Software tutorial @ NOAA Global Systems Laboratory</a:t>
-            </a:r>
+              <a:rPr lang="en-US" b="0" i="0" dirty="0">
+                <a:solidFill>
+                  <a:srgbClr val="111111"/>
+                </a:solidFill>
+                <a:effectLst/>
+                <a:latin typeface="-apple-system"/>
+              </a:rPr>
+              <a:t>Argonne Training Program on Extreme-Scale Computing summer school</a:t>
+            </a:r>
+            <a:endParaRPr lang="en-US" dirty="0"/>
           </a:p>
         </p:txBody>
       </p:sp>
@@ -4311,13 +4324,27 @@
               </a:spcBef>
             </a:pPr>
             <a:r>
+              <a:rPr lang="en-US" dirty="0"/>
+              <a:t>Please raise your hand at any time to ask a question</a:t>
+            </a:r>
+          </a:p>
+          <a:p>
+            <a:pPr>
+              <a:spcBef>
+                <a:spcPts val="1200"/>
+              </a:spcBef>
+            </a:pPr>
+            <a:r>
+              <a:rPr lang="en-US" dirty="0"/>
+              <a:t>After the tutorial email us at </a:t>
+            </a:r>
+            <a:r>
               <a:rPr lang="en-US" dirty="0">
-                <a:solidFill>
-                  <a:schemeClr val="accent1"/>
-                </a:solidFill>
+                <a:hlinkClick r:id="rId2"/>
               </a:rPr>
-              <a:t>We have reserved extra time for discussion following many of our presentations to provide opportunities for deeper discussions of your situations and experiences</a:t>
-            </a:r>
+              <a:t>bssw-tutorial@lists.mcs.anl.gov</a:t>
+            </a:r>
+            <a:endParaRPr lang="en-US" dirty="0"/>
           </a:p>
           <a:p>
             <a:pPr lvl="1">
@@ -4326,54 +4353,6 @@
               </a:spcBef>
             </a:pPr>
             <a:r>
-              <a:rPr lang="en-US" dirty="0">
-                <a:solidFill>
-                  <a:schemeClr val="accent1"/>
-                </a:solidFill>
-              </a:rPr>
-              <a:t>We encourage you to ask questions directly related to our presentations during them</a:t>
-            </a:r>
-          </a:p>
-          <a:p>
-            <a:pPr lvl="1">
-              <a:spcBef>
-                <a:spcPts val="400"/>
-              </a:spcBef>
-            </a:pPr>
-            <a:r>
-              <a:rPr lang="en-US" dirty="0">
-                <a:solidFill>
-                  <a:schemeClr val="accent1"/>
-                </a:solidFill>
-              </a:rPr>
-              <a:t>And save the deeper discussions for after the presentation</a:t>
-            </a:r>
-          </a:p>
-          <a:p>
-            <a:pPr>
-              <a:spcBef>
-                <a:spcPts val="1200"/>
-              </a:spcBef>
-            </a:pPr>
-            <a:r>
-              <a:rPr lang="en-US" dirty="0"/>
-              <a:t>After the tutorial email us at </a:t>
-            </a:r>
-            <a:r>
-              <a:rPr lang="en-US" dirty="0">
-                <a:hlinkClick r:id="rId2"/>
-              </a:rPr>
-              <a:t>bssw-tutorial@lists.mcs.anl.gov</a:t>
-            </a:r>
-            <a:endParaRPr lang="en-US" dirty="0"/>
-          </a:p>
-          <a:p>
-            <a:pPr lvl="1">
-              <a:spcBef>
-                <a:spcPts val="400"/>
-              </a:spcBef>
-            </a:pPr>
-            <a:r>
               <a:rPr lang="en-US" dirty="0"/>
               <a:t>With questions or feedback</a:t>
             </a:r>
@@ -4406,7 +4385,7 @@
     </p:spTree>
     <p:extLst>
       <p:ext uri="{BB962C8B-B14F-4D97-AF65-F5344CB8AC3E}">
-        <p14:creationId xmlns:p14="http://schemas.microsoft.com/office/powerpoint/2010/main" val="3909084522"/>
+        <p14:creationId xmlns:p14="http://schemas.microsoft.com/office/powerpoint/2010/main" val="3695382487"/>
       </p:ext>
     </p:extLst>
   </p:cSld>
@@ -4461,7 +4440,7 @@
           <a:p>
             <a:r>
               <a:rPr lang="en-US" dirty="0"/>
-              <a:t>Agenda </a:t>
+              <a:t>Agenda (morning) </a:t>
             </a:r>
           </a:p>
         </p:txBody>
@@ -4482,14 +4461,14 @@
             <p:ph idx="1"/>
             <p:extLst>
               <p:ext uri="{D42A27DB-BD31-4B8C-83A1-F6EECF244321}">
-                <p14:modId xmlns:p14="http://schemas.microsoft.com/office/powerpoint/2010/main" val="2788491982"/>
+                <p14:modId xmlns:p14="http://schemas.microsoft.com/office/powerpoint/2010/main" val="2984917503"/>
               </p:ext>
             </p:extLst>
           </p:nvPr>
         </p:nvGraphicFramePr>
         <p:xfrm>
-          <a:off x="365759" y="866432"/>
-          <a:ext cx="11372471" cy="5890260"/>
+          <a:off x="365758" y="866432"/>
+          <a:ext cx="11414888" cy="4267200"/>
         </p:xfrm>
         <a:graphic>
           <a:graphicData uri="http://schemas.openxmlformats.org/drawingml/2006/table">
@@ -4498,28 +4477,21 @@
                 <a:tableStyleId>{5C22544A-7EE6-4342-B048-85BDC9FD1C3A}</a:tableStyleId>
               </a:tblPr>
               <a:tblGrid>
-                <a:gridCol w="708661">
-                  <a:extLst>
-                    <a:ext uri="{9D8B030D-6E8A-4147-A177-3AD203B41FA5}">
-                      <a16:colId xmlns:a16="http://schemas.microsoft.com/office/drawing/2014/main" val="2096151137"/>
-                    </a:ext>
-                  </a:extLst>
-                </a:gridCol>
-                <a:gridCol w="1417320">
+                <a:gridCol w="1417322">
                   <a:extLst>
                     <a:ext uri="{9D8B030D-6E8A-4147-A177-3AD203B41FA5}">
                       <a16:colId xmlns:a16="http://schemas.microsoft.com/office/drawing/2014/main" val="41390910"/>
                     </a:ext>
                   </a:extLst>
                 </a:gridCol>
-                <a:gridCol w="6309360">
+                <a:gridCol w="6934200">
                   <a:extLst>
                     <a:ext uri="{9D8B030D-6E8A-4147-A177-3AD203B41FA5}">
                       <a16:colId xmlns:a16="http://schemas.microsoft.com/office/drawing/2014/main" val="1261297711"/>
                     </a:ext>
                   </a:extLst>
                 </a:gridCol>
-                <a:gridCol w="2937130">
+                <a:gridCol w="3063366">
                   <a:extLst>
                     <a:ext uri="{9D8B030D-6E8A-4147-A177-3AD203B41FA5}">
                       <a16:colId xmlns:a16="http://schemas.microsoft.com/office/drawing/2014/main" val="3622604584"/>
@@ -4527,23 +4499,7 @@
                   </a:extLst>
                 </a:gridCol>
               </a:tblGrid>
-              <a:tr h="393875">
-                <a:tc>
-                  <a:txBody>
-                    <a:bodyPr/>
-                    <a:lstStyle/>
-                    <a:p>
-                      <a:pPr algn="l"/>
-                      <a:r>
-                        <a:rPr lang="en-US" sz="1600" dirty="0">
-                          <a:effectLst/>
-                        </a:rPr>
-                        <a:t>Day</a:t>
-                      </a:r>
-                    </a:p>
-                  </a:txBody>
-                  <a:tcPr marL="142875" marR="142875" marT="95250" marB="95250" anchor="ctr"/>
-                </a:tc>
+              <a:tr h="389200">
                 <a:tc>
                   <a:txBody>
                     <a:bodyPr/>
@@ -4551,10 +4507,10 @@
                     <a:p>
                       <a:pPr algn="r"/>
                       <a:r>
-                        <a:rPr lang="en-US" sz="1600" dirty="0">
+                        <a:rPr lang="en-US" sz="1800" dirty="0">
                           <a:effectLst/>
                         </a:rPr>
-                        <a:t>Time (MDT)</a:t>
+                        <a:t>Time (CDT)</a:t>
                       </a:r>
                     </a:p>
                   </a:txBody>
@@ -4566,7 +4522,7 @@
                     <a:lstStyle/>
                     <a:p>
                       <a:r>
-                        <a:rPr lang="en-US" sz="1600" dirty="0">
+                        <a:rPr lang="en-US" sz="1800" dirty="0">
                           <a:effectLst/>
                         </a:rPr>
                         <a:t>Title</a:t>
@@ -4581,7 +4537,7 @@
                     <a:lstStyle/>
                     <a:p>
                       <a:r>
-                        <a:rPr lang="en-US" sz="1600" dirty="0">
+                        <a:rPr lang="en-US" sz="1800" dirty="0">
                           <a:effectLst/>
                         </a:rPr>
                         <a:t>Presenter</a:t>
@@ -4596,22 +4552,7 @@
                   </a:ext>
                 </a:extLst>
               </a:tr>
-              <a:tr h="393875">
-                <a:tc>
-                  <a:txBody>
-                    <a:bodyPr/>
-                    <a:lstStyle/>
-                    <a:p>
-                      <a:r>
-                        <a:rPr lang="en-US" sz="1600" dirty="0">
-                          <a:effectLst/>
-                        </a:rPr>
-                        <a:t>Tue</a:t>
-                      </a:r>
-                    </a:p>
-                  </a:txBody>
-                  <a:tcPr marL="142875" marR="142875" marT="95250" marB="95250" anchor="ctr"/>
-                </a:tc>
+              <a:tr h="254288">
                 <a:tc>
                   <a:txBody>
                     <a:bodyPr/>
@@ -4619,10 +4560,10 @@
                     <a:p>
                       <a:pPr algn="r"/>
                       <a:r>
-                        <a:rPr lang="en-US" sz="1600">
+                        <a:rPr lang="en-US" sz="1800">
                           <a:effectLst/>
                         </a:rPr>
-                        <a:t>9:00 AM</a:t>
+                        <a:t>8:30 AM</a:t>
                       </a:r>
                     </a:p>
                   </a:txBody>
@@ -4634,7 +4575,7 @@
                     <a:lstStyle/>
                     <a:p>
                       <a:r>
-                        <a:rPr lang="en-US" sz="1600">
+                        <a:rPr lang="en-US" sz="1800" dirty="0">
                           <a:effectLst/>
                         </a:rPr>
                         <a:t>Introduction</a:t>
@@ -4649,10 +4590,10 @@
                     <a:lstStyle/>
                     <a:p>
                       <a:r>
-                        <a:rPr lang="en-US" sz="1600" dirty="0">
+                        <a:rPr lang="en-US" sz="1800">
                           <a:effectLst/>
                         </a:rPr>
-                        <a:t>Patricia A. Grubel (LANL)</a:t>
+                        <a:t>David E. Bernholdt (ORNL)</a:t>
                       </a:r>
                     </a:p>
                   </a:txBody>
@@ -4664,22 +4605,7 @@
                   </a:ext>
                 </a:extLst>
               </a:tr>
-              <a:tr h="393875">
-                <a:tc>
-                  <a:txBody>
-                    <a:bodyPr/>
-                    <a:lstStyle/>
-                    <a:p>
-                      <a:r>
-                        <a:rPr lang="en-US" sz="1600" dirty="0">
-                          <a:effectLst/>
-                        </a:rPr>
-                        <a:t>Tue</a:t>
-                      </a:r>
-                    </a:p>
-                  </a:txBody>
-                  <a:tcPr marL="142875" marR="142875" marT="95250" marB="95250" anchor="ctr"/>
-                </a:tc>
+              <a:tr h="216188">
                 <a:tc>
                   <a:txBody>
                     <a:bodyPr/>
@@ -4687,10 +4613,10 @@
                     <a:p>
                       <a:pPr algn="r"/>
                       <a:r>
-                        <a:rPr lang="en-US" sz="1600">
+                        <a:rPr lang="en-US" sz="1800">
                           <a:effectLst/>
                         </a:rPr>
-                        <a:t>9:10 AM</a:t>
+                        <a:t>8:35 AM</a:t>
                       </a:r>
                     </a:p>
                   </a:txBody>
@@ -4702,7 +4628,7 @@
                     <a:lstStyle/>
                     <a:p>
                       <a:r>
-                        <a:rPr lang="en-US" sz="1600">
+                        <a:rPr lang="en-US" sz="1800">
                           <a:effectLst/>
                         </a:rPr>
                         <a:t>Motivation and Overview of Best Practices in HPC Software Development</a:t>
@@ -4717,10 +4643,10 @@
                     <a:lstStyle/>
                     <a:p>
                       <a:r>
-                        <a:rPr lang="en-US" sz="1600">
+                        <a:rPr lang="en-US" sz="1800">
                           <a:effectLst/>
                         </a:rPr>
-                        <a:t>Patricia A. Grubel (LANL)</a:t>
+                        <a:t>David E. Bernholdt (ORNL)</a:t>
                       </a:r>
                     </a:p>
                   </a:txBody>
@@ -4732,22 +4658,7 @@
                   </a:ext>
                 </a:extLst>
               </a:tr>
-              <a:tr h="393875">
-                <a:tc>
-                  <a:txBody>
-                    <a:bodyPr/>
-                    <a:lstStyle/>
-                    <a:p>
-                      <a:r>
-                        <a:rPr lang="en-US" sz="1600" dirty="0">
-                          <a:effectLst/>
-                        </a:rPr>
-                        <a:t>Tue</a:t>
-                      </a:r>
-                    </a:p>
-                  </a:txBody>
-                  <a:tcPr marL="142875" marR="142875" marT="95250" marB="95250" anchor="ctr"/>
-                </a:tc>
+              <a:tr h="0">
                 <a:tc>
                   <a:txBody>
                     <a:bodyPr/>
@@ -4755,10 +4666,10 @@
                     <a:p>
                       <a:pPr algn="r"/>
                       <a:r>
-                        <a:rPr lang="en-US" sz="1600">
+                        <a:rPr lang="en-US" sz="1800">
                           <a:effectLst/>
                         </a:rPr>
-                        <a:t>9:40 AM</a:t>
+                        <a:t>9:15 AM</a:t>
                       </a:r>
                     </a:p>
                   </a:txBody>
@@ -4770,347 +4681,7 @@
                     <a:lstStyle/>
                     <a:p>
                       <a:r>
-                        <a:rPr lang="en-US" sz="1600">
-                          <a:effectLst/>
-                        </a:rPr>
-                        <a:t>Collaborative Software Development</a:t>
-                      </a:r>
-                    </a:p>
-                  </a:txBody>
-                  <a:tcPr marL="142875" marR="142875" marT="95250" marB="95250" anchor="ctr"/>
-                </a:tc>
-                <a:tc>
-                  <a:txBody>
-                    <a:bodyPr/>
-                    <a:lstStyle/>
-                    <a:p>
-                      <a:r>
-                        <a:rPr lang="en-US" sz="1600">
-                          <a:effectLst/>
-                        </a:rPr>
-                        <a:t>Patricia A. Grubel (LANL)</a:t>
-                      </a:r>
-                    </a:p>
-                  </a:txBody>
-                  <a:tcPr marL="142875" marR="142875" marT="95250" marB="95250" anchor="ctr"/>
-                </a:tc>
-                <a:extLst>
-                  <a:ext uri="{0D108BD9-81ED-4DB2-BD59-A6C34878D82A}">
-                    <a16:rowId xmlns:a16="http://schemas.microsoft.com/office/drawing/2014/main" val="1951011699"/>
-                  </a:ext>
-                </a:extLst>
-              </a:tr>
-              <a:tr h="393875">
-                <a:tc>
-                  <a:txBody>
-                    <a:bodyPr/>
-                    <a:lstStyle/>
-                    <a:p>
-                      <a:r>
-                        <a:rPr lang="en-US" sz="1600" dirty="0">
-                          <a:effectLst/>
-                        </a:rPr>
-                        <a:t>Tue</a:t>
-                      </a:r>
-                    </a:p>
-                  </a:txBody>
-                  <a:tcPr marL="142875" marR="142875" marT="95250" marB="95250" anchor="ctr"/>
-                </a:tc>
-                <a:tc>
-                  <a:txBody>
-                    <a:bodyPr/>
-                    <a:lstStyle/>
-                    <a:p>
-                      <a:pPr algn="r"/>
-                      <a:r>
-                        <a:rPr lang="en-US" sz="1600">
-                          <a:effectLst/>
-                        </a:rPr>
-                        <a:t>10:40 AM</a:t>
-                      </a:r>
-                    </a:p>
-                  </a:txBody>
-                  <a:tcPr marL="142875" marR="142875" marT="95250" marB="95250" anchor="ctr"/>
-                </a:tc>
-                <a:tc>
-                  <a:txBody>
-                    <a:bodyPr/>
-                    <a:lstStyle/>
-                    <a:p>
-                      <a:r>
-                        <a:rPr lang="en-US" sz="1600" i="1">
-                          <a:effectLst/>
-                        </a:rPr>
-                        <a:t>Break</a:t>
-                      </a:r>
-                      <a:endParaRPr lang="en-US" sz="1600">
-                        <a:effectLst/>
-                      </a:endParaRPr>
-                    </a:p>
-                  </a:txBody>
-                  <a:tcPr marL="142875" marR="142875" marT="95250" marB="95250" anchor="ctr"/>
-                </a:tc>
-                <a:tc>
-                  <a:txBody>
-                    <a:bodyPr/>
-                    <a:lstStyle/>
-                    <a:p>
-                      <a:endParaRPr lang="en-US" sz="1600">
-                        <a:effectLst/>
-                      </a:endParaRPr>
-                    </a:p>
-                  </a:txBody>
-                  <a:tcPr marL="142875" marR="142875" marT="95250" marB="95250" anchor="ctr"/>
-                </a:tc>
-                <a:extLst>
-                  <a:ext uri="{0D108BD9-81ED-4DB2-BD59-A6C34878D82A}">
-                    <a16:rowId xmlns:a16="http://schemas.microsoft.com/office/drawing/2014/main" val="333202538"/>
-                  </a:ext>
-                </a:extLst>
-              </a:tr>
-              <a:tr h="393875">
-                <a:tc>
-                  <a:txBody>
-                    <a:bodyPr/>
-                    <a:lstStyle/>
-                    <a:p>
-                      <a:r>
-                        <a:rPr lang="en-US" sz="1600" dirty="0">
-                          <a:effectLst/>
-                        </a:rPr>
-                        <a:t>Tue</a:t>
-                      </a:r>
-                    </a:p>
-                  </a:txBody>
-                  <a:tcPr marL="142875" marR="142875" marT="95250" marB="95250" anchor="ctr"/>
-                </a:tc>
-                <a:tc>
-                  <a:txBody>
-                    <a:bodyPr/>
-                    <a:lstStyle/>
-                    <a:p>
-                      <a:pPr algn="r"/>
-                      <a:r>
-                        <a:rPr lang="en-US" sz="1600">
-                          <a:effectLst/>
-                        </a:rPr>
-                        <a:t>10:55 AM</a:t>
-                      </a:r>
-                    </a:p>
-                  </a:txBody>
-                  <a:tcPr marL="142875" marR="142875" marT="95250" marB="95250" anchor="ctr"/>
-                </a:tc>
-                <a:tc>
-                  <a:txBody>
-                    <a:bodyPr/>
-                    <a:lstStyle/>
-                    <a:p>
-                      <a:r>
-                        <a:rPr lang="en-US" sz="1600" dirty="0">
-                          <a:effectLst/>
-                        </a:rPr>
-                        <a:t>Collaborative Software Development (continued)</a:t>
-                      </a:r>
-                    </a:p>
-                  </a:txBody>
-                  <a:tcPr marL="142875" marR="142875" marT="95250" marB="95250" anchor="ctr"/>
-                </a:tc>
-                <a:tc>
-                  <a:txBody>
-                    <a:bodyPr/>
-                    <a:lstStyle/>
-                    <a:p>
-                      <a:r>
-                        <a:rPr lang="en-US" sz="1600">
-                          <a:effectLst/>
-                        </a:rPr>
-                        <a:t>Patricia A. Grubel (LANL)</a:t>
-                      </a:r>
-                    </a:p>
-                  </a:txBody>
-                  <a:tcPr marL="142875" marR="142875" marT="95250" marB="95250" anchor="ctr"/>
-                </a:tc>
-                <a:extLst>
-                  <a:ext uri="{0D108BD9-81ED-4DB2-BD59-A6C34878D82A}">
-                    <a16:rowId xmlns:a16="http://schemas.microsoft.com/office/drawing/2014/main" val="902307701"/>
-                  </a:ext>
-                </a:extLst>
-              </a:tr>
-              <a:tr h="393875">
-                <a:tc>
-                  <a:txBody>
-                    <a:bodyPr/>
-                    <a:lstStyle/>
-                    <a:p>
-                      <a:r>
-                        <a:rPr lang="en-US" sz="1600" dirty="0">
-                          <a:effectLst/>
-                        </a:rPr>
-                        <a:t>Tue</a:t>
-                      </a:r>
-                    </a:p>
-                  </a:txBody>
-                  <a:tcPr marL="142875" marR="142875" marT="95250" marB="95250" anchor="ctr"/>
-                </a:tc>
-                <a:tc>
-                  <a:txBody>
-                    <a:bodyPr/>
-                    <a:lstStyle/>
-                    <a:p>
-                      <a:pPr algn="r"/>
-                      <a:r>
-                        <a:rPr lang="en-US" sz="1600">
-                          <a:effectLst/>
-                        </a:rPr>
-                        <a:t>11:25 AM</a:t>
-                      </a:r>
-                    </a:p>
-                  </a:txBody>
-                  <a:tcPr marL="142875" marR="142875" marT="95250" marB="95250" anchor="ctr"/>
-                </a:tc>
-                <a:tc>
-                  <a:txBody>
-                    <a:bodyPr/>
-                    <a:lstStyle/>
-                    <a:p>
-                      <a:r>
-                        <a:rPr lang="en-US" sz="1600">
-                          <a:effectLst/>
-                        </a:rPr>
-                        <a:t>Software Packaging</a:t>
-                      </a:r>
-                    </a:p>
-                  </a:txBody>
-                  <a:tcPr marL="142875" marR="142875" marT="95250" marB="95250" anchor="ctr"/>
-                </a:tc>
-                <a:tc>
-                  <a:txBody>
-                    <a:bodyPr/>
-                    <a:lstStyle/>
-                    <a:p>
-                      <a:r>
-                        <a:rPr lang="en-US" sz="1600">
-                          <a:effectLst/>
-                        </a:rPr>
-                        <a:t>David E. Bernholdt (ORNL)</a:t>
-                      </a:r>
-                    </a:p>
-                  </a:txBody>
-                  <a:tcPr marL="142875" marR="142875" marT="95250" marB="95250" anchor="ctr"/>
-                </a:tc>
-                <a:extLst>
-                  <a:ext uri="{0D108BD9-81ED-4DB2-BD59-A6C34878D82A}">
-                    <a16:rowId xmlns:a16="http://schemas.microsoft.com/office/drawing/2014/main" val="1166125975"/>
-                  </a:ext>
-                </a:extLst>
-              </a:tr>
-              <a:tr h="393875">
-                <a:tc>
-                  <a:txBody>
-                    <a:bodyPr/>
-                    <a:lstStyle/>
-                    <a:p>
-                      <a:r>
-                        <a:rPr lang="en-US" sz="1600" dirty="0">
-                          <a:effectLst/>
-                        </a:rPr>
-                        <a:t>Tue</a:t>
-                      </a:r>
-                    </a:p>
-                  </a:txBody>
-                  <a:tcPr marL="142875" marR="142875" marT="95250" marB="95250" anchor="ctr"/>
-                </a:tc>
-                <a:tc>
-                  <a:txBody>
-                    <a:bodyPr/>
-                    <a:lstStyle/>
-                    <a:p>
-                      <a:pPr algn="r"/>
-                      <a:r>
-                        <a:rPr lang="en-US" sz="1600">
-                          <a:effectLst/>
-                        </a:rPr>
-                        <a:t>11:55 AM</a:t>
-                      </a:r>
-                    </a:p>
-                  </a:txBody>
-                  <a:tcPr marL="142875" marR="142875" marT="95250" marB="95250" anchor="ctr"/>
-                </a:tc>
-                <a:tc>
-                  <a:txBody>
-                    <a:bodyPr/>
-                    <a:lstStyle/>
-                    <a:p>
-                      <a:r>
-                        <a:rPr lang="en-US" sz="1600" i="1">
-                          <a:effectLst/>
-                        </a:rPr>
-                        <a:t>Lunch</a:t>
-                      </a:r>
-                      <a:endParaRPr lang="en-US" sz="1600">
-                        <a:effectLst/>
-                      </a:endParaRPr>
-                    </a:p>
-                  </a:txBody>
-                  <a:tcPr marL="142875" marR="142875" marT="95250" marB="95250" anchor="ctr"/>
-                </a:tc>
-                <a:tc>
-                  <a:txBody>
-                    <a:bodyPr/>
-                    <a:lstStyle/>
-                    <a:p>
-                      <a:endParaRPr lang="en-US" sz="1600">
-                        <a:effectLst/>
-                      </a:endParaRPr>
-                    </a:p>
-                  </a:txBody>
-                  <a:tcPr marL="142875" marR="142875" marT="95250" marB="95250" anchor="ctr"/>
-                </a:tc>
-                <a:extLst>
-                  <a:ext uri="{0D108BD9-81ED-4DB2-BD59-A6C34878D82A}">
-                    <a16:rowId xmlns:a16="http://schemas.microsoft.com/office/drawing/2014/main" val="4002252475"/>
-                  </a:ext>
-                </a:extLst>
-              </a:tr>
-              <a:tr h="393875">
-                <a:tc>
-                  <a:txBody>
-                    <a:bodyPr/>
-                    <a:lstStyle/>
-                    <a:p>
-                      <a:r>
-                        <a:rPr lang="en-US" sz="1600" dirty="0">
-                          <a:effectLst/>
-                        </a:rPr>
-                        <a:t>Tue</a:t>
-                      </a:r>
-                    </a:p>
-                  </a:txBody>
-                  <a:tcPr marL="142875" marR="142875" marT="95250" marB="95250" anchor="ctr"/>
-                </a:tc>
-                <a:tc>
-                  <a:txBody>
-                    <a:bodyPr/>
-                    <a:lstStyle/>
-                    <a:p>
-                      <a:pPr algn="r"/>
-                      <a:r>
-                        <a:rPr lang="en-US" sz="1600">
-                          <a:effectLst/>
-                        </a:rPr>
-                        <a:t>1:30 PM</a:t>
-                      </a:r>
-                    </a:p>
-                  </a:txBody>
-                  <a:tcPr marL="142875" marR="142875" marT="95250" marB="95250" anchor="ctr"/>
-                </a:tc>
-                <a:tc>
-                  <a:txBody>
-                    <a:bodyPr/>
-                    <a:lstStyle/>
-                    <a:p>
-                      <a:r>
-                        <a:rPr lang="en-US" sz="1600">
+                        <a:rPr lang="en-US" sz="1800">
                           <a:effectLst/>
                         </a:rPr>
                         <a:t>Scientific Software Design</a:t>
@@ -5125,7 +4696,7 @@
                     <a:lstStyle/>
                     <a:p>
                       <a:r>
-                        <a:rPr lang="en-US" sz="1600" dirty="0">
+                        <a:rPr lang="en-US" sz="1800">
                           <a:effectLst/>
                         </a:rPr>
                         <a:t>Anshu Dubey (ANL)</a:t>
@@ -5136,26 +4707,11 @@
                 </a:tc>
                 <a:extLst>
                   <a:ext uri="{0D108BD9-81ED-4DB2-BD59-A6C34878D82A}">
-                    <a16:rowId xmlns:a16="http://schemas.microsoft.com/office/drawing/2014/main" val="2099819354"/>
+                    <a16:rowId xmlns:a16="http://schemas.microsoft.com/office/drawing/2014/main" val="1951011699"/>
                   </a:ext>
                 </a:extLst>
               </a:tr>
-              <a:tr h="393875">
-                <a:tc>
-                  <a:txBody>
-                    <a:bodyPr/>
-                    <a:lstStyle/>
-                    <a:p>
-                      <a:r>
-                        <a:rPr lang="en-US" sz="1600" dirty="0">
-                          <a:effectLst/>
-                        </a:rPr>
-                        <a:t>Tue</a:t>
-                      </a:r>
-                    </a:p>
-                  </a:txBody>
-                  <a:tcPr marL="142875" marR="142875" marT="95250" marB="95250" anchor="ctr"/>
-                </a:tc>
+              <a:tr h="389200">
                 <a:tc>
                   <a:txBody>
                     <a:bodyPr/>
@@ -5163,10 +4719,10 @@
                     <a:p>
                       <a:pPr algn="r"/>
                       <a:r>
-                        <a:rPr lang="en-US" sz="1600">
+                        <a:rPr lang="en-US" sz="1800">
                           <a:effectLst/>
                         </a:rPr>
-                        <a:t>3:00 PM</a:t>
+                        <a:t>10:00 AM</a:t>
                       </a:r>
                     </a:p>
                   </a:txBody>
@@ -5178,10 +4734,48 @@
                     <a:lstStyle/>
                     <a:p>
                       <a:r>
-                        <a:rPr lang="en-US" sz="1600">
+                        <a:rPr lang="en-US" sz="1800" i="1">
                           <a:effectLst/>
                         </a:rPr>
-                        <a:t>Refactoring Scientific Software</a:t>
+                        <a:t>Break</a:t>
+                      </a:r>
+                      <a:endParaRPr lang="en-US" sz="1800">
+                        <a:effectLst/>
+                      </a:endParaRPr>
+                    </a:p>
+                  </a:txBody>
+                  <a:tcPr marL="142875" marR="142875" marT="95250" marB="95250" anchor="ctr"/>
+                </a:tc>
+                <a:tc>
+                  <a:txBody>
+                    <a:bodyPr/>
+                    <a:lstStyle/>
+                    <a:p>
+                      <a:endParaRPr lang="en-US" sz="1800">
+                        <a:effectLst/>
+                      </a:endParaRPr>
+                    </a:p>
+                  </a:txBody>
+                  <a:tcPr marL="142875" marR="142875" marT="95250" marB="95250" anchor="ctr"/>
+                </a:tc>
+                <a:extLst>
+                  <a:ext uri="{0D108BD9-81ED-4DB2-BD59-A6C34878D82A}">
+                    <a16:rowId xmlns:a16="http://schemas.microsoft.com/office/drawing/2014/main" val="333202538"/>
+                  </a:ext>
+                </a:extLst>
+              </a:tr>
+              <a:tr h="389200">
+                <a:tc>
+                  <a:txBody>
+                    <a:bodyPr/>
+                    <a:lstStyle/>
+                    <a:p>
+                      <a:pPr algn="r"/>
+                      <a:r>
+                        <a:rPr lang="en-US" sz="1800">
+                          <a:effectLst/>
+                        </a:rPr>
+                        <a:t>10:30 AM</a:t>
                       </a:r>
                     </a:p>
                   </a:txBody>
@@ -5193,48 +4787,10 @@
                     <a:lstStyle/>
                     <a:p>
                       <a:r>
-                        <a:rPr lang="en-US" sz="1600" dirty="0">
+                        <a:rPr lang="en-US" sz="1800">
                           <a:effectLst/>
                         </a:rPr>
-                        <a:t>Anshu Dubey (ANL)</a:t>
-                      </a:r>
-                    </a:p>
-                  </a:txBody>
-                  <a:tcPr marL="142875" marR="142875" marT="95250" marB="95250" anchor="ctr"/>
-                </a:tc>
-                <a:extLst>
-                  <a:ext uri="{0D108BD9-81ED-4DB2-BD59-A6C34878D82A}">
-                    <a16:rowId xmlns:a16="http://schemas.microsoft.com/office/drawing/2014/main" val="798098257"/>
-                  </a:ext>
-                </a:extLst>
-              </a:tr>
-              <a:tr h="393875">
-                <a:tc>
-                  <a:txBody>
-                    <a:bodyPr/>
-                    <a:lstStyle/>
-                    <a:p>
-                      <a:r>
-                        <a:rPr lang="en-US" sz="1600" dirty="0">
-                          <a:effectLst/>
-                        </a:rPr>
-                        <a:t>Tue</a:t>
-                      </a:r>
-                    </a:p>
-                  </a:txBody>
-                  <a:tcPr marL="142875" marR="142875" marT="95250" marB="95250" anchor="ctr"/>
-                </a:tc>
-                <a:tc>
-                  <a:txBody>
-                    <a:bodyPr/>
-                    <a:lstStyle/>
-                    <a:p>
-                      <a:pPr algn="r"/>
-                      <a:r>
-                        <a:rPr lang="en-US" sz="1600">
-                          <a:effectLst/>
-                        </a:rPr>
-                        <a:t>3:30 PM</a:t>
+                        <a:t>Spack: Package Management for HPC</a:t>
                       </a:r>
                     </a:p>
                   </a:txBody>
@@ -5246,12 +4802,103 @@
                     <a:lstStyle/>
                     <a:p>
                       <a:r>
-                        <a:rPr lang="en-US" sz="1600" i="1">
+                        <a:rPr lang="en-US" sz="1800">
                           <a:effectLst/>
                         </a:rPr>
-                        <a:t>Break</a:t>
+                        <a:t>Greg Becker (LLNL)</a:t>
                       </a:r>
-                      <a:endParaRPr lang="en-US" sz="1600">
+                    </a:p>
+                  </a:txBody>
+                  <a:tcPr marL="142875" marR="142875" marT="95250" marB="95250" anchor="ctr"/>
+                </a:tc>
+                <a:extLst>
+                  <a:ext uri="{0D108BD9-81ED-4DB2-BD59-A6C34878D82A}">
+                    <a16:rowId xmlns:a16="http://schemas.microsoft.com/office/drawing/2014/main" val="902307701"/>
+                  </a:ext>
+                </a:extLst>
+              </a:tr>
+              <a:tr h="389200">
+                <a:tc>
+                  <a:txBody>
+                    <a:bodyPr/>
+                    <a:lstStyle/>
+                    <a:p>
+                      <a:pPr algn="r"/>
+                      <a:r>
+                        <a:rPr lang="en-US" sz="1800">
+                          <a:effectLst/>
+                        </a:rPr>
+                        <a:t>11:30 AM</a:t>
+                      </a:r>
+                    </a:p>
+                  </a:txBody>
+                  <a:tcPr marL="142875" marR="142875" marT="95250" marB="95250" anchor="ctr"/>
+                </a:tc>
+                <a:tc>
+                  <a:txBody>
+                    <a:bodyPr/>
+                    <a:lstStyle/>
+                    <a:p>
+                      <a:r>
+                        <a:rPr lang="en-US" sz="1800">
+                          <a:effectLst/>
+                        </a:rPr>
+                        <a:t>Spack Hands-On</a:t>
+                      </a:r>
+                    </a:p>
+                  </a:txBody>
+                  <a:tcPr marL="142875" marR="142875" marT="95250" marB="95250" anchor="ctr"/>
+                </a:tc>
+                <a:tc>
+                  <a:txBody>
+                    <a:bodyPr/>
+                    <a:lstStyle/>
+                    <a:p>
+                      <a:r>
+                        <a:rPr lang="en-US" sz="1800">
+                          <a:effectLst/>
+                        </a:rPr>
+                        <a:t>Greg Becker (LLNL)</a:t>
+                      </a:r>
+                    </a:p>
+                  </a:txBody>
+                  <a:tcPr marL="142875" marR="142875" marT="95250" marB="95250" anchor="ctr"/>
+                </a:tc>
+                <a:extLst>
+                  <a:ext uri="{0D108BD9-81ED-4DB2-BD59-A6C34878D82A}">
+                    <a16:rowId xmlns:a16="http://schemas.microsoft.com/office/drawing/2014/main" val="1166125975"/>
+                  </a:ext>
+                </a:extLst>
+              </a:tr>
+              <a:tr h="389200">
+                <a:tc>
+                  <a:txBody>
+                    <a:bodyPr/>
+                    <a:lstStyle/>
+                    <a:p>
+                      <a:pPr algn="r"/>
+                      <a:r>
+                        <a:rPr lang="en-US" sz="1800">
+                          <a:effectLst/>
+                        </a:rPr>
+                        <a:t>12:30 PM</a:t>
+                      </a:r>
+                    </a:p>
+                  </a:txBody>
+                  <a:tcPr marL="142875" marR="142875" marT="95250" marB="95250" anchor="ctr"/>
+                </a:tc>
+                <a:tc>
+                  <a:txBody>
+                    <a:bodyPr/>
+                    <a:lstStyle/>
+                    <a:p>
+                      <a:r>
+                        <a:rPr lang="en-US" sz="1800" i="1">
+                          <a:effectLst/>
+                        </a:rPr>
+                        <a:t>Lunch</a:t>
+                      </a:r>
+                      <a:endParaRPr lang="en-US" sz="1800">
                         <a:effectLst/>
                       </a:endParaRPr>
                     </a:p>
@@ -5263,7 +4910,7 @@
                     <a:bodyPr/>
                     <a:lstStyle/>
                     <a:p>
-                      <a:endParaRPr lang="en-US" sz="1600">
+                      <a:endParaRPr lang="en-US" sz="1800" dirty="0">
                         <a:effectLst/>
                       </a:endParaRPr>
                     </a:p>
@@ -5272,141 +4919,7 @@
                 </a:tc>
                 <a:extLst>
                   <a:ext uri="{0D108BD9-81ED-4DB2-BD59-A6C34878D82A}">
-                    <a16:rowId xmlns:a16="http://schemas.microsoft.com/office/drawing/2014/main" val="2815321618"/>
-                  </a:ext>
-                </a:extLst>
-              </a:tr>
-              <a:tr h="393875">
-                <a:tc>
-                  <a:txBody>
-                    <a:bodyPr/>
-                    <a:lstStyle/>
-                    <a:p>
-                      <a:r>
-                        <a:rPr lang="en-US" sz="1600" dirty="0">
-                          <a:effectLst/>
-                        </a:rPr>
-                        <a:t>Tue</a:t>
-                      </a:r>
-                    </a:p>
-                  </a:txBody>
-                  <a:tcPr marL="142875" marR="142875" marT="95250" marB="95250" anchor="ctr"/>
-                </a:tc>
-                <a:tc>
-                  <a:txBody>
-                    <a:bodyPr/>
-                    <a:lstStyle/>
-                    <a:p>
-                      <a:pPr algn="r"/>
-                      <a:r>
-                        <a:rPr lang="en-US" sz="1600">
-                          <a:effectLst/>
-                        </a:rPr>
-                        <a:t>3:45 PM</a:t>
-                      </a:r>
-                    </a:p>
-                  </a:txBody>
-                  <a:tcPr marL="142875" marR="142875" marT="95250" marB="95250" anchor="ctr"/>
-                </a:tc>
-                <a:tc>
-                  <a:txBody>
-                    <a:bodyPr/>
-                    <a:lstStyle/>
-                    <a:p>
-                      <a:r>
-                        <a:rPr lang="en-US" sz="1600">
-                          <a:effectLst/>
-                        </a:rPr>
-                        <a:t>Improving Reproducibility Through Better Software Practices</a:t>
-                      </a:r>
-                    </a:p>
-                  </a:txBody>
-                  <a:tcPr marL="142875" marR="142875" marT="95250" marB="95250" anchor="ctr"/>
-                </a:tc>
-                <a:tc>
-                  <a:txBody>
-                    <a:bodyPr/>
-                    <a:lstStyle/>
-                    <a:p>
-                      <a:r>
-                        <a:rPr lang="en-US" sz="1600">
-                          <a:effectLst/>
-                        </a:rPr>
-                        <a:t>Patricia A. Grubel (LANL)</a:t>
-                      </a:r>
-                    </a:p>
-                  </a:txBody>
-                  <a:tcPr marL="142875" marR="142875" marT="95250" marB="95250" anchor="ctr"/>
-                </a:tc>
-                <a:extLst>
-                  <a:ext uri="{0D108BD9-81ED-4DB2-BD59-A6C34878D82A}">
-                    <a16:rowId xmlns:a16="http://schemas.microsoft.com/office/drawing/2014/main" val="2011427992"/>
-                  </a:ext>
-                </a:extLst>
-              </a:tr>
-              <a:tr h="393875">
-                <a:tc>
-                  <a:txBody>
-                    <a:bodyPr/>
-                    <a:lstStyle/>
-                    <a:p>
-                      <a:r>
-                        <a:rPr lang="en-US" sz="1600" dirty="0">
-                          <a:effectLst/>
-                        </a:rPr>
-                        <a:t>Tue</a:t>
-                      </a:r>
-                    </a:p>
-                  </a:txBody>
-                  <a:tcPr marL="142875" marR="142875" marT="95250" marB="95250" anchor="ctr"/>
-                </a:tc>
-                <a:tc>
-                  <a:txBody>
-                    <a:bodyPr/>
-                    <a:lstStyle/>
-                    <a:p>
-                      <a:pPr algn="r"/>
-                      <a:r>
-                        <a:rPr lang="en-US" sz="1600">
-                          <a:effectLst/>
-                        </a:rPr>
-                        <a:t>5:00 PM</a:t>
-                      </a:r>
-                    </a:p>
-                  </a:txBody>
-                  <a:tcPr marL="142875" marR="142875" marT="95250" marB="95250" anchor="ctr"/>
-                </a:tc>
-                <a:tc>
-                  <a:txBody>
-                    <a:bodyPr/>
-                    <a:lstStyle/>
-                    <a:p>
-                      <a:r>
-                        <a:rPr lang="en-US" sz="1600" i="1">
-                          <a:effectLst/>
-                        </a:rPr>
-                        <a:t>Adjourn</a:t>
-                      </a:r>
-                      <a:endParaRPr lang="en-US" sz="1600">
-                        <a:effectLst/>
-                      </a:endParaRPr>
-                    </a:p>
-                  </a:txBody>
-                  <a:tcPr marL="142875" marR="142875" marT="95250" marB="95250" anchor="ctr"/>
-                </a:tc>
-                <a:tc>
-                  <a:txBody>
-                    <a:bodyPr/>
-                    <a:lstStyle/>
-                    <a:p>
-                      <a:endParaRPr lang="en-US" sz="1600" dirty="0"/>
-                    </a:p>
-                  </a:txBody>
-                  <a:tcPr/>
-                </a:tc>
-                <a:extLst>
-                  <a:ext uri="{0D108BD9-81ED-4DB2-BD59-A6C34878D82A}">
-                    <a16:rowId xmlns:a16="http://schemas.microsoft.com/office/drawing/2014/main" val="3798107722"/>
+                    <a16:rowId xmlns:a16="http://schemas.microsoft.com/office/drawing/2014/main" val="4002252475"/>
                   </a:ext>
                 </a:extLst>
               </a:tr>
@@ -5589,7 +5102,7 @@
           <a:p>
             <a:r>
               <a:rPr lang="en-US" dirty="0"/>
-              <a:t>Agenda (continued) </a:t>
+              <a:t>Agenda (afternoon) </a:t>
             </a:r>
           </a:p>
         </p:txBody>
@@ -5610,14 +5123,14 @@
             <p:ph idx="1"/>
             <p:extLst>
               <p:ext uri="{D42A27DB-BD31-4B8C-83A1-F6EECF244321}">
-                <p14:modId xmlns:p14="http://schemas.microsoft.com/office/powerpoint/2010/main" val="600297982"/>
+                <p14:modId xmlns:p14="http://schemas.microsoft.com/office/powerpoint/2010/main" val="90041730"/>
               </p:ext>
             </p:extLst>
           </p:nvPr>
         </p:nvGraphicFramePr>
         <p:xfrm>
-          <a:off x="365759" y="858812"/>
-          <a:ext cx="11372471" cy="5455920"/>
+          <a:off x="365758" y="866432"/>
+          <a:ext cx="11414888" cy="5661660"/>
         </p:xfrm>
         <a:graphic>
           <a:graphicData uri="http://schemas.openxmlformats.org/drawingml/2006/table">
@@ -5626,28 +5139,21 @@
                 <a:tableStyleId>{5C22544A-7EE6-4342-B048-85BDC9FD1C3A}</a:tableStyleId>
               </a:tblPr>
               <a:tblGrid>
-                <a:gridCol w="708661">
-                  <a:extLst>
-                    <a:ext uri="{9D8B030D-6E8A-4147-A177-3AD203B41FA5}">
-                      <a16:colId xmlns:a16="http://schemas.microsoft.com/office/drawing/2014/main" val="2096151137"/>
-                    </a:ext>
-                  </a:extLst>
-                </a:gridCol>
-                <a:gridCol w="1417320">
+                <a:gridCol w="1417322">
                   <a:extLst>
                     <a:ext uri="{9D8B030D-6E8A-4147-A177-3AD203B41FA5}">
                       <a16:colId xmlns:a16="http://schemas.microsoft.com/office/drawing/2014/main" val="41390910"/>
                     </a:ext>
                   </a:extLst>
                 </a:gridCol>
-                <a:gridCol w="6309360">
+                <a:gridCol w="6934200">
                   <a:extLst>
                     <a:ext uri="{9D8B030D-6E8A-4147-A177-3AD203B41FA5}">
                       <a16:colId xmlns:a16="http://schemas.microsoft.com/office/drawing/2014/main" val="1261297711"/>
                     </a:ext>
                   </a:extLst>
                 </a:gridCol>
-                <a:gridCol w="2937130">
+                <a:gridCol w="3063366">
                   <a:extLst>
                     <a:ext uri="{9D8B030D-6E8A-4147-A177-3AD203B41FA5}">
                       <a16:colId xmlns:a16="http://schemas.microsoft.com/office/drawing/2014/main" val="3622604584"/>
@@ -5655,23 +5161,7 @@
                   </a:extLst>
                 </a:gridCol>
               </a:tblGrid>
-              <a:tr h="393875">
-                <a:tc>
-                  <a:txBody>
-                    <a:bodyPr/>
-                    <a:lstStyle/>
-                    <a:p>
-                      <a:pPr algn="l"/>
-                      <a:r>
-                        <a:rPr lang="en-US" sz="1600" dirty="0">
-                          <a:effectLst/>
-                        </a:rPr>
-                        <a:t>Day</a:t>
-                      </a:r>
-                    </a:p>
-                  </a:txBody>
-                  <a:tcPr marL="142875" marR="142875" marT="95250" marB="95250" anchor="ctr"/>
-                </a:tc>
+              <a:tr h="389200">
                 <a:tc>
                   <a:txBody>
                     <a:bodyPr/>
@@ -5679,10 +5169,10 @@
                     <a:p>
                       <a:pPr algn="r"/>
                       <a:r>
-                        <a:rPr lang="en-US" sz="1600" dirty="0">
+                        <a:rPr lang="en-US" sz="1800" dirty="0">
                           <a:effectLst/>
                         </a:rPr>
-                        <a:t>Time (MDT)</a:t>
+                        <a:t>Time (CDT)</a:t>
                       </a:r>
                     </a:p>
                   </a:txBody>
@@ -5694,7 +5184,7 @@
                     <a:lstStyle/>
                     <a:p>
                       <a:r>
-                        <a:rPr lang="en-US" sz="1600" dirty="0">
+                        <a:rPr lang="en-US" sz="1800" dirty="0">
                           <a:effectLst/>
                         </a:rPr>
                         <a:t>Title</a:t>
@@ -5709,7 +5199,7 @@
                     <a:lstStyle/>
                     <a:p>
                       <a:r>
-                        <a:rPr lang="en-US" sz="1600" dirty="0">
+                        <a:rPr lang="en-US" sz="1800" dirty="0">
                           <a:effectLst/>
                         </a:rPr>
                         <a:t>Presenter</a:t>
@@ -5724,22 +5214,7 @@
                   </a:ext>
                 </a:extLst>
               </a:tr>
-              <a:tr h="393875">
-                <a:tc>
-                  <a:txBody>
-                    <a:bodyPr/>
-                    <a:lstStyle/>
-                    <a:p>
-                      <a:r>
-                        <a:rPr lang="en-US" sz="1600" dirty="0">
-                          <a:effectLst/>
-                        </a:rPr>
-                        <a:t>Wed</a:t>
-                      </a:r>
-                    </a:p>
-                  </a:txBody>
-                  <a:tcPr marL="142875" marR="142875" marT="95250" marB="95250" anchor="ctr"/>
-                </a:tc>
+              <a:tr h="389200">
                 <a:tc>
                   <a:txBody>
                     <a:bodyPr/>
@@ -5747,10 +5222,10 @@
                     <a:p>
                       <a:pPr algn="r"/>
                       <a:r>
-                        <a:rPr lang="en-US" sz="1600">
+                        <a:rPr lang="en-US" sz="1800">
                           <a:effectLst/>
                         </a:rPr>
-                        <a:t>9:00 AM</a:t>
+                        <a:t>12:30 PM</a:t>
                       </a:r>
                     </a:p>
                   </a:txBody>
@@ -5762,7 +5237,219 @@
                     <a:lstStyle/>
                     <a:p>
                       <a:r>
-                        <a:rPr lang="en-US" sz="1600">
+                        <a:rPr lang="en-US" sz="1800" i="1">
+                          <a:effectLst/>
+                        </a:rPr>
+                        <a:t>Lunch</a:t>
+                      </a:r>
+                      <a:endParaRPr lang="en-US" sz="1800">
+                        <a:effectLst/>
+                      </a:endParaRPr>
+                    </a:p>
+                  </a:txBody>
+                  <a:tcPr marL="142875" marR="142875" marT="95250" marB="95250" anchor="ctr"/>
+                </a:tc>
+                <a:tc>
+                  <a:txBody>
+                    <a:bodyPr/>
+                    <a:lstStyle/>
+                    <a:p>
+                      <a:endParaRPr lang="en-US" sz="1800" dirty="0">
+                        <a:effectLst/>
+                      </a:endParaRPr>
+                    </a:p>
+                  </a:txBody>
+                  <a:tcPr marL="142875" marR="142875" marT="95250" marB="95250" anchor="ctr"/>
+                </a:tc>
+                <a:extLst>
+                  <a:ext uri="{0D108BD9-81ED-4DB2-BD59-A6C34878D82A}">
+                    <a16:rowId xmlns:a16="http://schemas.microsoft.com/office/drawing/2014/main" val="4002252475"/>
+                  </a:ext>
+                </a:extLst>
+              </a:tr>
+              <a:tr h="389200">
+                <a:tc>
+                  <a:txBody>
+                    <a:bodyPr/>
+                    <a:lstStyle/>
+                    <a:p>
+                      <a:pPr algn="r"/>
+                      <a:r>
+                        <a:rPr lang="en-US" sz="1800">
+                          <a:effectLst/>
+                        </a:rPr>
+                        <a:t>1:30 PM</a:t>
+                      </a:r>
+                    </a:p>
+                  </a:txBody>
+                  <a:tcPr marL="142875" marR="142875" marT="95250" marB="95250" anchor="ctr"/>
+                </a:tc>
+                <a:tc>
+                  <a:txBody>
+                    <a:bodyPr/>
+                    <a:lstStyle/>
+                    <a:p>
+                      <a:r>
+                        <a:rPr lang="en-US" sz="1800">
+                          <a:effectLst/>
+                        </a:rPr>
+                        <a:t>Software Testing and Verification</a:t>
+                      </a:r>
+                    </a:p>
+                  </a:txBody>
+                  <a:tcPr marL="142875" marR="142875" marT="95250" marB="95250" anchor="ctr"/>
+                </a:tc>
+                <a:tc>
+                  <a:txBody>
+                    <a:bodyPr/>
+                    <a:lstStyle/>
+                    <a:p>
+                      <a:r>
+                        <a:rPr lang="en-US" sz="1800">
+                          <a:effectLst/>
+                        </a:rPr>
+                        <a:t>Anshu Dubey (ANL)</a:t>
+                      </a:r>
+                    </a:p>
+                  </a:txBody>
+                  <a:tcPr marL="142875" marR="142875" marT="95250" marB="95250" anchor="ctr"/>
+                </a:tc>
+                <a:extLst>
+                  <a:ext uri="{0D108BD9-81ED-4DB2-BD59-A6C34878D82A}">
+                    <a16:rowId xmlns:a16="http://schemas.microsoft.com/office/drawing/2014/main" val="2099819354"/>
+                  </a:ext>
+                </a:extLst>
+              </a:tr>
+              <a:tr h="389200">
+                <a:tc>
+                  <a:txBody>
+                    <a:bodyPr/>
+                    <a:lstStyle/>
+                    <a:p>
+                      <a:pPr algn="r"/>
+                      <a:r>
+                        <a:rPr lang="en-US" sz="1800">
+                          <a:effectLst/>
+                        </a:rPr>
+                        <a:t>2:30 PM</a:t>
+                      </a:r>
+                    </a:p>
+                  </a:txBody>
+                  <a:tcPr marL="142875" marR="142875" marT="95250" marB="95250" anchor="ctr"/>
+                </a:tc>
+                <a:tc>
+                  <a:txBody>
+                    <a:bodyPr/>
+                    <a:lstStyle/>
+                    <a:p>
+                      <a:r>
+                        <a:rPr lang="en-US" sz="1800">
+                          <a:effectLst/>
+                        </a:rPr>
+                        <a:t>Refactoring Scientific Software</a:t>
+                      </a:r>
+                    </a:p>
+                  </a:txBody>
+                  <a:tcPr marL="142875" marR="142875" marT="95250" marB="95250" anchor="ctr"/>
+                </a:tc>
+                <a:tc>
+                  <a:txBody>
+                    <a:bodyPr/>
+                    <a:lstStyle/>
+                    <a:p>
+                      <a:r>
+                        <a:rPr lang="en-US" sz="1800">
+                          <a:effectLst/>
+                        </a:rPr>
+                        <a:t>Anshu Dubey (ANL)</a:t>
+                      </a:r>
+                    </a:p>
+                  </a:txBody>
+                  <a:tcPr marL="142875" marR="142875" marT="95250" marB="95250" anchor="ctr"/>
+                </a:tc>
+                <a:extLst>
+                  <a:ext uri="{0D108BD9-81ED-4DB2-BD59-A6C34878D82A}">
+                    <a16:rowId xmlns:a16="http://schemas.microsoft.com/office/drawing/2014/main" val="798098257"/>
+                  </a:ext>
+                </a:extLst>
+              </a:tr>
+              <a:tr h="389200">
+                <a:tc>
+                  <a:txBody>
+                    <a:bodyPr/>
+                    <a:lstStyle/>
+                    <a:p>
+                      <a:pPr algn="r"/>
+                      <a:r>
+                        <a:rPr lang="en-US" sz="1800">
+                          <a:effectLst/>
+                        </a:rPr>
+                        <a:t>3:00 PM</a:t>
+                      </a:r>
+                    </a:p>
+                  </a:txBody>
+                  <a:tcPr marL="142875" marR="142875" marT="95250" marB="95250" anchor="ctr"/>
+                </a:tc>
+                <a:tc>
+                  <a:txBody>
+                    <a:bodyPr/>
+                    <a:lstStyle/>
+                    <a:p>
+                      <a:r>
+                        <a:rPr lang="en-US" sz="1800" i="1">
+                          <a:effectLst/>
+                        </a:rPr>
+                        <a:t>Break</a:t>
+                      </a:r>
+                      <a:endParaRPr lang="en-US" sz="1800">
+                        <a:effectLst/>
+                      </a:endParaRPr>
+                    </a:p>
+                  </a:txBody>
+                  <a:tcPr marL="142875" marR="142875" marT="95250" marB="95250" anchor="ctr"/>
+                </a:tc>
+                <a:tc>
+                  <a:txBody>
+                    <a:bodyPr/>
+                    <a:lstStyle/>
+                    <a:p>
+                      <a:endParaRPr lang="en-US" sz="1800">
+                        <a:effectLst/>
+                      </a:endParaRPr>
+                    </a:p>
+                  </a:txBody>
+                  <a:tcPr marL="142875" marR="142875" marT="95250" marB="95250" anchor="ctr"/>
+                </a:tc>
+                <a:extLst>
+                  <a:ext uri="{0D108BD9-81ED-4DB2-BD59-A6C34878D82A}">
+                    <a16:rowId xmlns:a16="http://schemas.microsoft.com/office/drawing/2014/main" val="2815321618"/>
+                  </a:ext>
+                </a:extLst>
+              </a:tr>
+              <a:tr h="389200">
+                <a:tc>
+                  <a:txBody>
+                    <a:bodyPr/>
+                    <a:lstStyle/>
+                    <a:p>
+                      <a:pPr algn="r"/>
+                      <a:r>
+                        <a:rPr lang="en-US" sz="1800">
+                          <a:effectLst/>
+                        </a:rPr>
+                        <a:t>3:30 PM</a:t>
+                      </a:r>
+                    </a:p>
+                  </a:txBody>
+                  <a:tcPr marL="142875" marR="142875" marT="95250" marB="95250" anchor="ctr"/>
+                </a:tc>
+                <a:tc>
+                  <a:txBody>
+                    <a:bodyPr/>
+                    <a:lstStyle/>
+                    <a:p>
+                      <a:r>
+                        <a:rPr lang="en-US" sz="1800">
                           <a:effectLst/>
                         </a:rPr>
                         <a:t>Lab Notebooks for Computational Mathematics, Sciences, &amp; Engineering</a:t>
@@ -5777,10 +5464,10 @@
                     <a:lstStyle/>
                     <a:p>
                       <a:r>
-                        <a:rPr lang="en-US" sz="1600" dirty="0">
+                        <a:rPr lang="en-US" sz="1800">
                           <a:effectLst/>
                         </a:rPr>
-                        <a:t>David E. Bernholdt (ORNL)</a:t>
+                        <a:t>Jared O'Neal (ANL)</a:t>
                       </a:r>
                     </a:p>
                   </a:txBody>
@@ -5788,26 +5475,11 @@
                 </a:tc>
                 <a:extLst>
                   <a:ext uri="{0D108BD9-81ED-4DB2-BD59-A6C34878D82A}">
-                    <a16:rowId xmlns:a16="http://schemas.microsoft.com/office/drawing/2014/main" val="110245607"/>
+                    <a16:rowId xmlns:a16="http://schemas.microsoft.com/office/drawing/2014/main" val="2011427992"/>
                   </a:ext>
                 </a:extLst>
               </a:tr>
-              <a:tr h="393875">
-                <a:tc>
-                  <a:txBody>
-                    <a:bodyPr/>
-                    <a:lstStyle/>
-                    <a:p>
-                      <a:r>
-                        <a:rPr lang="en-US" sz="1600" dirty="0">
-                          <a:effectLst/>
-                        </a:rPr>
-                        <a:t>Wed</a:t>
-                      </a:r>
-                    </a:p>
-                  </a:txBody>
-                  <a:tcPr marL="142875" marR="142875" marT="95250" marB="95250" anchor="ctr"/>
-                </a:tc>
+              <a:tr h="389200">
                 <a:tc>
                   <a:txBody>
                     <a:bodyPr/>
@@ -5815,10 +5487,10 @@
                     <a:p>
                       <a:pPr algn="r"/>
                       <a:r>
-                        <a:rPr lang="en-US" sz="1600">
+                        <a:rPr lang="en-US" sz="1800" dirty="0">
                           <a:effectLst/>
                         </a:rPr>
-                        <a:t>10:00 AM</a:t>
+                        <a:t>4:30 PM</a:t>
                       </a:r>
                     </a:p>
                   </a:txBody>
@@ -5830,7 +5502,7 @@
                     <a:lstStyle/>
                     <a:p>
                       <a:r>
-                        <a:rPr lang="en-US" sz="1600">
+                        <a:rPr lang="en-US" sz="1800" dirty="0">
                           <a:effectLst/>
                         </a:rPr>
                         <a:t>Managing Computational Experiments</a:t>
@@ -5845,7 +5517,7 @@
                     <a:lstStyle/>
                     <a:p>
                       <a:r>
-                        <a:rPr lang="en-US" sz="1600">
+                        <a:rPr lang="en-US" sz="1800" dirty="0">
                           <a:effectLst/>
                         </a:rPr>
                         <a:t>Anshu Dubey (ANL)</a:t>
@@ -5856,26 +5528,11 @@
                 </a:tc>
                 <a:extLst>
                   <a:ext uri="{0D108BD9-81ED-4DB2-BD59-A6C34878D82A}">
-                    <a16:rowId xmlns:a16="http://schemas.microsoft.com/office/drawing/2014/main" val="1951011699"/>
+                    <a16:rowId xmlns:a16="http://schemas.microsoft.com/office/drawing/2014/main" val="3798107722"/>
                   </a:ext>
                 </a:extLst>
               </a:tr>
-              <a:tr h="393875">
-                <a:tc>
-                  <a:txBody>
-                    <a:bodyPr/>
-                    <a:lstStyle/>
-                    <a:p>
-                      <a:r>
-                        <a:rPr lang="en-US" sz="1600" dirty="0">
-                          <a:effectLst/>
-                        </a:rPr>
-                        <a:t>Wed</a:t>
-                      </a:r>
-                    </a:p>
-                  </a:txBody>
-                  <a:tcPr marL="142875" marR="142875" marT="95250" marB="95250" anchor="ctr"/>
-                </a:tc>
+              <a:tr h="389200">
                 <a:tc>
                   <a:txBody>
                     <a:bodyPr/>
@@ -5883,10 +5540,10 @@
                     <a:p>
                       <a:pPr algn="r"/>
                       <a:r>
-                        <a:rPr lang="en-US" sz="1600">
+                        <a:rPr lang="en-US" sz="1800" dirty="0">
                           <a:effectLst/>
                         </a:rPr>
-                        <a:t>10:30 AM</a:t>
+                        <a:t>4:45 PM</a:t>
                       </a:r>
                     </a:p>
                   </a:txBody>
@@ -5898,63 +5555,10 @@
                     <a:lstStyle/>
                     <a:p>
                       <a:r>
-                        <a:rPr lang="en-US" sz="1600" i="1">
+                        <a:rPr lang="en-US" sz="1800">
                           <a:effectLst/>
                         </a:rPr>
-                        <a:t>Break</a:t>
-                      </a:r>
-                      <a:endParaRPr lang="en-US" sz="1600">
-                        <a:effectLst/>
-                      </a:endParaRPr>
-                    </a:p>
-                  </a:txBody>
-                  <a:tcPr marL="142875" marR="142875" marT="95250" marB="95250" anchor="ctr"/>
-                </a:tc>
-                <a:tc>
-                  <a:txBody>
-                    <a:bodyPr/>
-                    <a:lstStyle/>
-                    <a:p>
-                      <a:endParaRPr lang="en-US" sz="1600">
-                        <a:effectLst/>
-                      </a:endParaRPr>
-                    </a:p>
-                  </a:txBody>
-                  <a:tcPr marL="142875" marR="142875" marT="95250" marB="95250" anchor="ctr"/>
-                </a:tc>
-                <a:extLst>
-                  <a:ext uri="{0D108BD9-81ED-4DB2-BD59-A6C34878D82A}">
-                    <a16:rowId xmlns:a16="http://schemas.microsoft.com/office/drawing/2014/main" val="333202538"/>
-                  </a:ext>
-                </a:extLst>
-              </a:tr>
-              <a:tr h="393875">
-                <a:tc>
-                  <a:txBody>
-                    <a:bodyPr/>
-                    <a:lstStyle/>
-                    <a:p>
-                      <a:r>
-                        <a:rPr lang="en-US" sz="1600" dirty="0">
-                          <a:effectLst/>
-                        </a:rPr>
-                        <a:t>Wed</a:t>
-                      </a:r>
-                    </a:p>
-                  </a:txBody>
-                  <a:tcPr marL="142875" marR="142875" marT="95250" marB="95250" anchor="ctr"/>
-                </a:tc>
-                <a:tc>
-                  <a:txBody>
-                    <a:bodyPr/>
-                    <a:lstStyle/>
-                    <a:p>
-                      <a:pPr algn="r"/>
-                      <a:r>
-                        <a:rPr lang="en-US" sz="1600">
-                          <a:effectLst/>
-                        </a:rPr>
-                        <a:t>10:45 AM</a:t>
+                        <a:t>Improving Reproducibility Through Better Software Practices</a:t>
                       </a:r>
                     </a:p>
                   </a:txBody>
@@ -5966,10 +5570,33 @@
                     <a:lstStyle/>
                     <a:p>
                       <a:r>
-                        <a:rPr lang="en-US" sz="1600">
+                        <a:rPr lang="en-US" sz="1800">
                           <a:effectLst/>
                         </a:rPr>
-                        <a:t>Software Testing and Verification</a:t>
+                        <a:t>David E. Bernholdt (ORNL)</a:t>
+                      </a:r>
+                    </a:p>
+                  </a:txBody>
+                  <a:tcPr marL="142875" marR="142875" marT="95250" marB="95250" anchor="ctr"/>
+                </a:tc>
+                <a:extLst>
+                  <a:ext uri="{0D108BD9-81ED-4DB2-BD59-A6C34878D82A}">
+                    <a16:rowId xmlns:a16="http://schemas.microsoft.com/office/drawing/2014/main" val="1469217653"/>
+                  </a:ext>
+                </a:extLst>
+              </a:tr>
+              <a:tr h="389200">
+                <a:tc>
+                  <a:txBody>
+                    <a:bodyPr/>
+                    <a:lstStyle/>
+                    <a:p>
+                      <a:pPr algn="r"/>
+                      <a:r>
+                        <a:rPr lang="en-US" sz="1800">
+                          <a:effectLst/>
+                        </a:rPr>
+                        <a:t>5:45 PM</a:t>
                       </a:r>
                     </a:p>
                   </a:txBody>
@@ -5981,332 +5608,7 @@
                     <a:lstStyle/>
                     <a:p>
                       <a:r>
-                        <a:rPr lang="en-US" sz="1600">
-                          <a:effectLst/>
-                        </a:rPr>
-                        <a:t>Anshu Dubey (ANL)</a:t>
-                      </a:r>
-                    </a:p>
-                  </a:txBody>
-                  <a:tcPr marL="142875" marR="142875" marT="95250" marB="95250" anchor="ctr"/>
-                </a:tc>
-                <a:extLst>
-                  <a:ext uri="{0D108BD9-81ED-4DB2-BD59-A6C34878D82A}">
-                    <a16:rowId xmlns:a16="http://schemas.microsoft.com/office/drawing/2014/main" val="902307701"/>
-                  </a:ext>
-                </a:extLst>
-              </a:tr>
-              <a:tr h="393875">
-                <a:tc>
-                  <a:txBody>
-                    <a:bodyPr/>
-                    <a:lstStyle/>
-                    <a:p>
-                      <a:r>
-                        <a:rPr lang="en-US" sz="1600" dirty="0">
-                          <a:effectLst/>
-                        </a:rPr>
-                        <a:t>Wed</a:t>
-                      </a:r>
-                    </a:p>
-                  </a:txBody>
-                  <a:tcPr marL="142875" marR="142875" marT="95250" marB="95250" anchor="ctr"/>
-                </a:tc>
-                <a:tc>
-                  <a:txBody>
-                    <a:bodyPr/>
-                    <a:lstStyle/>
-                    <a:p>
-                      <a:pPr algn="r"/>
-                      <a:r>
-                        <a:rPr lang="en-US" sz="1600">
-                          <a:effectLst/>
-                        </a:rPr>
-                        <a:t>12:15 PM</a:t>
-                      </a:r>
-                    </a:p>
-                  </a:txBody>
-                  <a:tcPr marL="142875" marR="142875" marT="95250" marB="95250" anchor="ctr"/>
-                </a:tc>
-                <a:tc>
-                  <a:txBody>
-                    <a:bodyPr/>
-                    <a:lstStyle/>
-                    <a:p>
-                      <a:r>
-                        <a:rPr lang="en-US" sz="1600" i="1">
-                          <a:effectLst/>
-                        </a:rPr>
-                        <a:t>Lunch</a:t>
-                      </a:r>
-                      <a:endParaRPr lang="en-US" sz="1600">
-                        <a:effectLst/>
-                      </a:endParaRPr>
-                    </a:p>
-                  </a:txBody>
-                  <a:tcPr marL="142875" marR="142875" marT="95250" marB="95250" anchor="ctr"/>
-                </a:tc>
-                <a:tc>
-                  <a:txBody>
-                    <a:bodyPr/>
-                    <a:lstStyle/>
-                    <a:p>
-                      <a:endParaRPr lang="en-US" sz="1600">
-                        <a:effectLst/>
-                      </a:endParaRPr>
-                    </a:p>
-                  </a:txBody>
-                  <a:tcPr marL="142875" marR="142875" marT="95250" marB="95250" anchor="ctr"/>
-                </a:tc>
-                <a:extLst>
-                  <a:ext uri="{0D108BD9-81ED-4DB2-BD59-A6C34878D82A}">
-                    <a16:rowId xmlns:a16="http://schemas.microsoft.com/office/drawing/2014/main" val="1166125975"/>
-                  </a:ext>
-                </a:extLst>
-              </a:tr>
-              <a:tr h="393875">
-                <a:tc>
-                  <a:txBody>
-                    <a:bodyPr/>
-                    <a:lstStyle/>
-                    <a:p>
-                      <a:r>
-                        <a:rPr lang="en-US" sz="1600" dirty="0">
-                          <a:effectLst/>
-                        </a:rPr>
-                        <a:t>Wed</a:t>
-                      </a:r>
-                    </a:p>
-                  </a:txBody>
-                  <a:tcPr marL="142875" marR="142875" marT="95250" marB="95250" anchor="ctr"/>
-                </a:tc>
-                <a:tc>
-                  <a:txBody>
-                    <a:bodyPr/>
-                    <a:lstStyle/>
-                    <a:p>
-                      <a:pPr algn="r"/>
-                      <a:r>
-                        <a:rPr lang="en-US" sz="1600">
-                          <a:effectLst/>
-                        </a:rPr>
-                        <a:t>1:45 PM</a:t>
-                      </a:r>
-                    </a:p>
-                  </a:txBody>
-                  <a:tcPr marL="142875" marR="142875" marT="95250" marB="95250" anchor="ctr"/>
-                </a:tc>
-                <a:tc>
-                  <a:txBody>
-                    <a:bodyPr/>
-                    <a:lstStyle/>
-                    <a:p>
-                      <a:r>
-                        <a:rPr lang="en-US" sz="1600">
-                          <a:effectLst/>
-                        </a:rPr>
-                        <a:t>Documenting your Software</a:t>
-                      </a:r>
-                    </a:p>
-                  </a:txBody>
-                  <a:tcPr marL="142875" marR="142875" marT="95250" marB="95250" anchor="ctr"/>
-                </a:tc>
-                <a:tc>
-                  <a:txBody>
-                    <a:bodyPr/>
-                    <a:lstStyle/>
-                    <a:p>
-                      <a:r>
-                        <a:rPr lang="en-US" sz="1600">
-                          <a:effectLst/>
-                        </a:rPr>
-                        <a:t>David E. Bernholdt (ORNL)</a:t>
-                      </a:r>
-                    </a:p>
-                  </a:txBody>
-                  <a:tcPr marL="142875" marR="142875" marT="95250" marB="95250" anchor="ctr"/>
-                </a:tc>
-                <a:extLst>
-                  <a:ext uri="{0D108BD9-81ED-4DB2-BD59-A6C34878D82A}">
-                    <a16:rowId xmlns:a16="http://schemas.microsoft.com/office/drawing/2014/main" val="4002252475"/>
-                  </a:ext>
-                </a:extLst>
-              </a:tr>
-              <a:tr h="393875">
-                <a:tc>
-                  <a:txBody>
-                    <a:bodyPr/>
-                    <a:lstStyle/>
-                    <a:p>
-                      <a:r>
-                        <a:rPr lang="en-US" sz="1600" dirty="0">
-                          <a:effectLst/>
-                        </a:rPr>
-                        <a:t>Wed</a:t>
-                      </a:r>
-                    </a:p>
-                  </a:txBody>
-                  <a:tcPr marL="142875" marR="142875" marT="95250" marB="95250" anchor="ctr"/>
-                </a:tc>
-                <a:tc>
-                  <a:txBody>
-                    <a:bodyPr/>
-                    <a:lstStyle/>
-                    <a:p>
-                      <a:pPr algn="r"/>
-                      <a:r>
-                        <a:rPr lang="en-US" sz="1600">
-                          <a:effectLst/>
-                        </a:rPr>
-                        <a:t>2:45 PM</a:t>
-                      </a:r>
-                    </a:p>
-                  </a:txBody>
-                  <a:tcPr marL="142875" marR="142875" marT="95250" marB="95250" anchor="ctr"/>
-                </a:tc>
-                <a:tc>
-                  <a:txBody>
-                    <a:bodyPr/>
-                    <a:lstStyle/>
-                    <a:p>
-                      <a:r>
-                        <a:rPr lang="en-US" sz="1600" i="1">
-                          <a:effectLst/>
-                        </a:rPr>
-                        <a:t>Break</a:t>
-                      </a:r>
-                      <a:endParaRPr lang="en-US" sz="1600">
-                        <a:effectLst/>
-                      </a:endParaRPr>
-                    </a:p>
-                  </a:txBody>
-                  <a:tcPr marL="142875" marR="142875" marT="95250" marB="95250" anchor="ctr"/>
-                </a:tc>
-                <a:tc>
-                  <a:txBody>
-                    <a:bodyPr/>
-                    <a:lstStyle/>
-                    <a:p>
-                      <a:endParaRPr lang="en-US" sz="1600">
-                        <a:effectLst/>
-                      </a:endParaRPr>
-                    </a:p>
-                  </a:txBody>
-                  <a:tcPr marL="142875" marR="142875" marT="95250" marB="95250" anchor="ctr"/>
-                </a:tc>
-                <a:extLst>
-                  <a:ext uri="{0D108BD9-81ED-4DB2-BD59-A6C34878D82A}">
-                    <a16:rowId xmlns:a16="http://schemas.microsoft.com/office/drawing/2014/main" val="2099819354"/>
-                  </a:ext>
-                </a:extLst>
-              </a:tr>
-              <a:tr h="393875">
-                <a:tc>
-                  <a:txBody>
-                    <a:bodyPr/>
-                    <a:lstStyle/>
-                    <a:p>
-                      <a:r>
-                        <a:rPr lang="en-US" sz="1600" dirty="0">
-                          <a:effectLst/>
-                        </a:rPr>
-                        <a:t>Wed</a:t>
-                      </a:r>
-                    </a:p>
-                  </a:txBody>
-                  <a:tcPr marL="142875" marR="142875" marT="95250" marB="95250" anchor="ctr"/>
-                </a:tc>
-                <a:tc>
-                  <a:txBody>
-                    <a:bodyPr/>
-                    <a:lstStyle/>
-                    <a:p>
-                      <a:pPr algn="r"/>
-                      <a:r>
-                        <a:rPr lang="en-US" sz="1600">
-                          <a:effectLst/>
-                        </a:rPr>
-                        <a:t>3:00 PM</a:t>
-                      </a:r>
-                    </a:p>
-                  </a:txBody>
-                  <a:tcPr marL="142875" marR="142875" marT="95250" marB="95250" anchor="ctr"/>
-                </a:tc>
-                <a:tc>
-                  <a:txBody>
-                    <a:bodyPr/>
-                    <a:lstStyle/>
-                    <a:p>
-                      <a:r>
-                        <a:rPr lang="en-US" sz="1600">
-                          <a:effectLst/>
-                        </a:rPr>
-                        <a:t>Software Licensing</a:t>
-                      </a:r>
-                    </a:p>
-                  </a:txBody>
-                  <a:tcPr marL="142875" marR="142875" marT="95250" marB="95250" anchor="ctr"/>
-                </a:tc>
-                <a:tc>
-                  <a:txBody>
-                    <a:bodyPr/>
-                    <a:lstStyle/>
-                    <a:p>
-                      <a:r>
-                        <a:rPr lang="en-US" sz="1600">
-                          <a:effectLst/>
-                        </a:rPr>
-                        <a:t>David E. Bernholdt (ORNL)</a:t>
-                      </a:r>
-                    </a:p>
-                  </a:txBody>
-                  <a:tcPr marL="142875" marR="142875" marT="95250" marB="95250" anchor="ctr"/>
-                </a:tc>
-                <a:extLst>
-                  <a:ext uri="{0D108BD9-81ED-4DB2-BD59-A6C34878D82A}">
-                    <a16:rowId xmlns:a16="http://schemas.microsoft.com/office/drawing/2014/main" val="798098257"/>
-                  </a:ext>
-                </a:extLst>
-              </a:tr>
-              <a:tr h="393875">
-                <a:tc>
-                  <a:txBody>
-                    <a:bodyPr/>
-                    <a:lstStyle/>
-                    <a:p>
-                      <a:r>
-                        <a:rPr lang="en-US" sz="1600" dirty="0">
-                          <a:effectLst/>
-                        </a:rPr>
-                        <a:t>Wed</a:t>
-                      </a:r>
-                    </a:p>
-                  </a:txBody>
-                  <a:tcPr marL="142875" marR="142875" marT="95250" marB="95250" anchor="ctr"/>
-                </a:tc>
-                <a:tc>
-                  <a:txBody>
-                    <a:bodyPr/>
-                    <a:lstStyle/>
-                    <a:p>
-                      <a:pPr algn="r"/>
-                      <a:r>
-                        <a:rPr lang="en-US" sz="1600">
-                          <a:effectLst/>
-                        </a:rPr>
-                        <a:t>4:00 PM</a:t>
-                      </a:r>
-                    </a:p>
-                  </a:txBody>
-                  <a:tcPr marL="142875" marR="142875" marT="95250" marB="95250" anchor="ctr"/>
-                </a:tc>
-                <a:tc>
-                  <a:txBody>
-                    <a:bodyPr/>
-                    <a:lstStyle/>
-                    <a:p>
-                      <a:r>
-                        <a:rPr lang="en-US" sz="1600">
+                        <a:rPr lang="en-US" sz="1800">
                           <a:effectLst/>
                         </a:rPr>
                         <a:t>Summary</a:t>
@@ -6321,7 +5623,7 @@
                     <a:lstStyle/>
                     <a:p>
                       <a:r>
-                        <a:rPr lang="en-US" sz="1600">
+                        <a:rPr lang="en-US" sz="1800">
                           <a:effectLst/>
                         </a:rPr>
                         <a:t>David E. Bernholdt (ORNL)</a:t>
@@ -6332,26 +5634,11 @@
                 </a:tc>
                 <a:extLst>
                   <a:ext uri="{0D108BD9-81ED-4DB2-BD59-A6C34878D82A}">
-                    <a16:rowId xmlns:a16="http://schemas.microsoft.com/office/drawing/2014/main" val="2815321618"/>
+                    <a16:rowId xmlns:a16="http://schemas.microsoft.com/office/drawing/2014/main" val="1934358300"/>
                   </a:ext>
                 </a:extLst>
               </a:tr>
-              <a:tr h="393875">
-                <a:tc>
-                  <a:txBody>
-                    <a:bodyPr/>
-                    <a:lstStyle/>
-                    <a:p>
-                      <a:r>
-                        <a:rPr lang="en-US" sz="1600" dirty="0">
-                          <a:effectLst/>
-                        </a:rPr>
-                        <a:t>Wed</a:t>
-                      </a:r>
-                    </a:p>
-                  </a:txBody>
-                  <a:tcPr marL="142875" marR="142875" marT="95250" marB="95250" anchor="ctr"/>
-                </a:tc>
+              <a:tr h="389200">
                 <a:tc>
                   <a:txBody>
                     <a:bodyPr/>
@@ -6359,10 +5646,10 @@
                     <a:p>
                       <a:pPr algn="r"/>
                       <a:r>
-                        <a:rPr lang="en-US" sz="1600">
+                        <a:rPr lang="en-US" sz="1800">
                           <a:effectLst/>
                         </a:rPr>
-                        <a:t>4:15 PM</a:t>
+                        <a:t>6:00 PM</a:t>
                       </a:r>
                     </a:p>
                   </a:txBody>
@@ -6374,18 +5661,12 @@
                     <a:lstStyle/>
                     <a:p>
                       <a:r>
-                        <a:rPr lang="en-US" sz="1600">
+                        <a:rPr lang="en-US" sz="1800" i="1">
                           <a:effectLst/>
                         </a:rPr>
-                        <a:t>General Discussion </a:t>
+                        <a:t>Q&amp;A, including your software experiences and challenges</a:t>
                       </a:r>
-                      <a:r>
-                        <a:rPr lang="en-US" sz="1600" i="1">
-                          <a:effectLst/>
-                        </a:rPr>
-                        <a:t>(optional)</a:t>
-                      </a:r>
-                      <a:endParaRPr lang="en-US" sz="1600">
+                      <a:endParaRPr lang="en-US" sz="1800">
                         <a:effectLst/>
                       </a:endParaRPr>
                     </a:p>
@@ -6398,7 +5679,7 @@
                     <a:lstStyle/>
                     <a:p>
                       <a:r>
-                        <a:rPr lang="en-US" sz="1600">
+                        <a:rPr lang="en-US" sz="1800">
                           <a:effectLst/>
                         </a:rPr>
                         <a:t>All</a:t>
@@ -6409,26 +5690,11 @@
                 </a:tc>
                 <a:extLst>
                   <a:ext uri="{0D108BD9-81ED-4DB2-BD59-A6C34878D82A}">
-                    <a16:rowId xmlns:a16="http://schemas.microsoft.com/office/drawing/2014/main" val="2011427992"/>
+                    <a16:rowId xmlns:a16="http://schemas.microsoft.com/office/drawing/2014/main" val="2129328579"/>
                   </a:ext>
                 </a:extLst>
               </a:tr>
-              <a:tr h="393875">
-                <a:tc>
-                  <a:txBody>
-                    <a:bodyPr/>
-                    <a:lstStyle/>
-                    <a:p>
-                      <a:r>
-                        <a:rPr lang="en-US" sz="1600" dirty="0">
-                          <a:effectLst/>
-                        </a:rPr>
-                        <a:t>Wed</a:t>
-                      </a:r>
-                    </a:p>
-                  </a:txBody>
-                  <a:tcPr marL="142875" marR="142875" marT="95250" marB="95250" anchor="ctr"/>
-                </a:tc>
+              <a:tr h="389200">
                 <a:tc>
                   <a:txBody>
                     <a:bodyPr/>
@@ -6436,10 +5702,10 @@
                     <a:p>
                       <a:pPr algn="r"/>
                       <a:r>
-                        <a:rPr lang="en-US" sz="1600">
+                        <a:rPr lang="en-US" sz="1800">
                           <a:effectLst/>
                         </a:rPr>
-                        <a:t>5:00 PM</a:t>
+                        <a:t>6:30 PM</a:t>
                       </a:r>
                     </a:p>
                   </a:txBody>
@@ -6451,12 +5717,12 @@
                     <a:lstStyle/>
                     <a:p>
                       <a:r>
-                        <a:rPr lang="en-US" sz="1600" i="1">
+                        <a:rPr lang="en-US" sz="1800" i="1">
                           <a:effectLst/>
                         </a:rPr>
                         <a:t>Adjourn</a:t>
                       </a:r>
-                      <a:endParaRPr lang="en-US" sz="1600">
+                      <a:endParaRPr lang="en-US" sz="1800">
                         <a:effectLst/>
                       </a:endParaRPr>
                     </a:p>
@@ -6468,14 +5734,14 @@
                     <a:bodyPr/>
                     <a:lstStyle/>
                     <a:p>
-                      <a:endParaRPr lang="en-US" sz="1600" dirty="0"/>
+                      <a:endParaRPr lang="en-US" sz="1800" dirty="0"/>
                     </a:p>
                   </a:txBody>
                   <a:tcPr/>
                 </a:tc>
                 <a:extLst>
                   <a:ext uri="{0D108BD9-81ED-4DB2-BD59-A6C34878D82A}">
-                    <a16:rowId xmlns:a16="http://schemas.microsoft.com/office/drawing/2014/main" val="3798107722"/>
+                    <a16:rowId xmlns:a16="http://schemas.microsoft.com/office/drawing/2014/main" val="3981259353"/>
                   </a:ext>
                 </a:extLst>
               </a:tr>
@@ -6603,7 +5869,7 @@
     </p:spTree>
     <p:extLst>
       <p:ext uri="{BB962C8B-B14F-4D97-AF65-F5344CB8AC3E}">
-        <p14:creationId xmlns:p14="http://schemas.microsoft.com/office/powerpoint/2010/main" val="2747926865"/>
+        <p14:creationId xmlns:p14="http://schemas.microsoft.com/office/powerpoint/2010/main" val="1184459762"/>
       </p:ext>
     </p:extLst>
   </p:cSld>
@@ -6740,9 +6006,9 @@
                   <a:srgbClr val="111111"/>
                 </a:solidFill>
                 <a:effectLst/>
-                <a:latin typeface="+mj-lt"/>
+                <a:latin typeface="+mn-lt"/>
               </a:rPr>
-              <a:t>David E. Bernholdt, Anshu Dubey, and Patricia A. Grubel, Better Scientific Software tutorial, in NOAA Global Systems Laboratory, Boulder, Colorado, 2023. DOI: </a:t>
+              <a:t>Anshu Dubey, David E. Bernholdt, Greg Becker, and Jared O’Neal, Software Productivity and Sustainability track, in Argonne Training Program on Extreme-Scale Computing, St. Charles, Illinois, 2023. DOI: </a:t>
             </a:r>
             <a:r>
               <a:rPr lang="en-US" sz="1600" b="0" i="0" u="none" strike="noStrike" dirty="0">
@@ -6750,10 +6016,10 @@
                   <a:srgbClr val="2A7AE2"/>
                 </a:solidFill>
                 <a:effectLst/>
-                <a:latin typeface="+mj-lt"/>
+                <a:latin typeface="+mn-lt"/>
                 <a:hlinkClick r:id="rId4"/>
               </a:rPr>
-              <a:t>10.6084/m9.figshare.23796606</a:t>
+              <a:t>10.6084/m9.figshare.23823822</a:t>
             </a:r>
             <a:r>
               <a:rPr lang="en-US" sz="1600" b="0" i="0" dirty="0">
@@ -6761,7 +6027,7 @@
                   <a:srgbClr val="111111"/>
                 </a:solidFill>
                 <a:effectLst/>
-                <a:latin typeface="+mj-lt"/>
+                <a:latin typeface="+mn-lt"/>
               </a:rPr>
               <a:t>.</a:t>
             </a:r>
@@ -6934,7 +6200,7 @@
     </p:spTree>
     <p:extLst>
       <p:ext uri="{BB962C8B-B14F-4D97-AF65-F5344CB8AC3E}">
-        <p14:creationId xmlns:p14="http://schemas.microsoft.com/office/powerpoint/2010/main" val="978726433"/>
+        <p14:creationId xmlns:p14="http://schemas.microsoft.com/office/powerpoint/2010/main" val="300521932"/>
       </p:ext>
     </p:extLst>
   </p:cSld>
@@ -6994,7 +6260,7 @@
             </a:pPr>
             <a:r>
               <a:rPr lang="en-US" dirty="0"/>
-              <a:t>David E. Bernholdt, ORNL</a:t>
+              <a:t>Anshu Dubey, ANL</a:t>
             </a:r>
           </a:p>
           <a:p>
@@ -7005,7 +6271,7 @@
             </a:pPr>
             <a:r>
               <a:rPr lang="en-US" dirty="0"/>
-              <a:t>Anshu Dubey, ANL</a:t>
+              <a:t>David E. Bernholdt, ORNL</a:t>
             </a:r>
           </a:p>
           <a:p>
@@ -7016,7 +6282,18 @@
             </a:pPr>
             <a:r>
               <a:rPr lang="en-US" dirty="0"/>
-              <a:t>Patricia A. Grubel, LANL</a:t>
+              <a:t>Greg Becker, LLNL</a:t>
+            </a:r>
+          </a:p>
+          <a:p>
+            <a:pPr>
+              <a:spcBef>
+                <a:spcPts val="1000"/>
+              </a:spcBef>
+            </a:pPr>
+            <a:r>
+              <a:rPr lang="en-US" dirty="0"/>
+              <a:t>Jared O’Neal, ANL</a:t>
             </a:r>
           </a:p>
         </p:txBody>
@@ -7064,7 +6341,7 @@
         <p:spPr>
           <a:xfrm>
             <a:off x="363095" y="3871110"/>
-            <a:ext cx="10123321" cy="461665"/>
+            <a:ext cx="10123321" cy="1610697"/>
           </a:xfrm>
           <a:prstGeom prst="rect">
             <a:avLst/>
@@ -7086,13 +6363,41 @@
             </a:pPr>
             <a:r>
               <a:rPr lang="en-US" sz="2400" dirty="0"/>
-              <a:t>Members of the IDEAS Productivity Project: </a:t>
+              <a:t>Current of former members of the IDEAS Productivity Project: </a:t>
             </a:r>
             <a:r>
               <a:rPr lang="en-US" sz="2400" dirty="0">
                 <a:hlinkClick r:id="rId2"/>
               </a:rPr>
               <a:t>http://ideas-productivity.org</a:t>
+            </a:r>
+            <a:endParaRPr lang="en-US" sz="2400" dirty="0"/>
+          </a:p>
+          <a:p>
+            <a:pPr marL="227013" indent="-227013">
+              <a:spcBef>
+                <a:spcPts val="3200"/>
+              </a:spcBef>
+              <a:buFont typeface="Arial" panose="020B0604020202020204" pitchFamily="34" charset="0"/>
+              <a:buChar char="•"/>
+            </a:pPr>
+            <a:r>
+              <a:rPr lang="en-US" sz="2400" dirty="0"/>
+              <a:t>Or the </a:t>
+            </a:r>
+            <a:r>
+              <a:rPr lang="en-US" sz="2400" dirty="0" err="1"/>
+              <a:t>Spack</a:t>
+            </a:r>
+            <a:r>
+              <a:rPr lang="en-US" sz="2400" dirty="0"/>
+              <a:t> project (Greg): </a:t>
+            </a:r>
+            <a:r>
+              <a:rPr lang="en-US" sz="2400" dirty="0">
+                <a:hlinkClick r:id="rId3"/>
+              </a:rPr>
+              <a:t>https://spack.io</a:t>
             </a:r>
             <a:endParaRPr lang="en-US" sz="2400" dirty="0"/>
           </a:p>
@@ -7112,7 +6417,7 @@
         </p:nvGrpSpPr>
         <p:grpSpPr>
           <a:xfrm>
-            <a:off x="7592555" y="1227416"/>
+            <a:off x="5096557" y="1188951"/>
             <a:ext cx="954107" cy="1805497"/>
             <a:chOff x="6614147" y="1346049"/>
             <a:chExt cx="954107" cy="1805497"/>
@@ -7184,7 +6489,7 @@
             <p:nvPr/>
           </p:nvPicPr>
           <p:blipFill>
-            <a:blip r:embed="rId3" cstate="print">
+            <a:blip r:embed="rId4" cstate="print">
               <a:extLst>
                 <a:ext uri="{28A0092B-C50C-407E-A947-70E740481C1C}">
                   <a14:useLocalDpi xmlns:a14="http://schemas.microsoft.com/office/drawing/2010/main" val="0"/>
@@ -7208,113 +6513,6 @@
       </p:grpSp>
       <p:grpSp>
         <p:nvGrpSpPr>
-          <p:cNvPr id="7" name="Group 6">
-            <a:extLst>
-              <a:ext uri="{FF2B5EF4-FFF2-40B4-BE49-F238E27FC236}">
-                <a16:creationId xmlns:a16="http://schemas.microsoft.com/office/drawing/2014/main" id="{949C6B37-A75C-A6EE-8FA9-E89D45EF0366}"/>
-              </a:ext>
-            </a:extLst>
-          </p:cNvPr>
-          <p:cNvGrpSpPr/>
-          <p:nvPr/>
-        </p:nvGrpSpPr>
-        <p:grpSpPr>
-          <a:xfrm>
-            <a:off x="8891575" y="1227416"/>
-            <a:ext cx="1009507" cy="1851663"/>
-            <a:chOff x="8066531" y="1374891"/>
-            <a:chExt cx="1009507" cy="1851663"/>
-          </a:xfrm>
-        </p:grpSpPr>
-        <p:pic>
-          <p:nvPicPr>
-            <p:cNvPr id="8" name="Picture 7">
-              <a:extLst>
-                <a:ext uri="{FF2B5EF4-FFF2-40B4-BE49-F238E27FC236}">
-                  <a16:creationId xmlns:a16="http://schemas.microsoft.com/office/drawing/2014/main" id="{56983044-2C1A-ED01-70FD-E856D7306DBC}"/>
-                </a:ext>
-              </a:extLst>
-            </p:cNvPr>
-            <p:cNvPicPr>
-              <a:picLocks noChangeAspect="1"/>
-            </p:cNvPicPr>
-            <p:nvPr/>
-          </p:nvPicPr>
-          <p:blipFill rotWithShape="1">
-            <a:blip r:embed="rId4" cstate="print">
-              <a:extLst>
-                <a:ext uri="{28A0092B-C50C-407E-A947-70E740481C1C}">
-                  <a14:useLocalDpi xmlns:a14="http://schemas.microsoft.com/office/drawing/2010/main" val="0"/>
-                </a:ext>
-              </a:extLst>
-            </a:blip>
-            <a:srcRect l="4859" r="10127"/>
-            <a:stretch/>
-          </p:blipFill>
-          <p:spPr>
-            <a:xfrm>
-              <a:off x="8088482" y="1374891"/>
-              <a:ext cx="965606" cy="1207008"/>
-            </a:xfrm>
-            <a:prstGeom prst="rect">
-              <a:avLst/>
-            </a:prstGeom>
-          </p:spPr>
-        </p:pic>
-        <p:sp>
-          <p:nvSpPr>
-            <p:cNvPr id="9" name="TextBox 8">
-              <a:extLst>
-                <a:ext uri="{FF2B5EF4-FFF2-40B4-BE49-F238E27FC236}">
-                  <a16:creationId xmlns:a16="http://schemas.microsoft.com/office/drawing/2014/main" id="{5536CBAC-B546-1EA4-36EC-43DF16A9B5DC}"/>
-                </a:ext>
-              </a:extLst>
-            </p:cNvPr>
-            <p:cNvSpPr txBox="1"/>
-            <p:nvPr/>
-          </p:nvSpPr>
-          <p:spPr>
-            <a:xfrm>
-              <a:off x="8066531" y="2543290"/>
-              <a:ext cx="1009507" cy="683264"/>
-            </a:xfrm>
-            <a:prstGeom prst="rect">
-              <a:avLst/>
-            </a:prstGeom>
-            <a:noFill/>
-          </p:spPr>
-          <p:txBody>
-            <a:bodyPr wrap="none" lIns="118872" tIns="91440" rIns="118872" bIns="91440" rtlCol="0" anchor="ctr" anchorCtr="0">
-              <a:spAutoFit/>
-            </a:bodyPr>
-            <a:lstStyle/>
-            <a:p>
-              <a:pPr algn="l">
-                <a:lnSpc>
-                  <a:spcPct val="90000"/>
-                </a:lnSpc>
-              </a:pPr>
-              <a:r>
-                <a:rPr lang="en-US" dirty="0"/>
-                <a:t>Patricia</a:t>
-              </a:r>
-            </a:p>
-            <a:p>
-              <a:pPr algn="l">
-                <a:lnSpc>
-                  <a:spcPct val="90000"/>
-                </a:lnSpc>
-              </a:pPr>
-              <a:r>
-                <a:rPr lang="en-US" i="1" dirty="0"/>
-                <a:t>she/her</a:t>
-              </a:r>
-            </a:p>
-          </p:txBody>
-        </p:sp>
-      </p:grpSp>
-      <p:grpSp>
-        <p:nvGrpSpPr>
           <p:cNvPr id="10" name="Group 9">
             <a:extLst>
               <a:ext uri="{FF2B5EF4-FFF2-40B4-BE49-F238E27FC236}">
@@ -7327,7 +6525,7 @@
         </p:nvGrpSpPr>
         <p:grpSpPr>
           <a:xfrm>
-            <a:off x="6209615" y="1227416"/>
+            <a:off x="6248496" y="1188951"/>
             <a:ext cx="1038027" cy="1797939"/>
             <a:chOff x="4187619" y="4211394"/>
             <a:chExt cx="1038027" cy="1797939"/>
@@ -7404,6 +6602,221 @@
               <a:r>
                 <a:rPr lang="en-US" dirty="0"/>
                 <a:t>David</a:t>
+              </a:r>
+            </a:p>
+            <a:p>
+              <a:pPr algn="ctr">
+                <a:lnSpc>
+                  <a:spcPct val="90000"/>
+                </a:lnSpc>
+              </a:pPr>
+              <a:r>
+                <a:rPr lang="en-US" i="1" dirty="0"/>
+                <a:t>he/him</a:t>
+              </a:r>
+            </a:p>
+          </p:txBody>
+        </p:sp>
+      </p:grpSp>
+      <p:grpSp>
+        <p:nvGrpSpPr>
+          <p:cNvPr id="4" name="Group 3">
+            <a:extLst>
+              <a:ext uri="{FF2B5EF4-FFF2-40B4-BE49-F238E27FC236}">
+                <a16:creationId xmlns:a16="http://schemas.microsoft.com/office/drawing/2014/main" id="{2150C7FF-0319-A641-D984-72DABA206517}"/>
+              </a:ext>
+            </a:extLst>
+          </p:cNvPr>
+          <p:cNvGrpSpPr/>
+          <p:nvPr/>
+        </p:nvGrpSpPr>
+        <p:grpSpPr>
+          <a:xfrm>
+            <a:off x="8647792" y="1188951"/>
+            <a:ext cx="1038027" cy="1797939"/>
+            <a:chOff x="9605157" y="3871568"/>
+            <a:chExt cx="1038027" cy="1797939"/>
+          </a:xfrm>
+        </p:grpSpPr>
+        <p:pic>
+          <p:nvPicPr>
+            <p:cNvPr id="5" name="Picture 4" descr="A person wearing glasses&#10;&#10;Description automatically generated with medium confidence">
+              <a:extLst>
+                <a:ext uri="{FF2B5EF4-FFF2-40B4-BE49-F238E27FC236}">
+                  <a16:creationId xmlns:a16="http://schemas.microsoft.com/office/drawing/2014/main" id="{43F46FA5-382F-5278-5ABE-83CFF07A02E9}"/>
+                </a:ext>
+              </a:extLst>
+            </p:cNvPr>
+            <p:cNvPicPr>
+              <a:picLocks noChangeAspect="1"/>
+            </p:cNvPicPr>
+            <p:nvPr/>
+          </p:nvPicPr>
+          <p:blipFill rotWithShape="1">
+            <a:blip r:embed="rId6" cstate="print">
+              <a:extLst>
+                <a:ext uri="{28A0092B-C50C-407E-A947-70E740481C1C}">
+                  <a14:useLocalDpi xmlns:a14="http://schemas.microsoft.com/office/drawing/2010/main" val="0"/>
+                </a:ext>
+              </a:extLst>
+            </a:blip>
+            <a:srcRect l="4297" r="9701"/>
+            <a:stretch/>
+          </p:blipFill>
+          <p:spPr>
+            <a:xfrm>
+              <a:off x="9605157" y="3871568"/>
+              <a:ext cx="1038027" cy="1207008"/>
+            </a:xfrm>
+            <a:prstGeom prst="rect">
+              <a:avLst/>
+            </a:prstGeom>
+          </p:spPr>
+        </p:pic>
+        <p:sp>
+          <p:nvSpPr>
+            <p:cNvPr id="6" name="TextBox 5">
+              <a:extLst>
+                <a:ext uri="{FF2B5EF4-FFF2-40B4-BE49-F238E27FC236}">
+                  <a16:creationId xmlns:a16="http://schemas.microsoft.com/office/drawing/2014/main" id="{B1709970-6F4A-3D0E-01AD-C1FDC0AFFB94}"/>
+                </a:ext>
+              </a:extLst>
+            </p:cNvPr>
+            <p:cNvSpPr txBox="1"/>
+            <p:nvPr/>
+          </p:nvSpPr>
+          <p:spPr>
+            <a:xfrm>
+              <a:off x="9685588" y="5078576"/>
+              <a:ext cx="877164" cy="590931"/>
+            </a:xfrm>
+            <a:prstGeom prst="rect">
+              <a:avLst/>
+            </a:prstGeom>
+            <a:noFill/>
+          </p:spPr>
+          <p:txBody>
+            <a:bodyPr wrap="none" rtlCol="0">
+              <a:spAutoFit/>
+            </a:bodyPr>
+            <a:lstStyle/>
+            <a:p>
+              <a:pPr algn="ctr">
+                <a:lnSpc>
+                  <a:spcPct val="90000"/>
+                </a:lnSpc>
+              </a:pPr>
+              <a:r>
+                <a:rPr lang="en-US" dirty="0"/>
+                <a:t>Jared</a:t>
+              </a:r>
+            </a:p>
+            <a:p>
+              <a:pPr algn="ctr">
+                <a:lnSpc>
+                  <a:spcPct val="90000"/>
+                </a:lnSpc>
+              </a:pPr>
+              <a:r>
+                <a:rPr lang="en-US" i="1" dirty="0"/>
+                <a:t>he/him</a:t>
+              </a:r>
+            </a:p>
+          </p:txBody>
+        </p:sp>
+      </p:grpSp>
+      <p:grpSp>
+        <p:nvGrpSpPr>
+          <p:cNvPr id="13" name="Group 12">
+            <a:extLst>
+              <a:ext uri="{FF2B5EF4-FFF2-40B4-BE49-F238E27FC236}">
+                <a16:creationId xmlns:a16="http://schemas.microsoft.com/office/drawing/2014/main" id="{00403814-7B73-CDA6-7272-B8EDA62D5E4A}"/>
+              </a:ext>
+            </a:extLst>
+          </p:cNvPr>
+          <p:cNvGrpSpPr/>
+          <p:nvPr/>
+        </p:nvGrpSpPr>
+        <p:grpSpPr>
+          <a:xfrm>
+            <a:off x="7484355" y="1188951"/>
+            <a:ext cx="965606" cy="1806323"/>
+            <a:chOff x="1655035" y="4155892"/>
+            <a:chExt cx="965606" cy="1806323"/>
+          </a:xfrm>
+        </p:grpSpPr>
+        <p:pic>
+          <p:nvPicPr>
+            <p:cNvPr id="14" name="Picture 13" descr="A person smiling for the camera&#10;&#10;Description automatically generated with medium confidence">
+              <a:extLst>
+                <a:ext uri="{FF2B5EF4-FFF2-40B4-BE49-F238E27FC236}">
+                  <a16:creationId xmlns:a16="http://schemas.microsoft.com/office/drawing/2014/main" id="{99DFB0EC-B047-89F3-7911-3E1AE695772B}"/>
+                </a:ext>
+              </a:extLst>
+            </p:cNvPr>
+            <p:cNvPicPr>
+              <a:picLocks noChangeAspect="1"/>
+            </p:cNvPicPr>
+            <p:nvPr/>
+          </p:nvPicPr>
+          <p:blipFill>
+            <a:blip r:embed="rId7">
+              <a:extLst>
+                <a:ext uri="{28A0092B-C50C-407E-A947-70E740481C1C}">
+                  <a14:useLocalDpi xmlns:a14="http://schemas.microsoft.com/office/drawing/2010/main" val="0"/>
+                </a:ext>
+              </a:extLst>
+            </a:blip>
+            <a:stretch>
+              <a:fillRect/>
+            </a:stretch>
+          </p:blipFill>
+          <p:spPr>
+            <a:xfrm>
+              <a:off x="1655035" y="4155892"/>
+              <a:ext cx="965606" cy="1207008"/>
+            </a:xfrm>
+            <a:prstGeom prst="rect">
+              <a:avLst/>
+            </a:prstGeom>
+          </p:spPr>
+        </p:pic>
+        <p:sp>
+          <p:nvSpPr>
+            <p:cNvPr id="15" name="TextBox 14">
+              <a:extLst>
+                <a:ext uri="{FF2B5EF4-FFF2-40B4-BE49-F238E27FC236}">
+                  <a16:creationId xmlns:a16="http://schemas.microsoft.com/office/drawing/2014/main" id="{E878E670-F99C-486F-BF14-5410B0248AEA}"/>
+                </a:ext>
+              </a:extLst>
+            </p:cNvPr>
+            <p:cNvSpPr txBox="1"/>
+            <p:nvPr/>
+          </p:nvSpPr>
+          <p:spPr>
+            <a:xfrm>
+              <a:off x="1699256" y="5371284"/>
+              <a:ext cx="877163" cy="590931"/>
+            </a:xfrm>
+            <a:prstGeom prst="rect">
+              <a:avLst/>
+            </a:prstGeom>
+            <a:noFill/>
+          </p:spPr>
+          <p:txBody>
+            <a:bodyPr wrap="none" rtlCol="0">
+              <a:spAutoFit/>
+            </a:bodyPr>
+            <a:lstStyle/>
+            <a:p>
+              <a:pPr algn="ctr">
+                <a:lnSpc>
+                  <a:spcPct val="90000"/>
+                </a:lnSpc>
+              </a:pPr>
+              <a:r>
+                <a:rPr lang="en-US" dirty="0"/>
+                <a:t>Greg</a:t>
               </a:r>
             </a:p>
             <a:p>
@@ -13412,18 +12825,18 @@
 </file>
 
 <file path=customXml/item1.xml><?xml version="1.0" encoding="utf-8"?>
-<p:properties xmlns:p="http://schemas.microsoft.com/office/2006/metadata/properties" xmlns:xsi="http://www.w3.org/2001/XMLSchema-instance" xmlns:pc="http://schemas.microsoft.com/office/infopath/2007/PartnerControls">
-  <documentManagement/>
-</p:properties>
-</file>
-
-<file path=customXml/item2.xml><?xml version="1.0" encoding="utf-8"?>
 <?mso-contentType ?>
 <FormTemplates xmlns="http://schemas.microsoft.com/sharepoint/v3/contenttype/forms">
   <Display>DocumentLibraryForm</Display>
   <Edit>DocumentLibraryForm</Edit>
   <New>DocumentLibraryForm</New>
 </FormTemplates>
+</file>
+
+<file path=customXml/item2.xml><?xml version="1.0" encoding="utf-8"?>
+<p:properties xmlns:p="http://schemas.microsoft.com/office/2006/metadata/properties" xmlns:xsi="http://www.w3.org/2001/XMLSchema-instance" xmlns:pc="http://schemas.microsoft.com/office/infopath/2007/PartnerControls">
+  <documentManagement/>
+</p:properties>
 </file>
 
 <file path=customXml/item3.xml><?xml version="1.0" encoding="utf-8"?>
@@ -13476,6 +12889,14 @@
 </file>
 
 <file path=customXml/itemProps1.xml><?xml version="1.0" encoding="utf-8"?>
+<ds:datastoreItem xmlns:ds="http://schemas.openxmlformats.org/officeDocument/2006/customXml" ds:itemID="{19E20559-B232-4371-8690-E3D8007EDB82}">
+  <ds:schemaRefs>
+    <ds:schemaRef ds:uri="http://schemas.microsoft.com/sharepoint/v3/contenttype/forms"/>
+  </ds:schemaRefs>
+</ds:datastoreItem>
+</file>
+
+<file path=customXml/itemProps2.xml><?xml version="1.0" encoding="utf-8"?>
 <ds:datastoreItem xmlns:ds="http://schemas.openxmlformats.org/officeDocument/2006/customXml" ds:itemID="{A50EC660-24D0-43A0-AE5E-E274115E726B}">
   <ds:schemaRefs>
     <ds:schemaRef ds:uri="http://purl.org/dc/elements/1.1/"/>
@@ -13486,14 +12907,6 @@
     <ds:schemaRef ds:uri="http://www.w3.org/XML/1998/namespace"/>
     <ds:schemaRef ds:uri="http://purl.org/dc/dcmitype/"/>
     <ds:schemaRef ds:uri="http://schemas.microsoft.com/office/infopath/2007/PartnerControls"/>
-  </ds:schemaRefs>
-</ds:datastoreItem>
-</file>
-
-<file path=customXml/itemProps2.xml><?xml version="1.0" encoding="utf-8"?>
-<ds:datastoreItem xmlns:ds="http://schemas.openxmlformats.org/officeDocument/2006/customXml" ds:itemID="{19E20559-B232-4371-8690-E3D8007EDB82}">
-  <ds:schemaRefs>
-    <ds:schemaRef ds:uri="http://schemas.microsoft.com/sharepoint/v3/contenttype/forms"/>
   </ds:schemaRefs>
 </ds:datastoreItem>
 </file>

--- a/intro-a.pptx
+++ b/intro-a.pptx
@@ -5,24 +5,22 @@
     <p:sldMasterId id="2147483935" r:id="rId4"/>
   </p:sldMasterIdLst>
   <p:notesMasterIdLst>
-    <p:notesMasterId r:id="rId17"/>
+    <p:notesMasterId r:id="rId15"/>
   </p:notesMasterIdLst>
   <p:handoutMasterIdLst>
-    <p:handoutMasterId r:id="rId18"/>
+    <p:handoutMasterId r:id="rId16"/>
   </p:handoutMasterIdLst>
   <p:sldIdLst>
     <p:sldId id="617" r:id="rId5"/>
     <p:sldId id="320" r:id="rId6"/>
     <p:sldId id="308" r:id="rId7"/>
-    <p:sldId id="327" r:id="rId8"/>
-    <p:sldId id="324" r:id="rId9"/>
-    <p:sldId id="329" r:id="rId10"/>
-    <p:sldId id="619" r:id="rId11"/>
-    <p:sldId id="620" r:id="rId12"/>
-    <p:sldId id="622" r:id="rId13"/>
-    <p:sldId id="616" r:id="rId14"/>
-    <p:sldId id="261" r:id="rId15"/>
-    <p:sldId id="623" r:id="rId16"/>
+    <p:sldId id="324" r:id="rId8"/>
+    <p:sldId id="329" r:id="rId9"/>
+    <p:sldId id="619" r:id="rId10"/>
+    <p:sldId id="620" r:id="rId11"/>
+    <p:sldId id="622" r:id="rId12"/>
+    <p:sldId id="616" r:id="rId13"/>
+    <p:sldId id="261" r:id="rId14"/>
   </p:sldIdLst>
   <p:sldSz cx="12188825" cy="6858000"/>
   <p:notesSz cx="7010400" cy="9296400"/>
@@ -266,7 +264,7 @@
           <a:p>
             <a:fld id="{0B842F42-2CE9-4E35-95C1-410DC08A50B1}" type="datetimeFigureOut">
               <a:rPr lang="en-US" smtClean="0"/>
-              <a:t>8/2/2023</a:t>
+              <a:t>3/19/24</a:t>
             </a:fld>
             <a:endParaRPr lang="en-US"/>
           </a:p>
@@ -431,7 +429,7 @@
           <a:p>
             <a:fld id="{6F282904-F315-4730-8D91-37D99E141A6F}" type="datetimeFigureOut">
               <a:rPr lang="en-US" smtClean="0"/>
-              <a:t>8/2/2023</a:t>
+              <a:t>3/19/24</a:t>
             </a:fld>
             <a:endParaRPr lang="en-US"/>
           </a:p>
@@ -782,17 +780,14 @@
                 <a:spcPct val="90000"/>
               </a:lnSpc>
             </a:pPr>
-            <a:r>
-              <a:rPr lang="en-US" sz="1600" dirty="0">
-                <a:ln>
-                  <a:noFill/>
-                </a:ln>
-                <a:solidFill>
-                  <a:schemeClr val="bg1"/>
-                </a:solidFill>
-              </a:rPr>
-              <a:t>exascaleproject.org</a:t>
-            </a:r>
+            <a:endParaRPr lang="en-US" sz="1600" dirty="0">
+              <a:ln>
+                <a:noFill/>
+              </a:ln>
+              <a:solidFill>
+                <a:schemeClr val="bg1"/>
+              </a:solidFill>
+            </a:endParaRPr>
           </a:p>
         </p:txBody>
       </p:sp>
@@ -1019,7 +1014,7 @@
       </p:sp>
       <p:pic>
         <p:nvPicPr>
-          <p:cNvPr id="12" name="Picture 11"/>
+          <p:cNvPr id="16" name="Picture 15"/>
           <p:cNvPicPr>
             <a:picLocks noChangeAspect="1"/>
           </p:cNvPicPr>
@@ -1028,39 +1023,9 @@
         <p:blipFill>
           <a:blip r:embed="rId2" cstate="print">
             <a:extLst>
-              <a:ext uri="{28A0092B-C50C-407E-A947-70E740481C1C}">
-                <a14:useLocalDpi xmlns:a14="http://schemas.microsoft.com/office/drawing/2010/main" val="0"/>
-              </a:ext>
-            </a:extLst>
-          </a:blip>
-          <a:stretch>
-            <a:fillRect/>
-          </a:stretch>
-        </p:blipFill>
-        <p:spPr>
-          <a:xfrm>
-            <a:off x="360639" y="483164"/>
-            <a:ext cx="2050840" cy="935496"/>
-          </a:xfrm>
-          <a:prstGeom prst="rect">
-            <a:avLst/>
-          </a:prstGeom>
-        </p:spPr>
-      </p:pic>
-      <p:pic>
-        <p:nvPicPr>
-          <p:cNvPr id="16" name="Picture 15"/>
-          <p:cNvPicPr>
-            <a:picLocks noChangeAspect="1"/>
-          </p:cNvPicPr>
-          <p:nvPr userDrawn="1"/>
-        </p:nvPicPr>
-        <p:blipFill>
-          <a:blip r:embed="rId3" cstate="print">
-            <a:extLst>
               <a:ext uri="{BEBA8EAE-BF5A-486C-A8C5-ECC9F3942E4B}">
                 <a14:imgProps xmlns:a14="http://schemas.microsoft.com/office/drawing/2010/main">
-                  <a14:imgLayer r:embed="rId4">
+                  <a14:imgLayer r:embed="rId3">
                     <a14:imgEffect>
                       <a14:brightnessContrast bright="100000"/>
                     </a14:imgEffect>
@@ -1078,82 +1043,8 @@
         </p:blipFill>
         <p:spPr>
           <a:xfrm>
-            <a:off x="7289921" y="6322747"/>
+            <a:off x="9357260" y="6321694"/>
             <a:ext cx="2409477" cy="401008"/>
-          </a:xfrm>
-          <a:prstGeom prst="rect">
-            <a:avLst/>
-          </a:prstGeom>
-        </p:spPr>
-      </p:pic>
-      <p:pic>
-        <p:nvPicPr>
-          <p:cNvPr id="17" name="Picture 16"/>
-          <p:cNvPicPr>
-            <a:picLocks noChangeAspect="1"/>
-          </p:cNvPicPr>
-          <p:nvPr userDrawn="1"/>
-        </p:nvPicPr>
-        <p:blipFill rotWithShape="1">
-          <a:blip r:embed="rId5" cstate="print">
-            <a:extLst>
-              <a:ext uri="{BEBA8EAE-BF5A-486C-A8C5-ECC9F3942E4B}">
-                <a14:imgProps xmlns:a14="http://schemas.microsoft.com/office/drawing/2010/main">
-                  <a14:imgLayer r:embed="rId6">
-                    <a14:imgEffect>
-                      <a14:brightnessContrast bright="100000"/>
-                    </a14:imgEffect>
-                  </a14:imgLayer>
-                </a14:imgProps>
-              </a:ext>
-              <a:ext uri="{28A0092B-C50C-407E-A947-70E740481C1C}">
-                <a14:useLocalDpi xmlns:a14="http://schemas.microsoft.com/office/drawing/2010/main" val="0"/>
-              </a:ext>
-            </a:extLst>
-          </a:blip>
-          <a:srcRect b="70693"/>
-          <a:stretch/>
-        </p:blipFill>
-        <p:spPr>
-          <a:xfrm>
-            <a:off x="10204521" y="6307740"/>
-            <a:ext cx="1367541" cy="428915"/>
-          </a:xfrm>
-          <a:prstGeom prst="rect">
-            <a:avLst/>
-          </a:prstGeom>
-        </p:spPr>
-      </p:pic>
-      <p:pic>
-        <p:nvPicPr>
-          <p:cNvPr id="8" name="Picture 7" descr="A picture containing shape&#10;&#10;Description automatically generated">
-            <a:extLst>
-              <a:ext uri="{FF2B5EF4-FFF2-40B4-BE49-F238E27FC236}">
-                <a16:creationId xmlns:a16="http://schemas.microsoft.com/office/drawing/2014/main" id="{C432A180-7341-4E28-8C2B-73F9AB53D13F}"/>
-              </a:ext>
-            </a:extLst>
-          </p:cNvPr>
-          <p:cNvPicPr>
-            <a:picLocks noChangeAspect="1"/>
-          </p:cNvPicPr>
-          <p:nvPr userDrawn="1"/>
-        </p:nvPicPr>
-        <p:blipFill>
-          <a:blip r:embed="rId7">
-            <a:extLst>
-              <a:ext uri="{28A0092B-C50C-407E-A947-70E740481C1C}">
-                <a14:useLocalDpi xmlns:a14="http://schemas.microsoft.com/office/drawing/2010/main" val="0"/>
-              </a:ext>
-            </a:extLst>
-          </a:blip>
-          <a:stretch>
-            <a:fillRect/>
-          </a:stretch>
-        </p:blipFill>
-        <p:spPr>
-          <a:xfrm>
-            <a:off x="331810" y="1848659"/>
-            <a:ext cx="2108499" cy="914400"/>
           </a:xfrm>
           <a:prstGeom prst="rect">
             <a:avLst/>
@@ -1257,17 +1148,14 @@
                 <a:spcPct val="90000"/>
               </a:lnSpc>
             </a:pPr>
-            <a:r>
-              <a:rPr lang="en-US" sz="1600" dirty="0">
-                <a:ln>
-                  <a:noFill/>
-                </a:ln>
-                <a:solidFill>
-                  <a:schemeClr val="bg1"/>
-                </a:solidFill>
-              </a:rPr>
-              <a:t>exascaleproject.org</a:t>
-            </a:r>
+            <a:endParaRPr lang="en-US" sz="1600" dirty="0">
+              <a:ln>
+                <a:noFill/>
+              </a:ln>
+              <a:solidFill>
+                <a:schemeClr val="bg1"/>
+              </a:solidFill>
+            </a:endParaRPr>
           </a:p>
         </p:txBody>
       </p:sp>
@@ -1494,7 +1382,7 @@
       </p:sp>
       <p:pic>
         <p:nvPicPr>
-          <p:cNvPr id="12" name="Picture 11"/>
+          <p:cNvPr id="16" name="Picture 15"/>
           <p:cNvPicPr>
             <a:picLocks noChangeAspect="1"/>
           </p:cNvPicPr>
@@ -1503,39 +1391,9 @@
         <p:blipFill>
           <a:blip r:embed="rId2" cstate="print">
             <a:extLst>
-              <a:ext uri="{28A0092B-C50C-407E-A947-70E740481C1C}">
-                <a14:useLocalDpi xmlns:a14="http://schemas.microsoft.com/office/drawing/2010/main" val="0"/>
-              </a:ext>
-            </a:extLst>
-          </a:blip>
-          <a:stretch>
-            <a:fillRect/>
-          </a:stretch>
-        </p:blipFill>
-        <p:spPr>
-          <a:xfrm>
-            <a:off x="362749" y="483164"/>
-            <a:ext cx="2050840" cy="935496"/>
-          </a:xfrm>
-          <a:prstGeom prst="rect">
-            <a:avLst/>
-          </a:prstGeom>
-        </p:spPr>
-      </p:pic>
-      <p:pic>
-        <p:nvPicPr>
-          <p:cNvPr id="16" name="Picture 15"/>
-          <p:cNvPicPr>
-            <a:picLocks noChangeAspect="1"/>
-          </p:cNvPicPr>
-          <p:nvPr userDrawn="1"/>
-        </p:nvPicPr>
-        <p:blipFill>
-          <a:blip r:embed="rId3" cstate="print">
-            <a:extLst>
               <a:ext uri="{BEBA8EAE-BF5A-486C-A8C5-ECC9F3942E4B}">
                 <a14:imgProps xmlns:a14="http://schemas.microsoft.com/office/drawing/2010/main">
-                  <a14:imgLayer r:embed="rId4">
+                  <a14:imgLayer r:embed="rId3">
                     <a14:imgEffect>
                       <a14:brightnessContrast bright="100000"/>
                     </a14:imgEffect>
@@ -1553,82 +1411,8 @@
         </p:blipFill>
         <p:spPr>
           <a:xfrm>
-            <a:off x="7289921" y="6322747"/>
+            <a:off x="9536165" y="6321694"/>
             <a:ext cx="2409477" cy="401008"/>
-          </a:xfrm>
-          <a:prstGeom prst="rect">
-            <a:avLst/>
-          </a:prstGeom>
-        </p:spPr>
-      </p:pic>
-      <p:pic>
-        <p:nvPicPr>
-          <p:cNvPr id="17" name="Picture 16"/>
-          <p:cNvPicPr>
-            <a:picLocks noChangeAspect="1"/>
-          </p:cNvPicPr>
-          <p:nvPr userDrawn="1"/>
-        </p:nvPicPr>
-        <p:blipFill rotWithShape="1">
-          <a:blip r:embed="rId5" cstate="print">
-            <a:extLst>
-              <a:ext uri="{BEBA8EAE-BF5A-486C-A8C5-ECC9F3942E4B}">
-                <a14:imgProps xmlns:a14="http://schemas.microsoft.com/office/drawing/2010/main">
-                  <a14:imgLayer r:embed="rId6">
-                    <a14:imgEffect>
-                      <a14:brightnessContrast bright="100000"/>
-                    </a14:imgEffect>
-                  </a14:imgLayer>
-                </a14:imgProps>
-              </a:ext>
-              <a:ext uri="{28A0092B-C50C-407E-A947-70E740481C1C}">
-                <a14:useLocalDpi xmlns:a14="http://schemas.microsoft.com/office/drawing/2010/main" val="0"/>
-              </a:ext>
-            </a:extLst>
-          </a:blip>
-          <a:srcRect b="70693"/>
-          <a:stretch/>
-        </p:blipFill>
-        <p:spPr>
-          <a:xfrm>
-            <a:off x="10204521" y="6307740"/>
-            <a:ext cx="1367541" cy="428915"/>
-          </a:xfrm>
-          <a:prstGeom prst="rect">
-            <a:avLst/>
-          </a:prstGeom>
-        </p:spPr>
-      </p:pic>
-      <p:pic>
-        <p:nvPicPr>
-          <p:cNvPr id="8" name="Picture 7" descr="A picture containing shape&#10;&#10;Description automatically generated">
-            <a:extLst>
-              <a:ext uri="{FF2B5EF4-FFF2-40B4-BE49-F238E27FC236}">
-                <a16:creationId xmlns:a16="http://schemas.microsoft.com/office/drawing/2014/main" id="{C432A180-7341-4E28-8C2B-73F9AB53D13F}"/>
-              </a:ext>
-            </a:extLst>
-          </p:cNvPr>
-          <p:cNvPicPr>
-            <a:picLocks noChangeAspect="1"/>
-          </p:cNvPicPr>
-          <p:nvPr userDrawn="1"/>
-        </p:nvPicPr>
-        <p:blipFill>
-          <a:blip r:embed="rId7">
-            <a:extLst>
-              <a:ext uri="{28A0092B-C50C-407E-A947-70E740481C1C}">
-                <a14:useLocalDpi xmlns:a14="http://schemas.microsoft.com/office/drawing/2010/main" val="0"/>
-              </a:ext>
-            </a:extLst>
-          </a:blip>
-          <a:stretch>
-            <a:fillRect/>
-          </a:stretch>
-        </p:blipFill>
-        <p:spPr>
-          <a:xfrm>
-            <a:off x="333920" y="1848659"/>
-            <a:ext cx="2108499" cy="914400"/>
           </a:xfrm>
           <a:prstGeom prst="rect">
             <a:avLst/>
@@ -1650,7 +1434,7 @@
           <p:nvPr userDrawn="1"/>
         </p:nvPicPr>
         <p:blipFill>
-          <a:blip r:embed="rId8">
+          <a:blip r:embed="rId4">
             <a:extLst>
               <a:ext uri="{28A0092B-C50C-407E-A947-70E740481C1C}">
                 <a14:useLocalDpi xmlns:a14="http://schemas.microsoft.com/office/drawing/2010/main" val="0"/>
@@ -1737,7 +1521,7 @@
           <p:nvPr userDrawn="1"/>
         </p:nvPicPr>
         <p:blipFill>
-          <a:blip r:embed="rId9" cstate="print">
+          <a:blip r:embed="rId5" cstate="print">
             <a:extLst>
               <a:ext uri="{28A0092B-C50C-407E-A947-70E740481C1C}">
                 <a14:useLocalDpi xmlns:a14="http://schemas.microsoft.com/office/drawing/2010/main" val="0"/>
@@ -3417,36 +3201,6 @@
           </a:p>
         </p:txBody>
       </p:sp>
-      <p:pic>
-        <p:nvPicPr>
-          <p:cNvPr id="13" name="Picture 12"/>
-          <p:cNvPicPr>
-            <a:picLocks noChangeAspect="1"/>
-          </p:cNvPicPr>
-          <p:nvPr userDrawn="1"/>
-        </p:nvPicPr>
-        <p:blipFill>
-          <a:blip r:embed="rId9" cstate="print">
-            <a:extLst>
-              <a:ext uri="{28A0092B-C50C-407E-A947-70E740481C1C}">
-                <a14:useLocalDpi xmlns:a14="http://schemas.microsoft.com/office/drawing/2010/main" val="0"/>
-              </a:ext>
-            </a:extLst>
-          </a:blip>
-          <a:stretch>
-            <a:fillRect/>
-          </a:stretch>
-        </p:blipFill>
-        <p:spPr>
-          <a:xfrm>
-            <a:off x="9741160" y="6185919"/>
-            <a:ext cx="1971212" cy="533060"/>
-          </a:xfrm>
-          <a:prstGeom prst="rect">
-            <a:avLst/>
-          </a:prstGeom>
-        </p:spPr>
-      </p:pic>
       <p:sp>
         <p:nvSpPr>
           <p:cNvPr id="8" name="Rectangle 256"/>
@@ -3550,42 +3304,6 @@
           </a:p>
         </p:txBody>
       </p:sp>
-      <p:pic>
-        <p:nvPicPr>
-          <p:cNvPr id="3" name="Picture 2" descr="A picture containing shape&#10;&#10;Description automatically generated">
-            <a:extLst>
-              <a:ext uri="{FF2B5EF4-FFF2-40B4-BE49-F238E27FC236}">
-                <a16:creationId xmlns:a16="http://schemas.microsoft.com/office/drawing/2014/main" id="{2A4943B8-0F89-4A94-B130-A128F45E57C4}"/>
-              </a:ext>
-            </a:extLst>
-          </p:cNvPr>
-          <p:cNvPicPr>
-            <a:picLocks noChangeAspect="1"/>
-          </p:cNvPicPr>
-          <p:nvPr userDrawn="1"/>
-        </p:nvPicPr>
-        <p:blipFill>
-          <a:blip r:embed="rId10">
-            <a:extLst>
-              <a:ext uri="{28A0092B-C50C-407E-A947-70E740481C1C}">
-                <a14:useLocalDpi xmlns:a14="http://schemas.microsoft.com/office/drawing/2010/main" val="0"/>
-              </a:ext>
-            </a:extLst>
-          </a:blip>
-          <a:stretch>
-            <a:fillRect/>
-          </a:stretch>
-        </p:blipFill>
-        <p:spPr>
-          <a:xfrm>
-            <a:off x="7806050" y="6114121"/>
-            <a:ext cx="1560289" cy="676656"/>
-          </a:xfrm>
-          <a:prstGeom prst="rect">
-            <a:avLst/>
-          </a:prstGeom>
-        </p:spPr>
-      </p:pic>
     </p:spTree>
     <p:extLst>
       <p:ext uri="{BB962C8B-B14F-4D97-AF65-F5344CB8AC3E}">
@@ -4098,7 +3816,7 @@
                 </a:solidFill>
                 <a:effectLst/>
               </a:rPr>
-              <a:t>Software Productivity and Sustainability track</a:t>
+              <a:t>Better Scientific Software</a:t>
             </a:r>
             <a:endParaRPr lang="en-US" dirty="0"/>
           </a:p>
@@ -4132,11 +3850,8 @@
           <a:p>
             <a:r>
               <a:rPr lang="en-US" dirty="0"/>
-              <a:t>Anshu Dubey, David E. Bernholdt, Greg Becker, and Jared O’Neal</a:t>
-            </a:r>
-          </a:p>
-          <a:p>
-            <a:endParaRPr lang="en-US" dirty="0"/>
+              <a:t>Anshu Dubey</a:t>
+            </a:r>
           </a:p>
           <a:p>
             <a:r>
@@ -4147,8 +3862,32 @@
                 <a:effectLst/>
                 <a:latin typeface="-apple-system"/>
               </a:rPr>
-              <a:t>Argonne Training Program on Extreme-Scale Computing summer school</a:t>
-            </a:r>
+              <a:t>Better Scientific Software Tutorial @ ISC24</a:t>
+            </a:r>
+          </a:p>
+          <a:p>
+            <a:endParaRPr lang="en-US" dirty="0">
+              <a:solidFill>
+                <a:srgbClr val="111111"/>
+              </a:solidFill>
+              <a:latin typeface="-apple-system"/>
+            </a:endParaRPr>
+          </a:p>
+          <a:p>
+            <a:r>
+              <a:rPr lang="en-US" dirty="0"/>
+              <a:t>Organizers: David </a:t>
+            </a:r>
+            <a:r>
+              <a:rPr lang="en-US" dirty="0" err="1"/>
+              <a:t>Bernholdt</a:t>
+            </a:r>
+            <a:r>
+              <a:rPr lang="en-US" dirty="0"/>
+              <a:t> and Anshu Dubey</a:t>
+            </a:r>
+          </a:p>
+          <a:p>
             <a:endParaRPr lang="en-US" dirty="0"/>
           </a:p>
         </p:txBody>
@@ -4167,7 +3906,7 @@
         </p:nvSpPr>
         <p:spPr>
           <a:xfrm>
-            <a:off x="3177632" y="4156432"/>
+            <a:off x="3349082" y="4214633"/>
             <a:ext cx="5242468" cy="1200329"/>
           </a:xfrm>
           <a:prstGeom prst="rect">
@@ -4226,176 +3965,6 @@
 </file>
 
 <file path=ppt/slides/slide10.xml><?xml version="1.0" encoding="utf-8"?>
-<p:sld xmlns:a="http://schemas.openxmlformats.org/drawingml/2006/main" xmlns:r="http://schemas.openxmlformats.org/officeDocument/2006/relationships" xmlns:p="http://schemas.openxmlformats.org/presentationml/2006/main">
-  <p:cSld>
-    <p:spTree>
-      <p:nvGrpSpPr>
-        <p:cNvPr id="1" name=""/>
-        <p:cNvGrpSpPr/>
-        <p:nvPr/>
-      </p:nvGrpSpPr>
-      <p:grpSpPr>
-        <a:xfrm>
-          <a:off x="0" y="0"/>
-          <a:ext cx="0" cy="0"/>
-          <a:chOff x="0" y="0"/>
-          <a:chExt cx="0" cy="0"/>
-        </a:xfrm>
-      </p:grpSpPr>
-      <p:sp>
-        <p:nvSpPr>
-          <p:cNvPr id="2" name="Title 1">
-            <a:extLst>
-              <a:ext uri="{FF2B5EF4-FFF2-40B4-BE49-F238E27FC236}">
-                <a16:creationId xmlns:a16="http://schemas.microsoft.com/office/drawing/2014/main" id="{88D7CFF0-36AC-4BF3-96D2-C6F302144850}"/>
-              </a:ext>
-            </a:extLst>
-          </p:cNvPr>
-          <p:cNvSpPr>
-            <a:spLocks noGrp="1"/>
-          </p:cNvSpPr>
-          <p:nvPr>
-            <p:ph type="title"/>
-          </p:nvPr>
-        </p:nvSpPr>
-        <p:spPr/>
-        <p:txBody>
-          <a:bodyPr/>
-          <a:lstStyle/>
-          <a:p>
-            <a:r>
-              <a:rPr lang="en-US" dirty="0"/>
-              <a:t>We Want to Interact with You!</a:t>
-            </a:r>
-          </a:p>
-        </p:txBody>
-      </p:sp>
-      <p:sp>
-        <p:nvSpPr>
-          <p:cNvPr id="3" name="Content Placeholder 2">
-            <a:extLst>
-              <a:ext uri="{FF2B5EF4-FFF2-40B4-BE49-F238E27FC236}">
-                <a16:creationId xmlns:a16="http://schemas.microsoft.com/office/drawing/2014/main" id="{AEFD04A9-5547-4AC6-89F3-E6EEC039A00D}"/>
-              </a:ext>
-            </a:extLst>
-          </p:cNvPr>
-          <p:cNvSpPr>
-            <a:spLocks noGrp="1"/>
-          </p:cNvSpPr>
-          <p:nvPr>
-            <p:ph idx="1"/>
-          </p:nvPr>
-        </p:nvSpPr>
-        <p:spPr>
-          <a:xfrm>
-            <a:off x="365760" y="919230"/>
-            <a:ext cx="11369809" cy="4047778"/>
-          </a:xfrm>
-        </p:spPr>
-        <p:txBody>
-          <a:bodyPr/>
-          <a:lstStyle/>
-          <a:p>
-            <a:pPr>
-              <a:spcBef>
-                <a:spcPts val="1800"/>
-              </a:spcBef>
-            </a:pPr>
-            <a:r>
-              <a:rPr lang="en-US" dirty="0"/>
-              <a:t>We find these tutorials most interesting and informative (for everyone) if you ask questions and share experiences!</a:t>
-            </a:r>
-          </a:p>
-          <a:p>
-            <a:pPr lvl="1">
-              <a:spcBef>
-                <a:spcPts val="400"/>
-              </a:spcBef>
-            </a:pPr>
-            <a:r>
-              <a:rPr lang="en-US" dirty="0"/>
-              <a:t>We learn too!</a:t>
-            </a:r>
-          </a:p>
-          <a:p>
-            <a:pPr>
-              <a:spcBef>
-                <a:spcPts val="400"/>
-              </a:spcBef>
-            </a:pPr>
-            <a:r>
-              <a:rPr lang="en-US" dirty="0"/>
-              <a:t>Please raise your hand at any time to ask a question</a:t>
-            </a:r>
-          </a:p>
-          <a:p>
-            <a:pPr>
-              <a:spcBef>
-                <a:spcPts val="1200"/>
-              </a:spcBef>
-            </a:pPr>
-            <a:r>
-              <a:rPr lang="en-US" dirty="0"/>
-              <a:t>After the tutorial email us at </a:t>
-            </a:r>
-            <a:r>
-              <a:rPr lang="en-US" dirty="0">
-                <a:hlinkClick r:id="rId2"/>
-              </a:rPr>
-              <a:t>bssw-tutorial@lists.mcs.anl.gov</a:t>
-            </a:r>
-            <a:endParaRPr lang="en-US" dirty="0"/>
-          </a:p>
-          <a:p>
-            <a:pPr lvl="1">
-              <a:spcBef>
-                <a:spcPts val="400"/>
-              </a:spcBef>
-            </a:pPr>
-            <a:r>
-              <a:rPr lang="en-US" dirty="0"/>
-              <a:t>With questions or feedback</a:t>
-            </a:r>
-          </a:p>
-          <a:p>
-            <a:pPr lvl="1"/>
-            <a:r>
-              <a:rPr lang="en-US" dirty="0"/>
-              <a:t>The list moderator will allow your messages to be posted</a:t>
-            </a:r>
-          </a:p>
-          <a:p>
-            <a:r>
-              <a:rPr lang="en-US" dirty="0"/>
-              <a:t>Refer to </a:t>
-            </a:r>
-            <a:r>
-              <a:rPr lang="en-US" dirty="0">
-                <a:hlinkClick r:id="rId3"/>
-              </a:rPr>
-              <a:t>bssw-tutorial.github.io</a:t>
-            </a:r>
-            <a:r>
-              <a:rPr lang="en-US" dirty="0"/>
-              <a:t> page for all tutorial materials</a:t>
-            </a:r>
-          </a:p>
-        </p:txBody>
-      </p:sp>
-    </p:spTree>
-    <p:extLst>
-      <p:ext uri="{BB962C8B-B14F-4D97-AF65-F5344CB8AC3E}">
-        <p14:creationId xmlns:p14="http://schemas.microsoft.com/office/powerpoint/2010/main" val="3695382487"/>
-      </p:ext>
-    </p:extLst>
-  </p:cSld>
-  <p:clrMapOvr>
-    <a:masterClrMapping/>
-  </p:clrMapOvr>
-</p:sld>
-</file>
-
-<file path=ppt/slides/slide11.xml><?xml version="1.0" encoding="utf-8"?>
 <p:sld xmlns:a="http://schemas.openxmlformats.org/drawingml/2006/main" xmlns:r="http://schemas.openxmlformats.org/officeDocument/2006/relationships" xmlns:p="http://schemas.openxmlformats.org/presentationml/2006/main" showMasterSp="0">
   <p:cSld>
     <p:spTree>
@@ -4440,7 +4009,7 @@
           <a:p>
             <a:r>
               <a:rPr lang="en-US" dirty="0"/>
-              <a:t>Agenda (morning) </a:t>
+              <a:t>Agenda</a:t>
             </a:r>
           </a:p>
         </p:txBody>
@@ -4461,14 +4030,14 @@
             <p:ph idx="1"/>
             <p:extLst>
               <p:ext uri="{D42A27DB-BD31-4B8C-83A1-F6EECF244321}">
-                <p14:modId xmlns:p14="http://schemas.microsoft.com/office/powerpoint/2010/main" val="2984917503"/>
+                <p14:modId xmlns:p14="http://schemas.microsoft.com/office/powerpoint/2010/main" val="3715461049"/>
               </p:ext>
             </p:extLst>
           </p:nvPr>
         </p:nvGraphicFramePr>
         <p:xfrm>
-          <a:off x="365758" y="866432"/>
-          <a:ext cx="11414888" cy="4267200"/>
+          <a:off x="1051560" y="1074420"/>
+          <a:ext cx="9692640" cy="5265420"/>
         </p:xfrm>
         <a:graphic>
           <a:graphicData uri="http://schemas.openxmlformats.org/drawingml/2006/table">
@@ -4477,29 +4046,22 @@
                 <a:tableStyleId>{5C22544A-7EE6-4342-B048-85BDC9FD1C3A}</a:tableStyleId>
               </a:tblPr>
               <a:tblGrid>
-                <a:gridCol w="1417322">
+                <a:gridCol w="1540110">
                   <a:extLst>
                     <a:ext uri="{9D8B030D-6E8A-4147-A177-3AD203B41FA5}">
                       <a16:colId xmlns:a16="http://schemas.microsoft.com/office/drawing/2014/main" val="41390910"/>
                     </a:ext>
                   </a:extLst>
                 </a:gridCol>
-                <a:gridCol w="6934200">
+                <a:gridCol w="8152530">
                   <a:extLst>
                     <a:ext uri="{9D8B030D-6E8A-4147-A177-3AD203B41FA5}">
                       <a16:colId xmlns:a16="http://schemas.microsoft.com/office/drawing/2014/main" val="1261297711"/>
                     </a:ext>
                   </a:extLst>
                 </a:gridCol>
-                <a:gridCol w="3063366">
-                  <a:extLst>
-                    <a:ext uri="{9D8B030D-6E8A-4147-A177-3AD203B41FA5}">
-                      <a16:colId xmlns:a16="http://schemas.microsoft.com/office/drawing/2014/main" val="3622604584"/>
-                    </a:ext>
-                  </a:extLst>
-                </a:gridCol>
               </a:tblGrid>
-              <a:tr h="389200">
+              <a:tr h="526542">
                 <a:tc>
                   <a:txBody>
                     <a:bodyPr/>
@@ -4531,28 +4093,13 @@
                   </a:txBody>
                   <a:tcPr marL="142875" marR="142875" marT="95250" marB="95250" anchor="ctr"/>
                 </a:tc>
-                <a:tc>
-                  <a:txBody>
-                    <a:bodyPr/>
-                    <a:lstStyle/>
-                    <a:p>
-                      <a:r>
-                        <a:rPr lang="en-US" sz="1800" dirty="0">
-                          <a:effectLst/>
-                        </a:rPr>
-                        <a:t>Presenter</a:t>
-                      </a:r>
-                    </a:p>
-                  </a:txBody>
-                  <a:tcPr marL="142875" marR="142875" marT="95250" marB="95250" anchor="ctr"/>
-                </a:tc>
                 <a:extLst>
                   <a:ext uri="{0D108BD9-81ED-4DB2-BD59-A6C34878D82A}">
                     <a16:rowId xmlns:a16="http://schemas.microsoft.com/office/drawing/2014/main" val="2098024418"/>
                   </a:ext>
                 </a:extLst>
               </a:tr>
-              <a:tr h="254288">
+              <a:tr h="526542">
                 <a:tc>
                   <a:txBody>
                     <a:bodyPr/>
@@ -4560,10 +4107,10 @@
                     <a:p>
                       <a:pPr algn="r"/>
                       <a:r>
-                        <a:rPr lang="en-US" sz="1800">
+                        <a:rPr lang="en-US" sz="1800" dirty="0">
                           <a:effectLst/>
                         </a:rPr>
-                        <a:t>8:30 AM</a:t>
+                        <a:t>2:00 PM</a:t>
                       </a:r>
                     </a:p>
                   </a:txBody>
@@ -4584,28 +4131,13 @@
                   </a:txBody>
                   <a:tcPr marL="142875" marR="142875" marT="95250" marB="95250" anchor="ctr"/>
                 </a:tc>
-                <a:tc>
-                  <a:txBody>
-                    <a:bodyPr/>
-                    <a:lstStyle/>
-                    <a:p>
-                      <a:r>
-                        <a:rPr lang="en-US" sz="1800">
-                          <a:effectLst/>
-                        </a:rPr>
-                        <a:t>David E. Bernholdt (ORNL)</a:t>
-                      </a:r>
-                    </a:p>
-                  </a:txBody>
-                  <a:tcPr marL="142875" marR="142875" marT="95250" marB="95250" anchor="ctr"/>
-                </a:tc>
                 <a:extLst>
                   <a:ext uri="{0D108BD9-81ED-4DB2-BD59-A6C34878D82A}">
                     <a16:rowId xmlns:a16="http://schemas.microsoft.com/office/drawing/2014/main" val="1592907298"/>
                   </a:ext>
                 </a:extLst>
               </a:tr>
-              <a:tr h="216188">
+              <a:tr h="526542">
                 <a:tc>
                   <a:txBody>
                     <a:bodyPr/>
@@ -4613,10 +4145,10 @@
                     <a:p>
                       <a:pPr algn="r"/>
                       <a:r>
-                        <a:rPr lang="en-US" sz="1800">
+                        <a:rPr lang="en-US" sz="1800" dirty="0">
                           <a:effectLst/>
                         </a:rPr>
-                        <a:t>8:35 AM</a:t>
+                        <a:t>2:05 PM</a:t>
                       </a:r>
                     </a:p>
                   </a:txBody>
@@ -4628,10 +4160,33 @@
                     <a:lstStyle/>
                     <a:p>
                       <a:r>
-                        <a:rPr lang="en-US" sz="1800">
+                        <a:rPr lang="en-US" sz="1800" dirty="0">
                           <a:effectLst/>
                         </a:rPr>
                         <a:t>Motivation and Overview of Best Practices in HPC Software Development</a:t>
+                      </a:r>
+                    </a:p>
+                  </a:txBody>
+                  <a:tcPr marL="142875" marR="142875" marT="95250" marB="95250" anchor="ctr"/>
+                </a:tc>
+                <a:extLst>
+                  <a:ext uri="{0D108BD9-81ED-4DB2-BD59-A6C34878D82A}">
+                    <a16:rowId xmlns:a16="http://schemas.microsoft.com/office/drawing/2014/main" val="110245607"/>
+                  </a:ext>
+                </a:extLst>
+              </a:tr>
+              <a:tr h="526542">
+                <a:tc>
+                  <a:txBody>
+                    <a:bodyPr/>
+                    <a:lstStyle/>
+                    <a:p>
+                      <a:pPr algn="r"/>
+                      <a:r>
+                        <a:rPr lang="en-US" sz="1800" dirty="0">
+                          <a:effectLst/>
+                        </a:rPr>
+                        <a:t>2:20 PM</a:t>
                       </a:r>
                     </a:p>
                   </a:txBody>
@@ -4643,10 +4198,10 @@
                     <a:lstStyle/>
                     <a:p>
                       <a:r>
-                        <a:rPr lang="en-US" sz="1800">
+                        <a:rPr lang="en-US" sz="1800" dirty="0">
                           <a:effectLst/>
                         </a:rPr>
-                        <a:t>David E. Bernholdt (ORNL)</a:t>
+                        <a:t>Scientific Software Design</a:t>
                       </a:r>
                     </a:p>
                   </a:txBody>
@@ -4654,11 +4209,11 @@
                 </a:tc>
                 <a:extLst>
                   <a:ext uri="{0D108BD9-81ED-4DB2-BD59-A6C34878D82A}">
-                    <a16:rowId xmlns:a16="http://schemas.microsoft.com/office/drawing/2014/main" val="110245607"/>
+                    <a16:rowId xmlns:a16="http://schemas.microsoft.com/office/drawing/2014/main" val="1951011699"/>
                   </a:ext>
                 </a:extLst>
               </a:tr>
-              <a:tr h="0">
+              <a:tr h="526542">
                 <a:tc>
                   <a:txBody>
                     <a:bodyPr/>
@@ -4666,10 +4221,10 @@
                     <a:p>
                       <a:pPr algn="r"/>
                       <a:r>
-                        <a:rPr lang="en-US" sz="1800">
+                        <a:rPr lang="en-US" sz="1800" dirty="0">
                           <a:effectLst/>
                         </a:rPr>
-                        <a:t>9:15 AM</a:t>
+                        <a:t>2:50 PM</a:t>
                       </a:r>
                     </a:p>
                   </a:txBody>
@@ -4681,10 +4236,33 @@
                     <a:lstStyle/>
                     <a:p>
                       <a:r>
-                        <a:rPr lang="en-US" sz="1800">
+                        <a:rPr lang="en-US" sz="1800" i="0" dirty="0">
                           <a:effectLst/>
                         </a:rPr>
-                        <a:t>Scientific Software Design</a:t>
+                        <a:t>Testing and Verification</a:t>
+                      </a:r>
+                    </a:p>
+                  </a:txBody>
+                  <a:tcPr marL="142875" marR="142875" marT="95250" marB="95250" anchor="ctr"/>
+                </a:tc>
+                <a:extLst>
+                  <a:ext uri="{0D108BD9-81ED-4DB2-BD59-A6C34878D82A}">
+                    <a16:rowId xmlns:a16="http://schemas.microsoft.com/office/drawing/2014/main" val="333202538"/>
+                  </a:ext>
+                </a:extLst>
+              </a:tr>
+              <a:tr h="526542">
+                <a:tc>
+                  <a:txBody>
+                    <a:bodyPr/>
+                    <a:lstStyle/>
+                    <a:p>
+                      <a:pPr algn="r"/>
+                      <a:r>
+                        <a:rPr lang="en-US" sz="1800" dirty="0">
+                          <a:effectLst/>
+                        </a:rPr>
+                        <a:t>3:30 PM</a:t>
                       </a:r>
                     </a:p>
                   </a:txBody>
@@ -4696,10 +4274,10 @@
                     <a:lstStyle/>
                     <a:p>
                       <a:r>
-                        <a:rPr lang="en-US" sz="1800">
+                        <a:rPr lang="en-US" sz="1800" dirty="0">
                           <a:effectLst/>
                         </a:rPr>
-                        <a:t>Anshu Dubey (ANL)</a:t>
+                        <a:t>Refactoring</a:t>
                       </a:r>
                     </a:p>
                   </a:txBody>
@@ -4707,11 +4285,11 @@
                 </a:tc>
                 <a:extLst>
                   <a:ext uri="{0D108BD9-81ED-4DB2-BD59-A6C34878D82A}">
-                    <a16:rowId xmlns:a16="http://schemas.microsoft.com/office/drawing/2014/main" val="1951011699"/>
+                    <a16:rowId xmlns:a16="http://schemas.microsoft.com/office/drawing/2014/main" val="902307701"/>
                   </a:ext>
                 </a:extLst>
               </a:tr>
-              <a:tr h="389200">
+              <a:tr h="526542">
                 <a:tc>
                   <a:txBody>
                     <a:bodyPr/>
@@ -4719,10 +4297,10 @@
                     <a:p>
                       <a:pPr algn="r"/>
                       <a:r>
-                        <a:rPr lang="en-US" sz="1800">
+                        <a:rPr lang="en-US" sz="1800" dirty="0">
                           <a:effectLst/>
                         </a:rPr>
-                        <a:t>10:00 AM</a:t>
+                        <a:t>4:00 PM</a:t>
                       </a:r>
                     </a:p>
                   </a:txBody>
@@ -4734,37 +4312,22 @@
                     <a:lstStyle/>
                     <a:p>
                       <a:r>
-                        <a:rPr lang="en-US" sz="1800" i="1">
+                        <a:rPr lang="en-US" sz="1800" i="1" dirty="0">
                           <a:effectLst/>
                         </a:rPr>
                         <a:t>Break</a:t>
                       </a:r>
-                      <a:endParaRPr lang="en-US" sz="1800">
-                        <a:effectLst/>
-                      </a:endParaRPr>
-                    </a:p>
-                  </a:txBody>
-                  <a:tcPr marL="142875" marR="142875" marT="95250" marB="95250" anchor="ctr"/>
-                </a:tc>
-                <a:tc>
-                  <a:txBody>
-                    <a:bodyPr/>
-                    <a:lstStyle/>
-                    <a:p>
-                      <a:endParaRPr lang="en-US" sz="1800">
-                        <a:effectLst/>
-                      </a:endParaRPr>
                     </a:p>
                   </a:txBody>
                   <a:tcPr marL="142875" marR="142875" marT="95250" marB="95250" anchor="ctr"/>
                 </a:tc>
                 <a:extLst>
                   <a:ext uri="{0D108BD9-81ED-4DB2-BD59-A6C34878D82A}">
-                    <a16:rowId xmlns:a16="http://schemas.microsoft.com/office/drawing/2014/main" val="333202538"/>
+                    <a16:rowId xmlns:a16="http://schemas.microsoft.com/office/drawing/2014/main" val="2705533259"/>
                   </a:ext>
                 </a:extLst>
               </a:tr>
-              <a:tr h="389200">
+              <a:tr h="526542">
                 <a:tc>
                   <a:txBody>
                     <a:bodyPr/>
@@ -4772,10 +4335,10 @@
                     <a:p>
                       <a:pPr algn="r"/>
                       <a:r>
-                        <a:rPr lang="en-US" sz="1800">
+                        <a:rPr lang="en-US" sz="1800" dirty="0">
                           <a:effectLst/>
                         </a:rPr>
-                        <a:t>10:30 AM</a:t>
+                        <a:t>4:30 PM</a:t>
                       </a:r>
                     </a:p>
                   </a:txBody>
@@ -4787,10 +4350,33 @@
                     <a:lstStyle/>
                     <a:p>
                       <a:r>
-                        <a:rPr lang="en-US" sz="1800">
+                        <a:rPr lang="en-US" sz="1800" dirty="0">
                           <a:effectLst/>
                         </a:rPr>
-                        <a:t>Spack: Package Management for HPC</a:t>
+                        <a:t>Lab Notebooks</a:t>
+                      </a:r>
+                    </a:p>
+                  </a:txBody>
+                  <a:tcPr marL="142875" marR="142875" marT="95250" marB="95250" anchor="ctr"/>
+                </a:tc>
+                <a:extLst>
+                  <a:ext uri="{0D108BD9-81ED-4DB2-BD59-A6C34878D82A}">
+                    <a16:rowId xmlns:a16="http://schemas.microsoft.com/office/drawing/2014/main" val="1166125975"/>
+                  </a:ext>
+                </a:extLst>
+              </a:tr>
+              <a:tr h="526542">
+                <a:tc>
+                  <a:txBody>
+                    <a:bodyPr/>
+                    <a:lstStyle/>
+                    <a:p>
+                      <a:pPr algn="r"/>
+                      <a:r>
+                        <a:rPr lang="en-US" sz="1800" dirty="0">
+                          <a:effectLst/>
+                        </a:rPr>
+                        <a:t>5:15 PM</a:t>
                       </a:r>
                     </a:p>
                   </a:txBody>
@@ -4802,10 +4388,10 @@
                     <a:lstStyle/>
                     <a:p>
                       <a:r>
-                        <a:rPr lang="en-US" sz="1800">
+                        <a:rPr lang="en-US" sz="1800" i="0" dirty="0">
                           <a:effectLst/>
                         </a:rPr>
-                        <a:t>Greg Becker (LLNL)</a:t>
+                        <a:t>Documentation</a:t>
                       </a:r>
                     </a:p>
                   </a:txBody>
@@ -4813,11 +4399,11 @@
                 </a:tc>
                 <a:extLst>
                   <a:ext uri="{0D108BD9-81ED-4DB2-BD59-A6C34878D82A}">
-                    <a16:rowId xmlns:a16="http://schemas.microsoft.com/office/drawing/2014/main" val="902307701"/>
+                    <a16:rowId xmlns:a16="http://schemas.microsoft.com/office/drawing/2014/main" val="4002252475"/>
                   </a:ext>
                 </a:extLst>
               </a:tr>
-              <a:tr h="389200">
+              <a:tr h="526542">
                 <a:tc>
                   <a:txBody>
                     <a:bodyPr/>
@@ -4825,10 +4411,10 @@
                     <a:p>
                       <a:pPr algn="r"/>
                       <a:r>
-                        <a:rPr lang="en-US" sz="1800">
+                        <a:rPr lang="en-US" sz="1800" dirty="0">
                           <a:effectLst/>
                         </a:rPr>
-                        <a:t>11:30 AM</a:t>
+                        <a:t>6:00 PM</a:t>
                       </a:r>
                     </a:p>
                   </a:txBody>
@@ -4840,25 +4426,10 @@
                     <a:lstStyle/>
                     <a:p>
                       <a:r>
-                        <a:rPr lang="en-US" sz="1800">
+                        <a:rPr lang="en-US" sz="1800" dirty="0">
                           <a:effectLst/>
                         </a:rPr>
-                        <a:t>Spack Hands-On</a:t>
-                      </a:r>
-                    </a:p>
-                  </a:txBody>
-                  <a:tcPr marL="142875" marR="142875" marT="95250" marB="95250" anchor="ctr"/>
-                </a:tc>
-                <a:tc>
-                  <a:txBody>
-                    <a:bodyPr/>
-                    <a:lstStyle/>
-                    <a:p>
-                      <a:r>
-                        <a:rPr lang="en-US" sz="1800">
-                          <a:effectLst/>
-                        </a:rPr>
-                        <a:t>Greg Becker (LLNL)</a:t>
+                        <a:t>Adjourn</a:t>
                       </a:r>
                     </a:p>
                   </a:txBody>
@@ -4866,60 +4437,7 @@
                 </a:tc>
                 <a:extLst>
                   <a:ext uri="{0D108BD9-81ED-4DB2-BD59-A6C34878D82A}">
-                    <a16:rowId xmlns:a16="http://schemas.microsoft.com/office/drawing/2014/main" val="1166125975"/>
-                  </a:ext>
-                </a:extLst>
-              </a:tr>
-              <a:tr h="389200">
-                <a:tc>
-                  <a:txBody>
-                    <a:bodyPr/>
-                    <a:lstStyle/>
-                    <a:p>
-                      <a:pPr algn="r"/>
-                      <a:r>
-                        <a:rPr lang="en-US" sz="1800">
-                          <a:effectLst/>
-                        </a:rPr>
-                        <a:t>12:30 PM</a:t>
-                      </a:r>
-                    </a:p>
-                  </a:txBody>
-                  <a:tcPr marL="142875" marR="142875" marT="95250" marB="95250" anchor="ctr"/>
-                </a:tc>
-                <a:tc>
-                  <a:txBody>
-                    <a:bodyPr/>
-                    <a:lstStyle/>
-                    <a:p>
-                      <a:r>
-                        <a:rPr lang="en-US" sz="1800" i="1">
-                          <a:effectLst/>
-                        </a:rPr>
-                        <a:t>Lunch</a:t>
-                      </a:r>
-                      <a:endParaRPr lang="en-US" sz="1800">
-                        <a:effectLst/>
-                      </a:endParaRPr>
-                    </a:p>
-                  </a:txBody>
-                  <a:tcPr marL="142875" marR="142875" marT="95250" marB="95250" anchor="ctr"/>
-                </a:tc>
-                <a:tc>
-                  <a:txBody>
-                    <a:bodyPr/>
-                    <a:lstStyle/>
-                    <a:p>
-                      <a:endParaRPr lang="en-US" sz="1800" dirty="0">
-                        <a:effectLst/>
-                      </a:endParaRPr>
-                    </a:p>
-                  </a:txBody>
-                  <a:tcPr marL="142875" marR="142875" marT="95250" marB="95250" anchor="ctr"/>
-                </a:tc>
-                <a:extLst>
-                  <a:ext uri="{0D108BD9-81ED-4DB2-BD59-A6C34878D82A}">
-                    <a16:rowId xmlns:a16="http://schemas.microsoft.com/office/drawing/2014/main" val="4002252475"/>
+                    <a16:rowId xmlns:a16="http://schemas.microsoft.com/office/drawing/2014/main" val="3124768356"/>
                   </a:ext>
                 </a:extLst>
               </a:tr>
@@ -5048,828 +4566,6 @@
     <p:extLst>
       <p:ext uri="{BB962C8B-B14F-4D97-AF65-F5344CB8AC3E}">
         <p14:creationId xmlns:p14="http://schemas.microsoft.com/office/powerpoint/2010/main" val="19783333"/>
-      </p:ext>
-    </p:extLst>
-  </p:cSld>
-  <p:clrMapOvr>
-    <a:masterClrMapping/>
-  </p:clrMapOvr>
-</p:sld>
-</file>
-
-<file path=ppt/slides/slide12.xml><?xml version="1.0" encoding="utf-8"?>
-<p:sld xmlns:a="http://schemas.openxmlformats.org/drawingml/2006/main" xmlns:r="http://schemas.openxmlformats.org/officeDocument/2006/relationships" xmlns:p="http://schemas.openxmlformats.org/presentationml/2006/main" showMasterSp="0">
-  <p:cSld>
-    <p:spTree>
-      <p:nvGrpSpPr>
-        <p:cNvPr id="1" name=""/>
-        <p:cNvGrpSpPr/>
-        <p:nvPr/>
-      </p:nvGrpSpPr>
-      <p:grpSpPr>
-        <a:xfrm>
-          <a:off x="0" y="0"/>
-          <a:ext cx="0" cy="0"/>
-          <a:chOff x="0" y="0"/>
-          <a:chExt cx="0" cy="0"/>
-        </a:xfrm>
-      </p:grpSpPr>
-      <p:sp>
-        <p:nvSpPr>
-          <p:cNvPr id="2" name="Title 1">
-            <a:extLst>
-              <a:ext uri="{FF2B5EF4-FFF2-40B4-BE49-F238E27FC236}">
-                <a16:creationId xmlns:a16="http://schemas.microsoft.com/office/drawing/2014/main" id="{1D6756EE-C2D9-4E52-B0B6-3C831FD6A565}"/>
-              </a:ext>
-            </a:extLst>
-          </p:cNvPr>
-          <p:cNvSpPr>
-            <a:spLocks noGrp="1"/>
-          </p:cNvSpPr>
-          <p:nvPr>
-            <p:ph type="title"/>
-          </p:nvPr>
-        </p:nvSpPr>
-        <p:spPr>
-          <a:xfrm>
-            <a:off x="408175" y="160020"/>
-            <a:ext cx="11372473" cy="914400"/>
-          </a:xfrm>
-        </p:spPr>
-        <p:txBody>
-          <a:bodyPr/>
-          <a:lstStyle/>
-          <a:p>
-            <a:r>
-              <a:rPr lang="en-US" dirty="0"/>
-              <a:t>Agenda (afternoon) </a:t>
-            </a:r>
-          </a:p>
-        </p:txBody>
-      </p:sp>
-      <p:graphicFrame>
-        <p:nvGraphicFramePr>
-          <p:cNvPr id="6" name="Table 6">
-            <a:extLst>
-              <a:ext uri="{FF2B5EF4-FFF2-40B4-BE49-F238E27FC236}">
-                <a16:creationId xmlns:a16="http://schemas.microsoft.com/office/drawing/2014/main" id="{99D13FB2-5BF8-4AC0-A13D-ECB8E230F5BC}"/>
-              </a:ext>
-            </a:extLst>
-          </p:cNvPr>
-          <p:cNvGraphicFramePr>
-            <a:graphicFrameLocks noGrp="1"/>
-          </p:cNvGraphicFramePr>
-          <p:nvPr>
-            <p:ph idx="1"/>
-            <p:extLst>
-              <p:ext uri="{D42A27DB-BD31-4B8C-83A1-F6EECF244321}">
-                <p14:modId xmlns:p14="http://schemas.microsoft.com/office/powerpoint/2010/main" val="90041730"/>
-              </p:ext>
-            </p:extLst>
-          </p:nvPr>
-        </p:nvGraphicFramePr>
-        <p:xfrm>
-          <a:off x="365758" y="866432"/>
-          <a:ext cx="11414888" cy="5661660"/>
-        </p:xfrm>
-        <a:graphic>
-          <a:graphicData uri="http://schemas.openxmlformats.org/drawingml/2006/table">
-            <a:tbl>
-              <a:tblPr firstRow="1" bandRow="1">
-                <a:tableStyleId>{5C22544A-7EE6-4342-B048-85BDC9FD1C3A}</a:tableStyleId>
-              </a:tblPr>
-              <a:tblGrid>
-                <a:gridCol w="1417322">
-                  <a:extLst>
-                    <a:ext uri="{9D8B030D-6E8A-4147-A177-3AD203B41FA5}">
-                      <a16:colId xmlns:a16="http://schemas.microsoft.com/office/drawing/2014/main" val="41390910"/>
-                    </a:ext>
-                  </a:extLst>
-                </a:gridCol>
-                <a:gridCol w="6934200">
-                  <a:extLst>
-                    <a:ext uri="{9D8B030D-6E8A-4147-A177-3AD203B41FA5}">
-                      <a16:colId xmlns:a16="http://schemas.microsoft.com/office/drawing/2014/main" val="1261297711"/>
-                    </a:ext>
-                  </a:extLst>
-                </a:gridCol>
-                <a:gridCol w="3063366">
-                  <a:extLst>
-                    <a:ext uri="{9D8B030D-6E8A-4147-A177-3AD203B41FA5}">
-                      <a16:colId xmlns:a16="http://schemas.microsoft.com/office/drawing/2014/main" val="3622604584"/>
-                    </a:ext>
-                  </a:extLst>
-                </a:gridCol>
-              </a:tblGrid>
-              <a:tr h="389200">
-                <a:tc>
-                  <a:txBody>
-                    <a:bodyPr/>
-                    <a:lstStyle/>
-                    <a:p>
-                      <a:pPr algn="r"/>
-                      <a:r>
-                        <a:rPr lang="en-US" sz="1800" dirty="0">
-                          <a:effectLst/>
-                        </a:rPr>
-                        <a:t>Time (CDT)</a:t>
-                      </a:r>
-                    </a:p>
-                  </a:txBody>
-                  <a:tcPr marL="142875" marR="142875" marT="95250" marB="95250" anchor="ctr"/>
-                </a:tc>
-                <a:tc>
-                  <a:txBody>
-                    <a:bodyPr/>
-                    <a:lstStyle/>
-                    <a:p>
-                      <a:r>
-                        <a:rPr lang="en-US" sz="1800" dirty="0">
-                          <a:effectLst/>
-                        </a:rPr>
-                        <a:t>Title</a:t>
-                      </a:r>
-                    </a:p>
-                  </a:txBody>
-                  <a:tcPr marL="142875" marR="142875" marT="95250" marB="95250" anchor="ctr"/>
-                </a:tc>
-                <a:tc>
-                  <a:txBody>
-                    <a:bodyPr/>
-                    <a:lstStyle/>
-                    <a:p>
-                      <a:r>
-                        <a:rPr lang="en-US" sz="1800" dirty="0">
-                          <a:effectLst/>
-                        </a:rPr>
-                        <a:t>Presenter</a:t>
-                      </a:r>
-                    </a:p>
-                  </a:txBody>
-                  <a:tcPr marL="142875" marR="142875" marT="95250" marB="95250" anchor="ctr"/>
-                </a:tc>
-                <a:extLst>
-                  <a:ext uri="{0D108BD9-81ED-4DB2-BD59-A6C34878D82A}">
-                    <a16:rowId xmlns:a16="http://schemas.microsoft.com/office/drawing/2014/main" val="2098024418"/>
-                  </a:ext>
-                </a:extLst>
-              </a:tr>
-              <a:tr h="389200">
-                <a:tc>
-                  <a:txBody>
-                    <a:bodyPr/>
-                    <a:lstStyle/>
-                    <a:p>
-                      <a:pPr algn="r"/>
-                      <a:r>
-                        <a:rPr lang="en-US" sz="1800">
-                          <a:effectLst/>
-                        </a:rPr>
-                        <a:t>12:30 PM</a:t>
-                      </a:r>
-                    </a:p>
-                  </a:txBody>
-                  <a:tcPr marL="142875" marR="142875" marT="95250" marB="95250" anchor="ctr"/>
-                </a:tc>
-                <a:tc>
-                  <a:txBody>
-                    <a:bodyPr/>
-                    <a:lstStyle/>
-                    <a:p>
-                      <a:r>
-                        <a:rPr lang="en-US" sz="1800" i="1">
-                          <a:effectLst/>
-                        </a:rPr>
-                        <a:t>Lunch</a:t>
-                      </a:r>
-                      <a:endParaRPr lang="en-US" sz="1800">
-                        <a:effectLst/>
-                      </a:endParaRPr>
-                    </a:p>
-                  </a:txBody>
-                  <a:tcPr marL="142875" marR="142875" marT="95250" marB="95250" anchor="ctr"/>
-                </a:tc>
-                <a:tc>
-                  <a:txBody>
-                    <a:bodyPr/>
-                    <a:lstStyle/>
-                    <a:p>
-                      <a:endParaRPr lang="en-US" sz="1800" dirty="0">
-                        <a:effectLst/>
-                      </a:endParaRPr>
-                    </a:p>
-                  </a:txBody>
-                  <a:tcPr marL="142875" marR="142875" marT="95250" marB="95250" anchor="ctr"/>
-                </a:tc>
-                <a:extLst>
-                  <a:ext uri="{0D108BD9-81ED-4DB2-BD59-A6C34878D82A}">
-                    <a16:rowId xmlns:a16="http://schemas.microsoft.com/office/drawing/2014/main" val="4002252475"/>
-                  </a:ext>
-                </a:extLst>
-              </a:tr>
-              <a:tr h="389200">
-                <a:tc>
-                  <a:txBody>
-                    <a:bodyPr/>
-                    <a:lstStyle/>
-                    <a:p>
-                      <a:pPr algn="r"/>
-                      <a:r>
-                        <a:rPr lang="en-US" sz="1800">
-                          <a:effectLst/>
-                        </a:rPr>
-                        <a:t>1:30 PM</a:t>
-                      </a:r>
-                    </a:p>
-                  </a:txBody>
-                  <a:tcPr marL="142875" marR="142875" marT="95250" marB="95250" anchor="ctr"/>
-                </a:tc>
-                <a:tc>
-                  <a:txBody>
-                    <a:bodyPr/>
-                    <a:lstStyle/>
-                    <a:p>
-                      <a:r>
-                        <a:rPr lang="en-US" sz="1800">
-                          <a:effectLst/>
-                        </a:rPr>
-                        <a:t>Software Testing and Verification</a:t>
-                      </a:r>
-                    </a:p>
-                  </a:txBody>
-                  <a:tcPr marL="142875" marR="142875" marT="95250" marB="95250" anchor="ctr"/>
-                </a:tc>
-                <a:tc>
-                  <a:txBody>
-                    <a:bodyPr/>
-                    <a:lstStyle/>
-                    <a:p>
-                      <a:r>
-                        <a:rPr lang="en-US" sz="1800">
-                          <a:effectLst/>
-                        </a:rPr>
-                        <a:t>Anshu Dubey (ANL)</a:t>
-                      </a:r>
-                    </a:p>
-                  </a:txBody>
-                  <a:tcPr marL="142875" marR="142875" marT="95250" marB="95250" anchor="ctr"/>
-                </a:tc>
-                <a:extLst>
-                  <a:ext uri="{0D108BD9-81ED-4DB2-BD59-A6C34878D82A}">
-                    <a16:rowId xmlns:a16="http://schemas.microsoft.com/office/drawing/2014/main" val="2099819354"/>
-                  </a:ext>
-                </a:extLst>
-              </a:tr>
-              <a:tr h="389200">
-                <a:tc>
-                  <a:txBody>
-                    <a:bodyPr/>
-                    <a:lstStyle/>
-                    <a:p>
-                      <a:pPr algn="r"/>
-                      <a:r>
-                        <a:rPr lang="en-US" sz="1800">
-                          <a:effectLst/>
-                        </a:rPr>
-                        <a:t>2:30 PM</a:t>
-                      </a:r>
-                    </a:p>
-                  </a:txBody>
-                  <a:tcPr marL="142875" marR="142875" marT="95250" marB="95250" anchor="ctr"/>
-                </a:tc>
-                <a:tc>
-                  <a:txBody>
-                    <a:bodyPr/>
-                    <a:lstStyle/>
-                    <a:p>
-                      <a:r>
-                        <a:rPr lang="en-US" sz="1800">
-                          <a:effectLst/>
-                        </a:rPr>
-                        <a:t>Refactoring Scientific Software</a:t>
-                      </a:r>
-                    </a:p>
-                  </a:txBody>
-                  <a:tcPr marL="142875" marR="142875" marT="95250" marB="95250" anchor="ctr"/>
-                </a:tc>
-                <a:tc>
-                  <a:txBody>
-                    <a:bodyPr/>
-                    <a:lstStyle/>
-                    <a:p>
-                      <a:r>
-                        <a:rPr lang="en-US" sz="1800">
-                          <a:effectLst/>
-                        </a:rPr>
-                        <a:t>Anshu Dubey (ANL)</a:t>
-                      </a:r>
-                    </a:p>
-                  </a:txBody>
-                  <a:tcPr marL="142875" marR="142875" marT="95250" marB="95250" anchor="ctr"/>
-                </a:tc>
-                <a:extLst>
-                  <a:ext uri="{0D108BD9-81ED-4DB2-BD59-A6C34878D82A}">
-                    <a16:rowId xmlns:a16="http://schemas.microsoft.com/office/drawing/2014/main" val="798098257"/>
-                  </a:ext>
-                </a:extLst>
-              </a:tr>
-              <a:tr h="389200">
-                <a:tc>
-                  <a:txBody>
-                    <a:bodyPr/>
-                    <a:lstStyle/>
-                    <a:p>
-                      <a:pPr algn="r"/>
-                      <a:r>
-                        <a:rPr lang="en-US" sz="1800">
-                          <a:effectLst/>
-                        </a:rPr>
-                        <a:t>3:00 PM</a:t>
-                      </a:r>
-                    </a:p>
-                  </a:txBody>
-                  <a:tcPr marL="142875" marR="142875" marT="95250" marB="95250" anchor="ctr"/>
-                </a:tc>
-                <a:tc>
-                  <a:txBody>
-                    <a:bodyPr/>
-                    <a:lstStyle/>
-                    <a:p>
-                      <a:r>
-                        <a:rPr lang="en-US" sz="1800" i="1">
-                          <a:effectLst/>
-                        </a:rPr>
-                        <a:t>Break</a:t>
-                      </a:r>
-                      <a:endParaRPr lang="en-US" sz="1800">
-                        <a:effectLst/>
-                      </a:endParaRPr>
-                    </a:p>
-                  </a:txBody>
-                  <a:tcPr marL="142875" marR="142875" marT="95250" marB="95250" anchor="ctr"/>
-                </a:tc>
-                <a:tc>
-                  <a:txBody>
-                    <a:bodyPr/>
-                    <a:lstStyle/>
-                    <a:p>
-                      <a:endParaRPr lang="en-US" sz="1800">
-                        <a:effectLst/>
-                      </a:endParaRPr>
-                    </a:p>
-                  </a:txBody>
-                  <a:tcPr marL="142875" marR="142875" marT="95250" marB="95250" anchor="ctr"/>
-                </a:tc>
-                <a:extLst>
-                  <a:ext uri="{0D108BD9-81ED-4DB2-BD59-A6C34878D82A}">
-                    <a16:rowId xmlns:a16="http://schemas.microsoft.com/office/drawing/2014/main" val="2815321618"/>
-                  </a:ext>
-                </a:extLst>
-              </a:tr>
-              <a:tr h="389200">
-                <a:tc>
-                  <a:txBody>
-                    <a:bodyPr/>
-                    <a:lstStyle/>
-                    <a:p>
-                      <a:pPr algn="r"/>
-                      <a:r>
-                        <a:rPr lang="en-US" sz="1800">
-                          <a:effectLst/>
-                        </a:rPr>
-                        <a:t>3:30 PM</a:t>
-                      </a:r>
-                    </a:p>
-                  </a:txBody>
-                  <a:tcPr marL="142875" marR="142875" marT="95250" marB="95250" anchor="ctr"/>
-                </a:tc>
-                <a:tc>
-                  <a:txBody>
-                    <a:bodyPr/>
-                    <a:lstStyle/>
-                    <a:p>
-                      <a:r>
-                        <a:rPr lang="en-US" sz="1800">
-                          <a:effectLst/>
-                        </a:rPr>
-                        <a:t>Lab Notebooks for Computational Mathematics, Sciences, &amp; Engineering</a:t>
-                      </a:r>
-                    </a:p>
-                  </a:txBody>
-                  <a:tcPr marL="142875" marR="142875" marT="95250" marB="95250" anchor="ctr"/>
-                </a:tc>
-                <a:tc>
-                  <a:txBody>
-                    <a:bodyPr/>
-                    <a:lstStyle/>
-                    <a:p>
-                      <a:r>
-                        <a:rPr lang="en-US" sz="1800">
-                          <a:effectLst/>
-                        </a:rPr>
-                        <a:t>Jared O'Neal (ANL)</a:t>
-                      </a:r>
-                    </a:p>
-                  </a:txBody>
-                  <a:tcPr marL="142875" marR="142875" marT="95250" marB="95250" anchor="ctr"/>
-                </a:tc>
-                <a:extLst>
-                  <a:ext uri="{0D108BD9-81ED-4DB2-BD59-A6C34878D82A}">
-                    <a16:rowId xmlns:a16="http://schemas.microsoft.com/office/drawing/2014/main" val="2011427992"/>
-                  </a:ext>
-                </a:extLst>
-              </a:tr>
-              <a:tr h="389200">
-                <a:tc>
-                  <a:txBody>
-                    <a:bodyPr/>
-                    <a:lstStyle/>
-                    <a:p>
-                      <a:pPr algn="r"/>
-                      <a:r>
-                        <a:rPr lang="en-US" sz="1800" dirty="0">
-                          <a:effectLst/>
-                        </a:rPr>
-                        <a:t>4:30 PM</a:t>
-                      </a:r>
-                    </a:p>
-                  </a:txBody>
-                  <a:tcPr marL="142875" marR="142875" marT="95250" marB="95250" anchor="ctr"/>
-                </a:tc>
-                <a:tc>
-                  <a:txBody>
-                    <a:bodyPr/>
-                    <a:lstStyle/>
-                    <a:p>
-                      <a:r>
-                        <a:rPr lang="en-US" sz="1800" dirty="0">
-                          <a:effectLst/>
-                        </a:rPr>
-                        <a:t>Managing Computational Experiments</a:t>
-                      </a:r>
-                    </a:p>
-                  </a:txBody>
-                  <a:tcPr marL="142875" marR="142875" marT="95250" marB="95250" anchor="ctr"/>
-                </a:tc>
-                <a:tc>
-                  <a:txBody>
-                    <a:bodyPr/>
-                    <a:lstStyle/>
-                    <a:p>
-                      <a:r>
-                        <a:rPr lang="en-US" sz="1800" dirty="0">
-                          <a:effectLst/>
-                        </a:rPr>
-                        <a:t>Anshu Dubey (ANL)</a:t>
-                      </a:r>
-                    </a:p>
-                  </a:txBody>
-                  <a:tcPr marL="142875" marR="142875" marT="95250" marB="95250" anchor="ctr"/>
-                </a:tc>
-                <a:extLst>
-                  <a:ext uri="{0D108BD9-81ED-4DB2-BD59-A6C34878D82A}">
-                    <a16:rowId xmlns:a16="http://schemas.microsoft.com/office/drawing/2014/main" val="3798107722"/>
-                  </a:ext>
-                </a:extLst>
-              </a:tr>
-              <a:tr h="389200">
-                <a:tc>
-                  <a:txBody>
-                    <a:bodyPr/>
-                    <a:lstStyle/>
-                    <a:p>
-                      <a:pPr algn="r"/>
-                      <a:r>
-                        <a:rPr lang="en-US" sz="1800" dirty="0">
-                          <a:effectLst/>
-                        </a:rPr>
-                        <a:t>4:45 PM</a:t>
-                      </a:r>
-                    </a:p>
-                  </a:txBody>
-                  <a:tcPr marL="142875" marR="142875" marT="95250" marB="95250" anchor="ctr"/>
-                </a:tc>
-                <a:tc>
-                  <a:txBody>
-                    <a:bodyPr/>
-                    <a:lstStyle/>
-                    <a:p>
-                      <a:r>
-                        <a:rPr lang="en-US" sz="1800">
-                          <a:effectLst/>
-                        </a:rPr>
-                        <a:t>Improving Reproducibility Through Better Software Practices</a:t>
-                      </a:r>
-                    </a:p>
-                  </a:txBody>
-                  <a:tcPr marL="142875" marR="142875" marT="95250" marB="95250" anchor="ctr"/>
-                </a:tc>
-                <a:tc>
-                  <a:txBody>
-                    <a:bodyPr/>
-                    <a:lstStyle/>
-                    <a:p>
-                      <a:r>
-                        <a:rPr lang="en-US" sz="1800">
-                          <a:effectLst/>
-                        </a:rPr>
-                        <a:t>David E. Bernholdt (ORNL)</a:t>
-                      </a:r>
-                    </a:p>
-                  </a:txBody>
-                  <a:tcPr marL="142875" marR="142875" marT="95250" marB="95250" anchor="ctr"/>
-                </a:tc>
-                <a:extLst>
-                  <a:ext uri="{0D108BD9-81ED-4DB2-BD59-A6C34878D82A}">
-                    <a16:rowId xmlns:a16="http://schemas.microsoft.com/office/drawing/2014/main" val="1469217653"/>
-                  </a:ext>
-                </a:extLst>
-              </a:tr>
-              <a:tr h="389200">
-                <a:tc>
-                  <a:txBody>
-                    <a:bodyPr/>
-                    <a:lstStyle/>
-                    <a:p>
-                      <a:pPr algn="r"/>
-                      <a:r>
-                        <a:rPr lang="en-US" sz="1800">
-                          <a:effectLst/>
-                        </a:rPr>
-                        <a:t>5:45 PM</a:t>
-                      </a:r>
-                    </a:p>
-                  </a:txBody>
-                  <a:tcPr marL="142875" marR="142875" marT="95250" marB="95250" anchor="ctr"/>
-                </a:tc>
-                <a:tc>
-                  <a:txBody>
-                    <a:bodyPr/>
-                    <a:lstStyle/>
-                    <a:p>
-                      <a:r>
-                        <a:rPr lang="en-US" sz="1800">
-                          <a:effectLst/>
-                        </a:rPr>
-                        <a:t>Summary</a:t>
-                      </a:r>
-                    </a:p>
-                  </a:txBody>
-                  <a:tcPr marL="142875" marR="142875" marT="95250" marB="95250" anchor="ctr"/>
-                </a:tc>
-                <a:tc>
-                  <a:txBody>
-                    <a:bodyPr/>
-                    <a:lstStyle/>
-                    <a:p>
-                      <a:r>
-                        <a:rPr lang="en-US" sz="1800">
-                          <a:effectLst/>
-                        </a:rPr>
-                        <a:t>David E. Bernholdt (ORNL)</a:t>
-                      </a:r>
-                    </a:p>
-                  </a:txBody>
-                  <a:tcPr marL="142875" marR="142875" marT="95250" marB="95250" anchor="ctr"/>
-                </a:tc>
-                <a:extLst>
-                  <a:ext uri="{0D108BD9-81ED-4DB2-BD59-A6C34878D82A}">
-                    <a16:rowId xmlns:a16="http://schemas.microsoft.com/office/drawing/2014/main" val="1934358300"/>
-                  </a:ext>
-                </a:extLst>
-              </a:tr>
-              <a:tr h="389200">
-                <a:tc>
-                  <a:txBody>
-                    <a:bodyPr/>
-                    <a:lstStyle/>
-                    <a:p>
-                      <a:pPr algn="r"/>
-                      <a:r>
-                        <a:rPr lang="en-US" sz="1800">
-                          <a:effectLst/>
-                        </a:rPr>
-                        <a:t>6:00 PM</a:t>
-                      </a:r>
-                    </a:p>
-                  </a:txBody>
-                  <a:tcPr marL="142875" marR="142875" marT="95250" marB="95250" anchor="ctr"/>
-                </a:tc>
-                <a:tc>
-                  <a:txBody>
-                    <a:bodyPr/>
-                    <a:lstStyle/>
-                    <a:p>
-                      <a:r>
-                        <a:rPr lang="en-US" sz="1800" i="1">
-                          <a:effectLst/>
-                        </a:rPr>
-                        <a:t>Q&amp;A, including your software experiences and challenges</a:t>
-                      </a:r>
-                      <a:endParaRPr lang="en-US" sz="1800">
-                        <a:effectLst/>
-                      </a:endParaRPr>
-                    </a:p>
-                  </a:txBody>
-                  <a:tcPr marL="142875" marR="142875" marT="95250" marB="95250" anchor="ctr"/>
-                </a:tc>
-                <a:tc>
-                  <a:txBody>
-                    <a:bodyPr/>
-                    <a:lstStyle/>
-                    <a:p>
-                      <a:r>
-                        <a:rPr lang="en-US" sz="1800">
-                          <a:effectLst/>
-                        </a:rPr>
-                        <a:t>All</a:t>
-                      </a:r>
-                    </a:p>
-                  </a:txBody>
-                  <a:tcPr marL="142875" marR="142875" marT="95250" marB="95250" anchor="ctr"/>
-                </a:tc>
-                <a:extLst>
-                  <a:ext uri="{0D108BD9-81ED-4DB2-BD59-A6C34878D82A}">
-                    <a16:rowId xmlns:a16="http://schemas.microsoft.com/office/drawing/2014/main" val="2129328579"/>
-                  </a:ext>
-                </a:extLst>
-              </a:tr>
-              <a:tr h="389200">
-                <a:tc>
-                  <a:txBody>
-                    <a:bodyPr/>
-                    <a:lstStyle/>
-                    <a:p>
-                      <a:pPr algn="r"/>
-                      <a:r>
-                        <a:rPr lang="en-US" sz="1800">
-                          <a:effectLst/>
-                        </a:rPr>
-                        <a:t>6:30 PM</a:t>
-                      </a:r>
-                    </a:p>
-                  </a:txBody>
-                  <a:tcPr marL="142875" marR="142875" marT="95250" marB="95250" anchor="ctr"/>
-                </a:tc>
-                <a:tc>
-                  <a:txBody>
-                    <a:bodyPr/>
-                    <a:lstStyle/>
-                    <a:p>
-                      <a:r>
-                        <a:rPr lang="en-US" sz="1800" i="1">
-                          <a:effectLst/>
-                        </a:rPr>
-                        <a:t>Adjourn</a:t>
-                      </a:r>
-                      <a:endParaRPr lang="en-US" sz="1800">
-                        <a:effectLst/>
-                      </a:endParaRPr>
-                    </a:p>
-                  </a:txBody>
-                  <a:tcPr marL="142875" marR="142875" marT="95250" marB="95250" anchor="ctr"/>
-                </a:tc>
-                <a:tc>
-                  <a:txBody>
-                    <a:bodyPr/>
-                    <a:lstStyle/>
-                    <a:p>
-                      <a:endParaRPr lang="en-US" sz="1800" dirty="0"/>
-                    </a:p>
-                  </a:txBody>
-                  <a:tcPr/>
-                </a:tc>
-                <a:extLst>
-                  <a:ext uri="{0D108BD9-81ED-4DB2-BD59-A6C34878D82A}">
-                    <a16:rowId xmlns:a16="http://schemas.microsoft.com/office/drawing/2014/main" val="3981259353"/>
-                  </a:ext>
-                </a:extLst>
-              </a:tr>
-            </a:tbl>
-          </a:graphicData>
-        </a:graphic>
-      </p:graphicFrame>
-      <p:sp>
-        <p:nvSpPr>
-          <p:cNvPr id="9" name="TextBox 8">
-            <a:extLst>
-              <a:ext uri="{FF2B5EF4-FFF2-40B4-BE49-F238E27FC236}">
-                <a16:creationId xmlns:a16="http://schemas.microsoft.com/office/drawing/2014/main" id="{2C67F121-FA5A-4323-B777-FC3438185944}"/>
-              </a:ext>
-            </a:extLst>
-          </p:cNvPr>
-          <p:cNvSpPr txBox="1"/>
-          <p:nvPr/>
-        </p:nvSpPr>
-        <p:spPr>
-          <a:xfrm>
-            <a:off x="4537710" y="45720"/>
-            <a:ext cx="7651115" cy="646331"/>
-          </a:xfrm>
-          <a:prstGeom prst="rect">
-            <a:avLst/>
-          </a:prstGeom>
-          <a:noFill/>
-        </p:spPr>
-        <p:txBody>
-          <a:bodyPr wrap="square">
-            <a:spAutoFit/>
-          </a:bodyPr>
-          <a:lstStyle/>
-          <a:p>
-            <a:pPr marL="0" marR="0" lvl="0" indent="0" algn="l" defTabSz="914400" rtl="0" eaLnBrk="1" fontAlgn="base" latinLnBrk="0" hangingPunct="1">
-              <a:lnSpc>
-                <a:spcPct val="100000"/>
-              </a:lnSpc>
-              <a:spcBef>
-                <a:spcPct val="0"/>
-              </a:spcBef>
-              <a:spcAft>
-                <a:spcPct val="0"/>
-              </a:spcAft>
-              <a:buClrTx/>
-              <a:buSzTx/>
-              <a:buFontTx/>
-              <a:buNone/>
-              <a:tabLst/>
-              <a:defRPr/>
-            </a:pPr>
-            <a:r>
-              <a:rPr kumimoji="0" lang="en-US" sz="1800" b="0" i="0" u="none" strike="noStrike" kern="1200" cap="none" spc="0" normalizeH="0" baseline="0" noProof="0" dirty="0">
-                <a:ln>
-                  <a:noFill/>
-                </a:ln>
-                <a:solidFill>
-                  <a:prstClr val="black"/>
-                </a:solidFill>
-                <a:effectLst/>
-                <a:uLnTx/>
-                <a:uFillTx/>
-                <a:latin typeface="Arial" charset="0"/>
-                <a:ea typeface="+mn-ea"/>
-                <a:cs typeface="Arial" charset="0"/>
-              </a:rPr>
-              <a:t>The agenda is also available on the tutorial web page.  Visit </a:t>
-            </a:r>
-            <a:r>
-              <a:rPr kumimoji="0" lang="en-US" sz="1800" b="1" i="0" u="none" strike="noStrike" kern="1200" cap="none" spc="0" normalizeH="0" baseline="0" noProof="0" dirty="0">
-                <a:ln>
-                  <a:noFill/>
-                </a:ln>
-                <a:solidFill>
-                  <a:prstClr val="black"/>
-                </a:solidFill>
-                <a:effectLst/>
-                <a:uLnTx/>
-                <a:uFillTx/>
-                <a:latin typeface="Arial" charset="0"/>
-                <a:ea typeface="+mn-ea"/>
-                <a:cs typeface="Arial" charset="0"/>
-                <a:hlinkClick r:id="rId2"/>
-              </a:rPr>
-              <a:t>https://bssw-tutorial.github.io</a:t>
-            </a:r>
-            <a:r>
-              <a:rPr kumimoji="0" lang="en-US" sz="1800" b="1" i="0" u="none" strike="noStrike" kern="1200" cap="none" spc="0" normalizeH="0" baseline="0" noProof="0" dirty="0">
-                <a:ln>
-                  <a:noFill/>
-                </a:ln>
-                <a:solidFill>
-                  <a:prstClr val="black"/>
-                </a:solidFill>
-                <a:effectLst/>
-                <a:uLnTx/>
-                <a:uFillTx/>
-                <a:latin typeface="Arial" charset="0"/>
-                <a:ea typeface="+mn-ea"/>
-                <a:cs typeface="Arial" charset="0"/>
-              </a:rPr>
-              <a:t> </a:t>
-            </a:r>
-            <a:r>
-              <a:rPr kumimoji="0" lang="en-US" sz="1800" b="0" i="0" u="none" strike="noStrike" kern="1200" cap="none" spc="0" normalizeH="0" baseline="0" noProof="0" dirty="0">
-                <a:ln>
-                  <a:noFill/>
-                </a:ln>
-                <a:solidFill>
-                  <a:prstClr val="black"/>
-                </a:solidFill>
-                <a:effectLst/>
-                <a:uLnTx/>
-                <a:uFillTx/>
-                <a:latin typeface="Arial" charset="0"/>
-                <a:ea typeface="+mn-ea"/>
-                <a:cs typeface="Arial" charset="0"/>
-              </a:rPr>
-              <a:t>and click on the link for today’s tutorial</a:t>
-            </a:r>
-          </a:p>
-        </p:txBody>
-      </p:sp>
-    </p:spTree>
-    <p:extLst>
-      <p:ext uri="{BB962C8B-B14F-4D97-AF65-F5344CB8AC3E}">
-        <p14:creationId xmlns:p14="http://schemas.microsoft.com/office/powerpoint/2010/main" val="1184459762"/>
       </p:ext>
     </p:extLst>
   </p:cSld>
@@ -5947,8 +4643,8 @@
         </p:nvSpPr>
         <p:spPr>
           <a:xfrm>
-            <a:off x="409507" y="570111"/>
-            <a:ext cx="11369809" cy="4047778"/>
+            <a:off x="409507" y="879673"/>
+            <a:ext cx="11369809" cy="5293976"/>
           </a:xfrm>
         </p:spPr>
         <p:txBody>
@@ -6008,18 +4704,17 @@
                 <a:effectLst/>
                 <a:latin typeface="+mn-lt"/>
               </a:rPr>
-              <a:t>Anshu Dubey, David E. Bernholdt, Greg Becker, and Jared O’Neal, Software Productivity and Sustainability track, in Argonne Training Program on Extreme-Scale Computing, St. Charles, Illinois, 2023. DOI: </a:t>
-            </a:r>
-            <a:r>
-              <a:rPr lang="en-US" sz="1600" b="0" i="0" u="none" strike="noStrike" dirty="0">
+              <a:t>Anshu Dubey, David E. </a:t>
+            </a:r>
+            <a:r>
+              <a:rPr lang="en-US" sz="1600" b="0" i="0" dirty="0" err="1">
                 <a:solidFill>
-                  <a:srgbClr val="2A7AE2"/>
+                  <a:srgbClr val="111111"/>
                 </a:solidFill>
                 <a:effectLst/>
                 <a:latin typeface="+mn-lt"/>
-                <a:hlinkClick r:id="rId4"/>
               </a:rPr>
-              <a:t>10.6084/m9.figshare.23823822</a:t>
+              <a:t>Bernholdt</a:t>
             </a:r>
             <a:r>
               <a:rPr lang="en-US" sz="1600" b="0" i="0" dirty="0">
@@ -6029,7 +4724,7 @@
                 <a:effectLst/>
                 <a:latin typeface="+mn-lt"/>
               </a:rPr>
-              <a:t>.</a:t>
+              <a:t>, Better Scientific Software tutorial, in ISC High Performance, Hamburg, Germany and online, 2024</a:t>
             </a:r>
           </a:p>
           <a:p>
@@ -6038,32 +4733,26 @@
                 <a:spcPts val="400"/>
               </a:spcBef>
             </a:pPr>
-            <a:r>
-              <a:rPr lang="en-US" sz="1600" dirty="0"/>
-              <a:t>Individual modules may be cited as </a:t>
-            </a:r>
-            <a:r>
-              <a:rPr lang="en-US" sz="1600" i="1" dirty="0"/>
-              <a:t>Speaker, Module Title</a:t>
-            </a:r>
-            <a:r>
-              <a:rPr lang="en-US" sz="1600" dirty="0"/>
-              <a:t>, in </a:t>
-            </a:r>
-            <a:r>
-              <a:rPr lang="en-US" sz="1600" b="0" i="1" dirty="0">
-                <a:solidFill>
-                  <a:srgbClr val="111111"/>
-                </a:solidFill>
-                <a:effectLst/>
-                <a:latin typeface="+mn-lt"/>
-              </a:rPr>
-              <a:t>Tutorial Title</a:t>
-            </a:r>
-            <a:r>
-              <a:rPr lang="en-US" sz="1600" dirty="0"/>
-              <a:t>, …</a:t>
-            </a:r>
+            <a:endParaRPr lang="en-US" sz="1600" dirty="0">
+              <a:solidFill>
+                <a:srgbClr val="111111"/>
+              </a:solidFill>
+              <a:latin typeface="+mn-lt"/>
+            </a:endParaRPr>
+          </a:p>
+          <a:p>
+            <a:pPr>
+              <a:spcBef>
+                <a:spcPts val="400"/>
+              </a:spcBef>
+            </a:pPr>
+            <a:endParaRPr lang="en-US" sz="1600" b="0" i="0" dirty="0">
+              <a:solidFill>
+                <a:srgbClr val="111111"/>
+              </a:solidFill>
+              <a:effectLst/>
+              <a:latin typeface="+mn-lt"/>
+            </a:endParaRPr>
           </a:p>
           <a:p>
             <a:pPr marL="0" indent="0">
@@ -6083,14 +4772,6 @@
                 <a:spcPts val="400"/>
               </a:spcBef>
             </a:pPr>
-            <a:r>
-              <a:rPr lang="en-US" sz="1400" dirty="0"/>
-              <a:t>This work was supported by the U.S. Department of Energy Office of Science, Office of Advanced Scientific Computing Research (ASCR), and by the Exascale Computing Project (17-SC-20-SC), a collaborative effort of the U.S. Department of Energy Office of Science and the National Nuclear Security Administration</a:t>
-            </a:r>
-            <a:r>
-              <a:rPr lang="en-US" sz="1400" i="1" dirty="0"/>
-              <a:t>.</a:t>
-            </a:r>
             <a:endParaRPr lang="en-US" sz="1400" dirty="0"/>
           </a:p>
           <a:p>
@@ -6101,8 +4782,13 @@
             </a:pPr>
             <a:r>
               <a:rPr lang="en-US" sz="1400" dirty="0"/>
-              <a:t>This work was performed in part at the Argonne National Laboratory, which is managed by UChicago Argonne, LLC for the U.S. Department of Energy under Contract No. DE-AC02-06CH11357.</a:t>
-            </a:r>
+              <a:t>Material included in these presentation is derived from work supported by the U.S. Department of Energy Office of Science, Office of Advanced Scientific Computing Research (ASCR), and by the Exascale Computing Project (17-SC-20-SC), a collaborative effort of the U.S. Department of Energy Office of Science and the National Nuclear Security Administration</a:t>
+            </a:r>
+            <a:r>
+              <a:rPr lang="en-US" sz="1400" i="1" dirty="0"/>
+              <a:t>.</a:t>
+            </a:r>
+            <a:endParaRPr lang="en-US" sz="1400" dirty="0"/>
           </a:p>
           <a:p>
             <a:pPr>
@@ -6110,10 +4796,7 @@
                 <a:spcPts val="400"/>
               </a:spcBef>
             </a:pPr>
-            <a:r>
-              <a:rPr lang="en-US" sz="1400" dirty="0"/>
-              <a:t>This work was performed in part at the Lawrence Livermore National Laboratory, which is managed by Lawrence Livermore National Security, LLC for the U.S. Department of Energy under Contract No. DE-AC52-07NA27344.</a:t>
-            </a:r>
+            <a:endParaRPr lang="en-US" sz="1400" dirty="0"/>
           </a:p>
           <a:p>
             <a:pPr>
@@ -6123,7 +4806,7 @@
             </a:pPr>
             <a:r>
               <a:rPr lang="en-US" sz="1400" dirty="0"/>
-              <a:t>This work was performed in part at the Los Alamos National Laboratory, which is managed by Triad National Security, LLC for the U.S. Department of Energy under Contract No.89233218CNA000001</a:t>
+              <a:t>This work was performed in part at the Argonne National Laboratory, which is managed by UChicago Argonne, LLC for the U.S. Department of Energy under Contract No. DE-AC02-06CH11357.</a:t>
             </a:r>
           </a:p>
           <a:p>
@@ -6132,10 +4815,7 @@
                 <a:spcPts val="400"/>
               </a:spcBef>
             </a:pPr>
-            <a:r>
-              <a:rPr lang="en-US" sz="1400" dirty="0"/>
-              <a:t>This work was performed in part at the Oak Ridge National Laboratory, which is managed by UT-Battelle, LLC for the U.S. Department of Energy under Contract No. DE-AC05-00OR22725.</a:t>
-            </a:r>
+            <a:endParaRPr lang="en-US" sz="1400" dirty="0"/>
           </a:p>
           <a:p>
             <a:pPr>
@@ -6145,8 +4825,24 @@
             </a:pPr>
             <a:r>
               <a:rPr lang="en-US" sz="1400" dirty="0"/>
-              <a:t>This work was performed in part at Sandia National Laboratories. Sandia National Laboratories is a multi-mission laboratory managed and operated by National Technology and Engineering Solutions of Sandia, LLC., a wholly owned subsidiary of Honeywell International, Inc., for the U.S. Department of Energy’s National Nuclear Security Administration under contract DE-NA0003525.</a:t>
-            </a:r>
+              <a:t>This work was performed in part at the Oak Ridge National Laboratory, which is managed by UT-Battelle, LLC for the U.S. Department of Energy under Contract No. DE-AC05-00OR22725.</a:t>
+            </a:r>
+          </a:p>
+          <a:p>
+            <a:pPr>
+              <a:spcBef>
+                <a:spcPts val="400"/>
+              </a:spcBef>
+            </a:pPr>
+            <a:endParaRPr lang="en-US" sz="1400" dirty="0"/>
+          </a:p>
+          <a:p>
+            <a:pPr>
+              <a:spcBef>
+                <a:spcPts val="400"/>
+              </a:spcBef>
+            </a:pPr>
+            <a:endParaRPr lang="en-US" sz="1400" dirty="0"/>
           </a:p>
         </p:txBody>
       </p:sp>
@@ -6165,7 +4861,7 @@
           <p:nvPr/>
         </p:nvPicPr>
         <p:blipFill>
-          <a:blip r:embed="rId5">
+          <a:blip r:embed="rId4">
             <a:extLst>
               <a:ext uri="{28A0092B-C50C-407E-A947-70E740481C1C}">
                 <a14:useLocalDpi xmlns:a14="http://schemas.microsoft.com/office/drawing/2010/main" val="0"/>
@@ -6275,26 +4971,13 @@
             </a:r>
           </a:p>
           <a:p>
-            <a:pPr>
+            <a:pPr marL="0" indent="0">
               <a:spcBef>
                 <a:spcPts val="1000"/>
               </a:spcBef>
+              <a:buNone/>
             </a:pPr>
-            <a:r>
-              <a:rPr lang="en-US" dirty="0"/>
-              <a:t>Greg Becker, LLNL</a:t>
-            </a:r>
-          </a:p>
-          <a:p>
-            <a:pPr>
-              <a:spcBef>
-                <a:spcPts val="1000"/>
-              </a:spcBef>
-            </a:pPr>
-            <a:r>
-              <a:rPr lang="en-US" dirty="0"/>
-              <a:t>Jared O’Neal, ANL</a:t>
-            </a:r>
+            <a:endParaRPr lang="en-US" dirty="0"/>
           </a:p>
         </p:txBody>
       </p:sp>
@@ -6326,83 +5009,6 @@
           </a:p>
         </p:txBody>
       </p:sp>
-      <p:sp>
-        <p:nvSpPr>
-          <p:cNvPr id="23" name="TextBox 22">
-            <a:extLst>
-              <a:ext uri="{FF2B5EF4-FFF2-40B4-BE49-F238E27FC236}">
-                <a16:creationId xmlns:a16="http://schemas.microsoft.com/office/drawing/2014/main" id="{6423DDC1-6F70-4CBA-BC5B-223EF0DF9E0E}"/>
-              </a:ext>
-            </a:extLst>
-          </p:cNvPr>
-          <p:cNvSpPr txBox="1"/>
-          <p:nvPr/>
-        </p:nvSpPr>
-        <p:spPr>
-          <a:xfrm>
-            <a:off x="363095" y="3871110"/>
-            <a:ext cx="10123321" cy="1610697"/>
-          </a:xfrm>
-          <a:prstGeom prst="rect">
-            <a:avLst/>
-          </a:prstGeom>
-          <a:noFill/>
-        </p:spPr>
-        <p:txBody>
-          <a:bodyPr wrap="square">
-            <a:spAutoFit/>
-          </a:bodyPr>
-          <a:lstStyle/>
-          <a:p>
-            <a:pPr marL="227013" indent="-227013">
-              <a:spcBef>
-                <a:spcPts val="3200"/>
-              </a:spcBef>
-              <a:buFont typeface="Arial" panose="020B0604020202020204" pitchFamily="34" charset="0"/>
-              <a:buChar char="•"/>
-            </a:pPr>
-            <a:r>
-              <a:rPr lang="en-US" sz="2400" dirty="0"/>
-              <a:t>Current of former members of the IDEAS Productivity Project: </a:t>
-            </a:r>
-            <a:r>
-              <a:rPr lang="en-US" sz="2400" dirty="0">
-                <a:hlinkClick r:id="rId2"/>
-              </a:rPr>
-              <a:t>http://ideas-productivity.org</a:t>
-            </a:r>
-            <a:endParaRPr lang="en-US" sz="2400" dirty="0"/>
-          </a:p>
-          <a:p>
-            <a:pPr marL="227013" indent="-227013">
-              <a:spcBef>
-                <a:spcPts val="3200"/>
-              </a:spcBef>
-              <a:buFont typeface="Arial" panose="020B0604020202020204" pitchFamily="34" charset="0"/>
-              <a:buChar char="•"/>
-            </a:pPr>
-            <a:r>
-              <a:rPr lang="en-US" sz="2400" dirty="0"/>
-              <a:t>Or the </a:t>
-            </a:r>
-            <a:r>
-              <a:rPr lang="en-US" sz="2400" dirty="0" err="1"/>
-              <a:t>Spack</a:t>
-            </a:r>
-            <a:r>
-              <a:rPr lang="en-US" sz="2400" dirty="0"/>
-              <a:t> project (Greg): </a:t>
-            </a:r>
-            <a:r>
-              <a:rPr lang="en-US" sz="2400" dirty="0">
-                <a:hlinkClick r:id="rId3"/>
-              </a:rPr>
-              <a:t>https://spack.io</a:t>
-            </a:r>
-            <a:endParaRPr lang="en-US" sz="2400" dirty="0"/>
-          </a:p>
-        </p:txBody>
-      </p:sp>
       <p:grpSp>
         <p:nvGrpSpPr>
           <p:cNvPr id="17" name="Group 16">
@@ -6412,13 +5018,15 @@
               </a:ext>
             </a:extLst>
           </p:cNvPr>
-          <p:cNvGrpSpPr/>
+          <p:cNvGrpSpPr>
+            <a:grpSpLocks noChangeAspect="1"/>
+          </p:cNvGrpSpPr>
           <p:nvPr/>
         </p:nvGrpSpPr>
         <p:grpSpPr>
           <a:xfrm>
-            <a:off x="5096557" y="1188951"/>
-            <a:ext cx="954107" cy="1805497"/>
+            <a:off x="5140279" y="973585"/>
+            <a:ext cx="1774634" cy="3358224"/>
             <a:chOff x="6614147" y="1346049"/>
             <a:chExt cx="954107" cy="1805497"/>
           </a:xfrm>
@@ -6489,7 +5097,7 @@
             <p:nvPr/>
           </p:nvPicPr>
           <p:blipFill>
-            <a:blip r:embed="rId4" cstate="print">
+            <a:blip r:embed="rId2" cstate="print">
               <a:extLst>
                 <a:ext uri="{28A0092B-C50C-407E-A947-70E740481C1C}">
                   <a14:useLocalDpi xmlns:a14="http://schemas.microsoft.com/office/drawing/2010/main" val="0"/>
@@ -6520,13 +5128,15 @@
               </a:ext>
             </a:extLst>
           </p:cNvPr>
-          <p:cNvGrpSpPr/>
+          <p:cNvGrpSpPr>
+            <a:grpSpLocks noChangeAspect="1"/>
+          </p:cNvGrpSpPr>
           <p:nvPr/>
         </p:nvGrpSpPr>
         <p:grpSpPr>
           <a:xfrm>
-            <a:off x="6248496" y="1188951"/>
-            <a:ext cx="1038027" cy="1797939"/>
+            <a:off x="8383051" y="961926"/>
+            <a:ext cx="1930720" cy="3344157"/>
             <a:chOff x="4187619" y="4211394"/>
             <a:chExt cx="1038027" cy="1797939"/>
           </a:xfrm>
@@ -6546,7 +5156,7 @@
             <p:nvPr/>
           </p:nvPicPr>
           <p:blipFill rotWithShape="1">
-            <a:blip r:embed="rId5" cstate="print">
+            <a:blip r:embed="rId3" cstate="print">
               <a:extLst>
                 <a:ext uri="{28A0092B-C50C-407E-A947-70E740481C1C}">
                   <a14:useLocalDpi xmlns:a14="http://schemas.microsoft.com/office/drawing/2010/main" val="0"/>
@@ -6618,221 +5228,6 @@
           </p:txBody>
         </p:sp>
       </p:grpSp>
-      <p:grpSp>
-        <p:nvGrpSpPr>
-          <p:cNvPr id="4" name="Group 3">
-            <a:extLst>
-              <a:ext uri="{FF2B5EF4-FFF2-40B4-BE49-F238E27FC236}">
-                <a16:creationId xmlns:a16="http://schemas.microsoft.com/office/drawing/2014/main" id="{2150C7FF-0319-A641-D984-72DABA206517}"/>
-              </a:ext>
-            </a:extLst>
-          </p:cNvPr>
-          <p:cNvGrpSpPr/>
-          <p:nvPr/>
-        </p:nvGrpSpPr>
-        <p:grpSpPr>
-          <a:xfrm>
-            <a:off x="8647792" y="1188951"/>
-            <a:ext cx="1038027" cy="1797939"/>
-            <a:chOff x="9605157" y="3871568"/>
-            <a:chExt cx="1038027" cy="1797939"/>
-          </a:xfrm>
-        </p:grpSpPr>
-        <p:pic>
-          <p:nvPicPr>
-            <p:cNvPr id="5" name="Picture 4" descr="A person wearing glasses&#10;&#10;Description automatically generated with medium confidence">
-              <a:extLst>
-                <a:ext uri="{FF2B5EF4-FFF2-40B4-BE49-F238E27FC236}">
-                  <a16:creationId xmlns:a16="http://schemas.microsoft.com/office/drawing/2014/main" id="{43F46FA5-382F-5278-5ABE-83CFF07A02E9}"/>
-                </a:ext>
-              </a:extLst>
-            </p:cNvPr>
-            <p:cNvPicPr>
-              <a:picLocks noChangeAspect="1"/>
-            </p:cNvPicPr>
-            <p:nvPr/>
-          </p:nvPicPr>
-          <p:blipFill rotWithShape="1">
-            <a:blip r:embed="rId6" cstate="print">
-              <a:extLst>
-                <a:ext uri="{28A0092B-C50C-407E-A947-70E740481C1C}">
-                  <a14:useLocalDpi xmlns:a14="http://schemas.microsoft.com/office/drawing/2010/main" val="0"/>
-                </a:ext>
-              </a:extLst>
-            </a:blip>
-            <a:srcRect l="4297" r="9701"/>
-            <a:stretch/>
-          </p:blipFill>
-          <p:spPr>
-            <a:xfrm>
-              <a:off x="9605157" y="3871568"/>
-              <a:ext cx="1038027" cy="1207008"/>
-            </a:xfrm>
-            <a:prstGeom prst="rect">
-              <a:avLst/>
-            </a:prstGeom>
-          </p:spPr>
-        </p:pic>
-        <p:sp>
-          <p:nvSpPr>
-            <p:cNvPr id="6" name="TextBox 5">
-              <a:extLst>
-                <a:ext uri="{FF2B5EF4-FFF2-40B4-BE49-F238E27FC236}">
-                  <a16:creationId xmlns:a16="http://schemas.microsoft.com/office/drawing/2014/main" id="{B1709970-6F4A-3D0E-01AD-C1FDC0AFFB94}"/>
-                </a:ext>
-              </a:extLst>
-            </p:cNvPr>
-            <p:cNvSpPr txBox="1"/>
-            <p:nvPr/>
-          </p:nvSpPr>
-          <p:spPr>
-            <a:xfrm>
-              <a:off x="9685588" y="5078576"/>
-              <a:ext cx="877164" cy="590931"/>
-            </a:xfrm>
-            <a:prstGeom prst="rect">
-              <a:avLst/>
-            </a:prstGeom>
-            <a:noFill/>
-          </p:spPr>
-          <p:txBody>
-            <a:bodyPr wrap="none" rtlCol="0">
-              <a:spAutoFit/>
-            </a:bodyPr>
-            <a:lstStyle/>
-            <a:p>
-              <a:pPr algn="ctr">
-                <a:lnSpc>
-                  <a:spcPct val="90000"/>
-                </a:lnSpc>
-              </a:pPr>
-              <a:r>
-                <a:rPr lang="en-US" dirty="0"/>
-                <a:t>Jared</a:t>
-              </a:r>
-            </a:p>
-            <a:p>
-              <a:pPr algn="ctr">
-                <a:lnSpc>
-                  <a:spcPct val="90000"/>
-                </a:lnSpc>
-              </a:pPr>
-              <a:r>
-                <a:rPr lang="en-US" i="1" dirty="0"/>
-                <a:t>he/him</a:t>
-              </a:r>
-            </a:p>
-          </p:txBody>
-        </p:sp>
-      </p:grpSp>
-      <p:grpSp>
-        <p:nvGrpSpPr>
-          <p:cNvPr id="13" name="Group 12">
-            <a:extLst>
-              <a:ext uri="{FF2B5EF4-FFF2-40B4-BE49-F238E27FC236}">
-                <a16:creationId xmlns:a16="http://schemas.microsoft.com/office/drawing/2014/main" id="{00403814-7B73-CDA6-7272-B8EDA62D5E4A}"/>
-              </a:ext>
-            </a:extLst>
-          </p:cNvPr>
-          <p:cNvGrpSpPr/>
-          <p:nvPr/>
-        </p:nvGrpSpPr>
-        <p:grpSpPr>
-          <a:xfrm>
-            <a:off x="7484355" y="1188951"/>
-            <a:ext cx="965606" cy="1806323"/>
-            <a:chOff x="1655035" y="4155892"/>
-            <a:chExt cx="965606" cy="1806323"/>
-          </a:xfrm>
-        </p:grpSpPr>
-        <p:pic>
-          <p:nvPicPr>
-            <p:cNvPr id="14" name="Picture 13" descr="A person smiling for the camera&#10;&#10;Description automatically generated with medium confidence">
-              <a:extLst>
-                <a:ext uri="{FF2B5EF4-FFF2-40B4-BE49-F238E27FC236}">
-                  <a16:creationId xmlns:a16="http://schemas.microsoft.com/office/drawing/2014/main" id="{99DFB0EC-B047-89F3-7911-3E1AE695772B}"/>
-                </a:ext>
-              </a:extLst>
-            </p:cNvPr>
-            <p:cNvPicPr>
-              <a:picLocks noChangeAspect="1"/>
-            </p:cNvPicPr>
-            <p:nvPr/>
-          </p:nvPicPr>
-          <p:blipFill>
-            <a:blip r:embed="rId7">
-              <a:extLst>
-                <a:ext uri="{28A0092B-C50C-407E-A947-70E740481C1C}">
-                  <a14:useLocalDpi xmlns:a14="http://schemas.microsoft.com/office/drawing/2010/main" val="0"/>
-                </a:ext>
-              </a:extLst>
-            </a:blip>
-            <a:stretch>
-              <a:fillRect/>
-            </a:stretch>
-          </p:blipFill>
-          <p:spPr>
-            <a:xfrm>
-              <a:off x="1655035" y="4155892"/>
-              <a:ext cx="965606" cy="1207008"/>
-            </a:xfrm>
-            <a:prstGeom prst="rect">
-              <a:avLst/>
-            </a:prstGeom>
-          </p:spPr>
-        </p:pic>
-        <p:sp>
-          <p:nvSpPr>
-            <p:cNvPr id="15" name="TextBox 14">
-              <a:extLst>
-                <a:ext uri="{FF2B5EF4-FFF2-40B4-BE49-F238E27FC236}">
-                  <a16:creationId xmlns:a16="http://schemas.microsoft.com/office/drawing/2014/main" id="{E878E670-F99C-486F-BF14-5410B0248AEA}"/>
-                </a:ext>
-              </a:extLst>
-            </p:cNvPr>
-            <p:cNvSpPr txBox="1"/>
-            <p:nvPr/>
-          </p:nvSpPr>
-          <p:spPr>
-            <a:xfrm>
-              <a:off x="1699256" y="5371284"/>
-              <a:ext cx="877163" cy="590931"/>
-            </a:xfrm>
-            <a:prstGeom prst="rect">
-              <a:avLst/>
-            </a:prstGeom>
-            <a:noFill/>
-          </p:spPr>
-          <p:txBody>
-            <a:bodyPr wrap="none" rtlCol="0">
-              <a:spAutoFit/>
-            </a:bodyPr>
-            <a:lstStyle/>
-            <a:p>
-              <a:pPr algn="ctr">
-                <a:lnSpc>
-                  <a:spcPct val="90000"/>
-                </a:lnSpc>
-              </a:pPr>
-              <a:r>
-                <a:rPr lang="en-US" dirty="0"/>
-                <a:t>Greg</a:t>
-              </a:r>
-            </a:p>
-            <a:p>
-              <a:pPr algn="ctr">
-                <a:lnSpc>
-                  <a:spcPct val="90000"/>
-                </a:lnSpc>
-              </a:pPr>
-              <a:r>
-                <a:rPr lang="en-US" i="1" dirty="0"/>
-                <a:t>he/him</a:t>
-              </a:r>
-            </a:p>
-          </p:txBody>
-        </p:sp>
-      </p:grpSp>
     </p:spTree>
     <p:extLst>
       <p:ext uri="{BB962C8B-B14F-4D97-AF65-F5344CB8AC3E}">
@@ -6847,3779 +5242,6 @@
 </file>
 
 <file path=ppt/slides/slide4.xml><?xml version="1.0" encoding="utf-8"?>
-<p:sld xmlns:a="http://schemas.openxmlformats.org/drawingml/2006/main" xmlns:r="http://schemas.openxmlformats.org/officeDocument/2006/relationships" xmlns:p="http://schemas.openxmlformats.org/presentationml/2006/main">
-  <p:cSld>
-    <p:spTree>
-      <p:nvGrpSpPr>
-        <p:cNvPr id="1" name=""/>
-        <p:cNvGrpSpPr/>
-        <p:nvPr/>
-      </p:nvGrpSpPr>
-      <p:grpSpPr>
-        <a:xfrm>
-          <a:off x="0" y="0"/>
-          <a:ext cx="0" cy="0"/>
-          <a:chOff x="0" y="0"/>
-          <a:chExt cx="0" cy="0"/>
-        </a:xfrm>
-      </p:grpSpPr>
-      <p:sp>
-        <p:nvSpPr>
-          <p:cNvPr id="2" name="Title 1">
-            <a:extLst>
-              <a:ext uri="{FF2B5EF4-FFF2-40B4-BE49-F238E27FC236}">
-                <a16:creationId xmlns:a16="http://schemas.microsoft.com/office/drawing/2014/main" id="{DD71C927-A5F5-4219-9D1F-E4783D63981C}"/>
-              </a:ext>
-            </a:extLst>
-          </p:cNvPr>
-          <p:cNvSpPr>
-            <a:spLocks noGrp="1"/>
-          </p:cNvSpPr>
-          <p:nvPr>
-            <p:ph type="title"/>
-          </p:nvPr>
-        </p:nvSpPr>
-        <p:spPr>
-          <a:xfrm>
-            <a:off x="365759" y="411480"/>
-            <a:ext cx="11439459" cy="914400"/>
-          </a:xfrm>
-        </p:spPr>
-        <p:txBody>
-          <a:bodyPr/>
-          <a:lstStyle/>
-          <a:p>
-            <a:r>
-              <a:rPr lang="en-US" dirty="0"/>
-              <a:t>The IDEAS-ECP team works with the ECP community, and beyond, to improve developer productivity and software sustainability as key aspects of increasing overall scientific productivity</a:t>
-            </a:r>
-          </a:p>
-        </p:txBody>
-      </p:sp>
-      <p:grpSp>
-        <p:nvGrpSpPr>
-          <p:cNvPr id="4" name="Google Shape;57;p9">
-            <a:extLst>
-              <a:ext uri="{FF2B5EF4-FFF2-40B4-BE49-F238E27FC236}">
-                <a16:creationId xmlns:a16="http://schemas.microsoft.com/office/drawing/2014/main" id="{6A897040-C4A6-4C52-B631-9761F7020CC4}"/>
-              </a:ext>
-            </a:extLst>
-          </p:cNvPr>
-          <p:cNvGrpSpPr/>
-          <p:nvPr/>
-        </p:nvGrpSpPr>
-        <p:grpSpPr>
-          <a:xfrm>
-            <a:off x="546678" y="1820375"/>
-            <a:ext cx="11687727" cy="4447977"/>
-            <a:chOff x="1841432" y="2034774"/>
-            <a:chExt cx="9035635" cy="3438676"/>
-          </a:xfrm>
-        </p:grpSpPr>
-        <p:grpSp>
-          <p:nvGrpSpPr>
-            <p:cNvPr id="5" name="Google Shape;58;p9">
-              <a:extLst>
-                <a:ext uri="{FF2B5EF4-FFF2-40B4-BE49-F238E27FC236}">
-                  <a16:creationId xmlns:a16="http://schemas.microsoft.com/office/drawing/2014/main" id="{CCA80A9C-C8C1-4B5A-9AB3-13E6B4582831}"/>
-                </a:ext>
-              </a:extLst>
-            </p:cNvPr>
-            <p:cNvGrpSpPr/>
-            <p:nvPr/>
-          </p:nvGrpSpPr>
-          <p:grpSpPr>
-            <a:xfrm>
-              <a:off x="1841432" y="2034774"/>
-              <a:ext cx="9035635" cy="3438676"/>
-              <a:chOff x="350089" y="1704823"/>
-              <a:chExt cx="9035635" cy="3438676"/>
-            </a:xfrm>
-          </p:grpSpPr>
-          <p:sp>
-            <p:nvSpPr>
-              <p:cNvPr id="15" name="Google Shape;59;p9">
-                <a:extLst>
-                  <a:ext uri="{FF2B5EF4-FFF2-40B4-BE49-F238E27FC236}">
-                    <a16:creationId xmlns:a16="http://schemas.microsoft.com/office/drawing/2014/main" id="{E3CE3542-F229-4858-ADBE-FE4659D2D367}"/>
-                  </a:ext>
-                </a:extLst>
-              </p:cNvPr>
-              <p:cNvSpPr/>
-              <p:nvPr/>
-            </p:nvSpPr>
-            <p:spPr>
-              <a:xfrm>
-                <a:off x="3592800" y="3391840"/>
-                <a:ext cx="680399" cy="822591"/>
-              </a:xfrm>
-              <a:custGeom>
-                <a:avLst/>
-                <a:gdLst/>
-                <a:ahLst/>
-                <a:cxnLst/>
-                <a:rect l="l" t="t" r="r" b="b"/>
-                <a:pathLst>
-                  <a:path w="120000" h="120000" extrusionOk="0">
-                    <a:moveTo>
-                      <a:pt x="0" y="0"/>
-                    </a:moveTo>
-                    <a:cubicBezTo>
-                      <a:pt x="120000" y="0"/>
-                      <a:pt x="120000" y="0"/>
-                      <a:pt x="120000" y="0"/>
-                    </a:cubicBezTo>
-                    <a:cubicBezTo>
-                      <a:pt x="120000" y="120000"/>
-                      <a:pt x="120000" y="120000"/>
-                      <a:pt x="120000" y="120000"/>
-                    </a:cubicBezTo>
-                    <a:cubicBezTo>
-                      <a:pt x="53189" y="120000"/>
-                      <a:pt x="53189" y="120000"/>
-                      <a:pt x="53189" y="120000"/>
-                    </a:cubicBezTo>
-                    <a:cubicBezTo>
-                      <a:pt x="44432" y="120000"/>
-                      <a:pt x="37621" y="114476"/>
-                      <a:pt x="37621" y="107698"/>
-                    </a:cubicBezTo>
-                    <a:cubicBezTo>
-                      <a:pt x="37621" y="85104"/>
-                      <a:pt x="37621" y="85104"/>
-                      <a:pt x="37621" y="85104"/>
-                    </a:cubicBezTo>
-                    <a:cubicBezTo>
-                      <a:pt x="37621" y="54225"/>
-                      <a:pt x="24000" y="24351"/>
-                      <a:pt x="0" y="0"/>
-                    </a:cubicBezTo>
-                    <a:close/>
-                  </a:path>
-                </a:pathLst>
-              </a:custGeom>
-              <a:gradFill>
-                <a:gsLst>
-                  <a:gs pos="0">
-                    <a:srgbClr val="F5D0D0"/>
-                  </a:gs>
-                  <a:gs pos="100000">
-                    <a:srgbClr val="D96868"/>
-                  </a:gs>
-                </a:gsLst>
-                <a:path path="circle">
-                  <a:fillToRect l="50000" t="50000" r="50000" b="50000"/>
-                </a:path>
-                <a:tileRect/>
-              </a:gradFill>
-              <a:ln>
-                <a:noFill/>
-              </a:ln>
-              <a:effectLst>
-                <a:outerShdw blurRad="57785" dist="33020" dir="3180000" algn="ctr">
-                  <a:srgbClr val="000000">
-                    <a:alpha val="29411"/>
-                  </a:srgbClr>
-                </a:outerShdw>
-              </a:effectLst>
-            </p:spPr>
-            <p:txBody>
-              <a:bodyPr spcFirstLastPara="1" wrap="square" lIns="91425" tIns="45700" rIns="91425" bIns="45700" anchor="t" anchorCtr="0">
-                <a:noAutofit/>
-              </a:bodyPr>
-              <a:lstStyle/>
-              <a:p>
-                <a:pPr marL="0" marR="0" lvl="0" indent="0" algn="l" rtl="0">
-                  <a:spcBef>
-                    <a:spcPts val="0"/>
-                  </a:spcBef>
-                  <a:spcAft>
-                    <a:spcPts val="0"/>
-                  </a:spcAft>
-                  <a:buClr>
-                    <a:schemeClr val="dk1"/>
-                  </a:buClr>
-                  <a:buSzPts val="2400"/>
-                  <a:buFont typeface="Arial"/>
-                  <a:buNone/>
-                </a:pPr>
-                <a:endParaRPr sz="2400" b="0" i="0" u="none" strike="noStrike" cap="none">
-                  <a:solidFill>
-                    <a:srgbClr val="000000"/>
-                  </a:solidFill>
-                  <a:latin typeface="Calibri"/>
-                  <a:ea typeface="Calibri"/>
-                  <a:cs typeface="Calibri"/>
-                  <a:sym typeface="Calibri"/>
-                </a:endParaRPr>
-              </a:p>
-            </p:txBody>
-          </p:sp>
-          <p:sp>
-            <p:nvSpPr>
-              <p:cNvPr id="16" name="Google Shape;60;p9">
-                <a:extLst>
-                  <a:ext uri="{FF2B5EF4-FFF2-40B4-BE49-F238E27FC236}">
-                    <a16:creationId xmlns:a16="http://schemas.microsoft.com/office/drawing/2014/main" id="{65BF9471-F37C-4266-B1A2-254E140DE8B0}"/>
-                  </a:ext>
-                </a:extLst>
-              </p:cNvPr>
-              <p:cNvSpPr/>
-              <p:nvPr/>
-            </p:nvSpPr>
-            <p:spPr>
-              <a:xfrm>
-                <a:off x="3209455" y="1807379"/>
-                <a:ext cx="1063800" cy="729600"/>
-              </a:xfrm>
-              <a:custGeom>
-                <a:avLst/>
-                <a:gdLst/>
-                <a:ahLst/>
-                <a:cxnLst/>
-                <a:rect l="l" t="t" r="r" b="b"/>
-                <a:pathLst>
-                  <a:path w="120000" h="120000" extrusionOk="0">
-                    <a:moveTo>
-                      <a:pt x="120000" y="0"/>
-                    </a:moveTo>
-                    <a:cubicBezTo>
-                      <a:pt x="120000" y="120000"/>
-                      <a:pt x="120000" y="120000"/>
-                      <a:pt x="120000" y="120000"/>
-                    </a:cubicBezTo>
-                    <a:cubicBezTo>
-                      <a:pt x="0" y="120000"/>
-                      <a:pt x="0" y="120000"/>
-                      <a:pt x="0" y="120000"/>
-                    </a:cubicBezTo>
-                    <a:cubicBezTo>
-                      <a:pt x="13056" y="53750"/>
-                      <a:pt x="61761" y="3250"/>
-                      <a:pt x="120000" y="0"/>
-                    </a:cubicBezTo>
-                    <a:close/>
-                  </a:path>
-                </a:pathLst>
-              </a:custGeom>
-              <a:gradFill>
-                <a:gsLst>
-                  <a:gs pos="0">
-                    <a:srgbClr val="FFF6DB"/>
-                  </a:gs>
-                  <a:gs pos="100000">
-                    <a:srgbClr val="FAD25C"/>
-                  </a:gs>
-                </a:gsLst>
-                <a:path path="circle">
-                  <a:fillToRect l="50000" t="50000" r="50000" b="50000"/>
-                </a:path>
-                <a:tileRect/>
-              </a:gradFill>
-              <a:ln>
-                <a:noFill/>
-              </a:ln>
-            </p:spPr>
-            <p:txBody>
-              <a:bodyPr spcFirstLastPara="1" wrap="square" lIns="91425" tIns="45700" rIns="91425" bIns="45700" anchor="t" anchorCtr="0">
-                <a:noAutofit/>
-              </a:bodyPr>
-              <a:lstStyle/>
-              <a:p>
-                <a:pPr marL="0" marR="0" lvl="0" indent="0" algn="l" rtl="0">
-                  <a:spcBef>
-                    <a:spcPts val="0"/>
-                  </a:spcBef>
-                  <a:spcAft>
-                    <a:spcPts val="0"/>
-                  </a:spcAft>
-                  <a:buClr>
-                    <a:schemeClr val="dk1"/>
-                  </a:buClr>
-                  <a:buSzPts val="2400"/>
-                  <a:buFont typeface="Arial"/>
-                  <a:buNone/>
-                </a:pPr>
-                <a:endParaRPr sz="2400" b="0" i="0" u="none" strike="noStrike" cap="none">
-                  <a:solidFill>
-                    <a:srgbClr val="000000"/>
-                  </a:solidFill>
-                  <a:latin typeface="Calibri"/>
-                  <a:ea typeface="Calibri"/>
-                  <a:cs typeface="Calibri"/>
-                  <a:sym typeface="Calibri"/>
-                </a:endParaRPr>
-              </a:p>
-            </p:txBody>
-          </p:sp>
-          <p:sp>
-            <p:nvSpPr>
-              <p:cNvPr id="17" name="Google Shape;61;p9">
-                <a:extLst>
-                  <a:ext uri="{FF2B5EF4-FFF2-40B4-BE49-F238E27FC236}">
-                    <a16:creationId xmlns:a16="http://schemas.microsoft.com/office/drawing/2014/main" id="{B075FB73-AD5D-4E9C-B58A-C3EE7639D93B}"/>
-                  </a:ext>
-                </a:extLst>
-              </p:cNvPr>
-              <p:cNvSpPr/>
-              <p:nvPr/>
-            </p:nvSpPr>
-            <p:spPr>
-              <a:xfrm>
-                <a:off x="3201504" y="2527575"/>
-                <a:ext cx="1071695" cy="807900"/>
-              </a:xfrm>
-              <a:custGeom>
-                <a:avLst/>
-                <a:gdLst/>
-                <a:ahLst/>
-                <a:cxnLst/>
-                <a:rect l="l" t="t" r="r" b="b"/>
-                <a:pathLst>
-                  <a:path w="120000" h="120000" extrusionOk="0">
-                    <a:moveTo>
-                      <a:pt x="120000" y="0"/>
-                    </a:moveTo>
-                    <a:cubicBezTo>
-                      <a:pt x="120000" y="120000"/>
-                      <a:pt x="120000" y="120000"/>
-                      <a:pt x="120000" y="120000"/>
-                    </a:cubicBezTo>
-                    <a:cubicBezTo>
-                      <a:pt x="36040" y="120000"/>
-                      <a:pt x="36040" y="120000"/>
-                      <a:pt x="36040" y="120000"/>
-                    </a:cubicBezTo>
-                    <a:cubicBezTo>
-                      <a:pt x="36040" y="120000"/>
-                      <a:pt x="36040" y="120000"/>
-                      <a:pt x="36040" y="120000"/>
-                    </a:cubicBezTo>
-                    <a:cubicBezTo>
-                      <a:pt x="14295" y="94809"/>
-                      <a:pt x="805" y="60458"/>
-                      <a:pt x="201" y="22671"/>
-                    </a:cubicBezTo>
-                    <a:cubicBezTo>
-                      <a:pt x="0" y="15114"/>
-                      <a:pt x="604" y="7328"/>
-                      <a:pt x="1409" y="0"/>
-                    </a:cubicBezTo>
-                    <a:lnTo>
-                      <a:pt x="120000" y="0"/>
-                    </a:lnTo>
-                    <a:close/>
-                  </a:path>
-                </a:pathLst>
-              </a:custGeom>
-              <a:gradFill>
-                <a:gsLst>
-                  <a:gs pos="0">
-                    <a:srgbClr val="FFF6DB"/>
-                  </a:gs>
-                  <a:gs pos="100000">
-                    <a:srgbClr val="FAD25C"/>
-                  </a:gs>
-                </a:gsLst>
-                <a:path path="circle">
-                  <a:fillToRect l="50000" t="50000" r="50000" b="50000"/>
-                </a:path>
-                <a:tileRect/>
-              </a:gradFill>
-              <a:ln>
-                <a:noFill/>
-              </a:ln>
-            </p:spPr>
-            <p:txBody>
-              <a:bodyPr spcFirstLastPara="1" wrap="square" lIns="91425" tIns="45700" rIns="91425" bIns="45700" anchor="t" anchorCtr="0">
-                <a:noAutofit/>
-              </a:bodyPr>
-              <a:lstStyle/>
-              <a:p>
-                <a:pPr marL="0" marR="0" lvl="0" indent="0" algn="l" rtl="0">
-                  <a:lnSpc>
-                    <a:spcPct val="100000"/>
-                  </a:lnSpc>
-                  <a:spcBef>
-                    <a:spcPts val="0"/>
-                  </a:spcBef>
-                  <a:spcAft>
-                    <a:spcPts val="0"/>
-                  </a:spcAft>
-                  <a:buClr>
-                    <a:schemeClr val="dk1"/>
-                  </a:buClr>
-                  <a:buSzPts val="2400"/>
-                  <a:buFont typeface="Arial"/>
-                  <a:buNone/>
-                </a:pPr>
-                <a:endParaRPr sz="2400" b="0" i="0" u="none" strike="noStrike" cap="none">
-                  <a:solidFill>
-                    <a:schemeClr val="dk1"/>
-                  </a:solidFill>
-                  <a:latin typeface="Calibri"/>
-                  <a:ea typeface="Calibri"/>
-                  <a:cs typeface="Calibri"/>
-                  <a:sym typeface="Calibri"/>
-                </a:endParaRPr>
-              </a:p>
-            </p:txBody>
-          </p:sp>
-          <p:sp>
-            <p:nvSpPr>
-              <p:cNvPr id="18" name="Google Shape;62;p9">
-                <a:extLst>
-                  <a:ext uri="{FF2B5EF4-FFF2-40B4-BE49-F238E27FC236}">
-                    <a16:creationId xmlns:a16="http://schemas.microsoft.com/office/drawing/2014/main" id="{F62FEA18-C8AB-466F-BC92-A1E77A93DBC7}"/>
-                  </a:ext>
-                </a:extLst>
-              </p:cNvPr>
-              <p:cNvSpPr/>
-              <p:nvPr/>
-            </p:nvSpPr>
-            <p:spPr>
-              <a:xfrm>
-                <a:off x="4340752" y="3391840"/>
-                <a:ext cx="711623" cy="822891"/>
-              </a:xfrm>
-              <a:custGeom>
-                <a:avLst/>
-                <a:gdLst/>
-                <a:ahLst/>
-                <a:cxnLst/>
-                <a:rect l="l" t="t" r="r" b="b"/>
-                <a:pathLst>
-                  <a:path w="120000" h="120000" extrusionOk="0">
-                    <a:moveTo>
-                      <a:pt x="0" y="0"/>
-                    </a:moveTo>
-                    <a:cubicBezTo>
-                      <a:pt x="119999" y="0"/>
-                      <a:pt x="119999" y="0"/>
-                      <a:pt x="119999" y="0"/>
-                    </a:cubicBezTo>
-                    <a:cubicBezTo>
-                      <a:pt x="95741" y="24602"/>
-                      <a:pt x="82156" y="54728"/>
-                      <a:pt x="82156" y="86108"/>
-                    </a:cubicBezTo>
-                    <a:cubicBezTo>
-                      <a:pt x="82156" y="107698"/>
-                      <a:pt x="82156" y="107698"/>
-                      <a:pt x="82156" y="107698"/>
-                    </a:cubicBezTo>
-                    <a:cubicBezTo>
-                      <a:pt x="82156" y="114476"/>
-                      <a:pt x="75363" y="120000"/>
-                      <a:pt x="66630" y="120000"/>
-                    </a:cubicBezTo>
-                    <a:cubicBezTo>
-                      <a:pt x="0" y="120000"/>
-                      <a:pt x="0" y="120000"/>
-                      <a:pt x="0" y="120000"/>
-                    </a:cubicBezTo>
-                    <a:lnTo>
-                      <a:pt x="0" y="0"/>
-                    </a:lnTo>
-                    <a:close/>
-                  </a:path>
-                </a:pathLst>
-              </a:custGeom>
-              <a:gradFill>
-                <a:gsLst>
-                  <a:gs pos="0">
-                    <a:srgbClr val="DFE9FB"/>
-                  </a:gs>
-                  <a:gs pos="100000">
-                    <a:srgbClr val="6E9BE7"/>
-                  </a:gs>
-                </a:gsLst>
-                <a:path path="circle">
-                  <a:fillToRect l="50000" t="50000" r="50000" b="50000"/>
-                </a:path>
-                <a:tileRect/>
-              </a:gradFill>
-              <a:ln>
-                <a:noFill/>
-              </a:ln>
-              <a:effectLst>
-                <a:outerShdw blurRad="57785" dist="33020" dir="3180000" algn="ctr">
-                  <a:srgbClr val="000000">
-                    <a:alpha val="29411"/>
-                  </a:srgbClr>
-                </a:outerShdw>
-              </a:effectLst>
-            </p:spPr>
-            <p:txBody>
-              <a:bodyPr spcFirstLastPara="1" wrap="square" lIns="91425" tIns="45700" rIns="91425" bIns="45700" anchor="t" anchorCtr="0">
-                <a:noAutofit/>
-              </a:bodyPr>
-              <a:lstStyle/>
-              <a:p>
-                <a:pPr marL="0" marR="0" lvl="0" indent="0" algn="l" rtl="0">
-                  <a:spcBef>
-                    <a:spcPts val="0"/>
-                  </a:spcBef>
-                  <a:spcAft>
-                    <a:spcPts val="0"/>
-                  </a:spcAft>
-                  <a:buClr>
-                    <a:schemeClr val="dk1"/>
-                  </a:buClr>
-                  <a:buSzPts val="2400"/>
-                  <a:buFont typeface="Arial"/>
-                  <a:buNone/>
-                </a:pPr>
-                <a:endParaRPr sz="2400" b="0" i="0" u="none" strike="noStrike" cap="none">
-                  <a:solidFill>
-                    <a:srgbClr val="000000"/>
-                  </a:solidFill>
-                  <a:latin typeface="Calibri"/>
-                  <a:ea typeface="Calibri"/>
-                  <a:cs typeface="Calibri"/>
-                  <a:sym typeface="Calibri"/>
-                </a:endParaRPr>
-              </a:p>
-            </p:txBody>
-          </p:sp>
-          <p:sp>
-            <p:nvSpPr>
-              <p:cNvPr id="19" name="Google Shape;63;p9">
-                <a:extLst>
-                  <a:ext uri="{FF2B5EF4-FFF2-40B4-BE49-F238E27FC236}">
-                    <a16:creationId xmlns:a16="http://schemas.microsoft.com/office/drawing/2014/main" id="{C548DFF7-632D-4E27-9D01-E18C8DD0B391}"/>
-                  </a:ext>
-                </a:extLst>
-              </p:cNvPr>
-              <p:cNvSpPr/>
-              <p:nvPr/>
-            </p:nvSpPr>
-            <p:spPr>
-              <a:xfrm>
-                <a:off x="3804897" y="4268134"/>
-                <a:ext cx="1035600" cy="129300"/>
-              </a:xfrm>
-              <a:custGeom>
-                <a:avLst/>
-                <a:gdLst/>
-                <a:ahLst/>
-                <a:cxnLst/>
-                <a:rect l="l" t="t" r="r" b="b"/>
-                <a:pathLst>
-                  <a:path w="120000" h="120000" extrusionOk="0">
-                    <a:moveTo>
-                      <a:pt x="9148" y="120000"/>
-                    </a:moveTo>
-                    <a:cubicBezTo>
-                      <a:pt x="110851" y="120000"/>
-                      <a:pt x="110851" y="120000"/>
-                      <a:pt x="110851" y="120000"/>
-                    </a:cubicBezTo>
-                    <a:cubicBezTo>
-                      <a:pt x="115957" y="120000"/>
-                      <a:pt x="120000" y="93176"/>
-                      <a:pt x="120000" y="59294"/>
-                    </a:cubicBezTo>
-                    <a:cubicBezTo>
-                      <a:pt x="120000" y="26823"/>
-                      <a:pt x="115957" y="0"/>
-                      <a:pt x="110851" y="0"/>
-                    </a:cubicBezTo>
-                    <a:cubicBezTo>
-                      <a:pt x="9148" y="0"/>
-                      <a:pt x="9148" y="0"/>
-                      <a:pt x="9148" y="0"/>
-                    </a:cubicBezTo>
-                    <a:cubicBezTo>
-                      <a:pt x="4042" y="0"/>
-                      <a:pt x="0" y="26823"/>
-                      <a:pt x="0" y="59294"/>
-                    </a:cubicBezTo>
-                    <a:cubicBezTo>
-                      <a:pt x="0" y="93176"/>
-                      <a:pt x="4042" y="120000"/>
-                      <a:pt x="9148" y="120000"/>
-                    </a:cubicBezTo>
-                    <a:close/>
-                  </a:path>
-                </a:pathLst>
-              </a:custGeom>
-              <a:gradFill>
-                <a:gsLst>
-                  <a:gs pos="0">
-                    <a:srgbClr val="1077D2"/>
-                  </a:gs>
-                  <a:gs pos="100000">
-                    <a:srgbClr val="093153"/>
-                  </a:gs>
-                </a:gsLst>
-                <a:path path="circle">
-                  <a:fillToRect l="50000" t="50000" r="50000" b="50000"/>
-                </a:path>
-                <a:tileRect/>
-              </a:gradFill>
-              <a:ln w="9525" cap="flat" cmpd="sng">
-                <a:solidFill>
-                  <a:srgbClr val="666666"/>
-                </a:solidFill>
-                <a:prstDash val="solid"/>
-                <a:round/>
-                <a:headEnd type="none" w="sm" len="sm"/>
-                <a:tailEnd type="none" w="sm" len="sm"/>
-              </a:ln>
-            </p:spPr>
-            <p:txBody>
-              <a:bodyPr spcFirstLastPara="1" wrap="square" lIns="91425" tIns="45700" rIns="91425" bIns="45700" anchor="t" anchorCtr="0">
-                <a:noAutofit/>
-              </a:bodyPr>
-              <a:lstStyle/>
-              <a:p>
-                <a:pPr marL="0" marR="0" lvl="0" indent="0" algn="l" rtl="0">
-                  <a:spcBef>
-                    <a:spcPts val="0"/>
-                  </a:spcBef>
-                  <a:spcAft>
-                    <a:spcPts val="0"/>
-                  </a:spcAft>
-                  <a:buClr>
-                    <a:schemeClr val="dk1"/>
-                  </a:buClr>
-                  <a:buSzPts val="2400"/>
-                  <a:buFont typeface="Arial"/>
-                  <a:buNone/>
-                </a:pPr>
-                <a:endParaRPr sz="2400" b="0" i="0" u="none" strike="noStrike" cap="none">
-                  <a:solidFill>
-                    <a:srgbClr val="000000"/>
-                  </a:solidFill>
-                  <a:latin typeface="Calibri"/>
-                  <a:ea typeface="Calibri"/>
-                  <a:cs typeface="Calibri"/>
-                  <a:sym typeface="Calibri"/>
-                </a:endParaRPr>
-              </a:p>
-            </p:txBody>
-          </p:sp>
-          <p:sp>
-            <p:nvSpPr>
-              <p:cNvPr id="20" name="Google Shape;64;p9">
-                <a:extLst>
-                  <a:ext uri="{FF2B5EF4-FFF2-40B4-BE49-F238E27FC236}">
-                    <a16:creationId xmlns:a16="http://schemas.microsoft.com/office/drawing/2014/main" id="{EC602690-6693-4160-8A19-586B228ED72C}"/>
-                  </a:ext>
-                </a:extLst>
-              </p:cNvPr>
-              <p:cNvSpPr/>
-              <p:nvPr/>
-            </p:nvSpPr>
-            <p:spPr>
-              <a:xfrm>
-                <a:off x="3804897" y="4441625"/>
-                <a:ext cx="1035600" cy="128400"/>
-              </a:xfrm>
-              <a:custGeom>
-                <a:avLst/>
-                <a:gdLst/>
-                <a:ahLst/>
-                <a:cxnLst/>
-                <a:rect l="l" t="t" r="r" b="b"/>
-                <a:pathLst>
-                  <a:path w="120000" h="120000" extrusionOk="0">
-                    <a:moveTo>
-                      <a:pt x="110851" y="0"/>
-                    </a:moveTo>
-                    <a:cubicBezTo>
-                      <a:pt x="9148" y="0"/>
-                      <a:pt x="9148" y="0"/>
-                      <a:pt x="9148" y="0"/>
-                    </a:cubicBezTo>
-                    <a:cubicBezTo>
-                      <a:pt x="4042" y="0"/>
-                      <a:pt x="0" y="26823"/>
-                      <a:pt x="0" y="60705"/>
-                    </a:cubicBezTo>
-                    <a:cubicBezTo>
-                      <a:pt x="0" y="93176"/>
-                      <a:pt x="4042" y="120000"/>
-                      <a:pt x="9148" y="120000"/>
-                    </a:cubicBezTo>
-                    <a:cubicBezTo>
-                      <a:pt x="110851" y="120000"/>
-                      <a:pt x="110851" y="120000"/>
-                      <a:pt x="110851" y="120000"/>
-                    </a:cubicBezTo>
-                    <a:cubicBezTo>
-                      <a:pt x="115957" y="120000"/>
-                      <a:pt x="120000" y="93176"/>
-                      <a:pt x="120000" y="60705"/>
-                    </a:cubicBezTo>
-                    <a:cubicBezTo>
-                      <a:pt x="120000" y="26823"/>
-                      <a:pt x="115957" y="0"/>
-                      <a:pt x="110851" y="0"/>
-                    </a:cubicBezTo>
-                    <a:close/>
-                  </a:path>
-                </a:pathLst>
-              </a:custGeom>
-              <a:gradFill>
-                <a:gsLst>
-                  <a:gs pos="0">
-                    <a:srgbClr val="1077D2"/>
-                  </a:gs>
-                  <a:gs pos="100000">
-                    <a:srgbClr val="093153"/>
-                  </a:gs>
-                </a:gsLst>
-                <a:path path="circle">
-                  <a:fillToRect l="100000" t="100000"/>
-                </a:path>
-                <a:tileRect r="-100000" b="-100000"/>
-              </a:gradFill>
-              <a:ln w="9525" cap="flat" cmpd="sng">
-                <a:solidFill>
-                  <a:srgbClr val="666666"/>
-                </a:solidFill>
-                <a:prstDash val="solid"/>
-                <a:round/>
-                <a:headEnd type="none" w="sm" len="sm"/>
-                <a:tailEnd type="none" w="sm" len="sm"/>
-              </a:ln>
-            </p:spPr>
-            <p:txBody>
-              <a:bodyPr spcFirstLastPara="1" wrap="square" lIns="91425" tIns="45700" rIns="91425" bIns="45700" anchor="t" anchorCtr="0">
-                <a:noAutofit/>
-              </a:bodyPr>
-              <a:lstStyle/>
-              <a:p>
-                <a:pPr marL="0" marR="0" lvl="0" indent="0" algn="l" rtl="0">
-                  <a:lnSpc>
-                    <a:spcPct val="100000"/>
-                  </a:lnSpc>
-                  <a:spcBef>
-                    <a:spcPts val="0"/>
-                  </a:spcBef>
-                  <a:spcAft>
-                    <a:spcPts val="0"/>
-                  </a:spcAft>
-                  <a:buClr>
-                    <a:schemeClr val="dk1"/>
-                  </a:buClr>
-                  <a:buSzPts val="2400"/>
-                  <a:buFont typeface="Arial"/>
-                  <a:buNone/>
-                </a:pPr>
-                <a:endParaRPr sz="2400" b="0" i="0" u="none" strike="noStrike" cap="none">
-                  <a:solidFill>
-                    <a:schemeClr val="dk1"/>
-                  </a:solidFill>
-                  <a:latin typeface="Calibri"/>
-                  <a:ea typeface="Calibri"/>
-                  <a:cs typeface="Calibri"/>
-                  <a:sym typeface="Calibri"/>
-                </a:endParaRPr>
-              </a:p>
-            </p:txBody>
-          </p:sp>
-          <p:sp>
-            <p:nvSpPr>
-              <p:cNvPr id="21" name="Google Shape;65;p9">
-                <a:extLst>
-                  <a:ext uri="{FF2B5EF4-FFF2-40B4-BE49-F238E27FC236}">
-                    <a16:creationId xmlns:a16="http://schemas.microsoft.com/office/drawing/2014/main" id="{FBCCD07D-A5F6-48F9-AC1C-4DA772ABDD5F}"/>
-                  </a:ext>
-                </a:extLst>
-              </p:cNvPr>
-              <p:cNvSpPr/>
-              <p:nvPr/>
-            </p:nvSpPr>
-            <p:spPr>
-              <a:xfrm>
-                <a:off x="3938730" y="4614178"/>
-                <a:ext cx="750900" cy="129300"/>
-              </a:xfrm>
-              <a:custGeom>
-                <a:avLst/>
-                <a:gdLst/>
-                <a:ahLst/>
-                <a:cxnLst/>
-                <a:rect l="l" t="t" r="r" b="b"/>
-                <a:pathLst>
-                  <a:path w="120000" h="120000" extrusionOk="0">
-                    <a:moveTo>
-                      <a:pt x="107677" y="0"/>
-                    </a:moveTo>
-                    <a:cubicBezTo>
-                      <a:pt x="12322" y="0"/>
-                      <a:pt x="12322" y="0"/>
-                      <a:pt x="12322" y="0"/>
-                    </a:cubicBezTo>
-                    <a:cubicBezTo>
-                      <a:pt x="5574" y="0"/>
-                      <a:pt x="0" y="26823"/>
-                      <a:pt x="0" y="60705"/>
-                    </a:cubicBezTo>
-                    <a:cubicBezTo>
-                      <a:pt x="0" y="93176"/>
-                      <a:pt x="5574" y="120000"/>
-                      <a:pt x="12322" y="120000"/>
-                    </a:cubicBezTo>
-                    <a:cubicBezTo>
-                      <a:pt x="107677" y="120000"/>
-                      <a:pt x="107677" y="120000"/>
-                      <a:pt x="107677" y="120000"/>
-                    </a:cubicBezTo>
-                    <a:cubicBezTo>
-                      <a:pt x="114425" y="120000"/>
-                      <a:pt x="120000" y="93176"/>
-                      <a:pt x="120000" y="60705"/>
-                    </a:cubicBezTo>
-                    <a:cubicBezTo>
-                      <a:pt x="120000" y="26823"/>
-                      <a:pt x="114425" y="0"/>
-                      <a:pt x="107677" y="0"/>
-                    </a:cubicBezTo>
-                    <a:close/>
-                  </a:path>
-                </a:pathLst>
-              </a:custGeom>
-              <a:gradFill>
-                <a:gsLst>
-                  <a:gs pos="0">
-                    <a:srgbClr val="1077D2"/>
-                  </a:gs>
-                  <a:gs pos="100000">
-                    <a:srgbClr val="093153"/>
-                  </a:gs>
-                </a:gsLst>
-                <a:path path="circle">
-                  <a:fillToRect l="100000" t="100000"/>
-                </a:path>
-                <a:tileRect r="-100000" b="-100000"/>
-              </a:gradFill>
-              <a:ln w="9525" cap="flat" cmpd="sng">
-                <a:solidFill>
-                  <a:srgbClr val="666666"/>
-                </a:solidFill>
-                <a:prstDash val="solid"/>
-                <a:round/>
-                <a:headEnd type="none" w="sm" len="sm"/>
-                <a:tailEnd type="none" w="sm" len="sm"/>
-              </a:ln>
-            </p:spPr>
-            <p:txBody>
-              <a:bodyPr spcFirstLastPara="1" wrap="square" lIns="91425" tIns="45700" rIns="91425" bIns="45700" anchor="t" anchorCtr="0">
-                <a:noAutofit/>
-              </a:bodyPr>
-              <a:lstStyle/>
-              <a:p>
-                <a:pPr marL="0" marR="0" lvl="0" indent="0" algn="l" rtl="0">
-                  <a:lnSpc>
-                    <a:spcPct val="100000"/>
-                  </a:lnSpc>
-                  <a:spcBef>
-                    <a:spcPts val="0"/>
-                  </a:spcBef>
-                  <a:spcAft>
-                    <a:spcPts val="0"/>
-                  </a:spcAft>
-                  <a:buClr>
-                    <a:schemeClr val="dk1"/>
-                  </a:buClr>
-                  <a:buSzPts val="2400"/>
-                  <a:buFont typeface="Arial"/>
-                  <a:buNone/>
-                </a:pPr>
-                <a:endParaRPr sz="2400" b="0" i="0" u="none" strike="noStrike" cap="none">
-                  <a:solidFill>
-                    <a:schemeClr val="dk1"/>
-                  </a:solidFill>
-                  <a:latin typeface="Calibri"/>
-                  <a:ea typeface="Calibri"/>
-                  <a:cs typeface="Calibri"/>
-                  <a:sym typeface="Calibri"/>
-                </a:endParaRPr>
-              </a:p>
-            </p:txBody>
-          </p:sp>
-          <p:sp>
-            <p:nvSpPr>
-              <p:cNvPr id="22" name="Google Shape;66;p9">
-                <a:extLst>
-                  <a:ext uri="{FF2B5EF4-FFF2-40B4-BE49-F238E27FC236}">
-                    <a16:creationId xmlns:a16="http://schemas.microsoft.com/office/drawing/2014/main" id="{1B38CD61-5233-4711-AC79-46EC42003331}"/>
-                  </a:ext>
-                </a:extLst>
-              </p:cNvPr>
-              <p:cNvSpPr/>
-              <p:nvPr/>
-            </p:nvSpPr>
-            <p:spPr>
-              <a:xfrm>
-                <a:off x="4403098" y="3699124"/>
-                <a:ext cx="368700" cy="293400"/>
-              </a:xfrm>
-              <a:custGeom>
-                <a:avLst/>
-                <a:gdLst/>
-                <a:ahLst/>
-                <a:cxnLst/>
-                <a:rect l="l" t="t" r="r" b="b"/>
-                <a:pathLst>
-                  <a:path w="120000" h="120000" extrusionOk="0">
-                    <a:moveTo>
-                      <a:pt x="102439" y="59999"/>
-                    </a:moveTo>
-                    <a:cubicBezTo>
-                      <a:pt x="102439" y="26938"/>
-                      <a:pt x="86341" y="0"/>
-                      <a:pt x="66585" y="0"/>
-                    </a:cubicBezTo>
-                    <a:cubicBezTo>
-                      <a:pt x="47560" y="0"/>
-                      <a:pt x="32926" y="23265"/>
-                      <a:pt x="30731" y="53877"/>
-                    </a:cubicBezTo>
-                    <a:cubicBezTo>
-                      <a:pt x="27804" y="51428"/>
-                      <a:pt x="24146" y="50204"/>
-                      <a:pt x="21219" y="50204"/>
-                    </a:cubicBezTo>
-                    <a:cubicBezTo>
-                      <a:pt x="9512" y="50204"/>
-                      <a:pt x="0" y="64897"/>
-                      <a:pt x="0" y="84489"/>
-                    </a:cubicBezTo>
-                    <a:cubicBezTo>
-                      <a:pt x="0" y="104081"/>
-                      <a:pt x="9512" y="119999"/>
-                      <a:pt x="21219" y="119999"/>
-                    </a:cubicBezTo>
-                    <a:cubicBezTo>
-                      <a:pt x="102439" y="119999"/>
-                      <a:pt x="102439" y="119999"/>
-                      <a:pt x="102439" y="119999"/>
-                    </a:cubicBezTo>
-                    <a:cubicBezTo>
-                      <a:pt x="111951" y="119999"/>
-                      <a:pt x="120000" y="106530"/>
-                      <a:pt x="120000" y="90612"/>
-                    </a:cubicBezTo>
-                    <a:cubicBezTo>
-                      <a:pt x="120000" y="73469"/>
-                      <a:pt x="111951" y="59999"/>
-                      <a:pt x="102439" y="59999"/>
-                    </a:cubicBezTo>
-                    <a:close/>
-                  </a:path>
-                </a:pathLst>
-              </a:custGeom>
-              <a:solidFill>
-                <a:srgbClr val="3D85C6"/>
-              </a:solidFill>
-              <a:ln w="9525" cap="flat" cmpd="sng">
-                <a:solidFill>
-                  <a:srgbClr val="000000"/>
-                </a:solidFill>
-                <a:prstDash val="solid"/>
-                <a:round/>
-                <a:headEnd type="none" w="sm" len="sm"/>
-                <a:tailEnd type="none" w="sm" len="sm"/>
-              </a:ln>
-              <a:effectLst>
-                <a:outerShdw blurRad="57150" dist="28575" dir="5400000" algn="bl" rotWithShape="0">
-                  <a:srgbClr val="000000">
-                    <a:alpha val="49803"/>
-                  </a:srgbClr>
-                </a:outerShdw>
-              </a:effectLst>
-            </p:spPr>
-            <p:txBody>
-              <a:bodyPr spcFirstLastPara="1" wrap="square" lIns="91425" tIns="45700" rIns="91425" bIns="45700" anchor="t" anchorCtr="0">
-                <a:noAutofit/>
-              </a:bodyPr>
-              <a:lstStyle/>
-              <a:p>
-                <a:pPr marL="0" marR="0" lvl="0" indent="0" algn="l" rtl="0">
-                  <a:spcBef>
-                    <a:spcPts val="0"/>
-                  </a:spcBef>
-                  <a:spcAft>
-                    <a:spcPts val="0"/>
-                  </a:spcAft>
-                  <a:buClr>
-                    <a:schemeClr val="dk1"/>
-                  </a:buClr>
-                  <a:buSzPts val="2400"/>
-                  <a:buFont typeface="Arial"/>
-                  <a:buNone/>
-                </a:pPr>
-                <a:endParaRPr sz="2400" b="0" i="0" u="none" strike="noStrike" cap="none">
-                  <a:solidFill>
-                    <a:srgbClr val="000000"/>
-                  </a:solidFill>
-                  <a:latin typeface="Calibri"/>
-                  <a:ea typeface="Calibri"/>
-                  <a:cs typeface="Calibri"/>
-                  <a:sym typeface="Calibri"/>
-                </a:endParaRPr>
-              </a:p>
-            </p:txBody>
-          </p:sp>
-          <p:grpSp>
-            <p:nvGrpSpPr>
-              <p:cNvPr id="23" name="Google Shape;67;p9">
-                <a:extLst>
-                  <a:ext uri="{FF2B5EF4-FFF2-40B4-BE49-F238E27FC236}">
-                    <a16:creationId xmlns:a16="http://schemas.microsoft.com/office/drawing/2014/main" id="{05C9FFE1-A517-43F1-916D-70D580F75208}"/>
-                  </a:ext>
-                </a:extLst>
-              </p:cNvPr>
-              <p:cNvGrpSpPr/>
-              <p:nvPr/>
-            </p:nvGrpSpPr>
-            <p:grpSpPr>
-              <a:xfrm>
-                <a:off x="3920363" y="3644695"/>
-                <a:ext cx="263451" cy="430974"/>
-                <a:chOff x="5362575" y="4343401"/>
-                <a:chExt cx="388800" cy="496800"/>
-              </a:xfrm>
-            </p:grpSpPr>
-            <p:sp>
-              <p:nvSpPr>
-                <p:cNvPr id="38" name="Google Shape;68;p9">
-                  <a:extLst>
-                    <a:ext uri="{FF2B5EF4-FFF2-40B4-BE49-F238E27FC236}">
-                      <a16:creationId xmlns:a16="http://schemas.microsoft.com/office/drawing/2014/main" id="{BCEB518F-A633-4091-ADD7-83C73D88E528}"/>
-                    </a:ext>
-                  </a:extLst>
-                </p:cNvPr>
-                <p:cNvSpPr/>
-                <p:nvPr/>
-              </p:nvSpPr>
-              <p:spPr>
-                <a:xfrm>
-                  <a:off x="5362575" y="4343401"/>
-                  <a:ext cx="388800" cy="496800"/>
-                </a:xfrm>
-                <a:custGeom>
-                  <a:avLst/>
-                  <a:gdLst/>
-                  <a:ahLst/>
-                  <a:cxnLst/>
-                  <a:rect l="l" t="t" r="r" b="b"/>
-                  <a:pathLst>
-                    <a:path w="120000" h="120000" extrusionOk="0">
-                      <a:moveTo>
-                        <a:pt x="100927" y="0"/>
-                      </a:moveTo>
-                      <a:cubicBezTo>
-                        <a:pt x="19072" y="0"/>
-                        <a:pt x="19072" y="0"/>
-                        <a:pt x="19072" y="0"/>
-                      </a:cubicBezTo>
-                      <a:cubicBezTo>
-                        <a:pt x="8741" y="0"/>
-                        <a:pt x="0" y="6839"/>
-                        <a:pt x="0" y="14922"/>
-                      </a:cubicBezTo>
-                      <a:cubicBezTo>
-                        <a:pt x="0" y="105077"/>
-                        <a:pt x="0" y="105077"/>
-                        <a:pt x="0" y="105077"/>
-                      </a:cubicBezTo>
-                      <a:cubicBezTo>
-                        <a:pt x="0" y="113160"/>
-                        <a:pt x="8741" y="120000"/>
-                        <a:pt x="19072" y="120000"/>
-                      </a:cubicBezTo>
-                      <a:cubicBezTo>
-                        <a:pt x="100927" y="120000"/>
-                        <a:pt x="100927" y="120000"/>
-                        <a:pt x="100927" y="120000"/>
-                      </a:cubicBezTo>
-                      <a:cubicBezTo>
-                        <a:pt x="111258" y="120000"/>
-                        <a:pt x="120000" y="113160"/>
-                        <a:pt x="120000" y="105077"/>
-                      </a:cubicBezTo>
-                      <a:cubicBezTo>
-                        <a:pt x="120000" y="14922"/>
-                        <a:pt x="120000" y="14922"/>
-                        <a:pt x="120000" y="14922"/>
-                      </a:cubicBezTo>
-                      <a:cubicBezTo>
-                        <a:pt x="120000" y="6839"/>
-                        <a:pt x="111258" y="0"/>
-                        <a:pt x="100927" y="0"/>
-                      </a:cubicBezTo>
-                      <a:close/>
-                      <a:moveTo>
-                        <a:pt x="105695" y="105077"/>
-                      </a:moveTo>
-                      <a:cubicBezTo>
-                        <a:pt x="105695" y="106943"/>
-                        <a:pt x="104105" y="108808"/>
-                        <a:pt x="100927" y="108808"/>
-                      </a:cubicBezTo>
-                      <a:cubicBezTo>
-                        <a:pt x="19072" y="108808"/>
-                        <a:pt x="19072" y="108808"/>
-                        <a:pt x="19072" y="108808"/>
-                      </a:cubicBezTo>
-                      <a:cubicBezTo>
-                        <a:pt x="15894" y="108808"/>
-                        <a:pt x="14304" y="106943"/>
-                        <a:pt x="14304" y="105077"/>
-                      </a:cubicBezTo>
-                      <a:cubicBezTo>
-                        <a:pt x="14304" y="14922"/>
-                        <a:pt x="14304" y="14922"/>
-                        <a:pt x="14304" y="14922"/>
-                      </a:cubicBezTo>
-                      <a:cubicBezTo>
-                        <a:pt x="14304" y="13056"/>
-                        <a:pt x="15894" y="11191"/>
-                        <a:pt x="19072" y="11191"/>
-                      </a:cubicBezTo>
-                      <a:cubicBezTo>
-                        <a:pt x="100927" y="11191"/>
-                        <a:pt x="100927" y="11191"/>
-                        <a:pt x="100927" y="11191"/>
-                      </a:cubicBezTo>
-                      <a:cubicBezTo>
-                        <a:pt x="104105" y="11191"/>
-                        <a:pt x="105695" y="13056"/>
-                        <a:pt x="105695" y="14922"/>
-                      </a:cubicBezTo>
-                      <a:lnTo>
-                        <a:pt x="105695" y="105077"/>
-                      </a:lnTo>
-                      <a:close/>
-                    </a:path>
-                  </a:pathLst>
-                </a:custGeom>
-                <a:solidFill>
-                  <a:srgbClr val="E6B8AF"/>
-                </a:solidFill>
-                <a:ln w="9525" cap="flat" cmpd="sng">
-                  <a:solidFill>
-                    <a:srgbClr val="000000"/>
-                  </a:solidFill>
-                  <a:prstDash val="solid"/>
-                  <a:round/>
-                  <a:headEnd type="none" w="sm" len="sm"/>
-                  <a:tailEnd type="none" w="sm" len="sm"/>
-                </a:ln>
-                <a:effectLst>
-                  <a:outerShdw blurRad="57150" dist="28575" dir="5400000" algn="bl" rotWithShape="0">
-                    <a:srgbClr val="000000">
-                      <a:alpha val="49803"/>
-                    </a:srgbClr>
-                  </a:outerShdw>
-                </a:effectLst>
-              </p:spPr>
-              <p:txBody>
-                <a:bodyPr spcFirstLastPara="1" wrap="square" lIns="91425" tIns="45700" rIns="91425" bIns="45700" anchor="t" anchorCtr="0">
-                  <a:noAutofit/>
-                </a:bodyPr>
-                <a:lstStyle/>
-                <a:p>
-                  <a:pPr marL="0" marR="0" lvl="0" indent="0" algn="l" rtl="0">
-                    <a:spcBef>
-                      <a:spcPts val="0"/>
-                    </a:spcBef>
-                    <a:spcAft>
-                      <a:spcPts val="0"/>
-                    </a:spcAft>
-                    <a:buClr>
-                      <a:schemeClr val="dk1"/>
-                    </a:buClr>
-                    <a:buSzPts val="2400"/>
-                    <a:buFont typeface="Arial"/>
-                    <a:buNone/>
-                  </a:pPr>
-                  <a:endParaRPr sz="2400" b="0" i="0" u="none" strike="noStrike" cap="none">
-                    <a:solidFill>
-                      <a:srgbClr val="000000"/>
-                    </a:solidFill>
-                    <a:latin typeface="Calibri"/>
-                    <a:ea typeface="Calibri"/>
-                    <a:cs typeface="Calibri"/>
-                    <a:sym typeface="Calibri"/>
-                  </a:endParaRPr>
-                </a:p>
-              </p:txBody>
-            </p:sp>
-            <p:sp>
-              <p:nvSpPr>
-                <p:cNvPr id="39" name="Google Shape;69;p9">
-                  <a:extLst>
-                    <a:ext uri="{FF2B5EF4-FFF2-40B4-BE49-F238E27FC236}">
-                      <a16:creationId xmlns:a16="http://schemas.microsoft.com/office/drawing/2014/main" id="{644F3EEA-7AB6-464F-AFDF-A25B00C8BF20}"/>
-                    </a:ext>
-                  </a:extLst>
-                </p:cNvPr>
-                <p:cNvSpPr/>
-                <p:nvPr/>
-              </p:nvSpPr>
-              <p:spPr>
-                <a:xfrm>
-                  <a:off x="5449888" y="4441826"/>
-                  <a:ext cx="157200" cy="45900"/>
-                </a:xfrm>
-                <a:prstGeom prst="rect">
-                  <a:avLst/>
-                </a:prstGeom>
-                <a:solidFill>
-                  <a:srgbClr val="E6B8AF"/>
-                </a:solidFill>
-                <a:ln w="9525" cap="flat" cmpd="sng">
-                  <a:solidFill>
-                    <a:srgbClr val="000000"/>
-                  </a:solidFill>
-                  <a:prstDash val="solid"/>
-                  <a:round/>
-                  <a:headEnd type="none" w="sm" len="sm"/>
-                  <a:tailEnd type="none" w="sm" len="sm"/>
-                </a:ln>
-                <a:effectLst>
-                  <a:outerShdw blurRad="57150" dist="28575" dir="5400000" algn="bl" rotWithShape="0">
-                    <a:srgbClr val="000000">
-                      <a:alpha val="49803"/>
-                    </a:srgbClr>
-                  </a:outerShdw>
-                </a:effectLst>
-              </p:spPr>
-              <p:txBody>
-                <a:bodyPr spcFirstLastPara="1" wrap="square" lIns="91425" tIns="45700" rIns="91425" bIns="45700" anchor="t" anchorCtr="0">
-                  <a:noAutofit/>
-                </a:bodyPr>
-                <a:lstStyle/>
-                <a:p>
-                  <a:pPr marL="0" marR="0" lvl="0" indent="0" algn="l" rtl="0">
-                    <a:spcBef>
-                      <a:spcPts val="0"/>
-                    </a:spcBef>
-                    <a:spcAft>
-                      <a:spcPts val="0"/>
-                    </a:spcAft>
-                    <a:buClr>
-                      <a:schemeClr val="dk1"/>
-                    </a:buClr>
-                    <a:buSzPts val="2400"/>
-                    <a:buFont typeface="Arial"/>
-                    <a:buNone/>
-                  </a:pPr>
-                  <a:endParaRPr sz="2400" b="0" i="0" u="none" strike="noStrike" cap="none">
-                    <a:solidFill>
-                      <a:srgbClr val="000000"/>
-                    </a:solidFill>
-                    <a:latin typeface="Calibri"/>
-                    <a:ea typeface="Calibri"/>
-                    <a:cs typeface="Calibri"/>
-                    <a:sym typeface="Calibri"/>
-                  </a:endParaRPr>
-                </a:p>
-              </p:txBody>
-            </p:sp>
-            <p:sp>
-              <p:nvSpPr>
-                <p:cNvPr id="40" name="Google Shape;70;p9">
-                  <a:extLst>
-                    <a:ext uri="{FF2B5EF4-FFF2-40B4-BE49-F238E27FC236}">
-                      <a16:creationId xmlns:a16="http://schemas.microsoft.com/office/drawing/2014/main" id="{0D3EBBFB-C778-421D-A40C-DBCFBD425FFD}"/>
-                    </a:ext>
-                  </a:extLst>
-                </p:cNvPr>
-                <p:cNvSpPr/>
-                <p:nvPr/>
-              </p:nvSpPr>
-              <p:spPr>
-                <a:xfrm>
-                  <a:off x="5449888" y="4525964"/>
-                  <a:ext cx="214200" cy="47700"/>
-                </a:xfrm>
-                <a:prstGeom prst="rect">
-                  <a:avLst/>
-                </a:prstGeom>
-                <a:solidFill>
-                  <a:srgbClr val="E6B8AF"/>
-                </a:solidFill>
-                <a:ln w="9525" cap="flat" cmpd="sng">
-                  <a:solidFill>
-                    <a:srgbClr val="000000"/>
-                  </a:solidFill>
-                  <a:prstDash val="solid"/>
-                  <a:round/>
-                  <a:headEnd type="none" w="sm" len="sm"/>
-                  <a:tailEnd type="none" w="sm" len="sm"/>
-                </a:ln>
-                <a:effectLst>
-                  <a:outerShdw blurRad="57150" dist="28575" dir="5400000" algn="bl" rotWithShape="0">
-                    <a:srgbClr val="000000">
-                      <a:alpha val="49803"/>
-                    </a:srgbClr>
-                  </a:outerShdw>
-                </a:effectLst>
-              </p:spPr>
-              <p:txBody>
-                <a:bodyPr spcFirstLastPara="1" wrap="square" lIns="91425" tIns="45700" rIns="91425" bIns="45700" anchor="t" anchorCtr="0">
-                  <a:noAutofit/>
-                </a:bodyPr>
-                <a:lstStyle/>
-                <a:p>
-                  <a:pPr marL="0" marR="0" lvl="0" indent="0" algn="l" rtl="0">
-                    <a:spcBef>
-                      <a:spcPts val="0"/>
-                    </a:spcBef>
-                    <a:spcAft>
-                      <a:spcPts val="0"/>
-                    </a:spcAft>
-                    <a:buClr>
-                      <a:schemeClr val="dk1"/>
-                    </a:buClr>
-                    <a:buSzPts val="2400"/>
-                    <a:buFont typeface="Arial"/>
-                    <a:buNone/>
-                  </a:pPr>
-                  <a:endParaRPr sz="2400" b="0" i="0" u="none" strike="noStrike" cap="none">
-                    <a:solidFill>
-                      <a:srgbClr val="000000"/>
-                    </a:solidFill>
-                    <a:latin typeface="Calibri"/>
-                    <a:ea typeface="Calibri"/>
-                    <a:cs typeface="Calibri"/>
-                    <a:sym typeface="Calibri"/>
-                  </a:endParaRPr>
-                </a:p>
-              </p:txBody>
-            </p:sp>
-            <p:sp>
-              <p:nvSpPr>
-                <p:cNvPr id="41" name="Google Shape;71;p9">
-                  <a:extLst>
-                    <a:ext uri="{FF2B5EF4-FFF2-40B4-BE49-F238E27FC236}">
-                      <a16:creationId xmlns:a16="http://schemas.microsoft.com/office/drawing/2014/main" id="{50480BDC-0026-4721-B4C0-5B9638B5694C}"/>
-                    </a:ext>
-                  </a:extLst>
-                </p:cNvPr>
-                <p:cNvSpPr/>
-                <p:nvPr/>
-              </p:nvSpPr>
-              <p:spPr>
-                <a:xfrm>
-                  <a:off x="5449888" y="4601149"/>
-                  <a:ext cx="214200" cy="45900"/>
-                </a:xfrm>
-                <a:prstGeom prst="rect">
-                  <a:avLst/>
-                </a:prstGeom>
-                <a:solidFill>
-                  <a:srgbClr val="E6B8AF"/>
-                </a:solidFill>
-                <a:ln w="9525" cap="flat" cmpd="sng">
-                  <a:solidFill>
-                    <a:srgbClr val="000000"/>
-                  </a:solidFill>
-                  <a:prstDash val="solid"/>
-                  <a:round/>
-                  <a:headEnd type="none" w="sm" len="sm"/>
-                  <a:tailEnd type="none" w="sm" len="sm"/>
-                </a:ln>
-                <a:effectLst>
-                  <a:outerShdw blurRad="57150" dist="28575" dir="5400000" algn="bl" rotWithShape="0">
-                    <a:srgbClr val="000000">
-                      <a:alpha val="49803"/>
-                    </a:srgbClr>
-                  </a:outerShdw>
-                </a:effectLst>
-              </p:spPr>
-              <p:txBody>
-                <a:bodyPr spcFirstLastPara="1" wrap="square" lIns="91425" tIns="45700" rIns="91425" bIns="45700" anchor="t" anchorCtr="0">
-                  <a:noAutofit/>
-                </a:bodyPr>
-                <a:lstStyle/>
-                <a:p>
-                  <a:pPr marL="0" marR="0" lvl="0" indent="0" algn="l" rtl="0">
-                    <a:spcBef>
-                      <a:spcPts val="0"/>
-                    </a:spcBef>
-                    <a:spcAft>
-                      <a:spcPts val="0"/>
-                    </a:spcAft>
-                    <a:buClr>
-                      <a:schemeClr val="dk1"/>
-                    </a:buClr>
-                    <a:buSzPts val="2400"/>
-                    <a:buFont typeface="Arial"/>
-                    <a:buNone/>
-                  </a:pPr>
-                  <a:endParaRPr sz="2400" b="0" i="0" u="none" strike="noStrike" cap="none">
-                    <a:solidFill>
-                      <a:srgbClr val="000000"/>
-                    </a:solidFill>
-                    <a:latin typeface="Calibri"/>
-                    <a:ea typeface="Calibri"/>
-                    <a:cs typeface="Calibri"/>
-                    <a:sym typeface="Calibri"/>
-                  </a:endParaRPr>
-                </a:p>
-              </p:txBody>
-            </p:sp>
-          </p:grpSp>
-          <p:sp>
-            <p:nvSpPr>
-              <p:cNvPr id="24" name="Google Shape;72;p9">
-                <a:extLst>
-                  <a:ext uri="{FF2B5EF4-FFF2-40B4-BE49-F238E27FC236}">
-                    <a16:creationId xmlns:a16="http://schemas.microsoft.com/office/drawing/2014/main" id="{637155C4-5C2A-4A2A-83AC-3D4EA7002782}"/>
-                  </a:ext>
-                </a:extLst>
-              </p:cNvPr>
-              <p:cNvSpPr txBox="1"/>
-              <p:nvPr/>
-            </p:nvSpPr>
-            <p:spPr>
-              <a:xfrm>
-                <a:off x="713326" y="1882673"/>
-                <a:ext cx="2752993" cy="1735728"/>
-              </a:xfrm>
-              <a:prstGeom prst="rect">
-                <a:avLst/>
-              </a:prstGeom>
-              <a:noFill/>
-              <a:ln>
-                <a:noFill/>
-              </a:ln>
-            </p:spPr>
-            <p:txBody>
-              <a:bodyPr spcFirstLastPara="1" wrap="square" lIns="91425" tIns="91425" rIns="91425" bIns="91425" anchor="t" anchorCtr="0">
-                <a:noAutofit/>
-              </a:bodyPr>
-              <a:lstStyle/>
-              <a:p>
-                <a:pPr marL="0" marR="0" lvl="0" indent="0" algn="l" rtl="0">
-                  <a:lnSpc>
-                    <a:spcPct val="90000"/>
-                  </a:lnSpc>
-                  <a:spcBef>
-                    <a:spcPts val="400"/>
-                  </a:spcBef>
-                  <a:spcAft>
-                    <a:spcPts val="0"/>
-                  </a:spcAft>
-                  <a:buNone/>
-                </a:pPr>
-                <a:r>
-                  <a:rPr lang="en-US" sz="2000" b="1" i="0" u="none" strike="noStrike" cap="none">
-                    <a:solidFill>
-                      <a:schemeClr val="dk1"/>
-                    </a:solidFill>
-                    <a:latin typeface="Arial"/>
-                    <a:ea typeface="Arial"/>
-                    <a:cs typeface="Arial"/>
-                    <a:sym typeface="Arial"/>
-                  </a:rPr>
-                  <a:t>Customize and curate methodologies</a:t>
-                </a:r>
-                <a:endParaRPr/>
-              </a:p>
-              <a:p>
-                <a:pPr marL="236538" marR="0" lvl="0" indent="-223838" algn="l" rtl="0">
-                  <a:lnSpc>
-                    <a:spcPct val="90000"/>
-                  </a:lnSpc>
-                  <a:spcBef>
-                    <a:spcPts val="400"/>
-                  </a:spcBef>
-                  <a:spcAft>
-                    <a:spcPts val="0"/>
-                  </a:spcAft>
-                  <a:buClr>
-                    <a:schemeClr val="dk1"/>
-                  </a:buClr>
-                  <a:buSzPts val="1400"/>
-                  <a:buFont typeface="Arial"/>
-                  <a:buChar char="●"/>
-                </a:pPr>
-                <a:r>
-                  <a:rPr lang="en-US" sz="1600" b="0" i="0" u="none" strike="noStrike" cap="none">
-                    <a:solidFill>
-                      <a:schemeClr val="dk1"/>
-                    </a:solidFill>
-                    <a:latin typeface="Arial"/>
-                    <a:ea typeface="Arial"/>
-                    <a:cs typeface="Arial"/>
-                    <a:sym typeface="Arial"/>
-                  </a:rPr>
-                  <a:t>Target scientific software        productivity and sustainability</a:t>
-                </a:r>
-                <a:endParaRPr sz="2400" b="0" i="0" u="none" strike="noStrike" cap="none">
-                  <a:solidFill>
-                    <a:schemeClr val="dk1"/>
-                  </a:solidFill>
-                  <a:latin typeface="Arial"/>
-                  <a:ea typeface="Arial"/>
-                  <a:cs typeface="Arial"/>
-                  <a:sym typeface="Arial"/>
-                </a:endParaRPr>
-              </a:p>
-              <a:p>
-                <a:pPr marL="236538" marR="0" lvl="0" indent="-223838" algn="l" rtl="0">
-                  <a:spcBef>
-                    <a:spcPts val="0"/>
-                  </a:spcBef>
-                  <a:spcAft>
-                    <a:spcPts val="0"/>
-                  </a:spcAft>
-                  <a:buClr>
-                    <a:schemeClr val="dk1"/>
-                  </a:buClr>
-                  <a:buSzPts val="1400"/>
-                  <a:buFont typeface="Arial"/>
-                  <a:buChar char="●"/>
-                </a:pPr>
-                <a:r>
-                  <a:rPr lang="en-US" sz="1600" b="0" i="0" u="none" strike="noStrike" cap="none">
-                    <a:solidFill>
-                      <a:schemeClr val="dk1"/>
-                    </a:solidFill>
-                    <a:latin typeface="Arial"/>
-                    <a:ea typeface="Arial"/>
-                    <a:cs typeface="Arial"/>
-                    <a:sym typeface="Arial"/>
-                  </a:rPr>
-                  <a:t>Use workflow for best practices    content development</a:t>
-                </a:r>
-                <a:endParaRPr sz="2000" b="1" i="0" u="none" strike="noStrike" cap="none">
-                  <a:solidFill>
-                    <a:schemeClr val="dk1"/>
-                  </a:solidFill>
-                  <a:latin typeface="Arial"/>
-                  <a:ea typeface="Arial"/>
-                  <a:cs typeface="Arial"/>
-                  <a:sym typeface="Arial"/>
-                </a:endParaRPr>
-              </a:p>
-              <a:p>
-                <a:pPr marL="0" marR="0" lvl="0" indent="0" algn="l" rtl="0">
-                  <a:spcBef>
-                    <a:spcPts val="0"/>
-                  </a:spcBef>
-                  <a:spcAft>
-                    <a:spcPts val="0"/>
-                  </a:spcAft>
-                  <a:buClr>
-                    <a:schemeClr val="dk1"/>
-                  </a:buClr>
-                  <a:buSzPts val="2400"/>
-                  <a:buFont typeface="Arial"/>
-                  <a:buNone/>
-                </a:pPr>
-                <a:endParaRPr sz="2400" b="1" i="0" u="none" strike="noStrike" cap="none">
-                  <a:solidFill>
-                    <a:schemeClr val="dk1"/>
-                  </a:solidFill>
-                  <a:latin typeface="Arial"/>
-                  <a:ea typeface="Arial"/>
-                  <a:cs typeface="Arial"/>
-                  <a:sym typeface="Arial"/>
-                </a:endParaRPr>
-              </a:p>
-            </p:txBody>
-          </p:sp>
-          <p:sp>
-            <p:nvSpPr>
-              <p:cNvPr id="25" name="Google Shape;73;p9">
-                <a:extLst>
-                  <a:ext uri="{FF2B5EF4-FFF2-40B4-BE49-F238E27FC236}">
-                    <a16:creationId xmlns:a16="http://schemas.microsoft.com/office/drawing/2014/main" id="{DCE297F7-EEE8-48C2-B20D-FB06C4D2862F}"/>
-                  </a:ext>
-                </a:extLst>
-              </p:cNvPr>
-              <p:cNvSpPr txBox="1"/>
-              <p:nvPr/>
-            </p:nvSpPr>
-            <p:spPr>
-              <a:xfrm>
-                <a:off x="623210" y="3517256"/>
-                <a:ext cx="3415735" cy="1387681"/>
-              </a:xfrm>
-              <a:prstGeom prst="rect">
-                <a:avLst/>
-              </a:prstGeom>
-              <a:noFill/>
-              <a:ln>
-                <a:noFill/>
-              </a:ln>
-            </p:spPr>
-            <p:txBody>
-              <a:bodyPr spcFirstLastPara="1" wrap="square" lIns="91425" tIns="91425" rIns="91425" bIns="91425" anchor="t" anchorCtr="0">
-                <a:noAutofit/>
-              </a:bodyPr>
-              <a:lstStyle/>
-              <a:p>
-                <a:pPr marL="0" marR="0" lvl="0" indent="0" algn="l" rtl="0">
-                  <a:lnSpc>
-                    <a:spcPct val="90000"/>
-                  </a:lnSpc>
-                  <a:spcBef>
-                    <a:spcPts val="0"/>
-                  </a:spcBef>
-                  <a:spcAft>
-                    <a:spcPts val="0"/>
-                  </a:spcAft>
-                  <a:buClr>
-                    <a:schemeClr val="dk1"/>
-                  </a:buClr>
-                  <a:buSzPts val="2000"/>
-                  <a:buFont typeface="Arial"/>
-                  <a:buNone/>
-                </a:pPr>
-                <a:r>
-                  <a:rPr lang="en-US" sz="2000" b="1" i="0" u="none" strike="noStrike" cap="none" dirty="0">
-                    <a:solidFill>
-                      <a:schemeClr val="dk1"/>
-                    </a:solidFill>
-                    <a:latin typeface="Arial"/>
-                    <a:ea typeface="Arial"/>
-                    <a:cs typeface="Arial"/>
-                    <a:sym typeface="Arial"/>
-                  </a:rPr>
-                  <a:t>Incrementally and iteratively     improve software practices</a:t>
-                </a:r>
-                <a:endParaRPr sz="2000" b="1" i="0" u="none" strike="noStrike" cap="none" dirty="0">
-                  <a:solidFill>
-                    <a:schemeClr val="dk1"/>
-                  </a:solidFill>
-                  <a:latin typeface="Arial"/>
-                  <a:ea typeface="Arial"/>
-                  <a:cs typeface="Arial"/>
-                  <a:sym typeface="Arial"/>
-                </a:endParaRPr>
-              </a:p>
-              <a:p>
-                <a:pPr marL="287338" marR="0" lvl="0" indent="-219075" algn="l" rtl="0">
-                  <a:spcBef>
-                    <a:spcPts val="0"/>
-                  </a:spcBef>
-                  <a:spcAft>
-                    <a:spcPts val="0"/>
-                  </a:spcAft>
-                  <a:buClr>
-                    <a:schemeClr val="dk1"/>
-                  </a:buClr>
-                  <a:buSzPts val="1400"/>
-                  <a:buFont typeface="Arial"/>
-                  <a:buChar char="●"/>
-                </a:pPr>
-                <a:r>
-                  <a:rPr lang="en-US" sz="1600" b="0" i="0" u="none" strike="noStrike" cap="none" dirty="0">
-                    <a:solidFill>
-                      <a:schemeClr val="dk1"/>
-                    </a:solidFill>
-                    <a:latin typeface="Arial"/>
-                    <a:ea typeface="Arial"/>
-                    <a:cs typeface="Arial"/>
-                    <a:sym typeface="Arial"/>
-                  </a:rPr>
-                  <a:t>Determine high-priority topics for improvement and track progress</a:t>
-                </a:r>
-                <a:endParaRPr dirty="0"/>
-              </a:p>
-              <a:p>
-                <a:pPr marL="287338" marR="0" lvl="0" indent="-219075" algn="l" rtl="0">
-                  <a:spcBef>
-                    <a:spcPts val="0"/>
-                  </a:spcBef>
-                  <a:spcAft>
-                    <a:spcPts val="0"/>
-                  </a:spcAft>
-                  <a:buClr>
-                    <a:schemeClr val="dk1"/>
-                  </a:buClr>
-                  <a:buSzPts val="1400"/>
-                  <a:buFont typeface="Arial"/>
-                  <a:buChar char="●"/>
-                </a:pPr>
-                <a:r>
-                  <a:rPr lang="en-US" sz="1600" b="0" i="1" u="none" strike="noStrike" cap="none" dirty="0">
-                    <a:solidFill>
-                      <a:schemeClr val="dk1"/>
-                    </a:solidFill>
-                    <a:latin typeface="Arial"/>
-                    <a:ea typeface="Arial"/>
-                    <a:cs typeface="Arial"/>
-                    <a:sym typeface="Arial"/>
-                  </a:rPr>
-                  <a:t>Productivity and Sustainability  Improvement Planning (PSIP) </a:t>
-                </a:r>
-                <a:endParaRPr dirty="0"/>
-              </a:p>
-            </p:txBody>
-          </p:sp>
-          <p:sp>
-            <p:nvSpPr>
-              <p:cNvPr id="26" name="Google Shape;74;p9">
-                <a:extLst>
-                  <a:ext uri="{FF2B5EF4-FFF2-40B4-BE49-F238E27FC236}">
-                    <a16:creationId xmlns:a16="http://schemas.microsoft.com/office/drawing/2014/main" id="{CA8DE215-A9DF-46FA-9F30-8787EA9CC2CC}"/>
-                  </a:ext>
-                </a:extLst>
-              </p:cNvPr>
-              <p:cNvSpPr txBox="1"/>
-              <p:nvPr/>
-            </p:nvSpPr>
-            <p:spPr>
-              <a:xfrm>
-                <a:off x="5331632" y="1704823"/>
-                <a:ext cx="3681959" cy="1756176"/>
-              </a:xfrm>
-              <a:prstGeom prst="rect">
-                <a:avLst/>
-              </a:prstGeom>
-              <a:noFill/>
-              <a:ln>
-                <a:noFill/>
-              </a:ln>
-            </p:spPr>
-            <p:txBody>
-              <a:bodyPr spcFirstLastPara="1" wrap="square" lIns="91425" tIns="91425" rIns="91425" bIns="91425" anchor="ctr" anchorCtr="0">
-                <a:noAutofit/>
-              </a:bodyPr>
-              <a:lstStyle/>
-              <a:p>
-                <a:pPr marL="0" marR="0" lvl="0" indent="0" algn="l" rtl="0">
-                  <a:lnSpc>
-                    <a:spcPct val="90000"/>
-                  </a:lnSpc>
-                  <a:spcBef>
-                    <a:spcPts val="400"/>
-                  </a:spcBef>
-                  <a:spcAft>
-                    <a:spcPts val="0"/>
-                  </a:spcAft>
-                  <a:buClr>
-                    <a:schemeClr val="dk1"/>
-                  </a:buClr>
-                  <a:buSzPts val="2000"/>
-                  <a:buFont typeface="Arial"/>
-                  <a:buNone/>
-                </a:pPr>
-                <a:r>
-                  <a:rPr lang="en-US" sz="2000" b="1" i="0" u="none" strike="noStrike" cap="none">
-                    <a:solidFill>
-                      <a:schemeClr val="dk1"/>
-                    </a:solidFill>
-                    <a:latin typeface="Arial"/>
-                    <a:ea typeface="Arial"/>
-                    <a:cs typeface="Arial"/>
-                    <a:sym typeface="Arial"/>
-                  </a:rPr>
-                  <a:t>      Establish software communities</a:t>
-                </a:r>
-                <a:endParaRPr sz="2000" b="1" i="0" u="none" strike="noStrike" cap="none">
-                  <a:solidFill>
-                    <a:schemeClr val="dk1"/>
-                  </a:solidFill>
-                  <a:latin typeface="Arial"/>
-                  <a:ea typeface="Arial"/>
-                  <a:cs typeface="Arial"/>
-                  <a:sym typeface="Arial"/>
-                </a:endParaRPr>
-              </a:p>
-              <a:p>
-                <a:pPr marL="574675" marR="0" lvl="0" indent="-228600" algn="l" rtl="0">
-                  <a:lnSpc>
-                    <a:spcPct val="90000"/>
-                  </a:lnSpc>
-                  <a:spcBef>
-                    <a:spcPts val="400"/>
-                  </a:spcBef>
-                  <a:spcAft>
-                    <a:spcPts val="0"/>
-                  </a:spcAft>
-                  <a:buClr>
-                    <a:schemeClr val="dk1"/>
-                  </a:buClr>
-                  <a:buSzPts val="1400"/>
-                  <a:buFont typeface="Arial"/>
-                  <a:buChar char="●"/>
-                </a:pPr>
-                <a:r>
-                  <a:rPr lang="en-US" sz="1600" b="0" i="0" u="none" strike="noStrike" cap="none">
-                    <a:solidFill>
-                      <a:schemeClr val="dk1"/>
-                    </a:solidFill>
-                    <a:latin typeface="Arial"/>
-                    <a:ea typeface="Arial"/>
-                    <a:cs typeface="Arial"/>
-                    <a:sym typeface="Arial"/>
-                  </a:rPr>
-                  <a:t>Determine community policies to improve software quality and compatibility</a:t>
-                </a:r>
-                <a:endParaRPr sz="2400" b="0" i="0" u="none" strike="noStrike" cap="none">
-                  <a:solidFill>
-                    <a:schemeClr val="dk1"/>
-                  </a:solidFill>
-                  <a:latin typeface="Arial"/>
-                  <a:ea typeface="Arial"/>
-                  <a:cs typeface="Arial"/>
-                  <a:sym typeface="Arial"/>
-                </a:endParaRPr>
-              </a:p>
-              <a:p>
-                <a:pPr marL="574675" marR="0" lvl="0" indent="-228600" algn="l" rtl="0">
-                  <a:lnSpc>
-                    <a:spcPct val="100000"/>
-                  </a:lnSpc>
-                  <a:spcBef>
-                    <a:spcPts val="0"/>
-                  </a:spcBef>
-                  <a:spcAft>
-                    <a:spcPts val="0"/>
-                  </a:spcAft>
-                  <a:buClr>
-                    <a:schemeClr val="dk1"/>
-                  </a:buClr>
-                  <a:buSzPts val="1400"/>
-                  <a:buFont typeface="Arial"/>
-                  <a:buChar char="●"/>
-                </a:pPr>
-                <a:r>
-                  <a:rPr lang="en-US" sz="1600" b="0" i="0" u="none" strike="noStrike" cap="none">
-                    <a:solidFill>
-                      <a:schemeClr val="dk1"/>
-                    </a:solidFill>
-                    <a:latin typeface="Arial"/>
-                    <a:ea typeface="Arial"/>
-                    <a:cs typeface="Arial"/>
-                    <a:sym typeface="Arial"/>
-                  </a:rPr>
-                  <a:t>Create Software Development Kits (SDKs)   to facilitate the combined use of complementary libraries and tools</a:t>
-                </a:r>
-                <a:endParaRPr sz="2000" b="1" i="0" u="none" strike="noStrike" cap="none">
-                  <a:solidFill>
-                    <a:schemeClr val="dk1"/>
-                  </a:solidFill>
-                  <a:latin typeface="Arial"/>
-                  <a:ea typeface="Arial"/>
-                  <a:cs typeface="Arial"/>
-                  <a:sym typeface="Arial"/>
-                </a:endParaRPr>
-              </a:p>
-            </p:txBody>
-          </p:sp>
-          <p:sp>
-            <p:nvSpPr>
-              <p:cNvPr id="27" name="Google Shape;75;p9">
-                <a:extLst>
-                  <a:ext uri="{FF2B5EF4-FFF2-40B4-BE49-F238E27FC236}">
-                    <a16:creationId xmlns:a16="http://schemas.microsoft.com/office/drawing/2014/main" id="{25DBFD41-AD77-4263-9A70-9ECBD15E0019}"/>
-                  </a:ext>
-                </a:extLst>
-              </p:cNvPr>
-              <p:cNvSpPr txBox="1"/>
-              <p:nvPr/>
-            </p:nvSpPr>
-            <p:spPr>
-              <a:xfrm>
-                <a:off x="4980962" y="3485624"/>
-                <a:ext cx="4404762" cy="1657875"/>
-              </a:xfrm>
-              <a:prstGeom prst="rect">
-                <a:avLst/>
-              </a:prstGeom>
-              <a:noFill/>
-              <a:ln>
-                <a:noFill/>
-              </a:ln>
-            </p:spPr>
-            <p:txBody>
-              <a:bodyPr spcFirstLastPara="1" wrap="square" lIns="91425" tIns="91425" rIns="91425" bIns="91425" anchor="t" anchorCtr="0">
-                <a:noAutofit/>
-              </a:bodyPr>
-              <a:lstStyle/>
-              <a:p>
-                <a:pPr marL="0" marR="0" lvl="0" indent="0" algn="l" rtl="0">
-                  <a:lnSpc>
-                    <a:spcPct val="90000"/>
-                  </a:lnSpc>
-                  <a:spcBef>
-                    <a:spcPts val="400"/>
-                  </a:spcBef>
-                  <a:spcAft>
-                    <a:spcPts val="0"/>
-                  </a:spcAft>
-                  <a:buClr>
-                    <a:schemeClr val="dk1"/>
-                  </a:buClr>
-                  <a:buSzPts val="2400"/>
-                  <a:buFont typeface="Arial"/>
-                  <a:buNone/>
-                </a:pPr>
-                <a:r>
-                  <a:rPr lang="en-US" sz="2400" b="1" i="0" u="none" strike="noStrike" cap="none" dirty="0">
-                    <a:solidFill>
-                      <a:schemeClr val="dk1"/>
-                    </a:solidFill>
-                    <a:latin typeface="Arial"/>
-                    <a:ea typeface="Arial"/>
-                    <a:cs typeface="Arial"/>
-                    <a:sym typeface="Arial"/>
-                  </a:rPr>
-                  <a:t>       </a:t>
-                </a:r>
-                <a:r>
-                  <a:rPr lang="en-US" sz="2000" b="1" i="0" u="none" strike="noStrike" cap="none" dirty="0">
-                    <a:solidFill>
-                      <a:schemeClr val="dk1"/>
-                    </a:solidFill>
-                    <a:latin typeface="Arial"/>
-                    <a:ea typeface="Arial"/>
-                    <a:cs typeface="Arial"/>
-                    <a:sym typeface="Arial"/>
-                  </a:rPr>
-                  <a:t>Engage in community outreach</a:t>
-                </a:r>
-                <a:endParaRPr sz="2000" b="1" i="0" u="none" strike="noStrike" cap="none" dirty="0">
-                  <a:solidFill>
-                    <a:schemeClr val="dk1"/>
-                  </a:solidFill>
-                  <a:latin typeface="Arial"/>
-                  <a:ea typeface="Arial"/>
-                  <a:cs typeface="Arial"/>
-                  <a:sym typeface="Arial"/>
-                </a:endParaRPr>
-              </a:p>
-              <a:p>
-                <a:pPr marL="692150" marR="0" lvl="0" indent="-233362" algn="l" rtl="0">
-                  <a:spcBef>
-                    <a:spcPts val="0"/>
-                  </a:spcBef>
-                  <a:spcAft>
-                    <a:spcPts val="0"/>
-                  </a:spcAft>
-                  <a:buClr>
-                    <a:schemeClr val="dk1"/>
-                  </a:buClr>
-                  <a:buSzPts val="1400"/>
-                  <a:buFont typeface="Arial"/>
-                  <a:buChar char="●"/>
-                </a:pPr>
-                <a:r>
-                  <a:rPr lang="en-US" sz="1600" b="0" i="0" u="none" strike="noStrike" cap="none" dirty="0">
-                    <a:solidFill>
-                      <a:schemeClr val="dk1"/>
-                    </a:solidFill>
-                    <a:latin typeface="Arial"/>
-                    <a:ea typeface="Arial"/>
-                    <a:cs typeface="Arial"/>
-                    <a:sym typeface="Arial"/>
-                  </a:rPr>
-                  <a:t>Broad community partnerships </a:t>
-                </a:r>
-                <a:endParaRPr dirty="0"/>
-              </a:p>
-              <a:p>
-                <a:pPr marL="692150" marR="0" lvl="0" indent="-233362" algn="l" rtl="0">
-                  <a:spcBef>
-                    <a:spcPts val="0"/>
-                  </a:spcBef>
-                  <a:spcAft>
-                    <a:spcPts val="0"/>
-                  </a:spcAft>
-                  <a:buClr>
-                    <a:schemeClr val="dk1"/>
-                  </a:buClr>
-                  <a:buSzPts val="1400"/>
-                  <a:buFont typeface="Arial"/>
-                  <a:buChar char="●"/>
-                </a:pPr>
-                <a:r>
-                  <a:rPr lang="en-US" sz="1600" b="0" i="0" u="none" strike="noStrike" cap="none" dirty="0">
-                    <a:solidFill>
-                      <a:schemeClr val="dk1"/>
-                    </a:solidFill>
-                    <a:latin typeface="Arial"/>
-                    <a:ea typeface="Arial"/>
-                    <a:cs typeface="Arial"/>
-                    <a:sym typeface="Arial"/>
-                  </a:rPr>
-                  <a:t>Collaboration with computing facilities</a:t>
-                </a:r>
-                <a:endParaRPr sz="1600" b="0" i="0" u="none" strike="noStrike" cap="none" dirty="0">
-                  <a:solidFill>
-                    <a:schemeClr val="dk1"/>
-                  </a:solidFill>
-                  <a:latin typeface="Arial"/>
-                  <a:ea typeface="Arial"/>
-                  <a:cs typeface="Arial"/>
-                  <a:sym typeface="Arial"/>
-                </a:endParaRPr>
-              </a:p>
-              <a:p>
-                <a:pPr marL="692150" marR="0" lvl="0" indent="-233362" algn="l" rtl="0">
-                  <a:lnSpc>
-                    <a:spcPct val="100000"/>
-                  </a:lnSpc>
-                  <a:spcBef>
-                    <a:spcPts val="0"/>
-                  </a:spcBef>
-                  <a:spcAft>
-                    <a:spcPts val="0"/>
-                  </a:spcAft>
-                  <a:buClr>
-                    <a:schemeClr val="dk1"/>
-                  </a:buClr>
-                  <a:buSzPts val="1400"/>
-                  <a:buFont typeface="Arial"/>
-                  <a:buChar char="●"/>
-                </a:pPr>
-                <a:r>
-                  <a:rPr lang="en-US" sz="1600" b="0" i="0" u="none" strike="noStrike" cap="none" dirty="0">
-                    <a:solidFill>
-                      <a:schemeClr val="dk1"/>
-                    </a:solidFill>
-                    <a:latin typeface="Arial"/>
-                    <a:ea typeface="Arial"/>
-                    <a:cs typeface="Arial"/>
-                    <a:sym typeface="Arial"/>
-                  </a:rPr>
-                  <a:t>Webinars, tutorials, events</a:t>
-                </a:r>
-                <a:endParaRPr dirty="0"/>
-              </a:p>
-              <a:p>
-                <a:pPr marL="692150" marR="0" lvl="0" indent="-233362" algn="l" rtl="0">
-                  <a:lnSpc>
-                    <a:spcPct val="100000"/>
-                  </a:lnSpc>
-                  <a:spcBef>
-                    <a:spcPts val="0"/>
-                  </a:spcBef>
-                  <a:spcAft>
-                    <a:spcPts val="0"/>
-                  </a:spcAft>
-                  <a:buClr>
-                    <a:schemeClr val="dk1"/>
-                  </a:buClr>
-                  <a:buSzPts val="1400"/>
-                  <a:buFont typeface="Arial"/>
-                  <a:buChar char="●"/>
-                </a:pPr>
-                <a:r>
-                  <a:rPr lang="en-US" sz="1600" b="0" i="1" u="none" strike="noStrike" cap="none" dirty="0" err="1">
-                    <a:solidFill>
-                      <a:schemeClr val="dk1"/>
-                    </a:solidFill>
-                    <a:latin typeface="Arial"/>
-                    <a:ea typeface="Arial"/>
-                    <a:cs typeface="Arial"/>
-                    <a:sym typeface="Arial"/>
-                  </a:rPr>
-                  <a:t>WhatIs</a:t>
-                </a:r>
-                <a:r>
-                  <a:rPr lang="en-US" sz="1600" b="0" i="0" u="none" strike="noStrike" cap="none" dirty="0">
-                    <a:solidFill>
-                      <a:schemeClr val="dk1"/>
-                    </a:solidFill>
-                    <a:latin typeface="Arial"/>
-                    <a:ea typeface="Arial"/>
-                    <a:cs typeface="Arial"/>
-                    <a:sym typeface="Arial"/>
-                  </a:rPr>
-                  <a:t> and </a:t>
-                </a:r>
-                <a:r>
-                  <a:rPr lang="en-US" sz="1600" b="0" i="1" u="none" strike="noStrike" cap="none" dirty="0" err="1">
-                    <a:solidFill>
-                      <a:schemeClr val="dk1"/>
-                    </a:solidFill>
-                    <a:latin typeface="Arial"/>
-                    <a:ea typeface="Arial"/>
-                    <a:cs typeface="Arial"/>
-                    <a:sym typeface="Arial"/>
-                  </a:rPr>
-                  <a:t>HowTo</a:t>
-                </a:r>
-                <a:r>
-                  <a:rPr lang="en-US" sz="1600" b="0" i="1" u="none" strike="noStrike" cap="none" dirty="0">
-                    <a:solidFill>
-                      <a:schemeClr val="dk1"/>
-                    </a:solidFill>
-                    <a:latin typeface="Arial"/>
-                    <a:ea typeface="Arial"/>
-                    <a:cs typeface="Arial"/>
-                    <a:sym typeface="Arial"/>
-                  </a:rPr>
-                  <a:t> </a:t>
-                </a:r>
-                <a:r>
-                  <a:rPr lang="en-US" sz="1600" b="0" i="0" u="none" strike="noStrike" cap="none" dirty="0">
-                    <a:solidFill>
-                      <a:schemeClr val="dk1"/>
-                    </a:solidFill>
-                    <a:latin typeface="Arial"/>
-                    <a:ea typeface="Arial"/>
-                    <a:cs typeface="Arial"/>
-                    <a:sym typeface="Arial"/>
-                  </a:rPr>
-                  <a:t>docs</a:t>
-                </a:r>
-                <a:endParaRPr dirty="0"/>
-              </a:p>
-              <a:p>
-                <a:pPr marL="692150" marR="0" lvl="0" indent="-233362" algn="l" rtl="0">
-                  <a:lnSpc>
-                    <a:spcPct val="100000"/>
-                  </a:lnSpc>
-                  <a:spcBef>
-                    <a:spcPts val="0"/>
-                  </a:spcBef>
-                  <a:spcAft>
-                    <a:spcPts val="0"/>
-                  </a:spcAft>
-                  <a:buClr>
-                    <a:schemeClr val="dk1"/>
-                  </a:buClr>
-                  <a:buSzPts val="1400"/>
-                  <a:buFont typeface="Arial"/>
-                  <a:buChar char="●"/>
-                </a:pPr>
-                <a:r>
-                  <a:rPr lang="en-US" sz="1600" b="0" i="0" u="none" strike="noStrike" cap="none" dirty="0">
-                    <a:solidFill>
-                      <a:schemeClr val="dk1"/>
-                    </a:solidFill>
-                    <a:latin typeface="Arial"/>
-                    <a:ea typeface="Arial"/>
-                    <a:cs typeface="Arial"/>
-                    <a:sym typeface="Arial"/>
-                  </a:rPr>
-                  <a:t>Better Scientific Software site (</a:t>
-                </a:r>
-                <a:r>
-                  <a:rPr lang="en-US" sz="1600" b="0" i="0" u="sng" strike="noStrike" cap="none" dirty="0">
-                    <a:solidFill>
-                      <a:srgbClr val="A03123"/>
-                    </a:solidFill>
-                    <a:latin typeface="Arial"/>
-                    <a:ea typeface="Arial"/>
-                    <a:cs typeface="Arial"/>
-                    <a:sym typeface="Arial"/>
-                    <a:hlinkClick r:id="rId2"/>
-                  </a:rPr>
-                  <a:t>https://bssw.io</a:t>
-                </a:r>
-                <a:r>
-                  <a:rPr lang="en-US" sz="1600" b="0" i="0" u="none" strike="noStrike" cap="none" dirty="0">
-                    <a:solidFill>
-                      <a:schemeClr val="dk1"/>
-                    </a:solidFill>
-                    <a:latin typeface="Arial"/>
-                    <a:ea typeface="Arial"/>
-                    <a:cs typeface="Arial"/>
-                    <a:sym typeface="Arial"/>
-                  </a:rPr>
-                  <a:t>)</a:t>
-                </a:r>
-                <a:endParaRPr dirty="0"/>
-              </a:p>
-            </p:txBody>
-          </p:sp>
-          <p:sp>
-            <p:nvSpPr>
-              <p:cNvPr id="28" name="Google Shape;76;p9">
-                <a:extLst>
-                  <a:ext uri="{FF2B5EF4-FFF2-40B4-BE49-F238E27FC236}">
-                    <a16:creationId xmlns:a16="http://schemas.microsoft.com/office/drawing/2014/main" id="{D7CAEDC5-F6CF-4E0C-A87C-8496F3F04CBB}"/>
-                  </a:ext>
-                </a:extLst>
-              </p:cNvPr>
-              <p:cNvSpPr/>
-              <p:nvPr/>
-            </p:nvSpPr>
-            <p:spPr>
-              <a:xfrm flipH="1">
-                <a:off x="4344800" y="1807379"/>
-                <a:ext cx="1063800" cy="729600"/>
-              </a:xfrm>
-              <a:custGeom>
-                <a:avLst/>
-                <a:gdLst/>
-                <a:ahLst/>
-                <a:cxnLst/>
-                <a:rect l="l" t="t" r="r" b="b"/>
-                <a:pathLst>
-                  <a:path w="120000" h="120000" extrusionOk="0">
-                    <a:moveTo>
-                      <a:pt x="120000" y="0"/>
-                    </a:moveTo>
-                    <a:cubicBezTo>
-                      <a:pt x="120000" y="120000"/>
-                      <a:pt x="120000" y="120000"/>
-                      <a:pt x="120000" y="120000"/>
-                    </a:cubicBezTo>
-                    <a:cubicBezTo>
-                      <a:pt x="0" y="120000"/>
-                      <a:pt x="0" y="120000"/>
-                      <a:pt x="0" y="120000"/>
-                    </a:cubicBezTo>
-                    <a:cubicBezTo>
-                      <a:pt x="13056" y="53750"/>
-                      <a:pt x="61761" y="3250"/>
-                      <a:pt x="120000" y="0"/>
-                    </a:cubicBezTo>
-                    <a:close/>
-                  </a:path>
-                </a:pathLst>
-              </a:custGeom>
-              <a:gradFill>
-                <a:gsLst>
-                  <a:gs pos="0">
-                    <a:srgbClr val="DCECD5"/>
-                  </a:gs>
-                  <a:gs pos="100000">
-                    <a:srgbClr val="93BC81"/>
-                  </a:gs>
-                </a:gsLst>
-                <a:path path="circle">
-                  <a:fillToRect l="50000" t="50000" r="50000" b="50000"/>
-                </a:path>
-                <a:tileRect/>
-              </a:gradFill>
-              <a:ln>
-                <a:noFill/>
-              </a:ln>
-            </p:spPr>
-            <p:txBody>
-              <a:bodyPr spcFirstLastPara="1" wrap="square" lIns="91425" tIns="45700" rIns="91425" bIns="45700" anchor="t" anchorCtr="0">
-                <a:noAutofit/>
-              </a:bodyPr>
-              <a:lstStyle/>
-              <a:p>
-                <a:pPr marL="0" marR="0" lvl="0" indent="0" algn="l" rtl="0">
-                  <a:lnSpc>
-                    <a:spcPct val="100000"/>
-                  </a:lnSpc>
-                  <a:spcBef>
-                    <a:spcPts val="0"/>
-                  </a:spcBef>
-                  <a:spcAft>
-                    <a:spcPts val="0"/>
-                  </a:spcAft>
-                  <a:buClr>
-                    <a:schemeClr val="dk1"/>
-                  </a:buClr>
-                  <a:buSzPts val="2400"/>
-                  <a:buFont typeface="Arial"/>
-                  <a:buNone/>
-                </a:pPr>
-                <a:endParaRPr sz="2400" b="0" i="0" u="none" strike="noStrike" cap="none">
-                  <a:solidFill>
-                    <a:schemeClr val="dk1"/>
-                  </a:solidFill>
-                  <a:latin typeface="Calibri"/>
-                  <a:ea typeface="Calibri"/>
-                  <a:cs typeface="Calibri"/>
-                  <a:sym typeface="Calibri"/>
-                </a:endParaRPr>
-              </a:p>
-            </p:txBody>
-          </p:sp>
-          <p:sp>
-            <p:nvSpPr>
-              <p:cNvPr id="29" name="Google Shape;77;p9">
-                <a:extLst>
-                  <a:ext uri="{FF2B5EF4-FFF2-40B4-BE49-F238E27FC236}">
-                    <a16:creationId xmlns:a16="http://schemas.microsoft.com/office/drawing/2014/main" id="{8DA9F7D6-524D-460C-9EE9-77EC25DC40DC}"/>
-                  </a:ext>
-                </a:extLst>
-              </p:cNvPr>
-              <p:cNvSpPr/>
-              <p:nvPr/>
-            </p:nvSpPr>
-            <p:spPr>
-              <a:xfrm flipH="1">
-                <a:off x="4344800" y="2531025"/>
-                <a:ext cx="1071450" cy="793200"/>
-              </a:xfrm>
-              <a:custGeom>
-                <a:avLst/>
-                <a:gdLst/>
-                <a:ahLst/>
-                <a:cxnLst/>
-                <a:rect l="l" t="t" r="r" b="b"/>
-                <a:pathLst>
-                  <a:path w="120000" h="120000" extrusionOk="0">
-                    <a:moveTo>
-                      <a:pt x="120000" y="0"/>
-                    </a:moveTo>
-                    <a:cubicBezTo>
-                      <a:pt x="120000" y="120000"/>
-                      <a:pt x="120000" y="120000"/>
-                      <a:pt x="120000" y="120000"/>
-                    </a:cubicBezTo>
-                    <a:cubicBezTo>
-                      <a:pt x="36040" y="120000"/>
-                      <a:pt x="36040" y="120000"/>
-                      <a:pt x="36040" y="120000"/>
-                    </a:cubicBezTo>
-                    <a:cubicBezTo>
-                      <a:pt x="36040" y="120000"/>
-                      <a:pt x="36040" y="120000"/>
-                      <a:pt x="36040" y="120000"/>
-                    </a:cubicBezTo>
-                    <a:cubicBezTo>
-                      <a:pt x="14295" y="94809"/>
-                      <a:pt x="805" y="60458"/>
-                      <a:pt x="201" y="22671"/>
-                    </a:cubicBezTo>
-                    <a:cubicBezTo>
-                      <a:pt x="0" y="15114"/>
-                      <a:pt x="604" y="7328"/>
-                      <a:pt x="1409" y="0"/>
-                    </a:cubicBezTo>
-                    <a:lnTo>
-                      <a:pt x="120000" y="0"/>
-                    </a:lnTo>
-                    <a:close/>
-                  </a:path>
-                </a:pathLst>
-              </a:custGeom>
-              <a:gradFill>
-                <a:gsLst>
-                  <a:gs pos="0">
-                    <a:srgbClr val="DCECD5"/>
-                  </a:gs>
-                  <a:gs pos="100000">
-                    <a:srgbClr val="93BC81"/>
-                  </a:gs>
-                </a:gsLst>
-                <a:path path="circle">
-                  <a:fillToRect l="50000" t="50000" r="50000" b="50000"/>
-                </a:path>
-                <a:tileRect/>
-              </a:gradFill>
-              <a:ln>
-                <a:noFill/>
-              </a:ln>
-            </p:spPr>
-            <p:txBody>
-              <a:bodyPr spcFirstLastPara="1" wrap="square" lIns="91425" tIns="45700" rIns="91425" bIns="45700" anchor="t" anchorCtr="0">
-                <a:noAutofit/>
-              </a:bodyPr>
-              <a:lstStyle/>
-              <a:p>
-                <a:pPr marL="0" marR="0" lvl="0" indent="0" algn="l" rtl="0">
-                  <a:lnSpc>
-                    <a:spcPct val="100000"/>
-                  </a:lnSpc>
-                  <a:spcBef>
-                    <a:spcPts val="0"/>
-                  </a:spcBef>
-                  <a:spcAft>
-                    <a:spcPts val="0"/>
-                  </a:spcAft>
-                  <a:buClr>
-                    <a:schemeClr val="dk1"/>
-                  </a:buClr>
-                  <a:buSzPts val="2400"/>
-                  <a:buFont typeface="Arial"/>
-                  <a:buNone/>
-                </a:pPr>
-                <a:endParaRPr sz="2400" b="0" i="0" u="none" strike="noStrike" cap="none">
-                  <a:solidFill>
-                    <a:schemeClr val="dk1"/>
-                  </a:solidFill>
-                  <a:latin typeface="Calibri"/>
-                  <a:ea typeface="Calibri"/>
-                  <a:cs typeface="Calibri"/>
-                  <a:sym typeface="Calibri"/>
-                </a:endParaRPr>
-              </a:p>
-            </p:txBody>
-          </p:sp>
-          <p:cxnSp>
-            <p:nvCxnSpPr>
-              <p:cNvPr id="30" name="Google Shape;78;p9">
-                <a:extLst>
-                  <a:ext uri="{FF2B5EF4-FFF2-40B4-BE49-F238E27FC236}">
-                    <a16:creationId xmlns:a16="http://schemas.microsoft.com/office/drawing/2014/main" id="{8D3B1520-64BC-4139-9B09-09AAFE1B1689}"/>
-                  </a:ext>
-                </a:extLst>
-              </p:cNvPr>
-              <p:cNvCxnSpPr/>
-              <p:nvPr/>
-            </p:nvCxnSpPr>
-            <p:spPr>
-              <a:xfrm>
-                <a:off x="5383744" y="3412972"/>
-                <a:ext cx="3419100" cy="1270"/>
-              </a:xfrm>
-              <a:prstGeom prst="straightConnector1">
-                <a:avLst/>
-              </a:prstGeom>
-              <a:noFill/>
-              <a:ln w="19050" cap="flat" cmpd="sng">
-                <a:solidFill>
-                  <a:schemeClr val="dk2"/>
-                </a:solidFill>
-                <a:prstDash val="solid"/>
-                <a:round/>
-                <a:headEnd type="none" w="sm" len="sm"/>
-                <a:tailEnd type="none" w="sm" len="sm"/>
-              </a:ln>
-            </p:spPr>
-          </p:cxnSp>
-          <p:cxnSp>
-            <p:nvCxnSpPr>
-              <p:cNvPr id="31" name="Google Shape;79;p9">
-                <a:extLst>
-                  <a:ext uri="{FF2B5EF4-FFF2-40B4-BE49-F238E27FC236}">
-                    <a16:creationId xmlns:a16="http://schemas.microsoft.com/office/drawing/2014/main" id="{720B098A-89CB-498B-A342-6048A12876BE}"/>
-                  </a:ext>
-                </a:extLst>
-              </p:cNvPr>
-              <p:cNvCxnSpPr/>
-              <p:nvPr/>
-            </p:nvCxnSpPr>
-            <p:spPr>
-              <a:xfrm>
-                <a:off x="4723494" y="4887001"/>
-                <a:ext cx="3930649" cy="0"/>
-              </a:xfrm>
-              <a:prstGeom prst="straightConnector1">
-                <a:avLst/>
-              </a:prstGeom>
-              <a:noFill/>
-              <a:ln w="19050" cap="flat" cmpd="sng">
-                <a:solidFill>
-                  <a:schemeClr val="dk2"/>
-                </a:solidFill>
-                <a:prstDash val="solid"/>
-                <a:round/>
-                <a:headEnd type="none" w="sm" len="sm"/>
-                <a:tailEnd type="none" w="sm" len="sm"/>
-              </a:ln>
-            </p:spPr>
-          </p:cxnSp>
-          <p:cxnSp>
-            <p:nvCxnSpPr>
-              <p:cNvPr id="32" name="Google Shape;80;p9">
-                <a:extLst>
-                  <a:ext uri="{FF2B5EF4-FFF2-40B4-BE49-F238E27FC236}">
-                    <a16:creationId xmlns:a16="http://schemas.microsoft.com/office/drawing/2014/main" id="{D75834CA-34FA-42CE-ABD5-DA0DC0938793}"/>
-                  </a:ext>
-                </a:extLst>
-              </p:cNvPr>
-              <p:cNvCxnSpPr/>
-              <p:nvPr/>
-            </p:nvCxnSpPr>
-            <p:spPr>
-              <a:xfrm>
-                <a:off x="379633" y="3413607"/>
-                <a:ext cx="2821871" cy="0"/>
-              </a:xfrm>
-              <a:prstGeom prst="straightConnector1">
-                <a:avLst/>
-              </a:prstGeom>
-              <a:noFill/>
-              <a:ln w="19050" cap="flat" cmpd="sng">
-                <a:solidFill>
-                  <a:schemeClr val="dk2"/>
-                </a:solidFill>
-                <a:prstDash val="solid"/>
-                <a:round/>
-                <a:headEnd type="none" w="sm" len="sm"/>
-                <a:tailEnd type="none" w="sm" len="sm"/>
-              </a:ln>
-            </p:spPr>
-          </p:cxnSp>
-          <p:cxnSp>
-            <p:nvCxnSpPr>
-              <p:cNvPr id="33" name="Google Shape;81;p9">
-                <a:extLst>
-                  <a:ext uri="{FF2B5EF4-FFF2-40B4-BE49-F238E27FC236}">
-                    <a16:creationId xmlns:a16="http://schemas.microsoft.com/office/drawing/2014/main" id="{E4895343-890B-40EA-90BB-A08B94660608}"/>
-                  </a:ext>
-                </a:extLst>
-              </p:cNvPr>
-              <p:cNvCxnSpPr/>
-              <p:nvPr/>
-            </p:nvCxnSpPr>
-            <p:spPr>
-              <a:xfrm>
-                <a:off x="379633" y="4883864"/>
-                <a:ext cx="3500404" cy="6275"/>
-              </a:xfrm>
-              <a:prstGeom prst="straightConnector1">
-                <a:avLst/>
-              </a:prstGeom>
-              <a:noFill/>
-              <a:ln w="19050" cap="flat" cmpd="sng">
-                <a:solidFill>
-                  <a:schemeClr val="dk2"/>
-                </a:solidFill>
-                <a:prstDash val="solid"/>
-                <a:round/>
-                <a:headEnd type="none" w="sm" len="sm"/>
-                <a:tailEnd type="none" w="sm" len="sm"/>
-              </a:ln>
-            </p:spPr>
-          </p:cxnSp>
-          <p:sp>
-            <p:nvSpPr>
-              <p:cNvPr id="34" name="Google Shape;82;p9">
-                <a:extLst>
-                  <a:ext uri="{FF2B5EF4-FFF2-40B4-BE49-F238E27FC236}">
-                    <a16:creationId xmlns:a16="http://schemas.microsoft.com/office/drawing/2014/main" id="{18611CA9-32ED-45DC-9609-38B8381D8D7D}"/>
-                  </a:ext>
-                </a:extLst>
-              </p:cNvPr>
-              <p:cNvSpPr/>
-              <p:nvPr/>
-            </p:nvSpPr>
-            <p:spPr>
-              <a:xfrm>
-                <a:off x="397559" y="1986799"/>
-                <a:ext cx="263400" cy="255000"/>
-              </a:xfrm>
-              <a:prstGeom prst="ellipse">
-                <a:avLst/>
-              </a:prstGeom>
-              <a:gradFill>
-                <a:gsLst>
-                  <a:gs pos="0">
-                    <a:srgbClr val="FFF6DB"/>
-                  </a:gs>
-                  <a:gs pos="100000">
-                    <a:srgbClr val="FAD25C"/>
-                  </a:gs>
-                </a:gsLst>
-                <a:path path="circle">
-                  <a:fillToRect l="50000" t="50000" r="50000" b="50000"/>
-                </a:path>
-                <a:tileRect/>
-              </a:gradFill>
-              <a:ln w="9525" cap="flat" cmpd="sng">
-                <a:solidFill>
-                  <a:schemeClr val="dk2"/>
-                </a:solidFill>
-                <a:prstDash val="solid"/>
-                <a:round/>
-                <a:headEnd type="none" w="sm" len="sm"/>
-                <a:tailEnd type="none" w="sm" len="sm"/>
-              </a:ln>
-            </p:spPr>
-            <p:txBody>
-              <a:bodyPr spcFirstLastPara="1" wrap="square" lIns="91425" tIns="91425" rIns="91425" bIns="91425" anchor="ctr" anchorCtr="0">
-                <a:noAutofit/>
-              </a:bodyPr>
-              <a:lstStyle/>
-              <a:p>
-                <a:pPr marL="9525" marR="0" lvl="0" indent="0" algn="l" rtl="0">
-                  <a:spcBef>
-                    <a:spcPts val="0"/>
-                  </a:spcBef>
-                  <a:spcAft>
-                    <a:spcPts val="0"/>
-                  </a:spcAft>
-                  <a:buClr>
-                    <a:schemeClr val="dk1"/>
-                  </a:buClr>
-                  <a:buSzPts val="1600"/>
-                  <a:buFont typeface="Arial"/>
-                  <a:buNone/>
-                </a:pPr>
-                <a:r>
-                  <a:rPr lang="en-US" sz="1600" b="1" i="0" u="none" strike="noStrike" cap="none">
-                    <a:solidFill>
-                      <a:schemeClr val="dk1"/>
-                    </a:solidFill>
-                    <a:latin typeface="Arial"/>
-                    <a:ea typeface="Arial"/>
-                    <a:cs typeface="Arial"/>
-                    <a:sym typeface="Arial"/>
-                  </a:rPr>
-                  <a:t>1</a:t>
-                </a:r>
-                <a:endParaRPr sz="1600" b="1" i="0" u="none" strike="noStrike" cap="none">
-                  <a:solidFill>
-                    <a:schemeClr val="dk1"/>
-                  </a:solidFill>
-                  <a:latin typeface="Arial"/>
-                  <a:ea typeface="Arial"/>
-                  <a:cs typeface="Arial"/>
-                  <a:sym typeface="Arial"/>
-                </a:endParaRPr>
-              </a:p>
-            </p:txBody>
-          </p:sp>
-          <p:sp>
-            <p:nvSpPr>
-              <p:cNvPr id="35" name="Google Shape;83;p9">
-                <a:extLst>
-                  <a:ext uri="{FF2B5EF4-FFF2-40B4-BE49-F238E27FC236}">
-                    <a16:creationId xmlns:a16="http://schemas.microsoft.com/office/drawing/2014/main" id="{2C24D25F-8447-4B42-8310-00C76F6EB773}"/>
-                  </a:ext>
-                </a:extLst>
-              </p:cNvPr>
-              <p:cNvSpPr/>
-              <p:nvPr/>
-            </p:nvSpPr>
-            <p:spPr>
-              <a:xfrm>
-                <a:off x="350089" y="3600278"/>
-                <a:ext cx="263400" cy="255000"/>
-              </a:xfrm>
-              <a:prstGeom prst="ellipse">
-                <a:avLst/>
-              </a:prstGeom>
-              <a:gradFill>
-                <a:gsLst>
-                  <a:gs pos="0">
-                    <a:srgbClr val="F5D0D0"/>
-                  </a:gs>
-                  <a:gs pos="100000">
-                    <a:srgbClr val="D96868"/>
-                  </a:gs>
-                </a:gsLst>
-                <a:path path="circle">
-                  <a:fillToRect l="50000" t="50000" r="50000" b="50000"/>
-                </a:path>
-                <a:tileRect/>
-              </a:gradFill>
-              <a:ln w="9525" cap="flat" cmpd="sng">
-                <a:solidFill>
-                  <a:schemeClr val="dk2"/>
-                </a:solidFill>
-                <a:prstDash val="solid"/>
-                <a:round/>
-                <a:headEnd type="none" w="sm" len="sm"/>
-                <a:tailEnd type="none" w="sm" len="sm"/>
-              </a:ln>
-            </p:spPr>
-            <p:txBody>
-              <a:bodyPr spcFirstLastPara="1" wrap="square" lIns="91425" tIns="91425" rIns="91425" bIns="91425" anchor="ctr" anchorCtr="0">
-                <a:noAutofit/>
-              </a:bodyPr>
-              <a:lstStyle/>
-              <a:p>
-                <a:pPr marL="0" marR="0" lvl="0" indent="0" algn="ctr" rtl="0">
-                  <a:spcBef>
-                    <a:spcPts val="0"/>
-                  </a:spcBef>
-                  <a:spcAft>
-                    <a:spcPts val="0"/>
-                  </a:spcAft>
-                  <a:buClr>
-                    <a:schemeClr val="dk1"/>
-                  </a:buClr>
-                  <a:buSzPts val="1600"/>
-                  <a:buFont typeface="Arial"/>
-                  <a:buNone/>
-                </a:pPr>
-                <a:r>
-                  <a:rPr lang="en-US" sz="1600" b="1" i="0" u="none" strike="noStrike" cap="none">
-                    <a:solidFill>
-                      <a:schemeClr val="dk1"/>
-                    </a:solidFill>
-                    <a:latin typeface="Arial"/>
-                    <a:ea typeface="Arial"/>
-                    <a:cs typeface="Arial"/>
-                    <a:sym typeface="Arial"/>
-                  </a:rPr>
-                  <a:t>2</a:t>
-                </a:r>
-                <a:endParaRPr sz="1600" b="1" i="0" u="none" strike="noStrike" cap="none">
-                  <a:solidFill>
-                    <a:schemeClr val="dk1"/>
-                  </a:solidFill>
-                  <a:latin typeface="Arial"/>
-                  <a:ea typeface="Arial"/>
-                  <a:cs typeface="Arial"/>
-                  <a:sym typeface="Arial"/>
-                </a:endParaRPr>
-              </a:p>
-            </p:txBody>
-          </p:sp>
-          <p:sp>
-            <p:nvSpPr>
-              <p:cNvPr id="36" name="Google Shape;84;p9">
-                <a:extLst>
-                  <a:ext uri="{FF2B5EF4-FFF2-40B4-BE49-F238E27FC236}">
-                    <a16:creationId xmlns:a16="http://schemas.microsoft.com/office/drawing/2014/main" id="{B1F891F8-F5F3-4A6F-818E-C81D0463E94E}"/>
-                  </a:ext>
-                </a:extLst>
-              </p:cNvPr>
-              <p:cNvSpPr/>
-              <p:nvPr/>
-            </p:nvSpPr>
-            <p:spPr>
-              <a:xfrm>
-                <a:off x="5342743" y="1986799"/>
-                <a:ext cx="263400" cy="255000"/>
-              </a:xfrm>
-              <a:prstGeom prst="ellipse">
-                <a:avLst/>
-              </a:prstGeom>
-              <a:gradFill>
-                <a:gsLst>
-                  <a:gs pos="0">
-                    <a:srgbClr val="DCECD5"/>
-                  </a:gs>
-                  <a:gs pos="100000">
-                    <a:srgbClr val="93BC81"/>
-                  </a:gs>
-                </a:gsLst>
-                <a:path path="circle">
-                  <a:fillToRect l="50000" t="50000" r="50000" b="50000"/>
-                </a:path>
-                <a:tileRect/>
-              </a:gradFill>
-              <a:ln w="9525" cap="flat" cmpd="sng">
-                <a:solidFill>
-                  <a:schemeClr val="dk2"/>
-                </a:solidFill>
-                <a:prstDash val="solid"/>
-                <a:round/>
-                <a:headEnd type="none" w="sm" len="sm"/>
-                <a:tailEnd type="none" w="sm" len="sm"/>
-              </a:ln>
-            </p:spPr>
-            <p:txBody>
-              <a:bodyPr spcFirstLastPara="1" wrap="square" lIns="91425" tIns="91425" rIns="91425" bIns="91425" anchor="ctr" anchorCtr="0">
-                <a:noAutofit/>
-              </a:bodyPr>
-              <a:lstStyle/>
-              <a:p>
-                <a:pPr marL="0" marR="0" lvl="0" indent="0" algn="ctr" rtl="0">
-                  <a:spcBef>
-                    <a:spcPts val="0"/>
-                  </a:spcBef>
-                  <a:spcAft>
-                    <a:spcPts val="0"/>
-                  </a:spcAft>
-                  <a:buClr>
-                    <a:schemeClr val="dk1"/>
-                  </a:buClr>
-                  <a:buSzPts val="1600"/>
-                  <a:buFont typeface="Arial"/>
-                  <a:buNone/>
-                </a:pPr>
-                <a:r>
-                  <a:rPr lang="en-US" sz="1600" b="1" i="0" u="none" strike="noStrike" cap="none">
-                    <a:solidFill>
-                      <a:schemeClr val="dk1"/>
-                    </a:solidFill>
-                    <a:latin typeface="Arial"/>
-                    <a:ea typeface="Arial"/>
-                    <a:cs typeface="Arial"/>
-                    <a:sym typeface="Arial"/>
-                  </a:rPr>
-                  <a:t>3</a:t>
-                </a:r>
-                <a:endParaRPr sz="1600" b="1" i="0" u="none" strike="noStrike" cap="none">
-                  <a:solidFill>
-                    <a:schemeClr val="dk1"/>
-                  </a:solidFill>
-                  <a:latin typeface="Arial"/>
-                  <a:ea typeface="Arial"/>
-                  <a:cs typeface="Arial"/>
-                  <a:sym typeface="Arial"/>
-                </a:endParaRPr>
-              </a:p>
-            </p:txBody>
-          </p:sp>
-          <p:sp>
-            <p:nvSpPr>
-              <p:cNvPr id="37" name="Google Shape;85;p9">
-                <a:extLst>
-                  <a:ext uri="{FF2B5EF4-FFF2-40B4-BE49-F238E27FC236}">
-                    <a16:creationId xmlns:a16="http://schemas.microsoft.com/office/drawing/2014/main" id="{5829F924-7306-49ED-926F-017D0F9F7F10}"/>
-                  </a:ext>
-                </a:extLst>
-              </p:cNvPr>
-              <p:cNvSpPr/>
-              <p:nvPr/>
-            </p:nvSpPr>
-            <p:spPr>
-              <a:xfrm>
-                <a:off x="5030156" y="3613399"/>
-                <a:ext cx="263400" cy="265869"/>
-              </a:xfrm>
-              <a:prstGeom prst="ellipse">
-                <a:avLst/>
-              </a:prstGeom>
-              <a:gradFill>
-                <a:gsLst>
-                  <a:gs pos="0">
-                    <a:srgbClr val="DFE9FB"/>
-                  </a:gs>
-                  <a:gs pos="100000">
-                    <a:srgbClr val="6E9BE7"/>
-                  </a:gs>
-                </a:gsLst>
-                <a:path path="circle">
-                  <a:fillToRect l="50000" t="50000" r="50000" b="50000"/>
-                </a:path>
-                <a:tileRect/>
-              </a:gradFill>
-              <a:ln w="9525" cap="flat" cmpd="sng">
-                <a:solidFill>
-                  <a:schemeClr val="dk2"/>
-                </a:solidFill>
-                <a:prstDash val="solid"/>
-                <a:round/>
-                <a:headEnd type="none" w="sm" len="sm"/>
-                <a:tailEnd type="none" w="sm" len="sm"/>
-              </a:ln>
-            </p:spPr>
-            <p:txBody>
-              <a:bodyPr spcFirstLastPara="1" wrap="square" lIns="91425" tIns="91425" rIns="91425" bIns="91425" anchor="ctr" anchorCtr="0">
-                <a:noAutofit/>
-              </a:bodyPr>
-              <a:lstStyle/>
-              <a:p>
-                <a:pPr marL="0" marR="0" lvl="0" indent="0" algn="ctr" rtl="0">
-                  <a:spcBef>
-                    <a:spcPts val="0"/>
-                  </a:spcBef>
-                  <a:spcAft>
-                    <a:spcPts val="0"/>
-                  </a:spcAft>
-                  <a:buClr>
-                    <a:srgbClr val="000000"/>
-                  </a:buClr>
-                  <a:buSzPts val="1100"/>
-                  <a:buFont typeface="Arial"/>
-                  <a:buNone/>
-                </a:pPr>
-                <a:r>
-                  <a:rPr lang="en-US" sz="1600" b="1" i="0" u="none" strike="noStrike" cap="none">
-                    <a:solidFill>
-                      <a:schemeClr val="dk1"/>
-                    </a:solidFill>
-                    <a:latin typeface="Arial"/>
-                    <a:ea typeface="Arial"/>
-                    <a:cs typeface="Arial"/>
-                    <a:sym typeface="Arial"/>
-                  </a:rPr>
-                  <a:t>4</a:t>
-                </a:r>
-                <a:endParaRPr sz="1600" b="1" i="0" u="none" strike="noStrike" cap="none">
-                  <a:solidFill>
-                    <a:schemeClr val="dk1"/>
-                  </a:solidFill>
-                  <a:latin typeface="Arial"/>
-                  <a:ea typeface="Arial"/>
-                  <a:cs typeface="Arial"/>
-                  <a:sym typeface="Arial"/>
-                </a:endParaRPr>
-              </a:p>
-            </p:txBody>
-          </p:sp>
-        </p:grpSp>
-        <p:sp>
-          <p:nvSpPr>
-            <p:cNvPr id="6" name="Google Shape;86;p9">
-              <a:extLst>
-                <a:ext uri="{FF2B5EF4-FFF2-40B4-BE49-F238E27FC236}">
-                  <a16:creationId xmlns:a16="http://schemas.microsoft.com/office/drawing/2014/main" id="{57BFD3E3-9154-4FF6-923B-7CCC479FDA28}"/>
-                </a:ext>
-              </a:extLst>
-            </p:cNvPr>
-            <p:cNvSpPr/>
-            <p:nvPr/>
-          </p:nvSpPr>
-          <p:spPr>
-            <a:xfrm>
-              <a:off x="4940262" y="2485476"/>
-              <a:ext cx="484500" cy="584700"/>
-            </a:xfrm>
-            <a:prstGeom prst="verticalScroll">
-              <a:avLst>
-                <a:gd name="adj" fmla="val 25000"/>
-              </a:avLst>
-            </a:prstGeom>
-            <a:gradFill>
-              <a:gsLst>
-                <a:gs pos="0">
-                  <a:srgbClr val="51AB2A"/>
-                </a:gs>
-                <a:gs pos="100000">
-                  <a:srgbClr val="203E13"/>
-                </a:gs>
-              </a:gsLst>
-              <a:lin ang="5400012" scaled="0"/>
-            </a:gradFill>
-            <a:ln w="19050" cap="flat" cmpd="sng">
-              <a:solidFill>
-                <a:srgbClr val="4C1130"/>
-              </a:solidFill>
-              <a:prstDash val="solid"/>
-              <a:round/>
-              <a:headEnd type="none" w="sm" len="sm"/>
-              <a:tailEnd type="none" w="sm" len="sm"/>
-            </a:ln>
-            <a:effectLst>
-              <a:outerShdw blurRad="57150" dist="19050" dir="5400000" algn="bl" rotWithShape="0">
-                <a:srgbClr val="000000">
-                  <a:alpha val="49803"/>
-                </a:srgbClr>
-              </a:outerShdw>
-            </a:effectLst>
-          </p:spPr>
-          <p:txBody>
-            <a:bodyPr spcFirstLastPara="1" wrap="square" lIns="91425" tIns="91425" rIns="91425" bIns="91425" anchor="t" anchorCtr="0">
-              <a:noAutofit/>
-            </a:bodyPr>
-            <a:lstStyle/>
-            <a:p>
-              <a:pPr marL="0" marR="0" lvl="0" indent="0" algn="l" rtl="0">
-                <a:lnSpc>
-                  <a:spcPct val="100000"/>
-                </a:lnSpc>
-                <a:spcBef>
-                  <a:spcPts val="0"/>
-                </a:spcBef>
-                <a:spcAft>
-                  <a:spcPts val="0"/>
-                </a:spcAft>
-                <a:buClr>
-                  <a:srgbClr val="000000"/>
-                </a:buClr>
-                <a:buSzPts val="2400"/>
-                <a:buFont typeface="Arial"/>
-                <a:buNone/>
-              </a:pPr>
-              <a:endParaRPr sz="2400" b="0" i="0" u="none" strike="noStrike" cap="none">
-                <a:solidFill>
-                  <a:schemeClr val="dk1"/>
-                </a:solidFill>
-                <a:latin typeface="Calibri"/>
-                <a:ea typeface="Calibri"/>
-                <a:cs typeface="Calibri"/>
-                <a:sym typeface="Calibri"/>
-              </a:endParaRPr>
-            </a:p>
-          </p:txBody>
-        </p:sp>
-        <p:sp>
-          <p:nvSpPr>
-            <p:cNvPr id="7" name="Google Shape;87;p9">
-              <a:extLst>
-                <a:ext uri="{FF2B5EF4-FFF2-40B4-BE49-F238E27FC236}">
-                  <a16:creationId xmlns:a16="http://schemas.microsoft.com/office/drawing/2014/main" id="{B165E845-85BD-4214-B04E-E7F6D374BF47}"/>
-                </a:ext>
-              </a:extLst>
-            </p:cNvPr>
-            <p:cNvSpPr/>
-            <p:nvPr/>
-          </p:nvSpPr>
-          <p:spPr>
-            <a:xfrm>
-              <a:off x="5092662" y="2714076"/>
-              <a:ext cx="484500" cy="584700"/>
-            </a:xfrm>
-            <a:prstGeom prst="verticalScroll">
-              <a:avLst>
-                <a:gd name="adj" fmla="val 25000"/>
-              </a:avLst>
-            </a:prstGeom>
-            <a:gradFill>
-              <a:gsLst>
-                <a:gs pos="0">
-                  <a:srgbClr val="DB0000"/>
-                </a:gs>
-                <a:gs pos="100000">
-                  <a:srgbClr val="540303"/>
-                </a:gs>
-              </a:gsLst>
-              <a:lin ang="5400012" scaled="0"/>
-            </a:gradFill>
-            <a:ln w="19050" cap="flat" cmpd="sng">
-              <a:solidFill>
-                <a:srgbClr val="4C1130"/>
-              </a:solidFill>
-              <a:prstDash val="solid"/>
-              <a:round/>
-              <a:headEnd type="none" w="sm" len="sm"/>
-              <a:tailEnd type="none" w="sm" len="sm"/>
-            </a:ln>
-            <a:effectLst>
-              <a:outerShdw blurRad="57150" dist="19050" dir="5400000" algn="bl" rotWithShape="0">
-                <a:srgbClr val="000000">
-                  <a:alpha val="49803"/>
-                </a:srgbClr>
-              </a:outerShdw>
-            </a:effectLst>
-          </p:spPr>
-          <p:txBody>
-            <a:bodyPr spcFirstLastPara="1" wrap="square" lIns="91425" tIns="91425" rIns="91425" bIns="91425" anchor="t" anchorCtr="0">
-              <a:noAutofit/>
-            </a:bodyPr>
-            <a:lstStyle/>
-            <a:p>
-              <a:pPr marL="0" marR="0" lvl="0" indent="0" algn="l" rtl="0">
-                <a:lnSpc>
-                  <a:spcPct val="100000"/>
-                </a:lnSpc>
-                <a:spcBef>
-                  <a:spcPts val="0"/>
-                </a:spcBef>
-                <a:spcAft>
-                  <a:spcPts val="0"/>
-                </a:spcAft>
-                <a:buClr>
-                  <a:schemeClr val="dk1"/>
-                </a:buClr>
-                <a:buSzPts val="2400"/>
-                <a:buFont typeface="Arial"/>
-                <a:buNone/>
-              </a:pPr>
-              <a:endParaRPr sz="2400" b="0" i="0" u="none" strike="noStrike" cap="none">
-                <a:solidFill>
-                  <a:schemeClr val="dk1"/>
-                </a:solidFill>
-                <a:latin typeface="Calibri"/>
-                <a:ea typeface="Calibri"/>
-                <a:cs typeface="Calibri"/>
-                <a:sym typeface="Calibri"/>
-              </a:endParaRPr>
-            </a:p>
-          </p:txBody>
-        </p:sp>
-        <p:sp>
-          <p:nvSpPr>
-            <p:cNvPr id="8" name="Google Shape;88;p9">
-              <a:extLst>
-                <a:ext uri="{FF2B5EF4-FFF2-40B4-BE49-F238E27FC236}">
-                  <a16:creationId xmlns:a16="http://schemas.microsoft.com/office/drawing/2014/main" id="{CC9C3D10-C045-4E21-A1B4-5EFFA438CC5D}"/>
-                </a:ext>
-              </a:extLst>
-            </p:cNvPr>
-            <p:cNvSpPr/>
-            <p:nvPr/>
-          </p:nvSpPr>
-          <p:spPr>
-            <a:xfrm>
-              <a:off x="5245062" y="2942676"/>
-              <a:ext cx="484500" cy="584700"/>
-            </a:xfrm>
-            <a:prstGeom prst="verticalScroll">
-              <a:avLst>
-                <a:gd name="adj" fmla="val 25000"/>
-              </a:avLst>
-            </a:prstGeom>
-            <a:gradFill>
-              <a:gsLst>
-                <a:gs pos="0">
-                  <a:srgbClr val="DBD4EB"/>
-                </a:gs>
-                <a:gs pos="100000">
-                  <a:srgbClr val="9180BB"/>
-                </a:gs>
-              </a:gsLst>
-              <a:path path="circle">
-                <a:fillToRect l="50000" t="50000" r="50000" b="50000"/>
-              </a:path>
-              <a:tileRect/>
-            </a:gradFill>
-            <a:ln w="19050" cap="flat" cmpd="sng">
-              <a:solidFill>
-                <a:srgbClr val="4C1130"/>
-              </a:solidFill>
-              <a:prstDash val="solid"/>
-              <a:round/>
-              <a:headEnd type="none" w="sm" len="sm"/>
-              <a:tailEnd type="none" w="sm" len="sm"/>
-            </a:ln>
-            <a:effectLst>
-              <a:outerShdw blurRad="57150" dist="47625" dir="5400000" algn="bl" rotWithShape="0">
-                <a:srgbClr val="000000">
-                  <a:alpha val="49803"/>
-                </a:srgbClr>
-              </a:outerShdw>
-            </a:effectLst>
-          </p:spPr>
-          <p:txBody>
-            <a:bodyPr spcFirstLastPara="1" wrap="square" lIns="91425" tIns="91425" rIns="91425" bIns="91425" anchor="t" anchorCtr="0">
-              <a:noAutofit/>
-            </a:bodyPr>
-            <a:lstStyle/>
-            <a:p>
-              <a:pPr marL="0" marR="0" lvl="0" indent="0" algn="l" rtl="0">
-                <a:lnSpc>
-                  <a:spcPct val="100000"/>
-                </a:lnSpc>
-                <a:spcBef>
-                  <a:spcPts val="0"/>
-                </a:spcBef>
-                <a:spcAft>
-                  <a:spcPts val="0"/>
-                </a:spcAft>
-                <a:buClr>
-                  <a:schemeClr val="dk1"/>
-                </a:buClr>
-                <a:buSzPts val="2400"/>
-                <a:buFont typeface="Arial"/>
-                <a:buNone/>
-              </a:pPr>
-              <a:endParaRPr sz="2400" b="0" i="0" u="none" strike="noStrike" cap="none">
-                <a:solidFill>
-                  <a:schemeClr val="dk1"/>
-                </a:solidFill>
-                <a:latin typeface="Calibri"/>
-                <a:ea typeface="Calibri"/>
-                <a:cs typeface="Calibri"/>
-                <a:sym typeface="Calibri"/>
-              </a:endParaRPr>
-            </a:p>
-          </p:txBody>
-        </p:sp>
-        <p:sp>
-          <p:nvSpPr>
-            <p:cNvPr id="9" name="Google Shape;89;p9">
-              <a:extLst>
-                <a:ext uri="{FF2B5EF4-FFF2-40B4-BE49-F238E27FC236}">
-                  <a16:creationId xmlns:a16="http://schemas.microsoft.com/office/drawing/2014/main" id="{A9237D9A-44C6-4E6D-B56F-1B35E009A137}"/>
-                </a:ext>
-              </a:extLst>
-            </p:cNvPr>
-            <p:cNvSpPr/>
-            <p:nvPr/>
-          </p:nvSpPr>
-          <p:spPr>
-            <a:xfrm>
-              <a:off x="6240237" y="2776558"/>
-              <a:ext cx="178843" cy="232527"/>
-            </a:xfrm>
-            <a:prstGeom prst="ellipse">
-              <a:avLst/>
-            </a:prstGeom>
-            <a:solidFill>
-              <a:srgbClr val="741B47"/>
-            </a:solidFill>
-            <a:ln w="9525" cap="flat" cmpd="sng">
-              <a:solidFill>
-                <a:srgbClr val="434343"/>
-              </a:solidFill>
-              <a:prstDash val="solid"/>
-              <a:round/>
-              <a:headEnd type="none" w="sm" len="sm"/>
-              <a:tailEnd type="none" w="sm" len="sm"/>
-            </a:ln>
-            <a:effectLst>
-              <a:outerShdw blurRad="57150" dist="19050" dir="5400000" algn="bl" rotWithShape="0">
-                <a:srgbClr val="000000">
-                  <a:alpha val="49803"/>
-                </a:srgbClr>
-              </a:outerShdw>
-            </a:effectLst>
-          </p:spPr>
-          <p:txBody>
-            <a:bodyPr spcFirstLastPara="1" wrap="square" lIns="91425" tIns="45700" rIns="91425" bIns="45700" anchor="t" anchorCtr="0">
-              <a:noAutofit/>
-            </a:bodyPr>
-            <a:lstStyle/>
-            <a:p>
-              <a:pPr marL="0" marR="0" lvl="0" indent="0" algn="l" rtl="0">
-                <a:spcBef>
-                  <a:spcPts val="0"/>
-                </a:spcBef>
-                <a:spcAft>
-                  <a:spcPts val="0"/>
-                </a:spcAft>
-                <a:buClr>
-                  <a:schemeClr val="dk1"/>
-                </a:buClr>
-                <a:buSzPts val="2400"/>
-                <a:buFont typeface="Arial"/>
-                <a:buNone/>
-              </a:pPr>
-              <a:endParaRPr sz="2400" b="0" i="0" u="none" strike="noStrike" cap="none">
-                <a:solidFill>
-                  <a:srgbClr val="000000"/>
-                </a:solidFill>
-                <a:latin typeface="Calibri"/>
-                <a:ea typeface="Calibri"/>
-                <a:cs typeface="Calibri"/>
-                <a:sym typeface="Calibri"/>
-              </a:endParaRPr>
-            </a:p>
-          </p:txBody>
-        </p:sp>
-        <p:sp>
-          <p:nvSpPr>
-            <p:cNvPr id="10" name="Google Shape;90;p9">
-              <a:extLst>
-                <a:ext uri="{FF2B5EF4-FFF2-40B4-BE49-F238E27FC236}">
-                  <a16:creationId xmlns:a16="http://schemas.microsoft.com/office/drawing/2014/main" id="{8FCB0F79-37D2-4D4D-9336-EFD563DF080B}"/>
-                </a:ext>
-              </a:extLst>
-            </p:cNvPr>
-            <p:cNvSpPr/>
-            <p:nvPr/>
-          </p:nvSpPr>
-          <p:spPr>
-            <a:xfrm>
-              <a:off x="6186051" y="3023625"/>
-              <a:ext cx="284815" cy="90922"/>
-            </a:xfrm>
-            <a:custGeom>
-              <a:avLst/>
-              <a:gdLst/>
-              <a:ahLst/>
-              <a:cxnLst/>
-              <a:rect l="l" t="t" r="r" b="b"/>
-              <a:pathLst>
-                <a:path w="120000" h="120000" extrusionOk="0">
-                  <a:moveTo>
-                    <a:pt x="91510" y="0"/>
-                  </a:moveTo>
-                  <a:cubicBezTo>
-                    <a:pt x="29352" y="0"/>
-                    <a:pt x="29352" y="0"/>
-                    <a:pt x="29352" y="0"/>
-                  </a:cubicBezTo>
-                  <a:cubicBezTo>
-                    <a:pt x="12949" y="0"/>
-                    <a:pt x="0" y="56470"/>
-                    <a:pt x="0" y="120000"/>
-                  </a:cubicBezTo>
-                  <a:cubicBezTo>
-                    <a:pt x="0" y="120000"/>
-                    <a:pt x="0" y="120000"/>
-                    <a:pt x="0" y="120000"/>
-                  </a:cubicBezTo>
-                  <a:cubicBezTo>
-                    <a:pt x="120000" y="120000"/>
-                    <a:pt x="120000" y="120000"/>
-                    <a:pt x="120000" y="120000"/>
-                  </a:cubicBezTo>
-                  <a:cubicBezTo>
-                    <a:pt x="120000" y="120000"/>
-                    <a:pt x="120000" y="120000"/>
-                    <a:pt x="120000" y="120000"/>
-                  </a:cubicBezTo>
-                  <a:cubicBezTo>
-                    <a:pt x="120000" y="56470"/>
-                    <a:pt x="107050" y="0"/>
-                    <a:pt x="91510" y="0"/>
-                  </a:cubicBezTo>
-                  <a:close/>
-                </a:path>
-              </a:pathLst>
-            </a:custGeom>
-            <a:solidFill>
-              <a:srgbClr val="741B47"/>
-            </a:solidFill>
-            <a:ln w="9525" cap="flat" cmpd="sng">
-              <a:solidFill>
-                <a:srgbClr val="434343"/>
-              </a:solidFill>
-              <a:prstDash val="solid"/>
-              <a:round/>
-              <a:headEnd type="none" w="sm" len="sm"/>
-              <a:tailEnd type="none" w="sm" len="sm"/>
-            </a:ln>
-            <a:effectLst>
-              <a:outerShdw blurRad="57150" dist="19050" dir="5400000" algn="bl" rotWithShape="0">
-                <a:srgbClr val="000000">
-                  <a:alpha val="49803"/>
-                </a:srgbClr>
-              </a:outerShdw>
-            </a:effectLst>
-          </p:spPr>
-          <p:txBody>
-            <a:bodyPr spcFirstLastPara="1" wrap="square" lIns="91425" tIns="45700" rIns="91425" bIns="45700" anchor="t" anchorCtr="0">
-              <a:noAutofit/>
-            </a:bodyPr>
-            <a:lstStyle/>
-            <a:p>
-              <a:pPr marL="0" marR="0" lvl="0" indent="0" algn="l" rtl="0">
-                <a:spcBef>
-                  <a:spcPts val="0"/>
-                </a:spcBef>
-                <a:spcAft>
-                  <a:spcPts val="0"/>
-                </a:spcAft>
-                <a:buClr>
-                  <a:schemeClr val="dk1"/>
-                </a:buClr>
-                <a:buSzPts val="2400"/>
-                <a:buFont typeface="Arial"/>
-                <a:buNone/>
-              </a:pPr>
-              <a:endParaRPr sz="2400" b="0" i="0" u="none" strike="noStrike" cap="none">
-                <a:solidFill>
-                  <a:srgbClr val="000000"/>
-                </a:solidFill>
-                <a:latin typeface="Calibri"/>
-                <a:ea typeface="Calibri"/>
-                <a:cs typeface="Calibri"/>
-                <a:sym typeface="Calibri"/>
-              </a:endParaRPr>
-            </a:p>
-          </p:txBody>
-        </p:sp>
-        <p:sp>
-          <p:nvSpPr>
-            <p:cNvPr id="11" name="Google Shape;91;p9">
-              <a:extLst>
-                <a:ext uri="{FF2B5EF4-FFF2-40B4-BE49-F238E27FC236}">
-                  <a16:creationId xmlns:a16="http://schemas.microsoft.com/office/drawing/2014/main" id="{FB830E14-17BA-4AEA-BC98-B2D06369C43A}"/>
-                </a:ext>
-              </a:extLst>
-            </p:cNvPr>
-            <p:cNvSpPr/>
-            <p:nvPr/>
-          </p:nvSpPr>
-          <p:spPr>
-            <a:xfrm>
-              <a:off x="6519992" y="2891964"/>
-              <a:ext cx="117165" cy="152663"/>
-            </a:xfrm>
-            <a:prstGeom prst="ellipse">
-              <a:avLst/>
-            </a:prstGeom>
-            <a:solidFill>
-              <a:srgbClr val="741B47"/>
-            </a:solidFill>
-            <a:ln w="9525" cap="flat" cmpd="sng">
-              <a:solidFill>
-                <a:srgbClr val="434343"/>
-              </a:solidFill>
-              <a:prstDash val="solid"/>
-              <a:round/>
-              <a:headEnd type="none" w="sm" len="sm"/>
-              <a:tailEnd type="none" w="sm" len="sm"/>
-            </a:ln>
-            <a:effectLst>
-              <a:outerShdw blurRad="57150" dist="19050" dir="5400000" algn="bl" rotWithShape="0">
-                <a:srgbClr val="000000">
-                  <a:alpha val="49803"/>
-                </a:srgbClr>
-              </a:outerShdw>
-            </a:effectLst>
-          </p:spPr>
-          <p:txBody>
-            <a:bodyPr spcFirstLastPara="1" wrap="square" lIns="91425" tIns="45700" rIns="91425" bIns="45700" anchor="t" anchorCtr="0">
-              <a:noAutofit/>
-            </a:bodyPr>
-            <a:lstStyle/>
-            <a:p>
-              <a:pPr marL="0" marR="0" lvl="0" indent="0" algn="l" rtl="0">
-                <a:spcBef>
-                  <a:spcPts val="0"/>
-                </a:spcBef>
-                <a:spcAft>
-                  <a:spcPts val="0"/>
-                </a:spcAft>
-                <a:buClr>
-                  <a:schemeClr val="dk1"/>
-                </a:buClr>
-                <a:buSzPts val="2400"/>
-                <a:buFont typeface="Arial"/>
-                <a:buNone/>
-              </a:pPr>
-              <a:endParaRPr sz="2400" b="0" i="0" u="none" strike="noStrike" cap="none">
-                <a:solidFill>
-                  <a:srgbClr val="000000"/>
-                </a:solidFill>
-                <a:latin typeface="Calibri"/>
-                <a:ea typeface="Calibri"/>
-                <a:cs typeface="Calibri"/>
-                <a:sym typeface="Calibri"/>
-              </a:endParaRPr>
-            </a:p>
-          </p:txBody>
-        </p:sp>
-        <p:sp>
-          <p:nvSpPr>
-            <p:cNvPr id="12" name="Google Shape;92;p9">
-              <a:extLst>
-                <a:ext uri="{FF2B5EF4-FFF2-40B4-BE49-F238E27FC236}">
-                  <a16:creationId xmlns:a16="http://schemas.microsoft.com/office/drawing/2014/main" id="{5A1DA6FB-EE34-4F31-9D1B-972A7E85B7DE}"/>
-                </a:ext>
-              </a:extLst>
-            </p:cNvPr>
-            <p:cNvSpPr/>
-            <p:nvPr/>
-          </p:nvSpPr>
-          <p:spPr>
-            <a:xfrm>
-              <a:off x="6484708" y="3056134"/>
-              <a:ext cx="187654" cy="58669"/>
-            </a:xfrm>
-            <a:custGeom>
-              <a:avLst/>
-              <a:gdLst/>
-              <a:ahLst/>
-              <a:cxnLst/>
-              <a:rect l="l" t="t" r="r" b="b"/>
-              <a:pathLst>
-                <a:path w="120000" h="120000" extrusionOk="0">
-                  <a:moveTo>
-                    <a:pt x="91304" y="0"/>
-                  </a:moveTo>
-                  <a:cubicBezTo>
-                    <a:pt x="30000" y="0"/>
-                    <a:pt x="30000" y="0"/>
-                    <a:pt x="30000" y="0"/>
-                  </a:cubicBezTo>
-                  <a:cubicBezTo>
-                    <a:pt x="13043" y="0"/>
-                    <a:pt x="0" y="54545"/>
-                    <a:pt x="0" y="120000"/>
-                  </a:cubicBezTo>
-                  <a:cubicBezTo>
-                    <a:pt x="0" y="120000"/>
-                    <a:pt x="0" y="120000"/>
-                    <a:pt x="0" y="120000"/>
-                  </a:cubicBezTo>
-                  <a:cubicBezTo>
-                    <a:pt x="120000" y="120000"/>
-                    <a:pt x="120000" y="120000"/>
-                    <a:pt x="120000" y="120000"/>
-                  </a:cubicBezTo>
-                  <a:cubicBezTo>
-                    <a:pt x="120000" y="120000"/>
-                    <a:pt x="120000" y="120000"/>
-                    <a:pt x="120000" y="120000"/>
-                  </a:cubicBezTo>
-                  <a:cubicBezTo>
-                    <a:pt x="120000" y="54545"/>
-                    <a:pt x="106956" y="0"/>
-                    <a:pt x="91304" y="0"/>
-                  </a:cubicBezTo>
-                  <a:close/>
-                </a:path>
-              </a:pathLst>
-            </a:custGeom>
-            <a:solidFill>
-              <a:srgbClr val="741B47"/>
-            </a:solidFill>
-            <a:ln w="9525" cap="flat" cmpd="sng">
-              <a:solidFill>
-                <a:srgbClr val="434343"/>
-              </a:solidFill>
-              <a:prstDash val="solid"/>
-              <a:round/>
-              <a:headEnd type="none" w="sm" len="sm"/>
-              <a:tailEnd type="none" w="sm" len="sm"/>
-            </a:ln>
-            <a:effectLst>
-              <a:outerShdw blurRad="57150" dist="19050" dir="5400000" algn="bl" rotWithShape="0">
-                <a:srgbClr val="000000">
-                  <a:alpha val="49803"/>
-                </a:srgbClr>
-              </a:outerShdw>
-            </a:effectLst>
-          </p:spPr>
-          <p:txBody>
-            <a:bodyPr spcFirstLastPara="1" wrap="square" lIns="91425" tIns="45700" rIns="91425" bIns="45700" anchor="t" anchorCtr="0">
-              <a:noAutofit/>
-            </a:bodyPr>
-            <a:lstStyle/>
-            <a:p>
-              <a:pPr marL="0" marR="0" lvl="0" indent="0" algn="l" rtl="0">
-                <a:spcBef>
-                  <a:spcPts val="0"/>
-                </a:spcBef>
-                <a:spcAft>
-                  <a:spcPts val="0"/>
-                </a:spcAft>
-                <a:buClr>
-                  <a:schemeClr val="dk1"/>
-                </a:buClr>
-                <a:buSzPts val="2400"/>
-                <a:buFont typeface="Arial"/>
-                <a:buNone/>
-              </a:pPr>
-              <a:endParaRPr sz="2400" b="0" i="0" u="none" strike="noStrike" cap="none">
-                <a:solidFill>
-                  <a:srgbClr val="000000"/>
-                </a:solidFill>
-                <a:latin typeface="Calibri"/>
-                <a:ea typeface="Calibri"/>
-                <a:cs typeface="Calibri"/>
-                <a:sym typeface="Calibri"/>
-              </a:endParaRPr>
-            </a:p>
-          </p:txBody>
-        </p:sp>
-        <p:sp>
-          <p:nvSpPr>
-            <p:cNvPr id="13" name="Google Shape;93;p9">
-              <a:extLst>
-                <a:ext uri="{FF2B5EF4-FFF2-40B4-BE49-F238E27FC236}">
-                  <a16:creationId xmlns:a16="http://schemas.microsoft.com/office/drawing/2014/main" id="{4D516059-9F4F-4819-A598-90746DC3BF2E}"/>
-                </a:ext>
-              </a:extLst>
-            </p:cNvPr>
-            <p:cNvSpPr/>
-            <p:nvPr/>
-          </p:nvSpPr>
-          <p:spPr>
-            <a:xfrm>
-              <a:off x="6020970" y="2891964"/>
-              <a:ext cx="118356" cy="152663"/>
-            </a:xfrm>
-            <a:prstGeom prst="ellipse">
-              <a:avLst/>
-            </a:prstGeom>
-            <a:solidFill>
-              <a:srgbClr val="741B47"/>
-            </a:solidFill>
-            <a:ln w="9525" cap="flat" cmpd="sng">
-              <a:solidFill>
-                <a:srgbClr val="434343"/>
-              </a:solidFill>
-              <a:prstDash val="solid"/>
-              <a:round/>
-              <a:headEnd type="none" w="sm" len="sm"/>
-              <a:tailEnd type="none" w="sm" len="sm"/>
-            </a:ln>
-            <a:effectLst>
-              <a:outerShdw blurRad="57150" dist="19050" dir="5400000" algn="bl" rotWithShape="0">
-                <a:srgbClr val="000000">
-                  <a:alpha val="49803"/>
-                </a:srgbClr>
-              </a:outerShdw>
-            </a:effectLst>
-          </p:spPr>
-          <p:txBody>
-            <a:bodyPr spcFirstLastPara="1" wrap="square" lIns="91425" tIns="45700" rIns="91425" bIns="45700" anchor="t" anchorCtr="0">
-              <a:noAutofit/>
-            </a:bodyPr>
-            <a:lstStyle/>
-            <a:p>
-              <a:pPr marL="0" marR="0" lvl="0" indent="0" algn="l" rtl="0">
-                <a:spcBef>
-                  <a:spcPts val="0"/>
-                </a:spcBef>
-                <a:spcAft>
-                  <a:spcPts val="0"/>
-                </a:spcAft>
-                <a:buClr>
-                  <a:schemeClr val="dk1"/>
-                </a:buClr>
-                <a:buSzPts val="2400"/>
-                <a:buFont typeface="Arial"/>
-                <a:buNone/>
-              </a:pPr>
-              <a:endParaRPr sz="2400" b="0" i="0" u="none" strike="noStrike" cap="none">
-                <a:solidFill>
-                  <a:srgbClr val="000000"/>
-                </a:solidFill>
-                <a:latin typeface="Calibri"/>
-                <a:ea typeface="Calibri"/>
-                <a:cs typeface="Calibri"/>
-                <a:sym typeface="Calibri"/>
-              </a:endParaRPr>
-            </a:p>
-          </p:txBody>
-        </p:sp>
-        <p:sp>
-          <p:nvSpPr>
-            <p:cNvPr id="14" name="Google Shape;94;p9">
-              <a:extLst>
-                <a:ext uri="{FF2B5EF4-FFF2-40B4-BE49-F238E27FC236}">
-                  <a16:creationId xmlns:a16="http://schemas.microsoft.com/office/drawing/2014/main" id="{56FB8A0F-FDD6-46F2-9C39-5EF247EF824F}"/>
-                </a:ext>
-              </a:extLst>
-            </p:cNvPr>
-            <p:cNvSpPr/>
-            <p:nvPr/>
-          </p:nvSpPr>
-          <p:spPr>
-            <a:xfrm>
-              <a:off x="5986946" y="3056134"/>
-              <a:ext cx="185273" cy="58669"/>
-            </a:xfrm>
-            <a:custGeom>
-              <a:avLst/>
-              <a:gdLst/>
-              <a:ahLst/>
-              <a:cxnLst/>
-              <a:rect l="l" t="t" r="r" b="b"/>
-              <a:pathLst>
-                <a:path w="120000" h="120000" extrusionOk="0">
-                  <a:moveTo>
-                    <a:pt x="29010" y="0"/>
-                  </a:moveTo>
-                  <a:cubicBezTo>
-                    <a:pt x="90989" y="0"/>
-                    <a:pt x="90989" y="0"/>
-                    <a:pt x="90989" y="0"/>
-                  </a:cubicBezTo>
-                  <a:cubicBezTo>
-                    <a:pt x="106813" y="0"/>
-                    <a:pt x="120000" y="54545"/>
-                    <a:pt x="120000" y="120000"/>
-                  </a:cubicBezTo>
-                  <a:cubicBezTo>
-                    <a:pt x="120000" y="120000"/>
-                    <a:pt x="120000" y="120000"/>
-                    <a:pt x="120000" y="120000"/>
-                  </a:cubicBezTo>
-                  <a:cubicBezTo>
-                    <a:pt x="0" y="120000"/>
-                    <a:pt x="0" y="120000"/>
-                    <a:pt x="0" y="120000"/>
-                  </a:cubicBezTo>
-                  <a:cubicBezTo>
-                    <a:pt x="0" y="120000"/>
-                    <a:pt x="0" y="120000"/>
-                    <a:pt x="0" y="120000"/>
-                  </a:cubicBezTo>
-                  <a:cubicBezTo>
-                    <a:pt x="0" y="54545"/>
-                    <a:pt x="13186" y="0"/>
-                    <a:pt x="29010" y="0"/>
-                  </a:cubicBezTo>
-                  <a:close/>
-                </a:path>
-              </a:pathLst>
-            </a:custGeom>
-            <a:solidFill>
-              <a:srgbClr val="741B47"/>
-            </a:solidFill>
-            <a:ln w="9525" cap="flat" cmpd="sng">
-              <a:solidFill>
-                <a:srgbClr val="434343"/>
-              </a:solidFill>
-              <a:prstDash val="solid"/>
-              <a:round/>
-              <a:headEnd type="none" w="sm" len="sm"/>
-              <a:tailEnd type="none" w="sm" len="sm"/>
-            </a:ln>
-            <a:effectLst>
-              <a:outerShdw blurRad="57150" dist="19050" dir="5400000" algn="bl" rotWithShape="0">
-                <a:srgbClr val="000000">
-                  <a:alpha val="49803"/>
-                </a:srgbClr>
-              </a:outerShdw>
-            </a:effectLst>
-          </p:spPr>
-          <p:txBody>
-            <a:bodyPr spcFirstLastPara="1" wrap="square" lIns="91425" tIns="45700" rIns="91425" bIns="45700" anchor="t" anchorCtr="0">
-              <a:noAutofit/>
-            </a:bodyPr>
-            <a:lstStyle/>
-            <a:p>
-              <a:pPr marL="0" marR="0" lvl="0" indent="0" algn="l" rtl="0">
-                <a:spcBef>
-                  <a:spcPts val="0"/>
-                </a:spcBef>
-                <a:spcAft>
-                  <a:spcPts val="0"/>
-                </a:spcAft>
-                <a:buClr>
-                  <a:schemeClr val="dk1"/>
-                </a:buClr>
-                <a:buSzPts val="2400"/>
-                <a:buFont typeface="Arial"/>
-                <a:buNone/>
-              </a:pPr>
-              <a:endParaRPr sz="2400" b="0" i="0" u="none" strike="noStrike" cap="none">
-                <a:solidFill>
-                  <a:srgbClr val="000000"/>
-                </a:solidFill>
-                <a:latin typeface="Calibri"/>
-                <a:ea typeface="Calibri"/>
-                <a:cs typeface="Calibri"/>
-                <a:sym typeface="Calibri"/>
-              </a:endParaRPr>
-            </a:p>
-          </p:txBody>
-        </p:sp>
-      </p:grpSp>
-      <p:sp>
-        <p:nvSpPr>
-          <p:cNvPr id="3" name="TextBox 2">
-            <a:extLst>
-              <a:ext uri="{FF2B5EF4-FFF2-40B4-BE49-F238E27FC236}">
-                <a16:creationId xmlns:a16="http://schemas.microsoft.com/office/drawing/2014/main" id="{096DB8AF-6D3B-4E82-B743-EC4699B06900}"/>
-              </a:ext>
-            </a:extLst>
-          </p:cNvPr>
-          <p:cNvSpPr txBox="1"/>
-          <p:nvPr/>
-        </p:nvSpPr>
-        <p:spPr>
-          <a:xfrm>
-            <a:off x="584894" y="6127075"/>
-            <a:ext cx="4320818" cy="683264"/>
-          </a:xfrm>
-          <a:prstGeom prst="rect">
-            <a:avLst/>
-          </a:prstGeom>
-          <a:noFill/>
-        </p:spPr>
-        <p:txBody>
-          <a:bodyPr wrap="square" lIns="118872" tIns="91440" rIns="118872" bIns="91440" rtlCol="0" anchor="ctr" anchorCtr="0">
-            <a:spAutoFit/>
-          </a:bodyPr>
-          <a:lstStyle/>
-          <a:p>
-            <a:pPr algn="l">
-              <a:lnSpc>
-                <a:spcPct val="90000"/>
-              </a:lnSpc>
-            </a:pPr>
-            <a:r>
-              <a:rPr lang="en-US" dirty="0">
-                <a:solidFill>
-                  <a:schemeClr val="tx2"/>
-                </a:solidFill>
-              </a:rPr>
-              <a:t>For more about our work see this report: </a:t>
-            </a:r>
-            <a:r>
-              <a:rPr lang="en-US" dirty="0">
-                <a:solidFill>
-                  <a:schemeClr val="tx2"/>
-                </a:solidFill>
-                <a:hlinkClick r:id="rId3">
-                  <a:extLst>
-                    <a:ext uri="{A12FA001-AC4F-418D-AE19-62706E023703}">
-                      <ahyp:hlinkClr xmlns:ahyp="http://schemas.microsoft.com/office/drawing/2018/hyperlinkcolor" val="tx"/>
-                    </a:ext>
-                  </a:extLst>
-                </a:hlinkClick>
-              </a:rPr>
-              <a:t>https://doi.org/10.2172/1606662</a:t>
-            </a:r>
-            <a:endParaRPr lang="en-US" dirty="0">
-              <a:solidFill>
-                <a:schemeClr val="tx2"/>
-              </a:solidFill>
-            </a:endParaRPr>
-          </a:p>
-        </p:txBody>
-      </p:sp>
-    </p:spTree>
-    <p:extLst>
-      <p:ext uri="{BB962C8B-B14F-4D97-AF65-F5344CB8AC3E}">
-        <p14:creationId xmlns:p14="http://schemas.microsoft.com/office/powerpoint/2010/main" val="2105071691"/>
-      </p:ext>
-    </p:extLst>
-  </p:cSld>
-  <p:clrMapOvr>
-    <a:masterClrMapping/>
-  </p:clrMapOvr>
-</p:sld>
-</file>
-
-<file path=ppt/slides/slide5.xml><?xml version="1.0" encoding="utf-8"?>
 <p:sld xmlns:a="http://schemas.openxmlformats.org/drawingml/2006/main" xmlns:r="http://schemas.openxmlformats.org/officeDocument/2006/relationships" xmlns:p="http://schemas.openxmlformats.org/presentationml/2006/main">
   <p:cSld>
     <p:spTree>
@@ -11136,7 +5758,7 @@
 </p:sld>
 </file>
 
-<file path=ppt/slides/slide6.xml><?xml version="1.0" encoding="utf-8"?>
+<file path=ppt/slides/slide5.xml><?xml version="1.0" encoding="utf-8"?>
 <p:sld xmlns:a="http://schemas.openxmlformats.org/drawingml/2006/main" xmlns:r="http://schemas.openxmlformats.org/officeDocument/2006/relationships" xmlns:p="http://schemas.openxmlformats.org/presentationml/2006/main">
   <p:cSld>
     <p:spTree>
@@ -11207,54 +5829,6 @@
           <a:bodyPr/>
           <a:lstStyle/>
           <a:p>
-            <a:r>
-              <a:rPr lang="en-US" dirty="0"/>
-              <a:t>IDEAS Productivity mailing list: </a:t>
-            </a:r>
-            <a:r>
-              <a:rPr lang="en-US" dirty="0">
-                <a:hlinkClick r:id="rId2"/>
-              </a:rPr>
-              <a:t>http://eepurl.com/cQCyJ5</a:t>
-            </a:r>
-            <a:endParaRPr lang="en-US" dirty="0"/>
-          </a:p>
-          <a:p>
-            <a:pPr lvl="1"/>
-            <a:r>
-              <a:rPr lang="en-US" dirty="0"/>
-              <a:t>Announcements of IDEAS-organized events</a:t>
-            </a:r>
-          </a:p>
-          <a:p>
-            <a:pPr lvl="2"/>
-            <a:r>
-              <a:rPr lang="en-US" dirty="0"/>
-              <a:t>Best Practices for HPC Software Developers webinar series</a:t>
-            </a:r>
-          </a:p>
-          <a:p>
-            <a:pPr lvl="2"/>
-            <a:r>
-              <a:rPr lang="en-US" dirty="0"/>
-              <a:t>Strategies for Working Remotely panel series</a:t>
-            </a:r>
-          </a:p>
-          <a:p>
-            <a:pPr lvl="2"/>
-            <a:r>
-              <a:rPr lang="en-US" dirty="0"/>
-              <a:t>Software-focused events at major scientific meetings (e.g., SIAM, ISC, SC, etc.)</a:t>
-            </a:r>
-          </a:p>
-          <a:p>
-            <a:pPr lvl="1"/>
-            <a:r>
-              <a:rPr lang="en-US" dirty="0"/>
-              <a:t>Typically 2-3 messages per month</a:t>
-            </a:r>
-          </a:p>
-          <a:p>
             <a:pPr>
               <a:spcBef>
                 <a:spcPts val="2400"/>
@@ -11270,7 +5844,7 @@
             </a:r>
             <a:r>
               <a:rPr lang="en-US" dirty="0">
-                <a:hlinkClick r:id="rId3"/>
+                <a:hlinkClick r:id="rId2"/>
               </a:rPr>
               <a:t>https://bssw.io/pages/receive-our-email-digest</a:t>
             </a:r>
@@ -11324,7 +5898,7 @@
             </a:r>
             <a:r>
               <a:rPr lang="en-US" dirty="0">
-                <a:hlinkClick r:id="rId4"/>
+                <a:hlinkClick r:id="rId3"/>
               </a:rPr>
               <a:t>https://bssw.io/items.rss</a:t>
             </a:r>
@@ -11347,7 +5921,7 @@
           <p:nvPr/>
         </p:nvPicPr>
         <p:blipFill>
-          <a:blip r:embed="rId5" cstate="print">
+          <a:blip r:embed="rId4" cstate="print">
             <a:extLst>
               <a:ext uri="{28A0092B-C50C-407E-A947-70E740481C1C}">
                 <a14:useLocalDpi xmlns:a14="http://schemas.microsoft.com/office/drawing/2010/main" val="0"/>
@@ -11360,44 +5934,8 @@
         </p:blipFill>
         <p:spPr>
           <a:xfrm>
-            <a:off x="9204938" y="4462547"/>
+            <a:off x="8558894" y="2643687"/>
             <a:ext cx="2109916" cy="905256"/>
-          </a:xfrm>
-          <a:prstGeom prst="rect">
-            <a:avLst/>
-          </a:prstGeom>
-        </p:spPr>
-      </p:pic>
-      <p:pic>
-        <p:nvPicPr>
-          <p:cNvPr id="6" name="Picture 5" descr="IDEAS_logo.png">
-            <a:extLst>
-              <a:ext uri="{FF2B5EF4-FFF2-40B4-BE49-F238E27FC236}">
-                <a16:creationId xmlns:a16="http://schemas.microsoft.com/office/drawing/2014/main" id="{08B06B33-62C4-499E-82D4-2CD7AD8844F9}"/>
-              </a:ext>
-            </a:extLst>
-          </p:cNvPr>
-          <p:cNvPicPr>
-            <a:picLocks noChangeAspect="1"/>
-          </p:cNvPicPr>
-          <p:nvPr/>
-        </p:nvPicPr>
-        <p:blipFill>
-          <a:blip r:embed="rId6" cstate="print">
-            <a:extLst>
-              <a:ext uri="{28A0092B-C50C-407E-A947-70E740481C1C}">
-                <a14:useLocalDpi xmlns:a14="http://schemas.microsoft.com/office/drawing/2010/main"/>
-              </a:ext>
-            </a:extLst>
-          </a:blip>
-          <a:stretch>
-            <a:fillRect/>
-          </a:stretch>
-        </p:blipFill>
-        <p:spPr>
-          <a:xfrm>
-            <a:off x="9084892" y="2326640"/>
-            <a:ext cx="2350008" cy="815135"/>
           </a:xfrm>
           <a:prstGeom prst="rect">
             <a:avLst/>
@@ -11417,7 +5955,7 @@
 </p:sld>
 </file>
 
-<file path=ppt/slides/slide7.xml><?xml version="1.0" encoding="utf-8"?>
+<file path=ppt/slides/slide6.xml><?xml version="1.0" encoding="utf-8"?>
 <p:sld xmlns:a="http://schemas.openxmlformats.org/drawingml/2006/main" xmlns:r="http://schemas.openxmlformats.org/officeDocument/2006/relationships" xmlns:p="http://schemas.openxmlformats.org/presentationml/2006/main">
   <p:cSld>
     <p:spTree>
@@ -11577,7 +6115,7 @@
 </p:sld>
 </file>
 
-<file path=ppt/slides/slide8.xml><?xml version="1.0" encoding="utf-8"?>
+<file path=ppt/slides/slide7.xml><?xml version="1.0" encoding="utf-8"?>
 <p:sld xmlns:a="http://schemas.openxmlformats.org/drawingml/2006/main" xmlns:r="http://schemas.openxmlformats.org/officeDocument/2006/relationships" xmlns:p="http://schemas.openxmlformats.org/presentationml/2006/main">
   <p:cSld>
     <p:spTree>
@@ -11756,7 +6294,7 @@
 </p:sld>
 </file>
 
-<file path=ppt/slides/slide9.xml><?xml version="1.0" encoding="utf-8"?>
+<file path=ppt/slides/slide8.xml><?xml version="1.0" encoding="utf-8"?>
 <p:sld xmlns:a="http://schemas.openxmlformats.org/drawingml/2006/main" xmlns:r="http://schemas.openxmlformats.org/officeDocument/2006/relationships" xmlns:p="http://schemas.openxmlformats.org/presentationml/2006/main">
   <p:cSld>
     <p:spTree>
@@ -11853,10 +6391,10 @@
       </p:sp>
       <p:pic>
         <p:nvPicPr>
-          <p:cNvPr id="5" name="Picture 4" descr="Text, letter&#10;&#10;Description automatically generated">
+          <p:cNvPr id="10" name="Picture 9" descr="A document with text and images&#10;&#10;Description automatically generated">
             <a:extLst>
               <a:ext uri="{FF2B5EF4-FFF2-40B4-BE49-F238E27FC236}">
-                <a16:creationId xmlns:a16="http://schemas.microsoft.com/office/drawing/2014/main" id="{22D90CE1-3CF5-4211-AEA5-0280F6866EDC}"/>
+                <a16:creationId xmlns:a16="http://schemas.microsoft.com/office/drawing/2014/main" id="{77E2D18D-1073-12C7-771C-B42CCA7E04E2}"/>
               </a:ext>
             </a:extLst>
           </p:cNvPr>
@@ -11865,44 +6403,201 @@
           </p:cNvPicPr>
           <p:nvPr/>
         </p:nvPicPr>
-        <p:blipFill>
-          <a:blip r:embed="rId2" cstate="print">
+        <p:blipFill rotWithShape="1">
+          <a:blip r:embed="rId2">
             <a:extLst>
               <a:ext uri="{28A0092B-C50C-407E-A947-70E740481C1C}">
                 <a14:useLocalDpi xmlns:a14="http://schemas.microsoft.com/office/drawing/2010/main" val="0"/>
               </a:ext>
             </a:extLst>
           </a:blip>
-          <a:stretch>
-            <a:fillRect/>
-          </a:stretch>
+          <a:srcRect t="1" b="23157"/>
+          <a:stretch/>
         </p:blipFill>
         <p:spPr>
           <a:xfrm>
-            <a:off x="3599267" y="3166700"/>
-            <a:ext cx="4990290" cy="2807038"/>
+            <a:off x="1938615" y="3256754"/>
+            <a:ext cx="7772400" cy="3383280"/>
           </a:xfrm>
           <a:prstGeom prst="rect">
             <a:avLst/>
           </a:prstGeom>
-          <a:ln>
-            <a:solidFill>
-              <a:schemeClr val="tx1"/>
-            </a:solidFill>
-          </a:ln>
-          <a:effectLst>
-            <a:outerShdw blurRad="50800" dist="38100" dir="2700000" algn="tl" rotWithShape="0">
-              <a:prstClr val="black">
-                <a:alpha val="40000"/>
-              </a:prstClr>
-            </a:outerShdw>
-          </a:effectLst>
         </p:spPr>
       </p:pic>
     </p:spTree>
     <p:extLst>
       <p:ext uri="{BB962C8B-B14F-4D97-AF65-F5344CB8AC3E}">
         <p14:creationId xmlns:p14="http://schemas.microsoft.com/office/powerpoint/2010/main" val="2504672246"/>
+      </p:ext>
+    </p:extLst>
+  </p:cSld>
+  <p:clrMapOvr>
+    <a:masterClrMapping/>
+  </p:clrMapOvr>
+</p:sld>
+</file>
+
+<file path=ppt/slides/slide9.xml><?xml version="1.0" encoding="utf-8"?>
+<p:sld xmlns:a="http://schemas.openxmlformats.org/drawingml/2006/main" xmlns:r="http://schemas.openxmlformats.org/officeDocument/2006/relationships" xmlns:p="http://schemas.openxmlformats.org/presentationml/2006/main">
+  <p:cSld>
+    <p:spTree>
+      <p:nvGrpSpPr>
+        <p:cNvPr id="1" name=""/>
+        <p:cNvGrpSpPr/>
+        <p:nvPr/>
+      </p:nvGrpSpPr>
+      <p:grpSpPr>
+        <a:xfrm>
+          <a:off x="0" y="0"/>
+          <a:ext cx="0" cy="0"/>
+          <a:chOff x="0" y="0"/>
+          <a:chExt cx="0" cy="0"/>
+        </a:xfrm>
+      </p:grpSpPr>
+      <p:sp>
+        <p:nvSpPr>
+          <p:cNvPr id="2" name="Title 1">
+            <a:extLst>
+              <a:ext uri="{FF2B5EF4-FFF2-40B4-BE49-F238E27FC236}">
+                <a16:creationId xmlns:a16="http://schemas.microsoft.com/office/drawing/2014/main" id="{88D7CFF0-36AC-4BF3-96D2-C6F302144850}"/>
+              </a:ext>
+            </a:extLst>
+          </p:cNvPr>
+          <p:cNvSpPr>
+            <a:spLocks noGrp="1"/>
+          </p:cNvSpPr>
+          <p:nvPr>
+            <p:ph type="title"/>
+          </p:nvPr>
+        </p:nvSpPr>
+        <p:spPr/>
+        <p:txBody>
+          <a:bodyPr/>
+          <a:lstStyle/>
+          <a:p>
+            <a:r>
+              <a:rPr lang="en-US" dirty="0"/>
+              <a:t>We Want to Interact with You!</a:t>
+            </a:r>
+          </a:p>
+        </p:txBody>
+      </p:sp>
+      <p:sp>
+        <p:nvSpPr>
+          <p:cNvPr id="3" name="Content Placeholder 2">
+            <a:extLst>
+              <a:ext uri="{FF2B5EF4-FFF2-40B4-BE49-F238E27FC236}">
+                <a16:creationId xmlns:a16="http://schemas.microsoft.com/office/drawing/2014/main" id="{AEFD04A9-5547-4AC6-89F3-E6EEC039A00D}"/>
+              </a:ext>
+            </a:extLst>
+          </p:cNvPr>
+          <p:cNvSpPr>
+            <a:spLocks noGrp="1"/>
+          </p:cNvSpPr>
+          <p:nvPr>
+            <p:ph idx="1"/>
+          </p:nvPr>
+        </p:nvSpPr>
+        <p:spPr>
+          <a:xfrm>
+            <a:off x="365760" y="919230"/>
+            <a:ext cx="11369809" cy="4047778"/>
+          </a:xfrm>
+        </p:spPr>
+        <p:txBody>
+          <a:bodyPr/>
+          <a:lstStyle/>
+          <a:p>
+            <a:pPr>
+              <a:spcBef>
+                <a:spcPts val="1800"/>
+              </a:spcBef>
+            </a:pPr>
+            <a:r>
+              <a:rPr lang="en-US" dirty="0"/>
+              <a:t>We find these tutorials most interesting and informative (for everyone) if you ask questions and share experiences!</a:t>
+            </a:r>
+          </a:p>
+          <a:p>
+            <a:pPr lvl="1">
+              <a:spcBef>
+                <a:spcPts val="400"/>
+              </a:spcBef>
+            </a:pPr>
+            <a:r>
+              <a:rPr lang="en-US" dirty="0"/>
+              <a:t>We learn too!</a:t>
+            </a:r>
+          </a:p>
+          <a:p>
+            <a:pPr>
+              <a:spcBef>
+                <a:spcPts val="400"/>
+              </a:spcBef>
+            </a:pPr>
+            <a:r>
+              <a:rPr lang="en-US" dirty="0"/>
+              <a:t>Please raise your hand at any time to ask a question</a:t>
+            </a:r>
+          </a:p>
+          <a:p>
+            <a:pPr>
+              <a:spcBef>
+                <a:spcPts val="1200"/>
+              </a:spcBef>
+            </a:pPr>
+            <a:r>
+              <a:rPr lang="en-US" dirty="0"/>
+              <a:t>After the tutorial email us at </a:t>
+            </a:r>
+            <a:r>
+              <a:rPr lang="en-US" dirty="0">
+                <a:hlinkClick r:id="rId2"/>
+              </a:rPr>
+              <a:t>bssw-tutorial@lists.mcs.anl.gov</a:t>
+            </a:r>
+            <a:endParaRPr lang="en-US" dirty="0"/>
+          </a:p>
+          <a:p>
+            <a:pPr lvl="1">
+              <a:spcBef>
+                <a:spcPts val="400"/>
+              </a:spcBef>
+            </a:pPr>
+            <a:r>
+              <a:rPr lang="en-US" dirty="0"/>
+              <a:t>With questions or feedback</a:t>
+            </a:r>
+          </a:p>
+          <a:p>
+            <a:pPr lvl="1"/>
+            <a:r>
+              <a:rPr lang="en-US" dirty="0"/>
+              <a:t>The list moderator will allow your messages to be posted</a:t>
+            </a:r>
+          </a:p>
+          <a:p>
+            <a:r>
+              <a:rPr lang="en-US" dirty="0"/>
+              <a:t>Refer to </a:t>
+            </a:r>
+            <a:r>
+              <a:rPr lang="en-US" dirty="0">
+                <a:hlinkClick r:id="rId3"/>
+              </a:rPr>
+              <a:t>bssw-tutorial.github.io</a:t>
+            </a:r>
+            <a:r>
+              <a:rPr lang="en-US" dirty="0"/>
+              <a:t> page for all tutorial materials</a:t>
+            </a:r>
+          </a:p>
+        </p:txBody>
+      </p:sp>
+    </p:spTree>
+    <p:extLst>
+      <p:ext uri="{BB962C8B-B14F-4D97-AF65-F5344CB8AC3E}">
+        <p14:creationId xmlns:p14="http://schemas.microsoft.com/office/powerpoint/2010/main" val="3695382487"/>
       </p:ext>
     </p:extLst>
   </p:cSld>
@@ -12825,21 +7520,6 @@
 </file>
 
 <file path=customXml/item1.xml><?xml version="1.0" encoding="utf-8"?>
-<?mso-contentType ?>
-<FormTemplates xmlns="http://schemas.microsoft.com/sharepoint/v3/contenttype/forms">
-  <Display>DocumentLibraryForm</Display>
-  <Edit>DocumentLibraryForm</Edit>
-  <New>DocumentLibraryForm</New>
-</FormTemplates>
-</file>
-
-<file path=customXml/item2.xml><?xml version="1.0" encoding="utf-8"?>
-<p:properties xmlns:p="http://schemas.microsoft.com/office/2006/metadata/properties" xmlns:xsi="http://www.w3.org/2001/XMLSchema-instance" xmlns:pc="http://schemas.microsoft.com/office/infopath/2007/PartnerControls">
-  <documentManagement/>
-</p:properties>
-</file>
-
-<file path=customXml/item3.xml><?xml version="1.0" encoding="utf-8"?>
 <ct:contentTypeSchema xmlns:ct="http://schemas.microsoft.com/office/2006/metadata/contentType" xmlns:ma="http://schemas.microsoft.com/office/2006/metadata/properties/metaAttributes" ct:_="" ma:_="" ma:contentTypeName="Document" ma:contentTypeID="0x010100565464437F680748A68B85EB6594EA7D" ma:contentTypeVersion="0" ma:contentTypeDescription="Create a new document." ma:contentTypeScope="" ma:versionID="fe3f4dd58d5914c51cfc6deaa8ad845c">
   <xsd:schema xmlns:xsd="http://www.w3.org/2001/XMLSchema" xmlns:p="http://schemas.microsoft.com/office/2006/metadata/properties" targetNamespace="http://schemas.microsoft.com/office/2006/metadata/properties" ma:root="true" ma:fieldsID="4aeb20c0e3442673af7ee10786458764">
     <xsd:element name="properties">
@@ -12888,7 +7568,37 @@
 </ct:contentTypeSchema>
 </file>
 
+<file path=customXml/item2.xml><?xml version="1.0" encoding="utf-8"?>
+<?mso-contentType ?>
+<FormTemplates xmlns="http://schemas.microsoft.com/sharepoint/v3/contenttype/forms">
+  <Display>DocumentLibraryForm</Display>
+  <Edit>DocumentLibraryForm</Edit>
+  <New>DocumentLibraryForm</New>
+</FormTemplates>
+</file>
+
+<file path=customXml/item3.xml><?xml version="1.0" encoding="utf-8"?>
+<p:properties xmlns:p="http://schemas.microsoft.com/office/2006/metadata/properties" xmlns:xsi="http://www.w3.org/2001/XMLSchema-instance" xmlns:pc="http://schemas.microsoft.com/office/infopath/2007/PartnerControls">
+  <documentManagement/>
+</p:properties>
+</file>
+
 <file path=customXml/itemProps1.xml><?xml version="1.0" encoding="utf-8"?>
+<ds:datastoreItem xmlns:ds="http://schemas.openxmlformats.org/officeDocument/2006/customXml" ds:itemID="{E8DB7DEB-074E-4EE8-9B6E-FD277323109C}">
+  <ds:schemaRefs>
+    <ds:schemaRef ds:uri="http://schemas.microsoft.com/office/2006/metadata/contentType"/>
+    <ds:schemaRef ds:uri="http://schemas.microsoft.com/office/2006/metadata/properties/metaAttributes"/>
+    <ds:schemaRef ds:uri="http://www.w3.org/2001/XMLSchema"/>
+    <ds:schemaRef ds:uri="http://schemas.microsoft.com/office/2006/metadata/properties"/>
+    <ds:schemaRef ds:uri="http://schemas.openxmlformats.org/package/2006/metadata/core-properties"/>
+    <ds:schemaRef ds:uri="http://purl.org/dc/elements/1.1/"/>
+    <ds:schemaRef ds:uri="http://purl.org/dc/terms/"/>
+    <ds:schemaRef ds:uri="http://schemas.microsoft.com/office/internal/2005/internalDocumentation"/>
+  </ds:schemaRefs>
+</ds:datastoreItem>
+</file>
+
+<file path=customXml/itemProps2.xml><?xml version="1.0" encoding="utf-8"?>
 <ds:datastoreItem xmlns:ds="http://schemas.openxmlformats.org/officeDocument/2006/customXml" ds:itemID="{19E20559-B232-4371-8690-E3D8007EDB82}">
   <ds:schemaRefs>
     <ds:schemaRef ds:uri="http://schemas.microsoft.com/sharepoint/v3/contenttype/forms"/>
@@ -12896,7 +7606,7 @@
 </ds:datastoreItem>
 </file>
 
-<file path=customXml/itemProps2.xml><?xml version="1.0" encoding="utf-8"?>
+<file path=customXml/itemProps3.xml><?xml version="1.0" encoding="utf-8"?>
 <ds:datastoreItem xmlns:ds="http://schemas.openxmlformats.org/officeDocument/2006/customXml" ds:itemID="{A50EC660-24D0-43A0-AE5E-E274115E726B}">
   <ds:schemaRefs>
     <ds:schemaRef ds:uri="http://purl.org/dc/elements/1.1/"/>
@@ -12909,19 +7619,4 @@
     <ds:schemaRef ds:uri="http://schemas.microsoft.com/office/infopath/2007/PartnerControls"/>
   </ds:schemaRefs>
 </ds:datastoreItem>
-</file>
-
-<file path=customXml/itemProps3.xml><?xml version="1.0" encoding="utf-8"?>
-<ds:datastoreItem xmlns:ds="http://schemas.openxmlformats.org/officeDocument/2006/customXml" ds:itemID="{E8DB7DEB-074E-4EE8-9B6E-FD277323109C}">
-  <ds:schemaRefs>
-    <ds:schemaRef ds:uri="http://schemas.microsoft.com/office/2006/metadata/contentType"/>
-    <ds:schemaRef ds:uri="http://schemas.microsoft.com/office/2006/metadata/properties/metaAttributes"/>
-    <ds:schemaRef ds:uri="http://www.w3.org/2001/XMLSchema"/>
-    <ds:schemaRef ds:uri="http://schemas.microsoft.com/office/2006/metadata/properties"/>
-    <ds:schemaRef ds:uri="http://schemas.openxmlformats.org/package/2006/metadata/core-properties"/>
-    <ds:schemaRef ds:uri="http://purl.org/dc/elements/1.1/"/>
-    <ds:schemaRef ds:uri="http://purl.org/dc/terms/"/>
-    <ds:schemaRef ds:uri="http://schemas.microsoft.com/office/internal/2005/internalDocumentation"/>
-  </ds:schemaRefs>
-</ds:datastoreItem>
 </file>
--- a/intro-a.pptx
+++ b/intro-a.pptx
@@ -264,7 +264,7 @@
           <a:p>
             <a:fld id="{0B842F42-2CE9-4E35-95C1-410DC08A50B1}" type="datetimeFigureOut">
               <a:rPr lang="en-US" smtClean="0"/>
-              <a:t>3/19/24</a:t>
+              <a:t>3/25/24</a:t>
             </a:fld>
             <a:endParaRPr lang="en-US"/>
           </a:p>
@@ -429,7 +429,7 @@
           <a:p>
             <a:fld id="{6F282904-F315-4730-8D91-37D99E141A6F}" type="datetimeFigureOut">
               <a:rPr lang="en-US" smtClean="0"/>
-              <a:t>3/19/24</a:t>
+              <a:t>3/25/24</a:t>
             </a:fld>
             <a:endParaRPr lang="en-US"/>
           </a:p>
@@ -1508,10 +1508,10 @@
       </p:sp>
       <p:pic>
         <p:nvPicPr>
-          <p:cNvPr id="15" name="Picture 14">
+          <p:cNvPr id="5" name="Picture 4">
             <a:extLst>
               <a:ext uri="{FF2B5EF4-FFF2-40B4-BE49-F238E27FC236}">
-                <a16:creationId xmlns:a16="http://schemas.microsoft.com/office/drawing/2014/main" id="{C554CDC7-44CF-4751-9869-0265C8E01840}"/>
+                <a16:creationId xmlns:a16="http://schemas.microsoft.com/office/drawing/2014/main" id="{39A0B7EC-D4C0-0A37-EF93-54309C1E7E8C}"/>
               </a:ext>
             </a:extLst>
           </p:cNvPr>
@@ -1534,12 +1534,106 @@
         </p:blipFill>
         <p:spPr>
           <a:xfrm>
-            <a:off x="333211" y="3189686"/>
+            <a:off x="601269" y="1812348"/>
             <a:ext cx="2109916" cy="905256"/>
           </a:xfrm>
           <a:prstGeom prst="rect">
             <a:avLst/>
           </a:prstGeom>
+        </p:spPr>
+      </p:pic>
+      <p:pic>
+        <p:nvPicPr>
+          <p:cNvPr id="6" name="Picture 2">
+            <a:extLst>
+              <a:ext uri="{FF2B5EF4-FFF2-40B4-BE49-F238E27FC236}">
+                <a16:creationId xmlns:a16="http://schemas.microsoft.com/office/drawing/2014/main" id="{EF0692E1-7D85-78AD-9CB9-EDC5C0A1CD96}"/>
+              </a:ext>
+            </a:extLst>
+          </p:cNvPr>
+          <p:cNvPicPr>
+            <a:picLocks noChangeAspect="1" noChangeArrowheads="1"/>
+          </p:cNvPicPr>
+          <p:nvPr userDrawn="1"/>
+        </p:nvPicPr>
+        <p:blipFill>
+          <a:blip r:embed="rId6">
+            <a:extLst>
+              <a:ext uri="{28A0092B-C50C-407E-A947-70E740481C1C}">
+                <a14:useLocalDpi xmlns:a14="http://schemas.microsoft.com/office/drawing/2010/main" val="0"/>
+              </a:ext>
+            </a:extLst>
+          </a:blip>
+          <a:srcRect/>
+          <a:stretch>
+            <a:fillRect/>
+          </a:stretch>
+        </p:blipFill>
+        <p:spPr bwMode="auto">
+          <a:xfrm>
+            <a:off x="240177" y="4159671"/>
+            <a:ext cx="2832100" cy="1003300"/>
+          </a:xfrm>
+          <a:prstGeom prst="rect">
+            <a:avLst/>
+          </a:prstGeom>
+          <a:noFill/>
+          <a:extLst>
+            <a:ext uri="{909E8E84-426E-40DD-AFC4-6F175D3DCCD1}">
+              <a14:hiddenFill xmlns:a14="http://schemas.microsoft.com/office/drawing/2010/main">
+                <a:solidFill>
+                  <a:srgbClr val="FFFFFF"/>
+                </a:solidFill>
+              </a14:hiddenFill>
+            </a:ext>
+          </a:extLst>
+        </p:spPr>
+      </p:pic>
+      <p:pic>
+        <p:nvPicPr>
+          <p:cNvPr id="7" name="Picture 4">
+            <a:extLst>
+              <a:ext uri="{FF2B5EF4-FFF2-40B4-BE49-F238E27FC236}">
+                <a16:creationId xmlns:a16="http://schemas.microsoft.com/office/drawing/2014/main" id="{05CDAB3D-B8D6-9AC9-8507-6F95230AEE45}"/>
+              </a:ext>
+            </a:extLst>
+          </p:cNvPr>
+          <p:cNvPicPr>
+            <a:picLocks noChangeAspect="1" noChangeArrowheads="1"/>
+          </p:cNvPicPr>
+          <p:nvPr userDrawn="1"/>
+        </p:nvPicPr>
+        <p:blipFill>
+          <a:blip r:embed="rId7">
+            <a:extLst>
+              <a:ext uri="{28A0092B-C50C-407E-A947-70E740481C1C}">
+                <a14:useLocalDpi xmlns:a14="http://schemas.microsoft.com/office/drawing/2010/main" val="0"/>
+              </a:ext>
+            </a:extLst>
+          </a:blip>
+          <a:srcRect/>
+          <a:stretch>
+            <a:fillRect/>
+          </a:stretch>
+        </p:blipFill>
+        <p:spPr bwMode="auto">
+          <a:xfrm>
+            <a:off x="76990" y="3344480"/>
+            <a:ext cx="2937455" cy="682907"/>
+          </a:xfrm>
+          <a:prstGeom prst="rect">
+            <a:avLst/>
+          </a:prstGeom>
+          <a:noFill/>
+          <a:extLst>
+            <a:ext uri="{909E8E84-426E-40DD-AFC4-6F175D3DCCD1}">
+              <a14:hiddenFill xmlns:a14="http://schemas.microsoft.com/office/drawing/2010/main">
+                <a:solidFill>
+                  <a:srgbClr val="FFFFFF"/>
+                </a:solidFill>
+              </a14:hiddenFill>
+            </a:ext>
+          </a:extLst>
         </p:spPr>
       </p:pic>
     </p:spTree>
@@ -7520,6 +7614,21 @@
 </file>
 
 <file path=customXml/item1.xml><?xml version="1.0" encoding="utf-8"?>
+<p:properties xmlns:p="http://schemas.microsoft.com/office/2006/metadata/properties" xmlns:xsi="http://www.w3.org/2001/XMLSchema-instance" xmlns:pc="http://schemas.microsoft.com/office/infopath/2007/PartnerControls">
+  <documentManagement/>
+</p:properties>
+</file>
+
+<file path=customXml/item2.xml><?xml version="1.0" encoding="utf-8"?>
+<?mso-contentType ?>
+<FormTemplates xmlns="http://schemas.microsoft.com/sharepoint/v3/contenttype/forms">
+  <Display>DocumentLibraryForm</Display>
+  <Edit>DocumentLibraryForm</Edit>
+  <New>DocumentLibraryForm</New>
+</FormTemplates>
+</file>
+
+<file path=customXml/item3.xml><?xml version="1.0" encoding="utf-8"?>
 <ct:contentTypeSchema xmlns:ct="http://schemas.microsoft.com/office/2006/metadata/contentType" xmlns:ma="http://schemas.microsoft.com/office/2006/metadata/properties/metaAttributes" ct:_="" ma:_="" ma:contentTypeName="Document" ma:contentTypeID="0x010100565464437F680748A68B85EB6594EA7D" ma:contentTypeVersion="0" ma:contentTypeDescription="Create a new document." ma:contentTypeScope="" ma:versionID="fe3f4dd58d5914c51cfc6deaa8ad845c">
   <xsd:schema xmlns:xsd="http://www.w3.org/2001/XMLSchema" xmlns:p="http://schemas.microsoft.com/office/2006/metadata/properties" targetNamespace="http://schemas.microsoft.com/office/2006/metadata/properties" ma:root="true" ma:fieldsID="4aeb20c0e3442673af7ee10786458764">
     <xsd:element name="properties">
@@ -7568,32 +7677,17 @@
 </ct:contentTypeSchema>
 </file>
 
-<file path=customXml/item2.xml><?xml version="1.0" encoding="utf-8"?>
-<?mso-contentType ?>
-<FormTemplates xmlns="http://schemas.microsoft.com/sharepoint/v3/contenttype/forms">
-  <Display>DocumentLibraryForm</Display>
-  <Edit>DocumentLibraryForm</Edit>
-  <New>DocumentLibraryForm</New>
-</FormTemplates>
-</file>
-
-<file path=customXml/item3.xml><?xml version="1.0" encoding="utf-8"?>
-<p:properties xmlns:p="http://schemas.microsoft.com/office/2006/metadata/properties" xmlns:xsi="http://www.w3.org/2001/XMLSchema-instance" xmlns:pc="http://schemas.microsoft.com/office/infopath/2007/PartnerControls">
-  <documentManagement/>
-</p:properties>
-</file>
-
 <file path=customXml/itemProps1.xml><?xml version="1.0" encoding="utf-8"?>
-<ds:datastoreItem xmlns:ds="http://schemas.openxmlformats.org/officeDocument/2006/customXml" ds:itemID="{E8DB7DEB-074E-4EE8-9B6E-FD277323109C}">
+<ds:datastoreItem xmlns:ds="http://schemas.openxmlformats.org/officeDocument/2006/customXml" ds:itemID="{A50EC660-24D0-43A0-AE5E-E274115E726B}">
   <ds:schemaRefs>
-    <ds:schemaRef ds:uri="http://schemas.microsoft.com/office/2006/metadata/contentType"/>
-    <ds:schemaRef ds:uri="http://schemas.microsoft.com/office/2006/metadata/properties/metaAttributes"/>
-    <ds:schemaRef ds:uri="http://www.w3.org/2001/XMLSchema"/>
+    <ds:schemaRef ds:uri="http://purl.org/dc/elements/1.1/"/>
     <ds:schemaRef ds:uri="http://schemas.microsoft.com/office/2006/metadata/properties"/>
+    <ds:schemaRef ds:uri="http://purl.org/dc/terms/"/>
     <ds:schemaRef ds:uri="http://schemas.openxmlformats.org/package/2006/metadata/core-properties"/>
-    <ds:schemaRef ds:uri="http://purl.org/dc/elements/1.1/"/>
-    <ds:schemaRef ds:uri="http://purl.org/dc/terms/"/>
-    <ds:schemaRef ds:uri="http://schemas.microsoft.com/office/internal/2005/internalDocumentation"/>
+    <ds:schemaRef ds:uri="http://schemas.microsoft.com/office/2006/documentManagement/types"/>
+    <ds:schemaRef ds:uri="http://www.w3.org/XML/1998/namespace"/>
+    <ds:schemaRef ds:uri="http://purl.org/dc/dcmitype/"/>
+    <ds:schemaRef ds:uri="http://schemas.microsoft.com/office/infopath/2007/PartnerControls"/>
   </ds:schemaRefs>
 </ds:datastoreItem>
 </file>
@@ -7607,16 +7701,16 @@
 </file>
 
 <file path=customXml/itemProps3.xml><?xml version="1.0" encoding="utf-8"?>
-<ds:datastoreItem xmlns:ds="http://schemas.openxmlformats.org/officeDocument/2006/customXml" ds:itemID="{A50EC660-24D0-43A0-AE5E-E274115E726B}">
+<ds:datastoreItem xmlns:ds="http://schemas.openxmlformats.org/officeDocument/2006/customXml" ds:itemID="{E8DB7DEB-074E-4EE8-9B6E-FD277323109C}">
   <ds:schemaRefs>
+    <ds:schemaRef ds:uri="http://schemas.microsoft.com/office/2006/metadata/contentType"/>
+    <ds:schemaRef ds:uri="http://schemas.microsoft.com/office/2006/metadata/properties/metaAttributes"/>
+    <ds:schemaRef ds:uri="http://www.w3.org/2001/XMLSchema"/>
+    <ds:schemaRef ds:uri="http://schemas.microsoft.com/office/2006/metadata/properties"/>
+    <ds:schemaRef ds:uri="http://schemas.openxmlformats.org/package/2006/metadata/core-properties"/>
     <ds:schemaRef ds:uri="http://purl.org/dc/elements/1.1/"/>
-    <ds:schemaRef ds:uri="http://schemas.microsoft.com/office/2006/metadata/properties"/>
     <ds:schemaRef ds:uri="http://purl.org/dc/terms/"/>
-    <ds:schemaRef ds:uri="http://schemas.openxmlformats.org/package/2006/metadata/core-properties"/>
-    <ds:schemaRef ds:uri="http://schemas.microsoft.com/office/2006/documentManagement/types"/>
-    <ds:schemaRef ds:uri="http://www.w3.org/XML/1998/namespace"/>
-    <ds:schemaRef ds:uri="http://purl.org/dc/dcmitype/"/>
-    <ds:schemaRef ds:uri="http://schemas.microsoft.com/office/infopath/2007/PartnerControls"/>
+    <ds:schemaRef ds:uri="http://schemas.microsoft.com/office/internal/2005/internalDocumentation"/>
   </ds:schemaRefs>
 </ds:datastoreItem>
 </file>
--- a/intro-a.pptx
+++ b/intro-a.pptx
@@ -264,7 +264,7 @@
           <a:p>
             <a:fld id="{0B842F42-2CE9-4E35-95C1-410DC08A50B1}" type="datetimeFigureOut">
               <a:rPr lang="en-US" smtClean="0"/>
-              <a:t>3/25/24</a:t>
+              <a:t>4/4/24</a:t>
             </a:fld>
             <a:endParaRPr lang="en-US"/>
           </a:p>
@@ -429,7 +429,7 @@
           <a:p>
             <a:fld id="{6F282904-F315-4730-8D91-37D99E141A6F}" type="datetimeFigureOut">
               <a:rPr lang="en-US" smtClean="0"/>
-              <a:t>3/25/24</a:t>
+              <a:t>4/4/24</a:t>
             </a:fld>
             <a:endParaRPr lang="en-US"/>
           </a:p>
@@ -1506,136 +1506,193 @@
           </a:p>
         </p:txBody>
       </p:sp>
-      <p:pic>
-        <p:nvPicPr>
-          <p:cNvPr id="5" name="Picture 4">
+      <p:grpSp>
+        <p:nvGrpSpPr>
+          <p:cNvPr id="12" name="Group 11">
             <a:extLst>
               <a:ext uri="{FF2B5EF4-FFF2-40B4-BE49-F238E27FC236}">
-                <a16:creationId xmlns:a16="http://schemas.microsoft.com/office/drawing/2014/main" id="{39A0B7EC-D4C0-0A37-EF93-54309C1E7E8C}"/>
+                <a16:creationId xmlns:a16="http://schemas.microsoft.com/office/drawing/2014/main" id="{8005D3DA-248B-AD7F-7F53-F97D9F48C658}"/>
               </a:ext>
             </a:extLst>
           </p:cNvPr>
-          <p:cNvPicPr>
-            <a:picLocks noChangeAspect="1"/>
-          </p:cNvPicPr>
+          <p:cNvGrpSpPr/>
           <p:nvPr userDrawn="1"/>
-        </p:nvPicPr>
-        <p:blipFill>
-          <a:blip r:embed="rId5" cstate="print">
+        </p:nvGrpSpPr>
+        <p:grpSpPr>
+          <a:xfrm>
+            <a:off x="32331" y="158509"/>
+            <a:ext cx="2937455" cy="5079380"/>
+            <a:chOff x="-80559" y="113353"/>
+            <a:chExt cx="2937455" cy="5079380"/>
+          </a:xfrm>
+        </p:grpSpPr>
+        <p:pic>
+          <p:nvPicPr>
+            <p:cNvPr id="5" name="Picture 4">
+              <a:extLst>
+                <a:ext uri="{FF2B5EF4-FFF2-40B4-BE49-F238E27FC236}">
+                  <a16:creationId xmlns:a16="http://schemas.microsoft.com/office/drawing/2014/main" id="{39A0B7EC-D4C0-0A37-EF93-54309C1E7E8C}"/>
+                </a:ext>
+              </a:extLst>
+            </p:cNvPr>
+            <p:cNvPicPr>
+              <a:picLocks noChangeAspect="1"/>
+            </p:cNvPicPr>
+            <p:nvPr userDrawn="1"/>
+          </p:nvPicPr>
+          <p:blipFill>
+            <a:blip r:embed="rId5" cstate="print">
+              <a:extLst>
+                <a:ext uri="{28A0092B-C50C-407E-A947-70E740481C1C}">
+                  <a14:useLocalDpi xmlns:a14="http://schemas.microsoft.com/office/drawing/2010/main" val="0"/>
+                </a:ext>
+              </a:extLst>
+            </a:blip>
+            <a:stretch>
+              <a:fillRect/>
+            </a:stretch>
+          </p:blipFill>
+          <p:spPr>
+            <a:xfrm>
+              <a:off x="263939" y="113353"/>
+              <a:ext cx="2109916" cy="905256"/>
+            </a:xfrm>
+            <a:prstGeom prst="rect">
+              <a:avLst/>
+            </a:prstGeom>
+          </p:spPr>
+        </p:pic>
+        <p:pic>
+          <p:nvPicPr>
+            <p:cNvPr id="6" name="Picture 2">
+              <a:extLst>
+                <a:ext uri="{FF2B5EF4-FFF2-40B4-BE49-F238E27FC236}">
+                  <a16:creationId xmlns:a16="http://schemas.microsoft.com/office/drawing/2014/main" id="{EF0692E1-7D85-78AD-9CB9-EDC5C0A1CD96}"/>
+                </a:ext>
+              </a:extLst>
+            </p:cNvPr>
+            <p:cNvPicPr>
+              <a:picLocks noChangeAspect="1" noChangeArrowheads="1"/>
+            </p:cNvPicPr>
+            <p:nvPr userDrawn="1"/>
+          </p:nvPicPr>
+          <p:blipFill>
+            <a:blip r:embed="rId6">
+              <a:extLst>
+                <a:ext uri="{28A0092B-C50C-407E-A947-70E740481C1C}">
+                  <a14:useLocalDpi xmlns:a14="http://schemas.microsoft.com/office/drawing/2010/main" val="0"/>
+                </a:ext>
+              </a:extLst>
+            </a:blip>
+            <a:srcRect/>
+            <a:stretch>
+              <a:fillRect/>
+            </a:stretch>
+          </p:blipFill>
+          <p:spPr bwMode="auto">
+            <a:xfrm>
+              <a:off x="24796" y="3155674"/>
+              <a:ext cx="2832100" cy="1003300"/>
+            </a:xfrm>
+            <a:prstGeom prst="rect">
+              <a:avLst/>
+            </a:prstGeom>
+            <a:noFill/>
             <a:extLst>
-              <a:ext uri="{28A0092B-C50C-407E-A947-70E740481C1C}">
-                <a14:useLocalDpi xmlns:a14="http://schemas.microsoft.com/office/drawing/2010/main" val="0"/>
+              <a:ext uri="{909E8E84-426E-40DD-AFC4-6F175D3DCCD1}">
+                <a14:hiddenFill xmlns:a14="http://schemas.microsoft.com/office/drawing/2010/main">
+                  <a:solidFill>
+                    <a:srgbClr val="FFFFFF"/>
+                  </a:solidFill>
+                </a14:hiddenFill>
               </a:ext>
             </a:extLst>
-          </a:blip>
-          <a:stretch>
-            <a:fillRect/>
-          </a:stretch>
-        </p:blipFill>
-        <p:spPr>
-          <a:xfrm>
-            <a:off x="601269" y="1812348"/>
-            <a:ext cx="2109916" cy="905256"/>
-          </a:xfrm>
-          <a:prstGeom prst="rect">
-            <a:avLst/>
-          </a:prstGeom>
-        </p:spPr>
-      </p:pic>
-      <p:pic>
-        <p:nvPicPr>
-          <p:cNvPr id="6" name="Picture 2">
+          </p:spPr>
+        </p:pic>
+        <p:pic>
+          <p:nvPicPr>
+            <p:cNvPr id="7" name="Picture 4">
+              <a:extLst>
+                <a:ext uri="{FF2B5EF4-FFF2-40B4-BE49-F238E27FC236}">
+                  <a16:creationId xmlns:a16="http://schemas.microsoft.com/office/drawing/2014/main" id="{05CDAB3D-B8D6-9AC9-8507-6F95230AEE45}"/>
+                </a:ext>
+              </a:extLst>
+            </p:cNvPr>
+            <p:cNvPicPr>
+              <a:picLocks noChangeAspect="1" noChangeArrowheads="1"/>
+            </p:cNvPicPr>
+            <p:nvPr userDrawn="1"/>
+          </p:nvPicPr>
+          <p:blipFill>
+            <a:blip r:embed="rId7">
+              <a:extLst>
+                <a:ext uri="{28A0092B-C50C-407E-A947-70E740481C1C}">
+                  <a14:useLocalDpi xmlns:a14="http://schemas.microsoft.com/office/drawing/2010/main" val="0"/>
+                </a:ext>
+              </a:extLst>
+            </a:blip>
+            <a:srcRect/>
+            <a:stretch>
+              <a:fillRect/>
+            </a:stretch>
+          </p:blipFill>
+          <p:spPr bwMode="auto">
+            <a:xfrm>
+              <a:off x="-80559" y="2517770"/>
+              <a:ext cx="2937455" cy="682907"/>
+            </a:xfrm>
+            <a:prstGeom prst="rect">
+              <a:avLst/>
+            </a:prstGeom>
+            <a:noFill/>
             <a:extLst>
-              <a:ext uri="{FF2B5EF4-FFF2-40B4-BE49-F238E27FC236}">
-                <a16:creationId xmlns:a16="http://schemas.microsoft.com/office/drawing/2014/main" id="{EF0692E1-7D85-78AD-9CB9-EDC5C0A1CD96}"/>
+              <a:ext uri="{909E8E84-426E-40DD-AFC4-6F175D3DCCD1}">
+                <a14:hiddenFill xmlns:a14="http://schemas.microsoft.com/office/drawing/2010/main">
+                  <a:solidFill>
+                    <a:srgbClr val="FFFFFF"/>
+                  </a:solidFill>
+                </a14:hiddenFill>
               </a:ext>
             </a:extLst>
-          </p:cNvPr>
-          <p:cNvPicPr>
-            <a:picLocks noChangeAspect="1" noChangeArrowheads="1"/>
-          </p:cNvPicPr>
-          <p:nvPr userDrawn="1"/>
-        </p:nvPicPr>
-        <p:blipFill>
-          <a:blip r:embed="rId6">
-            <a:extLst>
-              <a:ext uri="{28A0092B-C50C-407E-A947-70E740481C1C}">
-                <a14:useLocalDpi xmlns:a14="http://schemas.microsoft.com/office/drawing/2010/main" val="0"/>
-              </a:ext>
-            </a:extLst>
-          </a:blip>
-          <a:srcRect/>
-          <a:stretch>
-            <a:fillRect/>
-          </a:stretch>
-        </p:blipFill>
-        <p:spPr bwMode="auto">
-          <a:xfrm>
-            <a:off x="240177" y="4159671"/>
-            <a:ext cx="2832100" cy="1003300"/>
-          </a:xfrm>
-          <a:prstGeom prst="rect">
-            <a:avLst/>
-          </a:prstGeom>
-          <a:noFill/>
-          <a:extLst>
-            <a:ext uri="{909E8E84-426E-40DD-AFC4-6F175D3DCCD1}">
-              <a14:hiddenFill xmlns:a14="http://schemas.microsoft.com/office/drawing/2010/main">
-                <a:solidFill>
-                  <a:srgbClr val="FFFFFF"/>
-                </a:solidFill>
-              </a14:hiddenFill>
-            </a:ext>
-          </a:extLst>
-        </p:spPr>
-      </p:pic>
-      <p:pic>
-        <p:nvPicPr>
-          <p:cNvPr id="7" name="Picture 4">
-            <a:extLst>
-              <a:ext uri="{FF2B5EF4-FFF2-40B4-BE49-F238E27FC236}">
-                <a16:creationId xmlns:a16="http://schemas.microsoft.com/office/drawing/2014/main" id="{05CDAB3D-B8D6-9AC9-8507-6F95230AEE45}"/>
-              </a:ext>
-            </a:extLst>
-          </p:cNvPr>
-          <p:cNvPicPr>
-            <a:picLocks noChangeAspect="1" noChangeArrowheads="1"/>
-          </p:cNvPicPr>
-          <p:nvPr userDrawn="1"/>
-        </p:nvPicPr>
-        <p:blipFill>
-          <a:blip r:embed="rId7">
-            <a:extLst>
-              <a:ext uri="{28A0092B-C50C-407E-A947-70E740481C1C}">
-                <a14:useLocalDpi xmlns:a14="http://schemas.microsoft.com/office/drawing/2010/main" val="0"/>
-              </a:ext>
-            </a:extLst>
-          </a:blip>
-          <a:srcRect/>
-          <a:stretch>
-            <a:fillRect/>
-          </a:stretch>
-        </p:blipFill>
-        <p:spPr bwMode="auto">
-          <a:xfrm>
-            <a:off x="76990" y="3344480"/>
-            <a:ext cx="2937455" cy="682907"/>
-          </a:xfrm>
-          <a:prstGeom prst="rect">
-            <a:avLst/>
-          </a:prstGeom>
-          <a:noFill/>
-          <a:extLst>
-            <a:ext uri="{909E8E84-426E-40DD-AFC4-6F175D3DCCD1}">
-              <a14:hiddenFill xmlns:a14="http://schemas.microsoft.com/office/drawing/2010/main">
-                <a:solidFill>
-                  <a:srgbClr val="FFFFFF"/>
-                </a:solidFill>
-              </a14:hiddenFill>
-            </a:ext>
-          </a:extLst>
-        </p:spPr>
-      </p:pic>
+          </p:spPr>
+        </p:pic>
+        <p:pic>
+          <p:nvPicPr>
+            <p:cNvPr id="11" name="Picture 10" descr="A black and white sign with blue text&#10;&#10;Description automatically generated">
+              <a:extLst>
+                <a:ext uri="{FF2B5EF4-FFF2-40B4-BE49-F238E27FC236}">
+                  <a16:creationId xmlns:a16="http://schemas.microsoft.com/office/drawing/2014/main" id="{A50B83FE-88FB-1C61-17CC-A58C0BE092BF}"/>
+                </a:ext>
+              </a:extLst>
+            </p:cNvPr>
+            <p:cNvPicPr>
+              <a:picLocks noChangeAspect="1"/>
+            </p:cNvPicPr>
+            <p:nvPr userDrawn="1"/>
+          </p:nvPicPr>
+          <p:blipFill>
+            <a:blip r:embed="rId8">
+              <a:extLst>
+                <a:ext uri="{28A0092B-C50C-407E-A947-70E740481C1C}">
+                  <a14:useLocalDpi xmlns:a14="http://schemas.microsoft.com/office/drawing/2010/main" val="0"/>
+                </a:ext>
+              </a:extLst>
+            </a:blip>
+            <a:stretch>
+              <a:fillRect/>
+            </a:stretch>
+          </p:blipFill>
+          <p:spPr>
+            <a:xfrm>
+              <a:off x="263939" y="4401022"/>
+              <a:ext cx="2455333" cy="791711"/>
+            </a:xfrm>
+            <a:prstGeom prst="rect">
+              <a:avLst/>
+            </a:prstGeom>
+          </p:spPr>
+        </p:pic>
+      </p:grpSp>
     </p:spTree>
     <p:extLst>
       <p:ext uri="{BB962C8B-B14F-4D97-AF65-F5344CB8AC3E}">
@@ -7614,12 +7671,6 @@
 </file>
 
 <file path=customXml/item1.xml><?xml version="1.0" encoding="utf-8"?>
-<p:properties xmlns:p="http://schemas.microsoft.com/office/2006/metadata/properties" xmlns:xsi="http://www.w3.org/2001/XMLSchema-instance" xmlns:pc="http://schemas.microsoft.com/office/infopath/2007/PartnerControls">
-  <documentManagement/>
-</p:properties>
-</file>
-
-<file path=customXml/item2.xml><?xml version="1.0" encoding="utf-8"?>
 <?mso-contentType ?>
 <FormTemplates xmlns="http://schemas.microsoft.com/sharepoint/v3/contenttype/forms">
   <Display>DocumentLibraryForm</Display>
@@ -7628,7 +7679,7 @@
 </FormTemplates>
 </file>
 
-<file path=customXml/item3.xml><?xml version="1.0" encoding="utf-8"?>
+<file path=customXml/item2.xml><?xml version="1.0" encoding="utf-8"?>
 <ct:contentTypeSchema xmlns:ct="http://schemas.microsoft.com/office/2006/metadata/contentType" xmlns:ma="http://schemas.microsoft.com/office/2006/metadata/properties/metaAttributes" ct:_="" ma:_="" ma:contentTypeName="Document" ma:contentTypeID="0x010100565464437F680748A68B85EB6594EA7D" ma:contentTypeVersion="0" ma:contentTypeDescription="Create a new document." ma:contentTypeScope="" ma:versionID="fe3f4dd58d5914c51cfc6deaa8ad845c">
   <xsd:schema xmlns:xsd="http://www.w3.org/2001/XMLSchema" xmlns:p="http://schemas.microsoft.com/office/2006/metadata/properties" targetNamespace="http://schemas.microsoft.com/office/2006/metadata/properties" ma:root="true" ma:fieldsID="4aeb20c0e3442673af7ee10786458764">
     <xsd:element name="properties">
@@ -7677,7 +7728,36 @@
 </ct:contentTypeSchema>
 </file>
 
+<file path=customXml/item3.xml><?xml version="1.0" encoding="utf-8"?>
+<p:properties xmlns:p="http://schemas.microsoft.com/office/2006/metadata/properties" xmlns:xsi="http://www.w3.org/2001/XMLSchema-instance" xmlns:pc="http://schemas.microsoft.com/office/infopath/2007/PartnerControls">
+  <documentManagement/>
+</p:properties>
+</file>
+
 <file path=customXml/itemProps1.xml><?xml version="1.0" encoding="utf-8"?>
+<ds:datastoreItem xmlns:ds="http://schemas.openxmlformats.org/officeDocument/2006/customXml" ds:itemID="{19E20559-B232-4371-8690-E3D8007EDB82}">
+  <ds:schemaRefs>
+    <ds:schemaRef ds:uri="http://schemas.microsoft.com/sharepoint/v3/contenttype/forms"/>
+  </ds:schemaRefs>
+</ds:datastoreItem>
+</file>
+
+<file path=customXml/itemProps2.xml><?xml version="1.0" encoding="utf-8"?>
+<ds:datastoreItem xmlns:ds="http://schemas.openxmlformats.org/officeDocument/2006/customXml" ds:itemID="{E8DB7DEB-074E-4EE8-9B6E-FD277323109C}">
+  <ds:schemaRefs>
+    <ds:schemaRef ds:uri="http://schemas.microsoft.com/office/2006/metadata/contentType"/>
+    <ds:schemaRef ds:uri="http://schemas.microsoft.com/office/2006/metadata/properties/metaAttributes"/>
+    <ds:schemaRef ds:uri="http://www.w3.org/2001/XMLSchema"/>
+    <ds:schemaRef ds:uri="http://schemas.microsoft.com/office/2006/metadata/properties"/>
+    <ds:schemaRef ds:uri="http://schemas.openxmlformats.org/package/2006/metadata/core-properties"/>
+    <ds:schemaRef ds:uri="http://purl.org/dc/elements/1.1/"/>
+    <ds:schemaRef ds:uri="http://purl.org/dc/terms/"/>
+    <ds:schemaRef ds:uri="http://schemas.microsoft.com/office/internal/2005/internalDocumentation"/>
+  </ds:schemaRefs>
+</ds:datastoreItem>
+</file>
+
+<file path=customXml/itemProps3.xml><?xml version="1.0" encoding="utf-8"?>
 <ds:datastoreItem xmlns:ds="http://schemas.openxmlformats.org/officeDocument/2006/customXml" ds:itemID="{A50EC660-24D0-43A0-AE5E-E274115E726B}">
   <ds:schemaRefs>
     <ds:schemaRef ds:uri="http://purl.org/dc/elements/1.1/"/>
@@ -7690,27 +7770,4 @@
     <ds:schemaRef ds:uri="http://schemas.microsoft.com/office/infopath/2007/PartnerControls"/>
   </ds:schemaRefs>
 </ds:datastoreItem>
-</file>
-
-<file path=customXml/itemProps2.xml><?xml version="1.0" encoding="utf-8"?>
-<ds:datastoreItem xmlns:ds="http://schemas.openxmlformats.org/officeDocument/2006/customXml" ds:itemID="{19E20559-B232-4371-8690-E3D8007EDB82}">
-  <ds:schemaRefs>
-    <ds:schemaRef ds:uri="http://schemas.microsoft.com/sharepoint/v3/contenttype/forms"/>
-  </ds:schemaRefs>
-</ds:datastoreItem>
-</file>
-
-<file path=customXml/itemProps3.xml><?xml version="1.0" encoding="utf-8"?>
-<ds:datastoreItem xmlns:ds="http://schemas.openxmlformats.org/officeDocument/2006/customXml" ds:itemID="{E8DB7DEB-074E-4EE8-9B6E-FD277323109C}">
-  <ds:schemaRefs>
-    <ds:schemaRef ds:uri="http://schemas.microsoft.com/office/2006/metadata/contentType"/>
-    <ds:schemaRef ds:uri="http://schemas.microsoft.com/office/2006/metadata/properties/metaAttributes"/>
-    <ds:schemaRef ds:uri="http://www.w3.org/2001/XMLSchema"/>
-    <ds:schemaRef ds:uri="http://schemas.microsoft.com/office/2006/metadata/properties"/>
-    <ds:schemaRef ds:uri="http://schemas.openxmlformats.org/package/2006/metadata/core-properties"/>
-    <ds:schemaRef ds:uri="http://purl.org/dc/elements/1.1/"/>
-    <ds:schemaRef ds:uri="http://purl.org/dc/terms/"/>
-    <ds:schemaRef ds:uri="http://schemas.microsoft.com/office/internal/2005/internalDocumentation"/>
-  </ds:schemaRefs>
-</ds:datastoreItem>
 </file>
--- a/intro-a.pptx
+++ b/intro-a.pptx
@@ -264,7 +264,7 @@
           <a:p>
             <a:fld id="{0B842F42-2CE9-4E35-95C1-410DC08A50B1}" type="datetimeFigureOut">
               <a:rPr lang="en-US" smtClean="0"/>
-              <a:t>4/4/24</a:t>
+              <a:t>4/24/2024</a:t>
             </a:fld>
             <a:endParaRPr lang="en-US"/>
           </a:p>
@@ -429,7 +429,7 @@
           <a:p>
             <a:fld id="{6F282904-F315-4730-8D91-37D99E141A6F}" type="datetimeFigureOut">
               <a:rPr lang="en-US" smtClean="0"/>
-              <a:t>4/4/24</a:t>
+              <a:t>4/24/2024</a:t>
             </a:fld>
             <a:endParaRPr lang="en-US"/>
           </a:p>
@@ -1624,7 +1624,7 @@
             <p:nvPr userDrawn="1"/>
           </p:nvPicPr>
           <p:blipFill>
-            <a:blip r:embed="rId7">
+            <a:blip r:embed="rId7" cstate="print">
               <a:extLst>
                 <a:ext uri="{28A0092B-C50C-407E-A947-70E740481C1C}">
                   <a14:useLocalDpi xmlns:a14="http://schemas.microsoft.com/office/drawing/2010/main" val="0"/>
@@ -1671,7 +1671,7 @@
             <p:nvPr userDrawn="1"/>
           </p:nvPicPr>
           <p:blipFill>
-            <a:blip r:embed="rId8">
+            <a:blip r:embed="rId8" cstate="print">
               <a:extLst>
                 <a:ext uri="{28A0092B-C50C-407E-A947-70E740481C1C}">
                   <a14:useLocalDpi xmlns:a14="http://schemas.microsoft.com/office/drawing/2010/main" val="0"/>
@@ -4181,14 +4181,14 @@
             <p:ph idx="1"/>
             <p:extLst>
               <p:ext uri="{D42A27DB-BD31-4B8C-83A1-F6EECF244321}">
-                <p14:modId xmlns:p14="http://schemas.microsoft.com/office/powerpoint/2010/main" val="3715461049"/>
+                <p14:modId xmlns:p14="http://schemas.microsoft.com/office/powerpoint/2010/main" val="1542722887"/>
               </p:ext>
             </p:extLst>
           </p:nvPr>
         </p:nvGraphicFramePr>
         <p:xfrm>
           <a:off x="1051560" y="1074420"/>
-          <a:ext cx="9692640" cy="5265420"/>
+          <a:ext cx="9692640" cy="5478018"/>
         </p:xfrm>
         <a:graphic>
           <a:graphicData uri="http://schemas.openxmlformats.org/drawingml/2006/table">
@@ -4223,7 +4223,7 @@
                         <a:rPr lang="en-US" sz="1800" dirty="0">
                           <a:effectLst/>
                         </a:rPr>
-                        <a:t>Time (CDT)</a:t>
+                        <a:t>Time (CEST)</a:t>
                       </a:r>
                     </a:p>
                   </a:txBody>
@@ -4390,7 +4390,7 @@
                         <a:rPr lang="en-US" sz="1800" i="0" dirty="0">
                           <a:effectLst/>
                         </a:rPr>
-                        <a:t>Testing and Verification</a:t>
+                        <a:t>Software Testing and Verification</a:t>
                       </a:r>
                     </a:p>
                   </a:txBody>
@@ -4428,7 +4428,7 @@
                         <a:rPr lang="en-US" sz="1800" dirty="0">
                           <a:effectLst/>
                         </a:rPr>
-                        <a:t>Refactoring</a:t>
+                        <a:t>Refactoring Scientific Software</a:t>
                       </a:r>
                     </a:p>
                   </a:txBody>
@@ -5111,17 +5111,6 @@
             </a:r>
           </a:p>
           <a:p>
-            <a:pPr>
-              <a:spcBef>
-                <a:spcPts val="1000"/>
-              </a:spcBef>
-            </a:pPr>
-            <a:r>
-              <a:rPr lang="en-US" dirty="0"/>
-              <a:t>David E. Bernholdt, ORNL</a:t>
-            </a:r>
-          </a:p>
-          <a:p>
             <a:pPr marL="0" indent="0">
               <a:spcBef>
                 <a:spcPts val="1000"/>
@@ -5269,115 +5258,6 @@
             </a:prstGeom>
           </p:spPr>
         </p:pic>
-      </p:grpSp>
-      <p:grpSp>
-        <p:nvGrpSpPr>
-          <p:cNvPr id="10" name="Group 9">
-            <a:extLst>
-              <a:ext uri="{FF2B5EF4-FFF2-40B4-BE49-F238E27FC236}">
-                <a16:creationId xmlns:a16="http://schemas.microsoft.com/office/drawing/2014/main" id="{C222F5C8-31C2-BA06-2CAD-CC7FFB5CD75E}"/>
-              </a:ext>
-            </a:extLst>
-          </p:cNvPr>
-          <p:cNvGrpSpPr>
-            <a:grpSpLocks noChangeAspect="1"/>
-          </p:cNvGrpSpPr>
-          <p:nvPr/>
-        </p:nvGrpSpPr>
-        <p:grpSpPr>
-          <a:xfrm>
-            <a:off x="8383051" y="961926"/>
-            <a:ext cx="1930720" cy="3344157"/>
-            <a:chOff x="4187619" y="4211394"/>
-            <a:chExt cx="1038027" cy="1797939"/>
-          </a:xfrm>
-        </p:grpSpPr>
-        <p:pic>
-          <p:nvPicPr>
-            <p:cNvPr id="11" name="Picture 10" descr="A person wearing glasses&#10;&#10;Description automatically generated with low confidence">
-              <a:extLst>
-                <a:ext uri="{FF2B5EF4-FFF2-40B4-BE49-F238E27FC236}">
-                  <a16:creationId xmlns:a16="http://schemas.microsoft.com/office/drawing/2014/main" id="{02DFC338-860F-9AFB-DEF8-955E23E96ED3}"/>
-                </a:ext>
-              </a:extLst>
-            </p:cNvPr>
-            <p:cNvPicPr>
-              <a:picLocks noChangeAspect="1"/>
-            </p:cNvPicPr>
-            <p:nvPr/>
-          </p:nvPicPr>
-          <p:blipFill rotWithShape="1">
-            <a:blip r:embed="rId3" cstate="print">
-              <a:extLst>
-                <a:ext uri="{28A0092B-C50C-407E-A947-70E740481C1C}">
-                  <a14:useLocalDpi xmlns:a14="http://schemas.microsoft.com/office/drawing/2010/main" val="0"/>
-                </a:ext>
-              </a:extLst>
-            </a:blip>
-            <a:srcRect l="8053" t="854" r="5947" b="-854"/>
-            <a:stretch/>
-          </p:blipFill>
-          <p:spPr>
-            <a:xfrm>
-              <a:off x="4187619" y="4211394"/>
-              <a:ext cx="1038027" cy="1207008"/>
-            </a:xfrm>
-            <a:prstGeom prst="rect">
-              <a:avLst/>
-            </a:prstGeom>
-          </p:spPr>
-        </p:pic>
-        <p:sp>
-          <p:nvSpPr>
-            <p:cNvPr id="12" name="TextBox 11">
-              <a:extLst>
-                <a:ext uri="{FF2B5EF4-FFF2-40B4-BE49-F238E27FC236}">
-                  <a16:creationId xmlns:a16="http://schemas.microsoft.com/office/drawing/2014/main" id="{16C222B4-9F80-DF67-6C02-CC1A2D4E7B30}"/>
-                </a:ext>
-              </a:extLst>
-            </p:cNvPr>
-            <p:cNvSpPr txBox="1"/>
-            <p:nvPr/>
-          </p:nvSpPr>
-          <p:spPr>
-            <a:xfrm>
-              <a:off x="4268051" y="5418402"/>
-              <a:ext cx="877163" cy="590931"/>
-            </a:xfrm>
-            <a:prstGeom prst="rect">
-              <a:avLst/>
-            </a:prstGeom>
-            <a:noFill/>
-          </p:spPr>
-          <p:txBody>
-            <a:bodyPr wrap="none" rtlCol="0">
-              <a:spAutoFit/>
-            </a:bodyPr>
-            <a:lstStyle/>
-            <a:p>
-              <a:pPr algn="ctr">
-                <a:lnSpc>
-                  <a:spcPct val="90000"/>
-                </a:lnSpc>
-              </a:pPr>
-              <a:r>
-                <a:rPr lang="en-US" dirty="0"/>
-                <a:t>David</a:t>
-              </a:r>
-            </a:p>
-            <a:p>
-              <a:pPr algn="ctr">
-                <a:lnSpc>
-                  <a:spcPct val="90000"/>
-                </a:lnSpc>
-              </a:pPr>
-              <a:r>
-                <a:rPr lang="en-US" i="1" dirty="0"/>
-                <a:t>he/him</a:t>
-              </a:r>
-            </a:p>
-          </p:txBody>
-        </p:sp>
       </p:grpSp>
     </p:spTree>
     <p:extLst>
@@ -5949,7 +5829,7 @@
           <a:p>
             <a:r>
               <a:rPr lang="en-US" dirty="0"/>
-              <a:t>Follow IDEAS and </a:t>
+              <a:t>Follow </a:t>
             </a:r>
             <a:r>
               <a:rPr lang="en-US" dirty="0" err="1"/>
@@ -6555,7 +6435,7 @@
           <p:nvPr/>
         </p:nvPicPr>
         <p:blipFill rotWithShape="1">
-          <a:blip r:embed="rId2">
+          <a:blip r:embed="rId2" cstate="print">
             <a:extLst>
               <a:ext uri="{28A0092B-C50C-407E-A947-70E740481C1C}">
                 <a14:useLocalDpi xmlns:a14="http://schemas.microsoft.com/office/drawing/2010/main" val="0"/>
@@ -6741,6 +6621,82 @@
             <a:r>
               <a:rPr lang="en-US" dirty="0"/>
               <a:t> page for all tutorial materials</a:t>
+            </a:r>
+          </a:p>
+        </p:txBody>
+      </p:sp>
+      <p:sp>
+        <p:nvSpPr>
+          <p:cNvPr id="4" name="TextBox 3">
+            <a:extLst>
+              <a:ext uri="{FF2B5EF4-FFF2-40B4-BE49-F238E27FC236}">
+                <a16:creationId xmlns:a16="http://schemas.microsoft.com/office/drawing/2014/main" id="{A5930DDF-DCEE-AE67-9936-FEA881563FF7}"/>
+              </a:ext>
+            </a:extLst>
+          </p:cNvPr>
+          <p:cNvSpPr txBox="1"/>
+          <p:nvPr/>
+        </p:nvSpPr>
+        <p:spPr>
+          <a:xfrm>
+            <a:off x="1239622" y="4777000"/>
+            <a:ext cx="9709581" cy="1098762"/>
+          </a:xfrm>
+          <a:prstGeom prst="rect">
+            <a:avLst/>
+          </a:prstGeom>
+          <a:solidFill>
+            <a:srgbClr val="FFFF00"/>
+          </a:solidFill>
+          <a:ln w="28575">
+            <a:solidFill>
+              <a:schemeClr val="tx1"/>
+            </a:solidFill>
+          </a:ln>
+        </p:spPr>
+        <p:txBody>
+          <a:bodyPr wrap="none" lIns="118872" tIns="91440" rIns="118872" bIns="91440" rtlCol="0" anchor="ctr" anchorCtr="0">
+            <a:spAutoFit/>
+          </a:bodyPr>
+          <a:lstStyle/>
+          <a:p>
+            <a:pPr algn="ctr">
+              <a:lnSpc>
+                <a:spcPct val="90000"/>
+              </a:lnSpc>
+            </a:pPr>
+            <a:r>
+              <a:rPr lang="en-US" sz="2400" dirty="0"/>
+              <a:t>You may also be interested in other software-related events at ISC24!</a:t>
+            </a:r>
+          </a:p>
+          <a:p>
+            <a:pPr algn="ctr">
+              <a:lnSpc>
+                <a:spcPct val="90000"/>
+              </a:lnSpc>
+            </a:pPr>
+            <a:r>
+              <a:rPr lang="en-US" sz="2400" dirty="0"/>
+              <a:t>Visit </a:t>
+            </a:r>
+            <a:r>
+              <a:rPr lang="en-US" sz="2400" dirty="0">
+                <a:hlinkClick r:id="rId4"/>
+              </a:rPr>
+              <a:t>https://bssw.io/events/isc24-software-related-events</a:t>
+            </a:r>
+            <a:endParaRPr lang="en-US" sz="2400" dirty="0"/>
+          </a:p>
+          <a:p>
+            <a:pPr algn="ctr">
+              <a:lnSpc>
+                <a:spcPct val="90000"/>
+              </a:lnSpc>
+            </a:pPr>
+            <a:r>
+              <a:rPr lang="en-US" dirty="0"/>
+              <a:t>(link is also on tutorial webpage)</a:t>
             </a:r>
           </a:p>
         </p:txBody>
@@ -7671,12 +7627,9 @@
 </file>
 
 <file path=customXml/item1.xml><?xml version="1.0" encoding="utf-8"?>
-<?mso-contentType ?>
-<FormTemplates xmlns="http://schemas.microsoft.com/sharepoint/v3/contenttype/forms">
-  <Display>DocumentLibraryForm</Display>
-  <Edit>DocumentLibraryForm</Edit>
-  <New>DocumentLibraryForm</New>
-</FormTemplates>
+<p:properties xmlns:p="http://schemas.microsoft.com/office/2006/metadata/properties" xmlns:xsi="http://www.w3.org/2001/XMLSchema-instance" xmlns:pc="http://schemas.microsoft.com/office/infopath/2007/PartnerControls">
+  <documentManagement/>
+</p:properties>
 </file>
 
 <file path=customXml/item2.xml><?xml version="1.0" encoding="utf-8"?>
@@ -7729,15 +7682,25 @@
 </file>
 
 <file path=customXml/item3.xml><?xml version="1.0" encoding="utf-8"?>
-<p:properties xmlns:p="http://schemas.microsoft.com/office/2006/metadata/properties" xmlns:xsi="http://www.w3.org/2001/XMLSchema-instance" xmlns:pc="http://schemas.microsoft.com/office/infopath/2007/PartnerControls">
-  <documentManagement/>
-</p:properties>
+<?mso-contentType ?>
+<FormTemplates xmlns="http://schemas.microsoft.com/sharepoint/v3/contenttype/forms">
+  <Display>DocumentLibraryForm</Display>
+  <Edit>DocumentLibraryForm</Edit>
+  <New>DocumentLibraryForm</New>
+</FormTemplates>
 </file>
 
 <file path=customXml/itemProps1.xml><?xml version="1.0" encoding="utf-8"?>
-<ds:datastoreItem xmlns:ds="http://schemas.openxmlformats.org/officeDocument/2006/customXml" ds:itemID="{19E20559-B232-4371-8690-E3D8007EDB82}">
+<ds:datastoreItem xmlns:ds="http://schemas.openxmlformats.org/officeDocument/2006/customXml" ds:itemID="{A50EC660-24D0-43A0-AE5E-E274115E726B}">
   <ds:schemaRefs>
-    <ds:schemaRef ds:uri="http://schemas.microsoft.com/sharepoint/v3/contenttype/forms"/>
+    <ds:schemaRef ds:uri="http://purl.org/dc/elements/1.1/"/>
+    <ds:schemaRef ds:uri="http://schemas.microsoft.com/office/2006/metadata/properties"/>
+    <ds:schemaRef ds:uri="http://purl.org/dc/terms/"/>
+    <ds:schemaRef ds:uri="http://schemas.openxmlformats.org/package/2006/metadata/core-properties"/>
+    <ds:schemaRef ds:uri="http://schemas.microsoft.com/office/2006/documentManagement/types"/>
+    <ds:schemaRef ds:uri="http://www.w3.org/XML/1998/namespace"/>
+    <ds:schemaRef ds:uri="http://purl.org/dc/dcmitype/"/>
+    <ds:schemaRef ds:uri="http://schemas.microsoft.com/office/infopath/2007/PartnerControls"/>
   </ds:schemaRefs>
 </ds:datastoreItem>
 </file>
@@ -7758,16 +7721,9 @@
 </file>
 
 <file path=customXml/itemProps3.xml><?xml version="1.0" encoding="utf-8"?>
-<ds:datastoreItem xmlns:ds="http://schemas.openxmlformats.org/officeDocument/2006/customXml" ds:itemID="{A50EC660-24D0-43A0-AE5E-E274115E726B}">
+<ds:datastoreItem xmlns:ds="http://schemas.openxmlformats.org/officeDocument/2006/customXml" ds:itemID="{19E20559-B232-4371-8690-E3D8007EDB82}">
   <ds:schemaRefs>
-    <ds:schemaRef ds:uri="http://purl.org/dc/elements/1.1/"/>
-    <ds:schemaRef ds:uri="http://schemas.microsoft.com/office/2006/metadata/properties"/>
-    <ds:schemaRef ds:uri="http://purl.org/dc/terms/"/>
-    <ds:schemaRef ds:uri="http://schemas.openxmlformats.org/package/2006/metadata/core-properties"/>
-    <ds:schemaRef ds:uri="http://schemas.microsoft.com/office/2006/documentManagement/types"/>
-    <ds:schemaRef ds:uri="http://www.w3.org/XML/1998/namespace"/>
-    <ds:schemaRef ds:uri="http://purl.org/dc/dcmitype/"/>
-    <ds:schemaRef ds:uri="http://schemas.microsoft.com/office/infopath/2007/PartnerControls"/>
+    <ds:schemaRef ds:uri="http://schemas.microsoft.com/sharepoint/v3/contenttype/forms"/>
   </ds:schemaRefs>
 </ds:datastoreItem>
 </file>
--- a/intro-a.pptx
+++ b/intro-a.pptx
@@ -264,7 +264,7 @@
           <a:p>
             <a:fld id="{0B842F42-2CE9-4E35-95C1-410DC08A50B1}" type="datetimeFigureOut">
               <a:rPr lang="en-US" smtClean="0"/>
-              <a:t>4/24/2024</a:t>
+              <a:t>4/28/2024</a:t>
             </a:fld>
             <a:endParaRPr lang="en-US"/>
           </a:p>
@@ -429,7 +429,7 @@
           <a:p>
             <a:fld id="{6F282904-F315-4730-8D91-37D99E141A6F}" type="datetimeFigureOut">
               <a:rPr lang="en-US" smtClean="0"/>
-              <a:t>4/24/2024</a:t>
+              <a:t>4/28/2024</a:t>
             </a:fld>
             <a:endParaRPr lang="en-US"/>
           </a:p>
@@ -1506,12 +1506,48 @@
           </a:p>
         </p:txBody>
       </p:sp>
+      <p:pic>
+        <p:nvPicPr>
+          <p:cNvPr id="5" name="Picture 4">
+            <a:extLst>
+              <a:ext uri="{FF2B5EF4-FFF2-40B4-BE49-F238E27FC236}">
+                <a16:creationId xmlns:a16="http://schemas.microsoft.com/office/drawing/2014/main" id="{39A0B7EC-D4C0-0A37-EF93-54309C1E7E8C}"/>
+              </a:ext>
+            </a:extLst>
+          </p:cNvPr>
+          <p:cNvPicPr>
+            <a:picLocks noChangeAspect="1"/>
+          </p:cNvPicPr>
+          <p:nvPr userDrawn="1"/>
+        </p:nvPicPr>
+        <p:blipFill>
+          <a:blip r:embed="rId5" cstate="print">
+            <a:extLst>
+              <a:ext uri="{28A0092B-C50C-407E-A947-70E740481C1C}">
+                <a14:useLocalDpi xmlns:a14="http://schemas.microsoft.com/office/drawing/2010/main" val="0"/>
+              </a:ext>
+            </a:extLst>
+          </a:blip>
+          <a:stretch>
+            <a:fillRect/>
+          </a:stretch>
+        </p:blipFill>
+        <p:spPr>
+          <a:xfrm>
+            <a:off x="418659" y="158509"/>
+            <a:ext cx="2109916" cy="905256"/>
+          </a:xfrm>
+          <a:prstGeom prst="rect">
+            <a:avLst/>
+          </a:prstGeom>
+        </p:spPr>
+      </p:pic>
       <p:grpSp>
         <p:nvGrpSpPr>
-          <p:cNvPr id="12" name="Group 11">
+          <p:cNvPr id="21" name="Group 20">
             <a:extLst>
               <a:ext uri="{FF2B5EF4-FFF2-40B4-BE49-F238E27FC236}">
-                <a16:creationId xmlns:a16="http://schemas.microsoft.com/office/drawing/2014/main" id="{8005D3DA-248B-AD7F-7F53-F97D9F48C658}"/>
+                <a16:creationId xmlns:a16="http://schemas.microsoft.com/office/drawing/2014/main" id="{23F39736-1AFA-8528-C9E3-41B55EABEDCA}"/>
               </a:ext>
             </a:extLst>
           </p:cNvPr>
@@ -1520,48 +1556,12 @@
         </p:nvGrpSpPr>
         <p:grpSpPr>
           <a:xfrm>
-            <a:off x="32331" y="158509"/>
-            <a:ext cx="2937455" cy="5079380"/>
-            <a:chOff x="-80559" y="113353"/>
-            <a:chExt cx="2937455" cy="5079380"/>
+            <a:off x="366259" y="3655396"/>
+            <a:ext cx="2214716" cy="356329"/>
+            <a:chOff x="341278" y="3628835"/>
+            <a:chExt cx="2214716" cy="356329"/>
           </a:xfrm>
         </p:grpSpPr>
-        <p:pic>
-          <p:nvPicPr>
-            <p:cNvPr id="5" name="Picture 4">
-              <a:extLst>
-                <a:ext uri="{FF2B5EF4-FFF2-40B4-BE49-F238E27FC236}">
-                  <a16:creationId xmlns:a16="http://schemas.microsoft.com/office/drawing/2014/main" id="{39A0B7EC-D4C0-0A37-EF93-54309C1E7E8C}"/>
-                </a:ext>
-              </a:extLst>
-            </p:cNvPr>
-            <p:cNvPicPr>
-              <a:picLocks noChangeAspect="1"/>
-            </p:cNvPicPr>
-            <p:nvPr userDrawn="1"/>
-          </p:nvPicPr>
-          <p:blipFill>
-            <a:blip r:embed="rId5" cstate="print">
-              <a:extLst>
-                <a:ext uri="{28A0092B-C50C-407E-A947-70E740481C1C}">
-                  <a14:useLocalDpi xmlns:a14="http://schemas.microsoft.com/office/drawing/2010/main" val="0"/>
-                </a:ext>
-              </a:extLst>
-            </a:blip>
-            <a:stretch>
-              <a:fillRect/>
-            </a:stretch>
-          </p:blipFill>
-          <p:spPr>
-            <a:xfrm>
-              <a:off x="263939" y="113353"/>
-              <a:ext cx="2109916" cy="905256"/>
-            </a:xfrm>
-            <a:prstGeom prst="rect">
-              <a:avLst/>
-            </a:prstGeom>
-          </p:spPr>
-        </p:pic>
         <p:pic>
           <p:nvPicPr>
             <p:cNvPr id="6" name="Picture 2">
@@ -1591,8 +1591,8 @@
           </p:blipFill>
           <p:spPr bwMode="auto">
             <a:xfrm>
-              <a:off x="24796" y="3155674"/>
-              <a:ext cx="2832100" cy="1003300"/>
+              <a:off x="341278" y="3628835"/>
+              <a:ext cx="1005840" cy="356329"/>
             </a:xfrm>
             <a:prstGeom prst="rect">
               <a:avLst/>
@@ -1638,8 +1638,8 @@
           </p:blipFill>
           <p:spPr bwMode="auto">
             <a:xfrm>
-              <a:off x="-80559" y="2517770"/>
-              <a:ext cx="2937455" cy="682907"/>
+              <a:off x="1550154" y="3690079"/>
+              <a:ext cx="1005840" cy="233840"/>
             </a:xfrm>
             <a:prstGeom prst="rect">
               <a:avLst/>
@@ -1656,12 +1656,229 @@
             </a:extLst>
           </p:spPr>
         </p:pic>
+      </p:grpSp>
+      <p:pic>
+        <p:nvPicPr>
+          <p:cNvPr id="11" name="Picture 10" descr="A black and white sign with blue text&#10;&#10;Description automatically generated">
+            <a:extLst>
+              <a:ext uri="{FF2B5EF4-FFF2-40B4-BE49-F238E27FC236}">
+                <a16:creationId xmlns:a16="http://schemas.microsoft.com/office/drawing/2014/main" id="{A50B83FE-88FB-1C61-17CC-A58C0BE092BF}"/>
+              </a:ext>
+            </a:extLst>
+          </p:cNvPr>
+          <p:cNvPicPr>
+            <a:picLocks noChangeAspect="1"/>
+          </p:cNvPicPr>
+          <p:nvPr userDrawn="1"/>
+        </p:nvPicPr>
+        <p:blipFill>
+          <a:blip r:embed="rId8" cstate="print">
+            <a:extLst>
+              <a:ext uri="{28A0092B-C50C-407E-A947-70E740481C1C}">
+                <a14:useLocalDpi xmlns:a14="http://schemas.microsoft.com/office/drawing/2010/main" val="0"/>
+              </a:ext>
+            </a:extLst>
+          </a:blip>
+          <a:stretch>
+            <a:fillRect/>
+          </a:stretch>
+        </p:blipFill>
+        <p:spPr>
+          <a:xfrm>
+            <a:off x="970697" y="4125123"/>
+            <a:ext cx="1005840" cy="324328"/>
+          </a:xfrm>
+          <a:prstGeom prst="rect">
+            <a:avLst/>
+          </a:prstGeom>
+        </p:spPr>
+      </p:pic>
+      <p:sp>
+        <p:nvSpPr>
+          <p:cNvPr id="8" name="TextBox 7">
+            <a:extLst>
+              <a:ext uri="{FF2B5EF4-FFF2-40B4-BE49-F238E27FC236}">
+                <a16:creationId xmlns:a16="http://schemas.microsoft.com/office/drawing/2014/main" id="{DBDB4EA8-7E00-EB97-386F-806F04EDC41A}"/>
+              </a:ext>
+            </a:extLst>
+          </p:cNvPr>
+          <p:cNvSpPr txBox="1"/>
+          <p:nvPr userDrawn="1"/>
+        </p:nvSpPr>
+        <p:spPr>
+          <a:xfrm>
+            <a:off x="901538" y="1776974"/>
+            <a:ext cx="1144159" cy="350865"/>
+          </a:xfrm>
+          <a:prstGeom prst="rect">
+            <a:avLst/>
+          </a:prstGeom>
+          <a:noFill/>
+        </p:spPr>
+        <p:txBody>
+          <a:bodyPr wrap="none" lIns="118872" tIns="91440" rIns="118872" bIns="91440" rtlCol="0" anchor="ctr" anchorCtr="0">
+            <a:spAutoFit/>
+          </a:bodyPr>
+          <a:lstStyle/>
+          <a:p>
+            <a:pPr algn="l">
+              <a:lnSpc>
+                <a:spcPct val="90000"/>
+              </a:lnSpc>
+            </a:pPr>
+            <a:r>
+              <a:rPr lang="en-US" sz="1200" i="1" dirty="0"/>
+              <a:t>Presented by</a:t>
+            </a:r>
+          </a:p>
+        </p:txBody>
+      </p:sp>
+      <p:sp>
+        <p:nvSpPr>
+          <p:cNvPr id="9" name="TextBox 8">
+            <a:extLst>
+              <a:ext uri="{FF2B5EF4-FFF2-40B4-BE49-F238E27FC236}">
+                <a16:creationId xmlns:a16="http://schemas.microsoft.com/office/drawing/2014/main" id="{9C6AA8F1-3D17-46A7-8926-BC4892D4C51C}"/>
+              </a:ext>
+            </a:extLst>
+          </p:cNvPr>
+          <p:cNvSpPr txBox="1"/>
+          <p:nvPr userDrawn="1"/>
+        </p:nvSpPr>
+        <p:spPr>
+          <a:xfrm>
+            <a:off x="28657" y="2079048"/>
+            <a:ext cx="2889921" cy="932563"/>
+          </a:xfrm>
+          <a:prstGeom prst="rect">
+            <a:avLst/>
+          </a:prstGeom>
+          <a:noFill/>
+        </p:spPr>
+        <p:txBody>
+          <a:bodyPr wrap="square" lIns="118872" tIns="91440" rIns="118872" bIns="91440" rtlCol="0" anchor="ctr" anchorCtr="0">
+            <a:spAutoFit/>
+          </a:bodyPr>
+          <a:lstStyle/>
+          <a:p>
+            <a:pPr algn="l">
+              <a:lnSpc>
+                <a:spcPct val="90000"/>
+              </a:lnSpc>
+            </a:pPr>
+            <a:r>
+              <a:rPr lang="en-US" b="1" dirty="0"/>
+              <a:t>COLABS: Collaboration for Better Software for Science</a:t>
+            </a:r>
+          </a:p>
+        </p:txBody>
+      </p:sp>
+      <p:sp>
+        <p:nvSpPr>
+          <p:cNvPr id="10" name="TextBox 9">
+            <a:extLst>
+              <a:ext uri="{FF2B5EF4-FFF2-40B4-BE49-F238E27FC236}">
+                <a16:creationId xmlns:a16="http://schemas.microsoft.com/office/drawing/2014/main" id="{CE38D39D-3F53-1EF5-8F58-4DF913CFD07D}"/>
+              </a:ext>
+            </a:extLst>
+          </p:cNvPr>
+          <p:cNvSpPr txBox="1"/>
+          <p:nvPr userDrawn="1"/>
+        </p:nvSpPr>
+        <p:spPr>
+          <a:xfrm>
+            <a:off x="676315" y="3191133"/>
+            <a:ext cx="1594604" cy="350865"/>
+          </a:xfrm>
+          <a:prstGeom prst="rect">
+            <a:avLst/>
+          </a:prstGeom>
+          <a:noFill/>
+        </p:spPr>
+        <p:txBody>
+          <a:bodyPr wrap="none" lIns="118872" tIns="91440" rIns="118872" bIns="91440" rtlCol="0" anchor="ctr" anchorCtr="0">
+            <a:spAutoFit/>
+          </a:bodyPr>
+          <a:lstStyle/>
+          <a:p>
+            <a:pPr algn="l">
+              <a:lnSpc>
+                <a:spcPct val="90000"/>
+              </a:lnSpc>
+            </a:pPr>
+            <a:r>
+              <a:rPr lang="en-US" sz="1200" i="1" dirty="0"/>
+              <a:t>In collaboration with</a:t>
+            </a:r>
+          </a:p>
+        </p:txBody>
+      </p:sp>
+      <p:sp>
+        <p:nvSpPr>
+          <p:cNvPr id="15" name="TextBox 14">
+            <a:extLst>
+              <a:ext uri="{FF2B5EF4-FFF2-40B4-BE49-F238E27FC236}">
+                <a16:creationId xmlns:a16="http://schemas.microsoft.com/office/drawing/2014/main" id="{38A567DA-27A0-BFAF-CB9E-0EA56E125664}"/>
+              </a:ext>
+            </a:extLst>
+          </p:cNvPr>
+          <p:cNvSpPr txBox="1"/>
+          <p:nvPr userDrawn="1"/>
+        </p:nvSpPr>
+        <p:spPr>
+          <a:xfrm>
+            <a:off x="572120" y="4562849"/>
+            <a:ext cx="1802994" cy="350865"/>
+          </a:xfrm>
+          <a:prstGeom prst="rect">
+            <a:avLst/>
+          </a:prstGeom>
+          <a:noFill/>
+        </p:spPr>
+        <p:txBody>
+          <a:bodyPr wrap="none" lIns="118872" tIns="91440" rIns="118872" bIns="91440" rtlCol="0" anchor="ctr" anchorCtr="0">
+            <a:spAutoFit/>
+          </a:bodyPr>
+          <a:lstStyle/>
+          <a:p>
+            <a:pPr algn="l">
+              <a:lnSpc>
+                <a:spcPct val="90000"/>
+              </a:lnSpc>
+            </a:pPr>
+            <a:r>
+              <a:rPr lang="en-US" sz="1200" i="1" dirty="0"/>
+              <a:t>With prior support from</a:t>
+            </a:r>
+          </a:p>
+        </p:txBody>
+      </p:sp>
+      <p:grpSp>
+        <p:nvGrpSpPr>
+          <p:cNvPr id="20" name="Group 19">
+            <a:extLst>
+              <a:ext uri="{FF2B5EF4-FFF2-40B4-BE49-F238E27FC236}">
+                <a16:creationId xmlns:a16="http://schemas.microsoft.com/office/drawing/2014/main" id="{63A83523-6C92-DDA5-E072-BAC75B3276B6}"/>
+              </a:ext>
+            </a:extLst>
+          </p:cNvPr>
+          <p:cNvGrpSpPr/>
+          <p:nvPr userDrawn="1"/>
+        </p:nvGrpSpPr>
+        <p:grpSpPr>
+          <a:xfrm>
+            <a:off x="355043" y="5027111"/>
+            <a:ext cx="2237149" cy="457200"/>
+            <a:chOff x="343050" y="5128711"/>
+            <a:chExt cx="2237149" cy="457200"/>
+          </a:xfrm>
+        </p:grpSpPr>
         <p:pic>
           <p:nvPicPr>
-            <p:cNvPr id="11" name="Picture 10" descr="A black and white sign with blue text&#10;&#10;Description automatically generated">
+            <p:cNvPr id="17" name="Picture 16">
               <a:extLst>
                 <a:ext uri="{FF2B5EF4-FFF2-40B4-BE49-F238E27FC236}">
-                  <a16:creationId xmlns:a16="http://schemas.microsoft.com/office/drawing/2014/main" id="{A50B83FE-88FB-1C61-17CC-A58C0BE092BF}"/>
+                  <a16:creationId xmlns:a16="http://schemas.microsoft.com/office/drawing/2014/main" id="{70EB972A-C812-2D11-E993-9648F06DCD53}"/>
                 </a:ext>
               </a:extLst>
             </p:cNvPr>
@@ -1671,7 +1888,7 @@
             <p:nvPr userDrawn="1"/>
           </p:nvPicPr>
           <p:blipFill>
-            <a:blip r:embed="rId8" cstate="print">
+            <a:blip r:embed="rId9" cstate="print">
               <a:extLst>
                 <a:ext uri="{28A0092B-C50C-407E-A947-70E740481C1C}">
                   <a14:useLocalDpi xmlns:a14="http://schemas.microsoft.com/office/drawing/2010/main" val="0"/>
@@ -1684,8 +1901,44 @@
           </p:blipFill>
           <p:spPr>
             <a:xfrm>
-              <a:off x="263939" y="4401022"/>
-              <a:ext cx="2455333" cy="791711"/>
+              <a:off x="343050" y="5128711"/>
+              <a:ext cx="1002296" cy="457200"/>
+            </a:xfrm>
+            <a:prstGeom prst="rect">
+              <a:avLst/>
+            </a:prstGeom>
+          </p:spPr>
+        </p:pic>
+        <p:pic>
+          <p:nvPicPr>
+            <p:cNvPr id="18" name="Picture 17" descr="A picture containing shape&#10;&#10;Description automatically generated">
+              <a:extLst>
+                <a:ext uri="{FF2B5EF4-FFF2-40B4-BE49-F238E27FC236}">
+                  <a16:creationId xmlns:a16="http://schemas.microsoft.com/office/drawing/2014/main" id="{DC5CC62A-5FBA-A239-536C-E231ED3105F0}"/>
+                </a:ext>
+              </a:extLst>
+            </p:cNvPr>
+            <p:cNvPicPr>
+              <a:picLocks noChangeAspect="1"/>
+            </p:cNvPicPr>
+            <p:nvPr userDrawn="1"/>
+          </p:nvPicPr>
+          <p:blipFill>
+            <a:blip r:embed="rId10">
+              <a:extLst>
+                <a:ext uri="{28A0092B-C50C-407E-A947-70E740481C1C}">
+                  <a14:useLocalDpi xmlns:a14="http://schemas.microsoft.com/office/drawing/2010/main" val="0"/>
+                </a:ext>
+              </a:extLst>
+            </a:blip>
+            <a:stretch>
+              <a:fillRect/>
+            </a:stretch>
+          </p:blipFill>
+          <p:spPr>
+            <a:xfrm>
+              <a:off x="1525950" y="5128711"/>
+              <a:ext cx="1054249" cy="457200"/>
             </a:xfrm>
             <a:prstGeom prst="rect">
               <a:avLst/>
@@ -4011,35 +4264,10 @@
                   <a:srgbClr val="111111"/>
                 </a:solidFill>
                 <a:effectLst/>
-                <a:latin typeface="-apple-system"/>
+                <a:latin typeface="+mn-lt"/>
               </a:rPr>
-              <a:t>Better Scientific Software Tutorial @ ISC24</a:t>
-            </a:r>
-          </a:p>
-          <a:p>
-            <a:endParaRPr lang="en-US" dirty="0">
-              <a:solidFill>
-                <a:srgbClr val="111111"/>
-              </a:solidFill>
-              <a:latin typeface="-apple-system"/>
-            </a:endParaRPr>
-          </a:p>
-          <a:p>
-            <a:r>
-              <a:rPr lang="en-US" dirty="0"/>
-              <a:t>Organizers: David </a:t>
-            </a:r>
-            <a:r>
-              <a:rPr lang="en-US" dirty="0" err="1"/>
-              <a:t>Bernholdt</a:t>
-            </a:r>
-            <a:r>
-              <a:rPr lang="en-US" dirty="0"/>
-              <a:t> and Anshu Dubey</a:t>
-            </a:r>
-          </a:p>
-          <a:p>
-            <a:endParaRPr lang="en-US" dirty="0"/>
+              <a:t>Better Scientific Software tutorial @ ISC24</a:t>
+            </a:r>
           </a:p>
         </p:txBody>
       </p:sp>
@@ -4794,8 +5022,8 @@
         </p:nvSpPr>
         <p:spPr>
           <a:xfrm>
-            <a:off x="409507" y="879673"/>
-            <a:ext cx="11369809" cy="5293976"/>
+            <a:off x="409507" y="570111"/>
+            <a:ext cx="11369809" cy="4047778"/>
           </a:xfrm>
         </p:spPr>
         <p:txBody>
@@ -4855,17 +5083,18 @@
                 <a:effectLst/>
                 <a:latin typeface="+mn-lt"/>
               </a:rPr>
-              <a:t>Anshu Dubey, David E. </a:t>
-            </a:r>
-            <a:r>
-              <a:rPr lang="en-US" sz="1600" b="0" i="0" dirty="0" err="1">
+              <a:t>Anshu Dubey, Better Scientific Software tutorial, in ISC High Performance (ISC24), Hamburg, Germany, and online, 2024. DOI: </a:t>
+            </a:r>
+            <a:r>
+              <a:rPr lang="en-US" sz="1600" b="0" i="0" u="none" strike="noStrike" dirty="0">
                 <a:solidFill>
-                  <a:srgbClr val="111111"/>
+                  <a:srgbClr val="2A7AE2"/>
                 </a:solidFill>
                 <a:effectLst/>
                 <a:latin typeface="+mn-lt"/>
+                <a:hlinkClick r:id="rId4"/>
               </a:rPr>
-              <a:t>Bernholdt</a:t>
+              <a:t>10.6084/m9.figshare.25686426</a:t>
             </a:r>
             <a:r>
               <a:rPr lang="en-US" sz="1600" b="0" i="0" dirty="0">
@@ -4875,7 +5104,7 @@
                 <a:effectLst/>
                 <a:latin typeface="+mn-lt"/>
               </a:rPr>
-              <a:t>, Better Scientific Software tutorial, in ISC High Performance, Hamburg, Germany and online, 2024</a:t>
+              <a:t>.</a:t>
             </a:r>
           </a:p>
           <a:p>
@@ -4884,26 +5113,32 @@
                 <a:spcPts val="400"/>
               </a:spcBef>
             </a:pPr>
-            <a:endParaRPr lang="en-US" sz="1600" dirty="0">
-              <a:solidFill>
-                <a:srgbClr val="111111"/>
-              </a:solidFill>
-              <a:latin typeface="+mn-lt"/>
-            </a:endParaRPr>
-          </a:p>
-          <a:p>
-            <a:pPr>
-              <a:spcBef>
-                <a:spcPts val="400"/>
-              </a:spcBef>
-            </a:pPr>
-            <a:endParaRPr lang="en-US" sz="1600" b="0" i="0" dirty="0">
-              <a:solidFill>
-                <a:srgbClr val="111111"/>
-              </a:solidFill>
-              <a:effectLst/>
-              <a:latin typeface="+mn-lt"/>
-            </a:endParaRPr>
+            <a:r>
+              <a:rPr lang="en-US" sz="1600" dirty="0"/>
+              <a:t>Individual modules may be cited as </a:t>
+            </a:r>
+            <a:r>
+              <a:rPr lang="en-US" sz="1600" i="1" dirty="0"/>
+              <a:t>Speaker, Module Title</a:t>
+            </a:r>
+            <a:r>
+              <a:rPr lang="en-US" sz="1600" dirty="0"/>
+              <a:t>, in </a:t>
+            </a:r>
+            <a:r>
+              <a:rPr lang="en-US" sz="1600" b="0" i="1" dirty="0">
+                <a:solidFill>
+                  <a:srgbClr val="111111"/>
+                </a:solidFill>
+                <a:effectLst/>
+                <a:latin typeface="+mn-lt"/>
+              </a:rPr>
+              <a:t>Tutorial Title</a:t>
+            </a:r>
+            <a:r>
+              <a:rPr lang="en-US" sz="1600" dirty="0"/>
+              <a:t>, …</a:t>
+            </a:r>
           </a:p>
           <a:p>
             <a:pPr marL="0" indent="0">
@@ -4923,7 +5158,14 @@
                 <a:spcPts val="400"/>
               </a:spcBef>
             </a:pPr>
-            <a:endParaRPr lang="en-US" sz="1400" dirty="0"/>
+            <a:r>
+              <a:rPr lang="en-US" sz="1400" dirty="0"/>
+              <a:t>This work was supported by the U.S. Department of Energy Office of Science, Office of Advanced Scientific Computing Research (ASCR), and by the Exascale Computing Project (17-SC-20-SC), a collaborative effort of the U.S. Department of Energy Office of Science and the National Nuclear Security Administration</a:t>
+            </a:r>
+            <a:r>
+              <a:rPr lang="en-US" sz="1400" i="1" dirty="0"/>
+              <a:t>.</a:t>
+            </a:r>
           </a:p>
           <a:p>
             <a:pPr>
@@ -4932,14 +5174,12 @@
               </a:spcBef>
             </a:pPr>
             <a:r>
-              <a:rPr lang="en-US" sz="1400" dirty="0"/>
-              <a:t>Material included in these presentation is derived from work supported by the U.S. Department of Energy Office of Science, Office of Advanced Scientific Computing Research (ASCR), and by the Exascale Computing Project (17-SC-20-SC), a collaborative effort of the U.S. Department of Energy Office of Science and the National Nuclear Security Administration</a:t>
-            </a:r>
-            <a:r>
-              <a:rPr lang="en-US" sz="1400" i="1" dirty="0"/>
-              <a:t>.</a:t>
-            </a:r>
-            <a:endParaRPr lang="en-US" sz="1400" dirty="0"/>
+              <a:rPr lang="en-US" sz="1400" b="0" i="0" dirty="0">
+                <a:effectLst/>
+                <a:latin typeface="+mn-lt"/>
+              </a:rPr>
+              <a:t>This work was supported by the U.S. Department of Energy, Office of Science, Office of Advanced Scientific Computing Research, Next-Generation Scientific Software Technologies (NGSST) program.</a:t>
+            </a:r>
           </a:p>
           <a:p>
             <a:pPr>
@@ -4947,7 +5187,10 @@
                 <a:spcPts val="400"/>
               </a:spcBef>
             </a:pPr>
-            <a:endParaRPr lang="en-US" sz="1400" dirty="0"/>
+            <a:r>
+              <a:rPr lang="en-US" sz="1400" dirty="0"/>
+              <a:t>This work was performed in part at the Argonne National Laboratory, which is managed by UChicago Argonne, LLC for the U.S. Department of Energy under Contract No. DE-AC02-06CH11357.</a:t>
+            </a:r>
           </a:p>
           <a:p>
             <a:pPr>
@@ -4957,7 +5200,7 @@
             </a:pPr>
             <a:r>
               <a:rPr lang="en-US" sz="1400" dirty="0"/>
-              <a:t>This work was performed in part at the Argonne National Laboratory, which is managed by UChicago Argonne, LLC for the U.S. Department of Energy under Contract No. DE-AC02-06CH11357.</a:t>
+              <a:t>This work was performed in part at the Lawrence Livermore National Laboratory, which is managed by Lawrence Livermore National Security, LLC for the U.S. Department of Energy under Contract No. DE-AC52-07NA27344.</a:t>
             </a:r>
           </a:p>
           <a:p>
@@ -4966,7 +5209,10 @@
                 <a:spcPts val="400"/>
               </a:spcBef>
             </a:pPr>
-            <a:endParaRPr lang="en-US" sz="1400" dirty="0"/>
+            <a:r>
+              <a:rPr lang="en-US" sz="1400" dirty="0"/>
+              <a:t>This work was performed in part at the Los Alamos National Laboratory, which is managed by Triad National Security, LLC for the U.S. Department of Energy under Contract No.89233218CNA000001</a:t>
+            </a:r>
           </a:p>
           <a:p>
             <a:pPr>
@@ -4985,15 +5231,10 @@
                 <a:spcPts val="400"/>
               </a:spcBef>
             </a:pPr>
-            <a:endParaRPr lang="en-US" sz="1400" dirty="0"/>
-          </a:p>
-          <a:p>
-            <a:pPr>
-              <a:spcBef>
-                <a:spcPts val="400"/>
-              </a:spcBef>
-            </a:pPr>
-            <a:endParaRPr lang="en-US" sz="1400" dirty="0"/>
+            <a:r>
+              <a:rPr lang="en-US" sz="1400" dirty="0"/>
+              <a:t>This work was performed in part at Sandia National Laboratories. Sandia National Laboratories is a multi-mission laboratory managed and operated by National Technology and Engineering Solutions of Sandia, LLC., a wholly owned subsidiary of Honeywell International, Inc., for the U.S. Department of Energy’s National Nuclear Security Administration under contract DE-NA0003525.</a:t>
+            </a:r>
           </a:p>
         </p:txBody>
       </p:sp>
@@ -5012,7 +5253,7 @@
           <p:nvPr/>
         </p:nvPicPr>
         <p:blipFill>
-          <a:blip r:embed="rId4">
+          <a:blip r:embed="rId5">
             <a:extLst>
               <a:ext uri="{28A0092B-C50C-407E-A947-70E740481C1C}">
                 <a14:useLocalDpi xmlns:a14="http://schemas.microsoft.com/office/drawing/2010/main" val="0"/>
@@ -5047,7 +5288,7 @@
     </p:spTree>
     <p:extLst>
       <p:ext uri="{BB962C8B-B14F-4D97-AF65-F5344CB8AC3E}">
-        <p14:creationId xmlns:p14="http://schemas.microsoft.com/office/powerpoint/2010/main" val="300521932"/>
+        <p14:creationId xmlns:p14="http://schemas.microsoft.com/office/powerpoint/2010/main" val="1595865985"/>
       </p:ext>
     </p:extLst>
   </p:cSld>
@@ -5259,6 +5500,89 @@
           </p:spPr>
         </p:pic>
       </p:grpSp>
+      <p:sp>
+        <p:nvSpPr>
+          <p:cNvPr id="4" name="TextBox 3">
+            <a:extLst>
+              <a:ext uri="{FF2B5EF4-FFF2-40B4-BE49-F238E27FC236}">
+                <a16:creationId xmlns:a16="http://schemas.microsoft.com/office/drawing/2014/main" id="{75F24105-9372-1C03-4BB0-9287BF335D4A}"/>
+              </a:ext>
+            </a:extLst>
+          </p:cNvPr>
+          <p:cNvSpPr txBox="1"/>
+          <p:nvPr/>
+        </p:nvSpPr>
+        <p:spPr>
+          <a:xfrm>
+            <a:off x="363095" y="4186797"/>
+            <a:ext cx="10123321" cy="1661993"/>
+          </a:xfrm>
+          <a:prstGeom prst="rect">
+            <a:avLst/>
+          </a:prstGeom>
+          <a:noFill/>
+        </p:spPr>
+        <p:txBody>
+          <a:bodyPr wrap="square">
+            <a:spAutoFit/>
+          </a:bodyPr>
+          <a:lstStyle/>
+          <a:p>
+            <a:pPr marL="227013" indent="-227013">
+              <a:spcBef>
+                <a:spcPts val="1800"/>
+              </a:spcBef>
+              <a:buFont typeface="Arial" panose="020B0604020202020204" pitchFamily="34" charset="0"/>
+              <a:buChar char="•"/>
+            </a:pPr>
+            <a:r>
+              <a:rPr lang="en-US" sz="2400" dirty="0"/>
+              <a:t>Lead PI for COLABS: Collaboration for Better Software for Science</a:t>
+            </a:r>
+          </a:p>
+          <a:p>
+            <a:pPr marL="227013" indent="-227013">
+              <a:spcBef>
+                <a:spcPts val="1800"/>
+              </a:spcBef>
+              <a:buFont typeface="Arial" panose="020B0604020202020204" pitchFamily="34" charset="0"/>
+              <a:buChar char="•"/>
+            </a:pPr>
+            <a:r>
+              <a:rPr lang="en-US" sz="2400" dirty="0"/>
+              <a:t>Application Engagement Lead for the RAPIDS </a:t>
+            </a:r>
+            <a:r>
+              <a:rPr lang="en-US" sz="2400" dirty="0" err="1"/>
+              <a:t>SciDAC</a:t>
+            </a:r>
+            <a:r>
+              <a:rPr lang="en-US" sz="2400" dirty="0"/>
+              <a:t> Institute</a:t>
+            </a:r>
+          </a:p>
+          <a:p>
+            <a:pPr marL="227013" indent="-227013">
+              <a:spcBef>
+                <a:spcPts val="1800"/>
+              </a:spcBef>
+              <a:buFont typeface="Arial" panose="020B0604020202020204" pitchFamily="34" charset="0"/>
+              <a:buChar char="•"/>
+            </a:pPr>
+            <a:r>
+              <a:rPr lang="en-US" sz="2400" dirty="0"/>
+              <a:t>Member of the IDEAS Productivity Project: </a:t>
+            </a:r>
+            <a:r>
+              <a:rPr lang="en-US" sz="2400" dirty="0">
+                <a:hlinkClick r:id="rId3"/>
+              </a:rPr>
+              <a:t>http://ideas-productivity.org</a:t>
+            </a:r>
+            <a:endParaRPr lang="en-US" sz="2400" dirty="0"/>
+          </a:p>
+        </p:txBody>
+      </p:sp>
     </p:spTree>
     <p:extLst>
       <p:ext uri="{BB962C8B-B14F-4D97-AF65-F5344CB8AC3E}">
@@ -7627,12 +7951,6 @@
 </file>
 
 <file path=customXml/item1.xml><?xml version="1.0" encoding="utf-8"?>
-<p:properties xmlns:p="http://schemas.microsoft.com/office/2006/metadata/properties" xmlns:xsi="http://www.w3.org/2001/XMLSchema-instance" xmlns:pc="http://schemas.microsoft.com/office/infopath/2007/PartnerControls">
-  <documentManagement/>
-</p:properties>
-</file>
-
-<file path=customXml/item2.xml><?xml version="1.0" encoding="utf-8"?>
 <ct:contentTypeSchema xmlns:ct="http://schemas.microsoft.com/office/2006/metadata/contentType" xmlns:ma="http://schemas.microsoft.com/office/2006/metadata/properties/metaAttributes" ct:_="" ma:_="" ma:contentTypeName="Document" ma:contentTypeID="0x010100565464437F680748A68B85EB6594EA7D" ma:contentTypeVersion="0" ma:contentTypeDescription="Create a new document." ma:contentTypeScope="" ma:versionID="fe3f4dd58d5914c51cfc6deaa8ad845c">
   <xsd:schema xmlns:xsd="http://www.w3.org/2001/XMLSchema" xmlns:p="http://schemas.microsoft.com/office/2006/metadata/properties" targetNamespace="http://schemas.microsoft.com/office/2006/metadata/properties" ma:root="true" ma:fieldsID="4aeb20c0e3442673af7ee10786458764">
     <xsd:element name="properties">
@@ -7681,6 +7999,12 @@
 </ct:contentTypeSchema>
 </file>
 
+<file path=customXml/item2.xml><?xml version="1.0" encoding="utf-8"?>
+<p:properties xmlns:p="http://schemas.microsoft.com/office/2006/metadata/properties" xmlns:xsi="http://www.w3.org/2001/XMLSchema-instance" xmlns:pc="http://schemas.microsoft.com/office/infopath/2007/PartnerControls">
+  <documentManagement/>
+</p:properties>
+</file>
+
 <file path=customXml/item3.xml><?xml version="1.0" encoding="utf-8"?>
 <?mso-contentType ?>
 <FormTemplates xmlns="http://schemas.microsoft.com/sharepoint/v3/contenttype/forms">
@@ -7691,6 +8015,21 @@
 </file>
 
 <file path=customXml/itemProps1.xml><?xml version="1.0" encoding="utf-8"?>
+<ds:datastoreItem xmlns:ds="http://schemas.openxmlformats.org/officeDocument/2006/customXml" ds:itemID="{E8DB7DEB-074E-4EE8-9B6E-FD277323109C}">
+  <ds:schemaRefs>
+    <ds:schemaRef ds:uri="http://schemas.microsoft.com/office/2006/metadata/contentType"/>
+    <ds:schemaRef ds:uri="http://schemas.microsoft.com/office/2006/metadata/properties/metaAttributes"/>
+    <ds:schemaRef ds:uri="http://www.w3.org/2001/XMLSchema"/>
+    <ds:schemaRef ds:uri="http://schemas.microsoft.com/office/2006/metadata/properties"/>
+    <ds:schemaRef ds:uri="http://schemas.openxmlformats.org/package/2006/metadata/core-properties"/>
+    <ds:schemaRef ds:uri="http://purl.org/dc/elements/1.1/"/>
+    <ds:schemaRef ds:uri="http://purl.org/dc/terms/"/>
+    <ds:schemaRef ds:uri="http://schemas.microsoft.com/office/internal/2005/internalDocumentation"/>
+  </ds:schemaRefs>
+</ds:datastoreItem>
+</file>
+
+<file path=customXml/itemProps2.xml><?xml version="1.0" encoding="utf-8"?>
 <ds:datastoreItem xmlns:ds="http://schemas.openxmlformats.org/officeDocument/2006/customXml" ds:itemID="{A50EC660-24D0-43A0-AE5E-E274115E726B}">
   <ds:schemaRefs>
     <ds:schemaRef ds:uri="http://purl.org/dc/elements/1.1/"/>
@@ -7705,21 +8044,6 @@
 </ds:datastoreItem>
 </file>
 
-<file path=customXml/itemProps2.xml><?xml version="1.0" encoding="utf-8"?>
-<ds:datastoreItem xmlns:ds="http://schemas.openxmlformats.org/officeDocument/2006/customXml" ds:itemID="{E8DB7DEB-074E-4EE8-9B6E-FD277323109C}">
-  <ds:schemaRefs>
-    <ds:schemaRef ds:uri="http://schemas.microsoft.com/office/2006/metadata/contentType"/>
-    <ds:schemaRef ds:uri="http://schemas.microsoft.com/office/2006/metadata/properties/metaAttributes"/>
-    <ds:schemaRef ds:uri="http://www.w3.org/2001/XMLSchema"/>
-    <ds:schemaRef ds:uri="http://schemas.microsoft.com/office/2006/metadata/properties"/>
-    <ds:schemaRef ds:uri="http://schemas.openxmlformats.org/package/2006/metadata/core-properties"/>
-    <ds:schemaRef ds:uri="http://purl.org/dc/elements/1.1/"/>
-    <ds:schemaRef ds:uri="http://purl.org/dc/terms/"/>
-    <ds:schemaRef ds:uri="http://schemas.microsoft.com/office/internal/2005/internalDocumentation"/>
-  </ds:schemaRefs>
-</ds:datastoreItem>
-</file>
-
 <file path=customXml/itemProps3.xml><?xml version="1.0" encoding="utf-8"?>
 <ds:datastoreItem xmlns:ds="http://schemas.openxmlformats.org/officeDocument/2006/customXml" ds:itemID="{19E20559-B232-4371-8690-E3D8007EDB82}">
   <ds:schemaRefs>

--- a/intro-a.pptx
+++ b/intro-a.pptx
@@ -12,7 +12,7 @@
   </p:handoutMasterIdLst>
   <p:sldIdLst>
     <p:sldId id="617" r:id="rId5"/>
-    <p:sldId id="320" r:id="rId6"/>
+    <p:sldId id="623" r:id="rId6"/>
     <p:sldId id="308" r:id="rId7"/>
     <p:sldId id="324" r:id="rId8"/>
     <p:sldId id="329" r:id="rId9"/>
@@ -264,7 +264,7 @@
           <a:p>
             <a:fld id="{0B842F42-2CE9-4E35-95C1-410DC08A50B1}" type="datetimeFigureOut">
               <a:rPr lang="en-US" smtClean="0"/>
-              <a:t>4/28/2024</a:t>
+              <a:t>6/11/2024</a:t>
             </a:fld>
             <a:endParaRPr lang="en-US"/>
           </a:p>
@@ -429,7 +429,7 @@
           <a:p>
             <a:fld id="{6F282904-F315-4730-8D91-37D99E141A6F}" type="datetimeFigureOut">
               <a:rPr lang="en-US" smtClean="0"/>
-              <a:t>4/28/2024</a:t>
+              <a:t>6/11/2024</a:t>
             </a:fld>
             <a:endParaRPr lang="en-US"/>
           </a:p>
@@ -4214,15 +4214,9 @@
               </a:spcBef>
             </a:pPr>
             <a:r>
-              <a:rPr lang="en-US" i="0" dirty="0">
-                <a:solidFill>
-                  <a:srgbClr val="111111"/>
-                </a:solidFill>
-                <a:effectLst/>
-              </a:rPr>
-              <a:t>Better Scientific Software</a:t>
-            </a:r>
-            <a:endParaRPr lang="en-US" dirty="0"/>
+              <a:rPr lang="en-US" dirty="0"/>
+              <a:t>Software Practices for Reproducible Science</a:t>
+            </a:r>
           </a:p>
         </p:txBody>
       </p:sp>
@@ -4254,7 +4248,7 @@
           <a:p>
             <a:r>
               <a:rPr lang="en-US" dirty="0"/>
-              <a:t>Anshu Dubey</a:t>
+              <a:t>Anshu Dubey and Gregory R. Watson</a:t>
             </a:r>
           </a:p>
           <a:p>
@@ -4264,10 +4258,17 @@
                   <a:srgbClr val="111111"/>
                 </a:solidFill>
                 <a:effectLst/>
-                <a:latin typeface="+mn-lt"/>
+                <a:latin typeface="-apple-system"/>
               </a:rPr>
-              <a:t>Better Scientific Software tutorial @ ISC24</a:t>
-            </a:r>
+              <a:t>2024 ACM Conference on Reproducibility and Replicability (ACM-REP)</a:t>
+            </a:r>
+            <a:endParaRPr lang="en-US" b="0" i="0" dirty="0">
+              <a:solidFill>
+                <a:srgbClr val="111111"/>
+              </a:solidFill>
+              <a:effectLst/>
+              <a:latin typeface="+mn-lt"/>
+            </a:endParaRPr>
           </a:p>
         </p:txBody>
       </p:sp>
@@ -4409,14 +4410,14 @@
             <p:ph idx="1"/>
             <p:extLst>
               <p:ext uri="{D42A27DB-BD31-4B8C-83A1-F6EECF244321}">
-                <p14:modId xmlns:p14="http://schemas.microsoft.com/office/powerpoint/2010/main" val="1542722887"/>
+                <p14:modId xmlns:p14="http://schemas.microsoft.com/office/powerpoint/2010/main" val="1181368582"/>
               </p:ext>
             </p:extLst>
           </p:nvPr>
         </p:nvGraphicFramePr>
         <p:xfrm>
           <a:off x="1051560" y="1074420"/>
-          <a:ext cx="9692640" cy="5478018"/>
+          <a:ext cx="9692640" cy="4424934"/>
         </p:xfrm>
         <a:graphic>
           <a:graphicData uri="http://schemas.openxmlformats.org/drawingml/2006/table">
@@ -4486,10 +4487,10 @@
                     <a:p>
                       <a:pPr algn="r"/>
                       <a:r>
-                        <a:rPr lang="en-US" sz="1800" dirty="0">
+                        <a:rPr lang="en-US">
                           <a:effectLst/>
                         </a:rPr>
-                        <a:t>2:00 PM</a:t>
+                        <a:t>1:30 PM</a:t>
                       </a:r>
                     </a:p>
                   </a:txBody>
@@ -4501,48 +4502,10 @@
                     <a:lstStyle/>
                     <a:p>
                       <a:r>
-                        <a:rPr lang="en-US" sz="1800" dirty="0">
+                        <a:rPr lang="en-US" dirty="0">
                           <a:effectLst/>
                         </a:rPr>
                         <a:t>Introduction</a:t>
-                      </a:r>
-                    </a:p>
-                  </a:txBody>
-                  <a:tcPr marL="142875" marR="142875" marT="95250" marB="95250" anchor="ctr"/>
-                </a:tc>
-                <a:extLst>
-                  <a:ext uri="{0D108BD9-81ED-4DB2-BD59-A6C34878D82A}">
-                    <a16:rowId xmlns:a16="http://schemas.microsoft.com/office/drawing/2014/main" val="1592907298"/>
-                  </a:ext>
-                </a:extLst>
-              </a:tr>
-              <a:tr h="526542">
-                <a:tc>
-                  <a:txBody>
-                    <a:bodyPr/>
-                    <a:lstStyle/>
-                    <a:p>
-                      <a:pPr algn="r"/>
-                      <a:r>
-                        <a:rPr lang="en-US" sz="1800" dirty="0">
-                          <a:effectLst/>
-                        </a:rPr>
-                        <a:t>2:05 PM</a:t>
-                      </a:r>
-                    </a:p>
-                  </a:txBody>
-                  <a:tcPr marL="142875" marR="142875" marT="95250" marB="95250" anchor="ctr"/>
-                </a:tc>
-                <a:tc>
-                  <a:txBody>
-                    <a:bodyPr/>
-                    <a:lstStyle/>
-                    <a:p>
-                      <a:r>
-                        <a:rPr lang="en-US" sz="1800" dirty="0">
-                          <a:effectLst/>
-                        </a:rPr>
-                        <a:t>Motivation and Overview of Best Practices in HPC Software Development</a:t>
                       </a:r>
                     </a:p>
                   </a:txBody>
@@ -4562,10 +4525,10 @@
                     <a:p>
                       <a:pPr algn="r"/>
                       <a:r>
-                        <a:rPr lang="en-US" sz="1800" dirty="0">
+                        <a:rPr lang="en-US">
                           <a:effectLst/>
                         </a:rPr>
-                        <a:t>2:20 PM</a:t>
+                        <a:t>1:35 PM</a:t>
                       </a:r>
                     </a:p>
                   </a:txBody>
@@ -4577,10 +4540,10 @@
                     <a:lstStyle/>
                     <a:p>
                       <a:r>
-                        <a:rPr lang="en-US" sz="1800" dirty="0">
+                        <a:rPr lang="en-US">
                           <a:effectLst/>
                         </a:rPr>
-                        <a:t>Scientific Software Design</a:t>
+                        <a:t>Improving Reproducibility Through Better Software Practices</a:t>
                       </a:r>
                     </a:p>
                   </a:txBody>
@@ -4600,10 +4563,10 @@
                     <a:p>
                       <a:pPr algn="r"/>
                       <a:r>
-                        <a:rPr lang="en-US" sz="1800" dirty="0">
+                        <a:rPr lang="en-US">
                           <a:effectLst/>
                         </a:rPr>
-                        <a:t>2:50 PM</a:t>
+                        <a:t>2:15 PM</a:t>
                       </a:r>
                     </a:p>
                   </a:txBody>
@@ -4615,7 +4578,7 @@
                     <a:lstStyle/>
                     <a:p>
                       <a:r>
-                        <a:rPr lang="en-US" sz="1800" i="0" dirty="0">
+                        <a:rPr lang="en-US">
                           <a:effectLst/>
                         </a:rPr>
                         <a:t>Software Testing and Verification</a:t>
@@ -4638,10 +4601,10 @@
                     <a:p>
                       <a:pPr algn="r"/>
                       <a:r>
-                        <a:rPr lang="en-US" sz="1800" dirty="0">
+                        <a:rPr lang="en-US">
                           <a:effectLst/>
                         </a:rPr>
-                        <a:t>3:30 PM</a:t>
+                        <a:t>3:00 PM</a:t>
                       </a:r>
                     </a:p>
                   </a:txBody>
@@ -4653,11 +4616,14 @@
                     <a:lstStyle/>
                     <a:p>
                       <a:r>
-                        <a:rPr lang="en-US" sz="1800" dirty="0">
+                        <a:rPr lang="en-US" i="1">
                           <a:effectLst/>
                         </a:rPr>
-                        <a:t>Refactoring Scientific Software</a:t>
+                        <a:t>Afternoon break</a:t>
                       </a:r>
+                      <a:endParaRPr lang="en-US">
+                        <a:effectLst/>
+                      </a:endParaRPr>
                     </a:p>
                   </a:txBody>
                   <a:tcPr marL="142875" marR="142875" marT="95250" marB="95250" anchor="ctr"/>
@@ -4676,10 +4642,10 @@
                     <a:p>
                       <a:pPr algn="r"/>
                       <a:r>
-                        <a:rPr lang="en-US" sz="1800" dirty="0">
+                        <a:rPr lang="en-US">
                           <a:effectLst/>
                         </a:rPr>
-                        <a:t>4:00 PM</a:t>
+                        <a:t>3:30 PM</a:t>
                       </a:r>
                     </a:p>
                   </a:txBody>
@@ -4691,10 +4657,10 @@
                     <a:lstStyle/>
                     <a:p>
                       <a:r>
-                        <a:rPr lang="en-US" sz="1800" i="1" dirty="0">
+                        <a:rPr lang="en-US">
                           <a:effectLst/>
                         </a:rPr>
-                        <a:t>Break</a:t>
+                        <a:t>Managing Computational Experiments</a:t>
                       </a:r>
                     </a:p>
                   </a:txBody>
@@ -4714,7 +4680,7 @@
                     <a:p>
                       <a:pPr algn="r"/>
                       <a:r>
-                        <a:rPr lang="en-US" sz="1800" dirty="0">
+                        <a:rPr lang="en-US">
                           <a:effectLst/>
                         </a:rPr>
                         <a:t>4:30 PM</a:t>
@@ -4729,10 +4695,10 @@
                     <a:lstStyle/>
                     <a:p>
                       <a:r>
-                        <a:rPr lang="en-US" sz="1800" dirty="0">
+                        <a:rPr lang="en-US">
                           <a:effectLst/>
                         </a:rPr>
-                        <a:t>Lab Notebooks</a:t>
+                        <a:t>Reproducibility of Workflows</a:t>
                       </a:r>
                     </a:p>
                   </a:txBody>
@@ -4752,10 +4718,10 @@
                     <a:p>
                       <a:pPr algn="r"/>
                       <a:r>
-                        <a:rPr lang="en-US" sz="1800" dirty="0">
+                        <a:rPr lang="en-US">
                           <a:effectLst/>
                         </a:rPr>
-                        <a:t>5:15 PM</a:t>
+                        <a:t>5:00 PM</a:t>
                       </a:r>
                     </a:p>
                   </a:txBody>
@@ -4767,11 +4733,14 @@
                     <a:lstStyle/>
                     <a:p>
                       <a:r>
-                        <a:rPr lang="en-US" sz="1800" i="0" dirty="0">
+                        <a:rPr lang="en-US" i="1" dirty="0">
                           <a:effectLst/>
                         </a:rPr>
-                        <a:t>Documentation</a:t>
+                        <a:t>Adjourn</a:t>
                       </a:r>
+                      <a:endParaRPr lang="en-US" dirty="0">
+                        <a:effectLst/>
+                      </a:endParaRPr>
                     </a:p>
                   </a:txBody>
                   <a:tcPr marL="142875" marR="142875" marT="95250" marB="95250" anchor="ctr"/>
@@ -4779,44 +4748,6 @@
                 <a:extLst>
                   <a:ext uri="{0D108BD9-81ED-4DB2-BD59-A6C34878D82A}">
                     <a16:rowId xmlns:a16="http://schemas.microsoft.com/office/drawing/2014/main" val="4002252475"/>
-                  </a:ext>
-                </a:extLst>
-              </a:tr>
-              <a:tr h="526542">
-                <a:tc>
-                  <a:txBody>
-                    <a:bodyPr/>
-                    <a:lstStyle/>
-                    <a:p>
-                      <a:pPr algn="r"/>
-                      <a:r>
-                        <a:rPr lang="en-US" sz="1800" dirty="0">
-                          <a:effectLst/>
-                        </a:rPr>
-                        <a:t>6:00 PM</a:t>
-                      </a:r>
-                    </a:p>
-                  </a:txBody>
-                  <a:tcPr marL="142875" marR="142875" marT="95250" marB="95250" anchor="ctr"/>
-                </a:tc>
-                <a:tc>
-                  <a:txBody>
-                    <a:bodyPr/>
-                    <a:lstStyle/>
-                    <a:p>
-                      <a:r>
-                        <a:rPr lang="en-US" sz="1800" dirty="0">
-                          <a:effectLst/>
-                        </a:rPr>
-                        <a:t>Adjourn</a:t>
-                      </a:r>
-                    </a:p>
-                  </a:txBody>
-                  <a:tcPr marL="142875" marR="142875" marT="95250" marB="95250" anchor="ctr"/>
-                </a:tc>
-                <a:extLst>
-                  <a:ext uri="{0D108BD9-81ED-4DB2-BD59-A6C34878D82A}">
-                    <a16:rowId xmlns:a16="http://schemas.microsoft.com/office/drawing/2014/main" val="3124768356"/>
                   </a:ext>
                 </a:extLst>
               </a:tr>
@@ -5076,36 +5007,26 @@
               <a:t>The requested citation the overall tutorial is: </a:t>
             </a:r>
             <a:r>
-              <a:rPr lang="en-US" sz="1600" b="0" i="0" dirty="0">
-                <a:solidFill>
-                  <a:srgbClr val="111111"/>
-                </a:solidFill>
-                <a:effectLst/>
-                <a:latin typeface="+mn-lt"/>
-              </a:rPr>
-              <a:t>Anshu Dubey, Better Scientific Software tutorial, in ISC High Performance (ISC24), Hamburg, Germany, and online, 2024. DOI: </a:t>
-            </a:r>
-            <a:r>
-              <a:rPr lang="en-US" sz="1600" b="0" i="0" u="none" strike="noStrike" dirty="0">
-                <a:solidFill>
-                  <a:srgbClr val="2A7AE2"/>
-                </a:solidFill>
-                <a:effectLst/>
-                <a:latin typeface="+mn-lt"/>
+              <a:rPr lang="en-US" sz="1600" dirty="0"/>
+              <a:t>Anshu Dubey and Gregory R. Watson, Software Practices for Reproducible Science tutorial, in 2024 ACM Conference on Reproducibility and Replicability (ACM-REP), Rennes, France and online, 2024. DOI: </a:t>
+            </a:r>
+            <a:r>
+              <a:rPr lang="en-US" sz="1600" dirty="0">
                 <a:hlinkClick r:id="rId4"/>
               </a:rPr>
-              <a:t>10.6084/m9.figshare.25686426</a:t>
-            </a:r>
-            <a:r>
-              <a:rPr lang="en-US" sz="1600" b="0" i="0" dirty="0">
-                <a:solidFill>
-                  <a:srgbClr val="111111"/>
-                </a:solidFill>
-                <a:effectLst/>
-                <a:latin typeface="+mn-lt"/>
-              </a:rPr>
+              <a:t>10.6084/m9.figshare.26019469</a:t>
+            </a:r>
+            <a:r>
+              <a:rPr lang="en-US" sz="1600" b="1" dirty="0"/>
               <a:t>.</a:t>
             </a:r>
+            <a:endParaRPr lang="en-US" sz="1600" b="0" i="0" dirty="0">
+              <a:solidFill>
+                <a:srgbClr val="111111"/>
+              </a:solidFill>
+              <a:effectLst/>
+              <a:latin typeface="+mn-lt"/>
+            </a:endParaRPr>
           </a:p>
           <a:p>
             <a:pPr>
@@ -5288,7 +5209,7 @@
     </p:spTree>
     <p:extLst>
       <p:ext uri="{BB962C8B-B14F-4D97-AF65-F5344CB8AC3E}">
-        <p14:creationId xmlns:p14="http://schemas.microsoft.com/office/powerpoint/2010/main" val="1595865985"/>
+        <p14:creationId xmlns:p14="http://schemas.microsoft.com/office/powerpoint/2010/main" val="978726433"/>
       </p:ext>
     </p:extLst>
   </p:cSld>
@@ -5352,6 +5273,17 @@
             </a:r>
           </a:p>
           <a:p>
+            <a:pPr>
+              <a:spcBef>
+                <a:spcPts val="1000"/>
+              </a:spcBef>
+            </a:pPr>
+            <a:r>
+              <a:rPr lang="en-US" dirty="0"/>
+              <a:t>Gregory R. Watson, ORNL</a:t>
+            </a:r>
+          </a:p>
+          <a:p>
             <a:pPr marL="0" indent="0">
               <a:spcBef>
                 <a:spcPts val="1000"/>
@@ -5390,34 +5322,222 @@
           </a:p>
         </p:txBody>
       </p:sp>
-      <p:grpSp>
-        <p:nvGrpSpPr>
-          <p:cNvPr id="17" name="Group 16">
+      <p:sp>
+        <p:nvSpPr>
+          <p:cNvPr id="4" name="TextBox 3">
             <a:extLst>
               <a:ext uri="{FF2B5EF4-FFF2-40B4-BE49-F238E27FC236}">
-                <a16:creationId xmlns:a16="http://schemas.microsoft.com/office/drawing/2014/main" id="{DA272CFF-B9D9-4F3C-A9E0-85E20DE1D51F}"/>
+                <a16:creationId xmlns:a16="http://schemas.microsoft.com/office/drawing/2014/main" id="{75F24105-9372-1C03-4BB0-9287BF335D4A}"/>
               </a:ext>
             </a:extLst>
           </p:cNvPr>
-          <p:cNvGrpSpPr>
-            <a:grpSpLocks noChangeAspect="1"/>
-          </p:cNvGrpSpPr>
+          <p:cNvSpPr txBox="1"/>
+          <p:nvPr/>
+        </p:nvSpPr>
+        <p:spPr>
+          <a:xfrm>
+            <a:off x="363095" y="4186797"/>
+            <a:ext cx="10123321" cy="1661993"/>
+          </a:xfrm>
+          <a:prstGeom prst="rect">
+            <a:avLst/>
+          </a:prstGeom>
+          <a:noFill/>
+        </p:spPr>
+        <p:txBody>
+          <a:bodyPr wrap="square">
+            <a:spAutoFit/>
+          </a:bodyPr>
+          <a:lstStyle/>
+          <a:p>
+            <a:pPr marL="227013" indent="-227013">
+              <a:spcBef>
+                <a:spcPts val="1800"/>
+              </a:spcBef>
+              <a:buFont typeface="Arial" panose="020B0604020202020204" pitchFamily="34" charset="0"/>
+              <a:buChar char="•"/>
+            </a:pPr>
+            <a:r>
+              <a:rPr lang="en-US" sz="2400" dirty="0"/>
+              <a:t>Lead PI for COLABS: Collaboration for Better Software for Science</a:t>
+            </a:r>
+          </a:p>
+          <a:p>
+            <a:pPr marL="227013" indent="-227013">
+              <a:spcBef>
+                <a:spcPts val="1800"/>
+              </a:spcBef>
+              <a:buFont typeface="Arial" panose="020B0604020202020204" pitchFamily="34" charset="0"/>
+              <a:buChar char="•"/>
+            </a:pPr>
+            <a:r>
+              <a:rPr lang="en-US" sz="2400" dirty="0"/>
+              <a:t>Application Engagement Lead for the RAPIDS </a:t>
+            </a:r>
+            <a:r>
+              <a:rPr lang="en-US" sz="2400" dirty="0" err="1"/>
+              <a:t>SciDAC</a:t>
+            </a:r>
+            <a:r>
+              <a:rPr lang="en-US" sz="2400" dirty="0"/>
+              <a:t> Institute</a:t>
+            </a:r>
+          </a:p>
+          <a:p>
+            <a:pPr marL="227013" indent="-227013">
+              <a:spcBef>
+                <a:spcPts val="1800"/>
+              </a:spcBef>
+              <a:buFont typeface="Arial" panose="020B0604020202020204" pitchFamily="34" charset="0"/>
+              <a:buChar char="•"/>
+            </a:pPr>
+            <a:r>
+              <a:rPr lang="en-US" sz="2400" dirty="0"/>
+              <a:t>Member of the IDEAS Productivity Project: </a:t>
+            </a:r>
+            <a:r>
+              <a:rPr lang="en-US" sz="2400" dirty="0">
+                <a:hlinkClick r:id="rId2"/>
+              </a:rPr>
+              <a:t>http://ideas-productivity.org</a:t>
+            </a:r>
+            <a:endParaRPr lang="en-US" sz="2400" dirty="0"/>
+          </a:p>
+        </p:txBody>
+      </p:sp>
+      <p:grpSp>
+        <p:nvGrpSpPr>
+          <p:cNvPr id="5" name="Group 4">
+            <a:extLst>
+              <a:ext uri="{FF2B5EF4-FFF2-40B4-BE49-F238E27FC236}">
+                <a16:creationId xmlns:a16="http://schemas.microsoft.com/office/drawing/2014/main" id="{3D009C9C-7569-AE4A-AB05-5A2D29A31C40}"/>
+              </a:ext>
+            </a:extLst>
+          </p:cNvPr>
+          <p:cNvGrpSpPr/>
           <p:nvPr/>
         </p:nvGrpSpPr>
         <p:grpSpPr>
           <a:xfrm>
-            <a:off x="5140279" y="973585"/>
-            <a:ext cx="1774634" cy="3358224"/>
+            <a:off x="7765265" y="1427736"/>
+            <a:ext cx="1038027" cy="1804941"/>
+            <a:chOff x="9222950" y="1485878"/>
+            <a:chExt cx="1038027" cy="1804941"/>
+          </a:xfrm>
+        </p:grpSpPr>
+        <p:pic>
+          <p:nvPicPr>
+            <p:cNvPr id="6" name="Picture 5" descr="A person wearing a hat&#10;&#10;Description automatically generated with medium confidence">
+              <a:extLst>
+                <a:ext uri="{FF2B5EF4-FFF2-40B4-BE49-F238E27FC236}">
+                  <a16:creationId xmlns:a16="http://schemas.microsoft.com/office/drawing/2014/main" id="{FD3F4FE7-F5B1-8BFB-24C4-F3D5551ECB92}"/>
+                </a:ext>
+              </a:extLst>
+            </p:cNvPr>
+            <p:cNvPicPr>
+              <a:picLocks noChangeAspect="1"/>
+            </p:cNvPicPr>
+            <p:nvPr/>
+          </p:nvPicPr>
+          <p:blipFill rotWithShape="1">
+            <a:blip r:embed="rId3">
+              <a:extLst>
+                <a:ext uri="{28A0092B-C50C-407E-A947-70E740481C1C}">
+                  <a14:useLocalDpi xmlns:a14="http://schemas.microsoft.com/office/drawing/2010/main" val="0"/>
+                </a:ext>
+              </a:extLst>
+            </a:blip>
+            <a:srcRect l="7000" t="-1515" r="7000" b="1515"/>
+            <a:stretch/>
+          </p:blipFill>
+          <p:spPr>
+            <a:xfrm>
+              <a:off x="9222950" y="1485878"/>
+              <a:ext cx="1038027" cy="1207008"/>
+            </a:xfrm>
+            <a:prstGeom prst="rect">
+              <a:avLst/>
+            </a:prstGeom>
+          </p:spPr>
+        </p:pic>
+        <p:sp>
+          <p:nvSpPr>
+            <p:cNvPr id="7" name="TextBox 6">
+              <a:extLst>
+                <a:ext uri="{FF2B5EF4-FFF2-40B4-BE49-F238E27FC236}">
+                  <a16:creationId xmlns:a16="http://schemas.microsoft.com/office/drawing/2014/main" id="{1399CAD7-0E59-DED6-C82F-315923010743}"/>
+                </a:ext>
+              </a:extLst>
+            </p:cNvPr>
+            <p:cNvSpPr txBox="1"/>
+            <p:nvPr/>
+          </p:nvSpPr>
+          <p:spPr>
+            <a:xfrm>
+              <a:off x="9252085" y="2699888"/>
+              <a:ext cx="979756" cy="590931"/>
+            </a:xfrm>
+            <a:prstGeom prst="rect">
+              <a:avLst/>
+            </a:prstGeom>
+            <a:noFill/>
+          </p:spPr>
+          <p:txBody>
+            <a:bodyPr wrap="none" rtlCol="0">
+              <a:spAutoFit/>
+            </a:bodyPr>
+            <a:lstStyle/>
+            <a:p>
+              <a:pPr algn="ctr">
+                <a:lnSpc>
+                  <a:spcPct val="90000"/>
+                </a:lnSpc>
+              </a:pPr>
+              <a:r>
+                <a:rPr lang="en-US" dirty="0"/>
+                <a:t>Greg W</a:t>
+              </a:r>
+            </a:p>
+            <a:p>
+              <a:pPr algn="ctr">
+                <a:lnSpc>
+                  <a:spcPct val="90000"/>
+                </a:lnSpc>
+              </a:pPr>
+              <a:r>
+                <a:rPr lang="en-US" i="1" dirty="0"/>
+                <a:t>he/him</a:t>
+              </a:r>
+            </a:p>
+          </p:txBody>
+        </p:sp>
+      </p:grpSp>
+      <p:grpSp>
+        <p:nvGrpSpPr>
+          <p:cNvPr id="8" name="Group 7">
+            <a:extLst>
+              <a:ext uri="{FF2B5EF4-FFF2-40B4-BE49-F238E27FC236}">
+                <a16:creationId xmlns:a16="http://schemas.microsoft.com/office/drawing/2014/main" id="{C22DEB37-50E6-2254-1FB5-B0F6E81B4E4A}"/>
+              </a:ext>
+            </a:extLst>
+          </p:cNvPr>
+          <p:cNvGrpSpPr/>
+          <p:nvPr/>
+        </p:nvGrpSpPr>
+        <p:grpSpPr>
+          <a:xfrm>
+            <a:off x="6094412" y="1427736"/>
+            <a:ext cx="954107" cy="1805497"/>
             <a:chOff x="6614147" y="1346049"/>
             <a:chExt cx="954107" cy="1805497"/>
           </a:xfrm>
         </p:grpSpPr>
         <p:sp>
           <p:nvSpPr>
-            <p:cNvPr id="18" name="TextBox 17">
+            <p:cNvPr id="9" name="TextBox 8">
               <a:extLst>
                 <a:ext uri="{FF2B5EF4-FFF2-40B4-BE49-F238E27FC236}">
-                  <a16:creationId xmlns:a16="http://schemas.microsoft.com/office/drawing/2014/main" id="{971CCA09-510A-41AB-BCC8-5DD005698C88}"/>
+                  <a16:creationId xmlns:a16="http://schemas.microsoft.com/office/drawing/2014/main" id="{CEB57978-C3B6-32C4-C6C6-52ACB58C8A06}"/>
                 </a:ext>
               </a:extLst>
             </p:cNvPr>
@@ -5465,10 +5585,10 @@
         </p:sp>
         <p:pic>
           <p:nvPicPr>
-            <p:cNvPr id="22" name="Picture 21" descr="A person smiling for the camera&#10;&#10;Description automatically generated with low confidence">
+            <p:cNvPr id="10" name="Picture 9" descr="A person smiling for the camera&#10;&#10;Description automatically generated with low confidence">
               <a:extLst>
                 <a:ext uri="{FF2B5EF4-FFF2-40B4-BE49-F238E27FC236}">
-                  <a16:creationId xmlns:a16="http://schemas.microsoft.com/office/drawing/2014/main" id="{A62F46AB-E9C9-409F-B158-23C56970CF2D}"/>
+                  <a16:creationId xmlns:a16="http://schemas.microsoft.com/office/drawing/2014/main" id="{4F1A04F2-5B52-D284-D8CF-CD12780422CE}"/>
                 </a:ext>
               </a:extLst>
             </p:cNvPr>
@@ -5478,7 +5598,7 @@
             <p:nvPr/>
           </p:nvPicPr>
           <p:blipFill>
-            <a:blip r:embed="rId2" cstate="print">
+            <a:blip r:embed="rId4" cstate="print">
               <a:extLst>
                 <a:ext uri="{28A0092B-C50C-407E-A947-70E740481C1C}">
                   <a14:useLocalDpi xmlns:a14="http://schemas.microsoft.com/office/drawing/2010/main" val="0"/>
@@ -5500,89 +5620,6 @@
           </p:spPr>
         </p:pic>
       </p:grpSp>
-      <p:sp>
-        <p:nvSpPr>
-          <p:cNvPr id="4" name="TextBox 3">
-            <a:extLst>
-              <a:ext uri="{FF2B5EF4-FFF2-40B4-BE49-F238E27FC236}">
-                <a16:creationId xmlns:a16="http://schemas.microsoft.com/office/drawing/2014/main" id="{75F24105-9372-1C03-4BB0-9287BF335D4A}"/>
-              </a:ext>
-            </a:extLst>
-          </p:cNvPr>
-          <p:cNvSpPr txBox="1"/>
-          <p:nvPr/>
-        </p:nvSpPr>
-        <p:spPr>
-          <a:xfrm>
-            <a:off x="363095" y="4186797"/>
-            <a:ext cx="10123321" cy="1661993"/>
-          </a:xfrm>
-          <a:prstGeom prst="rect">
-            <a:avLst/>
-          </a:prstGeom>
-          <a:noFill/>
-        </p:spPr>
-        <p:txBody>
-          <a:bodyPr wrap="square">
-            <a:spAutoFit/>
-          </a:bodyPr>
-          <a:lstStyle/>
-          <a:p>
-            <a:pPr marL="227013" indent="-227013">
-              <a:spcBef>
-                <a:spcPts val="1800"/>
-              </a:spcBef>
-              <a:buFont typeface="Arial" panose="020B0604020202020204" pitchFamily="34" charset="0"/>
-              <a:buChar char="•"/>
-            </a:pPr>
-            <a:r>
-              <a:rPr lang="en-US" sz="2400" dirty="0"/>
-              <a:t>Lead PI for COLABS: Collaboration for Better Software for Science</a:t>
-            </a:r>
-          </a:p>
-          <a:p>
-            <a:pPr marL="227013" indent="-227013">
-              <a:spcBef>
-                <a:spcPts val="1800"/>
-              </a:spcBef>
-              <a:buFont typeface="Arial" panose="020B0604020202020204" pitchFamily="34" charset="0"/>
-              <a:buChar char="•"/>
-            </a:pPr>
-            <a:r>
-              <a:rPr lang="en-US" sz="2400" dirty="0"/>
-              <a:t>Application Engagement Lead for the RAPIDS </a:t>
-            </a:r>
-            <a:r>
-              <a:rPr lang="en-US" sz="2400" dirty="0" err="1"/>
-              <a:t>SciDAC</a:t>
-            </a:r>
-            <a:r>
-              <a:rPr lang="en-US" sz="2400" dirty="0"/>
-              <a:t> Institute</a:t>
-            </a:r>
-          </a:p>
-          <a:p>
-            <a:pPr marL="227013" indent="-227013">
-              <a:spcBef>
-                <a:spcPts val="1800"/>
-              </a:spcBef>
-              <a:buFont typeface="Arial" panose="020B0604020202020204" pitchFamily="34" charset="0"/>
-              <a:buChar char="•"/>
-            </a:pPr>
-            <a:r>
-              <a:rPr lang="en-US" sz="2400" dirty="0"/>
-              <a:t>Member of the IDEAS Productivity Project: </a:t>
-            </a:r>
-            <a:r>
-              <a:rPr lang="en-US" sz="2400" dirty="0">
-                <a:hlinkClick r:id="rId3"/>
-              </a:rPr>
-              <a:t>http://ideas-productivity.org</a:t>
-            </a:r>
-            <a:endParaRPr lang="en-US" sz="2400" dirty="0"/>
-          </a:p>
-        </p:txBody>
-      </p:sp>
     </p:spTree>
     <p:extLst>
       <p:ext uri="{BB962C8B-B14F-4D97-AF65-F5344CB8AC3E}">
@@ -6945,82 +6982,6 @@
             <a:r>
               <a:rPr lang="en-US" dirty="0"/>
               <a:t> page for all tutorial materials</a:t>
-            </a:r>
-          </a:p>
-        </p:txBody>
-      </p:sp>
-      <p:sp>
-        <p:nvSpPr>
-          <p:cNvPr id="4" name="TextBox 3">
-            <a:extLst>
-              <a:ext uri="{FF2B5EF4-FFF2-40B4-BE49-F238E27FC236}">
-                <a16:creationId xmlns:a16="http://schemas.microsoft.com/office/drawing/2014/main" id="{A5930DDF-DCEE-AE67-9936-FEA881563FF7}"/>
-              </a:ext>
-            </a:extLst>
-          </p:cNvPr>
-          <p:cNvSpPr txBox="1"/>
-          <p:nvPr/>
-        </p:nvSpPr>
-        <p:spPr>
-          <a:xfrm>
-            <a:off x="1239622" y="4777000"/>
-            <a:ext cx="9709581" cy="1098762"/>
-          </a:xfrm>
-          <a:prstGeom prst="rect">
-            <a:avLst/>
-          </a:prstGeom>
-          <a:solidFill>
-            <a:srgbClr val="FFFF00"/>
-          </a:solidFill>
-          <a:ln w="28575">
-            <a:solidFill>
-              <a:schemeClr val="tx1"/>
-            </a:solidFill>
-          </a:ln>
-        </p:spPr>
-        <p:txBody>
-          <a:bodyPr wrap="none" lIns="118872" tIns="91440" rIns="118872" bIns="91440" rtlCol="0" anchor="ctr" anchorCtr="0">
-            <a:spAutoFit/>
-          </a:bodyPr>
-          <a:lstStyle/>
-          <a:p>
-            <a:pPr algn="ctr">
-              <a:lnSpc>
-                <a:spcPct val="90000"/>
-              </a:lnSpc>
-            </a:pPr>
-            <a:r>
-              <a:rPr lang="en-US" sz="2400" dirty="0"/>
-              <a:t>You may also be interested in other software-related events at ISC24!</a:t>
-            </a:r>
-          </a:p>
-          <a:p>
-            <a:pPr algn="ctr">
-              <a:lnSpc>
-                <a:spcPct val="90000"/>
-              </a:lnSpc>
-            </a:pPr>
-            <a:r>
-              <a:rPr lang="en-US" sz="2400" dirty="0"/>
-              <a:t>Visit </a:t>
-            </a:r>
-            <a:r>
-              <a:rPr lang="en-US" sz="2400" dirty="0">
-                <a:hlinkClick r:id="rId4"/>
-              </a:rPr>
-              <a:t>https://bssw.io/events/isc24-software-related-events</a:t>
-            </a:r>
-            <a:endParaRPr lang="en-US" sz="2400" dirty="0"/>
-          </a:p>
-          <a:p>
-            <a:pPr algn="ctr">
-              <a:lnSpc>
-                <a:spcPct val="90000"/>
-              </a:lnSpc>
-            </a:pPr>
-            <a:r>
-              <a:rPr lang="en-US" dirty="0"/>
-              <a:t>(link is also on tutorial webpage)</a:t>
             </a:r>
           </a:p>
         </p:txBody>
@@ -7951,6 +7912,12 @@
 </file>
 
 <file path=customXml/item1.xml><?xml version="1.0" encoding="utf-8"?>
+<p:properties xmlns:p="http://schemas.microsoft.com/office/2006/metadata/properties" xmlns:xsi="http://www.w3.org/2001/XMLSchema-instance" xmlns:pc="http://schemas.microsoft.com/office/infopath/2007/PartnerControls">
+  <documentManagement/>
+</p:properties>
+</file>
+
+<file path=customXml/item2.xml><?xml version="1.0" encoding="utf-8"?>
 <ct:contentTypeSchema xmlns:ct="http://schemas.microsoft.com/office/2006/metadata/contentType" xmlns:ma="http://schemas.microsoft.com/office/2006/metadata/properties/metaAttributes" ct:_="" ma:_="" ma:contentTypeName="Document" ma:contentTypeID="0x010100565464437F680748A68B85EB6594EA7D" ma:contentTypeVersion="0" ma:contentTypeDescription="Create a new document." ma:contentTypeScope="" ma:versionID="fe3f4dd58d5914c51cfc6deaa8ad845c">
   <xsd:schema xmlns:xsd="http://www.w3.org/2001/XMLSchema" xmlns:p="http://schemas.microsoft.com/office/2006/metadata/properties" targetNamespace="http://schemas.microsoft.com/office/2006/metadata/properties" ma:root="true" ma:fieldsID="4aeb20c0e3442673af7ee10786458764">
     <xsd:element name="properties">
@@ -7999,12 +7966,6 @@
 </ct:contentTypeSchema>
 </file>
 
-<file path=customXml/item2.xml><?xml version="1.0" encoding="utf-8"?>
-<p:properties xmlns:p="http://schemas.microsoft.com/office/2006/metadata/properties" xmlns:xsi="http://www.w3.org/2001/XMLSchema-instance" xmlns:pc="http://schemas.microsoft.com/office/infopath/2007/PartnerControls">
-  <documentManagement/>
-</p:properties>
-</file>
-
 <file path=customXml/item3.xml><?xml version="1.0" encoding="utf-8"?>
 <?mso-contentType ?>
 <FormTemplates xmlns="http://schemas.microsoft.com/sharepoint/v3/contenttype/forms">
@@ -8015,6 +7976,21 @@
 </file>
 
 <file path=customXml/itemProps1.xml><?xml version="1.0" encoding="utf-8"?>
+<ds:datastoreItem xmlns:ds="http://schemas.openxmlformats.org/officeDocument/2006/customXml" ds:itemID="{A50EC660-24D0-43A0-AE5E-E274115E726B}">
+  <ds:schemaRefs>
+    <ds:schemaRef ds:uri="http://purl.org/dc/elements/1.1/"/>
+    <ds:schemaRef ds:uri="http://schemas.microsoft.com/office/2006/metadata/properties"/>
+    <ds:schemaRef ds:uri="http://purl.org/dc/terms/"/>
+    <ds:schemaRef ds:uri="http://schemas.openxmlformats.org/package/2006/metadata/core-properties"/>
+    <ds:schemaRef ds:uri="http://schemas.microsoft.com/office/2006/documentManagement/types"/>
+    <ds:schemaRef ds:uri="http://www.w3.org/XML/1998/namespace"/>
+    <ds:schemaRef ds:uri="http://purl.org/dc/dcmitype/"/>
+    <ds:schemaRef ds:uri="http://schemas.microsoft.com/office/infopath/2007/PartnerControls"/>
+  </ds:schemaRefs>
+</ds:datastoreItem>
+</file>
+
+<file path=customXml/itemProps2.xml><?xml version="1.0" encoding="utf-8"?>
 <ds:datastoreItem xmlns:ds="http://schemas.openxmlformats.org/officeDocument/2006/customXml" ds:itemID="{E8DB7DEB-074E-4EE8-9B6E-FD277323109C}">
   <ds:schemaRefs>
     <ds:schemaRef ds:uri="http://schemas.microsoft.com/office/2006/metadata/contentType"/>
@@ -8029,21 +8005,6 @@
 </ds:datastoreItem>
 </file>
 
-<file path=customXml/itemProps2.xml><?xml version="1.0" encoding="utf-8"?>
-<ds:datastoreItem xmlns:ds="http://schemas.openxmlformats.org/officeDocument/2006/customXml" ds:itemID="{A50EC660-24D0-43A0-AE5E-E274115E726B}">
-  <ds:schemaRefs>
-    <ds:schemaRef ds:uri="http://purl.org/dc/elements/1.1/"/>
-    <ds:schemaRef ds:uri="http://schemas.microsoft.com/office/2006/metadata/properties"/>
-    <ds:schemaRef ds:uri="http://purl.org/dc/terms/"/>
-    <ds:schemaRef ds:uri="http://schemas.openxmlformats.org/package/2006/metadata/core-properties"/>
-    <ds:schemaRef ds:uri="http://schemas.microsoft.com/office/2006/documentManagement/types"/>
-    <ds:schemaRef ds:uri="http://www.w3.org/XML/1998/namespace"/>
-    <ds:schemaRef ds:uri="http://purl.org/dc/dcmitype/"/>
-    <ds:schemaRef ds:uri="http://schemas.microsoft.com/office/infopath/2007/PartnerControls"/>
-  </ds:schemaRefs>
-</ds:datastoreItem>
-</file>
-
 <file path=customXml/itemProps3.xml><?xml version="1.0" encoding="utf-8"?>
 <ds:datastoreItem xmlns:ds="http://schemas.openxmlformats.org/officeDocument/2006/customXml" ds:itemID="{19E20559-B232-4371-8690-E3D8007EDB82}">
   <ds:schemaRefs>

--- a/intro-a.pptx
+++ b/intro-a.pptx
@@ -264,7 +264,7 @@
           <a:p>
             <a:fld id="{0B842F42-2CE9-4E35-95C1-410DC08A50B1}" type="datetimeFigureOut">
               <a:rPr lang="en-US" smtClean="0"/>
-              <a:t>6/11/2024</a:t>
+              <a:t>6/12/24</a:t>
             </a:fld>
             <a:endParaRPr lang="en-US"/>
           </a:p>
@@ -429,7 +429,7 @@
           <a:p>
             <a:fld id="{6F282904-F315-4730-8D91-37D99E141A6F}" type="datetimeFigureOut">
               <a:rPr lang="en-US" smtClean="0"/>
-              <a:t>6/11/2024</a:t>
+              <a:t>6/12/24</a:t>
             </a:fld>
             <a:endParaRPr lang="en-US"/>
           </a:p>
@@ -5336,8 +5336,8 @@
         </p:nvSpPr>
         <p:spPr>
           <a:xfrm>
-            <a:off x="363095" y="4186797"/>
-            <a:ext cx="10123321" cy="1661993"/>
+            <a:off x="453256" y="3373816"/>
+            <a:ext cx="10123321" cy="2308324"/>
           </a:xfrm>
           <a:prstGeom prst="rect">
             <a:avLst/>
@@ -5359,40 +5359,53 @@
             </a:pPr>
             <a:r>
               <a:rPr lang="en-US" sz="2400" dirty="0"/>
-              <a:t>Lead PI for COLABS: Collaboration for Better Software for Science</a:t>
-            </a:r>
-          </a:p>
-          <a:p>
-            <a:pPr marL="227013" indent="-227013">
+              <a:t>Anshu </a:t>
+            </a:r>
+          </a:p>
+          <a:p>
+            <a:pPr marL="684213" lvl="1" indent="-227013">
               <a:spcBef>
-                <a:spcPts val="1800"/>
+                <a:spcPts val="0"/>
               </a:spcBef>
               <a:buFont typeface="Arial" panose="020B0604020202020204" pitchFamily="34" charset="0"/>
               <a:buChar char="•"/>
             </a:pPr>
             <a:r>
               <a:rPr lang="en-US" sz="2400" dirty="0"/>
-              <a:t>Application Engagement Lead for the RAPIDS </a:t>
-            </a:r>
-            <a:r>
-              <a:rPr lang="en-US" sz="2400" dirty="0" err="1"/>
-              <a:t>SciDAC</a:t>
-            </a:r>
-            <a:r>
-              <a:rPr lang="en-US" sz="2400" dirty="0"/>
-              <a:t> Institute</a:t>
-            </a:r>
-          </a:p>
-          <a:p>
-            <a:pPr marL="227013" indent="-227013">
+              <a:t>Lead PI for COLABS: Collaboration for Better Software for Science</a:t>
+            </a:r>
+          </a:p>
+          <a:p>
+            <a:pPr marL="684213" lvl="1" indent="-227013">
               <a:spcBef>
-                <a:spcPts val="1800"/>
+                <a:spcPts val="0"/>
               </a:spcBef>
               <a:buFont typeface="Arial" panose="020B0604020202020204" pitchFamily="34" charset="0"/>
               <a:buChar char="•"/>
             </a:pPr>
             <a:r>
               <a:rPr lang="en-US" sz="2400" dirty="0"/>
+              <a:t>Application Engagement Lead for the RAPIDS </a:t>
+            </a:r>
+            <a:r>
+              <a:rPr lang="en-US" sz="2400" dirty="0" err="1"/>
+              <a:t>SciDAC</a:t>
+            </a:r>
+            <a:r>
+              <a:rPr lang="en-US" sz="2400" dirty="0"/>
+              <a:t> Institute</a:t>
+            </a:r>
+          </a:p>
+          <a:p>
+            <a:pPr marL="684213" lvl="1" indent="-227013">
+              <a:spcBef>
+                <a:spcPts val="0"/>
+              </a:spcBef>
+              <a:buFont typeface="Arial" panose="020B0604020202020204" pitchFamily="34" charset="0"/>
+              <a:buChar char="•"/>
+            </a:pPr>
+            <a:r>
+              <a:rPr lang="en-US" sz="2400" dirty="0"/>
               <a:t>Member of the IDEAS Productivity Project: </a:t>
             </a:r>
             <a:r>
@@ -5402,6 +5415,19 @@
               <a:t>http://ideas-productivity.org</a:t>
             </a:r>
             <a:endParaRPr lang="en-US" sz="2400" dirty="0"/>
+          </a:p>
+          <a:p>
+            <a:pPr marL="227013" indent="-227013">
+              <a:spcBef>
+                <a:spcPts val="0"/>
+              </a:spcBef>
+              <a:buFont typeface="Arial" panose="020B0604020202020204" pitchFamily="34" charset="0"/>
+              <a:buChar char="•"/>
+            </a:pPr>
+            <a:r>
+              <a:rPr lang="en-US" sz="2400" dirty="0"/>
+              <a:t>Greg</a:t>
+            </a:r>
           </a:p>
         </p:txBody>
       </p:sp>
@@ -7912,9 +7938,12 @@
 </file>
 
 <file path=customXml/item1.xml><?xml version="1.0" encoding="utf-8"?>
-<p:properties xmlns:p="http://schemas.microsoft.com/office/2006/metadata/properties" xmlns:xsi="http://www.w3.org/2001/XMLSchema-instance" xmlns:pc="http://schemas.microsoft.com/office/infopath/2007/PartnerControls">
-  <documentManagement/>
-</p:properties>
+<?mso-contentType ?>
+<FormTemplates xmlns="http://schemas.microsoft.com/sharepoint/v3/contenttype/forms">
+  <Display>DocumentLibraryForm</Display>
+  <Edit>DocumentLibraryForm</Edit>
+  <New>DocumentLibraryForm</New>
+</FormTemplates>
 </file>
 
 <file path=customXml/item2.xml><?xml version="1.0" encoding="utf-8"?>
@@ -7967,25 +7996,15 @@
 </file>
 
 <file path=customXml/item3.xml><?xml version="1.0" encoding="utf-8"?>
-<?mso-contentType ?>
-<FormTemplates xmlns="http://schemas.microsoft.com/sharepoint/v3/contenttype/forms">
-  <Display>DocumentLibraryForm</Display>
-  <Edit>DocumentLibraryForm</Edit>
-  <New>DocumentLibraryForm</New>
-</FormTemplates>
+<p:properties xmlns:p="http://schemas.microsoft.com/office/2006/metadata/properties" xmlns:xsi="http://www.w3.org/2001/XMLSchema-instance" xmlns:pc="http://schemas.microsoft.com/office/infopath/2007/PartnerControls">
+  <documentManagement/>
+</p:properties>
 </file>
 
 <file path=customXml/itemProps1.xml><?xml version="1.0" encoding="utf-8"?>
-<ds:datastoreItem xmlns:ds="http://schemas.openxmlformats.org/officeDocument/2006/customXml" ds:itemID="{A50EC660-24D0-43A0-AE5E-E274115E726B}">
+<ds:datastoreItem xmlns:ds="http://schemas.openxmlformats.org/officeDocument/2006/customXml" ds:itemID="{19E20559-B232-4371-8690-E3D8007EDB82}">
   <ds:schemaRefs>
-    <ds:schemaRef ds:uri="http://purl.org/dc/elements/1.1/"/>
-    <ds:schemaRef ds:uri="http://schemas.microsoft.com/office/2006/metadata/properties"/>
-    <ds:schemaRef ds:uri="http://purl.org/dc/terms/"/>
-    <ds:schemaRef ds:uri="http://schemas.openxmlformats.org/package/2006/metadata/core-properties"/>
-    <ds:schemaRef ds:uri="http://schemas.microsoft.com/office/2006/documentManagement/types"/>
-    <ds:schemaRef ds:uri="http://www.w3.org/XML/1998/namespace"/>
-    <ds:schemaRef ds:uri="http://purl.org/dc/dcmitype/"/>
-    <ds:schemaRef ds:uri="http://schemas.microsoft.com/office/infopath/2007/PartnerControls"/>
+    <ds:schemaRef ds:uri="http://schemas.microsoft.com/sharepoint/v3/contenttype/forms"/>
   </ds:schemaRefs>
 </ds:datastoreItem>
 </file>
@@ -8006,9 +8025,16 @@
 </file>
 
 <file path=customXml/itemProps3.xml><?xml version="1.0" encoding="utf-8"?>
-<ds:datastoreItem xmlns:ds="http://schemas.openxmlformats.org/officeDocument/2006/customXml" ds:itemID="{19E20559-B232-4371-8690-E3D8007EDB82}">
+<ds:datastoreItem xmlns:ds="http://schemas.openxmlformats.org/officeDocument/2006/customXml" ds:itemID="{A50EC660-24D0-43A0-AE5E-E274115E726B}">
   <ds:schemaRefs>
-    <ds:schemaRef ds:uri="http://schemas.microsoft.com/sharepoint/v3/contenttype/forms"/>
+    <ds:schemaRef ds:uri="http://purl.org/dc/elements/1.1/"/>
+    <ds:schemaRef ds:uri="http://schemas.microsoft.com/office/2006/metadata/properties"/>
+    <ds:schemaRef ds:uri="http://purl.org/dc/terms/"/>
+    <ds:schemaRef ds:uri="http://schemas.openxmlformats.org/package/2006/metadata/core-properties"/>
+    <ds:schemaRef ds:uri="http://schemas.microsoft.com/office/2006/documentManagement/types"/>
+    <ds:schemaRef ds:uri="http://www.w3.org/XML/1998/namespace"/>
+    <ds:schemaRef ds:uri="http://purl.org/dc/dcmitype/"/>
+    <ds:schemaRef ds:uri="http://schemas.microsoft.com/office/infopath/2007/PartnerControls"/>
   </ds:schemaRefs>
 </ds:datastoreItem>
 </file>
--- a/intro-a.pptx
+++ b/intro-a.pptx
@@ -264,7 +264,7 @@
           <a:p>
             <a:fld id="{0B842F42-2CE9-4E35-95C1-410DC08A50B1}" type="datetimeFigureOut">
               <a:rPr lang="en-US" smtClean="0"/>
-              <a:t>6/12/24</a:t>
+              <a:t>6/13/24</a:t>
             </a:fld>
             <a:endParaRPr lang="en-US"/>
           </a:p>
@@ -429,7 +429,7 @@
           <a:p>
             <a:fld id="{6F282904-F315-4730-8D91-37D99E141A6F}" type="datetimeFigureOut">
               <a:rPr lang="en-US" smtClean="0"/>
-              <a:t>6/12/24</a:t>
+              <a:t>6/13/24</a:t>
             </a:fld>
             <a:endParaRPr lang="en-US"/>
           </a:p>
@@ -5337,7 +5337,7 @@
         <p:spPr>
           <a:xfrm>
             <a:off x="453256" y="3373816"/>
-            <a:ext cx="10123321" cy="2308324"/>
+            <a:ext cx="10123321" cy="2862322"/>
           </a:xfrm>
           <a:prstGeom prst="rect">
             <a:avLst/>
@@ -5358,7 +5358,7 @@
               <a:buChar char="•"/>
             </a:pPr>
             <a:r>
-              <a:rPr lang="en-US" sz="2400" dirty="0"/>
+              <a:rPr lang="en-US" sz="2000" dirty="0"/>
               <a:t>Anshu </a:t>
             </a:r>
           </a:p>
@@ -5371,7 +5371,7 @@
               <a:buChar char="•"/>
             </a:pPr>
             <a:r>
-              <a:rPr lang="en-US" sz="2400" dirty="0"/>
+              <a:rPr lang="en-US" sz="2000" dirty="0"/>
               <a:t>Lead PI for COLABS: Collaboration for Better Software for Science</a:t>
             </a:r>
           </a:p>
@@ -5384,15 +5384,15 @@
               <a:buChar char="•"/>
             </a:pPr>
             <a:r>
-              <a:rPr lang="en-US" sz="2400" dirty="0"/>
+              <a:rPr lang="en-US" sz="2000" dirty="0"/>
               <a:t>Application Engagement Lead for the RAPIDS </a:t>
             </a:r>
             <a:r>
-              <a:rPr lang="en-US" sz="2400" dirty="0" err="1"/>
+              <a:rPr lang="en-US" sz="2000" dirty="0" err="1"/>
               <a:t>SciDAC</a:t>
             </a:r>
             <a:r>
-              <a:rPr lang="en-US" sz="2400" dirty="0"/>
+              <a:rPr lang="en-US" sz="2000" dirty="0"/>
               <a:t> Institute</a:t>
             </a:r>
           </a:p>
@@ -5405,16 +5405,16 @@
               <a:buChar char="•"/>
             </a:pPr>
             <a:r>
-              <a:rPr lang="en-US" sz="2400" dirty="0"/>
+              <a:rPr lang="en-US" sz="2000" dirty="0"/>
               <a:t>Member of the IDEAS Productivity Project: </a:t>
             </a:r>
             <a:r>
-              <a:rPr lang="en-US" sz="2400" dirty="0">
+              <a:rPr lang="en-US" sz="2000" dirty="0">
                 <a:hlinkClick r:id="rId2"/>
               </a:rPr>
               <a:t>http://ideas-productivity.org</a:t>
             </a:r>
-            <a:endParaRPr lang="en-US" sz="2400" dirty="0"/>
+            <a:endParaRPr lang="en-US" sz="2000" dirty="0"/>
           </a:p>
           <a:p>
             <a:pPr marL="227013" indent="-227013">
@@ -5425,8 +5425,57 @@
               <a:buChar char="•"/>
             </a:pPr>
             <a:r>
-              <a:rPr lang="en-US" sz="2400" dirty="0"/>
+              <a:rPr lang="en-US" sz="2000" dirty="0"/>
               <a:t>Greg</a:t>
+            </a:r>
+          </a:p>
+          <a:p>
+            <a:pPr marL="684213" lvl="1" indent="-227013">
+              <a:spcBef>
+                <a:spcPts val="0"/>
+              </a:spcBef>
+              <a:buFont typeface="Arial" panose="020B0604020202020204" pitchFamily="34" charset="0"/>
+              <a:buChar char="•"/>
+            </a:pPr>
+            <a:r>
+              <a:rPr lang="en-US" sz="2000" dirty="0"/>
+              <a:t>PI for CORSA: Center for Open-Source Research Software Advancement (</a:t>
+            </a:r>
+            <a:r>
+              <a:rPr lang="en-US" sz="2000" dirty="0">
+                <a:hlinkClick r:id="rId3"/>
+              </a:rPr>
+              <a:t>https://corsa.center</a:t>
+            </a:r>
+            <a:r>
+              <a:rPr lang="en-US" sz="2000" dirty="0"/>
+              <a:t>)</a:t>
+            </a:r>
+          </a:p>
+          <a:p>
+            <a:pPr marL="684213" lvl="1" indent="-227013">
+              <a:spcBef>
+                <a:spcPts val="0"/>
+              </a:spcBef>
+              <a:buFont typeface="Arial" panose="020B0604020202020204" pitchFamily="34" charset="0"/>
+              <a:buChar char="•"/>
+            </a:pPr>
+            <a:r>
+              <a:rPr lang="en-US" sz="2000" dirty="0"/>
+              <a:t>PI for the Neutrons Data Interpretation Platform project (ORNL)</a:t>
+            </a:r>
+          </a:p>
+          <a:p>
+            <a:pPr marL="684213" lvl="1" indent="-227013">
+              <a:spcBef>
+                <a:spcPts val="0"/>
+              </a:spcBef>
+              <a:buFont typeface="Arial" panose="020B0604020202020204" pitchFamily="34" charset="0"/>
+              <a:buChar char="•"/>
+            </a:pPr>
+            <a:r>
+              <a:rPr lang="en-US" sz="2000" dirty="0"/>
+              <a:t>Co-PI for the NZ-ARMADA project (ORNL)</a:t>
             </a:r>
           </a:p>
         </p:txBody>
@@ -5466,7 +5515,7 @@
             <p:nvPr/>
           </p:nvPicPr>
           <p:blipFill rotWithShape="1">
-            <a:blip r:embed="rId3">
+            <a:blip r:embed="rId4">
               <a:extLst>
                 <a:ext uri="{28A0092B-C50C-407E-A947-70E740481C1C}">
                   <a14:useLocalDpi xmlns:a14="http://schemas.microsoft.com/office/drawing/2010/main" val="0"/>
@@ -5624,7 +5673,7 @@
             <p:nvPr/>
           </p:nvPicPr>
           <p:blipFill>
-            <a:blip r:embed="rId4" cstate="print">
+            <a:blip r:embed="rId5" cstate="print">
               <a:extLst>
                 <a:ext uri="{28A0092B-C50C-407E-A947-70E740481C1C}">
                   <a14:useLocalDpi xmlns:a14="http://schemas.microsoft.com/office/drawing/2010/main" val="0"/>
@@ -7938,12 +7987,9 @@
 </file>
 
 <file path=customXml/item1.xml><?xml version="1.0" encoding="utf-8"?>
-<?mso-contentType ?>
-<FormTemplates xmlns="http://schemas.microsoft.com/sharepoint/v3/contenttype/forms">
-  <Display>DocumentLibraryForm</Display>
-  <Edit>DocumentLibraryForm</Edit>
-  <New>DocumentLibraryForm</New>
-</FormTemplates>
+<p:properties xmlns:p="http://schemas.microsoft.com/office/2006/metadata/properties" xmlns:xsi="http://www.w3.org/2001/XMLSchema-instance" xmlns:pc="http://schemas.microsoft.com/office/infopath/2007/PartnerControls">
+  <documentManagement/>
+</p:properties>
 </file>
 
 <file path=customXml/item2.xml><?xml version="1.0" encoding="utf-8"?>
@@ -7996,15 +8042,25 @@
 </file>
 
 <file path=customXml/item3.xml><?xml version="1.0" encoding="utf-8"?>
-<p:properties xmlns:p="http://schemas.microsoft.com/office/2006/metadata/properties" xmlns:xsi="http://www.w3.org/2001/XMLSchema-instance" xmlns:pc="http://schemas.microsoft.com/office/infopath/2007/PartnerControls">
-  <documentManagement/>
-</p:properties>
+<?mso-contentType ?>
+<FormTemplates xmlns="http://schemas.microsoft.com/sharepoint/v3/contenttype/forms">
+  <Display>DocumentLibraryForm</Display>
+  <Edit>DocumentLibraryForm</Edit>
+  <New>DocumentLibraryForm</New>
+</FormTemplates>
 </file>
 
 <file path=customXml/itemProps1.xml><?xml version="1.0" encoding="utf-8"?>
-<ds:datastoreItem xmlns:ds="http://schemas.openxmlformats.org/officeDocument/2006/customXml" ds:itemID="{19E20559-B232-4371-8690-E3D8007EDB82}">
+<ds:datastoreItem xmlns:ds="http://schemas.openxmlformats.org/officeDocument/2006/customXml" ds:itemID="{A50EC660-24D0-43A0-AE5E-E274115E726B}">
   <ds:schemaRefs>
-    <ds:schemaRef ds:uri="http://schemas.microsoft.com/sharepoint/v3/contenttype/forms"/>
+    <ds:schemaRef ds:uri="http://purl.org/dc/elements/1.1/"/>
+    <ds:schemaRef ds:uri="http://schemas.microsoft.com/office/2006/metadata/properties"/>
+    <ds:schemaRef ds:uri="http://purl.org/dc/terms/"/>
+    <ds:schemaRef ds:uri="http://schemas.openxmlformats.org/package/2006/metadata/core-properties"/>
+    <ds:schemaRef ds:uri="http://schemas.microsoft.com/office/2006/documentManagement/types"/>
+    <ds:schemaRef ds:uri="http://www.w3.org/XML/1998/namespace"/>
+    <ds:schemaRef ds:uri="http://purl.org/dc/dcmitype/"/>
+    <ds:schemaRef ds:uri="http://schemas.microsoft.com/office/infopath/2007/PartnerControls"/>
   </ds:schemaRefs>
 </ds:datastoreItem>
 </file>
@@ -8025,16 +8081,9 @@
 </file>
 
 <file path=customXml/itemProps3.xml><?xml version="1.0" encoding="utf-8"?>
-<ds:datastoreItem xmlns:ds="http://schemas.openxmlformats.org/officeDocument/2006/customXml" ds:itemID="{A50EC660-24D0-43A0-AE5E-E274115E726B}">
+<ds:datastoreItem xmlns:ds="http://schemas.openxmlformats.org/officeDocument/2006/customXml" ds:itemID="{19E20559-B232-4371-8690-E3D8007EDB82}">
   <ds:schemaRefs>
-    <ds:schemaRef ds:uri="http://purl.org/dc/elements/1.1/"/>
-    <ds:schemaRef ds:uri="http://schemas.microsoft.com/office/2006/metadata/properties"/>
-    <ds:schemaRef ds:uri="http://purl.org/dc/terms/"/>
-    <ds:schemaRef ds:uri="http://schemas.openxmlformats.org/package/2006/metadata/core-properties"/>
-    <ds:schemaRef ds:uri="http://schemas.microsoft.com/office/2006/documentManagement/types"/>
-    <ds:schemaRef ds:uri="http://www.w3.org/XML/1998/namespace"/>
-    <ds:schemaRef ds:uri="http://purl.org/dc/dcmitype/"/>
-    <ds:schemaRef ds:uri="http://schemas.microsoft.com/office/infopath/2007/PartnerControls"/>
+    <ds:schemaRef ds:uri="http://schemas.microsoft.com/sharepoint/v3/contenttype/forms"/>
   </ds:schemaRefs>
 </ds:datastoreItem>
 </file>
--- a/intro-a.pptx
+++ b/intro-a.pptx
@@ -5,10 +5,10 @@
     <p:sldMasterId id="2147483935" r:id="rId4"/>
   </p:sldMasterIdLst>
   <p:notesMasterIdLst>
-    <p:notesMasterId r:id="rId15"/>
+    <p:notesMasterId r:id="rId16"/>
   </p:notesMasterIdLst>
   <p:handoutMasterIdLst>
-    <p:handoutMasterId r:id="rId16"/>
+    <p:handoutMasterId r:id="rId17"/>
   </p:handoutMasterIdLst>
   <p:sldIdLst>
     <p:sldId id="617" r:id="rId5"/>
@@ -20,7 +20,8 @@
     <p:sldId id="620" r:id="rId11"/>
     <p:sldId id="622" r:id="rId12"/>
     <p:sldId id="616" r:id="rId13"/>
-    <p:sldId id="261" r:id="rId14"/>
+    <p:sldId id="624" r:id="rId14"/>
+    <p:sldId id="261" r:id="rId15"/>
   </p:sldIdLst>
   <p:sldSz cx="12188825" cy="6858000"/>
   <p:notesSz cx="7010400" cy="9296400"/>
@@ -264,7 +265,7 @@
           <a:p>
             <a:fld id="{0B842F42-2CE9-4E35-95C1-410DC08A50B1}" type="datetimeFigureOut">
               <a:rPr lang="en-US" smtClean="0"/>
-              <a:t>6/13/24</a:t>
+              <a:t>7/26/2024</a:t>
             </a:fld>
             <a:endParaRPr lang="en-US"/>
           </a:p>
@@ -429,7 +430,7 @@
           <a:p>
             <a:fld id="{6F282904-F315-4730-8D91-37D99E141A6F}" type="datetimeFigureOut">
               <a:rPr lang="en-US" smtClean="0"/>
-              <a:t>6/13/24</a:t>
+              <a:t>7/26/2024</a:t>
             </a:fld>
             <a:endParaRPr lang="en-US"/>
           </a:p>
@@ -4248,27 +4249,25 @@
           <a:p>
             <a:r>
               <a:rPr lang="en-US" dirty="0"/>
-              <a:t>Anshu Dubey and Gregory R. Watson</a:t>
-            </a:r>
-          </a:p>
-          <a:p>
-            <a:r>
-              <a:rPr lang="en-US" b="0" i="0" dirty="0">
+              <a:t>David E. Bernholdt, Anshu Dubey, Todd Gamblin, and Jared O’Neal</a:t>
+            </a:r>
+          </a:p>
+          <a:p>
+            <a:pPr>
+              <a:spcBef>
+                <a:spcPts val="2800"/>
+              </a:spcBef>
+            </a:pPr>
+            <a:r>
+              <a:rPr lang="en-US" sz="2000" b="0" i="0" dirty="0">
                 <a:solidFill>
                   <a:srgbClr val="111111"/>
                 </a:solidFill>
                 <a:effectLst/>
-                <a:latin typeface="-apple-system"/>
+                <a:latin typeface="+mn-lt"/>
               </a:rPr>
-              <a:t>2024 ACM Conference on Reproducibility and Replicability (ACM-REP)</a:t>
-            </a:r>
-            <a:endParaRPr lang="en-US" b="0" i="0" dirty="0">
-              <a:solidFill>
-                <a:srgbClr val="111111"/>
-              </a:solidFill>
-              <a:effectLst/>
-              <a:latin typeface="+mn-lt"/>
-            </a:endParaRPr>
+              <a:t>Software Productivity and Sustainability track @ Argonne Training Program on Extreme-Scale Computing summer school</a:t>
+            </a:r>
           </a:p>
         </p:txBody>
       </p:sp>
@@ -4389,7 +4388,7 @@
           <a:p>
             <a:r>
               <a:rPr lang="en-US" dirty="0"/>
-              <a:t>Agenda</a:t>
+              <a:t>Agenda (1/2)</a:t>
             </a:r>
           </a:p>
         </p:txBody>
@@ -4410,14 +4409,14 @@
             <p:ph idx="1"/>
             <p:extLst>
               <p:ext uri="{D42A27DB-BD31-4B8C-83A1-F6EECF244321}">
-                <p14:modId xmlns:p14="http://schemas.microsoft.com/office/powerpoint/2010/main" val="1181368582"/>
+                <p14:modId xmlns:p14="http://schemas.microsoft.com/office/powerpoint/2010/main" val="620732246"/>
               </p:ext>
             </p:extLst>
           </p:nvPr>
         </p:nvGraphicFramePr>
         <p:xfrm>
           <a:off x="1051560" y="1074420"/>
-          <a:ext cx="9692640" cy="4424934"/>
+          <a:ext cx="9692640" cy="4637532"/>
         </p:xfrm>
         <a:graphic>
           <a:graphicData uri="http://schemas.openxmlformats.org/drawingml/2006/table">
@@ -4426,14 +4425,21 @@
                 <a:tableStyleId>{5C22544A-7EE6-4342-B048-85BDC9FD1C3A}</a:tableStyleId>
               </a:tblPr>
               <a:tblGrid>
-                <a:gridCol w="1540110">
+                <a:gridCol w="1328947">
                   <a:extLst>
                     <a:ext uri="{9D8B030D-6E8A-4147-A177-3AD203B41FA5}">
                       <a16:colId xmlns:a16="http://schemas.microsoft.com/office/drawing/2014/main" val="41390910"/>
                     </a:ext>
                   </a:extLst>
                 </a:gridCol>
-                <a:gridCol w="8152530">
+                <a:gridCol w="5033753">
+                  <a:extLst>
+                    <a:ext uri="{9D8B030D-6E8A-4147-A177-3AD203B41FA5}">
+                      <a16:colId xmlns:a16="http://schemas.microsoft.com/office/drawing/2014/main" val="2092910534"/>
+                    </a:ext>
+                  </a:extLst>
+                </a:gridCol>
+                <a:gridCol w="3329940">
                   <a:extLst>
                     <a:ext uri="{9D8B030D-6E8A-4147-A177-3AD203B41FA5}">
                       <a16:colId xmlns:a16="http://schemas.microsoft.com/office/drawing/2014/main" val="1261297711"/>
@@ -4452,7 +4458,23 @@
                         <a:rPr lang="en-US" sz="1800" dirty="0">
                           <a:effectLst/>
                         </a:rPr>
-                        <a:t>Time (CEST)</a:t>
+                        <a:t>Time (CDT)</a:t>
+                      </a:r>
+                    </a:p>
+                  </a:txBody>
+                  <a:tcPr marL="142875" marR="142875" marT="95250" marB="95250" anchor="ctr"/>
+                </a:tc>
+                <a:tc>
+                  <a:txBody>
+                    <a:bodyPr/>
+                    <a:lstStyle/>
+                    <a:p>
+                      <a:pPr algn="l"/>
+                      <a:r>
+                        <a:rPr lang="en-US" sz="1800" dirty="0">
+                          <a:effectLst/>
+                        </a:rPr>
+                        <a:t>Title</a:t>
                       </a:r>
                     </a:p>
                   </a:txBody>
@@ -4467,7 +4489,7 @@
                         <a:rPr lang="en-US" sz="1800" dirty="0">
                           <a:effectLst/>
                         </a:rPr>
-                        <a:t>Title</a:t>
+                        <a:t>Presenter</a:t>
                       </a:r>
                     </a:p>
                   </a:txBody>
@@ -4476,6 +4498,722 @@
                 <a:extLst>
                   <a:ext uri="{0D108BD9-81ED-4DB2-BD59-A6C34878D82A}">
                     <a16:rowId xmlns:a16="http://schemas.microsoft.com/office/drawing/2014/main" val="2098024418"/>
+                  </a:ext>
+                </a:extLst>
+              </a:tr>
+              <a:tr h="526542">
+                <a:tc>
+                  <a:txBody>
+                    <a:bodyPr/>
+                    <a:lstStyle/>
+                    <a:p>
+                      <a:pPr algn="r"/>
+                      <a:r>
+                        <a:rPr lang="en-US" dirty="0">
+                          <a:effectLst/>
+                        </a:rPr>
+                        <a:t>8:30 AM</a:t>
+                      </a:r>
+                    </a:p>
+                  </a:txBody>
+                  <a:tcPr marL="142875" marR="142875" marT="95250" marB="95250" anchor="ctr"/>
+                </a:tc>
+                <a:tc>
+                  <a:txBody>
+                    <a:bodyPr/>
+                    <a:lstStyle/>
+                    <a:p>
+                      <a:r>
+                        <a:rPr lang="en-US">
+                          <a:effectLst/>
+                        </a:rPr>
+                        <a:t>Introduction</a:t>
+                      </a:r>
+                    </a:p>
+                  </a:txBody>
+                  <a:tcPr marL="142875" marR="142875" marT="95250" marB="95250" anchor="ctr"/>
+                </a:tc>
+                <a:tc>
+                  <a:txBody>
+                    <a:bodyPr/>
+                    <a:lstStyle/>
+                    <a:p>
+                      <a:r>
+                        <a:rPr lang="en-US">
+                          <a:effectLst/>
+                        </a:rPr>
+                        <a:t>David E. Bernholdt (ORNL)</a:t>
+                      </a:r>
+                    </a:p>
+                  </a:txBody>
+                  <a:tcPr marL="142875" marR="142875" marT="95250" marB="95250" anchor="ctr"/>
+                </a:tc>
+                <a:extLst>
+                  <a:ext uri="{0D108BD9-81ED-4DB2-BD59-A6C34878D82A}">
+                    <a16:rowId xmlns:a16="http://schemas.microsoft.com/office/drawing/2014/main" val="4011846257"/>
+                  </a:ext>
+                </a:extLst>
+              </a:tr>
+              <a:tr h="526542">
+                <a:tc>
+                  <a:txBody>
+                    <a:bodyPr/>
+                    <a:lstStyle/>
+                    <a:p>
+                      <a:pPr algn="r"/>
+                      <a:r>
+                        <a:rPr lang="en-US">
+                          <a:effectLst/>
+                        </a:rPr>
+                        <a:t>8:35 AM</a:t>
+                      </a:r>
+                    </a:p>
+                  </a:txBody>
+                  <a:tcPr marL="142875" marR="142875" marT="95250" marB="95250" anchor="ctr"/>
+                </a:tc>
+                <a:tc>
+                  <a:txBody>
+                    <a:bodyPr/>
+                    <a:lstStyle/>
+                    <a:p>
+                      <a:r>
+                        <a:rPr lang="en-US">
+                          <a:effectLst/>
+                        </a:rPr>
+                        <a:t>Motivation and Overview of Best Practices in HPC Software Development</a:t>
+                      </a:r>
+                    </a:p>
+                  </a:txBody>
+                  <a:tcPr marL="142875" marR="142875" marT="95250" marB="95250" anchor="ctr"/>
+                </a:tc>
+                <a:tc>
+                  <a:txBody>
+                    <a:bodyPr/>
+                    <a:lstStyle/>
+                    <a:p>
+                      <a:r>
+                        <a:rPr lang="en-US">
+                          <a:effectLst/>
+                        </a:rPr>
+                        <a:t>David E. Bernholdt (ORNL)</a:t>
+                      </a:r>
+                    </a:p>
+                  </a:txBody>
+                  <a:tcPr marL="142875" marR="142875" marT="95250" marB="95250" anchor="ctr"/>
+                </a:tc>
+                <a:extLst>
+                  <a:ext uri="{0D108BD9-81ED-4DB2-BD59-A6C34878D82A}">
+                    <a16:rowId xmlns:a16="http://schemas.microsoft.com/office/drawing/2014/main" val="541819896"/>
+                  </a:ext>
+                </a:extLst>
+              </a:tr>
+              <a:tr h="526542">
+                <a:tc>
+                  <a:txBody>
+                    <a:bodyPr/>
+                    <a:lstStyle/>
+                    <a:p>
+                      <a:pPr algn="r"/>
+                      <a:r>
+                        <a:rPr lang="en-US">
+                          <a:effectLst/>
+                        </a:rPr>
+                        <a:t>9:15 AM</a:t>
+                      </a:r>
+                    </a:p>
+                  </a:txBody>
+                  <a:tcPr marL="142875" marR="142875" marT="95250" marB="95250" anchor="ctr"/>
+                </a:tc>
+                <a:tc>
+                  <a:txBody>
+                    <a:bodyPr/>
+                    <a:lstStyle/>
+                    <a:p>
+                      <a:r>
+                        <a:rPr lang="en-US">
+                          <a:effectLst/>
+                        </a:rPr>
+                        <a:t>Scientific Software Design</a:t>
+                      </a:r>
+                    </a:p>
+                  </a:txBody>
+                  <a:tcPr marL="142875" marR="142875" marT="95250" marB="95250" anchor="ctr"/>
+                </a:tc>
+                <a:tc>
+                  <a:txBody>
+                    <a:bodyPr/>
+                    <a:lstStyle/>
+                    <a:p>
+                      <a:r>
+                        <a:rPr lang="en-US">
+                          <a:effectLst/>
+                        </a:rPr>
+                        <a:t>Anshu Dubey (ANL)</a:t>
+                      </a:r>
+                    </a:p>
+                  </a:txBody>
+                  <a:tcPr marL="142875" marR="142875" marT="95250" marB="95250" anchor="ctr"/>
+                </a:tc>
+                <a:extLst>
+                  <a:ext uri="{0D108BD9-81ED-4DB2-BD59-A6C34878D82A}">
+                    <a16:rowId xmlns:a16="http://schemas.microsoft.com/office/drawing/2014/main" val="3922137579"/>
+                  </a:ext>
+                </a:extLst>
+              </a:tr>
+              <a:tr h="526542">
+                <a:tc>
+                  <a:txBody>
+                    <a:bodyPr/>
+                    <a:lstStyle/>
+                    <a:p>
+                      <a:pPr algn="r"/>
+                      <a:r>
+                        <a:rPr lang="en-US">
+                          <a:effectLst/>
+                        </a:rPr>
+                        <a:t>10:00 AM</a:t>
+                      </a:r>
+                    </a:p>
+                  </a:txBody>
+                  <a:tcPr marL="142875" marR="142875" marT="95250" marB="95250" anchor="ctr"/>
+                </a:tc>
+                <a:tc>
+                  <a:txBody>
+                    <a:bodyPr/>
+                    <a:lstStyle/>
+                    <a:p>
+                      <a:r>
+                        <a:rPr lang="en-US" i="1">
+                          <a:effectLst/>
+                        </a:rPr>
+                        <a:t>Break</a:t>
+                      </a:r>
+                      <a:endParaRPr lang="en-US">
+                        <a:effectLst/>
+                      </a:endParaRPr>
+                    </a:p>
+                  </a:txBody>
+                  <a:tcPr marL="142875" marR="142875" marT="95250" marB="95250" anchor="ctr"/>
+                </a:tc>
+                <a:tc>
+                  <a:txBody>
+                    <a:bodyPr/>
+                    <a:lstStyle/>
+                    <a:p>
+                      <a:endParaRPr lang="en-US">
+                        <a:effectLst/>
+                      </a:endParaRPr>
+                    </a:p>
+                  </a:txBody>
+                  <a:tcPr marL="142875" marR="142875" marT="95250" marB="95250" anchor="ctr"/>
+                </a:tc>
+                <a:extLst>
+                  <a:ext uri="{0D108BD9-81ED-4DB2-BD59-A6C34878D82A}">
+                    <a16:rowId xmlns:a16="http://schemas.microsoft.com/office/drawing/2014/main" val="476507548"/>
+                  </a:ext>
+                </a:extLst>
+              </a:tr>
+              <a:tr h="526542">
+                <a:tc>
+                  <a:txBody>
+                    <a:bodyPr/>
+                    <a:lstStyle/>
+                    <a:p>
+                      <a:pPr algn="r"/>
+                      <a:r>
+                        <a:rPr lang="en-US">
+                          <a:effectLst/>
+                        </a:rPr>
+                        <a:t>10:30 AM</a:t>
+                      </a:r>
+                    </a:p>
+                  </a:txBody>
+                  <a:tcPr marL="142875" marR="142875" marT="95250" marB="95250" anchor="ctr"/>
+                </a:tc>
+                <a:tc>
+                  <a:txBody>
+                    <a:bodyPr/>
+                    <a:lstStyle/>
+                    <a:p>
+                      <a:r>
+                        <a:rPr lang="en-US">
+                          <a:effectLst/>
+                        </a:rPr>
+                        <a:t>Spack: Package Management for HPC</a:t>
+                      </a:r>
+                    </a:p>
+                  </a:txBody>
+                  <a:tcPr marL="142875" marR="142875" marT="95250" marB="95250" anchor="ctr"/>
+                </a:tc>
+                <a:tc>
+                  <a:txBody>
+                    <a:bodyPr/>
+                    <a:lstStyle/>
+                    <a:p>
+                      <a:r>
+                        <a:rPr lang="en-US">
+                          <a:effectLst/>
+                        </a:rPr>
+                        <a:t>Todd Gamblin (LLNL)</a:t>
+                      </a:r>
+                    </a:p>
+                  </a:txBody>
+                  <a:tcPr marL="142875" marR="142875" marT="95250" marB="95250" anchor="ctr"/>
+                </a:tc>
+                <a:extLst>
+                  <a:ext uri="{0D108BD9-81ED-4DB2-BD59-A6C34878D82A}">
+                    <a16:rowId xmlns:a16="http://schemas.microsoft.com/office/drawing/2014/main" val="3487810232"/>
+                  </a:ext>
+                </a:extLst>
+              </a:tr>
+              <a:tr h="526542">
+                <a:tc>
+                  <a:txBody>
+                    <a:bodyPr/>
+                    <a:lstStyle/>
+                    <a:p>
+                      <a:pPr algn="r"/>
+                      <a:r>
+                        <a:rPr lang="en-US">
+                          <a:effectLst/>
+                        </a:rPr>
+                        <a:t>11:30 AM</a:t>
+                      </a:r>
+                    </a:p>
+                  </a:txBody>
+                  <a:tcPr marL="142875" marR="142875" marT="95250" marB="95250" anchor="ctr"/>
+                </a:tc>
+                <a:tc>
+                  <a:txBody>
+                    <a:bodyPr/>
+                    <a:lstStyle/>
+                    <a:p>
+                      <a:r>
+                        <a:rPr lang="en-US">
+                          <a:effectLst/>
+                        </a:rPr>
+                        <a:t>Spack Hands-On</a:t>
+                      </a:r>
+                    </a:p>
+                  </a:txBody>
+                  <a:tcPr marL="142875" marR="142875" marT="95250" marB="95250" anchor="ctr"/>
+                </a:tc>
+                <a:tc>
+                  <a:txBody>
+                    <a:bodyPr/>
+                    <a:lstStyle/>
+                    <a:p>
+                      <a:r>
+                        <a:rPr lang="en-US">
+                          <a:effectLst/>
+                        </a:rPr>
+                        <a:t>Todd Gamblin (LLNL)</a:t>
+                      </a:r>
+                    </a:p>
+                  </a:txBody>
+                  <a:tcPr marL="142875" marR="142875" marT="95250" marB="95250" anchor="ctr"/>
+                </a:tc>
+                <a:extLst>
+                  <a:ext uri="{0D108BD9-81ED-4DB2-BD59-A6C34878D82A}">
+                    <a16:rowId xmlns:a16="http://schemas.microsoft.com/office/drawing/2014/main" val="2034051112"/>
+                  </a:ext>
+                </a:extLst>
+              </a:tr>
+              <a:tr h="526542">
+                <a:tc>
+                  <a:txBody>
+                    <a:bodyPr/>
+                    <a:lstStyle/>
+                    <a:p>
+                      <a:pPr algn="r"/>
+                      <a:r>
+                        <a:rPr lang="en-US">
+                          <a:effectLst/>
+                        </a:rPr>
+                        <a:t>12:30 PM</a:t>
+                      </a:r>
+                    </a:p>
+                  </a:txBody>
+                  <a:tcPr marL="142875" marR="142875" marT="95250" marB="95250" anchor="ctr"/>
+                </a:tc>
+                <a:tc>
+                  <a:txBody>
+                    <a:bodyPr/>
+                    <a:lstStyle/>
+                    <a:p>
+                      <a:r>
+                        <a:rPr lang="en-US" i="1">
+                          <a:effectLst/>
+                        </a:rPr>
+                        <a:t>Lunch</a:t>
+                      </a:r>
+                      <a:endParaRPr lang="en-US">
+                        <a:effectLst/>
+                      </a:endParaRPr>
+                    </a:p>
+                  </a:txBody>
+                  <a:tcPr marL="142875" marR="142875" marT="95250" marB="95250" anchor="ctr"/>
+                </a:tc>
+                <a:tc>
+                  <a:txBody>
+                    <a:bodyPr/>
+                    <a:lstStyle/>
+                    <a:p>
+                      <a:endParaRPr lang="en-US" dirty="0">
+                        <a:effectLst/>
+                      </a:endParaRPr>
+                    </a:p>
+                  </a:txBody>
+                  <a:tcPr marL="142875" marR="142875" marT="95250" marB="95250" anchor="ctr"/>
+                </a:tc>
+                <a:extLst>
+                  <a:ext uri="{0D108BD9-81ED-4DB2-BD59-A6C34878D82A}">
+                    <a16:rowId xmlns:a16="http://schemas.microsoft.com/office/drawing/2014/main" val="1459939263"/>
+                  </a:ext>
+                </a:extLst>
+              </a:tr>
+            </a:tbl>
+          </a:graphicData>
+        </a:graphic>
+      </p:graphicFrame>
+      <p:sp>
+        <p:nvSpPr>
+          <p:cNvPr id="9" name="TextBox 8">
+            <a:extLst>
+              <a:ext uri="{FF2B5EF4-FFF2-40B4-BE49-F238E27FC236}">
+                <a16:creationId xmlns:a16="http://schemas.microsoft.com/office/drawing/2014/main" id="{2C67F121-FA5A-4323-B777-FC3438185944}"/>
+              </a:ext>
+            </a:extLst>
+          </p:cNvPr>
+          <p:cNvSpPr txBox="1"/>
+          <p:nvPr/>
+        </p:nvSpPr>
+        <p:spPr>
+          <a:xfrm>
+            <a:off x="4537710" y="45720"/>
+            <a:ext cx="7651115" cy="646331"/>
+          </a:xfrm>
+          <a:prstGeom prst="rect">
+            <a:avLst/>
+          </a:prstGeom>
+          <a:noFill/>
+        </p:spPr>
+        <p:txBody>
+          <a:bodyPr wrap="square">
+            <a:spAutoFit/>
+          </a:bodyPr>
+          <a:lstStyle/>
+          <a:p>
+            <a:pPr marL="0" marR="0" lvl="0" indent="0" algn="l" defTabSz="914400" rtl="0" eaLnBrk="1" fontAlgn="base" latinLnBrk="0" hangingPunct="1">
+              <a:lnSpc>
+                <a:spcPct val="100000"/>
+              </a:lnSpc>
+              <a:spcBef>
+                <a:spcPct val="0"/>
+              </a:spcBef>
+              <a:spcAft>
+                <a:spcPct val="0"/>
+              </a:spcAft>
+              <a:buClrTx/>
+              <a:buSzTx/>
+              <a:buFontTx/>
+              <a:buNone/>
+              <a:tabLst/>
+              <a:defRPr/>
+            </a:pPr>
+            <a:r>
+              <a:rPr kumimoji="0" lang="en-US" sz="1800" b="0" i="0" u="none" strike="noStrike" kern="1200" cap="none" spc="0" normalizeH="0" baseline="0" noProof="0" dirty="0">
+                <a:ln>
+                  <a:noFill/>
+                </a:ln>
+                <a:solidFill>
+                  <a:prstClr val="black"/>
+                </a:solidFill>
+                <a:effectLst/>
+                <a:uLnTx/>
+                <a:uFillTx/>
+                <a:latin typeface="Arial" charset="0"/>
+                <a:ea typeface="+mn-ea"/>
+                <a:cs typeface="Arial" charset="0"/>
+              </a:rPr>
+              <a:t>The agenda is also available on the tutorial web page.  Visit </a:t>
+            </a:r>
+            <a:r>
+              <a:rPr kumimoji="0" lang="en-US" sz="1800" b="1" i="0" u="none" strike="noStrike" kern="1200" cap="none" spc="0" normalizeH="0" baseline="0" noProof="0" dirty="0">
+                <a:ln>
+                  <a:noFill/>
+                </a:ln>
+                <a:solidFill>
+                  <a:prstClr val="black"/>
+                </a:solidFill>
+                <a:effectLst/>
+                <a:uLnTx/>
+                <a:uFillTx/>
+                <a:latin typeface="Arial" charset="0"/>
+                <a:ea typeface="+mn-ea"/>
+                <a:cs typeface="Arial" charset="0"/>
+                <a:hlinkClick r:id="rId2"/>
+              </a:rPr>
+              <a:t>https://bssw-tutorial.github.io</a:t>
+            </a:r>
+            <a:r>
+              <a:rPr kumimoji="0" lang="en-US" sz="1800" b="1" i="0" u="none" strike="noStrike" kern="1200" cap="none" spc="0" normalizeH="0" baseline="0" noProof="0" dirty="0">
+                <a:ln>
+                  <a:noFill/>
+                </a:ln>
+                <a:solidFill>
+                  <a:prstClr val="black"/>
+                </a:solidFill>
+                <a:effectLst/>
+                <a:uLnTx/>
+                <a:uFillTx/>
+                <a:latin typeface="Arial" charset="0"/>
+                <a:ea typeface="+mn-ea"/>
+                <a:cs typeface="Arial" charset="0"/>
+              </a:rPr>
+              <a:t> </a:t>
+            </a:r>
+            <a:r>
+              <a:rPr kumimoji="0" lang="en-US" sz="1800" b="0" i="0" u="none" strike="noStrike" kern="1200" cap="none" spc="0" normalizeH="0" baseline="0" noProof="0" dirty="0">
+                <a:ln>
+                  <a:noFill/>
+                </a:ln>
+                <a:solidFill>
+                  <a:prstClr val="black"/>
+                </a:solidFill>
+                <a:effectLst/>
+                <a:uLnTx/>
+                <a:uFillTx/>
+                <a:latin typeface="Arial" charset="0"/>
+                <a:ea typeface="+mn-ea"/>
+                <a:cs typeface="Arial" charset="0"/>
+              </a:rPr>
+              <a:t>and click on the link for today’s tutorial</a:t>
+            </a:r>
+          </a:p>
+        </p:txBody>
+      </p:sp>
+    </p:spTree>
+    <p:extLst>
+      <p:ext uri="{BB962C8B-B14F-4D97-AF65-F5344CB8AC3E}">
+        <p14:creationId xmlns:p14="http://schemas.microsoft.com/office/powerpoint/2010/main" val="3643219827"/>
+      </p:ext>
+    </p:extLst>
+  </p:cSld>
+  <p:clrMapOvr>
+    <a:masterClrMapping/>
+  </p:clrMapOvr>
+</p:sld>
+</file>
+
+<file path=ppt/slides/slide11.xml><?xml version="1.0" encoding="utf-8"?>
+<p:sld xmlns:a="http://schemas.openxmlformats.org/drawingml/2006/main" xmlns:r="http://schemas.openxmlformats.org/officeDocument/2006/relationships" xmlns:p="http://schemas.openxmlformats.org/presentationml/2006/main" showMasterSp="0">
+  <p:cSld>
+    <p:spTree>
+      <p:nvGrpSpPr>
+        <p:cNvPr id="1" name=""/>
+        <p:cNvGrpSpPr/>
+        <p:nvPr/>
+      </p:nvGrpSpPr>
+      <p:grpSpPr>
+        <a:xfrm>
+          <a:off x="0" y="0"/>
+          <a:ext cx="0" cy="0"/>
+          <a:chOff x="0" y="0"/>
+          <a:chExt cx="0" cy="0"/>
+        </a:xfrm>
+      </p:grpSpPr>
+      <p:sp>
+        <p:nvSpPr>
+          <p:cNvPr id="2" name="Title 1">
+            <a:extLst>
+              <a:ext uri="{FF2B5EF4-FFF2-40B4-BE49-F238E27FC236}">
+                <a16:creationId xmlns:a16="http://schemas.microsoft.com/office/drawing/2014/main" id="{1D6756EE-C2D9-4E52-B0B6-3C831FD6A565}"/>
+              </a:ext>
+            </a:extLst>
+          </p:cNvPr>
+          <p:cNvSpPr>
+            <a:spLocks noGrp="1"/>
+          </p:cNvSpPr>
+          <p:nvPr>
+            <p:ph type="title"/>
+          </p:nvPr>
+        </p:nvSpPr>
+        <p:spPr>
+          <a:xfrm>
+            <a:off x="408175" y="160020"/>
+            <a:ext cx="11372473" cy="914400"/>
+          </a:xfrm>
+        </p:spPr>
+        <p:txBody>
+          <a:bodyPr/>
+          <a:lstStyle/>
+          <a:p>
+            <a:r>
+              <a:rPr lang="en-US" dirty="0"/>
+              <a:t>Agenda (2/2)</a:t>
+            </a:r>
+          </a:p>
+        </p:txBody>
+      </p:sp>
+      <p:graphicFrame>
+        <p:nvGraphicFramePr>
+          <p:cNvPr id="6" name="Table 6">
+            <a:extLst>
+              <a:ext uri="{FF2B5EF4-FFF2-40B4-BE49-F238E27FC236}">
+                <a16:creationId xmlns:a16="http://schemas.microsoft.com/office/drawing/2014/main" id="{99D13FB2-5BF8-4AC0-A13D-ECB8E230F5BC}"/>
+              </a:ext>
+            </a:extLst>
+          </p:cNvPr>
+          <p:cNvGraphicFramePr>
+            <a:graphicFrameLocks noGrp="1"/>
+          </p:cNvGraphicFramePr>
+          <p:nvPr>
+            <p:ph idx="1"/>
+            <p:extLst>
+              <p:ext uri="{D42A27DB-BD31-4B8C-83A1-F6EECF244321}">
+                <p14:modId xmlns:p14="http://schemas.microsoft.com/office/powerpoint/2010/main" val="207684128"/>
+              </p:ext>
+            </p:extLst>
+          </p:nvPr>
+        </p:nvGraphicFramePr>
+        <p:xfrm>
+          <a:off x="1051560" y="1074420"/>
+          <a:ext cx="9692640" cy="5589270"/>
+        </p:xfrm>
+        <a:graphic>
+          <a:graphicData uri="http://schemas.openxmlformats.org/drawingml/2006/table">
+            <a:tbl>
+              <a:tblPr firstRow="1" bandRow="1">
+                <a:tableStyleId>{5C22544A-7EE6-4342-B048-85BDC9FD1C3A}</a:tableStyleId>
+              </a:tblPr>
+              <a:tblGrid>
+                <a:gridCol w="1328947">
+                  <a:extLst>
+                    <a:ext uri="{9D8B030D-6E8A-4147-A177-3AD203B41FA5}">
+                      <a16:colId xmlns:a16="http://schemas.microsoft.com/office/drawing/2014/main" val="41390910"/>
+                    </a:ext>
+                  </a:extLst>
+                </a:gridCol>
+                <a:gridCol w="5033753">
+                  <a:extLst>
+                    <a:ext uri="{9D8B030D-6E8A-4147-A177-3AD203B41FA5}">
+                      <a16:colId xmlns:a16="http://schemas.microsoft.com/office/drawing/2014/main" val="2092910534"/>
+                    </a:ext>
+                  </a:extLst>
+                </a:gridCol>
+                <a:gridCol w="3329940">
+                  <a:extLst>
+                    <a:ext uri="{9D8B030D-6E8A-4147-A177-3AD203B41FA5}">
+                      <a16:colId xmlns:a16="http://schemas.microsoft.com/office/drawing/2014/main" val="1261297711"/>
+                    </a:ext>
+                  </a:extLst>
+                </a:gridCol>
+              </a:tblGrid>
+              <a:tr h="526542">
+                <a:tc>
+                  <a:txBody>
+                    <a:bodyPr/>
+                    <a:lstStyle/>
+                    <a:p>
+                      <a:pPr algn="r"/>
+                      <a:r>
+                        <a:rPr lang="en-US" sz="1800" dirty="0">
+                          <a:effectLst/>
+                        </a:rPr>
+                        <a:t>Time (CDT)</a:t>
+                      </a:r>
+                    </a:p>
+                  </a:txBody>
+                  <a:tcPr marL="142875" marR="142875" marT="95250" marB="95250" anchor="ctr"/>
+                </a:tc>
+                <a:tc>
+                  <a:txBody>
+                    <a:bodyPr/>
+                    <a:lstStyle/>
+                    <a:p>
+                      <a:pPr algn="l"/>
+                      <a:r>
+                        <a:rPr lang="en-US" sz="1800" dirty="0">
+                          <a:effectLst/>
+                        </a:rPr>
+                        <a:t>Title</a:t>
+                      </a:r>
+                    </a:p>
+                  </a:txBody>
+                  <a:tcPr marL="142875" marR="142875" marT="95250" marB="95250" anchor="ctr"/>
+                </a:tc>
+                <a:tc>
+                  <a:txBody>
+                    <a:bodyPr/>
+                    <a:lstStyle/>
+                    <a:p>
+                      <a:r>
+                        <a:rPr lang="en-US" sz="1800" dirty="0">
+                          <a:effectLst/>
+                        </a:rPr>
+                        <a:t>Presenter</a:t>
+                      </a:r>
+                    </a:p>
+                  </a:txBody>
+                  <a:tcPr marL="142875" marR="142875" marT="95250" marB="95250" anchor="ctr"/>
+                </a:tc>
+                <a:extLst>
+                  <a:ext uri="{0D108BD9-81ED-4DB2-BD59-A6C34878D82A}">
+                    <a16:rowId xmlns:a16="http://schemas.microsoft.com/office/drawing/2014/main" val="2098024418"/>
+                  </a:ext>
+                </a:extLst>
+              </a:tr>
+              <a:tr h="526542">
+                <a:tc>
+                  <a:txBody>
+                    <a:bodyPr/>
+                    <a:lstStyle/>
+                    <a:p>
+                      <a:pPr algn="r"/>
+                      <a:r>
+                        <a:rPr lang="en-US">
+                          <a:effectLst/>
+                        </a:rPr>
+                        <a:t>12:30 PM</a:t>
+                      </a:r>
+                    </a:p>
+                  </a:txBody>
+                  <a:tcPr marL="142875" marR="142875" marT="95250" marB="95250" anchor="ctr"/>
+                </a:tc>
+                <a:tc>
+                  <a:txBody>
+                    <a:bodyPr/>
+                    <a:lstStyle/>
+                    <a:p>
+                      <a:r>
+                        <a:rPr lang="en-US" i="1">
+                          <a:effectLst/>
+                        </a:rPr>
+                        <a:t>Lunch</a:t>
+                      </a:r>
+                      <a:endParaRPr lang="en-US">
+                        <a:effectLst/>
+                      </a:endParaRPr>
+                    </a:p>
+                  </a:txBody>
+                  <a:tcPr marL="142875" marR="142875" marT="95250" marB="95250" anchor="ctr"/>
+                </a:tc>
+                <a:tc>
+                  <a:txBody>
+                    <a:bodyPr/>
+                    <a:lstStyle/>
+                    <a:p>
+                      <a:endParaRPr lang="en-US" dirty="0">
+                        <a:effectLst/>
+                      </a:endParaRPr>
+                    </a:p>
+                  </a:txBody>
+                  <a:tcPr marL="142875" marR="142875" marT="95250" marB="95250" anchor="ctr"/>
+                </a:tc>
+                <a:extLst>
+                  <a:ext uri="{0D108BD9-81ED-4DB2-BD59-A6C34878D82A}">
+                    <a16:rowId xmlns:a16="http://schemas.microsoft.com/office/drawing/2014/main" val="1459939263"/>
                   </a:ext>
                 </a:extLst>
               </a:tr>
@@ -4502,10 +5240,25 @@
                     <a:lstStyle/>
                     <a:p>
                       <a:r>
-                        <a:rPr lang="en-US" dirty="0">
+                        <a:rPr lang="en-US">
                           <a:effectLst/>
                         </a:rPr>
-                        <a:t>Introduction</a:t>
+                        <a:t>Software Testing and Verification</a:t>
+                      </a:r>
+                    </a:p>
+                  </a:txBody>
+                  <a:tcPr marL="142875" marR="142875" marT="95250" marB="95250" anchor="ctr"/>
+                </a:tc>
+                <a:tc>
+                  <a:txBody>
+                    <a:bodyPr/>
+                    <a:lstStyle/>
+                    <a:p>
+                      <a:r>
+                        <a:rPr lang="en-US">
+                          <a:effectLst/>
+                        </a:rPr>
+                        <a:t>Anshu Dubey (ANL)</a:t>
                       </a:r>
                     </a:p>
                   </a:txBody>
@@ -4513,7 +5266,7 @@
                 </a:tc>
                 <a:extLst>
                   <a:ext uri="{0D108BD9-81ED-4DB2-BD59-A6C34878D82A}">
-                    <a16:rowId xmlns:a16="http://schemas.microsoft.com/office/drawing/2014/main" val="110245607"/>
+                    <a16:rowId xmlns:a16="http://schemas.microsoft.com/office/drawing/2014/main" val="568411987"/>
                   </a:ext>
                 </a:extLst>
               </a:tr>
@@ -4528,7 +5281,7 @@
                         <a:rPr lang="en-US">
                           <a:effectLst/>
                         </a:rPr>
-                        <a:t>1:35 PM</a:t>
+                        <a:t>2:30 PM</a:t>
                       </a:r>
                     </a:p>
                   </a:txBody>
@@ -4543,30 +5296,7 @@
                         <a:rPr lang="en-US">
                           <a:effectLst/>
                         </a:rPr>
-                        <a:t>Improving Reproducibility Through Better Software Practices</a:t>
-                      </a:r>
-                    </a:p>
-                  </a:txBody>
-                  <a:tcPr marL="142875" marR="142875" marT="95250" marB="95250" anchor="ctr"/>
-                </a:tc>
-                <a:extLst>
-                  <a:ext uri="{0D108BD9-81ED-4DB2-BD59-A6C34878D82A}">
-                    <a16:rowId xmlns:a16="http://schemas.microsoft.com/office/drawing/2014/main" val="1951011699"/>
-                  </a:ext>
-                </a:extLst>
-              </a:tr>
-              <a:tr h="526542">
-                <a:tc>
-                  <a:txBody>
-                    <a:bodyPr/>
-                    <a:lstStyle/>
-                    <a:p>
-                      <a:pPr algn="r"/>
-                      <a:r>
-                        <a:rPr lang="en-US">
-                          <a:effectLst/>
-                        </a:rPr>
-                        <a:t>2:15 PM</a:t>
+                        <a:t>Refactoring Scientific Software</a:t>
                       </a:r>
                     </a:p>
                   </a:txBody>
@@ -4581,7 +5311,7 @@
                         <a:rPr lang="en-US">
                           <a:effectLst/>
                         </a:rPr>
-                        <a:t>Software Testing and Verification</a:t>
+                        <a:t>Anshu Dubey (ANL)</a:t>
                       </a:r>
                     </a:p>
                   </a:txBody>
@@ -4589,7 +5319,7 @@
                 </a:tc>
                 <a:extLst>
                   <a:ext uri="{0D108BD9-81ED-4DB2-BD59-A6C34878D82A}">
-                    <a16:rowId xmlns:a16="http://schemas.microsoft.com/office/drawing/2014/main" val="333202538"/>
+                    <a16:rowId xmlns:a16="http://schemas.microsoft.com/office/drawing/2014/main" val="439333682"/>
                   </a:ext>
                 </a:extLst>
               </a:tr>
@@ -4619,8 +5349,20 @@
                         <a:rPr lang="en-US" i="1">
                           <a:effectLst/>
                         </a:rPr>
-                        <a:t>Afternoon break</a:t>
+                        <a:t>Break</a:t>
                       </a:r>
+                      <a:endParaRPr lang="en-US">
+                        <a:effectLst/>
+                      </a:endParaRPr>
+                    </a:p>
+                  </a:txBody>
+                  <a:tcPr marL="142875" marR="142875" marT="95250" marB="95250" anchor="ctr"/>
+                </a:tc>
+                <a:tc>
+                  <a:txBody>
+                    <a:bodyPr/>
+                    <a:lstStyle/>
+                    <a:p>
                       <a:endParaRPr lang="en-US">
                         <a:effectLst/>
                       </a:endParaRPr>
@@ -4630,7 +5372,7 @@
                 </a:tc>
                 <a:extLst>
                   <a:ext uri="{0D108BD9-81ED-4DB2-BD59-A6C34878D82A}">
-                    <a16:rowId xmlns:a16="http://schemas.microsoft.com/office/drawing/2014/main" val="902307701"/>
+                    <a16:rowId xmlns:a16="http://schemas.microsoft.com/office/drawing/2014/main" val="3500361090"/>
                   </a:ext>
                 </a:extLst>
               </a:tr>
@@ -4660,7 +5402,22 @@
                         <a:rPr lang="en-US">
                           <a:effectLst/>
                         </a:rPr>
-                        <a:t>Managing Computational Experiments</a:t>
+                        <a:t>Software Licensing</a:t>
+                      </a:r>
+                    </a:p>
+                  </a:txBody>
+                  <a:tcPr marL="142875" marR="142875" marT="95250" marB="95250" anchor="ctr"/>
+                </a:tc>
+                <a:tc>
+                  <a:txBody>
+                    <a:bodyPr/>
+                    <a:lstStyle/>
+                    <a:p>
+                      <a:r>
+                        <a:rPr lang="en-US">
+                          <a:effectLst/>
+                        </a:rPr>
+                        <a:t>David E. Bernholdt (ORNL) and Todd Gamblin (LLNL)</a:t>
                       </a:r>
                     </a:p>
                   </a:txBody>
@@ -4668,7 +5425,7 @@
                 </a:tc>
                 <a:extLst>
                   <a:ext uri="{0D108BD9-81ED-4DB2-BD59-A6C34878D82A}">
-                    <a16:rowId xmlns:a16="http://schemas.microsoft.com/office/drawing/2014/main" val="2705533259"/>
+                    <a16:rowId xmlns:a16="http://schemas.microsoft.com/office/drawing/2014/main" val="1733344417"/>
                   </a:ext>
                 </a:extLst>
               </a:tr>
@@ -4698,7 +5455,22 @@
                         <a:rPr lang="en-US">
                           <a:effectLst/>
                         </a:rPr>
-                        <a:t>Reproducibility of Workflows</a:t>
+                        <a:t>Improving Reproducibility Through Better Software Practices</a:t>
+                      </a:r>
+                    </a:p>
+                  </a:txBody>
+                  <a:tcPr marL="142875" marR="142875" marT="95250" marB="95250" anchor="ctr"/>
+                </a:tc>
+                <a:tc>
+                  <a:txBody>
+                    <a:bodyPr/>
+                    <a:lstStyle/>
+                    <a:p>
+                      <a:r>
+                        <a:rPr lang="en-US" dirty="0">
+                          <a:effectLst/>
+                        </a:rPr>
+                        <a:t>David E. Bernholdt (ORNL)</a:t>
                       </a:r>
                     </a:p>
                   </a:txBody>
@@ -4706,7 +5478,7 @@
                 </a:tc>
                 <a:extLst>
                   <a:ext uri="{0D108BD9-81ED-4DB2-BD59-A6C34878D82A}">
-                    <a16:rowId xmlns:a16="http://schemas.microsoft.com/office/drawing/2014/main" val="1166125975"/>
+                    <a16:rowId xmlns:a16="http://schemas.microsoft.com/office/drawing/2014/main" val="1855854553"/>
                   </a:ext>
                 </a:extLst>
               </a:tr>
@@ -4721,7 +5493,7 @@
                         <a:rPr lang="en-US">
                           <a:effectLst/>
                         </a:rPr>
-                        <a:t>5:00 PM</a:t>
+                        <a:t>5:30 PM</a:t>
                       </a:r>
                     </a:p>
                   </a:txBody>
@@ -4733,21 +5505,84 @@
                     <a:lstStyle/>
                     <a:p>
                       <a:r>
-                        <a:rPr lang="en-US" i="1" dirty="0">
+                        <a:rPr lang="en-US">
+                          <a:effectLst/>
+                        </a:rPr>
+                        <a:t>Lab Notebooks for Computational Mathematics, Sciences, &amp; Engineering</a:t>
+                      </a:r>
+                    </a:p>
+                  </a:txBody>
+                  <a:tcPr marL="142875" marR="142875" marT="95250" marB="95250" anchor="ctr"/>
+                </a:tc>
+                <a:tc>
+                  <a:txBody>
+                    <a:bodyPr/>
+                    <a:lstStyle/>
+                    <a:p>
+                      <a:r>
+                        <a:rPr lang="en-US">
+                          <a:effectLst/>
+                        </a:rPr>
+                        <a:t>Jared O'Neal (ANL)</a:t>
+                      </a:r>
+                    </a:p>
+                  </a:txBody>
+                  <a:tcPr marL="142875" marR="142875" marT="95250" marB="95250" anchor="ctr"/>
+                </a:tc>
+                <a:extLst>
+                  <a:ext uri="{0D108BD9-81ED-4DB2-BD59-A6C34878D82A}">
+                    <a16:rowId xmlns:a16="http://schemas.microsoft.com/office/drawing/2014/main" val="2122309219"/>
+                  </a:ext>
+                </a:extLst>
+              </a:tr>
+              <a:tr h="526542">
+                <a:tc>
+                  <a:txBody>
+                    <a:bodyPr/>
+                    <a:lstStyle/>
+                    <a:p>
+                      <a:pPr algn="r"/>
+                      <a:r>
+                        <a:rPr lang="en-US">
+                          <a:effectLst/>
+                        </a:rPr>
+                        <a:t>6:30 PM</a:t>
+                      </a:r>
+                    </a:p>
+                  </a:txBody>
+                  <a:tcPr marL="142875" marR="142875" marT="95250" marB="95250" anchor="ctr"/>
+                </a:tc>
+                <a:tc>
+                  <a:txBody>
+                    <a:bodyPr/>
+                    <a:lstStyle/>
+                    <a:p>
+                      <a:r>
+                        <a:rPr lang="en-US" i="1">
                           <a:effectLst/>
                         </a:rPr>
                         <a:t>Adjourn</a:t>
                       </a:r>
-                      <a:endParaRPr lang="en-US" dirty="0">
+                      <a:endParaRPr lang="en-US">
                         <a:effectLst/>
                       </a:endParaRPr>
                     </a:p>
                   </a:txBody>
                   <a:tcPr marL="142875" marR="142875" marT="95250" marB="95250" anchor="ctr"/>
                 </a:tc>
+                <a:tc>
+                  <a:txBody>
+                    <a:bodyPr/>
+                    <a:lstStyle/>
+                    <a:p>
+                      <a:endParaRPr lang="en-US" dirty="0"/>
+                    </a:p>
+                  </a:txBody>
+                  <a:tcPr/>
+                </a:tc>
                 <a:extLst>
                   <a:ext uri="{0D108BD9-81ED-4DB2-BD59-A6C34878D82A}">
-                    <a16:rowId xmlns:a16="http://schemas.microsoft.com/office/drawing/2014/main" val="4002252475"/>
+                    <a16:rowId xmlns:a16="http://schemas.microsoft.com/office/drawing/2014/main" val="3774671062"/>
                   </a:ext>
                 </a:extLst>
               </a:tr>
@@ -5269,7 +6104,7 @@
             </a:pPr>
             <a:r>
               <a:rPr lang="en-US" dirty="0"/>
-              <a:t>Anshu Dubey, ANL</a:t>
+              <a:t>David E. Bernholdt, ORNL</a:t>
             </a:r>
           </a:p>
           <a:p>
@@ -5280,7 +6115,29 @@
             </a:pPr>
             <a:r>
               <a:rPr lang="en-US" dirty="0"/>
-              <a:t>Gregory R. Watson, ORNL</a:t>
+              <a:t>Anshu Dubey, ANL</a:t>
+            </a:r>
+          </a:p>
+          <a:p>
+            <a:pPr>
+              <a:spcBef>
+                <a:spcPts val="1000"/>
+              </a:spcBef>
+            </a:pPr>
+            <a:r>
+              <a:rPr lang="en-US" dirty="0"/>
+              <a:t>Todd Gamblin, LLNL</a:t>
+            </a:r>
+          </a:p>
+          <a:p>
+            <a:pPr>
+              <a:spcBef>
+                <a:spcPts val="1000"/>
+              </a:spcBef>
+            </a:pPr>
+            <a:r>
+              <a:rPr lang="en-US" dirty="0"/>
+              <a:t>Jared O’Neal, ANL</a:t>
             </a:r>
           </a:p>
           <a:p>
@@ -5337,7 +6194,7 @@
         <p:spPr>
           <a:xfrm>
             <a:off x="453256" y="3373816"/>
-            <a:ext cx="10123321" cy="2862322"/>
+            <a:ext cx="10123321" cy="2708434"/>
           </a:xfrm>
           <a:prstGeom prst="rect">
             <a:avLst/>
@@ -5359,234 +6216,96 @@
             </a:pPr>
             <a:r>
               <a:rPr lang="en-US" sz="2000" dirty="0"/>
-              <a:t>Anshu </a:t>
-            </a:r>
-          </a:p>
-          <a:p>
-            <a:pPr marL="684213" lvl="1" indent="-227013">
+              <a:t>Participants in the Consortium for the Advancement of Scientific Software (CASS) and DOE/ASCR software stewardship projects: </a:t>
+            </a:r>
+            <a:r>
+              <a:rPr lang="en-US" sz="2000" dirty="0">
+                <a:hlinkClick r:id="rId2"/>
+              </a:rPr>
+              <a:t>https://cass.community/</a:t>
+            </a:r>
+            <a:endParaRPr lang="en-US" sz="2000" dirty="0"/>
+          </a:p>
+          <a:p>
+            <a:pPr marL="227013" indent="-227013">
               <a:spcBef>
-                <a:spcPts val="0"/>
+                <a:spcPts val="1800"/>
               </a:spcBef>
               <a:buFont typeface="Arial" panose="020B0604020202020204" pitchFamily="34" charset="0"/>
               <a:buChar char="•"/>
             </a:pPr>
             <a:r>
               <a:rPr lang="en-US" sz="2000" dirty="0"/>
-              <a:t>Lead PI for COLABS: Collaboration for Better Software for Science</a:t>
-            </a:r>
-          </a:p>
-          <a:p>
-            <a:pPr marL="684213" lvl="1" indent="-227013">
+              <a:t>Members of the IDEAS Productivity family of projects: </a:t>
+            </a:r>
+            <a:r>
+              <a:rPr lang="en-US" sz="2000" dirty="0">
+                <a:hlinkClick r:id="rId3"/>
+              </a:rPr>
+              <a:t>https://ideas-productivity.org/</a:t>
+            </a:r>
+            <a:endParaRPr lang="en-US" sz="2000" dirty="0"/>
+          </a:p>
+          <a:p>
+            <a:pPr marL="227013" indent="-227013">
               <a:spcBef>
-                <a:spcPts val="0"/>
+                <a:spcPts val="1800"/>
               </a:spcBef>
               <a:buFont typeface="Arial" panose="020B0604020202020204" pitchFamily="34" charset="0"/>
               <a:buChar char="•"/>
             </a:pPr>
             <a:r>
               <a:rPr lang="en-US" sz="2000" dirty="0"/>
-              <a:t>Application Engagement Lead for the RAPIDS </a:t>
-            </a:r>
-            <a:r>
-              <a:rPr lang="en-US" sz="2000" dirty="0" err="1"/>
-              <a:t>SciDAC</a:t>
+              <a:t>Lead for the Spack project: </a:t>
+            </a:r>
+            <a:r>
+              <a:rPr lang="en-US" sz="2000" dirty="0">
+                <a:hlinkClick r:id="rId4"/>
+              </a:rPr>
+              <a:t>https://spack.io/</a:t>
             </a:r>
             <a:r>
               <a:rPr lang="en-US" sz="2000" dirty="0"/>
-              <a:t> Institute</a:t>
-            </a:r>
-          </a:p>
-          <a:p>
-            <a:pPr marL="684213" lvl="1" indent="-227013">
+              <a:t> (Todd)</a:t>
+            </a:r>
+          </a:p>
+          <a:p>
+            <a:pPr marL="227013" indent="-227013">
               <a:spcBef>
-                <a:spcPts val="0"/>
+                <a:spcPts val="1800"/>
               </a:spcBef>
               <a:buFont typeface="Arial" panose="020B0604020202020204" pitchFamily="34" charset="0"/>
               <a:buChar char="•"/>
             </a:pPr>
             <a:r>
               <a:rPr lang="en-US" sz="2000" dirty="0"/>
-              <a:t>Member of the IDEAS Productivity Project: </a:t>
-            </a:r>
-            <a:r>
-              <a:rPr lang="en-US" sz="2000" dirty="0">
-                <a:hlinkClick r:id="rId2"/>
-              </a:rPr>
-              <a:t>http://ideas-productivity.org</a:t>
-            </a:r>
-            <a:endParaRPr lang="en-US" sz="2000" dirty="0"/>
-          </a:p>
-          <a:p>
-            <a:pPr marL="227013" indent="-227013">
+              <a:t>Also…</a:t>
+            </a:r>
+          </a:p>
+          <a:p>
+            <a:pPr marL="684213" lvl="1" indent="-227013">
               <a:spcBef>
-                <a:spcPts val="0"/>
+                <a:spcPts val="600"/>
               </a:spcBef>
               <a:buFont typeface="Arial" panose="020B0604020202020204" pitchFamily="34" charset="0"/>
               <a:buChar char="•"/>
             </a:pPr>
             <a:r>
+              <a:rPr lang="en-US" sz="2000" dirty="0" err="1"/>
+              <a:t>SciDAC</a:t>
+            </a:r>
+            <a:r>
               <a:rPr lang="en-US" sz="2000" dirty="0"/>
-              <a:t>Greg</a:t>
-            </a:r>
-          </a:p>
-          <a:p>
-            <a:pPr marL="684213" lvl="1" indent="-227013">
-              <a:spcBef>
-                <a:spcPts val="0"/>
-              </a:spcBef>
-              <a:buFont typeface="Arial" panose="020B0604020202020204" pitchFamily="34" charset="0"/>
-              <a:buChar char="•"/>
-            </a:pPr>
-            <a:r>
-              <a:rPr lang="en-US" sz="2000" dirty="0"/>
-              <a:t>PI for CORSA: Center for Open-Source Research Software Advancement (</a:t>
-            </a:r>
-            <a:r>
-              <a:rPr lang="en-US" sz="2000" dirty="0">
-                <a:hlinkClick r:id="rId3"/>
-              </a:rPr>
-              <a:t>https://corsa.center</a:t>
-            </a:r>
-            <a:r>
-              <a:rPr lang="en-US" sz="2000" dirty="0"/>
-              <a:t>)</a:t>
-            </a:r>
-          </a:p>
-          <a:p>
-            <a:pPr marL="684213" lvl="1" indent="-227013">
-              <a:spcBef>
-                <a:spcPts val="0"/>
-              </a:spcBef>
-              <a:buFont typeface="Arial" panose="020B0604020202020204" pitchFamily="34" charset="0"/>
-              <a:buChar char="•"/>
-            </a:pPr>
-            <a:r>
-              <a:rPr lang="en-US" sz="2000" dirty="0"/>
-              <a:t>PI for the Neutrons Data Interpretation Platform project (ORNL)</a:t>
-            </a:r>
-          </a:p>
-          <a:p>
-            <a:pPr marL="684213" lvl="1" indent="-227013">
-              <a:spcBef>
-                <a:spcPts val="0"/>
-              </a:spcBef>
-              <a:buFont typeface="Arial" panose="020B0604020202020204" pitchFamily="34" charset="0"/>
-              <a:buChar char="•"/>
-            </a:pPr>
-            <a:r>
-              <a:rPr lang="en-US" sz="2000" dirty="0"/>
-              <a:t>Co-PI for the NZ-ARMADA project (ORNL)</a:t>
-            </a:r>
+              <a:t> RAPIDS Institute, fusion energy sciences projects, </a:t>
+            </a:r>
+            <a:r>
+              <a:rPr lang="en-US" sz="2000"/>
+              <a:t>and others</a:t>
+            </a:r>
+            <a:endParaRPr lang="en-US" sz="2000" dirty="0"/>
           </a:p>
         </p:txBody>
       </p:sp>
-      <p:grpSp>
-        <p:nvGrpSpPr>
-          <p:cNvPr id="5" name="Group 4">
-            <a:extLst>
-              <a:ext uri="{FF2B5EF4-FFF2-40B4-BE49-F238E27FC236}">
-                <a16:creationId xmlns:a16="http://schemas.microsoft.com/office/drawing/2014/main" id="{3D009C9C-7569-AE4A-AB05-5A2D29A31C40}"/>
-              </a:ext>
-            </a:extLst>
-          </p:cNvPr>
-          <p:cNvGrpSpPr/>
-          <p:nvPr/>
-        </p:nvGrpSpPr>
-        <p:grpSpPr>
-          <a:xfrm>
-            <a:off x="7765265" y="1427736"/>
-            <a:ext cx="1038027" cy="1804941"/>
-            <a:chOff x="9222950" y="1485878"/>
-            <a:chExt cx="1038027" cy="1804941"/>
-          </a:xfrm>
-        </p:grpSpPr>
-        <p:pic>
-          <p:nvPicPr>
-            <p:cNvPr id="6" name="Picture 5" descr="A person wearing a hat&#10;&#10;Description automatically generated with medium confidence">
-              <a:extLst>
-                <a:ext uri="{FF2B5EF4-FFF2-40B4-BE49-F238E27FC236}">
-                  <a16:creationId xmlns:a16="http://schemas.microsoft.com/office/drawing/2014/main" id="{FD3F4FE7-F5B1-8BFB-24C4-F3D5551ECB92}"/>
-                </a:ext>
-              </a:extLst>
-            </p:cNvPr>
-            <p:cNvPicPr>
-              <a:picLocks noChangeAspect="1"/>
-            </p:cNvPicPr>
-            <p:nvPr/>
-          </p:nvPicPr>
-          <p:blipFill rotWithShape="1">
-            <a:blip r:embed="rId4">
-              <a:extLst>
-                <a:ext uri="{28A0092B-C50C-407E-A947-70E740481C1C}">
-                  <a14:useLocalDpi xmlns:a14="http://schemas.microsoft.com/office/drawing/2010/main" val="0"/>
-                </a:ext>
-              </a:extLst>
-            </a:blip>
-            <a:srcRect l="7000" t="-1515" r="7000" b="1515"/>
-            <a:stretch/>
-          </p:blipFill>
-          <p:spPr>
-            <a:xfrm>
-              <a:off x="9222950" y="1485878"/>
-              <a:ext cx="1038027" cy="1207008"/>
-            </a:xfrm>
-            <a:prstGeom prst="rect">
-              <a:avLst/>
-            </a:prstGeom>
-          </p:spPr>
-        </p:pic>
-        <p:sp>
-          <p:nvSpPr>
-            <p:cNvPr id="7" name="TextBox 6">
-              <a:extLst>
-                <a:ext uri="{FF2B5EF4-FFF2-40B4-BE49-F238E27FC236}">
-                  <a16:creationId xmlns:a16="http://schemas.microsoft.com/office/drawing/2014/main" id="{1399CAD7-0E59-DED6-C82F-315923010743}"/>
-                </a:ext>
-              </a:extLst>
-            </p:cNvPr>
-            <p:cNvSpPr txBox="1"/>
-            <p:nvPr/>
-          </p:nvSpPr>
-          <p:spPr>
-            <a:xfrm>
-              <a:off x="9252085" y="2699888"/>
-              <a:ext cx="979756" cy="590931"/>
-            </a:xfrm>
-            <a:prstGeom prst="rect">
-              <a:avLst/>
-            </a:prstGeom>
-            <a:noFill/>
-          </p:spPr>
-          <p:txBody>
-            <a:bodyPr wrap="none" rtlCol="0">
-              <a:spAutoFit/>
-            </a:bodyPr>
-            <a:lstStyle/>
-            <a:p>
-              <a:pPr algn="ctr">
-                <a:lnSpc>
-                  <a:spcPct val="90000"/>
-                </a:lnSpc>
-              </a:pPr>
-              <a:r>
-                <a:rPr lang="en-US" dirty="0"/>
-                <a:t>Greg W</a:t>
-              </a:r>
-            </a:p>
-            <a:p>
-              <a:pPr algn="ctr">
-                <a:lnSpc>
-                  <a:spcPct val="90000"/>
-                </a:lnSpc>
-              </a:pPr>
-              <a:r>
-                <a:rPr lang="en-US" i="1" dirty="0"/>
-                <a:t>he/him</a:t>
-              </a:r>
-            </a:p>
-          </p:txBody>
-        </p:sp>
-      </p:grpSp>
       <p:grpSp>
         <p:nvGrpSpPr>
           <p:cNvPr id="8" name="Group 7">
@@ -5601,7 +6320,7 @@
         </p:nvGrpSpPr>
         <p:grpSpPr>
           <a:xfrm>
-            <a:off x="6094412" y="1427736"/>
+            <a:off x="6631399" y="1409942"/>
             <a:ext cx="954107" cy="1805497"/>
             <a:chOff x="6614147" y="1346049"/>
             <a:chExt cx="954107" cy="1805497"/>
@@ -5694,6 +6413,327 @@
             </a:prstGeom>
           </p:spPr>
         </p:pic>
+      </p:grpSp>
+      <p:grpSp>
+        <p:nvGrpSpPr>
+          <p:cNvPr id="11" name="Group 10">
+            <a:extLst>
+              <a:ext uri="{FF2B5EF4-FFF2-40B4-BE49-F238E27FC236}">
+                <a16:creationId xmlns:a16="http://schemas.microsoft.com/office/drawing/2014/main" id="{BF360452-D7C7-247A-386F-D3315474AFCB}"/>
+              </a:ext>
+            </a:extLst>
+          </p:cNvPr>
+          <p:cNvGrpSpPr/>
+          <p:nvPr/>
+        </p:nvGrpSpPr>
+        <p:grpSpPr>
+          <a:xfrm>
+            <a:off x="5015805" y="1409942"/>
+            <a:ext cx="1038027" cy="1797939"/>
+            <a:chOff x="4187619" y="4211394"/>
+            <a:chExt cx="1038027" cy="1797939"/>
+          </a:xfrm>
+        </p:grpSpPr>
+        <p:pic>
+          <p:nvPicPr>
+            <p:cNvPr id="12" name="Picture 11" descr="A person wearing glasses&#10;&#10;Description automatically generated with low confidence">
+              <a:extLst>
+                <a:ext uri="{FF2B5EF4-FFF2-40B4-BE49-F238E27FC236}">
+                  <a16:creationId xmlns:a16="http://schemas.microsoft.com/office/drawing/2014/main" id="{8B9A3899-C96B-3A08-5E0A-2906D305F982}"/>
+                </a:ext>
+              </a:extLst>
+            </p:cNvPr>
+            <p:cNvPicPr>
+              <a:picLocks noChangeAspect="1"/>
+            </p:cNvPicPr>
+            <p:nvPr/>
+          </p:nvPicPr>
+          <p:blipFill rotWithShape="1">
+            <a:blip r:embed="rId6" cstate="print">
+              <a:extLst>
+                <a:ext uri="{28A0092B-C50C-407E-A947-70E740481C1C}">
+                  <a14:useLocalDpi xmlns:a14="http://schemas.microsoft.com/office/drawing/2010/main" val="0"/>
+                </a:ext>
+              </a:extLst>
+            </a:blip>
+            <a:srcRect l="8053" t="854" r="5947" b="-854"/>
+            <a:stretch/>
+          </p:blipFill>
+          <p:spPr>
+            <a:xfrm>
+              <a:off x="4187619" y="4211394"/>
+              <a:ext cx="1038027" cy="1207008"/>
+            </a:xfrm>
+            <a:prstGeom prst="rect">
+              <a:avLst/>
+            </a:prstGeom>
+          </p:spPr>
+        </p:pic>
+        <p:sp>
+          <p:nvSpPr>
+            <p:cNvPr id="13" name="TextBox 12">
+              <a:extLst>
+                <a:ext uri="{FF2B5EF4-FFF2-40B4-BE49-F238E27FC236}">
+                  <a16:creationId xmlns:a16="http://schemas.microsoft.com/office/drawing/2014/main" id="{2B5EF80D-04B1-F98E-6FF3-532C3F5A9955}"/>
+                </a:ext>
+              </a:extLst>
+            </p:cNvPr>
+            <p:cNvSpPr txBox="1"/>
+            <p:nvPr/>
+          </p:nvSpPr>
+          <p:spPr>
+            <a:xfrm>
+              <a:off x="4268051" y="5418402"/>
+              <a:ext cx="877163" cy="590931"/>
+            </a:xfrm>
+            <a:prstGeom prst="rect">
+              <a:avLst/>
+            </a:prstGeom>
+            <a:noFill/>
+          </p:spPr>
+          <p:txBody>
+            <a:bodyPr wrap="none" rtlCol="0">
+              <a:spAutoFit/>
+            </a:bodyPr>
+            <a:lstStyle/>
+            <a:p>
+              <a:pPr algn="ctr">
+                <a:lnSpc>
+                  <a:spcPct val="90000"/>
+                </a:lnSpc>
+              </a:pPr>
+              <a:r>
+                <a:rPr lang="en-US" dirty="0"/>
+                <a:t>David</a:t>
+              </a:r>
+            </a:p>
+            <a:p>
+              <a:pPr algn="ctr">
+                <a:lnSpc>
+                  <a:spcPct val="90000"/>
+                </a:lnSpc>
+              </a:pPr>
+              <a:r>
+                <a:rPr lang="en-US" i="1" dirty="0"/>
+                <a:t>he/him</a:t>
+              </a:r>
+            </a:p>
+          </p:txBody>
+        </p:sp>
+      </p:grpSp>
+      <p:grpSp>
+        <p:nvGrpSpPr>
+          <p:cNvPr id="14" name="Group 13">
+            <a:extLst>
+              <a:ext uri="{FF2B5EF4-FFF2-40B4-BE49-F238E27FC236}">
+                <a16:creationId xmlns:a16="http://schemas.microsoft.com/office/drawing/2014/main" id="{92E18724-E093-2905-5995-FA9656E78542}"/>
+              </a:ext>
+            </a:extLst>
+          </p:cNvPr>
+          <p:cNvGrpSpPr/>
+          <p:nvPr/>
+        </p:nvGrpSpPr>
+        <p:grpSpPr>
+          <a:xfrm>
+            <a:off x="9788549" y="1422618"/>
+            <a:ext cx="1038027" cy="1797939"/>
+            <a:chOff x="9605157" y="3871568"/>
+            <a:chExt cx="1038027" cy="1797939"/>
+          </a:xfrm>
+        </p:grpSpPr>
+        <p:pic>
+          <p:nvPicPr>
+            <p:cNvPr id="15" name="Picture 14" descr="A person wearing glasses&#10;&#10;Description automatically generated with medium confidence">
+              <a:extLst>
+                <a:ext uri="{FF2B5EF4-FFF2-40B4-BE49-F238E27FC236}">
+                  <a16:creationId xmlns:a16="http://schemas.microsoft.com/office/drawing/2014/main" id="{AC87CD00-A786-7297-BAC2-1B3274862CBE}"/>
+                </a:ext>
+              </a:extLst>
+            </p:cNvPr>
+            <p:cNvPicPr>
+              <a:picLocks noChangeAspect="1"/>
+            </p:cNvPicPr>
+            <p:nvPr/>
+          </p:nvPicPr>
+          <p:blipFill rotWithShape="1">
+            <a:blip r:embed="rId7" cstate="print">
+              <a:extLst>
+                <a:ext uri="{28A0092B-C50C-407E-A947-70E740481C1C}">
+                  <a14:useLocalDpi xmlns:a14="http://schemas.microsoft.com/office/drawing/2010/main" val="0"/>
+                </a:ext>
+              </a:extLst>
+            </a:blip>
+            <a:srcRect l="4297" r="9701"/>
+            <a:stretch/>
+          </p:blipFill>
+          <p:spPr>
+            <a:xfrm>
+              <a:off x="9605157" y="3871568"/>
+              <a:ext cx="1038027" cy="1207008"/>
+            </a:xfrm>
+            <a:prstGeom prst="rect">
+              <a:avLst/>
+            </a:prstGeom>
+          </p:spPr>
+        </p:pic>
+        <p:sp>
+          <p:nvSpPr>
+            <p:cNvPr id="16" name="TextBox 15">
+              <a:extLst>
+                <a:ext uri="{FF2B5EF4-FFF2-40B4-BE49-F238E27FC236}">
+                  <a16:creationId xmlns:a16="http://schemas.microsoft.com/office/drawing/2014/main" id="{C3725BF0-247B-D09D-AEBA-487D7AFA3C92}"/>
+                </a:ext>
+              </a:extLst>
+            </p:cNvPr>
+            <p:cNvSpPr txBox="1"/>
+            <p:nvPr/>
+          </p:nvSpPr>
+          <p:spPr>
+            <a:xfrm>
+              <a:off x="9685588" y="5078576"/>
+              <a:ext cx="877164" cy="590931"/>
+            </a:xfrm>
+            <a:prstGeom prst="rect">
+              <a:avLst/>
+            </a:prstGeom>
+            <a:noFill/>
+          </p:spPr>
+          <p:txBody>
+            <a:bodyPr wrap="none" rtlCol="0">
+              <a:spAutoFit/>
+            </a:bodyPr>
+            <a:lstStyle/>
+            <a:p>
+              <a:pPr algn="ctr">
+                <a:lnSpc>
+                  <a:spcPct val="90000"/>
+                </a:lnSpc>
+              </a:pPr>
+              <a:r>
+                <a:rPr lang="en-US" dirty="0"/>
+                <a:t>Jared</a:t>
+              </a:r>
+            </a:p>
+            <a:p>
+              <a:pPr algn="ctr">
+                <a:lnSpc>
+                  <a:spcPct val="90000"/>
+                </a:lnSpc>
+              </a:pPr>
+              <a:r>
+                <a:rPr lang="en-US" i="1" dirty="0"/>
+                <a:t>he/him</a:t>
+              </a:r>
+            </a:p>
+          </p:txBody>
+        </p:sp>
+      </p:grpSp>
+      <p:grpSp>
+        <p:nvGrpSpPr>
+          <p:cNvPr id="17" name="Group 16">
+            <a:extLst>
+              <a:ext uri="{FF2B5EF4-FFF2-40B4-BE49-F238E27FC236}">
+                <a16:creationId xmlns:a16="http://schemas.microsoft.com/office/drawing/2014/main" id="{B5FBC002-EA63-3AA1-A9F0-19BC36D2DD4E}"/>
+              </a:ext>
+            </a:extLst>
+          </p:cNvPr>
+          <p:cNvGrpSpPr/>
+          <p:nvPr/>
+        </p:nvGrpSpPr>
+        <p:grpSpPr>
+          <a:xfrm>
+            <a:off x="8177064" y="1422618"/>
+            <a:ext cx="1021881" cy="1792821"/>
+            <a:chOff x="10957831" y="1197414"/>
+            <a:chExt cx="1021881" cy="1792821"/>
+          </a:xfrm>
+        </p:grpSpPr>
+        <p:pic>
+          <p:nvPicPr>
+            <p:cNvPr id="18" name="Picture 17" descr="A person smiling for the camera&#10;&#10;Description automatically generated with medium confidence">
+              <a:extLst>
+                <a:ext uri="{FF2B5EF4-FFF2-40B4-BE49-F238E27FC236}">
+                  <a16:creationId xmlns:a16="http://schemas.microsoft.com/office/drawing/2014/main" id="{C611DBA7-7F94-A867-D486-31027D33AC75}"/>
+                </a:ext>
+              </a:extLst>
+            </p:cNvPr>
+            <p:cNvPicPr>
+              <a:picLocks noChangeAspect="1"/>
+            </p:cNvPicPr>
+            <p:nvPr/>
+          </p:nvPicPr>
+          <p:blipFill rotWithShape="1">
+            <a:blip r:embed="rId8" cstate="print">
+              <a:extLst>
+                <a:ext uri="{28A0092B-C50C-407E-A947-70E740481C1C}">
+                  <a14:useLocalDpi xmlns:a14="http://schemas.microsoft.com/office/drawing/2010/main" val="0"/>
+                </a:ext>
+              </a:extLst>
+            </a:blip>
+            <a:srcRect l="6373" r="8964"/>
+            <a:stretch/>
+          </p:blipFill>
+          <p:spPr>
+            <a:xfrm>
+              <a:off x="10957831" y="1197414"/>
+              <a:ext cx="1021881" cy="1207008"/>
+            </a:xfrm>
+            <a:prstGeom prst="rect">
+              <a:avLst/>
+            </a:prstGeom>
+          </p:spPr>
+        </p:pic>
+        <p:sp>
+          <p:nvSpPr>
+            <p:cNvPr id="19" name="TextBox 18">
+              <a:extLst>
+                <a:ext uri="{FF2B5EF4-FFF2-40B4-BE49-F238E27FC236}">
+                  <a16:creationId xmlns:a16="http://schemas.microsoft.com/office/drawing/2014/main" id="{0EFE8AB9-C901-D587-26CA-192E0897B099}"/>
+                </a:ext>
+              </a:extLst>
+            </p:cNvPr>
+            <p:cNvSpPr txBox="1"/>
+            <p:nvPr/>
+          </p:nvSpPr>
+          <p:spPr>
+            <a:xfrm>
+              <a:off x="11030189" y="2399304"/>
+              <a:ext cx="877164" cy="590931"/>
+            </a:xfrm>
+            <a:prstGeom prst="rect">
+              <a:avLst/>
+            </a:prstGeom>
+            <a:noFill/>
+          </p:spPr>
+          <p:txBody>
+            <a:bodyPr wrap="none" rtlCol="0">
+              <a:spAutoFit/>
+            </a:bodyPr>
+            <a:lstStyle/>
+            <a:p>
+              <a:pPr algn="ctr">
+                <a:lnSpc>
+                  <a:spcPct val="90000"/>
+                </a:lnSpc>
+              </a:pPr>
+              <a:r>
+                <a:rPr lang="en-US" dirty="0"/>
+                <a:t>Todd</a:t>
+              </a:r>
+            </a:p>
+            <a:p>
+              <a:pPr algn="ctr">
+                <a:lnSpc>
+                  <a:spcPct val="90000"/>
+                </a:lnSpc>
+              </a:pPr>
+              <a:r>
+                <a:rPr lang="en-US" i="1" dirty="0"/>
+                <a:t>he/him</a:t>
+              </a:r>
+            </a:p>
+          </p:txBody>
+        </p:sp>
       </p:grpSp>
     </p:spTree>
     <p:extLst>
@@ -7987,9 +9027,12 @@
 </file>
 
 <file path=customXml/item1.xml><?xml version="1.0" encoding="utf-8"?>
-<p:properties xmlns:p="http://schemas.microsoft.com/office/2006/metadata/properties" xmlns:xsi="http://www.w3.org/2001/XMLSchema-instance" xmlns:pc="http://schemas.microsoft.com/office/infopath/2007/PartnerControls">
-  <documentManagement/>
-</p:properties>
+<?mso-contentType ?>
+<FormTemplates xmlns="http://schemas.microsoft.com/sharepoint/v3/contenttype/forms">
+  <Display>DocumentLibraryForm</Display>
+  <Edit>DocumentLibraryForm</Edit>
+  <New>DocumentLibraryForm</New>
+</FormTemplates>
 </file>
 
 <file path=customXml/item2.xml><?xml version="1.0" encoding="utf-8"?>
@@ -8042,25 +9085,15 @@
 </file>
 
 <file path=customXml/item3.xml><?xml version="1.0" encoding="utf-8"?>
-<?mso-contentType ?>
-<FormTemplates xmlns="http://schemas.microsoft.com/sharepoint/v3/contenttype/forms">
-  <Display>DocumentLibraryForm</Display>
-  <Edit>DocumentLibraryForm</Edit>
-  <New>DocumentLibraryForm</New>
-</FormTemplates>
+<p:properties xmlns:p="http://schemas.microsoft.com/office/2006/metadata/properties" xmlns:xsi="http://www.w3.org/2001/XMLSchema-instance" xmlns:pc="http://schemas.microsoft.com/office/infopath/2007/PartnerControls">
+  <documentManagement/>
+</p:properties>
 </file>
 
 <file path=customXml/itemProps1.xml><?xml version="1.0" encoding="utf-8"?>
-<ds:datastoreItem xmlns:ds="http://schemas.openxmlformats.org/officeDocument/2006/customXml" ds:itemID="{A50EC660-24D0-43A0-AE5E-E274115E726B}">
+<ds:datastoreItem xmlns:ds="http://schemas.openxmlformats.org/officeDocument/2006/customXml" ds:itemID="{19E20559-B232-4371-8690-E3D8007EDB82}">
   <ds:schemaRefs>
-    <ds:schemaRef ds:uri="http://purl.org/dc/elements/1.1/"/>
-    <ds:schemaRef ds:uri="http://schemas.microsoft.com/office/2006/metadata/properties"/>
-    <ds:schemaRef ds:uri="http://purl.org/dc/terms/"/>
-    <ds:schemaRef ds:uri="http://schemas.openxmlformats.org/package/2006/metadata/core-properties"/>
-    <ds:schemaRef ds:uri="http://schemas.microsoft.com/office/2006/documentManagement/types"/>
-    <ds:schemaRef ds:uri="http://www.w3.org/XML/1998/namespace"/>
-    <ds:schemaRef ds:uri="http://purl.org/dc/dcmitype/"/>
-    <ds:schemaRef ds:uri="http://schemas.microsoft.com/office/infopath/2007/PartnerControls"/>
+    <ds:schemaRef ds:uri="http://schemas.microsoft.com/sharepoint/v3/contenttype/forms"/>
   </ds:schemaRefs>
 </ds:datastoreItem>
 </file>
@@ -8081,9 +9114,16 @@
 </file>
 
 <file path=customXml/itemProps3.xml><?xml version="1.0" encoding="utf-8"?>
-<ds:datastoreItem xmlns:ds="http://schemas.openxmlformats.org/officeDocument/2006/customXml" ds:itemID="{19E20559-B232-4371-8690-E3D8007EDB82}">
+<ds:datastoreItem xmlns:ds="http://schemas.openxmlformats.org/officeDocument/2006/customXml" ds:itemID="{A50EC660-24D0-43A0-AE5E-E274115E726B}">
   <ds:schemaRefs>
-    <ds:schemaRef ds:uri="http://schemas.microsoft.com/sharepoint/v3/contenttype/forms"/>
+    <ds:schemaRef ds:uri="http://purl.org/dc/elements/1.1/"/>
+    <ds:schemaRef ds:uri="http://schemas.microsoft.com/office/2006/metadata/properties"/>
+    <ds:schemaRef ds:uri="http://purl.org/dc/terms/"/>
+    <ds:schemaRef ds:uri="http://schemas.openxmlformats.org/package/2006/metadata/core-properties"/>
+    <ds:schemaRef ds:uri="http://schemas.microsoft.com/office/2006/documentManagement/types"/>
+    <ds:schemaRef ds:uri="http://www.w3.org/XML/1998/namespace"/>
+    <ds:schemaRef ds:uri="http://purl.org/dc/dcmitype/"/>
+    <ds:schemaRef ds:uri="http://schemas.microsoft.com/office/infopath/2007/PartnerControls"/>
   </ds:schemaRefs>
 </ds:datastoreItem>
 </file>
--- a/intro-a.pptx
+++ b/intro-a.pptx
@@ -12,7 +12,7 @@
   </p:handoutMasterIdLst>
   <p:sldIdLst>
     <p:sldId id="617" r:id="rId5"/>
-    <p:sldId id="623" r:id="rId6"/>
+    <p:sldId id="320" r:id="rId6"/>
     <p:sldId id="308" r:id="rId7"/>
     <p:sldId id="324" r:id="rId8"/>
     <p:sldId id="329" r:id="rId9"/>
@@ -5843,16 +5843,16 @@
             </a:r>
             <a:r>
               <a:rPr lang="en-US" sz="1600" dirty="0"/>
-              <a:t>Anshu Dubey and Gregory R. Watson, Software Practices for Reproducible Science tutorial, in 2024 ACM Conference on Reproducibility and Replicability (ACM-REP), Rennes, France and online, 2024. DOI: </a:t>
+              <a:t>Anshu Dubey, David E. Bernholdt, Todd Gamblin, and Jared O’Neal, Software Productivity and Sustainability track, in Argonne Training Program on Extreme-Scale Computing, St. Charles, Illinois, 2024. DOI: </a:t>
             </a:r>
             <a:r>
               <a:rPr lang="en-US" sz="1600" dirty="0">
                 <a:hlinkClick r:id="rId4"/>
               </a:rPr>
-              <a:t>10.6084/m9.figshare.26019469</a:t>
-            </a:r>
-            <a:r>
-              <a:rPr lang="en-US" sz="1600" b="1" dirty="0"/>
+              <a:t>10.6084/m9.figshare.26384188</a:t>
+            </a:r>
+            <a:r>
+              <a:rPr lang="en-US" sz="1600" dirty="0"/>
               <a:t>.</a:t>
             </a:r>
             <a:endParaRPr lang="en-US" sz="1600" b="0" i="0" dirty="0">
@@ -6044,7 +6044,7 @@
     </p:spTree>
     <p:extLst>
       <p:ext uri="{BB962C8B-B14F-4D97-AF65-F5344CB8AC3E}">
-        <p14:creationId xmlns:p14="http://schemas.microsoft.com/office/powerpoint/2010/main" val="978726433"/>
+        <p14:creationId xmlns:p14="http://schemas.microsoft.com/office/powerpoint/2010/main" val="3013410495"/>
       </p:ext>
     </p:extLst>
   </p:cSld>
@@ -9027,15 +9027,6 @@
 </file>
 
 <file path=customXml/item1.xml><?xml version="1.0" encoding="utf-8"?>
-<?mso-contentType ?>
-<FormTemplates xmlns="http://schemas.microsoft.com/sharepoint/v3/contenttype/forms">
-  <Display>DocumentLibraryForm</Display>
-  <Edit>DocumentLibraryForm</Edit>
-  <New>DocumentLibraryForm</New>
-</FormTemplates>
-</file>
-
-<file path=customXml/item2.xml><?xml version="1.0" encoding="utf-8"?>
 <ct:contentTypeSchema xmlns:ct="http://schemas.microsoft.com/office/2006/metadata/contentType" xmlns:ma="http://schemas.microsoft.com/office/2006/metadata/properties/metaAttributes" ct:_="" ma:_="" ma:contentTypeName="Document" ma:contentTypeID="0x010100565464437F680748A68B85EB6594EA7D" ma:contentTypeVersion="0" ma:contentTypeDescription="Create a new document." ma:contentTypeScope="" ma:versionID="fe3f4dd58d5914c51cfc6deaa8ad845c">
   <xsd:schema xmlns:xsd="http://www.w3.org/2001/XMLSchema" xmlns:p="http://schemas.microsoft.com/office/2006/metadata/properties" targetNamespace="http://schemas.microsoft.com/office/2006/metadata/properties" ma:root="true" ma:fieldsID="4aeb20c0e3442673af7ee10786458764">
     <xsd:element name="properties">
@@ -9084,6 +9075,15 @@
 </ct:contentTypeSchema>
 </file>
 
+<file path=customXml/item2.xml><?xml version="1.0" encoding="utf-8"?>
+<?mso-contentType ?>
+<FormTemplates xmlns="http://schemas.microsoft.com/sharepoint/v3/contenttype/forms">
+  <Display>DocumentLibraryForm</Display>
+  <Edit>DocumentLibraryForm</Edit>
+  <New>DocumentLibraryForm</New>
+</FormTemplates>
+</file>
+
 <file path=customXml/item3.xml><?xml version="1.0" encoding="utf-8"?>
 <p:properties xmlns:p="http://schemas.microsoft.com/office/2006/metadata/properties" xmlns:xsi="http://www.w3.org/2001/XMLSchema-instance" xmlns:pc="http://schemas.microsoft.com/office/infopath/2007/PartnerControls">
   <documentManagement/>
@@ -9091,14 +9091,6 @@
 </file>
 
 <file path=customXml/itemProps1.xml><?xml version="1.0" encoding="utf-8"?>
-<ds:datastoreItem xmlns:ds="http://schemas.openxmlformats.org/officeDocument/2006/customXml" ds:itemID="{19E20559-B232-4371-8690-E3D8007EDB82}">
-  <ds:schemaRefs>
-    <ds:schemaRef ds:uri="http://schemas.microsoft.com/sharepoint/v3/contenttype/forms"/>
-  </ds:schemaRefs>
-</ds:datastoreItem>
-</file>
-
-<file path=customXml/itemProps2.xml><?xml version="1.0" encoding="utf-8"?>
 <ds:datastoreItem xmlns:ds="http://schemas.openxmlformats.org/officeDocument/2006/customXml" ds:itemID="{E8DB7DEB-074E-4EE8-9B6E-FD277323109C}">
   <ds:schemaRefs>
     <ds:schemaRef ds:uri="http://schemas.microsoft.com/office/2006/metadata/contentType"/>
@@ -9109,6 +9101,14 @@
     <ds:schemaRef ds:uri="http://purl.org/dc/elements/1.1/"/>
     <ds:schemaRef ds:uri="http://purl.org/dc/terms/"/>
     <ds:schemaRef ds:uri="http://schemas.microsoft.com/office/internal/2005/internalDocumentation"/>
+  </ds:schemaRefs>
+</ds:datastoreItem>
+</file>
+
+<file path=customXml/itemProps2.xml><?xml version="1.0" encoding="utf-8"?>
+<ds:datastoreItem xmlns:ds="http://schemas.openxmlformats.org/officeDocument/2006/customXml" ds:itemID="{19E20559-B232-4371-8690-E3D8007EDB82}">
+  <ds:schemaRefs>
+    <ds:schemaRef ds:uri="http://schemas.microsoft.com/sharepoint/v3/contenttype/forms"/>
   </ds:schemaRefs>
 </ds:datastoreItem>
 </file>

--- a/intro-a.pptx
+++ b/intro-a.pptx
@@ -6194,7 +6194,7 @@
         <p:spPr>
           <a:xfrm>
             <a:off x="453256" y="3373816"/>
-            <a:ext cx="10123321" cy="2708434"/>
+            <a:ext cx="10123321" cy="3016210"/>
           </a:xfrm>
           <a:prstGeom prst="rect">
             <a:avLst/>
@@ -6209,7 +6209,7 @@
           <a:p>
             <a:pPr marL="227013" indent="-227013">
               <a:spcBef>
-                <a:spcPts val="1800"/>
+                <a:spcPts val="600"/>
               </a:spcBef>
               <a:buFont typeface="Arial" panose="020B0604020202020204" pitchFamily="34" charset="0"/>
               <a:buChar char="•"/>
@@ -6229,7 +6229,7 @@
           <a:p>
             <a:pPr marL="227013" indent="-227013">
               <a:spcBef>
-                <a:spcPts val="1800"/>
+                <a:spcPts val="600"/>
               </a:spcBef>
               <a:buFont typeface="Arial" panose="020B0604020202020204" pitchFamily="34" charset="0"/>
               <a:buChar char="•"/>
@@ -6249,7 +6249,7 @@
           <a:p>
             <a:pPr marL="227013" indent="-227013">
               <a:spcBef>
-                <a:spcPts val="1800"/>
+                <a:spcPts val="600"/>
               </a:spcBef>
               <a:buFont typeface="Arial" panose="020B0604020202020204" pitchFamily="34" charset="0"/>
               <a:buChar char="•"/>
@@ -6272,7 +6272,7 @@
           <a:p>
             <a:pPr marL="227013" indent="-227013">
               <a:spcBef>
-                <a:spcPts val="1800"/>
+                <a:spcPts val="600"/>
               </a:spcBef>
               <a:buFont typeface="Arial" panose="020B0604020202020204" pitchFamily="34" charset="0"/>
               <a:buChar char="•"/>
@@ -6296,13 +6296,34 @@
             </a:r>
             <a:r>
               <a:rPr lang="en-US" sz="2000" dirty="0"/>
-              <a:t> RAPIDS Institute, fusion energy sciences projects, </a:t>
-            </a:r>
-            <a:r>
-              <a:rPr lang="en-US" sz="2000"/>
-              <a:t>and others</a:t>
-            </a:r>
-            <a:endParaRPr lang="en-US" sz="2000" dirty="0"/>
+              <a:t>: RAPIDS Institute, fusion energy sciences, nuclear physics</a:t>
+            </a:r>
+          </a:p>
+          <a:p>
+            <a:pPr marL="684213" lvl="1" indent="-227013">
+              <a:spcBef>
+                <a:spcPts val="600"/>
+              </a:spcBef>
+              <a:buFont typeface="Arial" panose="020B0604020202020204" pitchFamily="34" charset="0"/>
+              <a:buChar char="•"/>
+            </a:pPr>
+            <a:r>
+              <a:rPr lang="en-US" sz="2000" dirty="0"/>
+              <a:t>NSF Cyberinfrastructure for Sustained Scientific Innovation (CSSI) program</a:t>
+            </a:r>
+          </a:p>
+          <a:p>
+            <a:pPr marL="684213" lvl="1" indent="-227013">
+              <a:spcBef>
+                <a:spcPts val="600"/>
+              </a:spcBef>
+              <a:buFont typeface="Arial" panose="020B0604020202020204" pitchFamily="34" charset="0"/>
+              <a:buChar char="•"/>
+            </a:pPr>
+            <a:r>
+              <a:rPr lang="en-US" sz="2000" dirty="0"/>
+              <a:t>And more!</a:t>
+            </a:r>
           </a:p>
         </p:txBody>
       </p:sp>
@@ -9027,6 +9048,15 @@
 </file>
 
 <file path=customXml/item1.xml><?xml version="1.0" encoding="utf-8"?>
+<?mso-contentType ?>
+<FormTemplates xmlns="http://schemas.microsoft.com/sharepoint/v3/contenttype/forms">
+  <Display>DocumentLibraryForm</Display>
+  <Edit>DocumentLibraryForm</Edit>
+  <New>DocumentLibraryForm</New>
+</FormTemplates>
+</file>
+
+<file path=customXml/item2.xml><?xml version="1.0" encoding="utf-8"?>
 <ct:contentTypeSchema xmlns:ct="http://schemas.microsoft.com/office/2006/metadata/contentType" xmlns:ma="http://schemas.microsoft.com/office/2006/metadata/properties/metaAttributes" ct:_="" ma:_="" ma:contentTypeName="Document" ma:contentTypeID="0x010100565464437F680748A68B85EB6594EA7D" ma:contentTypeVersion="0" ma:contentTypeDescription="Create a new document." ma:contentTypeScope="" ma:versionID="fe3f4dd58d5914c51cfc6deaa8ad845c">
   <xsd:schema xmlns:xsd="http://www.w3.org/2001/XMLSchema" xmlns:p="http://schemas.microsoft.com/office/2006/metadata/properties" targetNamespace="http://schemas.microsoft.com/office/2006/metadata/properties" ma:root="true" ma:fieldsID="4aeb20c0e3442673af7ee10786458764">
     <xsd:element name="properties">
@@ -9075,15 +9105,6 @@
 </ct:contentTypeSchema>
 </file>
 
-<file path=customXml/item2.xml><?xml version="1.0" encoding="utf-8"?>
-<?mso-contentType ?>
-<FormTemplates xmlns="http://schemas.microsoft.com/sharepoint/v3/contenttype/forms">
-  <Display>DocumentLibraryForm</Display>
-  <Edit>DocumentLibraryForm</Edit>
-  <New>DocumentLibraryForm</New>
-</FormTemplates>
-</file>
-
 <file path=customXml/item3.xml><?xml version="1.0" encoding="utf-8"?>
 <p:properties xmlns:p="http://schemas.microsoft.com/office/2006/metadata/properties" xmlns:xsi="http://www.w3.org/2001/XMLSchema-instance" xmlns:pc="http://schemas.microsoft.com/office/infopath/2007/PartnerControls">
   <documentManagement/>
@@ -9091,6 +9112,14 @@
 </file>
 
 <file path=customXml/itemProps1.xml><?xml version="1.0" encoding="utf-8"?>
+<ds:datastoreItem xmlns:ds="http://schemas.openxmlformats.org/officeDocument/2006/customXml" ds:itemID="{19E20559-B232-4371-8690-E3D8007EDB82}">
+  <ds:schemaRefs>
+    <ds:schemaRef ds:uri="http://schemas.microsoft.com/sharepoint/v3/contenttype/forms"/>
+  </ds:schemaRefs>
+</ds:datastoreItem>
+</file>
+
+<file path=customXml/itemProps2.xml><?xml version="1.0" encoding="utf-8"?>
 <ds:datastoreItem xmlns:ds="http://schemas.openxmlformats.org/officeDocument/2006/customXml" ds:itemID="{E8DB7DEB-074E-4EE8-9B6E-FD277323109C}">
   <ds:schemaRefs>
     <ds:schemaRef ds:uri="http://schemas.microsoft.com/office/2006/metadata/contentType"/>
@@ -9101,14 +9130,6 @@
     <ds:schemaRef ds:uri="http://purl.org/dc/elements/1.1/"/>
     <ds:schemaRef ds:uri="http://purl.org/dc/terms/"/>
     <ds:schemaRef ds:uri="http://schemas.microsoft.com/office/internal/2005/internalDocumentation"/>
-  </ds:schemaRefs>
-</ds:datastoreItem>
-</file>
-
-<file path=customXml/itemProps2.xml><?xml version="1.0" encoding="utf-8"?>
-<ds:datastoreItem xmlns:ds="http://schemas.openxmlformats.org/officeDocument/2006/customXml" ds:itemID="{19E20559-B232-4371-8690-E3D8007EDB82}">
-  <ds:schemaRefs>
-    <ds:schemaRef ds:uri="http://schemas.microsoft.com/sharepoint/v3/contenttype/forms"/>
   </ds:schemaRefs>
 </ds:datastoreItem>
 </file>

--- a/intro-a.pptx
+++ b/intro-a.pptx
@@ -265,7 +265,7 @@
           <a:p>
             <a:fld id="{0B842F42-2CE9-4E35-95C1-410DC08A50B1}" type="datetimeFigureOut">
               <a:rPr lang="en-US" smtClean="0"/>
-              <a:t>7/26/2024</a:t>
+              <a:t>7/28/2024</a:t>
             </a:fld>
             <a:endParaRPr lang="en-US"/>
           </a:p>
@@ -430,7 +430,7 @@
           <a:p>
             <a:fld id="{6F282904-F315-4730-8D91-37D99E141A6F}" type="datetimeFigureOut">
               <a:rPr lang="en-US" smtClean="0"/>
-              <a:t>7/26/2024</a:t>
+              <a:t>7/28/2024</a:t>
             </a:fld>
             <a:endParaRPr lang="en-US"/>
           </a:p>
@@ -6194,7 +6194,7 @@
         <p:spPr>
           <a:xfrm>
             <a:off x="453256" y="3373816"/>
-            <a:ext cx="10123321" cy="3016210"/>
+            <a:ext cx="10123321" cy="3400931"/>
           </a:xfrm>
           <a:prstGeom prst="rect">
             <a:avLst/>
@@ -6322,7 +6322,28 @@
             </a:pPr>
             <a:r>
               <a:rPr lang="en-US" sz="2000" dirty="0"/>
-              <a:t>And more!</a:t>
+              <a:t>Past: Exascale </a:t>
+            </a:r>
+            <a:r>
+              <a:rPr lang="en-US" sz="2000"/>
+              <a:t>Computing Project</a:t>
+            </a:r>
+          </a:p>
+          <a:p>
+            <a:pPr marL="684213" lvl="1" indent="-227013">
+              <a:spcBef>
+                <a:spcPts val="600"/>
+              </a:spcBef>
+              <a:buFont typeface="Arial" panose="020B0604020202020204" pitchFamily="34" charset="0"/>
+              <a:buChar char="•"/>
+            </a:pPr>
+            <a:r>
+              <a:rPr lang="en-US" sz="2000"/>
+              <a:t>And </a:t>
+            </a:r>
+            <a:r>
+              <a:rPr lang="en-US" sz="2000" dirty="0"/>
+              <a:t>more!</a:t>
             </a:r>
           </a:p>
         </p:txBody>
@@ -9048,15 +9069,6 @@
 </file>
 
 <file path=customXml/item1.xml><?xml version="1.0" encoding="utf-8"?>
-<?mso-contentType ?>
-<FormTemplates xmlns="http://schemas.microsoft.com/sharepoint/v3/contenttype/forms">
-  <Display>DocumentLibraryForm</Display>
-  <Edit>DocumentLibraryForm</Edit>
-  <New>DocumentLibraryForm</New>
-</FormTemplates>
-</file>
-
-<file path=customXml/item2.xml><?xml version="1.0" encoding="utf-8"?>
 <ct:contentTypeSchema xmlns:ct="http://schemas.microsoft.com/office/2006/metadata/contentType" xmlns:ma="http://schemas.microsoft.com/office/2006/metadata/properties/metaAttributes" ct:_="" ma:_="" ma:contentTypeName="Document" ma:contentTypeID="0x010100565464437F680748A68B85EB6594EA7D" ma:contentTypeVersion="0" ma:contentTypeDescription="Create a new document." ma:contentTypeScope="" ma:versionID="fe3f4dd58d5914c51cfc6deaa8ad845c">
   <xsd:schema xmlns:xsd="http://www.w3.org/2001/XMLSchema" xmlns:p="http://schemas.microsoft.com/office/2006/metadata/properties" targetNamespace="http://schemas.microsoft.com/office/2006/metadata/properties" ma:root="true" ma:fieldsID="4aeb20c0e3442673af7ee10786458764">
     <xsd:element name="properties">
@@ -9105,6 +9117,15 @@
 </ct:contentTypeSchema>
 </file>
 
+<file path=customXml/item2.xml><?xml version="1.0" encoding="utf-8"?>
+<?mso-contentType ?>
+<FormTemplates xmlns="http://schemas.microsoft.com/sharepoint/v3/contenttype/forms">
+  <Display>DocumentLibraryForm</Display>
+  <Edit>DocumentLibraryForm</Edit>
+  <New>DocumentLibraryForm</New>
+</FormTemplates>
+</file>
+
 <file path=customXml/item3.xml><?xml version="1.0" encoding="utf-8"?>
 <p:properties xmlns:p="http://schemas.microsoft.com/office/2006/metadata/properties" xmlns:xsi="http://www.w3.org/2001/XMLSchema-instance" xmlns:pc="http://schemas.microsoft.com/office/infopath/2007/PartnerControls">
   <documentManagement/>
@@ -9112,14 +9133,6 @@
 </file>
 
 <file path=customXml/itemProps1.xml><?xml version="1.0" encoding="utf-8"?>
-<ds:datastoreItem xmlns:ds="http://schemas.openxmlformats.org/officeDocument/2006/customXml" ds:itemID="{19E20559-B232-4371-8690-E3D8007EDB82}">
-  <ds:schemaRefs>
-    <ds:schemaRef ds:uri="http://schemas.microsoft.com/sharepoint/v3/contenttype/forms"/>
-  </ds:schemaRefs>
-</ds:datastoreItem>
-</file>
-
-<file path=customXml/itemProps2.xml><?xml version="1.0" encoding="utf-8"?>
 <ds:datastoreItem xmlns:ds="http://schemas.openxmlformats.org/officeDocument/2006/customXml" ds:itemID="{E8DB7DEB-074E-4EE8-9B6E-FD277323109C}">
   <ds:schemaRefs>
     <ds:schemaRef ds:uri="http://schemas.microsoft.com/office/2006/metadata/contentType"/>
@@ -9130,6 +9143,14 @@
     <ds:schemaRef ds:uri="http://purl.org/dc/elements/1.1/"/>
     <ds:schemaRef ds:uri="http://purl.org/dc/terms/"/>
     <ds:schemaRef ds:uri="http://schemas.microsoft.com/office/internal/2005/internalDocumentation"/>
+  </ds:schemaRefs>
+</ds:datastoreItem>
+</file>
+
+<file path=customXml/itemProps2.xml><?xml version="1.0" encoding="utf-8"?>
+<ds:datastoreItem xmlns:ds="http://schemas.openxmlformats.org/officeDocument/2006/customXml" ds:itemID="{19E20559-B232-4371-8690-E3D8007EDB82}">
+  <ds:schemaRefs>
+    <ds:schemaRef ds:uri="http://schemas.microsoft.com/sharepoint/v3/contenttype/forms"/>
   </ds:schemaRefs>
 </ds:datastoreItem>
 </file>

--- a/intro-a.pptx
+++ b/intro-a.pptx
@@ -265,7 +265,7 @@
           <a:p>
             <a:fld id="{0B842F42-2CE9-4E35-95C1-410DC08A50B1}" type="datetimeFigureOut">
               <a:rPr lang="en-US" smtClean="0"/>
-              <a:t>7/28/2024</a:t>
+              <a:t>7/31/2024</a:t>
             </a:fld>
             <a:endParaRPr lang="en-US"/>
           </a:p>
@@ -430,7 +430,7 @@
           <a:p>
             <a:fld id="{6F282904-F315-4730-8D91-37D99E141A6F}" type="datetimeFigureOut">
               <a:rPr lang="en-US" smtClean="0"/>
-              <a:t>7/28/2024</a:t>
+              <a:t>7/31/2024</a:t>
             </a:fld>
             <a:endParaRPr lang="en-US"/>
           </a:p>
@@ -5072,14 +5072,14 @@
             <p:ph idx="1"/>
             <p:extLst>
               <p:ext uri="{D42A27DB-BD31-4B8C-83A1-F6EECF244321}">
-                <p14:modId xmlns:p14="http://schemas.microsoft.com/office/powerpoint/2010/main" val="207684128"/>
+                <p14:modId xmlns:p14="http://schemas.microsoft.com/office/powerpoint/2010/main" val="1625691390"/>
               </p:ext>
             </p:extLst>
           </p:nvPr>
         </p:nvGraphicFramePr>
         <p:xfrm>
           <a:off x="1051560" y="1074420"/>
-          <a:ext cx="9692640" cy="5589270"/>
+          <a:ext cx="9692640" cy="5376672"/>
         </p:xfrm>
         <a:graphic>
           <a:graphicData uri="http://schemas.openxmlformats.org/drawingml/2006/table">
@@ -5414,11 +5414,20 @@
                     <a:lstStyle/>
                     <a:p>
                       <a:r>
+                        <a:rPr lang="en-US" dirty="0">
+                          <a:effectLst/>
+                        </a:rPr>
+                        <a:t>David E. Bernholdt (</a:t>
+                      </a:r>
+                      <a:r>
                         <a:rPr lang="en-US">
                           <a:effectLst/>
                         </a:rPr>
-                        <a:t>David E. Bernholdt (ORNL) and Todd Gamblin (LLNL)</a:t>
+                        <a:t>ORNL)</a:t>
                       </a:r>
+                      <a:endParaRPr lang="en-US" dirty="0">
+                        <a:effectLst/>
+                      </a:endParaRPr>
                     </a:p>
                   </a:txBody>
                   <a:tcPr marL="142875" marR="142875" marT="95250" marB="95250" anchor="ctr"/>
@@ -6322,11 +6331,7 @@
             </a:pPr>
             <a:r>
               <a:rPr lang="en-US" sz="2000" dirty="0"/>
-              <a:t>Past: Exascale </a:t>
-            </a:r>
-            <a:r>
-              <a:rPr lang="en-US" sz="2000"/>
-              <a:t>Computing Project</a:t>
+              <a:t>Past: Exascale Computing Project</a:t>
             </a:r>
           </a:p>
           <a:p>
@@ -6338,12 +6343,8 @@
               <a:buChar char="•"/>
             </a:pPr>
             <a:r>
-              <a:rPr lang="en-US" sz="2000"/>
-              <a:t>And </a:t>
-            </a:r>
-            <a:r>
               <a:rPr lang="en-US" sz="2000" dirty="0"/>
-              <a:t>more!</a:t>
+              <a:t>And more!</a:t>
             </a:r>
           </a:p>
         </p:txBody>
@@ -9069,6 +9070,15 @@
 </file>
 
 <file path=customXml/item1.xml><?xml version="1.0" encoding="utf-8"?>
+<?mso-contentType ?>
+<FormTemplates xmlns="http://schemas.microsoft.com/sharepoint/v3/contenttype/forms">
+  <Display>DocumentLibraryForm</Display>
+  <Edit>DocumentLibraryForm</Edit>
+  <New>DocumentLibraryForm</New>
+</FormTemplates>
+</file>
+
+<file path=customXml/item2.xml><?xml version="1.0" encoding="utf-8"?>
 <ct:contentTypeSchema xmlns:ct="http://schemas.microsoft.com/office/2006/metadata/contentType" xmlns:ma="http://schemas.microsoft.com/office/2006/metadata/properties/metaAttributes" ct:_="" ma:_="" ma:contentTypeName="Document" ma:contentTypeID="0x010100565464437F680748A68B85EB6594EA7D" ma:contentTypeVersion="0" ma:contentTypeDescription="Create a new document." ma:contentTypeScope="" ma:versionID="fe3f4dd58d5914c51cfc6deaa8ad845c">
   <xsd:schema xmlns:xsd="http://www.w3.org/2001/XMLSchema" xmlns:p="http://schemas.microsoft.com/office/2006/metadata/properties" targetNamespace="http://schemas.microsoft.com/office/2006/metadata/properties" ma:root="true" ma:fieldsID="4aeb20c0e3442673af7ee10786458764">
     <xsd:element name="properties">
@@ -9117,15 +9127,6 @@
 </ct:contentTypeSchema>
 </file>
 
-<file path=customXml/item2.xml><?xml version="1.0" encoding="utf-8"?>
-<?mso-contentType ?>
-<FormTemplates xmlns="http://schemas.microsoft.com/sharepoint/v3/contenttype/forms">
-  <Display>DocumentLibraryForm</Display>
-  <Edit>DocumentLibraryForm</Edit>
-  <New>DocumentLibraryForm</New>
-</FormTemplates>
-</file>
-
 <file path=customXml/item3.xml><?xml version="1.0" encoding="utf-8"?>
 <p:properties xmlns:p="http://schemas.microsoft.com/office/2006/metadata/properties" xmlns:xsi="http://www.w3.org/2001/XMLSchema-instance" xmlns:pc="http://schemas.microsoft.com/office/infopath/2007/PartnerControls">
   <documentManagement/>
@@ -9133,6 +9134,14 @@
 </file>
 
 <file path=customXml/itemProps1.xml><?xml version="1.0" encoding="utf-8"?>
+<ds:datastoreItem xmlns:ds="http://schemas.openxmlformats.org/officeDocument/2006/customXml" ds:itemID="{19E20559-B232-4371-8690-E3D8007EDB82}">
+  <ds:schemaRefs>
+    <ds:schemaRef ds:uri="http://schemas.microsoft.com/sharepoint/v3/contenttype/forms"/>
+  </ds:schemaRefs>
+</ds:datastoreItem>
+</file>
+
+<file path=customXml/itemProps2.xml><?xml version="1.0" encoding="utf-8"?>
 <ds:datastoreItem xmlns:ds="http://schemas.openxmlformats.org/officeDocument/2006/customXml" ds:itemID="{E8DB7DEB-074E-4EE8-9B6E-FD277323109C}">
   <ds:schemaRefs>
     <ds:schemaRef ds:uri="http://schemas.microsoft.com/office/2006/metadata/contentType"/>
@@ -9143,14 +9152,6 @@
     <ds:schemaRef ds:uri="http://purl.org/dc/elements/1.1/"/>
     <ds:schemaRef ds:uri="http://purl.org/dc/terms/"/>
     <ds:schemaRef ds:uri="http://schemas.microsoft.com/office/internal/2005/internalDocumentation"/>
-  </ds:schemaRefs>
-</ds:datastoreItem>
-</file>
-
-<file path=customXml/itemProps2.xml><?xml version="1.0" encoding="utf-8"?>
-<ds:datastoreItem xmlns:ds="http://schemas.openxmlformats.org/officeDocument/2006/customXml" ds:itemID="{19E20559-B232-4371-8690-E3D8007EDB82}">
-  <ds:schemaRefs>
-    <ds:schemaRef ds:uri="http://schemas.microsoft.com/sharepoint/v3/contenttype/forms"/>
   </ds:schemaRefs>
 </ds:datastoreItem>
 </file>

--- a/intro-a.pptx
+++ b/intro-a.pptx
@@ -4216,7 +4216,7 @@
             </a:pPr>
             <a:r>
               <a:rPr lang="en-US" dirty="0"/>
-              <a:t>Software Practices for Reproducible Science</a:t>
+              <a:t>Software Productivity and Sustainability </a:t>
             </a:r>
           </a:p>
         </p:txBody>
@@ -4259,6 +4259,16 @@
               </a:spcBef>
             </a:pPr>
             <a:r>
+              <a:rPr lang="en-US" sz="2000" b="0" i="0">
+                <a:solidFill>
+                  <a:srgbClr val="111111"/>
+                </a:solidFill>
+                <a:effectLst/>
+                <a:latin typeface="+mn-lt"/>
+              </a:rPr>
+              <a:t>Argonne </a:t>
+            </a:r>
+            <a:r>
               <a:rPr lang="en-US" sz="2000" b="0" i="0" dirty="0">
                 <a:solidFill>
                   <a:srgbClr val="111111"/>
@@ -4266,8 +4276,25 @@
                 <a:effectLst/>
                 <a:latin typeface="+mn-lt"/>
               </a:rPr>
-              <a:t>Software Productivity and Sustainability track @ Argonne Training Program on Extreme-Scale Computing summer school</a:t>
-            </a:r>
+              <a:t>Training Program on Extreme-Scale Computing </a:t>
+            </a:r>
+            <a:r>
+              <a:rPr lang="en-US" sz="2000" b="0" i="0">
+                <a:solidFill>
+                  <a:srgbClr val="111111"/>
+                </a:solidFill>
+                <a:effectLst/>
+                <a:latin typeface="+mn-lt"/>
+              </a:rPr>
+              <a:t>summer school (2024)</a:t>
+            </a:r>
+            <a:endParaRPr lang="en-US" sz="2000" b="0" i="0" dirty="0">
+              <a:solidFill>
+                <a:srgbClr val="111111"/>
+              </a:solidFill>
+              <a:effectLst/>
+              <a:latin typeface="+mn-lt"/>
+            </a:endParaRPr>
           </a:p>
         </p:txBody>
       </p:sp>
@@ -9070,15 +9097,6 @@
 </file>
 
 <file path=customXml/item1.xml><?xml version="1.0" encoding="utf-8"?>
-<?mso-contentType ?>
-<FormTemplates xmlns="http://schemas.microsoft.com/sharepoint/v3/contenttype/forms">
-  <Display>DocumentLibraryForm</Display>
-  <Edit>DocumentLibraryForm</Edit>
-  <New>DocumentLibraryForm</New>
-</FormTemplates>
-</file>
-
-<file path=customXml/item2.xml><?xml version="1.0" encoding="utf-8"?>
 <ct:contentTypeSchema xmlns:ct="http://schemas.microsoft.com/office/2006/metadata/contentType" xmlns:ma="http://schemas.microsoft.com/office/2006/metadata/properties/metaAttributes" ct:_="" ma:_="" ma:contentTypeName="Document" ma:contentTypeID="0x010100565464437F680748A68B85EB6594EA7D" ma:contentTypeVersion="0" ma:contentTypeDescription="Create a new document." ma:contentTypeScope="" ma:versionID="fe3f4dd58d5914c51cfc6deaa8ad845c">
   <xsd:schema xmlns:xsd="http://www.w3.org/2001/XMLSchema" xmlns:p="http://schemas.microsoft.com/office/2006/metadata/properties" targetNamespace="http://schemas.microsoft.com/office/2006/metadata/properties" ma:root="true" ma:fieldsID="4aeb20c0e3442673af7ee10786458764">
     <xsd:element name="properties">
@@ -9127,6 +9145,15 @@
 </ct:contentTypeSchema>
 </file>
 
+<file path=customXml/item2.xml><?xml version="1.0" encoding="utf-8"?>
+<?mso-contentType ?>
+<FormTemplates xmlns="http://schemas.microsoft.com/sharepoint/v3/contenttype/forms">
+  <Display>DocumentLibraryForm</Display>
+  <Edit>DocumentLibraryForm</Edit>
+  <New>DocumentLibraryForm</New>
+</FormTemplates>
+</file>
+
 <file path=customXml/item3.xml><?xml version="1.0" encoding="utf-8"?>
 <p:properties xmlns:p="http://schemas.microsoft.com/office/2006/metadata/properties" xmlns:xsi="http://www.w3.org/2001/XMLSchema-instance" xmlns:pc="http://schemas.microsoft.com/office/infopath/2007/PartnerControls">
   <documentManagement/>
@@ -9134,14 +9161,6 @@
 </file>
 
 <file path=customXml/itemProps1.xml><?xml version="1.0" encoding="utf-8"?>
-<ds:datastoreItem xmlns:ds="http://schemas.openxmlformats.org/officeDocument/2006/customXml" ds:itemID="{19E20559-B232-4371-8690-E3D8007EDB82}">
-  <ds:schemaRefs>
-    <ds:schemaRef ds:uri="http://schemas.microsoft.com/sharepoint/v3/contenttype/forms"/>
-  </ds:schemaRefs>
-</ds:datastoreItem>
-</file>
-
-<file path=customXml/itemProps2.xml><?xml version="1.0" encoding="utf-8"?>
 <ds:datastoreItem xmlns:ds="http://schemas.openxmlformats.org/officeDocument/2006/customXml" ds:itemID="{E8DB7DEB-074E-4EE8-9B6E-FD277323109C}">
   <ds:schemaRefs>
     <ds:schemaRef ds:uri="http://schemas.microsoft.com/office/2006/metadata/contentType"/>
@@ -9152,6 +9171,14 @@
     <ds:schemaRef ds:uri="http://purl.org/dc/elements/1.1/"/>
     <ds:schemaRef ds:uri="http://purl.org/dc/terms/"/>
     <ds:schemaRef ds:uri="http://schemas.microsoft.com/office/internal/2005/internalDocumentation"/>
+  </ds:schemaRefs>
+</ds:datastoreItem>
+</file>
+
+<file path=customXml/itemProps2.xml><?xml version="1.0" encoding="utf-8"?>
+<ds:datastoreItem xmlns:ds="http://schemas.openxmlformats.org/officeDocument/2006/customXml" ds:itemID="{19E20559-B232-4371-8690-E3D8007EDB82}">
+  <ds:schemaRefs>
+    <ds:schemaRef ds:uri="http://schemas.microsoft.com/sharepoint/v3/contenttype/forms"/>
   </ds:schemaRefs>
 </ds:datastoreItem>
 </file>
